--- a/Programming Prep.pptx
+++ b/Programming Prep.pptx
@@ -52,6 +52,17 @@
     <p:sldId id="302" r:id="rId46"/>
     <p:sldId id="303" r:id="rId47"/>
     <p:sldId id="304" r:id="rId48"/>
+    <p:sldId id="308" r:id="rId49"/>
+    <p:sldId id="305" r:id="rId50"/>
+    <p:sldId id="306" r:id="rId51"/>
+    <p:sldId id="307" r:id="rId52"/>
+    <p:sldId id="309" r:id="rId53"/>
+    <p:sldId id="310" r:id="rId54"/>
+    <p:sldId id="311" r:id="rId55"/>
+    <p:sldId id="312" r:id="rId56"/>
+    <p:sldId id="313" r:id="rId57"/>
+    <p:sldId id="314" r:id="rId58"/>
+    <p:sldId id="315" r:id="rId59"/>
   </p:sldIdLst>
   <p:sldSz cx="9144000" cy="6858000" type="screen4x3"/>
   <p:notesSz cx="6858000" cy="9144000"/>
@@ -206,6 +217,17 @@
             <p14:sldId id="302"/>
             <p14:sldId id="303"/>
             <p14:sldId id="304"/>
+            <p14:sldId id="308"/>
+            <p14:sldId id="305"/>
+            <p14:sldId id="306"/>
+            <p14:sldId id="307"/>
+            <p14:sldId id="309"/>
+            <p14:sldId id="310"/>
+            <p14:sldId id="311"/>
+            <p14:sldId id="312"/>
+            <p14:sldId id="313"/>
+            <p14:sldId id="314"/>
+            <p14:sldId id="315"/>
           </p14:sldIdLst>
         </p14:section>
       </p14:sectionLst>
@@ -468,7 +490,7 @@
             <a:fld id="{1D8BD707-D9CF-40AE-B4C6-C98DA3205C09}" type="datetimeFigureOut">
               <a:rPr lang="en-US" smtClean="0"/>
               <a:pPr/>
-              <a:t>8/26/2022</a:t>
+              <a:t>8/27/2022</a:t>
             </a:fld>
             <a:endParaRPr lang="en-US"/>
           </a:p>
@@ -683,7 +705,7 @@
             <a:fld id="{1D8BD707-D9CF-40AE-B4C6-C98DA3205C09}" type="datetimeFigureOut">
               <a:rPr lang="en-US" smtClean="0"/>
               <a:pPr/>
-              <a:t>8/26/2022</a:t>
+              <a:t>8/27/2022</a:t>
             </a:fld>
             <a:endParaRPr lang="en-US"/>
           </a:p>
@@ -952,7 +974,7 @@
             <a:fld id="{1D8BD707-D9CF-40AE-B4C6-C98DA3205C09}" type="datetimeFigureOut">
               <a:rPr lang="en-US" smtClean="0"/>
               <a:pPr/>
-              <a:t>8/26/2022</a:t>
+              <a:t>8/27/2022</a:t>
             </a:fld>
             <a:endParaRPr lang="en-US"/>
           </a:p>
@@ -1104,7 +1126,7 @@
             <a:fld id="{1D8BD707-D9CF-40AE-B4C6-C98DA3205C09}" type="datetimeFigureOut">
               <a:rPr lang="en-US" smtClean="0"/>
               <a:pPr/>
-              <a:t>8/26/2022</a:t>
+              <a:t>8/27/2022</a:t>
             </a:fld>
             <a:endParaRPr lang="en-US"/>
           </a:p>
@@ -1436,7 +1458,7 @@
             <a:fld id="{1D8BD707-D9CF-40AE-B4C6-C98DA3205C09}" type="datetimeFigureOut">
               <a:rPr lang="en-US" smtClean="0"/>
               <a:pPr/>
-              <a:t>8/26/2022</a:t>
+              <a:t>8/27/2022</a:t>
             </a:fld>
             <a:endParaRPr lang="en-US"/>
           </a:p>
@@ -1746,7 +1768,7 @@
             <a:fld id="{1D8BD707-D9CF-40AE-B4C6-C98DA3205C09}" type="datetimeFigureOut">
               <a:rPr lang="en-US" smtClean="0"/>
               <a:pPr/>
-              <a:t>8/26/2022</a:t>
+              <a:t>8/27/2022</a:t>
             </a:fld>
             <a:endParaRPr lang="en-US"/>
           </a:p>
@@ -2169,7 +2191,7 @@
             <a:fld id="{1D8BD707-D9CF-40AE-B4C6-C98DA3205C09}" type="datetimeFigureOut">
               <a:rPr lang="en-US" smtClean="0"/>
               <a:pPr/>
-              <a:t>8/26/2022</a:t>
+              <a:t>8/27/2022</a:t>
             </a:fld>
             <a:endParaRPr lang="en-US"/>
           </a:p>
@@ -2284,7 +2306,7 @@
             <a:fld id="{1D8BD707-D9CF-40AE-B4C6-C98DA3205C09}" type="datetimeFigureOut">
               <a:rPr lang="en-US" smtClean="0"/>
               <a:pPr/>
-              <a:t>8/26/2022</a:t>
+              <a:t>8/27/2022</a:t>
             </a:fld>
             <a:endParaRPr lang="en-US"/>
           </a:p>
@@ -2445,7 +2467,7 @@
             <a:fld id="{1D8BD707-D9CF-40AE-B4C6-C98DA3205C09}" type="datetimeFigureOut">
               <a:rPr lang="en-US" smtClean="0"/>
               <a:pPr/>
-              <a:t>8/26/2022</a:t>
+              <a:t>8/27/2022</a:t>
             </a:fld>
             <a:endParaRPr lang="en-US"/>
           </a:p>
@@ -2831,7 +2853,7 @@
             <a:fld id="{1D8BD707-D9CF-40AE-B4C6-C98DA3205C09}" type="datetimeFigureOut">
               <a:rPr lang="en-US" smtClean="0"/>
               <a:pPr/>
-              <a:t>8/26/2022</a:t>
+              <a:t>8/27/2022</a:t>
             </a:fld>
             <a:endParaRPr lang="en-US"/>
           </a:p>
@@ -3195,7 +3217,7 @@
             <a:fld id="{1D8BD707-D9CF-40AE-B4C6-C98DA3205C09}" type="datetimeFigureOut">
               <a:rPr lang="en-US" smtClean="0"/>
               <a:pPr/>
-              <a:t>8/26/2022</a:t>
+              <a:t>8/27/2022</a:t>
             </a:fld>
             <a:endParaRPr lang="en-US"/>
           </a:p>
@@ -3531,7 +3553,7 @@
             <a:fld id="{1D8BD707-D9CF-40AE-B4C6-C98DA3205C09}" type="datetimeFigureOut">
               <a:rPr lang="en-US" smtClean="0"/>
               <a:pPr/>
-              <a:t>8/26/2022</a:t>
+              <a:t>8/27/2022</a:t>
             </a:fld>
             <a:endParaRPr lang="en-US"/>
           </a:p>
@@ -4379,15 +4401,7 @@
           <a:p>
             <a:r>
               <a:rPr lang="en-US" dirty="0"/>
-              <a:t>The </a:t>
-            </a:r>
-            <a:r>
-              <a:rPr lang="en-US" dirty="0"/>
-              <a:t>replace()</a:t>
-            </a:r>
-            <a:r>
-              <a:rPr lang="en-US" dirty="0"/>
-              <a:t> method replaces a specified value with another value in a string</a:t>
+              <a:t>The replace() method replaces a specified value with another value in a string</a:t>
             </a:r>
             <a:r>
               <a:rPr lang="en-US" dirty="0" smtClean="0"/>
@@ -4425,15 +4439,7 @@
             </a:r>
             <a:r>
               <a:rPr lang="en-US" dirty="0"/>
-              <a:t>default, the </a:t>
-            </a:r>
-            <a:r>
-              <a:rPr lang="en-US" dirty="0"/>
-              <a:t>replace()</a:t>
-            </a:r>
-            <a:r>
-              <a:rPr lang="en-US" dirty="0"/>
-              <a:t> method is case sensitive. Writing MICROSOFT (with upper-case) will not </a:t>
+              <a:t>default, the replace() method is case sensitive. Writing MICROSOFT (with upper-case) will not </a:t>
             </a:r>
             <a:r>
               <a:rPr lang="en-US" dirty="0" smtClean="0"/>
@@ -4833,11 +4839,7 @@
             </a:r>
             <a:r>
               <a:rPr lang="en-US" dirty="0"/>
-              <a:t>()</a:t>
-            </a:r>
-            <a:r>
-              <a:rPr lang="en-US" dirty="0"/>
-              <a:t> method can be used instead of the plus operator. These two lines do the same:</a:t>
+              <a:t>() method can be used instead of the plus operator. These two lines do the same:</a:t>
             </a:r>
             <a:endParaRPr lang="en-US" b="1" dirty="0"/>
           </a:p>
@@ -5218,15 +5220,7 @@
             </a:r>
             <a:r>
               <a:rPr lang="en-US" dirty="0"/>
-              <a:t> method works like </a:t>
-            </a:r>
-            <a:r>
-              <a:rPr lang="en-US" dirty="0"/>
-              <a:t>trim()</a:t>
-            </a:r>
-            <a:r>
-              <a:rPr lang="en-US" dirty="0"/>
-              <a:t>, but removes whitespace only from the start of a string</a:t>
+              <a:t> method works like trim(), but removes whitespace only from the start of a string</a:t>
             </a:r>
             <a:r>
               <a:rPr lang="en-US" dirty="0" smtClean="0"/>
@@ -5260,15 +5254,7 @@
             </a:r>
             <a:r>
               <a:rPr lang="en-US" dirty="0"/>
-              <a:t> method works like </a:t>
-            </a:r>
-            <a:r>
-              <a:rPr lang="en-US" dirty="0"/>
-              <a:t>trim()</a:t>
-            </a:r>
-            <a:r>
-              <a:rPr lang="en-US" dirty="0"/>
-              <a:t>, but removes whitespace only from the end of a string.</a:t>
+              <a:t> method works like trim(), but removes whitespace only from the end of a string.</a:t>
             </a:r>
             <a:endParaRPr lang="bg-BG" dirty="0"/>
           </a:p>
@@ -5543,11 +5529,7 @@
             </a:r>
             <a:r>
               <a:rPr lang="en-US" dirty="0"/>
-              <a:t>()</a:t>
-            </a:r>
-            <a:r>
-              <a:rPr lang="en-US" dirty="0"/>
-              <a:t> method pads a string with another string</a:t>
+              <a:t>() method pads a string with another string</a:t>
             </a:r>
             <a:r>
               <a:rPr lang="en-US" dirty="0" smtClean="0"/>
@@ -5580,11 +5562,7 @@
             </a:r>
             <a:r>
               <a:rPr lang="en-US" dirty="0"/>
-              <a:t>()</a:t>
-            </a:r>
-            <a:r>
-              <a:rPr lang="en-US" dirty="0"/>
-              <a:t> method pads a string with another string:</a:t>
+              <a:t>() method pads a string with another string:</a:t>
             </a:r>
             <a:endParaRPr lang="en-US" dirty="0" smtClean="0"/>
           </a:p>
@@ -6089,11 +6067,7 @@
             </a:r>
             <a:r>
               <a:rPr lang="en-US" dirty="0"/>
-              <a:t>()</a:t>
-            </a:r>
-            <a:r>
-              <a:rPr lang="en-US" dirty="0"/>
-              <a:t> method returns the character at a specified index (position) in a string</a:t>
+              <a:t>() method returns the character at a specified index (position) in a string</a:t>
             </a:r>
             <a:r>
               <a:rPr lang="en-US" dirty="0" smtClean="0"/>
@@ -6492,15 +6466,7 @@
           <a:p>
             <a:r>
               <a:rPr lang="en-US" dirty="0"/>
-              <a:t>A string can be converted to an array with the </a:t>
-            </a:r>
-            <a:r>
-              <a:rPr lang="en-US" dirty="0"/>
-              <a:t>split()</a:t>
-            </a:r>
-            <a:r>
-              <a:rPr lang="en-US" dirty="0"/>
-              <a:t> method</a:t>
+              <a:t>A string can be converted to an array with the split() method</a:t>
             </a:r>
             <a:r>
               <a:rPr lang="en-US" dirty="0" smtClean="0"/>
@@ -15153,6 +15119,463 @@
 </p:sld>
 </file>
 
+<file path=ppt/slides/slide48.xml><?xml version="1.0" encoding="utf-8"?>
+<p:sld xmlns:a="http://schemas.openxmlformats.org/drawingml/2006/main" xmlns:r="http://schemas.openxmlformats.org/officeDocument/2006/relationships" xmlns:p="http://schemas.openxmlformats.org/presentationml/2006/main">
+  <p:cSld>
+    <p:spTree>
+      <p:nvGrpSpPr>
+        <p:cNvPr id="1" name=""/>
+        <p:cNvGrpSpPr/>
+        <p:nvPr/>
+      </p:nvGrpSpPr>
+      <p:grpSpPr>
+        <a:xfrm>
+          <a:off x="0" y="0"/>
+          <a:ext cx="0" cy="0"/>
+          <a:chOff x="0" y="0"/>
+          <a:chExt cx="0" cy="0"/>
+        </a:xfrm>
+      </p:grpSpPr>
+      <p:sp>
+        <p:nvSpPr>
+          <p:cNvPr id="3" name="Title 2"/>
+          <p:cNvSpPr>
+            <a:spLocks noGrp="1"/>
+          </p:cNvSpPr>
+          <p:nvPr>
+            <p:ph type="title"/>
+          </p:nvPr>
+        </p:nvSpPr>
+        <p:spPr/>
+        <p:txBody>
+          <a:bodyPr/>
+          <a:lstStyle/>
+          <a:p>
+            <a:r>
+              <a:rPr lang="en-US" dirty="0"/>
+              <a:t>JavaScript Array Methods</a:t>
+            </a:r>
+            <a:endParaRPr lang="bg-BG" dirty="0"/>
+          </a:p>
+        </p:txBody>
+      </p:sp>
+    </p:spTree>
+    <p:extLst>
+      <p:ext uri="{BB962C8B-B14F-4D97-AF65-F5344CB8AC3E}">
+        <p14:creationId xmlns:p14="http://schemas.microsoft.com/office/powerpoint/2010/main" val="3096563355"/>
+      </p:ext>
+    </p:extLst>
+  </p:cSld>
+  <p:clrMapOvr>
+    <a:masterClrMapping/>
+  </p:clrMapOvr>
+</p:sld>
+</file>
+
+<file path=ppt/slides/slide49.xml><?xml version="1.0" encoding="utf-8"?>
+<p:sld xmlns:a="http://schemas.openxmlformats.org/drawingml/2006/main" xmlns:r="http://schemas.openxmlformats.org/officeDocument/2006/relationships" xmlns:p="http://schemas.openxmlformats.org/presentationml/2006/main">
+  <p:cSld>
+    <p:spTree>
+      <p:nvGrpSpPr>
+        <p:cNvPr id="1" name=""/>
+        <p:cNvGrpSpPr/>
+        <p:nvPr/>
+      </p:nvGrpSpPr>
+      <p:grpSpPr>
+        <a:xfrm>
+          <a:off x="0" y="0"/>
+          <a:ext cx="0" cy="0"/>
+          <a:chOff x="0" y="0"/>
+          <a:chExt cx="0" cy="0"/>
+        </a:xfrm>
+      </p:grpSpPr>
+      <p:sp>
+        <p:nvSpPr>
+          <p:cNvPr id="2" name="Content Placeholder 1"/>
+          <p:cNvSpPr>
+            <a:spLocks noGrp="1"/>
+          </p:cNvSpPr>
+          <p:nvPr>
+            <p:ph idx="1"/>
+          </p:nvPr>
+        </p:nvSpPr>
+        <p:spPr/>
+        <p:txBody>
+          <a:bodyPr/>
+          <a:lstStyle/>
+          <a:p>
+            <a:r>
+              <a:rPr lang="en-US" dirty="0"/>
+              <a:t>The JavaScript method </a:t>
+            </a:r>
+            <a:r>
+              <a:rPr lang="en-US" b="1" dirty="0" err="1">
+                <a:solidFill>
+                  <a:schemeClr val="accent1"/>
+                </a:solidFill>
+              </a:rPr>
+              <a:t>toString</a:t>
+            </a:r>
+            <a:r>
+              <a:rPr lang="en-US" b="1" dirty="0">
+                <a:solidFill>
+                  <a:schemeClr val="accent1"/>
+                </a:solidFill>
+              </a:rPr>
+              <a:t>()</a:t>
+            </a:r>
+            <a:r>
+              <a:rPr lang="en-US" dirty="0"/>
+              <a:t> converts an array to a string of (comma separated) array values</a:t>
+            </a:r>
+            <a:r>
+              <a:rPr lang="en-US" dirty="0" smtClean="0"/>
+              <a:t>.</a:t>
+            </a:r>
+          </a:p>
+          <a:p>
+            <a:endParaRPr lang="en-US" dirty="0"/>
+          </a:p>
+          <a:p>
+            <a:endParaRPr lang="en-US" dirty="0" smtClean="0"/>
+          </a:p>
+          <a:p>
+            <a:endParaRPr lang="en-US" dirty="0"/>
+          </a:p>
+          <a:p>
+            <a:endParaRPr lang="en-US" dirty="0" smtClean="0"/>
+          </a:p>
+          <a:p>
+            <a:r>
+              <a:rPr lang="en-US" dirty="0"/>
+              <a:t>The </a:t>
+            </a:r>
+            <a:r>
+              <a:rPr lang="en-US" b="1" dirty="0">
+                <a:solidFill>
+                  <a:schemeClr val="accent1"/>
+                </a:solidFill>
+              </a:rPr>
+              <a:t>join()</a:t>
+            </a:r>
+            <a:r>
+              <a:rPr lang="en-US" dirty="0"/>
+              <a:t> method also joins all array elements into a string.</a:t>
+            </a:r>
+          </a:p>
+          <a:p>
+            <a:r>
+              <a:rPr lang="en-US" dirty="0"/>
+              <a:t>It behaves just like </a:t>
+            </a:r>
+            <a:r>
+              <a:rPr lang="en-US" dirty="0" err="1"/>
+              <a:t>toString</a:t>
+            </a:r>
+            <a:r>
+              <a:rPr lang="en-US" dirty="0"/>
+              <a:t>(), but in addition you can specify the separator:</a:t>
+            </a:r>
+          </a:p>
+          <a:p>
+            <a:endParaRPr lang="bg-BG" dirty="0"/>
+          </a:p>
+        </p:txBody>
+      </p:sp>
+      <p:sp>
+        <p:nvSpPr>
+          <p:cNvPr id="3" name="Title 2"/>
+          <p:cNvSpPr>
+            <a:spLocks noGrp="1"/>
+          </p:cNvSpPr>
+          <p:nvPr>
+            <p:ph type="title"/>
+          </p:nvPr>
+        </p:nvSpPr>
+        <p:spPr/>
+        <p:txBody>
+          <a:bodyPr/>
+          <a:lstStyle/>
+          <a:p>
+            <a:r>
+              <a:rPr lang="en-US" dirty="0"/>
+              <a:t>JavaScript Array </a:t>
+            </a:r>
+            <a:r>
+              <a:rPr lang="en-US" dirty="0" smtClean="0"/>
+              <a:t>Methods</a:t>
+            </a:r>
+            <a:endParaRPr lang="bg-BG" dirty="0"/>
+          </a:p>
+        </p:txBody>
+      </p:sp>
+      <p:pic>
+        <p:nvPicPr>
+          <p:cNvPr id="1026" name="Picture 2"/>
+          <p:cNvPicPr>
+            <a:picLocks noChangeAspect="1" noChangeArrowheads="1"/>
+          </p:cNvPicPr>
+          <p:nvPr/>
+        </p:nvPicPr>
+        <p:blipFill rotWithShape="1">
+          <a:blip r:embed="rId2">
+            <a:extLst>
+              <a:ext uri="{28A0092B-C50C-407E-A947-70E740481C1C}">
+                <a14:useLocalDpi xmlns:a14="http://schemas.microsoft.com/office/drawing/2010/main" val="0"/>
+              </a:ext>
+            </a:extLst>
+          </a:blip>
+          <a:srcRect l="3666" t="22823" b="42520"/>
+          <a:stretch/>
+        </p:blipFill>
+        <p:spPr bwMode="auto">
+          <a:xfrm>
+            <a:off x="762000" y="2438400"/>
+            <a:ext cx="6166104" cy="874776"/>
+          </a:xfrm>
+          <a:prstGeom prst="rect">
+            <a:avLst/>
+          </a:prstGeom>
+          <a:noFill/>
+          <a:ln>
+            <a:noFill/>
+          </a:ln>
+          <a:effectLst/>
+          <a:extLst>
+            <a:ext uri="{909E8E84-426E-40DD-AFC4-6F175D3DCCD1}">
+              <a14:hiddenFill xmlns:a14="http://schemas.microsoft.com/office/drawing/2010/main">
+                <a:solidFill>
+                  <a:schemeClr val="accent1"/>
+                </a:solidFill>
+              </a14:hiddenFill>
+            </a:ext>
+            <a:ext uri="{91240B29-F687-4F45-9708-019B960494DF}">
+              <a14:hiddenLine xmlns:a14="http://schemas.microsoft.com/office/drawing/2010/main" w="9525">
+                <a:solidFill>
+                  <a:schemeClr val="tx1"/>
+                </a:solidFill>
+                <a:miter lim="800000"/>
+                <a:headEnd/>
+                <a:tailEnd/>
+              </a14:hiddenLine>
+            </a:ext>
+            <a:ext uri="{AF507438-7753-43E0-B8FC-AC1667EBCBE1}">
+              <a14:hiddenEffects xmlns:a14="http://schemas.microsoft.com/office/drawing/2010/main">
+                <a:effectLst>
+                  <a:outerShdw dist="35921" dir="2700000" algn="ctr" rotWithShape="0">
+                    <a:schemeClr val="bg2"/>
+                  </a:outerShdw>
+                </a:effectLst>
+              </a14:hiddenEffects>
+            </a:ext>
+          </a:extLst>
+        </p:spPr>
+      </p:pic>
+      <p:pic>
+        <p:nvPicPr>
+          <p:cNvPr id="1027" name="Picture 3"/>
+          <p:cNvPicPr>
+            <a:picLocks noChangeAspect="1" noChangeArrowheads="1"/>
+          </p:cNvPicPr>
+          <p:nvPr/>
+        </p:nvPicPr>
+        <p:blipFill>
+          <a:blip r:embed="rId3">
+            <a:extLst>
+              <a:ext uri="{28A0092B-C50C-407E-A947-70E740481C1C}">
+                <a14:useLocalDpi xmlns:a14="http://schemas.microsoft.com/office/drawing/2010/main" val="0"/>
+              </a:ext>
+            </a:extLst>
+          </a:blip>
+          <a:srcRect/>
+          <a:stretch>
+            <a:fillRect/>
+          </a:stretch>
+        </p:blipFill>
+        <p:spPr bwMode="auto">
+          <a:xfrm>
+            <a:off x="762000" y="3429000"/>
+            <a:ext cx="2857500" cy="447675"/>
+          </a:xfrm>
+          <a:prstGeom prst="rect">
+            <a:avLst/>
+          </a:prstGeom>
+          <a:noFill/>
+          <a:ln>
+            <a:noFill/>
+          </a:ln>
+          <a:effectLst/>
+          <a:extLst>
+            <a:ext uri="{909E8E84-426E-40DD-AFC4-6F175D3DCCD1}">
+              <a14:hiddenFill xmlns:a14="http://schemas.microsoft.com/office/drawing/2010/main">
+                <a:solidFill>
+                  <a:schemeClr val="accent1"/>
+                </a:solidFill>
+              </a14:hiddenFill>
+            </a:ext>
+            <a:ext uri="{91240B29-F687-4F45-9708-019B960494DF}">
+              <a14:hiddenLine xmlns:a14="http://schemas.microsoft.com/office/drawing/2010/main" w="9525">
+                <a:solidFill>
+                  <a:schemeClr val="tx1"/>
+                </a:solidFill>
+                <a:miter lim="800000"/>
+                <a:headEnd/>
+                <a:tailEnd/>
+              </a14:hiddenLine>
+            </a:ext>
+            <a:ext uri="{AF507438-7753-43E0-B8FC-AC1667EBCBE1}">
+              <a14:hiddenEffects xmlns:a14="http://schemas.microsoft.com/office/drawing/2010/main">
+                <a:effectLst>
+                  <a:outerShdw dist="35921" dir="2700000" algn="ctr" rotWithShape="0">
+                    <a:schemeClr val="bg2"/>
+                  </a:outerShdw>
+                </a:effectLst>
+              </a14:hiddenEffects>
+            </a:ext>
+          </a:extLst>
+        </p:spPr>
+      </p:pic>
+      <p:pic>
+        <p:nvPicPr>
+          <p:cNvPr id="1028" name="Picture 4"/>
+          <p:cNvPicPr>
+            <a:picLocks noChangeAspect="1" noChangeArrowheads="1"/>
+          </p:cNvPicPr>
+          <p:nvPr/>
+        </p:nvPicPr>
+        <p:blipFill>
+          <a:blip r:embed="rId4">
+            <a:extLst>
+              <a:ext uri="{28A0092B-C50C-407E-A947-70E740481C1C}">
+                <a14:useLocalDpi xmlns:a14="http://schemas.microsoft.com/office/drawing/2010/main" val="0"/>
+              </a:ext>
+            </a:extLst>
+          </a:blip>
+          <a:srcRect/>
+          <a:stretch>
+            <a:fillRect/>
+          </a:stretch>
+        </p:blipFill>
+        <p:spPr bwMode="auto">
+          <a:xfrm>
+            <a:off x="762000" y="5029200"/>
+            <a:ext cx="6400800" cy="666750"/>
+          </a:xfrm>
+          <a:prstGeom prst="rect">
+            <a:avLst/>
+          </a:prstGeom>
+          <a:noFill/>
+          <a:ln>
+            <a:noFill/>
+          </a:ln>
+          <a:effectLst/>
+          <a:extLst>
+            <a:ext uri="{909E8E84-426E-40DD-AFC4-6F175D3DCCD1}">
+              <a14:hiddenFill xmlns:a14="http://schemas.microsoft.com/office/drawing/2010/main">
+                <a:solidFill>
+                  <a:schemeClr val="accent1"/>
+                </a:solidFill>
+              </a14:hiddenFill>
+            </a:ext>
+            <a:ext uri="{91240B29-F687-4F45-9708-019B960494DF}">
+              <a14:hiddenLine xmlns:a14="http://schemas.microsoft.com/office/drawing/2010/main" w="9525">
+                <a:solidFill>
+                  <a:schemeClr val="tx1"/>
+                </a:solidFill>
+                <a:miter lim="800000"/>
+                <a:headEnd/>
+                <a:tailEnd/>
+              </a14:hiddenLine>
+            </a:ext>
+            <a:ext uri="{AF507438-7753-43E0-B8FC-AC1667EBCBE1}">
+              <a14:hiddenEffects xmlns:a14="http://schemas.microsoft.com/office/drawing/2010/main">
+                <a:effectLst>
+                  <a:outerShdw dist="35921" dir="2700000" algn="ctr" rotWithShape="0">
+                    <a:schemeClr val="bg2"/>
+                  </a:outerShdw>
+                </a:effectLst>
+              </a14:hiddenEffects>
+            </a:ext>
+          </a:extLst>
+        </p:spPr>
+      </p:pic>
+      <p:pic>
+        <p:nvPicPr>
+          <p:cNvPr id="1029" name="Picture 5"/>
+          <p:cNvPicPr>
+            <a:picLocks noChangeAspect="1" noChangeArrowheads="1"/>
+          </p:cNvPicPr>
+          <p:nvPr/>
+        </p:nvPicPr>
+        <p:blipFill>
+          <a:blip r:embed="rId5">
+            <a:extLst>
+              <a:ext uri="{28A0092B-C50C-407E-A947-70E740481C1C}">
+                <a14:useLocalDpi xmlns:a14="http://schemas.microsoft.com/office/drawing/2010/main" val="0"/>
+              </a:ext>
+            </a:extLst>
+          </a:blip>
+          <a:srcRect/>
+          <a:stretch>
+            <a:fillRect/>
+          </a:stretch>
+        </p:blipFill>
+        <p:spPr bwMode="auto">
+          <a:xfrm>
+            <a:off x="762000" y="5867400"/>
+            <a:ext cx="3324225" cy="381000"/>
+          </a:xfrm>
+          <a:prstGeom prst="rect">
+            <a:avLst/>
+          </a:prstGeom>
+          <a:noFill/>
+          <a:ln>
+            <a:noFill/>
+          </a:ln>
+          <a:effectLst/>
+          <a:extLst>
+            <a:ext uri="{909E8E84-426E-40DD-AFC4-6F175D3DCCD1}">
+              <a14:hiddenFill xmlns:a14="http://schemas.microsoft.com/office/drawing/2010/main">
+                <a:solidFill>
+                  <a:schemeClr val="accent1"/>
+                </a:solidFill>
+              </a14:hiddenFill>
+            </a:ext>
+            <a:ext uri="{91240B29-F687-4F45-9708-019B960494DF}">
+              <a14:hiddenLine xmlns:a14="http://schemas.microsoft.com/office/drawing/2010/main" w="9525">
+                <a:solidFill>
+                  <a:schemeClr val="tx1"/>
+                </a:solidFill>
+                <a:miter lim="800000"/>
+                <a:headEnd/>
+                <a:tailEnd/>
+              </a14:hiddenLine>
+            </a:ext>
+            <a:ext uri="{AF507438-7753-43E0-B8FC-AC1667EBCBE1}">
+              <a14:hiddenEffects xmlns:a14="http://schemas.microsoft.com/office/drawing/2010/main">
+                <a:effectLst>
+                  <a:outerShdw dist="35921" dir="2700000" algn="ctr" rotWithShape="0">
+                    <a:schemeClr val="bg2"/>
+                  </a:outerShdw>
+                </a:effectLst>
+              </a14:hiddenEffects>
+            </a:ext>
+          </a:extLst>
+        </p:spPr>
+      </p:pic>
+    </p:spTree>
+    <p:extLst>
+      <p:ext uri="{BB962C8B-B14F-4D97-AF65-F5344CB8AC3E}">
+        <p14:creationId xmlns:p14="http://schemas.microsoft.com/office/powerpoint/2010/main" val="1313826288"/>
+      </p:ext>
+    </p:extLst>
+  </p:cSld>
+  <p:clrMapOvr>
+    <a:masterClrMapping/>
+  </p:clrMapOvr>
+</p:sld>
+</file>
+
 <file path=ppt/slides/slide5.xml><?xml version="1.0" encoding="utf-8"?>
 <p:sld xmlns:a="http://schemas.openxmlformats.org/drawingml/2006/main" xmlns:r="http://schemas.openxmlformats.org/officeDocument/2006/relationships" xmlns:p="http://schemas.openxmlformats.org/presentationml/2006/main">
   <p:cSld>
@@ -15370,6 +15793,2924 @@
     <p:extLst>
       <p:ext uri="{BB962C8B-B14F-4D97-AF65-F5344CB8AC3E}">
         <p14:creationId xmlns:p14="http://schemas.microsoft.com/office/powerpoint/2010/main" val="922373206"/>
+      </p:ext>
+    </p:extLst>
+  </p:cSld>
+  <p:clrMapOvr>
+    <a:masterClrMapping/>
+  </p:clrMapOvr>
+</p:sld>
+</file>
+
+<file path=ppt/slides/slide50.xml><?xml version="1.0" encoding="utf-8"?>
+<p:sld xmlns:a="http://schemas.openxmlformats.org/drawingml/2006/main" xmlns:r="http://schemas.openxmlformats.org/officeDocument/2006/relationships" xmlns:p="http://schemas.openxmlformats.org/presentationml/2006/main">
+  <p:cSld>
+    <p:spTree>
+      <p:nvGrpSpPr>
+        <p:cNvPr id="1" name=""/>
+        <p:cNvGrpSpPr/>
+        <p:nvPr/>
+      </p:nvGrpSpPr>
+      <p:grpSpPr>
+        <a:xfrm>
+          <a:off x="0" y="0"/>
+          <a:ext cx="0" cy="0"/>
+          <a:chOff x="0" y="0"/>
+          <a:chExt cx="0" cy="0"/>
+        </a:xfrm>
+      </p:grpSpPr>
+      <p:sp>
+        <p:nvSpPr>
+          <p:cNvPr id="2" name="Content Placeholder 1"/>
+          <p:cNvSpPr>
+            <a:spLocks noGrp="1"/>
+          </p:cNvSpPr>
+          <p:nvPr>
+            <p:ph idx="1"/>
+          </p:nvPr>
+        </p:nvSpPr>
+        <p:spPr/>
+        <p:txBody>
+          <a:bodyPr/>
+          <a:lstStyle/>
+          <a:p>
+            <a:r>
+              <a:rPr lang="en-US" dirty="0"/>
+              <a:t>When you work with arrays, it is easy to remove elements and add new elements.</a:t>
+            </a:r>
+          </a:p>
+          <a:p>
+            <a:r>
+              <a:rPr lang="en-US" dirty="0"/>
+              <a:t>This is what popping and pushing is:</a:t>
+            </a:r>
+          </a:p>
+          <a:p>
+            <a:r>
+              <a:rPr lang="en-US" dirty="0"/>
+              <a:t>Popping items </a:t>
+            </a:r>
+            <a:r>
+              <a:rPr lang="en-US" b="1" dirty="0"/>
+              <a:t>out</a:t>
+            </a:r>
+            <a:r>
+              <a:rPr lang="en-US" dirty="0"/>
+              <a:t> of an array, or pushing items </a:t>
+            </a:r>
+            <a:r>
+              <a:rPr lang="en-US" b="1" dirty="0"/>
+              <a:t>into</a:t>
+            </a:r>
+            <a:r>
+              <a:rPr lang="en-US" dirty="0"/>
+              <a:t> an array.</a:t>
+            </a:r>
+          </a:p>
+          <a:p>
+            <a:r>
+              <a:rPr lang="en-US" dirty="0"/>
+              <a:t>The </a:t>
+            </a:r>
+            <a:r>
+              <a:rPr lang="en-US" b="1" dirty="0">
+                <a:solidFill>
+                  <a:schemeClr val="accent1"/>
+                </a:solidFill>
+              </a:rPr>
+              <a:t>pop()</a:t>
+            </a:r>
+            <a:r>
+              <a:rPr lang="en-US" dirty="0"/>
+              <a:t> method removes the last element from an array</a:t>
+            </a:r>
+            <a:r>
+              <a:rPr lang="en-US" dirty="0" smtClean="0"/>
+              <a:t>:</a:t>
+            </a:r>
+          </a:p>
+          <a:p>
+            <a:r>
+              <a:rPr lang="en-US" dirty="0" smtClean="0"/>
+              <a:t>It returns </a:t>
+            </a:r>
+            <a:r>
+              <a:rPr lang="en-US" dirty="0"/>
+              <a:t>the value that was "popped out</a:t>
+            </a:r>
+            <a:r>
+              <a:rPr lang="en-US" dirty="0" smtClean="0"/>
+              <a:t>":</a:t>
+            </a:r>
+          </a:p>
+          <a:p>
+            <a:endParaRPr lang="en-US" dirty="0"/>
+          </a:p>
+          <a:p>
+            <a:endParaRPr lang="en-US" dirty="0" smtClean="0"/>
+          </a:p>
+          <a:p>
+            <a:r>
+              <a:rPr lang="en-US" dirty="0"/>
+              <a:t>The </a:t>
+            </a:r>
+            <a:r>
+              <a:rPr lang="en-US" b="1" dirty="0">
+                <a:solidFill>
+                  <a:schemeClr val="accent1"/>
+                </a:solidFill>
+              </a:rPr>
+              <a:t>push()</a:t>
+            </a:r>
+            <a:r>
+              <a:rPr lang="en-US" dirty="0"/>
+              <a:t> method adds a new element to an array (at the end</a:t>
+            </a:r>
+            <a:r>
+              <a:rPr lang="en-US" dirty="0" smtClean="0"/>
+              <a:t>):</a:t>
+            </a:r>
+          </a:p>
+          <a:p>
+            <a:r>
+              <a:rPr lang="en-US" dirty="0" smtClean="0"/>
+              <a:t>It </a:t>
+            </a:r>
+            <a:r>
+              <a:rPr lang="en-US" dirty="0"/>
+              <a:t>returns the new array length:</a:t>
+            </a:r>
+            <a:endParaRPr lang="bg-BG" dirty="0"/>
+          </a:p>
+        </p:txBody>
+      </p:sp>
+      <p:sp>
+        <p:nvSpPr>
+          <p:cNvPr id="3" name="Title 2"/>
+          <p:cNvSpPr>
+            <a:spLocks noGrp="1"/>
+          </p:cNvSpPr>
+          <p:nvPr>
+            <p:ph type="title"/>
+          </p:nvPr>
+        </p:nvSpPr>
+        <p:spPr/>
+        <p:txBody>
+          <a:bodyPr/>
+          <a:lstStyle/>
+          <a:p>
+            <a:r>
+              <a:rPr lang="en-US" dirty="0"/>
+              <a:t>Popping and </a:t>
+            </a:r>
+            <a:r>
+              <a:rPr lang="en-US" dirty="0" smtClean="0"/>
+              <a:t>Pushing</a:t>
+            </a:r>
+            <a:endParaRPr lang="bg-BG" dirty="0"/>
+          </a:p>
+        </p:txBody>
+      </p:sp>
+      <p:pic>
+        <p:nvPicPr>
+          <p:cNvPr id="2050" name="Picture 2"/>
+          <p:cNvPicPr>
+            <a:picLocks noChangeAspect="1" noChangeArrowheads="1"/>
+          </p:cNvPicPr>
+          <p:nvPr/>
+        </p:nvPicPr>
+        <p:blipFill>
+          <a:blip r:embed="rId2">
+            <a:extLst>
+              <a:ext uri="{28A0092B-C50C-407E-A947-70E740481C1C}">
+                <a14:useLocalDpi xmlns:a14="http://schemas.microsoft.com/office/drawing/2010/main" val="0"/>
+              </a:ext>
+            </a:extLst>
+          </a:blip>
+          <a:srcRect/>
+          <a:stretch>
+            <a:fillRect/>
+          </a:stretch>
+        </p:blipFill>
+        <p:spPr bwMode="auto">
+          <a:xfrm>
+            <a:off x="762000" y="3962400"/>
+            <a:ext cx="5438775" cy="619125"/>
+          </a:xfrm>
+          <a:prstGeom prst="rect">
+            <a:avLst/>
+          </a:prstGeom>
+          <a:noFill/>
+          <a:ln>
+            <a:noFill/>
+          </a:ln>
+          <a:effectLst/>
+          <a:extLst>
+            <a:ext uri="{909E8E84-426E-40DD-AFC4-6F175D3DCCD1}">
+              <a14:hiddenFill xmlns:a14="http://schemas.microsoft.com/office/drawing/2010/main">
+                <a:solidFill>
+                  <a:schemeClr val="accent1"/>
+                </a:solidFill>
+              </a14:hiddenFill>
+            </a:ext>
+            <a:ext uri="{91240B29-F687-4F45-9708-019B960494DF}">
+              <a14:hiddenLine xmlns:a14="http://schemas.microsoft.com/office/drawing/2010/main" w="9525">
+                <a:solidFill>
+                  <a:schemeClr val="tx1"/>
+                </a:solidFill>
+                <a:miter lim="800000"/>
+                <a:headEnd/>
+                <a:tailEnd/>
+              </a14:hiddenLine>
+            </a:ext>
+            <a:ext uri="{AF507438-7753-43E0-B8FC-AC1667EBCBE1}">
+              <a14:hiddenEffects xmlns:a14="http://schemas.microsoft.com/office/drawing/2010/main">
+                <a:effectLst>
+                  <a:outerShdw dist="35921" dir="2700000" algn="ctr" rotWithShape="0">
+                    <a:schemeClr val="bg2"/>
+                  </a:outerShdw>
+                </a:effectLst>
+              </a14:hiddenEffects>
+            </a:ext>
+          </a:extLst>
+        </p:spPr>
+      </p:pic>
+      <p:pic>
+        <p:nvPicPr>
+          <p:cNvPr id="2051" name="Picture 3"/>
+          <p:cNvPicPr>
+            <a:picLocks noChangeAspect="1" noChangeArrowheads="1"/>
+          </p:cNvPicPr>
+          <p:nvPr/>
+        </p:nvPicPr>
+        <p:blipFill>
+          <a:blip r:embed="rId3">
+            <a:extLst>
+              <a:ext uri="{28A0092B-C50C-407E-A947-70E740481C1C}">
+                <a14:useLocalDpi xmlns:a14="http://schemas.microsoft.com/office/drawing/2010/main" val="0"/>
+              </a:ext>
+            </a:extLst>
+          </a:blip>
+          <a:srcRect/>
+          <a:stretch>
+            <a:fillRect/>
+          </a:stretch>
+        </p:blipFill>
+        <p:spPr bwMode="auto">
+          <a:xfrm>
+            <a:off x="762000" y="5791200"/>
+            <a:ext cx="5419725" cy="733425"/>
+          </a:xfrm>
+          <a:prstGeom prst="rect">
+            <a:avLst/>
+          </a:prstGeom>
+          <a:noFill/>
+          <a:ln>
+            <a:noFill/>
+          </a:ln>
+          <a:effectLst/>
+          <a:extLst>
+            <a:ext uri="{909E8E84-426E-40DD-AFC4-6F175D3DCCD1}">
+              <a14:hiddenFill xmlns:a14="http://schemas.microsoft.com/office/drawing/2010/main">
+                <a:solidFill>
+                  <a:schemeClr val="accent1"/>
+                </a:solidFill>
+              </a14:hiddenFill>
+            </a:ext>
+            <a:ext uri="{91240B29-F687-4F45-9708-019B960494DF}">
+              <a14:hiddenLine xmlns:a14="http://schemas.microsoft.com/office/drawing/2010/main" w="9525">
+                <a:solidFill>
+                  <a:schemeClr val="tx1"/>
+                </a:solidFill>
+                <a:miter lim="800000"/>
+                <a:headEnd/>
+                <a:tailEnd/>
+              </a14:hiddenLine>
+            </a:ext>
+            <a:ext uri="{AF507438-7753-43E0-B8FC-AC1667EBCBE1}">
+              <a14:hiddenEffects xmlns:a14="http://schemas.microsoft.com/office/drawing/2010/main">
+                <a:effectLst>
+                  <a:outerShdw dist="35921" dir="2700000" algn="ctr" rotWithShape="0">
+                    <a:schemeClr val="bg2"/>
+                  </a:outerShdw>
+                </a:effectLst>
+              </a14:hiddenEffects>
+            </a:ext>
+          </a:extLst>
+        </p:spPr>
+      </p:pic>
+    </p:spTree>
+    <p:extLst>
+      <p:ext uri="{BB962C8B-B14F-4D97-AF65-F5344CB8AC3E}">
+        <p14:creationId xmlns:p14="http://schemas.microsoft.com/office/powerpoint/2010/main" val="468641942"/>
+      </p:ext>
+    </p:extLst>
+  </p:cSld>
+  <p:clrMapOvr>
+    <a:masterClrMapping/>
+  </p:clrMapOvr>
+</p:sld>
+</file>
+
+<file path=ppt/slides/slide51.xml><?xml version="1.0" encoding="utf-8"?>
+<p:sld xmlns:a="http://schemas.openxmlformats.org/drawingml/2006/main" xmlns:r="http://schemas.openxmlformats.org/officeDocument/2006/relationships" xmlns:p="http://schemas.openxmlformats.org/presentationml/2006/main">
+  <p:cSld>
+    <p:spTree>
+      <p:nvGrpSpPr>
+        <p:cNvPr id="1" name=""/>
+        <p:cNvGrpSpPr/>
+        <p:nvPr/>
+      </p:nvGrpSpPr>
+      <p:grpSpPr>
+        <a:xfrm>
+          <a:off x="0" y="0"/>
+          <a:ext cx="0" cy="0"/>
+          <a:chOff x="0" y="0"/>
+          <a:chExt cx="0" cy="0"/>
+        </a:xfrm>
+      </p:grpSpPr>
+      <p:sp>
+        <p:nvSpPr>
+          <p:cNvPr id="2" name="Content Placeholder 1"/>
+          <p:cNvSpPr>
+            <a:spLocks noGrp="1"/>
+          </p:cNvSpPr>
+          <p:nvPr>
+            <p:ph idx="1"/>
+          </p:nvPr>
+        </p:nvSpPr>
+        <p:spPr/>
+        <p:txBody>
+          <a:bodyPr/>
+          <a:lstStyle/>
+          <a:p>
+            <a:r>
+              <a:rPr lang="en-US" dirty="0"/>
+              <a:t>Shifting is equivalent to popping, but working on the first element instead of the last</a:t>
+            </a:r>
+            <a:r>
+              <a:rPr lang="en-US" dirty="0" smtClean="0"/>
+              <a:t>.</a:t>
+            </a:r>
+          </a:p>
+          <a:p>
+            <a:r>
+              <a:rPr lang="en-US" dirty="0"/>
+              <a:t>The </a:t>
+            </a:r>
+            <a:r>
+              <a:rPr lang="en-US" b="1" dirty="0">
+                <a:solidFill>
+                  <a:schemeClr val="accent1"/>
+                </a:solidFill>
+              </a:rPr>
+              <a:t>shift()</a:t>
+            </a:r>
+            <a:r>
+              <a:rPr lang="en-US" dirty="0"/>
+              <a:t> method removes the first array element and "shifts" all other elements to a lower index</a:t>
+            </a:r>
+            <a:r>
+              <a:rPr lang="en-US" dirty="0" smtClean="0"/>
+              <a:t>.</a:t>
+            </a:r>
+          </a:p>
+          <a:p>
+            <a:r>
+              <a:rPr lang="en-US" dirty="0" smtClean="0"/>
+              <a:t>It returns </a:t>
+            </a:r>
+            <a:r>
+              <a:rPr lang="en-US" dirty="0"/>
+              <a:t>the value that was "shifted out</a:t>
+            </a:r>
+            <a:r>
+              <a:rPr lang="en-US" dirty="0" smtClean="0"/>
+              <a:t>":</a:t>
+            </a:r>
+          </a:p>
+          <a:p>
+            <a:endParaRPr lang="en-US" dirty="0"/>
+          </a:p>
+          <a:p>
+            <a:endParaRPr lang="en-US" dirty="0" smtClean="0"/>
+          </a:p>
+          <a:p>
+            <a:r>
+              <a:rPr lang="en-US" dirty="0"/>
+              <a:t>The </a:t>
+            </a:r>
+            <a:r>
+              <a:rPr lang="en-US" b="1" dirty="0" err="1">
+                <a:solidFill>
+                  <a:schemeClr val="accent1"/>
+                </a:solidFill>
+              </a:rPr>
+              <a:t>unshift</a:t>
+            </a:r>
+            <a:r>
+              <a:rPr lang="en-US" b="1" dirty="0">
+                <a:solidFill>
+                  <a:schemeClr val="accent1"/>
+                </a:solidFill>
+              </a:rPr>
+              <a:t>()</a:t>
+            </a:r>
+            <a:r>
+              <a:rPr lang="en-US" dirty="0"/>
+              <a:t> method adds a new element to an array (at the beginning), and "</a:t>
+            </a:r>
+            <a:r>
+              <a:rPr lang="en-US" dirty="0" err="1"/>
+              <a:t>unshifts</a:t>
+            </a:r>
+            <a:r>
+              <a:rPr lang="en-US" dirty="0"/>
+              <a:t>" older elements</a:t>
+            </a:r>
+            <a:r>
+              <a:rPr lang="en-US" dirty="0" smtClean="0"/>
+              <a:t>:</a:t>
+            </a:r>
+          </a:p>
+          <a:p>
+            <a:r>
+              <a:rPr lang="en-US" dirty="0" smtClean="0"/>
+              <a:t>It </a:t>
+            </a:r>
+            <a:r>
+              <a:rPr lang="en-US" dirty="0"/>
+              <a:t>returns the new array length.</a:t>
+            </a:r>
+            <a:endParaRPr lang="bg-BG" dirty="0"/>
+          </a:p>
+        </p:txBody>
+      </p:sp>
+      <p:sp>
+        <p:nvSpPr>
+          <p:cNvPr id="3" name="Title 2"/>
+          <p:cNvSpPr>
+            <a:spLocks noGrp="1"/>
+          </p:cNvSpPr>
+          <p:nvPr>
+            <p:ph type="title"/>
+          </p:nvPr>
+        </p:nvSpPr>
+        <p:spPr/>
+        <p:txBody>
+          <a:bodyPr/>
+          <a:lstStyle/>
+          <a:p>
+            <a:r>
+              <a:rPr lang="en-US" dirty="0"/>
+              <a:t>Shifting </a:t>
+            </a:r>
+            <a:r>
+              <a:rPr lang="en-US" dirty="0" smtClean="0"/>
+              <a:t>Elements</a:t>
+            </a:r>
+            <a:endParaRPr lang="bg-BG" dirty="0"/>
+          </a:p>
+        </p:txBody>
+      </p:sp>
+      <p:pic>
+        <p:nvPicPr>
+          <p:cNvPr id="3074" name="Picture 2"/>
+          <p:cNvPicPr>
+            <a:picLocks noChangeAspect="1" noChangeArrowheads="1"/>
+          </p:cNvPicPr>
+          <p:nvPr/>
+        </p:nvPicPr>
+        <p:blipFill>
+          <a:blip r:embed="rId2">
+            <a:extLst>
+              <a:ext uri="{28A0092B-C50C-407E-A947-70E740481C1C}">
+                <a14:useLocalDpi xmlns:a14="http://schemas.microsoft.com/office/drawing/2010/main" val="0"/>
+              </a:ext>
+            </a:extLst>
+          </a:blip>
+          <a:srcRect/>
+          <a:stretch>
+            <a:fillRect/>
+          </a:stretch>
+        </p:blipFill>
+        <p:spPr bwMode="auto">
+          <a:xfrm>
+            <a:off x="762000" y="3581400"/>
+            <a:ext cx="5257800" cy="571500"/>
+          </a:xfrm>
+          <a:prstGeom prst="rect">
+            <a:avLst/>
+          </a:prstGeom>
+          <a:noFill/>
+          <a:ln>
+            <a:noFill/>
+          </a:ln>
+          <a:effectLst/>
+          <a:extLst>
+            <a:ext uri="{909E8E84-426E-40DD-AFC4-6F175D3DCCD1}">
+              <a14:hiddenFill xmlns:a14="http://schemas.microsoft.com/office/drawing/2010/main">
+                <a:solidFill>
+                  <a:schemeClr val="accent1"/>
+                </a:solidFill>
+              </a14:hiddenFill>
+            </a:ext>
+            <a:ext uri="{91240B29-F687-4F45-9708-019B960494DF}">
+              <a14:hiddenLine xmlns:a14="http://schemas.microsoft.com/office/drawing/2010/main" w="9525">
+                <a:solidFill>
+                  <a:schemeClr val="tx1"/>
+                </a:solidFill>
+                <a:miter lim="800000"/>
+                <a:headEnd/>
+                <a:tailEnd/>
+              </a14:hiddenLine>
+            </a:ext>
+            <a:ext uri="{AF507438-7753-43E0-B8FC-AC1667EBCBE1}">
+              <a14:hiddenEffects xmlns:a14="http://schemas.microsoft.com/office/drawing/2010/main">
+                <a:effectLst>
+                  <a:outerShdw dist="35921" dir="2700000" algn="ctr" rotWithShape="0">
+                    <a:schemeClr val="bg2"/>
+                  </a:outerShdw>
+                </a:effectLst>
+              </a14:hiddenEffects>
+            </a:ext>
+          </a:extLst>
+        </p:spPr>
+      </p:pic>
+      <p:pic>
+        <p:nvPicPr>
+          <p:cNvPr id="3075" name="Picture 3"/>
+          <p:cNvPicPr>
+            <a:picLocks noChangeAspect="1" noChangeArrowheads="1"/>
+          </p:cNvPicPr>
+          <p:nvPr/>
+        </p:nvPicPr>
+        <p:blipFill>
+          <a:blip r:embed="rId3">
+            <a:extLst>
+              <a:ext uri="{28A0092B-C50C-407E-A947-70E740481C1C}">
+                <a14:useLocalDpi xmlns:a14="http://schemas.microsoft.com/office/drawing/2010/main" val="0"/>
+              </a:ext>
+            </a:extLst>
+          </a:blip>
+          <a:srcRect/>
+          <a:stretch>
+            <a:fillRect/>
+          </a:stretch>
+        </p:blipFill>
+        <p:spPr bwMode="auto">
+          <a:xfrm>
+            <a:off x="762000" y="5410200"/>
+            <a:ext cx="5429250" cy="647700"/>
+          </a:xfrm>
+          <a:prstGeom prst="rect">
+            <a:avLst/>
+          </a:prstGeom>
+          <a:noFill/>
+          <a:ln>
+            <a:noFill/>
+          </a:ln>
+          <a:effectLst/>
+          <a:extLst>
+            <a:ext uri="{909E8E84-426E-40DD-AFC4-6F175D3DCCD1}">
+              <a14:hiddenFill xmlns:a14="http://schemas.microsoft.com/office/drawing/2010/main">
+                <a:solidFill>
+                  <a:schemeClr val="accent1"/>
+                </a:solidFill>
+              </a14:hiddenFill>
+            </a:ext>
+            <a:ext uri="{91240B29-F687-4F45-9708-019B960494DF}">
+              <a14:hiddenLine xmlns:a14="http://schemas.microsoft.com/office/drawing/2010/main" w="9525">
+                <a:solidFill>
+                  <a:schemeClr val="tx1"/>
+                </a:solidFill>
+                <a:miter lim="800000"/>
+                <a:headEnd/>
+                <a:tailEnd/>
+              </a14:hiddenLine>
+            </a:ext>
+            <a:ext uri="{AF507438-7753-43E0-B8FC-AC1667EBCBE1}">
+              <a14:hiddenEffects xmlns:a14="http://schemas.microsoft.com/office/drawing/2010/main">
+                <a:effectLst>
+                  <a:outerShdw dist="35921" dir="2700000" algn="ctr" rotWithShape="0">
+                    <a:schemeClr val="bg2"/>
+                  </a:outerShdw>
+                </a:effectLst>
+              </a14:hiddenEffects>
+            </a:ext>
+          </a:extLst>
+        </p:spPr>
+      </p:pic>
+    </p:spTree>
+    <p:extLst>
+      <p:ext uri="{BB962C8B-B14F-4D97-AF65-F5344CB8AC3E}">
+        <p14:creationId xmlns:p14="http://schemas.microsoft.com/office/powerpoint/2010/main" val="566028171"/>
+      </p:ext>
+    </p:extLst>
+  </p:cSld>
+  <p:clrMapOvr>
+    <a:masterClrMapping/>
+  </p:clrMapOvr>
+</p:sld>
+</file>
+
+<file path=ppt/slides/slide52.xml><?xml version="1.0" encoding="utf-8"?>
+<p:sld xmlns:a="http://schemas.openxmlformats.org/drawingml/2006/main" xmlns:r="http://schemas.openxmlformats.org/officeDocument/2006/relationships" xmlns:p="http://schemas.openxmlformats.org/presentationml/2006/main">
+  <p:cSld>
+    <p:spTree>
+      <p:nvGrpSpPr>
+        <p:cNvPr id="1" name=""/>
+        <p:cNvGrpSpPr/>
+        <p:nvPr/>
+      </p:nvGrpSpPr>
+      <p:grpSpPr>
+        <a:xfrm>
+          <a:off x="0" y="0"/>
+          <a:ext cx="0" cy="0"/>
+          <a:chOff x="0" y="0"/>
+          <a:chExt cx="0" cy="0"/>
+        </a:xfrm>
+      </p:grpSpPr>
+      <p:sp>
+        <p:nvSpPr>
+          <p:cNvPr id="2" name="Content Placeholder 1"/>
+          <p:cNvSpPr>
+            <a:spLocks noGrp="1"/>
+          </p:cNvSpPr>
+          <p:nvPr>
+            <p:ph idx="1"/>
+          </p:nvPr>
+        </p:nvSpPr>
+        <p:spPr>
+          <a:xfrm>
+            <a:off x="381000" y="1524000"/>
+            <a:ext cx="8407893" cy="1938529"/>
+          </a:xfrm>
+        </p:spPr>
+        <p:txBody>
+          <a:bodyPr/>
+          <a:lstStyle/>
+          <a:p>
+            <a:r>
+              <a:rPr lang="en-US" dirty="0"/>
+              <a:t>Array elements are accessed using their </a:t>
+            </a:r>
+            <a:r>
+              <a:rPr lang="en-US" b="1" dirty="0"/>
+              <a:t>index number</a:t>
+            </a:r>
+            <a:r>
+              <a:rPr lang="en-US" dirty="0" smtClean="0"/>
+              <a:t>:</a:t>
+            </a:r>
+          </a:p>
+          <a:p>
+            <a:endParaRPr lang="en-US" dirty="0"/>
+          </a:p>
+          <a:p>
+            <a:endParaRPr lang="en-US" dirty="0" smtClean="0"/>
+          </a:p>
+          <a:p>
+            <a:r>
+              <a:rPr lang="en-US" dirty="0"/>
+              <a:t>The length property provides an easy way to append a new element to an array</a:t>
+            </a:r>
+            <a:r>
+              <a:rPr lang="en-US" dirty="0" smtClean="0"/>
+              <a:t>:</a:t>
+            </a:r>
+          </a:p>
+        </p:txBody>
+      </p:sp>
+      <p:sp>
+        <p:nvSpPr>
+          <p:cNvPr id="3" name="Title 2"/>
+          <p:cNvSpPr>
+            <a:spLocks noGrp="1"/>
+          </p:cNvSpPr>
+          <p:nvPr>
+            <p:ph type="title"/>
+          </p:nvPr>
+        </p:nvSpPr>
+        <p:spPr/>
+        <p:txBody>
+          <a:bodyPr/>
+          <a:lstStyle/>
+          <a:p>
+            <a:r>
+              <a:rPr lang="en-US" dirty="0"/>
+              <a:t>Changing </a:t>
+            </a:r>
+            <a:r>
+              <a:rPr lang="en-US" dirty="0" smtClean="0"/>
+              <a:t>Elements</a:t>
+            </a:r>
+            <a:endParaRPr lang="bg-BG" dirty="0"/>
+          </a:p>
+        </p:txBody>
+      </p:sp>
+      <p:pic>
+        <p:nvPicPr>
+          <p:cNvPr id="4098" name="Picture 2"/>
+          <p:cNvPicPr>
+            <a:picLocks noChangeAspect="1" noChangeArrowheads="1"/>
+          </p:cNvPicPr>
+          <p:nvPr/>
+        </p:nvPicPr>
+        <p:blipFill>
+          <a:blip r:embed="rId2">
+            <a:extLst>
+              <a:ext uri="{28A0092B-C50C-407E-A947-70E740481C1C}">
+                <a14:useLocalDpi xmlns:a14="http://schemas.microsoft.com/office/drawing/2010/main" val="0"/>
+              </a:ext>
+            </a:extLst>
+          </a:blip>
+          <a:srcRect/>
+          <a:stretch>
+            <a:fillRect/>
+          </a:stretch>
+        </p:blipFill>
+        <p:spPr bwMode="auto">
+          <a:xfrm>
+            <a:off x="685795" y="1905000"/>
+            <a:ext cx="5495925" cy="638175"/>
+          </a:xfrm>
+          <a:prstGeom prst="rect">
+            <a:avLst/>
+          </a:prstGeom>
+          <a:noFill/>
+          <a:ln>
+            <a:noFill/>
+          </a:ln>
+          <a:effectLst/>
+          <a:extLst>
+            <a:ext uri="{909E8E84-426E-40DD-AFC4-6F175D3DCCD1}">
+              <a14:hiddenFill xmlns:a14="http://schemas.microsoft.com/office/drawing/2010/main">
+                <a:solidFill>
+                  <a:schemeClr val="accent1"/>
+                </a:solidFill>
+              </a14:hiddenFill>
+            </a:ext>
+            <a:ext uri="{91240B29-F687-4F45-9708-019B960494DF}">
+              <a14:hiddenLine xmlns:a14="http://schemas.microsoft.com/office/drawing/2010/main" w="9525">
+                <a:solidFill>
+                  <a:schemeClr val="tx1"/>
+                </a:solidFill>
+                <a:miter lim="800000"/>
+                <a:headEnd/>
+                <a:tailEnd/>
+              </a14:hiddenLine>
+            </a:ext>
+            <a:ext uri="{AF507438-7753-43E0-B8FC-AC1667EBCBE1}">
+              <a14:hiddenEffects xmlns:a14="http://schemas.microsoft.com/office/drawing/2010/main">
+                <a:effectLst>
+                  <a:outerShdw dist="35921" dir="2700000" algn="ctr" rotWithShape="0">
+                    <a:schemeClr val="bg2"/>
+                  </a:outerShdw>
+                </a:effectLst>
+              </a14:hiddenEffects>
+            </a:ext>
+          </a:extLst>
+        </p:spPr>
+      </p:pic>
+      <p:pic>
+        <p:nvPicPr>
+          <p:cNvPr id="4099" name="Picture 3"/>
+          <p:cNvPicPr>
+            <a:picLocks noChangeAspect="1" noChangeArrowheads="1"/>
+          </p:cNvPicPr>
+          <p:nvPr/>
+        </p:nvPicPr>
+        <p:blipFill>
+          <a:blip r:embed="rId3">
+            <a:extLst>
+              <a:ext uri="{28A0092B-C50C-407E-A947-70E740481C1C}">
+                <a14:useLocalDpi xmlns:a14="http://schemas.microsoft.com/office/drawing/2010/main" val="0"/>
+              </a:ext>
+            </a:extLst>
+          </a:blip>
+          <a:srcRect/>
+          <a:stretch>
+            <a:fillRect/>
+          </a:stretch>
+        </p:blipFill>
+        <p:spPr bwMode="auto">
+          <a:xfrm>
+            <a:off x="752471" y="3352800"/>
+            <a:ext cx="5362575" cy="647700"/>
+          </a:xfrm>
+          <a:prstGeom prst="rect">
+            <a:avLst/>
+          </a:prstGeom>
+          <a:noFill/>
+          <a:ln>
+            <a:noFill/>
+          </a:ln>
+          <a:effectLst/>
+          <a:extLst>
+            <a:ext uri="{909E8E84-426E-40DD-AFC4-6F175D3DCCD1}">
+              <a14:hiddenFill xmlns:a14="http://schemas.microsoft.com/office/drawing/2010/main">
+                <a:solidFill>
+                  <a:schemeClr val="accent1"/>
+                </a:solidFill>
+              </a14:hiddenFill>
+            </a:ext>
+            <a:ext uri="{91240B29-F687-4F45-9708-019B960494DF}">
+              <a14:hiddenLine xmlns:a14="http://schemas.microsoft.com/office/drawing/2010/main" w="9525">
+                <a:solidFill>
+                  <a:schemeClr val="tx1"/>
+                </a:solidFill>
+                <a:miter lim="800000"/>
+                <a:headEnd/>
+                <a:tailEnd/>
+              </a14:hiddenLine>
+            </a:ext>
+            <a:ext uri="{AF507438-7753-43E0-B8FC-AC1667EBCBE1}">
+              <a14:hiddenEffects xmlns:a14="http://schemas.microsoft.com/office/drawing/2010/main">
+                <a:effectLst>
+                  <a:outerShdw dist="35921" dir="2700000" algn="ctr" rotWithShape="0">
+                    <a:schemeClr val="bg2"/>
+                  </a:outerShdw>
+                </a:effectLst>
+              </a14:hiddenEffects>
+            </a:ext>
+          </a:extLst>
+        </p:spPr>
+      </p:pic>
+      <p:pic>
+        <p:nvPicPr>
+          <p:cNvPr id="4100" name="Picture 4"/>
+          <p:cNvPicPr>
+            <a:picLocks noChangeAspect="1" noChangeArrowheads="1"/>
+          </p:cNvPicPr>
+          <p:nvPr/>
+        </p:nvPicPr>
+        <p:blipFill>
+          <a:blip r:embed="rId4">
+            <a:extLst>
+              <a:ext uri="{28A0092B-C50C-407E-A947-70E740481C1C}">
+                <a14:useLocalDpi xmlns:a14="http://schemas.microsoft.com/office/drawing/2010/main" val="0"/>
+              </a:ext>
+            </a:extLst>
+          </a:blip>
+          <a:srcRect/>
+          <a:stretch>
+            <a:fillRect/>
+          </a:stretch>
+        </p:blipFill>
+        <p:spPr bwMode="auto">
+          <a:xfrm>
+            <a:off x="752471" y="4000500"/>
+            <a:ext cx="6505575" cy="1895475"/>
+          </a:xfrm>
+          <a:prstGeom prst="rect">
+            <a:avLst/>
+          </a:prstGeom>
+          <a:noFill/>
+          <a:ln>
+            <a:noFill/>
+          </a:ln>
+          <a:effectLst/>
+          <a:extLst>
+            <a:ext uri="{909E8E84-426E-40DD-AFC4-6F175D3DCCD1}">
+              <a14:hiddenFill xmlns:a14="http://schemas.microsoft.com/office/drawing/2010/main">
+                <a:solidFill>
+                  <a:schemeClr val="accent1"/>
+                </a:solidFill>
+              </a14:hiddenFill>
+            </a:ext>
+            <a:ext uri="{91240B29-F687-4F45-9708-019B960494DF}">
+              <a14:hiddenLine xmlns:a14="http://schemas.microsoft.com/office/drawing/2010/main" w="9525">
+                <a:solidFill>
+                  <a:schemeClr val="tx1"/>
+                </a:solidFill>
+                <a:miter lim="800000"/>
+                <a:headEnd/>
+                <a:tailEnd/>
+              </a14:hiddenLine>
+            </a:ext>
+            <a:ext uri="{AF507438-7753-43E0-B8FC-AC1667EBCBE1}">
+              <a14:hiddenEffects xmlns:a14="http://schemas.microsoft.com/office/drawing/2010/main">
+                <a:effectLst>
+                  <a:outerShdw dist="35921" dir="2700000" algn="ctr" rotWithShape="0">
+                    <a:schemeClr val="bg2"/>
+                  </a:outerShdw>
+                </a:effectLst>
+              </a14:hiddenEffects>
+            </a:ext>
+          </a:extLst>
+        </p:spPr>
+      </p:pic>
+      <p:pic>
+        <p:nvPicPr>
+          <p:cNvPr id="4101" name="Picture 5"/>
+          <p:cNvPicPr>
+            <a:picLocks noChangeAspect="1" noChangeArrowheads="1"/>
+          </p:cNvPicPr>
+          <p:nvPr/>
+        </p:nvPicPr>
+        <p:blipFill>
+          <a:blip r:embed="rId5">
+            <a:extLst>
+              <a:ext uri="{28A0092B-C50C-407E-A947-70E740481C1C}">
+                <a14:useLocalDpi xmlns:a14="http://schemas.microsoft.com/office/drawing/2010/main" val="0"/>
+              </a:ext>
+            </a:extLst>
+          </a:blip>
+          <a:srcRect/>
+          <a:stretch>
+            <a:fillRect/>
+          </a:stretch>
+        </p:blipFill>
+        <p:spPr bwMode="auto">
+          <a:xfrm>
+            <a:off x="761995" y="5860727"/>
+            <a:ext cx="5343525" cy="676275"/>
+          </a:xfrm>
+          <a:prstGeom prst="rect">
+            <a:avLst/>
+          </a:prstGeom>
+          <a:noFill/>
+          <a:ln>
+            <a:noFill/>
+          </a:ln>
+          <a:effectLst/>
+          <a:extLst>
+            <a:ext uri="{909E8E84-426E-40DD-AFC4-6F175D3DCCD1}">
+              <a14:hiddenFill xmlns:a14="http://schemas.microsoft.com/office/drawing/2010/main">
+                <a:solidFill>
+                  <a:schemeClr val="accent1"/>
+                </a:solidFill>
+              </a14:hiddenFill>
+            </a:ext>
+            <a:ext uri="{91240B29-F687-4F45-9708-019B960494DF}">
+              <a14:hiddenLine xmlns:a14="http://schemas.microsoft.com/office/drawing/2010/main" w="9525">
+                <a:solidFill>
+                  <a:schemeClr val="tx1"/>
+                </a:solidFill>
+                <a:miter lim="800000"/>
+                <a:headEnd/>
+                <a:tailEnd/>
+              </a14:hiddenLine>
+            </a:ext>
+            <a:ext uri="{AF507438-7753-43E0-B8FC-AC1667EBCBE1}">
+              <a14:hiddenEffects xmlns:a14="http://schemas.microsoft.com/office/drawing/2010/main">
+                <a:effectLst>
+                  <a:outerShdw dist="35921" dir="2700000" algn="ctr" rotWithShape="0">
+                    <a:schemeClr val="bg2"/>
+                  </a:outerShdw>
+                </a:effectLst>
+              </a14:hiddenEffects>
+            </a:ext>
+          </a:extLst>
+        </p:spPr>
+      </p:pic>
+    </p:spTree>
+    <p:extLst>
+      <p:ext uri="{BB962C8B-B14F-4D97-AF65-F5344CB8AC3E}">
+        <p14:creationId xmlns:p14="http://schemas.microsoft.com/office/powerpoint/2010/main" val="1289493030"/>
+      </p:ext>
+    </p:extLst>
+  </p:cSld>
+  <p:clrMapOvr>
+    <a:masterClrMapping/>
+  </p:clrMapOvr>
+</p:sld>
+</file>
+
+<file path=ppt/slides/slide53.xml><?xml version="1.0" encoding="utf-8"?>
+<p:sld xmlns:a="http://schemas.openxmlformats.org/drawingml/2006/main" xmlns:r="http://schemas.openxmlformats.org/officeDocument/2006/relationships" xmlns:p="http://schemas.openxmlformats.org/presentationml/2006/main">
+  <p:cSld>
+    <p:spTree>
+      <p:nvGrpSpPr>
+        <p:cNvPr id="1" name=""/>
+        <p:cNvGrpSpPr/>
+        <p:nvPr/>
+      </p:nvGrpSpPr>
+      <p:grpSpPr>
+        <a:xfrm>
+          <a:off x="0" y="0"/>
+          <a:ext cx="0" cy="0"/>
+          <a:chOff x="0" y="0"/>
+          <a:chExt cx="0" cy="0"/>
+        </a:xfrm>
+      </p:grpSpPr>
+      <p:sp>
+        <p:nvSpPr>
+          <p:cNvPr id="2" name="Content Placeholder 1"/>
+          <p:cNvSpPr>
+            <a:spLocks noGrp="1"/>
+          </p:cNvSpPr>
+          <p:nvPr>
+            <p:ph idx="1"/>
+          </p:nvPr>
+        </p:nvSpPr>
+        <p:spPr/>
+        <p:txBody>
+          <a:bodyPr/>
+          <a:lstStyle/>
+          <a:p>
+            <a:r>
+              <a:rPr lang="en-US" dirty="0"/>
+              <a:t>The </a:t>
+            </a:r>
+            <a:r>
+              <a:rPr lang="en-US" b="1" dirty="0" err="1">
+                <a:solidFill>
+                  <a:schemeClr val="accent1"/>
+                </a:solidFill>
+              </a:rPr>
+              <a:t>concat</a:t>
+            </a:r>
+            <a:r>
+              <a:rPr lang="en-US" b="1" dirty="0">
+                <a:solidFill>
+                  <a:schemeClr val="accent1"/>
+                </a:solidFill>
+              </a:rPr>
+              <a:t>()</a:t>
+            </a:r>
+            <a:r>
+              <a:rPr lang="en-US" dirty="0"/>
+              <a:t> method creates a new array by merging (concatenating) existing arrays</a:t>
+            </a:r>
+            <a:r>
+              <a:rPr lang="en-US" dirty="0" smtClean="0"/>
+              <a:t>:</a:t>
+            </a:r>
+          </a:p>
+          <a:p>
+            <a:endParaRPr lang="en-US" dirty="0"/>
+          </a:p>
+          <a:p>
+            <a:endParaRPr lang="en-US" dirty="0" smtClean="0"/>
+          </a:p>
+          <a:p>
+            <a:endParaRPr lang="en-US" dirty="0"/>
+          </a:p>
+          <a:p>
+            <a:endParaRPr lang="en-US" dirty="0" smtClean="0"/>
+          </a:p>
+          <a:p>
+            <a:r>
+              <a:rPr lang="en-US" dirty="0"/>
+              <a:t>The </a:t>
+            </a:r>
+            <a:r>
+              <a:rPr lang="en-US" b="1" dirty="0" err="1">
+                <a:solidFill>
+                  <a:schemeClr val="accent1"/>
+                </a:solidFill>
+              </a:rPr>
+              <a:t>concat</a:t>
+            </a:r>
+            <a:r>
+              <a:rPr lang="en-US" b="1" dirty="0">
+                <a:solidFill>
+                  <a:schemeClr val="accent1"/>
+                </a:solidFill>
+              </a:rPr>
+              <a:t>()</a:t>
+            </a:r>
+            <a:r>
+              <a:rPr lang="en-US" dirty="0"/>
+              <a:t> method does not change the existing arrays. It always returns a new array.</a:t>
+            </a:r>
+          </a:p>
+          <a:p>
+            <a:r>
+              <a:rPr lang="en-US" dirty="0"/>
+              <a:t>The </a:t>
+            </a:r>
+            <a:r>
+              <a:rPr lang="en-US" b="1" dirty="0" err="1">
+                <a:solidFill>
+                  <a:schemeClr val="accent1"/>
+                </a:solidFill>
+              </a:rPr>
+              <a:t>concat</a:t>
+            </a:r>
+            <a:r>
+              <a:rPr lang="en-US" b="1" dirty="0">
+                <a:solidFill>
+                  <a:schemeClr val="accent1"/>
+                </a:solidFill>
+              </a:rPr>
+              <a:t>()</a:t>
+            </a:r>
+            <a:r>
+              <a:rPr lang="en-US" dirty="0"/>
+              <a:t> method can take any number of array arguments:</a:t>
+            </a:r>
+          </a:p>
+          <a:p>
+            <a:endParaRPr lang="en-US" dirty="0" smtClean="0"/>
+          </a:p>
+          <a:p>
+            <a:endParaRPr lang="bg-BG" dirty="0"/>
+          </a:p>
+        </p:txBody>
+      </p:sp>
+      <p:sp>
+        <p:nvSpPr>
+          <p:cNvPr id="3" name="Title 2"/>
+          <p:cNvSpPr>
+            <a:spLocks noGrp="1"/>
+          </p:cNvSpPr>
+          <p:nvPr>
+            <p:ph type="title"/>
+          </p:nvPr>
+        </p:nvSpPr>
+        <p:spPr/>
+        <p:txBody>
+          <a:bodyPr/>
+          <a:lstStyle/>
+          <a:p>
+            <a:r>
+              <a:rPr lang="en-US" dirty="0"/>
+              <a:t>Merging (Concatenating) </a:t>
+            </a:r>
+            <a:r>
+              <a:rPr lang="en-US" dirty="0" smtClean="0"/>
+              <a:t>Arrays</a:t>
+            </a:r>
+            <a:endParaRPr lang="bg-BG" dirty="0"/>
+          </a:p>
+        </p:txBody>
+      </p:sp>
+      <p:pic>
+        <p:nvPicPr>
+          <p:cNvPr id="5122" name="Picture 2"/>
+          <p:cNvPicPr>
+            <a:picLocks noChangeAspect="1" noChangeArrowheads="1"/>
+          </p:cNvPicPr>
+          <p:nvPr/>
+        </p:nvPicPr>
+        <p:blipFill>
+          <a:blip r:embed="rId2">
+            <a:extLst>
+              <a:ext uri="{28A0092B-C50C-407E-A947-70E740481C1C}">
+                <a14:useLocalDpi xmlns:a14="http://schemas.microsoft.com/office/drawing/2010/main" val="0"/>
+              </a:ext>
+            </a:extLst>
+          </a:blip>
+          <a:srcRect/>
+          <a:stretch>
+            <a:fillRect/>
+          </a:stretch>
+        </p:blipFill>
+        <p:spPr bwMode="auto">
+          <a:xfrm>
+            <a:off x="762000" y="2514600"/>
+            <a:ext cx="4486275" cy="1209675"/>
+          </a:xfrm>
+          <a:prstGeom prst="rect">
+            <a:avLst/>
+          </a:prstGeom>
+          <a:noFill/>
+          <a:ln>
+            <a:noFill/>
+          </a:ln>
+          <a:effectLst/>
+          <a:extLst>
+            <a:ext uri="{909E8E84-426E-40DD-AFC4-6F175D3DCCD1}">
+              <a14:hiddenFill xmlns:a14="http://schemas.microsoft.com/office/drawing/2010/main">
+                <a:solidFill>
+                  <a:schemeClr val="accent1"/>
+                </a:solidFill>
+              </a14:hiddenFill>
+            </a:ext>
+            <a:ext uri="{91240B29-F687-4F45-9708-019B960494DF}">
+              <a14:hiddenLine xmlns:a14="http://schemas.microsoft.com/office/drawing/2010/main" w="9525">
+                <a:solidFill>
+                  <a:schemeClr val="tx1"/>
+                </a:solidFill>
+                <a:miter lim="800000"/>
+                <a:headEnd/>
+                <a:tailEnd/>
+              </a14:hiddenLine>
+            </a:ext>
+            <a:ext uri="{AF507438-7753-43E0-B8FC-AC1667EBCBE1}">
+              <a14:hiddenEffects xmlns:a14="http://schemas.microsoft.com/office/drawing/2010/main">
+                <a:effectLst>
+                  <a:outerShdw dist="35921" dir="2700000" algn="ctr" rotWithShape="0">
+                    <a:schemeClr val="bg2"/>
+                  </a:outerShdw>
+                </a:effectLst>
+              </a14:hiddenEffects>
+            </a:ext>
+          </a:extLst>
+        </p:spPr>
+      </p:pic>
+      <p:pic>
+        <p:nvPicPr>
+          <p:cNvPr id="5123" name="Picture 3"/>
+          <p:cNvPicPr>
+            <a:picLocks noChangeAspect="1" noChangeArrowheads="1"/>
+          </p:cNvPicPr>
+          <p:nvPr/>
+        </p:nvPicPr>
+        <p:blipFill>
+          <a:blip r:embed="rId3">
+            <a:extLst>
+              <a:ext uri="{28A0092B-C50C-407E-A947-70E740481C1C}">
+                <a14:useLocalDpi xmlns:a14="http://schemas.microsoft.com/office/drawing/2010/main" val="0"/>
+              </a:ext>
+            </a:extLst>
+          </a:blip>
+          <a:srcRect/>
+          <a:stretch>
+            <a:fillRect/>
+          </a:stretch>
+        </p:blipFill>
+        <p:spPr bwMode="auto">
+          <a:xfrm>
+            <a:off x="5410200" y="3276599"/>
+            <a:ext cx="3121944" cy="447675"/>
+          </a:xfrm>
+          <a:prstGeom prst="rect">
+            <a:avLst/>
+          </a:prstGeom>
+          <a:noFill/>
+          <a:ln>
+            <a:noFill/>
+          </a:ln>
+          <a:effectLst/>
+          <a:extLst>
+            <a:ext uri="{909E8E84-426E-40DD-AFC4-6F175D3DCCD1}">
+              <a14:hiddenFill xmlns:a14="http://schemas.microsoft.com/office/drawing/2010/main">
+                <a:solidFill>
+                  <a:schemeClr val="accent1"/>
+                </a:solidFill>
+              </a14:hiddenFill>
+            </a:ext>
+            <a:ext uri="{91240B29-F687-4F45-9708-019B960494DF}">
+              <a14:hiddenLine xmlns:a14="http://schemas.microsoft.com/office/drawing/2010/main" w="9525">
+                <a:solidFill>
+                  <a:schemeClr val="tx1"/>
+                </a:solidFill>
+                <a:miter lim="800000"/>
+                <a:headEnd/>
+                <a:tailEnd/>
+              </a14:hiddenLine>
+            </a:ext>
+            <a:ext uri="{AF507438-7753-43E0-B8FC-AC1667EBCBE1}">
+              <a14:hiddenEffects xmlns:a14="http://schemas.microsoft.com/office/drawing/2010/main">
+                <a:effectLst>
+                  <a:outerShdw dist="35921" dir="2700000" algn="ctr" rotWithShape="0">
+                    <a:schemeClr val="bg2"/>
+                  </a:outerShdw>
+                </a:effectLst>
+              </a14:hiddenEffects>
+            </a:ext>
+          </a:extLst>
+        </p:spPr>
+      </p:pic>
+      <p:pic>
+        <p:nvPicPr>
+          <p:cNvPr id="5124" name="Picture 4"/>
+          <p:cNvPicPr>
+            <a:picLocks noChangeAspect="1" noChangeArrowheads="1"/>
+          </p:cNvPicPr>
+          <p:nvPr/>
+        </p:nvPicPr>
+        <p:blipFill>
+          <a:blip r:embed="rId4">
+            <a:extLst>
+              <a:ext uri="{28A0092B-C50C-407E-A947-70E740481C1C}">
+                <a14:useLocalDpi xmlns:a14="http://schemas.microsoft.com/office/drawing/2010/main" val="0"/>
+              </a:ext>
+            </a:extLst>
+          </a:blip>
+          <a:srcRect/>
+          <a:stretch>
+            <a:fillRect/>
+          </a:stretch>
+        </p:blipFill>
+        <p:spPr bwMode="auto">
+          <a:xfrm>
+            <a:off x="762000" y="5105400"/>
+            <a:ext cx="4524375" cy="1219200"/>
+          </a:xfrm>
+          <a:prstGeom prst="rect">
+            <a:avLst/>
+          </a:prstGeom>
+          <a:noFill/>
+          <a:ln>
+            <a:noFill/>
+          </a:ln>
+          <a:effectLst/>
+          <a:extLst>
+            <a:ext uri="{909E8E84-426E-40DD-AFC4-6F175D3DCCD1}">
+              <a14:hiddenFill xmlns:a14="http://schemas.microsoft.com/office/drawing/2010/main">
+                <a:solidFill>
+                  <a:schemeClr val="accent1"/>
+                </a:solidFill>
+              </a14:hiddenFill>
+            </a:ext>
+            <a:ext uri="{91240B29-F687-4F45-9708-019B960494DF}">
+              <a14:hiddenLine xmlns:a14="http://schemas.microsoft.com/office/drawing/2010/main" w="9525">
+                <a:solidFill>
+                  <a:schemeClr val="tx1"/>
+                </a:solidFill>
+                <a:miter lim="800000"/>
+                <a:headEnd/>
+                <a:tailEnd/>
+              </a14:hiddenLine>
+            </a:ext>
+            <a:ext uri="{AF507438-7753-43E0-B8FC-AC1667EBCBE1}">
+              <a14:hiddenEffects xmlns:a14="http://schemas.microsoft.com/office/drawing/2010/main">
+                <a:effectLst>
+                  <a:outerShdw dist="35921" dir="2700000" algn="ctr" rotWithShape="0">
+                    <a:schemeClr val="bg2"/>
+                  </a:outerShdw>
+                </a:effectLst>
+              </a14:hiddenEffects>
+            </a:ext>
+          </a:extLst>
+        </p:spPr>
+      </p:pic>
+      <p:pic>
+        <p:nvPicPr>
+          <p:cNvPr id="5125" name="Picture 5"/>
+          <p:cNvPicPr>
+            <a:picLocks noChangeAspect="1" noChangeArrowheads="1"/>
+          </p:cNvPicPr>
+          <p:nvPr/>
+        </p:nvPicPr>
+        <p:blipFill>
+          <a:blip r:embed="rId5">
+            <a:extLst>
+              <a:ext uri="{28A0092B-C50C-407E-A947-70E740481C1C}">
+                <a14:useLocalDpi xmlns:a14="http://schemas.microsoft.com/office/drawing/2010/main" val="0"/>
+              </a:ext>
+            </a:extLst>
+          </a:blip>
+          <a:srcRect/>
+          <a:stretch>
+            <a:fillRect/>
+          </a:stretch>
+        </p:blipFill>
+        <p:spPr bwMode="auto">
+          <a:xfrm>
+            <a:off x="5384322" y="2514600"/>
+            <a:ext cx="3147822" cy="680934"/>
+          </a:xfrm>
+          <a:prstGeom prst="rect">
+            <a:avLst/>
+          </a:prstGeom>
+          <a:noFill/>
+          <a:ln>
+            <a:noFill/>
+          </a:ln>
+          <a:effectLst/>
+          <a:extLst>
+            <a:ext uri="{909E8E84-426E-40DD-AFC4-6F175D3DCCD1}">
+              <a14:hiddenFill xmlns:a14="http://schemas.microsoft.com/office/drawing/2010/main">
+                <a:solidFill>
+                  <a:schemeClr val="accent1"/>
+                </a:solidFill>
+              </a14:hiddenFill>
+            </a:ext>
+            <a:ext uri="{91240B29-F687-4F45-9708-019B960494DF}">
+              <a14:hiddenLine xmlns:a14="http://schemas.microsoft.com/office/drawing/2010/main" w="9525">
+                <a:solidFill>
+                  <a:schemeClr val="tx1"/>
+                </a:solidFill>
+                <a:miter lim="800000"/>
+                <a:headEnd/>
+                <a:tailEnd/>
+              </a14:hiddenLine>
+            </a:ext>
+            <a:ext uri="{AF507438-7753-43E0-B8FC-AC1667EBCBE1}">
+              <a14:hiddenEffects xmlns:a14="http://schemas.microsoft.com/office/drawing/2010/main">
+                <a:effectLst>
+                  <a:outerShdw dist="35921" dir="2700000" algn="ctr" rotWithShape="0">
+                    <a:schemeClr val="bg2"/>
+                  </a:outerShdw>
+                </a:effectLst>
+              </a14:hiddenEffects>
+            </a:ext>
+          </a:extLst>
+        </p:spPr>
+      </p:pic>
+    </p:spTree>
+    <p:extLst>
+      <p:ext uri="{BB962C8B-B14F-4D97-AF65-F5344CB8AC3E}">
+        <p14:creationId xmlns:p14="http://schemas.microsoft.com/office/powerpoint/2010/main" val="278918605"/>
+      </p:ext>
+    </p:extLst>
+  </p:cSld>
+  <p:clrMapOvr>
+    <a:masterClrMapping/>
+  </p:clrMapOvr>
+</p:sld>
+</file>
+
+<file path=ppt/slides/slide54.xml><?xml version="1.0" encoding="utf-8"?>
+<p:sld xmlns:a="http://schemas.openxmlformats.org/drawingml/2006/main" xmlns:r="http://schemas.openxmlformats.org/officeDocument/2006/relationships" xmlns:p="http://schemas.openxmlformats.org/presentationml/2006/main">
+  <p:cSld>
+    <p:spTree>
+      <p:nvGrpSpPr>
+        <p:cNvPr id="1" name=""/>
+        <p:cNvGrpSpPr/>
+        <p:nvPr/>
+      </p:nvGrpSpPr>
+      <p:grpSpPr>
+        <a:xfrm>
+          <a:off x="0" y="0"/>
+          <a:ext cx="0" cy="0"/>
+          <a:chOff x="0" y="0"/>
+          <a:chExt cx="0" cy="0"/>
+        </a:xfrm>
+      </p:grpSpPr>
+      <p:sp>
+        <p:nvSpPr>
+          <p:cNvPr id="2" name="Content Placeholder 1"/>
+          <p:cNvSpPr>
+            <a:spLocks noGrp="1"/>
+          </p:cNvSpPr>
+          <p:nvPr>
+            <p:ph idx="1"/>
+          </p:nvPr>
+        </p:nvSpPr>
+        <p:spPr>
+          <a:xfrm>
+            <a:off x="380999" y="1719070"/>
+            <a:ext cx="8407893" cy="4834129"/>
+          </a:xfrm>
+        </p:spPr>
+        <p:txBody>
+          <a:bodyPr>
+            <a:normAutofit/>
+          </a:bodyPr>
+          <a:lstStyle/>
+          <a:p>
+            <a:r>
+              <a:rPr lang="en-US" dirty="0"/>
+              <a:t>The </a:t>
+            </a:r>
+            <a:r>
+              <a:rPr lang="en-US" b="1" dirty="0">
+                <a:solidFill>
+                  <a:schemeClr val="accent1"/>
+                </a:solidFill>
+              </a:rPr>
+              <a:t>splice()</a:t>
+            </a:r>
+            <a:r>
+              <a:rPr lang="en-US" dirty="0"/>
+              <a:t> method adds new items to an array.</a:t>
+            </a:r>
+          </a:p>
+          <a:p>
+            <a:r>
+              <a:rPr lang="en-US" dirty="0"/>
+              <a:t>The</a:t>
+            </a:r>
+            <a:r>
+              <a:rPr lang="en-US" b="1" dirty="0">
+                <a:solidFill>
+                  <a:schemeClr val="accent1"/>
+                </a:solidFill>
+              </a:rPr>
+              <a:t> slice()</a:t>
+            </a:r>
+            <a:r>
+              <a:rPr lang="en-US" dirty="0"/>
+              <a:t> method slices out a piece of an array</a:t>
+            </a:r>
+            <a:r>
+              <a:rPr lang="en-US" dirty="0" smtClean="0"/>
+              <a:t>.</a:t>
+            </a:r>
+          </a:p>
+          <a:p>
+            <a:endParaRPr lang="en-US" dirty="0"/>
+          </a:p>
+          <a:p>
+            <a:endParaRPr lang="en-US" dirty="0" smtClean="0"/>
+          </a:p>
+          <a:p>
+            <a:endParaRPr lang="en-US" dirty="0"/>
+          </a:p>
+          <a:p>
+            <a:endParaRPr lang="en-US" dirty="0" smtClean="0"/>
+          </a:p>
+          <a:p>
+            <a:r>
+              <a:rPr lang="en-US" dirty="0"/>
+              <a:t>The first parameter (2) defines the position </a:t>
+            </a:r>
+            <a:r>
+              <a:rPr lang="en-US" b="1" dirty="0"/>
+              <a:t>where</a:t>
+            </a:r>
+            <a:r>
+              <a:rPr lang="en-US" dirty="0"/>
+              <a:t> new elements should be </a:t>
+            </a:r>
+            <a:r>
+              <a:rPr lang="en-US" b="1" dirty="0"/>
+              <a:t>added</a:t>
+            </a:r>
+            <a:r>
+              <a:rPr lang="en-US" dirty="0"/>
+              <a:t> (spliced in).</a:t>
+            </a:r>
+          </a:p>
+          <a:p>
+            <a:r>
+              <a:rPr lang="en-US" dirty="0"/>
+              <a:t>The second parameter (0) defines </a:t>
+            </a:r>
+            <a:r>
+              <a:rPr lang="en-US" b="1" dirty="0"/>
+              <a:t>how many</a:t>
+            </a:r>
+            <a:r>
+              <a:rPr lang="en-US" dirty="0"/>
+              <a:t> elements should be </a:t>
+            </a:r>
+            <a:r>
+              <a:rPr lang="en-US" b="1" dirty="0"/>
+              <a:t>removed</a:t>
+            </a:r>
+            <a:r>
+              <a:rPr lang="en-US" dirty="0"/>
+              <a:t>.</a:t>
+            </a:r>
+          </a:p>
+          <a:p>
+            <a:r>
+              <a:rPr lang="en-US" dirty="0"/>
+              <a:t>The rest of the parameters ("Lemon" , "Kiwi") define the new elements to be </a:t>
+            </a:r>
+            <a:r>
+              <a:rPr lang="en-US" b="1" dirty="0"/>
+              <a:t>added</a:t>
+            </a:r>
+            <a:r>
+              <a:rPr lang="en-US" dirty="0"/>
+              <a:t>.</a:t>
+            </a:r>
+          </a:p>
+          <a:p>
+            <a:r>
+              <a:rPr lang="en-US" dirty="0"/>
+              <a:t>The splice() method returns an array with the deleted items</a:t>
+            </a:r>
+            <a:r>
+              <a:rPr lang="en-US" dirty="0" smtClean="0"/>
+              <a:t>:</a:t>
+            </a:r>
+            <a:endParaRPr lang="en-US" dirty="0"/>
+          </a:p>
+          <a:p>
+            <a:endParaRPr lang="bg-BG" dirty="0"/>
+          </a:p>
+        </p:txBody>
+      </p:sp>
+      <p:sp>
+        <p:nvSpPr>
+          <p:cNvPr id="3" name="Title 2"/>
+          <p:cNvSpPr>
+            <a:spLocks noGrp="1"/>
+          </p:cNvSpPr>
+          <p:nvPr>
+            <p:ph type="title"/>
+          </p:nvPr>
+        </p:nvSpPr>
+        <p:spPr/>
+        <p:txBody>
+          <a:bodyPr/>
+          <a:lstStyle/>
+          <a:p>
+            <a:r>
+              <a:rPr lang="en-US" dirty="0"/>
+              <a:t>Splicing and Slicing </a:t>
+            </a:r>
+            <a:r>
+              <a:rPr lang="en-US" dirty="0" smtClean="0"/>
+              <a:t>Arrays</a:t>
+            </a:r>
+            <a:endParaRPr lang="bg-BG" dirty="0"/>
+          </a:p>
+        </p:txBody>
+      </p:sp>
+      <p:pic>
+        <p:nvPicPr>
+          <p:cNvPr id="6146" name="Picture 2"/>
+          <p:cNvPicPr>
+            <a:picLocks noChangeAspect="1" noChangeArrowheads="1"/>
+          </p:cNvPicPr>
+          <p:nvPr/>
+        </p:nvPicPr>
+        <p:blipFill>
+          <a:blip r:embed="rId2">
+            <a:extLst>
+              <a:ext uri="{28A0092B-C50C-407E-A947-70E740481C1C}">
+                <a14:useLocalDpi xmlns:a14="http://schemas.microsoft.com/office/drawing/2010/main" val="0"/>
+              </a:ext>
+            </a:extLst>
+          </a:blip>
+          <a:srcRect/>
+          <a:stretch>
+            <a:fillRect/>
+          </a:stretch>
+        </p:blipFill>
+        <p:spPr bwMode="auto">
+          <a:xfrm>
+            <a:off x="762000" y="2514600"/>
+            <a:ext cx="5429250" cy="676275"/>
+          </a:xfrm>
+          <a:prstGeom prst="rect">
+            <a:avLst/>
+          </a:prstGeom>
+          <a:noFill/>
+          <a:ln>
+            <a:noFill/>
+          </a:ln>
+          <a:effectLst/>
+          <a:extLst>
+            <a:ext uri="{909E8E84-426E-40DD-AFC4-6F175D3DCCD1}">
+              <a14:hiddenFill xmlns:a14="http://schemas.microsoft.com/office/drawing/2010/main">
+                <a:solidFill>
+                  <a:schemeClr val="accent1"/>
+                </a:solidFill>
+              </a14:hiddenFill>
+            </a:ext>
+            <a:ext uri="{91240B29-F687-4F45-9708-019B960494DF}">
+              <a14:hiddenLine xmlns:a14="http://schemas.microsoft.com/office/drawing/2010/main" w="9525">
+                <a:solidFill>
+                  <a:schemeClr val="tx1"/>
+                </a:solidFill>
+                <a:miter lim="800000"/>
+                <a:headEnd/>
+                <a:tailEnd/>
+              </a14:hiddenLine>
+            </a:ext>
+            <a:ext uri="{AF507438-7753-43E0-B8FC-AC1667EBCBE1}">
+              <a14:hiddenEffects xmlns:a14="http://schemas.microsoft.com/office/drawing/2010/main">
+                <a:effectLst>
+                  <a:outerShdw dist="35921" dir="2700000" algn="ctr" rotWithShape="0">
+                    <a:schemeClr val="bg2"/>
+                  </a:outerShdw>
+                </a:effectLst>
+              </a14:hiddenEffects>
+            </a:ext>
+          </a:extLst>
+        </p:spPr>
+      </p:pic>
+      <p:pic>
+        <p:nvPicPr>
+          <p:cNvPr id="6147" name="Picture 3"/>
+          <p:cNvPicPr>
+            <a:picLocks noChangeAspect="1" noChangeArrowheads="1"/>
+          </p:cNvPicPr>
+          <p:nvPr/>
+        </p:nvPicPr>
+        <p:blipFill>
+          <a:blip r:embed="rId3">
+            <a:extLst>
+              <a:ext uri="{28A0092B-C50C-407E-A947-70E740481C1C}">
+                <a14:useLocalDpi xmlns:a14="http://schemas.microsoft.com/office/drawing/2010/main" val="0"/>
+              </a:ext>
+            </a:extLst>
+          </a:blip>
+          <a:srcRect/>
+          <a:stretch>
+            <a:fillRect/>
+          </a:stretch>
+        </p:blipFill>
+        <p:spPr bwMode="auto">
+          <a:xfrm>
+            <a:off x="762000" y="3276600"/>
+            <a:ext cx="4724400" cy="559639"/>
+          </a:xfrm>
+          <a:prstGeom prst="rect">
+            <a:avLst/>
+          </a:prstGeom>
+          <a:noFill/>
+          <a:ln>
+            <a:noFill/>
+          </a:ln>
+          <a:effectLst/>
+          <a:extLst>
+            <a:ext uri="{909E8E84-426E-40DD-AFC4-6F175D3DCCD1}">
+              <a14:hiddenFill xmlns:a14="http://schemas.microsoft.com/office/drawing/2010/main">
+                <a:solidFill>
+                  <a:schemeClr val="accent1"/>
+                </a:solidFill>
+              </a14:hiddenFill>
+            </a:ext>
+            <a:ext uri="{91240B29-F687-4F45-9708-019B960494DF}">
+              <a14:hiddenLine xmlns:a14="http://schemas.microsoft.com/office/drawing/2010/main" w="9525">
+                <a:solidFill>
+                  <a:schemeClr val="tx1"/>
+                </a:solidFill>
+                <a:miter lim="800000"/>
+                <a:headEnd/>
+                <a:tailEnd/>
+              </a14:hiddenLine>
+            </a:ext>
+            <a:ext uri="{AF507438-7753-43E0-B8FC-AC1667EBCBE1}">
+              <a14:hiddenEffects xmlns:a14="http://schemas.microsoft.com/office/drawing/2010/main">
+                <a:effectLst>
+                  <a:outerShdw dist="35921" dir="2700000" algn="ctr" rotWithShape="0">
+                    <a:schemeClr val="bg2"/>
+                  </a:outerShdw>
+                </a:effectLst>
+              </a14:hiddenEffects>
+            </a:ext>
+          </a:extLst>
+        </p:spPr>
+      </p:pic>
+    </p:spTree>
+    <p:extLst>
+      <p:ext uri="{BB962C8B-B14F-4D97-AF65-F5344CB8AC3E}">
+        <p14:creationId xmlns:p14="http://schemas.microsoft.com/office/powerpoint/2010/main" val="3361092241"/>
+      </p:ext>
+    </p:extLst>
+  </p:cSld>
+  <p:clrMapOvr>
+    <a:masterClrMapping/>
+  </p:clrMapOvr>
+</p:sld>
+</file>
+
+<file path=ppt/slides/slide55.xml><?xml version="1.0" encoding="utf-8"?>
+<p:sld xmlns:a="http://schemas.openxmlformats.org/drawingml/2006/main" xmlns:r="http://schemas.openxmlformats.org/officeDocument/2006/relationships" xmlns:p="http://schemas.openxmlformats.org/presentationml/2006/main">
+  <p:cSld>
+    <p:spTree>
+      <p:nvGrpSpPr>
+        <p:cNvPr id="1" name=""/>
+        <p:cNvGrpSpPr/>
+        <p:nvPr/>
+      </p:nvGrpSpPr>
+      <p:grpSpPr>
+        <a:xfrm>
+          <a:off x="0" y="0"/>
+          <a:ext cx="0" cy="0"/>
+          <a:chOff x="0" y="0"/>
+          <a:chExt cx="0" cy="0"/>
+        </a:xfrm>
+      </p:grpSpPr>
+      <p:sp>
+        <p:nvSpPr>
+          <p:cNvPr id="2" name="Content Placeholder 1"/>
+          <p:cNvSpPr>
+            <a:spLocks noGrp="1"/>
+          </p:cNvSpPr>
+          <p:nvPr>
+            <p:ph idx="1"/>
+          </p:nvPr>
+        </p:nvSpPr>
+        <p:spPr/>
+        <p:txBody>
+          <a:bodyPr/>
+          <a:lstStyle/>
+          <a:p>
+            <a:r>
+              <a:rPr lang="en-US" dirty="0"/>
+              <a:t>With clever parameter setting, you can use </a:t>
+            </a:r>
+            <a:r>
+              <a:rPr lang="en-US" dirty="0"/>
+              <a:t>splice()</a:t>
+            </a:r>
+            <a:r>
+              <a:rPr lang="en-US" dirty="0"/>
+              <a:t> to remove elements without leaving "holes" in the array</a:t>
+            </a:r>
+            <a:r>
+              <a:rPr lang="en-US" dirty="0" smtClean="0"/>
+              <a:t>:</a:t>
+            </a:r>
+          </a:p>
+          <a:p>
+            <a:endParaRPr lang="en-US" dirty="0"/>
+          </a:p>
+          <a:p>
+            <a:endParaRPr lang="en-US" dirty="0" smtClean="0"/>
+          </a:p>
+          <a:p>
+            <a:endParaRPr lang="en-US" dirty="0"/>
+          </a:p>
+          <a:p>
+            <a:r>
+              <a:rPr lang="en-US" dirty="0"/>
+              <a:t>The slice() method slices out a piece of an array into a new array.</a:t>
+            </a:r>
+          </a:p>
+          <a:p>
+            <a:r>
+              <a:rPr lang="en-US" dirty="0"/>
+              <a:t>This example slices out a part of an array starting from array element 1 ("Orange"):</a:t>
+            </a:r>
+          </a:p>
+          <a:p>
+            <a:endParaRPr lang="en-US" dirty="0" smtClean="0"/>
+          </a:p>
+          <a:p>
+            <a:endParaRPr lang="bg-BG" dirty="0"/>
+          </a:p>
+        </p:txBody>
+      </p:sp>
+      <p:sp>
+        <p:nvSpPr>
+          <p:cNvPr id="3" name="Title 2"/>
+          <p:cNvSpPr>
+            <a:spLocks noGrp="1"/>
+          </p:cNvSpPr>
+          <p:nvPr>
+            <p:ph type="title"/>
+          </p:nvPr>
+        </p:nvSpPr>
+        <p:spPr/>
+        <p:txBody>
+          <a:bodyPr/>
+          <a:lstStyle/>
+          <a:p>
+            <a:r>
+              <a:rPr lang="en-US" dirty="0"/>
+              <a:t>Using splice() to Remove </a:t>
+            </a:r>
+            <a:r>
+              <a:rPr lang="en-US" dirty="0" smtClean="0"/>
+              <a:t>Elements</a:t>
+            </a:r>
+            <a:endParaRPr lang="bg-BG" dirty="0"/>
+          </a:p>
+        </p:txBody>
+      </p:sp>
+      <p:pic>
+        <p:nvPicPr>
+          <p:cNvPr id="7170" name="Picture 2"/>
+          <p:cNvPicPr>
+            <a:picLocks noChangeAspect="1" noChangeArrowheads="1"/>
+          </p:cNvPicPr>
+          <p:nvPr/>
+        </p:nvPicPr>
+        <p:blipFill>
+          <a:blip r:embed="rId2">
+            <a:extLst>
+              <a:ext uri="{28A0092B-C50C-407E-A947-70E740481C1C}">
+                <a14:useLocalDpi xmlns:a14="http://schemas.microsoft.com/office/drawing/2010/main" val="0"/>
+              </a:ext>
+            </a:extLst>
+          </a:blip>
+          <a:srcRect/>
+          <a:stretch>
+            <a:fillRect/>
+          </a:stretch>
+        </p:blipFill>
+        <p:spPr bwMode="auto">
+          <a:xfrm>
+            <a:off x="762000" y="2514600"/>
+            <a:ext cx="5429250" cy="657225"/>
+          </a:xfrm>
+          <a:prstGeom prst="rect">
+            <a:avLst/>
+          </a:prstGeom>
+          <a:noFill/>
+          <a:ln>
+            <a:noFill/>
+          </a:ln>
+          <a:effectLst/>
+          <a:extLst>
+            <a:ext uri="{909E8E84-426E-40DD-AFC4-6F175D3DCCD1}">
+              <a14:hiddenFill xmlns:a14="http://schemas.microsoft.com/office/drawing/2010/main">
+                <a:solidFill>
+                  <a:schemeClr val="accent1"/>
+                </a:solidFill>
+              </a14:hiddenFill>
+            </a:ext>
+            <a:ext uri="{91240B29-F687-4F45-9708-019B960494DF}">
+              <a14:hiddenLine xmlns:a14="http://schemas.microsoft.com/office/drawing/2010/main" w="9525">
+                <a:solidFill>
+                  <a:schemeClr val="tx1"/>
+                </a:solidFill>
+                <a:miter lim="800000"/>
+                <a:headEnd/>
+                <a:tailEnd/>
+              </a14:hiddenLine>
+            </a:ext>
+            <a:ext uri="{AF507438-7753-43E0-B8FC-AC1667EBCBE1}">
+              <a14:hiddenEffects xmlns:a14="http://schemas.microsoft.com/office/drawing/2010/main">
+                <a:effectLst>
+                  <a:outerShdw dist="35921" dir="2700000" algn="ctr" rotWithShape="0">
+                    <a:schemeClr val="bg2"/>
+                  </a:outerShdw>
+                </a:effectLst>
+              </a14:hiddenEffects>
+            </a:ext>
+          </a:extLst>
+        </p:spPr>
+      </p:pic>
+      <p:pic>
+        <p:nvPicPr>
+          <p:cNvPr id="7171" name="Picture 3"/>
+          <p:cNvPicPr>
+            <a:picLocks noChangeAspect="1" noChangeArrowheads="1"/>
+          </p:cNvPicPr>
+          <p:nvPr/>
+        </p:nvPicPr>
+        <p:blipFill>
+          <a:blip r:embed="rId3">
+            <a:extLst>
+              <a:ext uri="{28A0092B-C50C-407E-A947-70E740481C1C}">
+                <a14:useLocalDpi xmlns:a14="http://schemas.microsoft.com/office/drawing/2010/main" val="0"/>
+              </a:ext>
+            </a:extLst>
+          </a:blip>
+          <a:srcRect/>
+          <a:stretch>
+            <a:fillRect/>
+          </a:stretch>
+        </p:blipFill>
+        <p:spPr bwMode="auto">
+          <a:xfrm>
+            <a:off x="6400800" y="2743200"/>
+            <a:ext cx="2357438" cy="428625"/>
+          </a:xfrm>
+          <a:prstGeom prst="rect">
+            <a:avLst/>
+          </a:prstGeom>
+          <a:noFill/>
+          <a:ln>
+            <a:noFill/>
+          </a:ln>
+          <a:effectLst/>
+          <a:extLst>
+            <a:ext uri="{909E8E84-426E-40DD-AFC4-6F175D3DCCD1}">
+              <a14:hiddenFill xmlns:a14="http://schemas.microsoft.com/office/drawing/2010/main">
+                <a:solidFill>
+                  <a:schemeClr val="accent1"/>
+                </a:solidFill>
+              </a14:hiddenFill>
+            </a:ext>
+            <a:ext uri="{91240B29-F687-4F45-9708-019B960494DF}">
+              <a14:hiddenLine xmlns:a14="http://schemas.microsoft.com/office/drawing/2010/main" w="9525">
+                <a:solidFill>
+                  <a:schemeClr val="tx1"/>
+                </a:solidFill>
+                <a:miter lim="800000"/>
+                <a:headEnd/>
+                <a:tailEnd/>
+              </a14:hiddenLine>
+            </a:ext>
+            <a:ext uri="{AF507438-7753-43E0-B8FC-AC1667EBCBE1}">
+              <a14:hiddenEffects xmlns:a14="http://schemas.microsoft.com/office/drawing/2010/main">
+                <a:effectLst>
+                  <a:outerShdw dist="35921" dir="2700000" algn="ctr" rotWithShape="0">
+                    <a:schemeClr val="bg2"/>
+                  </a:outerShdw>
+                </a:effectLst>
+              </a14:hiddenEffects>
+            </a:ext>
+          </a:extLst>
+        </p:spPr>
+      </p:pic>
+      <p:pic>
+        <p:nvPicPr>
+          <p:cNvPr id="7172" name="Picture 4"/>
+          <p:cNvPicPr>
+            <a:picLocks noChangeAspect="1" noChangeArrowheads="1"/>
+          </p:cNvPicPr>
+          <p:nvPr/>
+        </p:nvPicPr>
+        <p:blipFill>
+          <a:blip r:embed="rId4">
+            <a:extLst>
+              <a:ext uri="{28A0092B-C50C-407E-A947-70E740481C1C}">
+                <a14:useLocalDpi xmlns:a14="http://schemas.microsoft.com/office/drawing/2010/main" val="0"/>
+              </a:ext>
+            </a:extLst>
+          </a:blip>
+          <a:srcRect/>
+          <a:stretch>
+            <a:fillRect/>
+          </a:stretch>
+        </p:blipFill>
+        <p:spPr bwMode="auto">
+          <a:xfrm>
+            <a:off x="762000" y="5029200"/>
+            <a:ext cx="6324600" cy="685800"/>
+          </a:xfrm>
+          <a:prstGeom prst="rect">
+            <a:avLst/>
+          </a:prstGeom>
+          <a:noFill/>
+          <a:ln>
+            <a:noFill/>
+          </a:ln>
+          <a:effectLst/>
+          <a:extLst>
+            <a:ext uri="{909E8E84-426E-40DD-AFC4-6F175D3DCCD1}">
+              <a14:hiddenFill xmlns:a14="http://schemas.microsoft.com/office/drawing/2010/main">
+                <a:solidFill>
+                  <a:schemeClr val="accent1"/>
+                </a:solidFill>
+              </a14:hiddenFill>
+            </a:ext>
+            <a:ext uri="{91240B29-F687-4F45-9708-019B960494DF}">
+              <a14:hiddenLine xmlns:a14="http://schemas.microsoft.com/office/drawing/2010/main" w="9525">
+                <a:solidFill>
+                  <a:schemeClr val="tx1"/>
+                </a:solidFill>
+                <a:miter lim="800000"/>
+                <a:headEnd/>
+                <a:tailEnd/>
+              </a14:hiddenLine>
+            </a:ext>
+            <a:ext uri="{AF507438-7753-43E0-B8FC-AC1667EBCBE1}">
+              <a14:hiddenEffects xmlns:a14="http://schemas.microsoft.com/office/drawing/2010/main">
+                <a:effectLst>
+                  <a:outerShdw dist="35921" dir="2700000" algn="ctr" rotWithShape="0">
+                    <a:schemeClr val="bg2"/>
+                  </a:outerShdw>
+                </a:effectLst>
+              </a14:hiddenEffects>
+            </a:ext>
+          </a:extLst>
+        </p:spPr>
+      </p:pic>
+      <p:pic>
+        <p:nvPicPr>
+          <p:cNvPr id="7173" name="Picture 5"/>
+          <p:cNvPicPr>
+            <a:picLocks noChangeAspect="1" noChangeArrowheads="1"/>
+          </p:cNvPicPr>
+          <p:nvPr/>
+        </p:nvPicPr>
+        <p:blipFill>
+          <a:blip r:embed="rId5">
+            <a:extLst>
+              <a:ext uri="{28A0092B-C50C-407E-A947-70E740481C1C}">
+                <a14:useLocalDpi xmlns:a14="http://schemas.microsoft.com/office/drawing/2010/main" val="0"/>
+              </a:ext>
+            </a:extLst>
+          </a:blip>
+          <a:srcRect/>
+          <a:stretch>
+            <a:fillRect/>
+          </a:stretch>
+        </p:blipFill>
+        <p:spPr bwMode="auto">
+          <a:xfrm>
+            <a:off x="4130551" y="5372100"/>
+            <a:ext cx="1761623" cy="266700"/>
+          </a:xfrm>
+          <a:prstGeom prst="rect">
+            <a:avLst/>
+          </a:prstGeom>
+          <a:noFill/>
+          <a:ln>
+            <a:noFill/>
+          </a:ln>
+          <a:effectLst/>
+          <a:extLst>
+            <a:ext uri="{909E8E84-426E-40DD-AFC4-6F175D3DCCD1}">
+              <a14:hiddenFill xmlns:a14="http://schemas.microsoft.com/office/drawing/2010/main">
+                <a:solidFill>
+                  <a:schemeClr val="accent1"/>
+                </a:solidFill>
+              </a14:hiddenFill>
+            </a:ext>
+            <a:ext uri="{91240B29-F687-4F45-9708-019B960494DF}">
+              <a14:hiddenLine xmlns:a14="http://schemas.microsoft.com/office/drawing/2010/main" w="9525">
+                <a:solidFill>
+                  <a:schemeClr val="tx1"/>
+                </a:solidFill>
+                <a:miter lim="800000"/>
+                <a:headEnd/>
+                <a:tailEnd/>
+              </a14:hiddenLine>
+            </a:ext>
+            <a:ext uri="{AF507438-7753-43E0-B8FC-AC1667EBCBE1}">
+              <a14:hiddenEffects xmlns:a14="http://schemas.microsoft.com/office/drawing/2010/main">
+                <a:effectLst>
+                  <a:outerShdw dist="35921" dir="2700000" algn="ctr" rotWithShape="0">
+                    <a:schemeClr val="bg2"/>
+                  </a:outerShdw>
+                </a:effectLst>
+              </a14:hiddenEffects>
+            </a:ext>
+          </a:extLst>
+        </p:spPr>
+      </p:pic>
+      <p:pic>
+        <p:nvPicPr>
+          <p:cNvPr id="7174" name="Picture 6"/>
+          <p:cNvPicPr>
+            <a:picLocks noChangeAspect="1" noChangeArrowheads="1"/>
+          </p:cNvPicPr>
+          <p:nvPr/>
+        </p:nvPicPr>
+        <p:blipFill>
+          <a:blip r:embed="rId6">
+            <a:extLst>
+              <a:ext uri="{28A0092B-C50C-407E-A947-70E740481C1C}">
+                <a14:useLocalDpi xmlns:a14="http://schemas.microsoft.com/office/drawing/2010/main" val="0"/>
+              </a:ext>
+            </a:extLst>
+          </a:blip>
+          <a:srcRect/>
+          <a:stretch>
+            <a:fillRect/>
+          </a:stretch>
+        </p:blipFill>
+        <p:spPr bwMode="auto">
+          <a:xfrm>
+            <a:off x="762000" y="5768340"/>
+            <a:ext cx="6058643" cy="839649"/>
+          </a:xfrm>
+          <a:prstGeom prst="rect">
+            <a:avLst/>
+          </a:prstGeom>
+          <a:noFill/>
+          <a:ln>
+            <a:noFill/>
+          </a:ln>
+          <a:effectLst/>
+          <a:extLst>
+            <a:ext uri="{909E8E84-426E-40DD-AFC4-6F175D3DCCD1}">
+              <a14:hiddenFill xmlns:a14="http://schemas.microsoft.com/office/drawing/2010/main">
+                <a:solidFill>
+                  <a:schemeClr val="accent1"/>
+                </a:solidFill>
+              </a14:hiddenFill>
+            </a:ext>
+            <a:ext uri="{91240B29-F687-4F45-9708-019B960494DF}">
+              <a14:hiddenLine xmlns:a14="http://schemas.microsoft.com/office/drawing/2010/main" w="9525">
+                <a:solidFill>
+                  <a:schemeClr val="tx1"/>
+                </a:solidFill>
+                <a:miter lim="800000"/>
+                <a:headEnd/>
+                <a:tailEnd/>
+              </a14:hiddenLine>
+            </a:ext>
+            <a:ext uri="{AF507438-7753-43E0-B8FC-AC1667EBCBE1}">
+              <a14:hiddenEffects xmlns:a14="http://schemas.microsoft.com/office/drawing/2010/main">
+                <a:effectLst>
+                  <a:outerShdw dist="35921" dir="2700000" algn="ctr" rotWithShape="0">
+                    <a:schemeClr val="bg2"/>
+                  </a:outerShdw>
+                </a:effectLst>
+              </a14:hiddenEffects>
+            </a:ext>
+          </a:extLst>
+        </p:spPr>
+      </p:pic>
+    </p:spTree>
+    <p:extLst>
+      <p:ext uri="{BB962C8B-B14F-4D97-AF65-F5344CB8AC3E}">
+        <p14:creationId xmlns:p14="http://schemas.microsoft.com/office/powerpoint/2010/main" val="341023943"/>
+      </p:ext>
+    </p:extLst>
+  </p:cSld>
+  <p:clrMapOvr>
+    <a:masterClrMapping/>
+  </p:clrMapOvr>
+</p:sld>
+</file>
+
+<file path=ppt/slides/slide56.xml><?xml version="1.0" encoding="utf-8"?>
+<p:sld xmlns:a="http://schemas.openxmlformats.org/drawingml/2006/main" xmlns:r="http://schemas.openxmlformats.org/officeDocument/2006/relationships" xmlns:p="http://schemas.openxmlformats.org/presentationml/2006/main">
+  <p:cSld>
+    <p:spTree>
+      <p:nvGrpSpPr>
+        <p:cNvPr id="1" name=""/>
+        <p:cNvGrpSpPr/>
+        <p:nvPr/>
+      </p:nvGrpSpPr>
+      <p:grpSpPr>
+        <a:xfrm>
+          <a:off x="0" y="0"/>
+          <a:ext cx="0" cy="0"/>
+          <a:chOff x="0" y="0"/>
+          <a:chExt cx="0" cy="0"/>
+        </a:xfrm>
+      </p:grpSpPr>
+      <p:sp>
+        <p:nvSpPr>
+          <p:cNvPr id="2" name="Content Placeholder 1"/>
+          <p:cNvSpPr>
+            <a:spLocks noGrp="1"/>
+          </p:cNvSpPr>
+          <p:nvPr>
+            <p:ph idx="1"/>
+          </p:nvPr>
+        </p:nvSpPr>
+        <p:spPr/>
+        <p:txBody>
+          <a:bodyPr/>
+          <a:lstStyle/>
+          <a:p>
+            <a:r>
+              <a:rPr lang="en-US" dirty="0"/>
+              <a:t>The slice() method can take two arguments like slice(1, 3).</a:t>
+            </a:r>
+          </a:p>
+          <a:p>
+            <a:r>
+              <a:rPr lang="en-US" dirty="0"/>
+              <a:t>The method then selects elements from the start argument, and up to (but not including) the end argument</a:t>
+            </a:r>
+            <a:r>
+              <a:rPr lang="en-US" dirty="0" smtClean="0"/>
+              <a:t>.</a:t>
+            </a:r>
+          </a:p>
+          <a:p>
+            <a:endParaRPr lang="en-US" dirty="0"/>
+          </a:p>
+          <a:p>
+            <a:endParaRPr lang="en-US" dirty="0" smtClean="0"/>
+          </a:p>
+          <a:p>
+            <a:endParaRPr lang="en-US" dirty="0"/>
+          </a:p>
+          <a:p>
+            <a:endParaRPr lang="en-US" dirty="0" smtClean="0"/>
+          </a:p>
+          <a:p>
+            <a:r>
+              <a:rPr lang="en-US" dirty="0"/>
+              <a:t>If the end argument is omitted, like in the first examples, the </a:t>
+            </a:r>
+            <a:r>
+              <a:rPr lang="en-US" dirty="0"/>
+              <a:t>slice()</a:t>
+            </a:r>
+            <a:r>
+              <a:rPr lang="en-US" dirty="0"/>
+              <a:t> method slices out the rest of the array.</a:t>
+            </a:r>
+          </a:p>
+          <a:p>
+            <a:endParaRPr lang="bg-BG" dirty="0"/>
+          </a:p>
+        </p:txBody>
+      </p:sp>
+      <p:sp>
+        <p:nvSpPr>
+          <p:cNvPr id="3" name="Title 2"/>
+          <p:cNvSpPr>
+            <a:spLocks noGrp="1"/>
+          </p:cNvSpPr>
+          <p:nvPr>
+            <p:ph type="title"/>
+          </p:nvPr>
+        </p:nvSpPr>
+        <p:spPr/>
+        <p:txBody>
+          <a:bodyPr/>
+          <a:lstStyle/>
+          <a:p>
+            <a:r>
+              <a:rPr lang="en-US" dirty="0" smtClean="0"/>
+              <a:t>Slice() </a:t>
+            </a:r>
+            <a:endParaRPr lang="bg-BG" dirty="0"/>
+          </a:p>
+        </p:txBody>
+      </p:sp>
+      <p:pic>
+        <p:nvPicPr>
+          <p:cNvPr id="8194" name="Picture 2"/>
+          <p:cNvPicPr>
+            <a:picLocks noChangeAspect="1" noChangeArrowheads="1"/>
+          </p:cNvPicPr>
+          <p:nvPr/>
+        </p:nvPicPr>
+        <p:blipFill>
+          <a:blip r:embed="rId2">
+            <a:extLst>
+              <a:ext uri="{28A0092B-C50C-407E-A947-70E740481C1C}">
+                <a14:useLocalDpi xmlns:a14="http://schemas.microsoft.com/office/drawing/2010/main" val="0"/>
+              </a:ext>
+            </a:extLst>
+          </a:blip>
+          <a:srcRect/>
+          <a:stretch>
+            <a:fillRect/>
+          </a:stretch>
+        </p:blipFill>
+        <p:spPr bwMode="auto">
+          <a:xfrm>
+            <a:off x="762000" y="2895600"/>
+            <a:ext cx="6286500" cy="666750"/>
+          </a:xfrm>
+          <a:prstGeom prst="rect">
+            <a:avLst/>
+          </a:prstGeom>
+          <a:noFill/>
+          <a:ln>
+            <a:noFill/>
+          </a:ln>
+          <a:effectLst/>
+          <a:extLst>
+            <a:ext uri="{909E8E84-426E-40DD-AFC4-6F175D3DCCD1}">
+              <a14:hiddenFill xmlns:a14="http://schemas.microsoft.com/office/drawing/2010/main">
+                <a:solidFill>
+                  <a:schemeClr val="accent1"/>
+                </a:solidFill>
+              </a14:hiddenFill>
+            </a:ext>
+            <a:ext uri="{91240B29-F687-4F45-9708-019B960494DF}">
+              <a14:hiddenLine xmlns:a14="http://schemas.microsoft.com/office/drawing/2010/main" w="9525">
+                <a:solidFill>
+                  <a:schemeClr val="tx1"/>
+                </a:solidFill>
+                <a:miter lim="800000"/>
+                <a:headEnd/>
+                <a:tailEnd/>
+              </a14:hiddenLine>
+            </a:ext>
+            <a:ext uri="{AF507438-7753-43E0-B8FC-AC1667EBCBE1}">
+              <a14:hiddenEffects xmlns:a14="http://schemas.microsoft.com/office/drawing/2010/main">
+                <a:effectLst>
+                  <a:outerShdw dist="35921" dir="2700000" algn="ctr" rotWithShape="0">
+                    <a:schemeClr val="bg2"/>
+                  </a:outerShdw>
+                </a:effectLst>
+              </a14:hiddenEffects>
+            </a:ext>
+          </a:extLst>
+        </p:spPr>
+      </p:pic>
+      <p:pic>
+        <p:nvPicPr>
+          <p:cNvPr id="8195" name="Picture 3"/>
+          <p:cNvPicPr>
+            <a:picLocks noChangeAspect="1" noChangeArrowheads="1"/>
+          </p:cNvPicPr>
+          <p:nvPr/>
+        </p:nvPicPr>
+        <p:blipFill>
+          <a:blip r:embed="rId3">
+            <a:extLst>
+              <a:ext uri="{28A0092B-C50C-407E-A947-70E740481C1C}">
+                <a14:useLocalDpi xmlns:a14="http://schemas.microsoft.com/office/drawing/2010/main" val="0"/>
+              </a:ext>
+            </a:extLst>
+          </a:blip>
+          <a:srcRect/>
+          <a:stretch>
+            <a:fillRect/>
+          </a:stretch>
+        </p:blipFill>
+        <p:spPr bwMode="auto">
+          <a:xfrm>
+            <a:off x="762000" y="3733800"/>
+            <a:ext cx="1672389" cy="457200"/>
+          </a:xfrm>
+          <a:prstGeom prst="rect">
+            <a:avLst/>
+          </a:prstGeom>
+          <a:noFill/>
+          <a:ln>
+            <a:noFill/>
+          </a:ln>
+          <a:effectLst/>
+          <a:extLst>
+            <a:ext uri="{909E8E84-426E-40DD-AFC4-6F175D3DCCD1}">
+              <a14:hiddenFill xmlns:a14="http://schemas.microsoft.com/office/drawing/2010/main">
+                <a:solidFill>
+                  <a:schemeClr val="accent1"/>
+                </a:solidFill>
+              </a14:hiddenFill>
+            </a:ext>
+            <a:ext uri="{91240B29-F687-4F45-9708-019B960494DF}">
+              <a14:hiddenLine xmlns:a14="http://schemas.microsoft.com/office/drawing/2010/main" w="9525">
+                <a:solidFill>
+                  <a:schemeClr val="tx1"/>
+                </a:solidFill>
+                <a:miter lim="800000"/>
+                <a:headEnd/>
+                <a:tailEnd/>
+              </a14:hiddenLine>
+            </a:ext>
+            <a:ext uri="{AF507438-7753-43E0-B8FC-AC1667EBCBE1}">
+              <a14:hiddenEffects xmlns:a14="http://schemas.microsoft.com/office/drawing/2010/main">
+                <a:effectLst>
+                  <a:outerShdw dist="35921" dir="2700000" algn="ctr" rotWithShape="0">
+                    <a:schemeClr val="bg2"/>
+                  </a:outerShdw>
+                </a:effectLst>
+              </a14:hiddenEffects>
+            </a:ext>
+          </a:extLst>
+        </p:spPr>
+      </p:pic>
+      <p:pic>
+        <p:nvPicPr>
+          <p:cNvPr id="8196" name="Picture 4"/>
+          <p:cNvPicPr>
+            <a:picLocks noChangeAspect="1" noChangeArrowheads="1"/>
+          </p:cNvPicPr>
+          <p:nvPr/>
+        </p:nvPicPr>
+        <p:blipFill>
+          <a:blip r:embed="rId4">
+            <a:extLst>
+              <a:ext uri="{28A0092B-C50C-407E-A947-70E740481C1C}">
+                <a14:useLocalDpi xmlns:a14="http://schemas.microsoft.com/office/drawing/2010/main" val="0"/>
+              </a:ext>
+            </a:extLst>
+          </a:blip>
+          <a:srcRect/>
+          <a:stretch>
+            <a:fillRect/>
+          </a:stretch>
+        </p:blipFill>
+        <p:spPr bwMode="auto">
+          <a:xfrm>
+            <a:off x="762000" y="5181600"/>
+            <a:ext cx="6400800" cy="657225"/>
+          </a:xfrm>
+          <a:prstGeom prst="rect">
+            <a:avLst/>
+          </a:prstGeom>
+          <a:noFill/>
+          <a:ln>
+            <a:noFill/>
+          </a:ln>
+          <a:effectLst/>
+          <a:extLst>
+            <a:ext uri="{909E8E84-426E-40DD-AFC4-6F175D3DCCD1}">
+              <a14:hiddenFill xmlns:a14="http://schemas.microsoft.com/office/drawing/2010/main">
+                <a:solidFill>
+                  <a:schemeClr val="accent1"/>
+                </a:solidFill>
+              </a14:hiddenFill>
+            </a:ext>
+            <a:ext uri="{91240B29-F687-4F45-9708-019B960494DF}">
+              <a14:hiddenLine xmlns:a14="http://schemas.microsoft.com/office/drawing/2010/main" w="9525">
+                <a:solidFill>
+                  <a:schemeClr val="tx1"/>
+                </a:solidFill>
+                <a:miter lim="800000"/>
+                <a:headEnd/>
+                <a:tailEnd/>
+              </a14:hiddenLine>
+            </a:ext>
+            <a:ext uri="{AF507438-7753-43E0-B8FC-AC1667EBCBE1}">
+              <a14:hiddenEffects xmlns:a14="http://schemas.microsoft.com/office/drawing/2010/main">
+                <a:effectLst>
+                  <a:outerShdw dist="35921" dir="2700000" algn="ctr" rotWithShape="0">
+                    <a:schemeClr val="bg2"/>
+                  </a:outerShdw>
+                </a:effectLst>
+              </a14:hiddenEffects>
+            </a:ext>
+          </a:extLst>
+        </p:spPr>
+      </p:pic>
+      <p:pic>
+        <p:nvPicPr>
+          <p:cNvPr id="8197" name="Picture 5"/>
+          <p:cNvPicPr>
+            <a:picLocks noChangeAspect="1" noChangeArrowheads="1"/>
+          </p:cNvPicPr>
+          <p:nvPr/>
+        </p:nvPicPr>
+        <p:blipFill>
+          <a:blip r:embed="rId5">
+            <a:extLst>
+              <a:ext uri="{28A0092B-C50C-407E-A947-70E740481C1C}">
+                <a14:useLocalDpi xmlns:a14="http://schemas.microsoft.com/office/drawing/2010/main" val="0"/>
+              </a:ext>
+            </a:extLst>
+          </a:blip>
+          <a:srcRect/>
+          <a:stretch>
+            <a:fillRect/>
+          </a:stretch>
+        </p:blipFill>
+        <p:spPr bwMode="auto">
+          <a:xfrm>
+            <a:off x="762000" y="5943600"/>
+            <a:ext cx="2298700" cy="457200"/>
+          </a:xfrm>
+          <a:prstGeom prst="rect">
+            <a:avLst/>
+          </a:prstGeom>
+          <a:noFill/>
+          <a:ln>
+            <a:noFill/>
+          </a:ln>
+          <a:effectLst/>
+          <a:extLst>
+            <a:ext uri="{909E8E84-426E-40DD-AFC4-6F175D3DCCD1}">
+              <a14:hiddenFill xmlns:a14="http://schemas.microsoft.com/office/drawing/2010/main">
+                <a:solidFill>
+                  <a:schemeClr val="accent1"/>
+                </a:solidFill>
+              </a14:hiddenFill>
+            </a:ext>
+            <a:ext uri="{91240B29-F687-4F45-9708-019B960494DF}">
+              <a14:hiddenLine xmlns:a14="http://schemas.microsoft.com/office/drawing/2010/main" w="9525">
+                <a:solidFill>
+                  <a:schemeClr val="tx1"/>
+                </a:solidFill>
+                <a:miter lim="800000"/>
+                <a:headEnd/>
+                <a:tailEnd/>
+              </a14:hiddenLine>
+            </a:ext>
+            <a:ext uri="{AF507438-7753-43E0-B8FC-AC1667EBCBE1}">
+              <a14:hiddenEffects xmlns:a14="http://schemas.microsoft.com/office/drawing/2010/main">
+                <a:effectLst>
+                  <a:outerShdw dist="35921" dir="2700000" algn="ctr" rotWithShape="0">
+                    <a:schemeClr val="bg2"/>
+                  </a:outerShdw>
+                </a:effectLst>
+              </a14:hiddenEffects>
+            </a:ext>
+          </a:extLst>
+        </p:spPr>
+      </p:pic>
+    </p:spTree>
+    <p:extLst>
+      <p:ext uri="{BB962C8B-B14F-4D97-AF65-F5344CB8AC3E}">
+        <p14:creationId xmlns:p14="http://schemas.microsoft.com/office/powerpoint/2010/main" val="2702931016"/>
+      </p:ext>
+    </p:extLst>
+  </p:cSld>
+  <p:clrMapOvr>
+    <a:masterClrMapping/>
+  </p:clrMapOvr>
+</p:sld>
+</file>
+
+<file path=ppt/slides/slide57.xml><?xml version="1.0" encoding="utf-8"?>
+<p:sld xmlns:a="http://schemas.openxmlformats.org/drawingml/2006/main" xmlns:r="http://schemas.openxmlformats.org/officeDocument/2006/relationships" xmlns:p="http://schemas.openxmlformats.org/presentationml/2006/main">
+  <p:cSld>
+    <p:spTree>
+      <p:nvGrpSpPr>
+        <p:cNvPr id="1" name=""/>
+        <p:cNvGrpSpPr/>
+        <p:nvPr/>
+      </p:nvGrpSpPr>
+      <p:grpSpPr>
+        <a:xfrm>
+          <a:off x="0" y="0"/>
+          <a:ext cx="0" cy="0"/>
+          <a:chOff x="0" y="0"/>
+          <a:chExt cx="0" cy="0"/>
+        </a:xfrm>
+      </p:grpSpPr>
+      <p:sp>
+        <p:nvSpPr>
+          <p:cNvPr id="2" name="Content Placeholder 1"/>
+          <p:cNvSpPr>
+            <a:spLocks noGrp="1"/>
+          </p:cNvSpPr>
+          <p:nvPr>
+            <p:ph idx="1"/>
+          </p:nvPr>
+        </p:nvSpPr>
+        <p:spPr/>
+        <p:txBody>
+          <a:bodyPr/>
+          <a:lstStyle/>
+          <a:p>
+            <a:r>
+              <a:rPr lang="en-US" dirty="0"/>
+              <a:t>JavaScript automatically converts an array to a comma separated string when a primitive value is expected.</a:t>
+            </a:r>
+          </a:p>
+          <a:p>
+            <a:r>
+              <a:rPr lang="en-US" dirty="0"/>
+              <a:t>This is always the case when you try to output an array.</a:t>
+            </a:r>
+          </a:p>
+          <a:p>
+            <a:r>
+              <a:rPr lang="en-US" dirty="0"/>
+              <a:t>These two examples will produce the same result:</a:t>
+            </a:r>
+          </a:p>
+          <a:p>
+            <a:pPr marL="45720" indent="0">
+              <a:buNone/>
+            </a:pPr>
+            <a:endParaRPr lang="bg-BG" dirty="0"/>
+          </a:p>
+        </p:txBody>
+      </p:sp>
+      <p:sp>
+        <p:nvSpPr>
+          <p:cNvPr id="3" name="Title 2"/>
+          <p:cNvSpPr>
+            <a:spLocks noGrp="1"/>
+          </p:cNvSpPr>
+          <p:nvPr>
+            <p:ph type="title"/>
+          </p:nvPr>
+        </p:nvSpPr>
+        <p:spPr/>
+        <p:txBody>
+          <a:bodyPr/>
+          <a:lstStyle/>
+          <a:p>
+            <a:r>
+              <a:rPr lang="en-US" dirty="0"/>
+              <a:t>Automatic </a:t>
+            </a:r>
+            <a:r>
+              <a:rPr lang="en-US" dirty="0" err="1"/>
+              <a:t>toString</a:t>
+            </a:r>
+            <a:r>
+              <a:rPr lang="en-US" dirty="0" smtClean="0"/>
+              <a:t>()</a:t>
+            </a:r>
+            <a:endParaRPr lang="bg-BG" dirty="0"/>
+          </a:p>
+        </p:txBody>
+      </p:sp>
+      <p:pic>
+        <p:nvPicPr>
+          <p:cNvPr id="9218" name="Picture 2"/>
+          <p:cNvPicPr>
+            <a:picLocks noChangeAspect="1" noChangeArrowheads="1"/>
+          </p:cNvPicPr>
+          <p:nvPr/>
+        </p:nvPicPr>
+        <p:blipFill>
+          <a:blip r:embed="rId2">
+            <a:extLst>
+              <a:ext uri="{28A0092B-C50C-407E-A947-70E740481C1C}">
+                <a14:useLocalDpi xmlns:a14="http://schemas.microsoft.com/office/drawing/2010/main" val="0"/>
+              </a:ext>
+            </a:extLst>
+          </a:blip>
+          <a:srcRect/>
+          <a:stretch>
+            <a:fillRect/>
+          </a:stretch>
+        </p:blipFill>
+        <p:spPr bwMode="auto">
+          <a:xfrm>
+            <a:off x="682752" y="3352800"/>
+            <a:ext cx="7716033" cy="838200"/>
+          </a:xfrm>
+          <a:prstGeom prst="rect">
+            <a:avLst/>
+          </a:prstGeom>
+          <a:noFill/>
+          <a:ln>
+            <a:noFill/>
+          </a:ln>
+          <a:effectLst/>
+          <a:extLst>
+            <a:ext uri="{909E8E84-426E-40DD-AFC4-6F175D3DCCD1}">
+              <a14:hiddenFill xmlns:a14="http://schemas.microsoft.com/office/drawing/2010/main">
+                <a:solidFill>
+                  <a:schemeClr val="accent1"/>
+                </a:solidFill>
+              </a14:hiddenFill>
+            </a:ext>
+            <a:ext uri="{91240B29-F687-4F45-9708-019B960494DF}">
+              <a14:hiddenLine xmlns:a14="http://schemas.microsoft.com/office/drawing/2010/main" w="9525">
+                <a:solidFill>
+                  <a:schemeClr val="tx1"/>
+                </a:solidFill>
+                <a:miter lim="800000"/>
+                <a:headEnd/>
+                <a:tailEnd/>
+              </a14:hiddenLine>
+            </a:ext>
+            <a:ext uri="{AF507438-7753-43E0-B8FC-AC1667EBCBE1}">
+              <a14:hiddenEffects xmlns:a14="http://schemas.microsoft.com/office/drawing/2010/main">
+                <a:effectLst>
+                  <a:outerShdw dist="35921" dir="2700000" algn="ctr" rotWithShape="0">
+                    <a:schemeClr val="bg2"/>
+                  </a:outerShdw>
+                </a:effectLst>
+              </a14:hiddenEffects>
+            </a:ext>
+          </a:extLst>
+        </p:spPr>
+      </p:pic>
+      <p:pic>
+        <p:nvPicPr>
+          <p:cNvPr id="9219" name="Picture 3"/>
+          <p:cNvPicPr>
+            <a:picLocks noChangeAspect="1" noChangeArrowheads="1"/>
+          </p:cNvPicPr>
+          <p:nvPr/>
+        </p:nvPicPr>
+        <p:blipFill>
+          <a:blip r:embed="rId3">
+            <a:extLst>
+              <a:ext uri="{28A0092B-C50C-407E-A947-70E740481C1C}">
+                <a14:useLocalDpi xmlns:a14="http://schemas.microsoft.com/office/drawing/2010/main" val="0"/>
+              </a:ext>
+            </a:extLst>
+          </a:blip>
+          <a:srcRect/>
+          <a:stretch>
+            <a:fillRect/>
+          </a:stretch>
+        </p:blipFill>
+        <p:spPr bwMode="auto">
+          <a:xfrm>
+            <a:off x="682752" y="4343400"/>
+            <a:ext cx="6314440" cy="838200"/>
+          </a:xfrm>
+          <a:prstGeom prst="rect">
+            <a:avLst/>
+          </a:prstGeom>
+          <a:noFill/>
+          <a:ln>
+            <a:noFill/>
+          </a:ln>
+          <a:effectLst/>
+          <a:extLst>
+            <a:ext uri="{909E8E84-426E-40DD-AFC4-6F175D3DCCD1}">
+              <a14:hiddenFill xmlns:a14="http://schemas.microsoft.com/office/drawing/2010/main">
+                <a:solidFill>
+                  <a:schemeClr val="accent1"/>
+                </a:solidFill>
+              </a14:hiddenFill>
+            </a:ext>
+            <a:ext uri="{91240B29-F687-4F45-9708-019B960494DF}">
+              <a14:hiddenLine xmlns:a14="http://schemas.microsoft.com/office/drawing/2010/main" w="9525">
+                <a:solidFill>
+                  <a:schemeClr val="tx1"/>
+                </a:solidFill>
+                <a:miter lim="800000"/>
+                <a:headEnd/>
+                <a:tailEnd/>
+              </a14:hiddenLine>
+            </a:ext>
+            <a:ext uri="{AF507438-7753-43E0-B8FC-AC1667EBCBE1}">
+              <a14:hiddenEffects xmlns:a14="http://schemas.microsoft.com/office/drawing/2010/main">
+                <a:effectLst>
+                  <a:outerShdw dist="35921" dir="2700000" algn="ctr" rotWithShape="0">
+                    <a:schemeClr val="bg2"/>
+                  </a:outerShdw>
+                </a:effectLst>
+              </a14:hiddenEffects>
+            </a:ext>
+          </a:extLst>
+        </p:spPr>
+      </p:pic>
+      <p:pic>
+        <p:nvPicPr>
+          <p:cNvPr id="9220" name="Picture 4"/>
+          <p:cNvPicPr>
+            <a:picLocks noChangeAspect="1" noChangeArrowheads="1"/>
+          </p:cNvPicPr>
+          <p:nvPr/>
+        </p:nvPicPr>
+        <p:blipFill>
+          <a:blip r:embed="rId4">
+            <a:extLst>
+              <a:ext uri="{28A0092B-C50C-407E-A947-70E740481C1C}">
+                <a14:useLocalDpi xmlns:a14="http://schemas.microsoft.com/office/drawing/2010/main" val="0"/>
+              </a:ext>
+            </a:extLst>
+          </a:blip>
+          <a:srcRect/>
+          <a:stretch>
+            <a:fillRect/>
+          </a:stretch>
+        </p:blipFill>
+        <p:spPr bwMode="auto">
+          <a:xfrm>
+            <a:off x="682752" y="5334000"/>
+            <a:ext cx="4448175" cy="1314450"/>
+          </a:xfrm>
+          <a:prstGeom prst="rect">
+            <a:avLst/>
+          </a:prstGeom>
+          <a:noFill/>
+          <a:ln>
+            <a:noFill/>
+          </a:ln>
+          <a:effectLst/>
+          <a:extLst>
+            <a:ext uri="{909E8E84-426E-40DD-AFC4-6F175D3DCCD1}">
+              <a14:hiddenFill xmlns:a14="http://schemas.microsoft.com/office/drawing/2010/main">
+                <a:solidFill>
+                  <a:schemeClr val="accent1"/>
+                </a:solidFill>
+              </a14:hiddenFill>
+            </a:ext>
+            <a:ext uri="{91240B29-F687-4F45-9708-019B960494DF}">
+              <a14:hiddenLine xmlns:a14="http://schemas.microsoft.com/office/drawing/2010/main" w="9525">
+                <a:solidFill>
+                  <a:schemeClr val="tx1"/>
+                </a:solidFill>
+                <a:miter lim="800000"/>
+                <a:headEnd/>
+                <a:tailEnd/>
+              </a14:hiddenLine>
+            </a:ext>
+            <a:ext uri="{AF507438-7753-43E0-B8FC-AC1667EBCBE1}">
+              <a14:hiddenEffects xmlns:a14="http://schemas.microsoft.com/office/drawing/2010/main">
+                <a:effectLst>
+                  <a:outerShdw dist="35921" dir="2700000" algn="ctr" rotWithShape="0">
+                    <a:schemeClr val="bg2"/>
+                  </a:outerShdw>
+                </a:effectLst>
+              </a14:hiddenEffects>
+            </a:ext>
+          </a:extLst>
+        </p:spPr>
+      </p:pic>
+    </p:spTree>
+    <p:extLst>
+      <p:ext uri="{BB962C8B-B14F-4D97-AF65-F5344CB8AC3E}">
+        <p14:creationId xmlns:p14="http://schemas.microsoft.com/office/powerpoint/2010/main" val="3901347617"/>
+      </p:ext>
+    </p:extLst>
+  </p:cSld>
+  <p:clrMapOvr>
+    <a:masterClrMapping/>
+  </p:clrMapOvr>
+</p:sld>
+</file>
+
+<file path=ppt/slides/slide58.xml><?xml version="1.0" encoding="utf-8"?>
+<p:sld xmlns:a="http://schemas.openxmlformats.org/drawingml/2006/main" xmlns:r="http://schemas.openxmlformats.org/officeDocument/2006/relationships" xmlns:p="http://schemas.openxmlformats.org/presentationml/2006/main">
+  <p:cSld>
+    <p:spTree>
+      <p:nvGrpSpPr>
+        <p:cNvPr id="1" name=""/>
+        <p:cNvGrpSpPr/>
+        <p:nvPr/>
+      </p:nvGrpSpPr>
+      <p:grpSpPr>
+        <a:xfrm>
+          <a:off x="0" y="0"/>
+          <a:ext cx="0" cy="0"/>
+          <a:chOff x="0" y="0"/>
+          <a:chExt cx="0" cy="0"/>
+        </a:xfrm>
+      </p:grpSpPr>
+      <p:sp>
+        <p:nvSpPr>
+          <p:cNvPr id="2" name="Content Placeholder 1"/>
+          <p:cNvSpPr>
+            <a:spLocks noGrp="1"/>
+          </p:cNvSpPr>
+          <p:nvPr>
+            <p:ph idx="1"/>
+          </p:nvPr>
+        </p:nvSpPr>
+        <p:spPr/>
+        <p:txBody>
+          <a:bodyPr/>
+          <a:lstStyle/>
+          <a:p>
+            <a:endParaRPr lang="bg-BG"/>
+          </a:p>
+        </p:txBody>
+      </p:sp>
+      <p:sp>
+        <p:nvSpPr>
+          <p:cNvPr id="3" name="Title 2"/>
+          <p:cNvSpPr>
+            <a:spLocks noGrp="1"/>
+          </p:cNvSpPr>
+          <p:nvPr>
+            <p:ph type="title"/>
+          </p:nvPr>
+        </p:nvSpPr>
+        <p:spPr/>
+        <p:txBody>
+          <a:bodyPr/>
+          <a:lstStyle/>
+          <a:p>
+            <a:r>
+              <a:rPr lang="en-US"/>
+              <a:t>Finding Max and Min Values in </a:t>
+            </a:r>
+            <a:r>
+              <a:rPr lang="en-US"/>
+              <a:t>an </a:t>
+            </a:r>
+            <a:r>
+              <a:rPr lang="en-US" smtClean="0"/>
+              <a:t>Array</a:t>
+            </a:r>
+            <a:endParaRPr lang="bg-BG"/>
+          </a:p>
+        </p:txBody>
+      </p:sp>
+    </p:spTree>
+    <p:extLst>
+      <p:ext uri="{BB962C8B-B14F-4D97-AF65-F5344CB8AC3E}">
+        <p14:creationId xmlns:p14="http://schemas.microsoft.com/office/powerpoint/2010/main" val="19579978"/>
       </p:ext>
     </p:extLst>
   </p:cSld>
@@ -15662,15 +19003,7 @@
           <a:p>
             <a:r>
               <a:rPr lang="en-US" dirty="0"/>
-              <a:t>To find the length of a string, use the built-in </a:t>
-            </a:r>
-            <a:r>
-              <a:rPr lang="en-US" dirty="0"/>
-              <a:t>length</a:t>
-            </a:r>
-            <a:r>
-              <a:rPr lang="en-US" dirty="0"/>
-              <a:t> property</a:t>
+              <a:t>To find the length of a string, use the built-in length property</a:t>
             </a:r>
             <a:r>
               <a:rPr lang="en-US" dirty="0" smtClean="0"/>
@@ -16033,11 +19366,7 @@
           <a:p>
             <a:r>
               <a:rPr lang="en-US" sz="1950" dirty="0"/>
-              <a:t>But strings can also be defined as objects with the keyword </a:t>
-            </a:r>
-            <a:r>
-              <a:rPr lang="en-US" sz="1950" dirty="0"/>
-              <a:t>new</a:t>
+              <a:t>But strings can also be defined as objects with the keyword new</a:t>
             </a:r>
             <a:r>
               <a:rPr lang="en-US" sz="1950" dirty="0" smtClean="0"/>

--- a/Programming Prep.pptx
+++ b/Programming Prep.pptx
@@ -63,6 +63,35 @@
     <p:sldId id="313" r:id="rId57"/>
     <p:sldId id="314" r:id="rId58"/>
     <p:sldId id="315" r:id="rId59"/>
+    <p:sldId id="316" r:id="rId60"/>
+    <p:sldId id="317" r:id="rId61"/>
+    <p:sldId id="318" r:id="rId62"/>
+    <p:sldId id="319" r:id="rId63"/>
+    <p:sldId id="320" r:id="rId64"/>
+    <p:sldId id="321" r:id="rId65"/>
+    <p:sldId id="323" r:id="rId66"/>
+    <p:sldId id="324" r:id="rId67"/>
+    <p:sldId id="325" r:id="rId68"/>
+    <p:sldId id="326" r:id="rId69"/>
+    <p:sldId id="327" r:id="rId70"/>
+    <p:sldId id="328" r:id="rId71"/>
+    <p:sldId id="329" r:id="rId72"/>
+    <p:sldId id="330" r:id="rId73"/>
+    <p:sldId id="331" r:id="rId74"/>
+    <p:sldId id="332" r:id="rId75"/>
+    <p:sldId id="333" r:id="rId76"/>
+    <p:sldId id="334" r:id="rId77"/>
+    <p:sldId id="335" r:id="rId78"/>
+    <p:sldId id="336" r:id="rId79"/>
+    <p:sldId id="337" r:id="rId80"/>
+    <p:sldId id="338" r:id="rId81"/>
+    <p:sldId id="339" r:id="rId82"/>
+    <p:sldId id="340" r:id="rId83"/>
+    <p:sldId id="341" r:id="rId84"/>
+    <p:sldId id="342" r:id="rId85"/>
+    <p:sldId id="343" r:id="rId86"/>
+    <p:sldId id="344" r:id="rId87"/>
+    <p:sldId id="345" r:id="rId88"/>
   </p:sldIdLst>
   <p:sldSz cx="9144000" cy="6858000" type="screen4x3"/>
   <p:notesSz cx="6858000" cy="9144000"/>
@@ -228,6 +257,35 @@
             <p14:sldId id="313"/>
             <p14:sldId id="314"/>
             <p14:sldId id="315"/>
+            <p14:sldId id="316"/>
+            <p14:sldId id="317"/>
+            <p14:sldId id="318"/>
+            <p14:sldId id="319"/>
+            <p14:sldId id="320"/>
+            <p14:sldId id="321"/>
+            <p14:sldId id="323"/>
+            <p14:sldId id="324"/>
+            <p14:sldId id="325"/>
+            <p14:sldId id="326"/>
+            <p14:sldId id="327"/>
+            <p14:sldId id="328"/>
+            <p14:sldId id="329"/>
+            <p14:sldId id="330"/>
+            <p14:sldId id="331"/>
+            <p14:sldId id="332"/>
+            <p14:sldId id="333"/>
+            <p14:sldId id="334"/>
+            <p14:sldId id="335"/>
+            <p14:sldId id="336"/>
+            <p14:sldId id="337"/>
+            <p14:sldId id="338"/>
+            <p14:sldId id="339"/>
+            <p14:sldId id="340"/>
+            <p14:sldId id="341"/>
+            <p14:sldId id="342"/>
+            <p14:sldId id="343"/>
+            <p14:sldId id="344"/>
+            <p14:sldId id="345"/>
           </p14:sldIdLst>
         </p14:section>
       </p14:sectionLst>
@@ -490,7 +548,7 @@
             <a:fld id="{1D8BD707-D9CF-40AE-B4C6-C98DA3205C09}" type="datetimeFigureOut">
               <a:rPr lang="en-US" smtClean="0"/>
               <a:pPr/>
-              <a:t>8/27/2022</a:t>
+              <a:t>8/29/2022</a:t>
             </a:fld>
             <a:endParaRPr lang="en-US"/>
           </a:p>
@@ -705,7 +763,7 @@
             <a:fld id="{1D8BD707-D9CF-40AE-B4C6-C98DA3205C09}" type="datetimeFigureOut">
               <a:rPr lang="en-US" smtClean="0"/>
               <a:pPr/>
-              <a:t>8/27/2022</a:t>
+              <a:t>8/29/2022</a:t>
             </a:fld>
             <a:endParaRPr lang="en-US"/>
           </a:p>
@@ -974,7 +1032,7 @@
             <a:fld id="{1D8BD707-D9CF-40AE-B4C6-C98DA3205C09}" type="datetimeFigureOut">
               <a:rPr lang="en-US" smtClean="0"/>
               <a:pPr/>
-              <a:t>8/27/2022</a:t>
+              <a:t>8/29/2022</a:t>
             </a:fld>
             <a:endParaRPr lang="en-US"/>
           </a:p>
@@ -1126,7 +1184,7 @@
             <a:fld id="{1D8BD707-D9CF-40AE-B4C6-C98DA3205C09}" type="datetimeFigureOut">
               <a:rPr lang="en-US" smtClean="0"/>
               <a:pPr/>
-              <a:t>8/27/2022</a:t>
+              <a:t>8/29/2022</a:t>
             </a:fld>
             <a:endParaRPr lang="en-US"/>
           </a:p>
@@ -1458,7 +1516,7 @@
             <a:fld id="{1D8BD707-D9CF-40AE-B4C6-C98DA3205C09}" type="datetimeFigureOut">
               <a:rPr lang="en-US" smtClean="0"/>
               <a:pPr/>
-              <a:t>8/27/2022</a:t>
+              <a:t>8/29/2022</a:t>
             </a:fld>
             <a:endParaRPr lang="en-US"/>
           </a:p>
@@ -1768,7 +1826,7 @@
             <a:fld id="{1D8BD707-D9CF-40AE-B4C6-C98DA3205C09}" type="datetimeFigureOut">
               <a:rPr lang="en-US" smtClean="0"/>
               <a:pPr/>
-              <a:t>8/27/2022</a:t>
+              <a:t>8/29/2022</a:t>
             </a:fld>
             <a:endParaRPr lang="en-US"/>
           </a:p>
@@ -2191,7 +2249,7 @@
             <a:fld id="{1D8BD707-D9CF-40AE-B4C6-C98DA3205C09}" type="datetimeFigureOut">
               <a:rPr lang="en-US" smtClean="0"/>
               <a:pPr/>
-              <a:t>8/27/2022</a:t>
+              <a:t>8/29/2022</a:t>
             </a:fld>
             <a:endParaRPr lang="en-US"/>
           </a:p>
@@ -2306,7 +2364,7 @@
             <a:fld id="{1D8BD707-D9CF-40AE-B4C6-C98DA3205C09}" type="datetimeFigureOut">
               <a:rPr lang="en-US" smtClean="0"/>
               <a:pPr/>
-              <a:t>8/27/2022</a:t>
+              <a:t>8/29/2022</a:t>
             </a:fld>
             <a:endParaRPr lang="en-US"/>
           </a:p>
@@ -2467,7 +2525,7 @@
             <a:fld id="{1D8BD707-D9CF-40AE-B4C6-C98DA3205C09}" type="datetimeFigureOut">
               <a:rPr lang="en-US" smtClean="0"/>
               <a:pPr/>
-              <a:t>8/27/2022</a:t>
+              <a:t>8/29/2022</a:t>
             </a:fld>
             <a:endParaRPr lang="en-US"/>
           </a:p>
@@ -2853,7 +2911,7 @@
             <a:fld id="{1D8BD707-D9CF-40AE-B4C6-C98DA3205C09}" type="datetimeFigureOut">
               <a:rPr lang="en-US" smtClean="0"/>
               <a:pPr/>
-              <a:t>8/27/2022</a:t>
+              <a:t>8/29/2022</a:t>
             </a:fld>
             <a:endParaRPr lang="en-US"/>
           </a:p>
@@ -3217,7 +3275,7 @@
             <a:fld id="{1D8BD707-D9CF-40AE-B4C6-C98DA3205C09}" type="datetimeFigureOut">
               <a:rPr lang="en-US" smtClean="0"/>
               <a:pPr/>
-              <a:t>8/27/2022</a:t>
+              <a:t>8/29/2022</a:t>
             </a:fld>
             <a:endParaRPr lang="en-US"/>
           </a:p>
@@ -3553,7 +3611,7 @@
             <a:fld id="{1D8BD707-D9CF-40AE-B4C6-C98DA3205C09}" type="datetimeFigureOut">
               <a:rPr lang="en-US" smtClean="0"/>
               <a:pPr/>
-              <a:t>8/27/2022</a:t>
+              <a:t>8/29/2022</a:t>
             </a:fld>
             <a:endParaRPr lang="en-US"/>
           </a:p>
@@ -17573,15 +17631,7 @@
           <a:p>
             <a:r>
               <a:rPr lang="en-US" dirty="0"/>
-              <a:t>With clever parameter setting, you can use </a:t>
-            </a:r>
-            <a:r>
-              <a:rPr lang="en-US" dirty="0"/>
-              <a:t>splice()</a:t>
-            </a:r>
-            <a:r>
-              <a:rPr lang="en-US" dirty="0"/>
-              <a:t> to remove elements without leaving "holes" in the array</a:t>
+              <a:t>With clever parameter setting, you can use splice() to remove elements without leaving "holes" in the array</a:t>
             </a:r>
             <a:r>
               <a:rPr lang="en-US" dirty="0" smtClean="0"/>
@@ -18039,15 +18089,7 @@
           <a:p>
             <a:r>
               <a:rPr lang="en-US" dirty="0"/>
-              <a:t>If the end argument is omitted, like in the first examples, the </a:t>
-            </a:r>
-            <a:r>
-              <a:rPr lang="en-US" dirty="0"/>
-              <a:t>slice()</a:t>
-            </a:r>
-            <a:r>
-              <a:rPr lang="en-US" dirty="0"/>
-              <a:t> method slices out the rest of the array.</a:t>
+              <a:t>If the end argument is omitted, like in the first examples, the slice() method slices out the rest of the array.</a:t>
             </a:r>
           </a:p>
           <a:p>
@@ -18693,11 +18735,7 @@
           <a:p>
             <a:r>
               <a:rPr lang="en-US"/>
-              <a:t>Finding Max and Min Values in </a:t>
-            </a:r>
-            <a:r>
-              <a:rPr lang="en-US"/>
-              <a:t>an </a:t>
+              <a:t>Finding Max and Min Values in an </a:t>
             </a:r>
             <a:r>
               <a:rPr lang="en-US" smtClean="0"/>
@@ -18711,6 +18749,63 @@
     <p:extLst>
       <p:ext uri="{BB962C8B-B14F-4D97-AF65-F5344CB8AC3E}">
         <p14:creationId xmlns:p14="http://schemas.microsoft.com/office/powerpoint/2010/main" val="19579978"/>
+      </p:ext>
+    </p:extLst>
+  </p:cSld>
+  <p:clrMapOvr>
+    <a:masterClrMapping/>
+  </p:clrMapOvr>
+</p:sld>
+</file>
+
+<file path=ppt/slides/slide59.xml><?xml version="1.0" encoding="utf-8"?>
+<p:sld xmlns:a="http://schemas.openxmlformats.org/drawingml/2006/main" xmlns:r="http://schemas.openxmlformats.org/officeDocument/2006/relationships" xmlns:p="http://schemas.openxmlformats.org/presentationml/2006/main">
+  <p:cSld>
+    <p:spTree>
+      <p:nvGrpSpPr>
+        <p:cNvPr id="1" name=""/>
+        <p:cNvGrpSpPr/>
+        <p:nvPr/>
+      </p:nvGrpSpPr>
+      <p:grpSpPr>
+        <a:xfrm>
+          <a:off x="0" y="0"/>
+          <a:ext cx="0" cy="0"/>
+          <a:chOff x="0" y="0"/>
+          <a:chExt cx="0" cy="0"/>
+        </a:xfrm>
+      </p:grpSpPr>
+      <p:sp>
+        <p:nvSpPr>
+          <p:cNvPr id="3" name="Title 2"/>
+          <p:cNvSpPr>
+            <a:spLocks noGrp="1"/>
+          </p:cNvSpPr>
+          <p:nvPr>
+            <p:ph type="title"/>
+          </p:nvPr>
+        </p:nvSpPr>
+        <p:spPr/>
+        <p:txBody>
+          <a:bodyPr/>
+          <a:lstStyle/>
+          <a:p>
+            <a:r>
+              <a:rPr lang="en-US" dirty="0"/>
+              <a:t>JavaScript </a:t>
+            </a:r>
+            <a:r>
+              <a:rPr lang="en-US" dirty="0" smtClean="0"/>
+              <a:t>Function</a:t>
+            </a:r>
+            <a:endParaRPr lang="bg-BG" dirty="0"/>
+          </a:p>
+        </p:txBody>
+      </p:sp>
+    </p:spTree>
+    <p:extLst>
+      <p:ext uri="{BB962C8B-B14F-4D97-AF65-F5344CB8AC3E}">
+        <p14:creationId xmlns:p14="http://schemas.microsoft.com/office/powerpoint/2010/main" val="443541667"/>
       </p:ext>
     </p:extLst>
   </p:cSld>
@@ -18969,6 +19064,2855 @@
 </p:sld>
 </file>
 
+<file path=ppt/slides/slide60.xml><?xml version="1.0" encoding="utf-8"?>
+<p:sld xmlns:a="http://schemas.openxmlformats.org/drawingml/2006/main" xmlns:r="http://schemas.openxmlformats.org/officeDocument/2006/relationships" xmlns:p="http://schemas.openxmlformats.org/presentationml/2006/main">
+  <p:cSld>
+    <p:spTree>
+      <p:nvGrpSpPr>
+        <p:cNvPr id="1" name=""/>
+        <p:cNvGrpSpPr/>
+        <p:nvPr/>
+      </p:nvGrpSpPr>
+      <p:grpSpPr>
+        <a:xfrm>
+          <a:off x="0" y="0"/>
+          <a:ext cx="0" cy="0"/>
+          <a:chOff x="0" y="0"/>
+          <a:chExt cx="0" cy="0"/>
+        </a:xfrm>
+      </p:grpSpPr>
+      <p:sp>
+        <p:nvSpPr>
+          <p:cNvPr id="2" name="Content Placeholder 1"/>
+          <p:cNvSpPr>
+            <a:spLocks noGrp="1"/>
+          </p:cNvSpPr>
+          <p:nvPr>
+            <p:ph idx="1"/>
+          </p:nvPr>
+        </p:nvSpPr>
+        <p:spPr>
+          <a:xfrm>
+            <a:off x="380999" y="1719070"/>
+            <a:ext cx="8407893" cy="5062729"/>
+          </a:xfrm>
+        </p:spPr>
+        <p:txBody>
+          <a:bodyPr>
+            <a:normAutofit fontScale="92500" lnSpcReduction="10000"/>
+          </a:bodyPr>
+          <a:lstStyle/>
+          <a:p>
+            <a:r>
+              <a:rPr lang="en-US" dirty="0"/>
+              <a:t>JavaScript </a:t>
+            </a:r>
+            <a:r>
+              <a:rPr lang="en-US" b="1" dirty="0">
+                <a:solidFill>
+                  <a:srgbClr val="FFC000"/>
+                </a:solidFill>
+              </a:rPr>
+              <a:t>functions</a:t>
+            </a:r>
+            <a:r>
+              <a:rPr lang="en-US" dirty="0"/>
+              <a:t> are </a:t>
+            </a:r>
+            <a:r>
+              <a:rPr lang="en-US" b="1" dirty="0"/>
+              <a:t>defined</a:t>
+            </a:r>
+            <a:r>
+              <a:rPr lang="en-US" dirty="0"/>
+              <a:t> with the function keyword.</a:t>
+            </a:r>
+          </a:p>
+          <a:p>
+            <a:r>
+              <a:rPr lang="en-US" dirty="0"/>
+              <a:t>You can use a </a:t>
+            </a:r>
+            <a:r>
+              <a:rPr lang="en-US" dirty="0">
+                <a:solidFill>
+                  <a:srgbClr val="FFC000"/>
+                </a:solidFill>
+              </a:rPr>
+              <a:t>function </a:t>
+            </a:r>
+            <a:r>
+              <a:rPr lang="en-US" b="1" dirty="0">
+                <a:solidFill>
+                  <a:srgbClr val="FFC000"/>
+                </a:solidFill>
+              </a:rPr>
+              <a:t>declaration</a:t>
+            </a:r>
+            <a:r>
+              <a:rPr lang="en-US" dirty="0"/>
+              <a:t> or a function </a:t>
+            </a:r>
+            <a:r>
+              <a:rPr lang="en-US" b="1" dirty="0">
+                <a:solidFill>
+                  <a:srgbClr val="FFC000"/>
+                </a:solidFill>
+              </a:rPr>
+              <a:t>expression</a:t>
+            </a:r>
+            <a:r>
+              <a:rPr lang="en-US" dirty="0" smtClean="0"/>
+              <a:t>.</a:t>
+            </a:r>
+          </a:p>
+          <a:p>
+            <a:endParaRPr lang="en-US" dirty="0"/>
+          </a:p>
+          <a:p>
+            <a:endParaRPr lang="en-US" dirty="0" smtClean="0"/>
+          </a:p>
+          <a:p>
+            <a:endParaRPr lang="en-US" dirty="0"/>
+          </a:p>
+          <a:p>
+            <a:r>
+              <a:rPr lang="en-US" dirty="0"/>
+              <a:t>Declared functions are not executed immediately. They are "saved for later use", and will be executed later, when they are invoked (called upon</a:t>
+            </a:r>
+            <a:r>
+              <a:rPr lang="en-US" dirty="0" smtClean="0"/>
+              <a:t>).</a:t>
+            </a:r>
+          </a:p>
+          <a:p>
+            <a:endParaRPr lang="en-US" dirty="0"/>
+          </a:p>
+          <a:p>
+            <a:endParaRPr lang="en-US" dirty="0" smtClean="0"/>
+          </a:p>
+          <a:p>
+            <a:r>
+              <a:rPr lang="en-US" dirty="0"/>
+              <a:t>After a function expression has been stored in a variable, the variable can be used as a function</a:t>
+            </a:r>
+            <a:r>
+              <a:rPr lang="en-US" dirty="0" smtClean="0"/>
+              <a:t>:</a:t>
+            </a:r>
+          </a:p>
+          <a:p>
+            <a:r>
+              <a:rPr lang="en-US" dirty="0"/>
+              <a:t>The function above is actually an </a:t>
+            </a:r>
+            <a:r>
+              <a:rPr lang="en-US" b="1" dirty="0"/>
+              <a:t>anonymous function</a:t>
+            </a:r>
+            <a:r>
+              <a:rPr lang="en-US" dirty="0"/>
+              <a:t> (a function without a name).</a:t>
+            </a:r>
+          </a:p>
+          <a:p>
+            <a:r>
+              <a:rPr lang="en-US" dirty="0"/>
+              <a:t>Functions stored in variables do not need function names. They are always invoked (called) using the variable name.</a:t>
+            </a:r>
+          </a:p>
+          <a:p>
+            <a:endParaRPr lang="en-US" dirty="0"/>
+          </a:p>
+          <a:p>
+            <a:endParaRPr lang="bg-BG" dirty="0"/>
+          </a:p>
+        </p:txBody>
+      </p:sp>
+      <p:sp>
+        <p:nvSpPr>
+          <p:cNvPr id="3" name="Title 2"/>
+          <p:cNvSpPr>
+            <a:spLocks noGrp="1"/>
+          </p:cNvSpPr>
+          <p:nvPr>
+            <p:ph type="title"/>
+          </p:nvPr>
+        </p:nvSpPr>
+        <p:spPr/>
+        <p:txBody>
+          <a:bodyPr/>
+          <a:lstStyle/>
+          <a:p>
+            <a:r>
+              <a:rPr lang="en-US"/>
+              <a:t>JavaScript Function </a:t>
+            </a:r>
+            <a:r>
+              <a:rPr lang="en-US" smtClean="0"/>
+              <a:t>Definitions</a:t>
+            </a:r>
+            <a:endParaRPr lang="bg-BG"/>
+          </a:p>
+        </p:txBody>
+      </p:sp>
+      <p:pic>
+        <p:nvPicPr>
+          <p:cNvPr id="1026" name="Picture 2"/>
+          <p:cNvPicPr>
+            <a:picLocks noChangeAspect="1" noChangeArrowheads="1"/>
+          </p:cNvPicPr>
+          <p:nvPr/>
+        </p:nvPicPr>
+        <p:blipFill>
+          <a:blip r:embed="rId2">
+            <a:extLst>
+              <a:ext uri="{28A0092B-C50C-407E-A947-70E740481C1C}">
+                <a14:useLocalDpi xmlns:a14="http://schemas.microsoft.com/office/drawing/2010/main" val="0"/>
+              </a:ext>
+            </a:extLst>
+          </a:blip>
+          <a:srcRect/>
+          <a:stretch>
+            <a:fillRect/>
+          </a:stretch>
+        </p:blipFill>
+        <p:spPr bwMode="auto">
+          <a:xfrm>
+            <a:off x="809625" y="2362200"/>
+            <a:ext cx="3762375" cy="933450"/>
+          </a:xfrm>
+          <a:prstGeom prst="rect">
+            <a:avLst/>
+          </a:prstGeom>
+          <a:noFill/>
+          <a:ln>
+            <a:noFill/>
+          </a:ln>
+          <a:effectLst/>
+          <a:extLst>
+            <a:ext uri="{909E8E84-426E-40DD-AFC4-6F175D3DCCD1}">
+              <a14:hiddenFill xmlns:a14="http://schemas.microsoft.com/office/drawing/2010/main">
+                <a:solidFill>
+                  <a:schemeClr val="accent1"/>
+                </a:solidFill>
+              </a14:hiddenFill>
+            </a:ext>
+            <a:ext uri="{91240B29-F687-4F45-9708-019B960494DF}">
+              <a14:hiddenLine xmlns:a14="http://schemas.microsoft.com/office/drawing/2010/main" w="9525">
+                <a:solidFill>
+                  <a:schemeClr val="tx1"/>
+                </a:solidFill>
+                <a:miter lim="800000"/>
+                <a:headEnd/>
+                <a:tailEnd/>
+              </a14:hiddenLine>
+            </a:ext>
+            <a:ext uri="{AF507438-7753-43E0-B8FC-AC1667EBCBE1}">
+              <a14:hiddenEffects xmlns:a14="http://schemas.microsoft.com/office/drawing/2010/main">
+                <a:effectLst>
+                  <a:outerShdw dist="35921" dir="2700000" algn="ctr" rotWithShape="0">
+                    <a:schemeClr val="bg2"/>
+                  </a:outerShdw>
+                </a:effectLst>
+              </a14:hiddenEffects>
+            </a:ext>
+          </a:extLst>
+        </p:spPr>
+      </p:pic>
+      <p:pic>
+        <p:nvPicPr>
+          <p:cNvPr id="1027" name="Picture 3"/>
+          <p:cNvPicPr>
+            <a:picLocks noChangeAspect="1" noChangeArrowheads="1"/>
+          </p:cNvPicPr>
+          <p:nvPr/>
+        </p:nvPicPr>
+        <p:blipFill>
+          <a:blip r:embed="rId3">
+            <a:extLst>
+              <a:ext uri="{28A0092B-C50C-407E-A947-70E740481C1C}">
+                <a14:useLocalDpi xmlns:a14="http://schemas.microsoft.com/office/drawing/2010/main" val="0"/>
+              </a:ext>
+            </a:extLst>
+          </a:blip>
+          <a:srcRect/>
+          <a:stretch>
+            <a:fillRect/>
+          </a:stretch>
+        </p:blipFill>
+        <p:spPr bwMode="auto">
+          <a:xfrm>
+            <a:off x="746188" y="4191000"/>
+            <a:ext cx="4124325" cy="381000"/>
+          </a:xfrm>
+          <a:prstGeom prst="rect">
+            <a:avLst/>
+          </a:prstGeom>
+          <a:noFill/>
+          <a:ln>
+            <a:noFill/>
+          </a:ln>
+          <a:effectLst/>
+          <a:extLst>
+            <a:ext uri="{909E8E84-426E-40DD-AFC4-6F175D3DCCD1}">
+              <a14:hiddenFill xmlns:a14="http://schemas.microsoft.com/office/drawing/2010/main">
+                <a:solidFill>
+                  <a:schemeClr val="accent1"/>
+                </a:solidFill>
+              </a14:hiddenFill>
+            </a:ext>
+            <a:ext uri="{91240B29-F687-4F45-9708-019B960494DF}">
+              <a14:hiddenLine xmlns:a14="http://schemas.microsoft.com/office/drawing/2010/main" w="9525">
+                <a:solidFill>
+                  <a:schemeClr val="tx1"/>
+                </a:solidFill>
+                <a:miter lim="800000"/>
+                <a:headEnd/>
+                <a:tailEnd/>
+              </a14:hiddenLine>
+            </a:ext>
+            <a:ext uri="{AF507438-7753-43E0-B8FC-AC1667EBCBE1}">
+              <a14:hiddenEffects xmlns:a14="http://schemas.microsoft.com/office/drawing/2010/main">
+                <a:effectLst>
+                  <a:outerShdw dist="35921" dir="2700000" algn="ctr" rotWithShape="0">
+                    <a:schemeClr val="bg2"/>
+                  </a:outerShdw>
+                </a:effectLst>
+              </a14:hiddenEffects>
+            </a:ext>
+          </a:extLst>
+        </p:spPr>
+      </p:pic>
+      <p:pic>
+        <p:nvPicPr>
+          <p:cNvPr id="1028" name="Picture 4"/>
+          <p:cNvPicPr>
+            <a:picLocks noChangeAspect="1" noChangeArrowheads="1"/>
+          </p:cNvPicPr>
+          <p:nvPr/>
+        </p:nvPicPr>
+        <p:blipFill>
+          <a:blip r:embed="rId4">
+            <a:extLst>
+              <a:ext uri="{28A0092B-C50C-407E-A947-70E740481C1C}">
+                <a14:useLocalDpi xmlns:a14="http://schemas.microsoft.com/office/drawing/2010/main" val="0"/>
+              </a:ext>
+            </a:extLst>
+          </a:blip>
+          <a:srcRect/>
+          <a:stretch>
+            <a:fillRect/>
+          </a:stretch>
+        </p:blipFill>
+        <p:spPr bwMode="auto">
+          <a:xfrm>
+            <a:off x="5334000" y="4191000"/>
+            <a:ext cx="1894114" cy="381000"/>
+          </a:xfrm>
+          <a:prstGeom prst="rect">
+            <a:avLst/>
+          </a:prstGeom>
+          <a:noFill/>
+          <a:ln>
+            <a:noFill/>
+          </a:ln>
+          <a:effectLst/>
+          <a:extLst>
+            <a:ext uri="{909E8E84-426E-40DD-AFC4-6F175D3DCCD1}">
+              <a14:hiddenFill xmlns:a14="http://schemas.microsoft.com/office/drawing/2010/main">
+                <a:solidFill>
+                  <a:schemeClr val="accent1"/>
+                </a:solidFill>
+              </a14:hiddenFill>
+            </a:ext>
+            <a:ext uri="{91240B29-F687-4F45-9708-019B960494DF}">
+              <a14:hiddenLine xmlns:a14="http://schemas.microsoft.com/office/drawing/2010/main" w="9525">
+                <a:solidFill>
+                  <a:schemeClr val="tx1"/>
+                </a:solidFill>
+                <a:miter lim="800000"/>
+                <a:headEnd/>
+                <a:tailEnd/>
+              </a14:hiddenLine>
+            </a:ext>
+            <a:ext uri="{AF507438-7753-43E0-B8FC-AC1667EBCBE1}">
+              <a14:hiddenEffects xmlns:a14="http://schemas.microsoft.com/office/drawing/2010/main">
+                <a:effectLst>
+                  <a:outerShdw dist="35921" dir="2700000" algn="ctr" rotWithShape="0">
+                    <a:schemeClr val="bg2"/>
+                  </a:outerShdw>
+                </a:effectLst>
+              </a14:hiddenEffects>
+            </a:ext>
+          </a:extLst>
+        </p:spPr>
+      </p:pic>
+    </p:spTree>
+    <p:extLst>
+      <p:ext uri="{BB962C8B-B14F-4D97-AF65-F5344CB8AC3E}">
+        <p14:creationId xmlns:p14="http://schemas.microsoft.com/office/powerpoint/2010/main" val="1224825093"/>
+      </p:ext>
+    </p:extLst>
+  </p:cSld>
+  <p:clrMapOvr>
+    <a:masterClrMapping/>
+  </p:clrMapOvr>
+</p:sld>
+</file>
+
+<file path=ppt/slides/slide61.xml><?xml version="1.0" encoding="utf-8"?>
+<p:sld xmlns:a="http://schemas.openxmlformats.org/drawingml/2006/main" xmlns:r="http://schemas.openxmlformats.org/officeDocument/2006/relationships" xmlns:p="http://schemas.openxmlformats.org/presentationml/2006/main">
+  <p:cSld>
+    <p:spTree>
+      <p:nvGrpSpPr>
+        <p:cNvPr id="1" name=""/>
+        <p:cNvGrpSpPr/>
+        <p:nvPr/>
+      </p:nvGrpSpPr>
+      <p:grpSpPr>
+        <a:xfrm>
+          <a:off x="0" y="0"/>
+          <a:ext cx="0" cy="0"/>
+          <a:chOff x="0" y="0"/>
+          <a:chExt cx="0" cy="0"/>
+        </a:xfrm>
+      </p:grpSpPr>
+      <p:sp>
+        <p:nvSpPr>
+          <p:cNvPr id="2" name="Content Placeholder 1"/>
+          <p:cNvSpPr>
+            <a:spLocks noGrp="1"/>
+          </p:cNvSpPr>
+          <p:nvPr>
+            <p:ph idx="1"/>
+          </p:nvPr>
+        </p:nvSpPr>
+        <p:spPr/>
+        <p:txBody>
+          <a:bodyPr/>
+          <a:lstStyle/>
+          <a:p>
+            <a:r>
+              <a:rPr lang="en-US" dirty="0"/>
+              <a:t>As you have seen in the previous examples, JavaScript functions are defined with the function keyword.</a:t>
+            </a:r>
+          </a:p>
+          <a:p>
+            <a:r>
+              <a:rPr lang="en-US" dirty="0"/>
+              <a:t>Functions can also be defined with a built-in JavaScript function constructor called Function</a:t>
+            </a:r>
+            <a:r>
+              <a:rPr lang="en-US" dirty="0" smtClean="0"/>
+              <a:t>().</a:t>
+            </a:r>
+          </a:p>
+          <a:p>
+            <a:endParaRPr lang="en-US" dirty="0"/>
+          </a:p>
+          <a:p>
+            <a:endParaRPr lang="en-US" dirty="0" smtClean="0"/>
+          </a:p>
+          <a:p>
+            <a:endParaRPr lang="en-US" dirty="0"/>
+          </a:p>
+          <a:p>
+            <a:r>
+              <a:rPr lang="en-US" dirty="0"/>
+              <a:t>You actually don't have to use the function constructor. The example above is the same as writing:</a:t>
+            </a:r>
+          </a:p>
+          <a:p>
+            <a:endParaRPr lang="bg-BG" dirty="0"/>
+          </a:p>
+        </p:txBody>
+      </p:sp>
+      <p:sp>
+        <p:nvSpPr>
+          <p:cNvPr id="3" name="Title 2"/>
+          <p:cNvSpPr>
+            <a:spLocks noGrp="1"/>
+          </p:cNvSpPr>
+          <p:nvPr>
+            <p:ph type="title"/>
+          </p:nvPr>
+        </p:nvSpPr>
+        <p:spPr/>
+        <p:txBody>
+          <a:bodyPr/>
+          <a:lstStyle/>
+          <a:p>
+            <a:r>
+              <a:rPr lang="en-US" dirty="0"/>
+              <a:t>The Function() </a:t>
+            </a:r>
+            <a:r>
+              <a:rPr lang="en-US" dirty="0" smtClean="0"/>
+              <a:t>Constructor</a:t>
+            </a:r>
+            <a:endParaRPr lang="bg-BG" dirty="0"/>
+          </a:p>
+        </p:txBody>
+      </p:sp>
+      <p:pic>
+        <p:nvPicPr>
+          <p:cNvPr id="2050" name="Picture 2"/>
+          <p:cNvPicPr>
+            <a:picLocks noChangeAspect="1" noChangeArrowheads="1"/>
+          </p:cNvPicPr>
+          <p:nvPr/>
+        </p:nvPicPr>
+        <p:blipFill>
+          <a:blip r:embed="rId2">
+            <a:extLst>
+              <a:ext uri="{28A0092B-C50C-407E-A947-70E740481C1C}">
+                <a14:useLocalDpi xmlns:a14="http://schemas.microsoft.com/office/drawing/2010/main" val="0"/>
+              </a:ext>
+            </a:extLst>
+          </a:blip>
+          <a:srcRect/>
+          <a:stretch>
+            <a:fillRect/>
+          </a:stretch>
+        </p:blipFill>
+        <p:spPr bwMode="auto">
+          <a:xfrm>
+            <a:off x="762000" y="3124200"/>
+            <a:ext cx="5886450" cy="962025"/>
+          </a:xfrm>
+          <a:prstGeom prst="rect">
+            <a:avLst/>
+          </a:prstGeom>
+          <a:noFill/>
+          <a:ln>
+            <a:noFill/>
+          </a:ln>
+          <a:effectLst/>
+          <a:extLst>
+            <a:ext uri="{909E8E84-426E-40DD-AFC4-6F175D3DCCD1}">
+              <a14:hiddenFill xmlns:a14="http://schemas.microsoft.com/office/drawing/2010/main">
+                <a:solidFill>
+                  <a:schemeClr val="accent1"/>
+                </a:solidFill>
+              </a14:hiddenFill>
+            </a:ext>
+            <a:ext uri="{91240B29-F687-4F45-9708-019B960494DF}">
+              <a14:hiddenLine xmlns:a14="http://schemas.microsoft.com/office/drawing/2010/main" w="9525">
+                <a:solidFill>
+                  <a:schemeClr val="tx1"/>
+                </a:solidFill>
+                <a:miter lim="800000"/>
+                <a:headEnd/>
+                <a:tailEnd/>
+              </a14:hiddenLine>
+            </a:ext>
+            <a:ext uri="{AF507438-7753-43E0-B8FC-AC1667EBCBE1}">
+              <a14:hiddenEffects xmlns:a14="http://schemas.microsoft.com/office/drawing/2010/main">
+                <a:effectLst>
+                  <a:outerShdw dist="35921" dir="2700000" algn="ctr" rotWithShape="0">
+                    <a:schemeClr val="bg2"/>
+                  </a:outerShdw>
+                </a:effectLst>
+              </a14:hiddenEffects>
+            </a:ext>
+          </a:extLst>
+        </p:spPr>
+      </p:pic>
+      <p:pic>
+        <p:nvPicPr>
+          <p:cNvPr id="2051" name="Picture 3"/>
+          <p:cNvPicPr>
+            <a:picLocks noChangeAspect="1" noChangeArrowheads="1"/>
+          </p:cNvPicPr>
+          <p:nvPr/>
+        </p:nvPicPr>
+        <p:blipFill>
+          <a:blip r:embed="rId3">
+            <a:extLst>
+              <a:ext uri="{28A0092B-C50C-407E-A947-70E740481C1C}">
+                <a14:useLocalDpi xmlns:a14="http://schemas.microsoft.com/office/drawing/2010/main" val="0"/>
+              </a:ext>
+            </a:extLst>
+          </a:blip>
+          <a:srcRect/>
+          <a:stretch>
+            <a:fillRect/>
+          </a:stretch>
+        </p:blipFill>
+        <p:spPr bwMode="auto">
+          <a:xfrm>
+            <a:off x="762000" y="5029200"/>
+            <a:ext cx="5057775" cy="914400"/>
+          </a:xfrm>
+          <a:prstGeom prst="rect">
+            <a:avLst/>
+          </a:prstGeom>
+          <a:noFill/>
+          <a:ln>
+            <a:noFill/>
+          </a:ln>
+          <a:effectLst/>
+          <a:extLst>
+            <a:ext uri="{909E8E84-426E-40DD-AFC4-6F175D3DCCD1}">
+              <a14:hiddenFill xmlns:a14="http://schemas.microsoft.com/office/drawing/2010/main">
+                <a:solidFill>
+                  <a:schemeClr val="accent1"/>
+                </a:solidFill>
+              </a14:hiddenFill>
+            </a:ext>
+            <a:ext uri="{91240B29-F687-4F45-9708-019B960494DF}">
+              <a14:hiddenLine xmlns:a14="http://schemas.microsoft.com/office/drawing/2010/main" w="9525">
+                <a:solidFill>
+                  <a:schemeClr val="tx1"/>
+                </a:solidFill>
+                <a:miter lim="800000"/>
+                <a:headEnd/>
+                <a:tailEnd/>
+              </a14:hiddenLine>
+            </a:ext>
+            <a:ext uri="{AF507438-7753-43E0-B8FC-AC1667EBCBE1}">
+              <a14:hiddenEffects xmlns:a14="http://schemas.microsoft.com/office/drawing/2010/main">
+                <a:effectLst>
+                  <a:outerShdw dist="35921" dir="2700000" algn="ctr" rotWithShape="0">
+                    <a:schemeClr val="bg2"/>
+                  </a:outerShdw>
+                </a:effectLst>
+              </a14:hiddenEffects>
+            </a:ext>
+          </a:extLst>
+        </p:spPr>
+      </p:pic>
+    </p:spTree>
+    <p:extLst>
+      <p:ext uri="{BB962C8B-B14F-4D97-AF65-F5344CB8AC3E}">
+        <p14:creationId xmlns:p14="http://schemas.microsoft.com/office/powerpoint/2010/main" val="2543255395"/>
+      </p:ext>
+    </p:extLst>
+  </p:cSld>
+  <p:clrMapOvr>
+    <a:masterClrMapping/>
+  </p:clrMapOvr>
+</p:sld>
+</file>
+
+<file path=ppt/slides/slide62.xml><?xml version="1.0" encoding="utf-8"?>
+<p:sld xmlns:a="http://schemas.openxmlformats.org/drawingml/2006/main" xmlns:r="http://schemas.openxmlformats.org/officeDocument/2006/relationships" xmlns:p="http://schemas.openxmlformats.org/presentationml/2006/main">
+  <p:cSld>
+    <p:spTree>
+      <p:nvGrpSpPr>
+        <p:cNvPr id="1" name=""/>
+        <p:cNvGrpSpPr/>
+        <p:nvPr/>
+      </p:nvGrpSpPr>
+      <p:grpSpPr>
+        <a:xfrm>
+          <a:off x="0" y="0"/>
+          <a:ext cx="0" cy="0"/>
+          <a:chOff x="0" y="0"/>
+          <a:chExt cx="0" cy="0"/>
+        </a:xfrm>
+      </p:grpSpPr>
+      <p:sp>
+        <p:nvSpPr>
+          <p:cNvPr id="2" name="Content Placeholder 1"/>
+          <p:cNvSpPr>
+            <a:spLocks noGrp="1"/>
+          </p:cNvSpPr>
+          <p:nvPr>
+            <p:ph idx="1"/>
+          </p:nvPr>
+        </p:nvSpPr>
+        <p:spPr/>
+        <p:txBody>
+          <a:bodyPr/>
+          <a:lstStyle/>
+          <a:p>
+            <a:r>
+              <a:rPr lang="en-US" dirty="0"/>
+              <a:t>Hoisting is JavaScript's default behavior of moving </a:t>
+            </a:r>
+            <a:r>
+              <a:rPr lang="en-US" b="1" dirty="0"/>
+              <a:t>declarations</a:t>
+            </a:r>
+            <a:r>
+              <a:rPr lang="en-US" dirty="0"/>
+              <a:t> to the top of the current scope.</a:t>
+            </a:r>
+          </a:p>
+          <a:p>
+            <a:r>
+              <a:rPr lang="en-US" dirty="0"/>
+              <a:t>Hoisting applies to variable declarations and to function declarations.</a:t>
+            </a:r>
+          </a:p>
+          <a:p>
+            <a:r>
+              <a:rPr lang="en-US" dirty="0"/>
+              <a:t>Because of this, JavaScript functions can be called before they are declared</a:t>
+            </a:r>
+            <a:r>
+              <a:rPr lang="en-US" dirty="0" smtClean="0"/>
+              <a:t>:</a:t>
+            </a:r>
+          </a:p>
+          <a:p>
+            <a:endParaRPr lang="en-US" dirty="0"/>
+          </a:p>
+          <a:p>
+            <a:endParaRPr lang="en-US" dirty="0" smtClean="0"/>
+          </a:p>
+          <a:p>
+            <a:endParaRPr lang="en-US" dirty="0"/>
+          </a:p>
+          <a:p>
+            <a:endParaRPr lang="en-US" dirty="0" smtClean="0"/>
+          </a:p>
+          <a:p>
+            <a:endParaRPr lang="en-US" dirty="0" smtClean="0"/>
+          </a:p>
+          <a:p>
+            <a:r>
+              <a:rPr lang="en-US" b="1" dirty="0">
+                <a:solidFill>
+                  <a:srgbClr val="FF0000"/>
+                </a:solidFill>
+              </a:rPr>
+              <a:t>Functions defined using an expression are not hoisted.</a:t>
+            </a:r>
+          </a:p>
+          <a:p>
+            <a:pPr marL="45720" indent="0">
+              <a:buNone/>
+            </a:pPr>
+            <a:endParaRPr lang="bg-BG" dirty="0"/>
+          </a:p>
+        </p:txBody>
+      </p:sp>
+      <p:sp>
+        <p:nvSpPr>
+          <p:cNvPr id="3" name="Title 2"/>
+          <p:cNvSpPr>
+            <a:spLocks noGrp="1"/>
+          </p:cNvSpPr>
+          <p:nvPr>
+            <p:ph type="title"/>
+          </p:nvPr>
+        </p:nvSpPr>
+        <p:spPr/>
+        <p:txBody>
+          <a:bodyPr/>
+          <a:lstStyle/>
+          <a:p>
+            <a:r>
+              <a:rPr lang="en-US" dirty="0"/>
+              <a:t>Function </a:t>
+            </a:r>
+            <a:r>
+              <a:rPr lang="en-US" dirty="0" smtClean="0"/>
+              <a:t>Hoisting</a:t>
+            </a:r>
+            <a:endParaRPr lang="bg-BG" dirty="0"/>
+          </a:p>
+        </p:txBody>
+      </p:sp>
+      <p:pic>
+        <p:nvPicPr>
+          <p:cNvPr id="3074" name="Picture 2"/>
+          <p:cNvPicPr>
+            <a:picLocks noChangeAspect="1" noChangeArrowheads="1"/>
+          </p:cNvPicPr>
+          <p:nvPr/>
+        </p:nvPicPr>
+        <p:blipFill>
+          <a:blip r:embed="rId2">
+            <a:extLst>
+              <a:ext uri="{28A0092B-C50C-407E-A947-70E740481C1C}">
+                <a14:useLocalDpi xmlns:a14="http://schemas.microsoft.com/office/drawing/2010/main" val="0"/>
+              </a:ext>
+            </a:extLst>
+          </a:blip>
+          <a:srcRect/>
+          <a:stretch>
+            <a:fillRect/>
+          </a:stretch>
+        </p:blipFill>
+        <p:spPr bwMode="auto">
+          <a:xfrm>
+            <a:off x="838200" y="3886200"/>
+            <a:ext cx="2600325" cy="1390650"/>
+          </a:xfrm>
+          <a:prstGeom prst="rect">
+            <a:avLst/>
+          </a:prstGeom>
+          <a:noFill/>
+          <a:ln>
+            <a:noFill/>
+          </a:ln>
+          <a:effectLst/>
+          <a:extLst>
+            <a:ext uri="{909E8E84-426E-40DD-AFC4-6F175D3DCCD1}">
+              <a14:hiddenFill xmlns:a14="http://schemas.microsoft.com/office/drawing/2010/main">
+                <a:solidFill>
+                  <a:schemeClr val="accent1"/>
+                </a:solidFill>
+              </a14:hiddenFill>
+            </a:ext>
+            <a:ext uri="{91240B29-F687-4F45-9708-019B960494DF}">
+              <a14:hiddenLine xmlns:a14="http://schemas.microsoft.com/office/drawing/2010/main" w="9525">
+                <a:solidFill>
+                  <a:schemeClr val="tx1"/>
+                </a:solidFill>
+                <a:miter lim="800000"/>
+                <a:headEnd/>
+                <a:tailEnd/>
+              </a14:hiddenLine>
+            </a:ext>
+            <a:ext uri="{AF507438-7753-43E0-B8FC-AC1667EBCBE1}">
+              <a14:hiddenEffects xmlns:a14="http://schemas.microsoft.com/office/drawing/2010/main">
+                <a:effectLst>
+                  <a:outerShdw dist="35921" dir="2700000" algn="ctr" rotWithShape="0">
+                    <a:schemeClr val="bg2"/>
+                  </a:outerShdw>
+                </a:effectLst>
+              </a14:hiddenEffects>
+            </a:ext>
+          </a:extLst>
+        </p:spPr>
+      </p:pic>
+    </p:spTree>
+    <p:extLst>
+      <p:ext uri="{BB962C8B-B14F-4D97-AF65-F5344CB8AC3E}">
+        <p14:creationId xmlns:p14="http://schemas.microsoft.com/office/powerpoint/2010/main" val="2372005164"/>
+      </p:ext>
+    </p:extLst>
+  </p:cSld>
+  <p:clrMapOvr>
+    <a:masterClrMapping/>
+  </p:clrMapOvr>
+</p:sld>
+</file>
+
+<file path=ppt/slides/slide63.xml><?xml version="1.0" encoding="utf-8"?>
+<p:sld xmlns:a="http://schemas.openxmlformats.org/drawingml/2006/main" xmlns:r="http://schemas.openxmlformats.org/officeDocument/2006/relationships" xmlns:p="http://schemas.openxmlformats.org/presentationml/2006/main">
+  <p:cSld>
+    <p:spTree>
+      <p:nvGrpSpPr>
+        <p:cNvPr id="1" name=""/>
+        <p:cNvGrpSpPr/>
+        <p:nvPr/>
+      </p:nvGrpSpPr>
+      <p:grpSpPr>
+        <a:xfrm>
+          <a:off x="0" y="0"/>
+          <a:ext cx="0" cy="0"/>
+          <a:chOff x="0" y="0"/>
+          <a:chExt cx="0" cy="0"/>
+        </a:xfrm>
+      </p:grpSpPr>
+      <p:sp>
+        <p:nvSpPr>
+          <p:cNvPr id="2" name="Content Placeholder 1"/>
+          <p:cNvSpPr>
+            <a:spLocks noGrp="1"/>
+          </p:cNvSpPr>
+          <p:nvPr>
+            <p:ph idx="1"/>
+          </p:nvPr>
+        </p:nvSpPr>
+        <p:spPr>
+          <a:xfrm>
+            <a:off x="380999" y="1719070"/>
+            <a:ext cx="8407893" cy="4986529"/>
+          </a:xfrm>
+        </p:spPr>
+        <p:txBody>
+          <a:bodyPr>
+            <a:normAutofit/>
+          </a:bodyPr>
+          <a:lstStyle/>
+          <a:p>
+            <a:r>
+              <a:rPr lang="en-US" dirty="0">
+                <a:solidFill>
+                  <a:srgbClr val="FFC000"/>
+                </a:solidFill>
+              </a:rPr>
+              <a:t>Function expressions can be made "self-invoking".</a:t>
+            </a:r>
+          </a:p>
+          <a:p>
+            <a:r>
+              <a:rPr lang="en-US" dirty="0"/>
+              <a:t>A self-invoking expression is invoked (started) automatically, without being called.</a:t>
+            </a:r>
+          </a:p>
+          <a:p>
+            <a:r>
+              <a:rPr lang="en-US" dirty="0"/>
+              <a:t>Function expressions will execute automatically if the expression is followed by ().</a:t>
+            </a:r>
+          </a:p>
+          <a:p>
+            <a:r>
+              <a:rPr lang="en-US" b="1" dirty="0">
+                <a:solidFill>
+                  <a:srgbClr val="FF0000"/>
+                </a:solidFill>
+              </a:rPr>
+              <a:t>You cannot self-invoke a function declaration.</a:t>
+            </a:r>
+          </a:p>
+          <a:p>
+            <a:r>
+              <a:rPr lang="en-US" dirty="0"/>
+              <a:t>You have to add parentheses around the function to indicate that it is a function expression</a:t>
+            </a:r>
+            <a:r>
+              <a:rPr lang="en-US" dirty="0" smtClean="0"/>
+              <a:t>:</a:t>
+            </a:r>
+          </a:p>
+          <a:p>
+            <a:endParaRPr lang="en-US" dirty="0"/>
+          </a:p>
+          <a:p>
+            <a:endParaRPr lang="en-US" dirty="0" smtClean="0"/>
+          </a:p>
+          <a:p>
+            <a:endParaRPr lang="en-US" dirty="0"/>
+          </a:p>
+          <a:p>
+            <a:r>
+              <a:rPr lang="en-US" dirty="0"/>
+              <a:t>The function above is actually an </a:t>
+            </a:r>
+            <a:r>
+              <a:rPr lang="en-US" b="1" dirty="0"/>
+              <a:t>anonymous self-invoking function</a:t>
+            </a:r>
+            <a:r>
+              <a:rPr lang="en-US" dirty="0"/>
+              <a:t> (function without name).</a:t>
+            </a:r>
+          </a:p>
+          <a:p>
+            <a:endParaRPr lang="bg-BG" dirty="0"/>
+          </a:p>
+        </p:txBody>
+      </p:sp>
+      <p:sp>
+        <p:nvSpPr>
+          <p:cNvPr id="3" name="Title 2"/>
+          <p:cNvSpPr>
+            <a:spLocks noGrp="1"/>
+          </p:cNvSpPr>
+          <p:nvPr>
+            <p:ph type="title"/>
+          </p:nvPr>
+        </p:nvSpPr>
+        <p:spPr/>
+        <p:txBody>
+          <a:bodyPr/>
+          <a:lstStyle/>
+          <a:p>
+            <a:r>
+              <a:rPr lang="en-US" dirty="0"/>
+              <a:t>Self-Invoking </a:t>
+            </a:r>
+            <a:r>
+              <a:rPr lang="en-US" dirty="0" smtClean="0"/>
+              <a:t>Functions</a:t>
+            </a:r>
+            <a:endParaRPr lang="bg-BG" dirty="0"/>
+          </a:p>
+        </p:txBody>
+      </p:sp>
+      <p:pic>
+        <p:nvPicPr>
+          <p:cNvPr id="4098" name="Picture 2"/>
+          <p:cNvPicPr>
+            <a:picLocks noChangeAspect="1" noChangeArrowheads="1"/>
+          </p:cNvPicPr>
+          <p:nvPr/>
+        </p:nvPicPr>
+        <p:blipFill>
+          <a:blip r:embed="rId2">
+            <a:extLst>
+              <a:ext uri="{28A0092B-C50C-407E-A947-70E740481C1C}">
+                <a14:useLocalDpi xmlns:a14="http://schemas.microsoft.com/office/drawing/2010/main" val="0"/>
+              </a:ext>
+            </a:extLst>
+          </a:blip>
+          <a:srcRect/>
+          <a:stretch>
+            <a:fillRect/>
+          </a:stretch>
+        </p:blipFill>
+        <p:spPr bwMode="auto">
+          <a:xfrm>
+            <a:off x="762000" y="4648200"/>
+            <a:ext cx="4743450" cy="857250"/>
+          </a:xfrm>
+          <a:prstGeom prst="rect">
+            <a:avLst/>
+          </a:prstGeom>
+          <a:noFill/>
+          <a:ln>
+            <a:noFill/>
+          </a:ln>
+          <a:effectLst/>
+          <a:extLst>
+            <a:ext uri="{909E8E84-426E-40DD-AFC4-6F175D3DCCD1}">
+              <a14:hiddenFill xmlns:a14="http://schemas.microsoft.com/office/drawing/2010/main">
+                <a:solidFill>
+                  <a:schemeClr val="accent1"/>
+                </a:solidFill>
+              </a14:hiddenFill>
+            </a:ext>
+            <a:ext uri="{91240B29-F687-4F45-9708-019B960494DF}">
+              <a14:hiddenLine xmlns:a14="http://schemas.microsoft.com/office/drawing/2010/main" w="9525">
+                <a:solidFill>
+                  <a:schemeClr val="tx1"/>
+                </a:solidFill>
+                <a:miter lim="800000"/>
+                <a:headEnd/>
+                <a:tailEnd/>
+              </a14:hiddenLine>
+            </a:ext>
+            <a:ext uri="{AF507438-7753-43E0-B8FC-AC1667EBCBE1}">
+              <a14:hiddenEffects xmlns:a14="http://schemas.microsoft.com/office/drawing/2010/main">
+                <a:effectLst>
+                  <a:outerShdw dist="35921" dir="2700000" algn="ctr" rotWithShape="0">
+                    <a:schemeClr val="bg2"/>
+                  </a:outerShdw>
+                </a:effectLst>
+              </a14:hiddenEffects>
+            </a:ext>
+          </a:extLst>
+        </p:spPr>
+      </p:pic>
+    </p:spTree>
+    <p:extLst>
+      <p:ext uri="{BB962C8B-B14F-4D97-AF65-F5344CB8AC3E}">
+        <p14:creationId xmlns:p14="http://schemas.microsoft.com/office/powerpoint/2010/main" val="268179256"/>
+      </p:ext>
+    </p:extLst>
+  </p:cSld>
+  <p:clrMapOvr>
+    <a:masterClrMapping/>
+  </p:clrMapOvr>
+</p:sld>
+</file>
+
+<file path=ppt/slides/slide64.xml><?xml version="1.0" encoding="utf-8"?>
+<p:sld xmlns:a="http://schemas.openxmlformats.org/drawingml/2006/main" xmlns:r="http://schemas.openxmlformats.org/officeDocument/2006/relationships" xmlns:p="http://schemas.openxmlformats.org/presentationml/2006/main">
+  <p:cSld>
+    <p:spTree>
+      <p:nvGrpSpPr>
+        <p:cNvPr id="1" name=""/>
+        <p:cNvGrpSpPr/>
+        <p:nvPr/>
+      </p:nvGrpSpPr>
+      <p:grpSpPr>
+        <a:xfrm>
+          <a:off x="0" y="0"/>
+          <a:ext cx="0" cy="0"/>
+          <a:chOff x="0" y="0"/>
+          <a:chExt cx="0" cy="0"/>
+        </a:xfrm>
+      </p:grpSpPr>
+      <p:sp>
+        <p:nvSpPr>
+          <p:cNvPr id="3" name="Title 2"/>
+          <p:cNvSpPr>
+            <a:spLocks noGrp="1"/>
+          </p:cNvSpPr>
+          <p:nvPr>
+            <p:ph type="title"/>
+          </p:nvPr>
+        </p:nvSpPr>
+        <p:spPr/>
+        <p:txBody>
+          <a:bodyPr/>
+          <a:lstStyle/>
+          <a:p>
+            <a:r>
+              <a:rPr lang="en-US" dirty="0"/>
+              <a:t>Functions Can Be Used as </a:t>
+            </a:r>
+            <a:r>
+              <a:rPr lang="en-US" dirty="0" smtClean="0"/>
+              <a:t>Values</a:t>
+            </a:r>
+            <a:endParaRPr lang="bg-BG" dirty="0"/>
+          </a:p>
+        </p:txBody>
+      </p:sp>
+      <p:pic>
+        <p:nvPicPr>
+          <p:cNvPr id="5122" name="Picture 2"/>
+          <p:cNvPicPr>
+            <a:picLocks noChangeAspect="1" noChangeArrowheads="1"/>
+          </p:cNvPicPr>
+          <p:nvPr/>
+        </p:nvPicPr>
+        <p:blipFill>
+          <a:blip r:embed="rId2">
+            <a:extLst>
+              <a:ext uri="{28A0092B-C50C-407E-A947-70E740481C1C}">
+                <a14:useLocalDpi xmlns:a14="http://schemas.microsoft.com/office/drawing/2010/main" val="0"/>
+              </a:ext>
+            </a:extLst>
+          </a:blip>
+          <a:srcRect/>
+          <a:stretch>
+            <a:fillRect/>
+          </a:stretch>
+        </p:blipFill>
+        <p:spPr bwMode="auto">
+          <a:xfrm>
+            <a:off x="448055" y="1694688"/>
+            <a:ext cx="3706045" cy="1828800"/>
+          </a:xfrm>
+          <a:prstGeom prst="rect">
+            <a:avLst/>
+          </a:prstGeom>
+          <a:noFill/>
+          <a:ln>
+            <a:noFill/>
+          </a:ln>
+          <a:effectLst/>
+          <a:extLst>
+            <a:ext uri="{909E8E84-426E-40DD-AFC4-6F175D3DCCD1}">
+              <a14:hiddenFill xmlns:a14="http://schemas.microsoft.com/office/drawing/2010/main">
+                <a:solidFill>
+                  <a:schemeClr val="accent1"/>
+                </a:solidFill>
+              </a14:hiddenFill>
+            </a:ext>
+            <a:ext uri="{91240B29-F687-4F45-9708-019B960494DF}">
+              <a14:hiddenLine xmlns:a14="http://schemas.microsoft.com/office/drawing/2010/main" w="9525">
+                <a:solidFill>
+                  <a:schemeClr val="tx1"/>
+                </a:solidFill>
+                <a:miter lim="800000"/>
+                <a:headEnd/>
+                <a:tailEnd/>
+              </a14:hiddenLine>
+            </a:ext>
+            <a:ext uri="{AF507438-7753-43E0-B8FC-AC1667EBCBE1}">
+              <a14:hiddenEffects xmlns:a14="http://schemas.microsoft.com/office/drawing/2010/main">
+                <a:effectLst>
+                  <a:outerShdw dist="35921" dir="2700000" algn="ctr" rotWithShape="0">
+                    <a:schemeClr val="bg2"/>
+                  </a:outerShdw>
+                </a:effectLst>
+              </a14:hiddenEffects>
+            </a:ext>
+          </a:extLst>
+        </p:spPr>
+      </p:pic>
+      <p:pic>
+        <p:nvPicPr>
+          <p:cNvPr id="5123" name="Picture 3"/>
+          <p:cNvPicPr>
+            <a:picLocks noChangeAspect="1" noChangeArrowheads="1"/>
+          </p:cNvPicPr>
+          <p:nvPr/>
+        </p:nvPicPr>
+        <p:blipFill>
+          <a:blip r:embed="rId3">
+            <a:extLst>
+              <a:ext uri="{28A0092B-C50C-407E-A947-70E740481C1C}">
+                <a14:useLocalDpi xmlns:a14="http://schemas.microsoft.com/office/drawing/2010/main" val="0"/>
+              </a:ext>
+            </a:extLst>
+          </a:blip>
+          <a:srcRect/>
+          <a:stretch>
+            <a:fillRect/>
+          </a:stretch>
+        </p:blipFill>
+        <p:spPr bwMode="auto">
+          <a:xfrm>
+            <a:off x="4395208" y="1694688"/>
+            <a:ext cx="3925513" cy="1828800"/>
+          </a:xfrm>
+          <a:prstGeom prst="rect">
+            <a:avLst/>
+          </a:prstGeom>
+          <a:noFill/>
+          <a:ln>
+            <a:noFill/>
+          </a:ln>
+          <a:effectLst/>
+          <a:extLst>
+            <a:ext uri="{909E8E84-426E-40DD-AFC4-6F175D3DCCD1}">
+              <a14:hiddenFill xmlns:a14="http://schemas.microsoft.com/office/drawing/2010/main">
+                <a:solidFill>
+                  <a:schemeClr val="accent1"/>
+                </a:solidFill>
+              </a14:hiddenFill>
+            </a:ext>
+            <a:ext uri="{91240B29-F687-4F45-9708-019B960494DF}">
+              <a14:hiddenLine xmlns:a14="http://schemas.microsoft.com/office/drawing/2010/main" w="9525">
+                <a:solidFill>
+                  <a:schemeClr val="tx1"/>
+                </a:solidFill>
+                <a:miter lim="800000"/>
+                <a:headEnd/>
+                <a:tailEnd/>
+              </a14:hiddenLine>
+            </a:ext>
+            <a:ext uri="{AF507438-7753-43E0-B8FC-AC1667EBCBE1}">
+              <a14:hiddenEffects xmlns:a14="http://schemas.microsoft.com/office/drawing/2010/main">
+                <a:effectLst>
+                  <a:outerShdw dist="35921" dir="2700000" algn="ctr" rotWithShape="0">
+                    <a:schemeClr val="bg2"/>
+                  </a:outerShdw>
+                </a:effectLst>
+              </a14:hiddenEffects>
+            </a:ext>
+          </a:extLst>
+        </p:spPr>
+      </p:pic>
+      <p:pic>
+        <p:nvPicPr>
+          <p:cNvPr id="5124" name="Picture 4"/>
+          <p:cNvPicPr>
+            <a:picLocks noChangeAspect="1" noChangeArrowheads="1"/>
+          </p:cNvPicPr>
+          <p:nvPr/>
+        </p:nvPicPr>
+        <p:blipFill>
+          <a:blip r:embed="rId4">
+            <a:extLst>
+              <a:ext uri="{28A0092B-C50C-407E-A947-70E740481C1C}">
+                <a14:useLocalDpi xmlns:a14="http://schemas.microsoft.com/office/drawing/2010/main" val="0"/>
+              </a:ext>
+            </a:extLst>
+          </a:blip>
+          <a:srcRect/>
+          <a:stretch>
+            <a:fillRect/>
+          </a:stretch>
+        </p:blipFill>
+        <p:spPr bwMode="auto">
+          <a:xfrm>
+            <a:off x="191700" y="3651505"/>
+            <a:ext cx="8782216" cy="1322348"/>
+          </a:xfrm>
+          <a:prstGeom prst="rect">
+            <a:avLst/>
+          </a:prstGeom>
+          <a:noFill/>
+          <a:ln>
+            <a:noFill/>
+          </a:ln>
+          <a:effectLst/>
+          <a:extLst>
+            <a:ext uri="{909E8E84-426E-40DD-AFC4-6F175D3DCCD1}">
+              <a14:hiddenFill xmlns:a14="http://schemas.microsoft.com/office/drawing/2010/main">
+                <a:solidFill>
+                  <a:schemeClr val="accent1"/>
+                </a:solidFill>
+              </a14:hiddenFill>
+            </a:ext>
+            <a:ext uri="{91240B29-F687-4F45-9708-019B960494DF}">
+              <a14:hiddenLine xmlns:a14="http://schemas.microsoft.com/office/drawing/2010/main" w="9525">
+                <a:solidFill>
+                  <a:schemeClr val="tx1"/>
+                </a:solidFill>
+                <a:miter lim="800000"/>
+                <a:headEnd/>
+                <a:tailEnd/>
+              </a14:hiddenLine>
+            </a:ext>
+            <a:ext uri="{AF507438-7753-43E0-B8FC-AC1667EBCBE1}">
+              <a14:hiddenEffects xmlns:a14="http://schemas.microsoft.com/office/drawing/2010/main">
+                <a:effectLst>
+                  <a:outerShdw dist="35921" dir="2700000" algn="ctr" rotWithShape="0">
+                    <a:schemeClr val="bg2"/>
+                  </a:outerShdw>
+                </a:effectLst>
+              </a14:hiddenEffects>
+            </a:ext>
+          </a:extLst>
+        </p:spPr>
+      </p:pic>
+      <p:sp>
+        <p:nvSpPr>
+          <p:cNvPr id="7" name="Content Placeholder 1"/>
+          <p:cNvSpPr>
+            <a:spLocks noGrp="1"/>
+          </p:cNvSpPr>
+          <p:nvPr>
+            <p:ph idx="1"/>
+          </p:nvPr>
+        </p:nvSpPr>
+        <p:spPr>
+          <a:xfrm>
+            <a:off x="304800" y="5105400"/>
+            <a:ext cx="8407893" cy="1328929"/>
+          </a:xfrm>
+        </p:spPr>
+        <p:txBody>
+          <a:bodyPr/>
+          <a:lstStyle/>
+          <a:p>
+            <a:r>
+              <a:rPr lang="en-US" dirty="0"/>
+              <a:t>The </a:t>
+            </a:r>
+            <a:r>
+              <a:rPr lang="en-US" dirty="0" err="1"/>
+              <a:t>typeof</a:t>
+            </a:r>
+            <a:r>
+              <a:rPr lang="en-US" dirty="0"/>
+              <a:t> operator in JavaScript returns "function" for functions.</a:t>
+            </a:r>
+          </a:p>
+          <a:p>
+            <a:r>
+              <a:rPr lang="en-US" dirty="0"/>
+              <a:t>But, JavaScript functions can best be described as objects.</a:t>
+            </a:r>
+          </a:p>
+          <a:p>
+            <a:endParaRPr lang="bg-BG" dirty="0"/>
+          </a:p>
+        </p:txBody>
+      </p:sp>
+    </p:spTree>
+    <p:extLst>
+      <p:ext uri="{BB962C8B-B14F-4D97-AF65-F5344CB8AC3E}">
+        <p14:creationId xmlns:p14="http://schemas.microsoft.com/office/powerpoint/2010/main" val="1149457642"/>
+      </p:ext>
+    </p:extLst>
+  </p:cSld>
+  <p:clrMapOvr>
+    <a:masterClrMapping/>
+  </p:clrMapOvr>
+</p:sld>
+</file>
+
+<file path=ppt/slides/slide65.xml><?xml version="1.0" encoding="utf-8"?>
+<p:sld xmlns:a="http://schemas.openxmlformats.org/drawingml/2006/main" xmlns:r="http://schemas.openxmlformats.org/officeDocument/2006/relationships" xmlns:p="http://schemas.openxmlformats.org/presentationml/2006/main">
+  <p:cSld>
+    <p:spTree>
+      <p:nvGrpSpPr>
+        <p:cNvPr id="1" name=""/>
+        <p:cNvGrpSpPr/>
+        <p:nvPr/>
+      </p:nvGrpSpPr>
+      <p:grpSpPr>
+        <a:xfrm>
+          <a:off x="0" y="0"/>
+          <a:ext cx="0" cy="0"/>
+          <a:chOff x="0" y="0"/>
+          <a:chExt cx="0" cy="0"/>
+        </a:xfrm>
+      </p:grpSpPr>
+      <p:sp>
+        <p:nvSpPr>
+          <p:cNvPr id="2" name="Content Placeholder 1"/>
+          <p:cNvSpPr>
+            <a:spLocks noGrp="1"/>
+          </p:cNvSpPr>
+          <p:nvPr>
+            <p:ph idx="1"/>
+          </p:nvPr>
+        </p:nvSpPr>
+        <p:spPr/>
+        <p:txBody>
+          <a:bodyPr/>
+          <a:lstStyle/>
+          <a:p>
+            <a:r>
+              <a:rPr lang="en-US" dirty="0"/>
+              <a:t>JavaScript functions have both </a:t>
+            </a:r>
+            <a:r>
+              <a:rPr lang="en-US" b="1" dirty="0"/>
+              <a:t>properties</a:t>
+            </a:r>
+            <a:r>
+              <a:rPr lang="en-US" dirty="0"/>
+              <a:t> and </a:t>
+            </a:r>
+            <a:r>
+              <a:rPr lang="en-US" b="1" dirty="0"/>
+              <a:t>methods</a:t>
+            </a:r>
+            <a:r>
+              <a:rPr lang="en-US" dirty="0"/>
+              <a:t>.</a:t>
+            </a:r>
+          </a:p>
+          <a:p>
+            <a:r>
+              <a:rPr lang="en-US" dirty="0"/>
+              <a:t>The </a:t>
+            </a:r>
+            <a:r>
+              <a:rPr lang="en-US" b="1" dirty="0" err="1">
+                <a:solidFill>
+                  <a:srgbClr val="FFC000"/>
+                </a:solidFill>
+              </a:rPr>
+              <a:t>arguments.length</a:t>
+            </a:r>
+            <a:r>
+              <a:rPr lang="en-US" dirty="0"/>
+              <a:t> property returns the number of arguments received when the function was invoked</a:t>
+            </a:r>
+            <a:r>
+              <a:rPr lang="en-US" dirty="0" smtClean="0"/>
+              <a:t>:</a:t>
+            </a:r>
+          </a:p>
+          <a:p>
+            <a:endParaRPr lang="en-US" dirty="0"/>
+          </a:p>
+          <a:p>
+            <a:endParaRPr lang="en-US" dirty="0" smtClean="0"/>
+          </a:p>
+          <a:p>
+            <a:endParaRPr lang="en-US" dirty="0"/>
+          </a:p>
+          <a:p>
+            <a:r>
+              <a:rPr lang="en-US" dirty="0"/>
+              <a:t>The </a:t>
+            </a:r>
+            <a:r>
+              <a:rPr lang="en-US" b="1" dirty="0" err="1">
+                <a:solidFill>
+                  <a:srgbClr val="FFC000"/>
+                </a:solidFill>
+              </a:rPr>
+              <a:t>toString</a:t>
+            </a:r>
+            <a:r>
+              <a:rPr lang="en-US" b="1" dirty="0">
+                <a:solidFill>
+                  <a:srgbClr val="FFC000"/>
+                </a:solidFill>
+              </a:rPr>
+              <a:t>()</a:t>
+            </a:r>
+            <a:r>
+              <a:rPr lang="en-US" dirty="0"/>
+              <a:t> method returns the function as a string:</a:t>
+            </a:r>
+            <a:endParaRPr lang="en-US" dirty="0"/>
+          </a:p>
+          <a:p>
+            <a:endParaRPr lang="bg-BG" dirty="0"/>
+          </a:p>
+        </p:txBody>
+      </p:sp>
+      <p:sp>
+        <p:nvSpPr>
+          <p:cNvPr id="3" name="Title 2"/>
+          <p:cNvSpPr>
+            <a:spLocks noGrp="1"/>
+          </p:cNvSpPr>
+          <p:nvPr>
+            <p:ph type="title"/>
+          </p:nvPr>
+        </p:nvSpPr>
+        <p:spPr/>
+        <p:txBody>
+          <a:bodyPr/>
+          <a:lstStyle/>
+          <a:p>
+            <a:r>
+              <a:rPr lang="en-US" dirty="0"/>
+              <a:t>Functions are Objects</a:t>
+            </a:r>
+            <a:endParaRPr lang="bg-BG" dirty="0"/>
+          </a:p>
+        </p:txBody>
+      </p:sp>
+      <p:pic>
+        <p:nvPicPr>
+          <p:cNvPr id="7170" name="Picture 2"/>
+          <p:cNvPicPr>
+            <a:picLocks noChangeAspect="1" noChangeArrowheads="1"/>
+          </p:cNvPicPr>
+          <p:nvPr/>
+        </p:nvPicPr>
+        <p:blipFill>
+          <a:blip r:embed="rId2">
+            <a:extLst>
+              <a:ext uri="{28A0092B-C50C-407E-A947-70E740481C1C}">
+                <a14:useLocalDpi xmlns:a14="http://schemas.microsoft.com/office/drawing/2010/main" val="0"/>
+              </a:ext>
+            </a:extLst>
+          </a:blip>
+          <a:srcRect/>
+          <a:stretch>
+            <a:fillRect/>
+          </a:stretch>
+        </p:blipFill>
+        <p:spPr bwMode="auto">
+          <a:xfrm>
+            <a:off x="3886200" y="3119437"/>
+            <a:ext cx="1019175" cy="447675"/>
+          </a:xfrm>
+          <a:prstGeom prst="rect">
+            <a:avLst/>
+          </a:prstGeom>
+          <a:noFill/>
+          <a:ln>
+            <a:noFill/>
+          </a:ln>
+          <a:effectLst/>
+          <a:extLst>
+            <a:ext uri="{909E8E84-426E-40DD-AFC4-6F175D3DCCD1}">
+              <a14:hiddenFill xmlns:a14="http://schemas.microsoft.com/office/drawing/2010/main">
+                <a:solidFill>
+                  <a:schemeClr val="accent1"/>
+                </a:solidFill>
+              </a14:hiddenFill>
+            </a:ext>
+            <a:ext uri="{91240B29-F687-4F45-9708-019B960494DF}">
+              <a14:hiddenLine xmlns:a14="http://schemas.microsoft.com/office/drawing/2010/main" w="9525">
+                <a:solidFill>
+                  <a:schemeClr val="tx1"/>
+                </a:solidFill>
+                <a:miter lim="800000"/>
+                <a:headEnd/>
+                <a:tailEnd/>
+              </a14:hiddenLine>
+            </a:ext>
+            <a:ext uri="{AF507438-7753-43E0-B8FC-AC1667EBCBE1}">
+              <a14:hiddenEffects xmlns:a14="http://schemas.microsoft.com/office/drawing/2010/main">
+                <a:effectLst>
+                  <a:outerShdw dist="35921" dir="2700000" algn="ctr" rotWithShape="0">
+                    <a:schemeClr val="bg2"/>
+                  </a:outerShdw>
+                </a:effectLst>
+              </a14:hiddenEffects>
+            </a:ext>
+          </a:extLst>
+        </p:spPr>
+      </p:pic>
+      <p:pic>
+        <p:nvPicPr>
+          <p:cNvPr id="5" name="Picture 2"/>
+          <p:cNvPicPr>
+            <a:picLocks noChangeAspect="1" noChangeArrowheads="1"/>
+          </p:cNvPicPr>
+          <p:nvPr/>
+        </p:nvPicPr>
+        <p:blipFill>
+          <a:blip r:embed="rId3">
+            <a:extLst>
+              <a:ext uri="{28A0092B-C50C-407E-A947-70E740481C1C}">
+                <a14:useLocalDpi xmlns:a14="http://schemas.microsoft.com/office/drawing/2010/main" val="0"/>
+              </a:ext>
+            </a:extLst>
+          </a:blip>
+          <a:srcRect/>
+          <a:stretch>
+            <a:fillRect/>
+          </a:stretch>
+        </p:blipFill>
+        <p:spPr bwMode="auto">
+          <a:xfrm>
+            <a:off x="761999" y="2895600"/>
+            <a:ext cx="2771775" cy="895350"/>
+          </a:xfrm>
+          <a:prstGeom prst="rect">
+            <a:avLst/>
+          </a:prstGeom>
+          <a:noFill/>
+          <a:ln>
+            <a:noFill/>
+          </a:ln>
+          <a:effectLst/>
+          <a:extLst>
+            <a:ext uri="{909E8E84-426E-40DD-AFC4-6F175D3DCCD1}">
+              <a14:hiddenFill xmlns:a14="http://schemas.microsoft.com/office/drawing/2010/main">
+                <a:solidFill>
+                  <a:schemeClr val="accent1"/>
+                </a:solidFill>
+              </a14:hiddenFill>
+            </a:ext>
+            <a:ext uri="{91240B29-F687-4F45-9708-019B960494DF}">
+              <a14:hiddenLine xmlns:a14="http://schemas.microsoft.com/office/drawing/2010/main" w="9525">
+                <a:solidFill>
+                  <a:schemeClr val="tx1"/>
+                </a:solidFill>
+                <a:miter lim="800000"/>
+                <a:headEnd/>
+                <a:tailEnd/>
+              </a14:hiddenLine>
+            </a:ext>
+            <a:ext uri="{AF507438-7753-43E0-B8FC-AC1667EBCBE1}">
+              <a14:hiddenEffects xmlns:a14="http://schemas.microsoft.com/office/drawing/2010/main">
+                <a:effectLst>
+                  <a:outerShdw dist="35921" dir="2700000" algn="ctr" rotWithShape="0">
+                    <a:schemeClr val="bg2"/>
+                  </a:outerShdw>
+                </a:effectLst>
+              </a14:hiddenEffects>
+            </a:ext>
+          </a:extLst>
+        </p:spPr>
+      </p:pic>
+      <p:pic>
+        <p:nvPicPr>
+          <p:cNvPr id="7171" name="Picture 3"/>
+          <p:cNvPicPr>
+            <a:picLocks noChangeAspect="1" noChangeArrowheads="1"/>
+          </p:cNvPicPr>
+          <p:nvPr/>
+        </p:nvPicPr>
+        <p:blipFill>
+          <a:blip r:embed="rId4">
+            <a:extLst>
+              <a:ext uri="{28A0092B-C50C-407E-A947-70E740481C1C}">
+                <a14:useLocalDpi xmlns:a14="http://schemas.microsoft.com/office/drawing/2010/main" val="0"/>
+              </a:ext>
+            </a:extLst>
+          </a:blip>
+          <a:srcRect/>
+          <a:stretch>
+            <a:fillRect/>
+          </a:stretch>
+        </p:blipFill>
+        <p:spPr bwMode="auto">
+          <a:xfrm>
+            <a:off x="761999" y="4343400"/>
+            <a:ext cx="3390900" cy="1390650"/>
+          </a:xfrm>
+          <a:prstGeom prst="rect">
+            <a:avLst/>
+          </a:prstGeom>
+          <a:noFill/>
+          <a:ln>
+            <a:noFill/>
+          </a:ln>
+          <a:effectLst/>
+          <a:extLst>
+            <a:ext uri="{909E8E84-426E-40DD-AFC4-6F175D3DCCD1}">
+              <a14:hiddenFill xmlns:a14="http://schemas.microsoft.com/office/drawing/2010/main">
+                <a:solidFill>
+                  <a:schemeClr val="accent1"/>
+                </a:solidFill>
+              </a14:hiddenFill>
+            </a:ext>
+            <a:ext uri="{91240B29-F687-4F45-9708-019B960494DF}">
+              <a14:hiddenLine xmlns:a14="http://schemas.microsoft.com/office/drawing/2010/main" w="9525">
+                <a:solidFill>
+                  <a:schemeClr val="tx1"/>
+                </a:solidFill>
+                <a:miter lim="800000"/>
+                <a:headEnd/>
+                <a:tailEnd/>
+              </a14:hiddenLine>
+            </a:ext>
+            <a:ext uri="{AF507438-7753-43E0-B8FC-AC1667EBCBE1}">
+              <a14:hiddenEffects xmlns:a14="http://schemas.microsoft.com/office/drawing/2010/main">
+                <a:effectLst>
+                  <a:outerShdw dist="35921" dir="2700000" algn="ctr" rotWithShape="0">
+                    <a:schemeClr val="bg2"/>
+                  </a:outerShdw>
+                </a:effectLst>
+              </a14:hiddenEffects>
+            </a:ext>
+          </a:extLst>
+        </p:spPr>
+      </p:pic>
+      <p:pic>
+        <p:nvPicPr>
+          <p:cNvPr id="7172" name="Picture 4"/>
+          <p:cNvPicPr>
+            <a:picLocks noChangeAspect="1" noChangeArrowheads="1"/>
+          </p:cNvPicPr>
+          <p:nvPr/>
+        </p:nvPicPr>
+        <p:blipFill>
+          <a:blip r:embed="rId5">
+            <a:extLst>
+              <a:ext uri="{28A0092B-C50C-407E-A947-70E740481C1C}">
+                <a14:useLocalDpi xmlns:a14="http://schemas.microsoft.com/office/drawing/2010/main" val="0"/>
+              </a:ext>
+            </a:extLst>
+          </a:blip>
+          <a:srcRect/>
+          <a:stretch>
+            <a:fillRect/>
+          </a:stretch>
+        </p:blipFill>
+        <p:spPr bwMode="auto">
+          <a:xfrm>
+            <a:off x="4572000" y="5362575"/>
+            <a:ext cx="3324225" cy="371475"/>
+          </a:xfrm>
+          <a:prstGeom prst="rect">
+            <a:avLst/>
+          </a:prstGeom>
+          <a:noFill/>
+          <a:ln>
+            <a:noFill/>
+          </a:ln>
+          <a:effectLst/>
+          <a:extLst>
+            <a:ext uri="{909E8E84-426E-40DD-AFC4-6F175D3DCCD1}">
+              <a14:hiddenFill xmlns:a14="http://schemas.microsoft.com/office/drawing/2010/main">
+                <a:solidFill>
+                  <a:schemeClr val="accent1"/>
+                </a:solidFill>
+              </a14:hiddenFill>
+            </a:ext>
+            <a:ext uri="{91240B29-F687-4F45-9708-019B960494DF}">
+              <a14:hiddenLine xmlns:a14="http://schemas.microsoft.com/office/drawing/2010/main" w="9525">
+                <a:solidFill>
+                  <a:schemeClr val="tx1"/>
+                </a:solidFill>
+                <a:miter lim="800000"/>
+                <a:headEnd/>
+                <a:tailEnd/>
+              </a14:hiddenLine>
+            </a:ext>
+            <a:ext uri="{AF507438-7753-43E0-B8FC-AC1667EBCBE1}">
+              <a14:hiddenEffects xmlns:a14="http://schemas.microsoft.com/office/drawing/2010/main">
+                <a:effectLst>
+                  <a:outerShdw dist="35921" dir="2700000" algn="ctr" rotWithShape="0">
+                    <a:schemeClr val="bg2"/>
+                  </a:outerShdw>
+                </a:effectLst>
+              </a14:hiddenEffects>
+            </a:ext>
+          </a:extLst>
+        </p:spPr>
+      </p:pic>
+      <p:pic>
+        <p:nvPicPr>
+          <p:cNvPr id="7173" name="Picture 5"/>
+          <p:cNvPicPr>
+            <a:picLocks noChangeAspect="1" noChangeArrowheads="1"/>
+          </p:cNvPicPr>
+          <p:nvPr/>
+        </p:nvPicPr>
+        <p:blipFill rotWithShape="1">
+          <a:blip r:embed="rId6">
+            <a:extLst>
+              <a:ext uri="{28A0092B-C50C-407E-A947-70E740481C1C}">
+                <a14:useLocalDpi xmlns:a14="http://schemas.microsoft.com/office/drawing/2010/main" val="0"/>
+              </a:ext>
+            </a:extLst>
+          </a:blip>
+          <a:srcRect t="20845" b="17504"/>
+          <a:stretch/>
+        </p:blipFill>
+        <p:spPr bwMode="auto">
+          <a:xfrm>
+            <a:off x="761999" y="5867400"/>
+            <a:ext cx="7877175" cy="640080"/>
+          </a:xfrm>
+          <a:prstGeom prst="rect">
+            <a:avLst/>
+          </a:prstGeom>
+          <a:noFill/>
+          <a:ln>
+            <a:noFill/>
+          </a:ln>
+          <a:effectLst/>
+          <a:extLst>
+            <a:ext uri="{909E8E84-426E-40DD-AFC4-6F175D3DCCD1}">
+              <a14:hiddenFill xmlns:a14="http://schemas.microsoft.com/office/drawing/2010/main">
+                <a:solidFill>
+                  <a:schemeClr val="accent1"/>
+                </a:solidFill>
+              </a14:hiddenFill>
+            </a:ext>
+            <a:ext uri="{91240B29-F687-4F45-9708-019B960494DF}">
+              <a14:hiddenLine xmlns:a14="http://schemas.microsoft.com/office/drawing/2010/main" w="9525">
+                <a:solidFill>
+                  <a:schemeClr val="tx1"/>
+                </a:solidFill>
+                <a:miter lim="800000"/>
+                <a:headEnd/>
+                <a:tailEnd/>
+              </a14:hiddenLine>
+            </a:ext>
+            <a:ext uri="{AF507438-7753-43E0-B8FC-AC1667EBCBE1}">
+              <a14:hiddenEffects xmlns:a14="http://schemas.microsoft.com/office/drawing/2010/main">
+                <a:effectLst>
+                  <a:outerShdw dist="35921" dir="2700000" algn="ctr" rotWithShape="0">
+                    <a:schemeClr val="bg2"/>
+                  </a:outerShdw>
+                </a:effectLst>
+              </a14:hiddenEffects>
+            </a:ext>
+          </a:extLst>
+        </p:spPr>
+      </p:pic>
+    </p:spTree>
+    <p:extLst>
+      <p:ext uri="{BB962C8B-B14F-4D97-AF65-F5344CB8AC3E}">
+        <p14:creationId xmlns:p14="http://schemas.microsoft.com/office/powerpoint/2010/main" val="3655666341"/>
+      </p:ext>
+    </p:extLst>
+  </p:cSld>
+  <p:clrMapOvr>
+    <a:masterClrMapping/>
+  </p:clrMapOvr>
+</p:sld>
+</file>
+
+<file path=ppt/slides/slide66.xml><?xml version="1.0" encoding="utf-8"?>
+<p:sld xmlns:a="http://schemas.openxmlformats.org/drawingml/2006/main" xmlns:r="http://schemas.openxmlformats.org/officeDocument/2006/relationships" xmlns:p="http://schemas.openxmlformats.org/presentationml/2006/main">
+  <p:cSld>
+    <p:spTree>
+      <p:nvGrpSpPr>
+        <p:cNvPr id="1" name=""/>
+        <p:cNvGrpSpPr/>
+        <p:nvPr/>
+      </p:nvGrpSpPr>
+      <p:grpSpPr>
+        <a:xfrm>
+          <a:off x="0" y="0"/>
+          <a:ext cx="0" cy="0"/>
+          <a:chOff x="0" y="0"/>
+          <a:chExt cx="0" cy="0"/>
+        </a:xfrm>
+      </p:grpSpPr>
+      <p:sp>
+        <p:nvSpPr>
+          <p:cNvPr id="2" name="Content Placeholder 1"/>
+          <p:cNvSpPr>
+            <a:spLocks noGrp="1"/>
+          </p:cNvSpPr>
+          <p:nvPr>
+            <p:ph idx="1"/>
+          </p:nvPr>
+        </p:nvSpPr>
+        <p:spPr>
+          <a:xfrm>
+            <a:off x="380999" y="1719070"/>
+            <a:ext cx="8407893" cy="4986529"/>
+          </a:xfrm>
+        </p:spPr>
+        <p:txBody>
+          <a:bodyPr>
+            <a:normAutofit lnSpcReduction="10000"/>
+          </a:bodyPr>
+          <a:lstStyle/>
+          <a:p>
+            <a:r>
+              <a:rPr lang="en-US" dirty="0"/>
+              <a:t>Arrow functions allows a short syntax for writing function expressions.</a:t>
+            </a:r>
+          </a:p>
+          <a:p>
+            <a:r>
+              <a:rPr lang="en-US" dirty="0"/>
+              <a:t>You don't need the function keyword, the return keyword, and the </a:t>
+            </a:r>
+            <a:r>
+              <a:rPr lang="en-US" b="1" dirty="0"/>
+              <a:t>curly brackets</a:t>
+            </a:r>
+            <a:r>
+              <a:rPr lang="en-US" dirty="0"/>
+              <a:t>.</a:t>
+            </a:r>
+          </a:p>
+          <a:p>
+            <a:endParaRPr lang="en-US" dirty="0" smtClean="0"/>
+          </a:p>
+          <a:p>
+            <a:endParaRPr lang="en-US" dirty="0"/>
+          </a:p>
+          <a:p>
+            <a:endParaRPr lang="en-US" dirty="0" smtClean="0"/>
+          </a:p>
+          <a:p>
+            <a:endParaRPr lang="en-US" dirty="0"/>
+          </a:p>
+          <a:p>
+            <a:r>
+              <a:rPr lang="en-US" dirty="0"/>
+              <a:t>Arrow functions are not hoisted. They must be defined </a:t>
+            </a:r>
+            <a:r>
+              <a:rPr lang="en-US" b="1" dirty="0"/>
+              <a:t>before</a:t>
+            </a:r>
+            <a:r>
+              <a:rPr lang="en-US" dirty="0"/>
+              <a:t> they are used.</a:t>
+            </a:r>
+          </a:p>
+          <a:p>
+            <a:r>
+              <a:rPr lang="en-US" dirty="0"/>
+              <a:t>Using </a:t>
+            </a:r>
+            <a:r>
+              <a:rPr lang="en-US" dirty="0" err="1"/>
+              <a:t>const</a:t>
+            </a:r>
+            <a:r>
+              <a:rPr lang="en-US" dirty="0"/>
+              <a:t> is safer than using </a:t>
+            </a:r>
+            <a:r>
+              <a:rPr lang="en-US" dirty="0" err="1"/>
+              <a:t>var</a:t>
+            </a:r>
+            <a:r>
+              <a:rPr lang="en-US" dirty="0"/>
+              <a:t>, because a function expression is always constant value.</a:t>
+            </a:r>
+          </a:p>
+          <a:p>
+            <a:r>
+              <a:rPr lang="en-US" dirty="0"/>
+              <a:t>You can only omit the return keyword and the curly brackets if the function is a single statement. Because of this, it might be a good habit to always keep them:</a:t>
+            </a:r>
+          </a:p>
+          <a:p>
+            <a:endParaRPr lang="bg-BG" dirty="0"/>
+          </a:p>
+        </p:txBody>
+      </p:sp>
+      <p:sp>
+        <p:nvSpPr>
+          <p:cNvPr id="3" name="Title 2"/>
+          <p:cNvSpPr>
+            <a:spLocks noGrp="1"/>
+          </p:cNvSpPr>
+          <p:nvPr>
+            <p:ph type="title"/>
+          </p:nvPr>
+        </p:nvSpPr>
+        <p:spPr/>
+        <p:txBody>
+          <a:bodyPr/>
+          <a:lstStyle/>
+          <a:p>
+            <a:r>
+              <a:rPr lang="en-US" dirty="0"/>
+              <a:t>Arrow </a:t>
+            </a:r>
+            <a:r>
+              <a:rPr lang="en-US" dirty="0" smtClean="0"/>
+              <a:t>Functions</a:t>
+            </a:r>
+            <a:endParaRPr lang="bg-BG" dirty="0"/>
+          </a:p>
+        </p:txBody>
+      </p:sp>
+      <p:pic>
+        <p:nvPicPr>
+          <p:cNvPr id="8194" name="Picture 2"/>
+          <p:cNvPicPr>
+            <a:picLocks noChangeAspect="1" noChangeArrowheads="1"/>
+          </p:cNvPicPr>
+          <p:nvPr/>
+        </p:nvPicPr>
+        <p:blipFill rotWithShape="1">
+          <a:blip r:embed="rId2">
+            <a:extLst>
+              <a:ext uri="{28A0092B-C50C-407E-A947-70E740481C1C}">
+                <a14:useLocalDpi xmlns:a14="http://schemas.microsoft.com/office/drawing/2010/main" val="0"/>
+              </a:ext>
+            </a:extLst>
+          </a:blip>
+          <a:srcRect b="44273"/>
+          <a:stretch/>
+        </p:blipFill>
+        <p:spPr bwMode="auto">
+          <a:xfrm>
+            <a:off x="762000" y="3200401"/>
+            <a:ext cx="2990850" cy="1088136"/>
+          </a:xfrm>
+          <a:prstGeom prst="rect">
+            <a:avLst/>
+          </a:prstGeom>
+          <a:noFill/>
+          <a:ln>
+            <a:noFill/>
+          </a:ln>
+          <a:effectLst/>
+          <a:extLst>
+            <a:ext uri="{909E8E84-426E-40DD-AFC4-6F175D3DCCD1}">
+              <a14:hiddenFill xmlns:a14="http://schemas.microsoft.com/office/drawing/2010/main">
+                <a:solidFill>
+                  <a:schemeClr val="accent1"/>
+                </a:solidFill>
+              </a14:hiddenFill>
+            </a:ext>
+            <a:ext uri="{91240B29-F687-4F45-9708-019B960494DF}">
+              <a14:hiddenLine xmlns:a14="http://schemas.microsoft.com/office/drawing/2010/main" w="9525">
+                <a:solidFill>
+                  <a:schemeClr val="tx1"/>
+                </a:solidFill>
+                <a:miter lim="800000"/>
+                <a:headEnd/>
+                <a:tailEnd/>
+              </a14:hiddenLine>
+            </a:ext>
+            <a:ext uri="{AF507438-7753-43E0-B8FC-AC1667EBCBE1}">
+              <a14:hiddenEffects xmlns:a14="http://schemas.microsoft.com/office/drawing/2010/main">
+                <a:effectLst>
+                  <a:outerShdw dist="35921" dir="2700000" algn="ctr" rotWithShape="0">
+                    <a:schemeClr val="bg2"/>
+                  </a:outerShdw>
+                </a:effectLst>
+              </a14:hiddenEffects>
+            </a:ext>
+          </a:extLst>
+        </p:spPr>
+      </p:pic>
+      <p:pic>
+        <p:nvPicPr>
+          <p:cNvPr id="8195" name="Picture 3"/>
+          <p:cNvPicPr>
+            <a:picLocks noChangeAspect="1" noChangeArrowheads="1"/>
+          </p:cNvPicPr>
+          <p:nvPr/>
+        </p:nvPicPr>
+        <p:blipFill>
+          <a:blip r:embed="rId3">
+            <a:extLst>
+              <a:ext uri="{28A0092B-C50C-407E-A947-70E740481C1C}">
+                <a14:useLocalDpi xmlns:a14="http://schemas.microsoft.com/office/drawing/2010/main" val="0"/>
+              </a:ext>
+            </a:extLst>
+          </a:blip>
+          <a:srcRect/>
+          <a:stretch>
+            <a:fillRect/>
+          </a:stretch>
+        </p:blipFill>
+        <p:spPr bwMode="auto">
+          <a:xfrm>
+            <a:off x="3866473" y="3200402"/>
+            <a:ext cx="2671474" cy="609598"/>
+          </a:xfrm>
+          <a:prstGeom prst="rect">
+            <a:avLst/>
+          </a:prstGeom>
+          <a:noFill/>
+          <a:ln>
+            <a:noFill/>
+          </a:ln>
+          <a:effectLst/>
+          <a:extLst>
+            <a:ext uri="{909E8E84-426E-40DD-AFC4-6F175D3DCCD1}">
+              <a14:hiddenFill xmlns:a14="http://schemas.microsoft.com/office/drawing/2010/main">
+                <a:solidFill>
+                  <a:schemeClr val="accent1"/>
+                </a:solidFill>
+              </a14:hiddenFill>
+            </a:ext>
+            <a:ext uri="{91240B29-F687-4F45-9708-019B960494DF}">
+              <a14:hiddenLine xmlns:a14="http://schemas.microsoft.com/office/drawing/2010/main" w="9525">
+                <a:solidFill>
+                  <a:schemeClr val="tx1"/>
+                </a:solidFill>
+                <a:miter lim="800000"/>
+                <a:headEnd/>
+                <a:tailEnd/>
+              </a14:hiddenLine>
+            </a:ext>
+            <a:ext uri="{AF507438-7753-43E0-B8FC-AC1667EBCBE1}">
+              <a14:hiddenEffects xmlns:a14="http://schemas.microsoft.com/office/drawing/2010/main">
+                <a:effectLst>
+                  <a:outerShdw dist="35921" dir="2700000" algn="ctr" rotWithShape="0">
+                    <a:schemeClr val="bg2"/>
+                  </a:outerShdw>
+                </a:effectLst>
+              </a14:hiddenEffects>
+            </a:ext>
+          </a:extLst>
+        </p:spPr>
+      </p:pic>
+      <p:pic>
+        <p:nvPicPr>
+          <p:cNvPr id="8196" name="Picture 4"/>
+          <p:cNvPicPr>
+            <a:picLocks noChangeAspect="1" noChangeArrowheads="1"/>
+          </p:cNvPicPr>
+          <p:nvPr/>
+        </p:nvPicPr>
+        <p:blipFill>
+          <a:blip r:embed="rId4">
+            <a:extLst>
+              <a:ext uri="{28A0092B-C50C-407E-A947-70E740481C1C}">
+                <a14:useLocalDpi xmlns:a14="http://schemas.microsoft.com/office/drawing/2010/main" val="0"/>
+              </a:ext>
+            </a:extLst>
+          </a:blip>
+          <a:srcRect/>
+          <a:stretch>
+            <a:fillRect/>
+          </a:stretch>
+        </p:blipFill>
+        <p:spPr bwMode="auto">
+          <a:xfrm>
+            <a:off x="3866473" y="3878962"/>
+            <a:ext cx="3771900" cy="409575"/>
+          </a:xfrm>
+          <a:prstGeom prst="rect">
+            <a:avLst/>
+          </a:prstGeom>
+          <a:noFill/>
+          <a:ln>
+            <a:noFill/>
+          </a:ln>
+          <a:effectLst/>
+          <a:extLst>
+            <a:ext uri="{909E8E84-426E-40DD-AFC4-6F175D3DCCD1}">
+              <a14:hiddenFill xmlns:a14="http://schemas.microsoft.com/office/drawing/2010/main">
+                <a:solidFill>
+                  <a:schemeClr val="accent1"/>
+                </a:solidFill>
+              </a14:hiddenFill>
+            </a:ext>
+            <a:ext uri="{91240B29-F687-4F45-9708-019B960494DF}">
+              <a14:hiddenLine xmlns:a14="http://schemas.microsoft.com/office/drawing/2010/main" w="9525">
+                <a:solidFill>
+                  <a:schemeClr val="tx1"/>
+                </a:solidFill>
+                <a:miter lim="800000"/>
+                <a:headEnd/>
+                <a:tailEnd/>
+              </a14:hiddenLine>
+            </a:ext>
+            <a:ext uri="{AF507438-7753-43E0-B8FC-AC1667EBCBE1}">
+              <a14:hiddenEffects xmlns:a14="http://schemas.microsoft.com/office/drawing/2010/main">
+                <a:effectLst>
+                  <a:outerShdw dist="35921" dir="2700000" algn="ctr" rotWithShape="0">
+                    <a:schemeClr val="bg2"/>
+                  </a:outerShdw>
+                </a:effectLst>
+              </a14:hiddenEffects>
+            </a:ext>
+          </a:extLst>
+        </p:spPr>
+      </p:pic>
+    </p:spTree>
+    <p:extLst>
+      <p:ext uri="{BB962C8B-B14F-4D97-AF65-F5344CB8AC3E}">
+        <p14:creationId xmlns:p14="http://schemas.microsoft.com/office/powerpoint/2010/main" val="2517791348"/>
+      </p:ext>
+    </p:extLst>
+  </p:cSld>
+  <p:clrMapOvr>
+    <a:masterClrMapping/>
+  </p:clrMapOvr>
+</p:sld>
+</file>
+
+<file path=ppt/slides/slide67.xml><?xml version="1.0" encoding="utf-8"?>
+<p:sld xmlns:a="http://schemas.openxmlformats.org/drawingml/2006/main" xmlns:r="http://schemas.openxmlformats.org/officeDocument/2006/relationships" xmlns:p="http://schemas.openxmlformats.org/presentationml/2006/main">
+  <p:cSld>
+    <p:spTree>
+      <p:nvGrpSpPr>
+        <p:cNvPr id="1" name=""/>
+        <p:cNvGrpSpPr/>
+        <p:nvPr/>
+      </p:nvGrpSpPr>
+      <p:grpSpPr>
+        <a:xfrm>
+          <a:off x="0" y="0"/>
+          <a:ext cx="0" cy="0"/>
+          <a:chOff x="0" y="0"/>
+          <a:chExt cx="0" cy="0"/>
+        </a:xfrm>
+      </p:grpSpPr>
+      <p:sp>
+        <p:nvSpPr>
+          <p:cNvPr id="2" name="Content Placeholder 1"/>
+          <p:cNvSpPr>
+            <a:spLocks noGrp="1"/>
+          </p:cNvSpPr>
+          <p:nvPr>
+            <p:ph idx="1"/>
+          </p:nvPr>
+        </p:nvSpPr>
+        <p:spPr>
+          <a:xfrm>
+            <a:off x="380999" y="1600200"/>
+            <a:ext cx="8407893" cy="4343400"/>
+          </a:xfrm>
+        </p:spPr>
+        <p:txBody>
+          <a:bodyPr>
+            <a:normAutofit/>
+          </a:bodyPr>
+          <a:lstStyle/>
+          <a:p>
+            <a:r>
+              <a:rPr lang="en-US" dirty="0"/>
+              <a:t>Function </a:t>
+            </a:r>
+            <a:r>
+              <a:rPr lang="en-US" b="1" dirty="0"/>
+              <a:t>parameters</a:t>
+            </a:r>
+            <a:r>
+              <a:rPr lang="en-US" dirty="0"/>
+              <a:t> are the </a:t>
+            </a:r>
+            <a:r>
+              <a:rPr lang="en-US" b="1" dirty="0"/>
+              <a:t>names</a:t>
+            </a:r>
+            <a:r>
+              <a:rPr lang="en-US" dirty="0"/>
+              <a:t> listed in the function definition.</a:t>
+            </a:r>
+          </a:p>
+          <a:p>
+            <a:r>
+              <a:rPr lang="en-US" dirty="0"/>
+              <a:t>Function </a:t>
+            </a:r>
+            <a:r>
+              <a:rPr lang="en-US" b="1" dirty="0"/>
+              <a:t>arguments</a:t>
+            </a:r>
+            <a:r>
+              <a:rPr lang="en-US" dirty="0"/>
+              <a:t> are the real </a:t>
+            </a:r>
+            <a:r>
+              <a:rPr lang="en-US" b="1" dirty="0"/>
+              <a:t>values</a:t>
+            </a:r>
+            <a:r>
+              <a:rPr lang="en-US" dirty="0"/>
+              <a:t> passed to (and received by) the function.</a:t>
+            </a:r>
+          </a:p>
+          <a:p>
+            <a:r>
+              <a:rPr lang="en-US" dirty="0" smtClean="0"/>
+              <a:t>Parameter Rules:</a:t>
+            </a:r>
+          </a:p>
+          <a:p>
+            <a:r>
+              <a:rPr lang="en-US" dirty="0"/>
+              <a:t>JavaScript function definitions do not specify data types for parameters.</a:t>
+            </a:r>
+          </a:p>
+          <a:p>
+            <a:r>
+              <a:rPr lang="en-US" dirty="0"/>
+              <a:t>JavaScript functions do not perform type checking on the passed arguments.</a:t>
+            </a:r>
+          </a:p>
+          <a:p>
+            <a:r>
+              <a:rPr lang="en-US" dirty="0"/>
+              <a:t>JavaScript functions do not check the number of arguments received</a:t>
+            </a:r>
+            <a:r>
+              <a:rPr lang="en-US" dirty="0" smtClean="0"/>
+              <a:t>.</a:t>
+            </a:r>
+            <a:endParaRPr lang="en-US" dirty="0"/>
+          </a:p>
+        </p:txBody>
+      </p:sp>
+      <p:sp>
+        <p:nvSpPr>
+          <p:cNvPr id="3" name="Title 2"/>
+          <p:cNvSpPr>
+            <a:spLocks noGrp="1"/>
+          </p:cNvSpPr>
+          <p:nvPr>
+            <p:ph type="title"/>
+          </p:nvPr>
+        </p:nvSpPr>
+        <p:spPr/>
+        <p:txBody>
+          <a:bodyPr/>
+          <a:lstStyle/>
+          <a:p>
+            <a:r>
+              <a:rPr lang="en-US" dirty="0"/>
+              <a:t>Function Parameters and </a:t>
+            </a:r>
+            <a:r>
+              <a:rPr lang="en-US" dirty="0" smtClean="0"/>
+              <a:t>Arguments</a:t>
+            </a:r>
+            <a:endParaRPr lang="bg-BG" dirty="0"/>
+          </a:p>
+        </p:txBody>
+      </p:sp>
+    </p:spTree>
+    <p:extLst>
+      <p:ext uri="{BB962C8B-B14F-4D97-AF65-F5344CB8AC3E}">
+        <p14:creationId xmlns:p14="http://schemas.microsoft.com/office/powerpoint/2010/main" val="2231724681"/>
+      </p:ext>
+    </p:extLst>
+  </p:cSld>
+  <p:clrMapOvr>
+    <a:masterClrMapping/>
+  </p:clrMapOvr>
+</p:sld>
+</file>
+
+<file path=ppt/slides/slide68.xml><?xml version="1.0" encoding="utf-8"?>
+<p:sld xmlns:a="http://schemas.openxmlformats.org/drawingml/2006/main" xmlns:r="http://schemas.openxmlformats.org/officeDocument/2006/relationships" xmlns:p="http://schemas.openxmlformats.org/presentationml/2006/main">
+  <p:cSld>
+    <p:spTree>
+      <p:nvGrpSpPr>
+        <p:cNvPr id="1" name=""/>
+        <p:cNvGrpSpPr/>
+        <p:nvPr/>
+      </p:nvGrpSpPr>
+      <p:grpSpPr>
+        <a:xfrm>
+          <a:off x="0" y="0"/>
+          <a:ext cx="0" cy="0"/>
+          <a:chOff x="0" y="0"/>
+          <a:chExt cx="0" cy="0"/>
+        </a:xfrm>
+      </p:grpSpPr>
+      <p:sp>
+        <p:nvSpPr>
+          <p:cNvPr id="2" name="Content Placeholder 1"/>
+          <p:cNvSpPr>
+            <a:spLocks noGrp="1"/>
+          </p:cNvSpPr>
+          <p:nvPr>
+            <p:ph idx="1"/>
+          </p:nvPr>
+        </p:nvSpPr>
+        <p:spPr/>
+        <p:txBody>
+          <a:bodyPr/>
+          <a:lstStyle/>
+          <a:p>
+            <a:r>
+              <a:rPr lang="en-US" dirty="0"/>
+              <a:t>If a function is called with </a:t>
+            </a:r>
+            <a:r>
+              <a:rPr lang="en-US" b="1" dirty="0"/>
+              <a:t>missing arguments</a:t>
+            </a:r>
+            <a:r>
+              <a:rPr lang="en-US" dirty="0"/>
+              <a:t> (less than declared), the missing values are set to undefined.</a:t>
+            </a:r>
+          </a:p>
+          <a:p>
+            <a:r>
+              <a:rPr lang="en-US" dirty="0"/>
+              <a:t>Sometimes this is acceptable, but sometimes it is better to assign a default value to the parameter</a:t>
+            </a:r>
+            <a:r>
+              <a:rPr lang="en-US" dirty="0" smtClean="0"/>
+              <a:t>:</a:t>
+            </a:r>
+          </a:p>
+          <a:p>
+            <a:endParaRPr lang="en-US" dirty="0"/>
+          </a:p>
+          <a:p>
+            <a:endParaRPr lang="en-US" dirty="0" smtClean="0"/>
+          </a:p>
+          <a:p>
+            <a:endParaRPr lang="en-US" dirty="0"/>
+          </a:p>
+          <a:p>
+            <a:endParaRPr lang="en-US" dirty="0" smtClean="0"/>
+          </a:p>
+          <a:p>
+            <a:pPr marL="45720" indent="0">
+              <a:buNone/>
+            </a:pPr>
+            <a:endParaRPr lang="en-US" dirty="0" smtClean="0"/>
+          </a:p>
+          <a:p>
+            <a:r>
+              <a:rPr lang="en-US" dirty="0" err="1">
+                <a:hlinkClick r:id="rId2"/>
+              </a:rPr>
+              <a:t>ECMAScript</a:t>
+            </a:r>
+            <a:r>
+              <a:rPr lang="en-US" dirty="0">
+                <a:hlinkClick r:id="rId2"/>
+              </a:rPr>
+              <a:t> 2015</a:t>
+            </a:r>
+            <a:r>
+              <a:rPr lang="en-US" dirty="0"/>
+              <a:t> allows default parameter values in the function declaration:</a:t>
+            </a:r>
+            <a:endParaRPr lang="bg-BG" dirty="0"/>
+          </a:p>
+        </p:txBody>
+      </p:sp>
+      <p:sp>
+        <p:nvSpPr>
+          <p:cNvPr id="3" name="Title 2"/>
+          <p:cNvSpPr>
+            <a:spLocks noGrp="1"/>
+          </p:cNvSpPr>
+          <p:nvPr>
+            <p:ph type="title"/>
+          </p:nvPr>
+        </p:nvSpPr>
+        <p:spPr/>
+        <p:txBody>
+          <a:bodyPr/>
+          <a:lstStyle/>
+          <a:p>
+            <a:r>
+              <a:rPr lang="en-US" dirty="0" smtClean="0"/>
+              <a:t>Default parameters</a:t>
+            </a:r>
+            <a:endParaRPr lang="bg-BG" dirty="0"/>
+          </a:p>
+        </p:txBody>
+      </p:sp>
+      <p:pic>
+        <p:nvPicPr>
+          <p:cNvPr id="9218" name="Picture 2"/>
+          <p:cNvPicPr>
+            <a:picLocks noChangeAspect="1" noChangeArrowheads="1"/>
+          </p:cNvPicPr>
+          <p:nvPr/>
+        </p:nvPicPr>
+        <p:blipFill>
+          <a:blip r:embed="rId3">
+            <a:extLst>
+              <a:ext uri="{28A0092B-C50C-407E-A947-70E740481C1C}">
+                <a14:useLocalDpi xmlns:a14="http://schemas.microsoft.com/office/drawing/2010/main" val="0"/>
+              </a:ext>
+            </a:extLst>
+          </a:blip>
+          <a:srcRect/>
+          <a:stretch>
+            <a:fillRect/>
+          </a:stretch>
+        </p:blipFill>
+        <p:spPr bwMode="auto">
+          <a:xfrm>
+            <a:off x="762000" y="3200400"/>
+            <a:ext cx="3181350" cy="1381125"/>
+          </a:xfrm>
+          <a:prstGeom prst="rect">
+            <a:avLst/>
+          </a:prstGeom>
+          <a:noFill/>
+          <a:ln>
+            <a:noFill/>
+          </a:ln>
+          <a:effectLst/>
+          <a:extLst>
+            <a:ext uri="{909E8E84-426E-40DD-AFC4-6F175D3DCCD1}">
+              <a14:hiddenFill xmlns:a14="http://schemas.microsoft.com/office/drawing/2010/main">
+                <a:solidFill>
+                  <a:schemeClr val="accent1"/>
+                </a:solidFill>
+              </a14:hiddenFill>
+            </a:ext>
+            <a:ext uri="{91240B29-F687-4F45-9708-019B960494DF}">
+              <a14:hiddenLine xmlns:a14="http://schemas.microsoft.com/office/drawing/2010/main" w="9525">
+                <a:solidFill>
+                  <a:schemeClr val="tx1"/>
+                </a:solidFill>
+                <a:miter lim="800000"/>
+                <a:headEnd/>
+                <a:tailEnd/>
+              </a14:hiddenLine>
+            </a:ext>
+            <a:ext uri="{AF507438-7753-43E0-B8FC-AC1667EBCBE1}">
+              <a14:hiddenEffects xmlns:a14="http://schemas.microsoft.com/office/drawing/2010/main">
+                <a:effectLst>
+                  <a:outerShdw dist="35921" dir="2700000" algn="ctr" rotWithShape="0">
+                    <a:schemeClr val="bg2"/>
+                  </a:outerShdw>
+                </a:effectLst>
+              </a14:hiddenEffects>
+            </a:ext>
+          </a:extLst>
+        </p:spPr>
+      </p:pic>
+      <p:pic>
+        <p:nvPicPr>
+          <p:cNvPr id="9219" name="Picture 3"/>
+          <p:cNvPicPr>
+            <a:picLocks noChangeAspect="1" noChangeArrowheads="1"/>
+          </p:cNvPicPr>
+          <p:nvPr/>
+        </p:nvPicPr>
+        <p:blipFill>
+          <a:blip r:embed="rId4">
+            <a:extLst>
+              <a:ext uri="{28A0092B-C50C-407E-A947-70E740481C1C}">
+                <a14:useLocalDpi xmlns:a14="http://schemas.microsoft.com/office/drawing/2010/main" val="0"/>
+              </a:ext>
+            </a:extLst>
+          </a:blip>
+          <a:srcRect/>
+          <a:stretch>
+            <a:fillRect/>
+          </a:stretch>
+        </p:blipFill>
+        <p:spPr bwMode="auto">
+          <a:xfrm>
+            <a:off x="762000" y="5638800"/>
+            <a:ext cx="3257550" cy="942975"/>
+          </a:xfrm>
+          <a:prstGeom prst="rect">
+            <a:avLst/>
+          </a:prstGeom>
+          <a:noFill/>
+          <a:ln>
+            <a:noFill/>
+          </a:ln>
+          <a:effectLst/>
+          <a:extLst>
+            <a:ext uri="{909E8E84-426E-40DD-AFC4-6F175D3DCCD1}">
+              <a14:hiddenFill xmlns:a14="http://schemas.microsoft.com/office/drawing/2010/main">
+                <a:solidFill>
+                  <a:schemeClr val="accent1"/>
+                </a:solidFill>
+              </a14:hiddenFill>
+            </a:ext>
+            <a:ext uri="{91240B29-F687-4F45-9708-019B960494DF}">
+              <a14:hiddenLine xmlns:a14="http://schemas.microsoft.com/office/drawing/2010/main" w="9525">
+                <a:solidFill>
+                  <a:schemeClr val="tx1"/>
+                </a:solidFill>
+                <a:miter lim="800000"/>
+                <a:headEnd/>
+                <a:tailEnd/>
+              </a14:hiddenLine>
+            </a:ext>
+            <a:ext uri="{AF507438-7753-43E0-B8FC-AC1667EBCBE1}">
+              <a14:hiddenEffects xmlns:a14="http://schemas.microsoft.com/office/drawing/2010/main">
+                <a:effectLst>
+                  <a:outerShdw dist="35921" dir="2700000" algn="ctr" rotWithShape="0">
+                    <a:schemeClr val="bg2"/>
+                  </a:outerShdw>
+                </a:effectLst>
+              </a14:hiddenEffects>
+            </a:ext>
+          </a:extLst>
+        </p:spPr>
+      </p:pic>
+    </p:spTree>
+    <p:extLst>
+      <p:ext uri="{BB962C8B-B14F-4D97-AF65-F5344CB8AC3E}">
+        <p14:creationId xmlns:p14="http://schemas.microsoft.com/office/powerpoint/2010/main" val="4059448677"/>
+      </p:ext>
+    </p:extLst>
+  </p:cSld>
+  <p:clrMapOvr>
+    <a:masterClrMapping/>
+  </p:clrMapOvr>
+</p:sld>
+</file>
+
+<file path=ppt/slides/slide69.xml><?xml version="1.0" encoding="utf-8"?>
+<p:sld xmlns:a="http://schemas.openxmlformats.org/drawingml/2006/main" xmlns:r="http://schemas.openxmlformats.org/officeDocument/2006/relationships" xmlns:p="http://schemas.openxmlformats.org/presentationml/2006/main">
+  <p:cSld>
+    <p:spTree>
+      <p:nvGrpSpPr>
+        <p:cNvPr id="1" name=""/>
+        <p:cNvGrpSpPr/>
+        <p:nvPr/>
+      </p:nvGrpSpPr>
+      <p:grpSpPr>
+        <a:xfrm>
+          <a:off x="0" y="0"/>
+          <a:ext cx="0" cy="0"/>
+          <a:chOff x="0" y="0"/>
+          <a:chExt cx="0" cy="0"/>
+        </a:xfrm>
+      </p:grpSpPr>
+      <p:sp>
+        <p:nvSpPr>
+          <p:cNvPr id="2" name="Content Placeholder 1"/>
+          <p:cNvSpPr>
+            <a:spLocks noGrp="1"/>
+          </p:cNvSpPr>
+          <p:nvPr>
+            <p:ph idx="1"/>
+          </p:nvPr>
+        </p:nvSpPr>
+        <p:spPr/>
+        <p:txBody>
+          <a:bodyPr/>
+          <a:lstStyle/>
+          <a:p>
+            <a:r>
+              <a:rPr lang="en-US" dirty="0"/>
+              <a:t>JavaScript functions have a built-in object called the arguments object.</a:t>
+            </a:r>
+          </a:p>
+          <a:p>
+            <a:r>
+              <a:rPr lang="en-US" dirty="0"/>
+              <a:t>The argument object contains an array of the arguments used when the function was called (invoked).</a:t>
+            </a:r>
+          </a:p>
+          <a:p>
+            <a:r>
+              <a:rPr lang="en-US" dirty="0"/>
+              <a:t>This way you can simply use a function to find (for instance) the highest value in a list of numbers:</a:t>
+            </a:r>
+          </a:p>
+          <a:p>
+            <a:endParaRPr lang="bg-BG" dirty="0"/>
+          </a:p>
+        </p:txBody>
+      </p:sp>
+      <p:sp>
+        <p:nvSpPr>
+          <p:cNvPr id="3" name="Title 2"/>
+          <p:cNvSpPr>
+            <a:spLocks noGrp="1"/>
+          </p:cNvSpPr>
+          <p:nvPr>
+            <p:ph type="title"/>
+          </p:nvPr>
+        </p:nvSpPr>
+        <p:spPr/>
+        <p:txBody>
+          <a:bodyPr/>
+          <a:lstStyle/>
+          <a:p>
+            <a:r>
+              <a:rPr lang="en-US" dirty="0"/>
+              <a:t>The Arguments </a:t>
+            </a:r>
+            <a:r>
+              <a:rPr lang="en-US" dirty="0" smtClean="0"/>
+              <a:t>Object</a:t>
+            </a:r>
+            <a:endParaRPr lang="bg-BG" dirty="0"/>
+          </a:p>
+        </p:txBody>
+      </p:sp>
+      <p:pic>
+        <p:nvPicPr>
+          <p:cNvPr id="10242" name="Picture 2"/>
+          <p:cNvPicPr>
+            <a:picLocks noChangeAspect="1" noChangeArrowheads="1"/>
+          </p:cNvPicPr>
+          <p:nvPr/>
+        </p:nvPicPr>
+        <p:blipFill>
+          <a:blip r:embed="rId2">
+            <a:extLst>
+              <a:ext uri="{28A0092B-C50C-407E-A947-70E740481C1C}">
+                <a14:useLocalDpi xmlns:a14="http://schemas.microsoft.com/office/drawing/2010/main" val="0"/>
+              </a:ext>
+            </a:extLst>
+          </a:blip>
+          <a:srcRect/>
+          <a:stretch>
+            <a:fillRect/>
+          </a:stretch>
+        </p:blipFill>
+        <p:spPr bwMode="auto">
+          <a:xfrm>
+            <a:off x="277483" y="3810000"/>
+            <a:ext cx="3893467" cy="2346443"/>
+          </a:xfrm>
+          <a:prstGeom prst="rect">
+            <a:avLst/>
+          </a:prstGeom>
+          <a:noFill/>
+          <a:ln>
+            <a:noFill/>
+          </a:ln>
+          <a:effectLst/>
+          <a:extLst>
+            <a:ext uri="{909E8E84-426E-40DD-AFC4-6F175D3DCCD1}">
+              <a14:hiddenFill xmlns:a14="http://schemas.microsoft.com/office/drawing/2010/main">
+                <a:solidFill>
+                  <a:schemeClr val="accent1"/>
+                </a:solidFill>
+              </a14:hiddenFill>
+            </a:ext>
+            <a:ext uri="{91240B29-F687-4F45-9708-019B960494DF}">
+              <a14:hiddenLine xmlns:a14="http://schemas.microsoft.com/office/drawing/2010/main" w="9525">
+                <a:solidFill>
+                  <a:schemeClr val="tx1"/>
+                </a:solidFill>
+                <a:miter lim="800000"/>
+                <a:headEnd/>
+                <a:tailEnd/>
+              </a14:hiddenLine>
+            </a:ext>
+            <a:ext uri="{AF507438-7753-43E0-B8FC-AC1667EBCBE1}">
+              <a14:hiddenEffects xmlns:a14="http://schemas.microsoft.com/office/drawing/2010/main">
+                <a:effectLst>
+                  <a:outerShdw dist="35921" dir="2700000" algn="ctr" rotWithShape="0">
+                    <a:schemeClr val="bg2"/>
+                  </a:outerShdw>
+                </a:effectLst>
+              </a14:hiddenEffects>
+            </a:ext>
+          </a:extLst>
+        </p:spPr>
+      </p:pic>
+      <p:pic>
+        <p:nvPicPr>
+          <p:cNvPr id="10243" name="Picture 3"/>
+          <p:cNvPicPr>
+            <a:picLocks noChangeAspect="1" noChangeArrowheads="1"/>
+          </p:cNvPicPr>
+          <p:nvPr/>
+        </p:nvPicPr>
+        <p:blipFill>
+          <a:blip r:embed="rId3">
+            <a:extLst>
+              <a:ext uri="{28A0092B-C50C-407E-A947-70E740481C1C}">
+                <a14:useLocalDpi xmlns:a14="http://schemas.microsoft.com/office/drawing/2010/main" val="0"/>
+              </a:ext>
+            </a:extLst>
+          </a:blip>
+          <a:srcRect/>
+          <a:stretch>
+            <a:fillRect/>
+          </a:stretch>
+        </p:blipFill>
+        <p:spPr bwMode="auto">
+          <a:xfrm>
+            <a:off x="4343400" y="3810000"/>
+            <a:ext cx="4527444" cy="2353910"/>
+          </a:xfrm>
+          <a:prstGeom prst="rect">
+            <a:avLst/>
+          </a:prstGeom>
+          <a:noFill/>
+          <a:ln>
+            <a:noFill/>
+          </a:ln>
+          <a:effectLst/>
+          <a:extLst>
+            <a:ext uri="{909E8E84-426E-40DD-AFC4-6F175D3DCCD1}">
+              <a14:hiddenFill xmlns:a14="http://schemas.microsoft.com/office/drawing/2010/main">
+                <a:solidFill>
+                  <a:schemeClr val="accent1"/>
+                </a:solidFill>
+              </a14:hiddenFill>
+            </a:ext>
+            <a:ext uri="{91240B29-F687-4F45-9708-019B960494DF}">
+              <a14:hiddenLine xmlns:a14="http://schemas.microsoft.com/office/drawing/2010/main" w="9525">
+                <a:solidFill>
+                  <a:schemeClr val="tx1"/>
+                </a:solidFill>
+                <a:miter lim="800000"/>
+                <a:headEnd/>
+                <a:tailEnd/>
+              </a14:hiddenLine>
+            </a:ext>
+            <a:ext uri="{AF507438-7753-43E0-B8FC-AC1667EBCBE1}">
+              <a14:hiddenEffects xmlns:a14="http://schemas.microsoft.com/office/drawing/2010/main">
+                <a:effectLst>
+                  <a:outerShdw dist="35921" dir="2700000" algn="ctr" rotWithShape="0">
+                    <a:schemeClr val="bg2"/>
+                  </a:outerShdw>
+                </a:effectLst>
+              </a14:hiddenEffects>
+            </a:ext>
+          </a:extLst>
+        </p:spPr>
+      </p:pic>
+      <p:pic>
+        <p:nvPicPr>
+          <p:cNvPr id="10244" name="Picture 4"/>
+          <p:cNvPicPr>
+            <a:picLocks noChangeAspect="1" noChangeArrowheads="1"/>
+          </p:cNvPicPr>
+          <p:nvPr/>
+        </p:nvPicPr>
+        <p:blipFill>
+          <a:blip r:embed="rId4">
+            <a:extLst>
+              <a:ext uri="{28A0092B-C50C-407E-A947-70E740481C1C}">
+                <a14:useLocalDpi xmlns:a14="http://schemas.microsoft.com/office/drawing/2010/main" val="0"/>
+              </a:ext>
+            </a:extLst>
+          </a:blip>
+          <a:srcRect/>
+          <a:stretch>
+            <a:fillRect/>
+          </a:stretch>
+        </p:blipFill>
+        <p:spPr bwMode="auto">
+          <a:xfrm>
+            <a:off x="277482" y="6156443"/>
+            <a:ext cx="8593361" cy="477794"/>
+          </a:xfrm>
+          <a:prstGeom prst="rect">
+            <a:avLst/>
+          </a:prstGeom>
+          <a:noFill/>
+          <a:ln>
+            <a:noFill/>
+          </a:ln>
+          <a:effectLst/>
+          <a:extLst>
+            <a:ext uri="{909E8E84-426E-40DD-AFC4-6F175D3DCCD1}">
+              <a14:hiddenFill xmlns:a14="http://schemas.microsoft.com/office/drawing/2010/main">
+                <a:solidFill>
+                  <a:schemeClr val="accent1"/>
+                </a:solidFill>
+              </a14:hiddenFill>
+            </a:ext>
+            <a:ext uri="{91240B29-F687-4F45-9708-019B960494DF}">
+              <a14:hiddenLine xmlns:a14="http://schemas.microsoft.com/office/drawing/2010/main" w="9525">
+                <a:solidFill>
+                  <a:schemeClr val="tx1"/>
+                </a:solidFill>
+                <a:miter lim="800000"/>
+                <a:headEnd/>
+                <a:tailEnd/>
+              </a14:hiddenLine>
+            </a:ext>
+            <a:ext uri="{AF507438-7753-43E0-B8FC-AC1667EBCBE1}">
+              <a14:hiddenEffects xmlns:a14="http://schemas.microsoft.com/office/drawing/2010/main">
+                <a:effectLst>
+                  <a:outerShdw dist="35921" dir="2700000" algn="ctr" rotWithShape="0">
+                    <a:schemeClr val="bg2"/>
+                  </a:outerShdw>
+                </a:effectLst>
+              </a14:hiddenEffects>
+            </a:ext>
+          </a:extLst>
+        </p:spPr>
+      </p:pic>
+    </p:spTree>
+    <p:extLst>
+      <p:ext uri="{BB962C8B-B14F-4D97-AF65-F5344CB8AC3E}">
+        <p14:creationId xmlns:p14="http://schemas.microsoft.com/office/powerpoint/2010/main" val="1042100341"/>
+      </p:ext>
+    </p:extLst>
+  </p:cSld>
+  <p:clrMapOvr>
+    <a:masterClrMapping/>
+  </p:clrMapOvr>
+</p:sld>
+</file>
+
 <file path=ppt/slides/slide7.xml><?xml version="1.0" encoding="utf-8"?>
 <p:sld xmlns:a="http://schemas.openxmlformats.org/drawingml/2006/main" xmlns:r="http://schemas.openxmlformats.org/officeDocument/2006/relationships" xmlns:p="http://schemas.openxmlformats.org/presentationml/2006/main">
   <p:cSld>
@@ -19311,6 +22255,2123 @@
     <p:extLst>
       <p:ext uri="{BB962C8B-B14F-4D97-AF65-F5344CB8AC3E}">
         <p14:creationId xmlns:p14="http://schemas.microsoft.com/office/powerpoint/2010/main" val="1970536846"/>
+      </p:ext>
+    </p:extLst>
+  </p:cSld>
+  <p:clrMapOvr>
+    <a:masterClrMapping/>
+  </p:clrMapOvr>
+</p:sld>
+</file>
+
+<file path=ppt/slides/slide70.xml><?xml version="1.0" encoding="utf-8"?>
+<p:sld xmlns:a="http://schemas.openxmlformats.org/drawingml/2006/main" xmlns:r="http://schemas.openxmlformats.org/officeDocument/2006/relationships" xmlns:p="http://schemas.openxmlformats.org/presentationml/2006/main">
+  <p:cSld>
+    <p:spTree>
+      <p:nvGrpSpPr>
+        <p:cNvPr id="1" name=""/>
+        <p:cNvGrpSpPr/>
+        <p:nvPr/>
+      </p:nvGrpSpPr>
+      <p:grpSpPr>
+        <a:xfrm>
+          <a:off x="0" y="0"/>
+          <a:ext cx="0" cy="0"/>
+          <a:chOff x="0" y="0"/>
+          <a:chExt cx="0" cy="0"/>
+        </a:xfrm>
+      </p:grpSpPr>
+      <p:sp>
+        <p:nvSpPr>
+          <p:cNvPr id="2" name="Content Placeholder 1"/>
+          <p:cNvSpPr>
+            <a:spLocks noGrp="1"/>
+          </p:cNvSpPr>
+          <p:nvPr>
+            <p:ph idx="1"/>
+          </p:nvPr>
+        </p:nvSpPr>
+        <p:spPr/>
+        <p:txBody>
+          <a:bodyPr/>
+          <a:lstStyle/>
+          <a:p>
+            <a:r>
+              <a:rPr lang="en-US" dirty="0"/>
+              <a:t>The code inside a function is not executed when the function is </a:t>
+            </a:r>
+            <a:r>
+              <a:rPr lang="en-US" b="1" dirty="0"/>
+              <a:t>defined</a:t>
+            </a:r>
+            <a:r>
+              <a:rPr lang="en-US" dirty="0"/>
+              <a:t>.</a:t>
+            </a:r>
+          </a:p>
+          <a:p>
+            <a:r>
+              <a:rPr lang="en-US" dirty="0"/>
+              <a:t>The code inside a function is executed when the function is </a:t>
+            </a:r>
+            <a:r>
+              <a:rPr lang="en-US" b="1" dirty="0"/>
+              <a:t>invoked</a:t>
+            </a:r>
+            <a:r>
+              <a:rPr lang="en-US" dirty="0"/>
+              <a:t>.</a:t>
+            </a:r>
+          </a:p>
+          <a:p>
+            <a:r>
+              <a:rPr lang="en-US" dirty="0"/>
+              <a:t>It is common to use the term "</a:t>
+            </a:r>
+            <a:r>
+              <a:rPr lang="en-US" b="1" dirty="0"/>
+              <a:t>call a function</a:t>
+            </a:r>
+            <a:r>
+              <a:rPr lang="en-US" dirty="0"/>
+              <a:t>" instead of "</a:t>
+            </a:r>
+            <a:r>
+              <a:rPr lang="en-US" b="1" dirty="0"/>
+              <a:t>invoke a function</a:t>
+            </a:r>
+            <a:r>
+              <a:rPr lang="en-US" dirty="0"/>
+              <a:t>".</a:t>
+            </a:r>
+          </a:p>
+          <a:p>
+            <a:r>
+              <a:rPr lang="en-US" dirty="0"/>
+              <a:t>It is also common to say "call upon a function", "start a function", or "execute a function".</a:t>
+            </a:r>
+          </a:p>
+          <a:p>
+            <a:endParaRPr lang="bg-BG" dirty="0"/>
+          </a:p>
+        </p:txBody>
+      </p:sp>
+      <p:sp>
+        <p:nvSpPr>
+          <p:cNvPr id="3" name="Title 2"/>
+          <p:cNvSpPr>
+            <a:spLocks noGrp="1"/>
+          </p:cNvSpPr>
+          <p:nvPr>
+            <p:ph type="title"/>
+          </p:nvPr>
+        </p:nvSpPr>
+        <p:spPr/>
+        <p:txBody>
+          <a:bodyPr/>
+          <a:lstStyle/>
+          <a:p>
+            <a:r>
+              <a:rPr lang="en-US" dirty="0"/>
+              <a:t>JavaScript Function </a:t>
+            </a:r>
+            <a:r>
+              <a:rPr lang="en-US" dirty="0" smtClean="0"/>
+              <a:t>Invocation</a:t>
+            </a:r>
+            <a:endParaRPr lang="bg-BG" dirty="0"/>
+          </a:p>
+        </p:txBody>
+      </p:sp>
+    </p:spTree>
+    <p:extLst>
+      <p:ext uri="{BB962C8B-B14F-4D97-AF65-F5344CB8AC3E}">
+        <p14:creationId xmlns:p14="http://schemas.microsoft.com/office/powerpoint/2010/main" val="1240731120"/>
+      </p:ext>
+    </p:extLst>
+  </p:cSld>
+  <p:clrMapOvr>
+    <a:masterClrMapping/>
+  </p:clrMapOvr>
+</p:sld>
+</file>
+
+<file path=ppt/slides/slide71.xml><?xml version="1.0" encoding="utf-8"?>
+<p:sld xmlns:a="http://schemas.openxmlformats.org/drawingml/2006/main" xmlns:r="http://schemas.openxmlformats.org/officeDocument/2006/relationships" xmlns:p="http://schemas.openxmlformats.org/presentationml/2006/main">
+  <p:cSld>
+    <p:spTree>
+      <p:nvGrpSpPr>
+        <p:cNvPr id="1" name=""/>
+        <p:cNvGrpSpPr/>
+        <p:nvPr/>
+      </p:nvGrpSpPr>
+      <p:grpSpPr>
+        <a:xfrm>
+          <a:off x="0" y="0"/>
+          <a:ext cx="0" cy="0"/>
+          <a:chOff x="0" y="0"/>
+          <a:chExt cx="0" cy="0"/>
+        </a:xfrm>
+      </p:grpSpPr>
+      <p:sp>
+        <p:nvSpPr>
+          <p:cNvPr id="2" name="Content Placeholder 1"/>
+          <p:cNvSpPr>
+            <a:spLocks noGrp="1"/>
+          </p:cNvSpPr>
+          <p:nvPr>
+            <p:ph idx="1"/>
+          </p:nvPr>
+        </p:nvSpPr>
+        <p:spPr>
+          <a:xfrm>
+            <a:off x="380999" y="3048000"/>
+            <a:ext cx="8407893" cy="3581399"/>
+          </a:xfrm>
+        </p:spPr>
+        <p:txBody>
+          <a:bodyPr/>
+          <a:lstStyle/>
+          <a:p>
+            <a:r>
+              <a:rPr lang="en-US" dirty="0"/>
+              <a:t>The function above does not belong to any object. But in JavaScript there is always a default global object.</a:t>
+            </a:r>
+          </a:p>
+          <a:p>
+            <a:r>
+              <a:rPr lang="en-US" dirty="0"/>
+              <a:t>In HTML the default global object is the HTML page itself, so the function above "belongs" to the HTML page.</a:t>
+            </a:r>
+          </a:p>
+          <a:p>
+            <a:r>
+              <a:rPr lang="en-US" dirty="0"/>
+              <a:t>In a browser the page object is the browser window. The function above automatically becomes a window function.</a:t>
+            </a:r>
+          </a:p>
+          <a:p>
+            <a:r>
+              <a:rPr lang="en-US" dirty="0" err="1"/>
+              <a:t>myFunction</a:t>
+            </a:r>
+            <a:r>
+              <a:rPr lang="en-US" dirty="0"/>
+              <a:t>() and </a:t>
+            </a:r>
+            <a:r>
+              <a:rPr lang="en-US" dirty="0" err="1"/>
+              <a:t>window.myFunction</a:t>
+            </a:r>
+            <a:r>
+              <a:rPr lang="en-US" dirty="0"/>
+              <a:t>() is the same function:</a:t>
+            </a:r>
+            <a:endParaRPr lang="bg-BG" dirty="0"/>
+          </a:p>
+        </p:txBody>
+      </p:sp>
+      <p:sp>
+        <p:nvSpPr>
+          <p:cNvPr id="3" name="Title 2"/>
+          <p:cNvSpPr>
+            <a:spLocks noGrp="1"/>
+          </p:cNvSpPr>
+          <p:nvPr>
+            <p:ph type="title"/>
+          </p:nvPr>
+        </p:nvSpPr>
+        <p:spPr/>
+        <p:txBody>
+          <a:bodyPr/>
+          <a:lstStyle/>
+          <a:p>
+            <a:r>
+              <a:rPr lang="en-US" dirty="0"/>
+              <a:t>Invoking a Function as a </a:t>
+            </a:r>
+            <a:r>
+              <a:rPr lang="en-US" dirty="0" smtClean="0"/>
+              <a:t>Function</a:t>
+            </a:r>
+            <a:endParaRPr lang="bg-BG" dirty="0"/>
+          </a:p>
+        </p:txBody>
+      </p:sp>
+      <p:pic>
+        <p:nvPicPr>
+          <p:cNvPr id="11266" name="Picture 2"/>
+          <p:cNvPicPr>
+            <a:picLocks noChangeAspect="1" noChangeArrowheads="1"/>
+          </p:cNvPicPr>
+          <p:nvPr/>
+        </p:nvPicPr>
+        <p:blipFill>
+          <a:blip r:embed="rId2">
+            <a:extLst>
+              <a:ext uri="{28A0092B-C50C-407E-A947-70E740481C1C}">
+                <a14:useLocalDpi xmlns:a14="http://schemas.microsoft.com/office/drawing/2010/main" val="0"/>
+              </a:ext>
+            </a:extLst>
+          </a:blip>
+          <a:srcRect/>
+          <a:stretch>
+            <a:fillRect/>
+          </a:stretch>
+        </p:blipFill>
+        <p:spPr bwMode="auto">
+          <a:xfrm>
+            <a:off x="756788" y="1739660"/>
+            <a:ext cx="4791075" cy="1152525"/>
+          </a:xfrm>
+          <a:prstGeom prst="rect">
+            <a:avLst/>
+          </a:prstGeom>
+          <a:noFill/>
+          <a:ln>
+            <a:noFill/>
+          </a:ln>
+          <a:effectLst/>
+          <a:extLst>
+            <a:ext uri="{909E8E84-426E-40DD-AFC4-6F175D3DCCD1}">
+              <a14:hiddenFill xmlns:a14="http://schemas.microsoft.com/office/drawing/2010/main">
+                <a:solidFill>
+                  <a:schemeClr val="accent1"/>
+                </a:solidFill>
+              </a14:hiddenFill>
+            </a:ext>
+            <a:ext uri="{91240B29-F687-4F45-9708-019B960494DF}">
+              <a14:hiddenLine xmlns:a14="http://schemas.microsoft.com/office/drawing/2010/main" w="9525">
+                <a:solidFill>
+                  <a:schemeClr val="tx1"/>
+                </a:solidFill>
+                <a:miter lim="800000"/>
+                <a:headEnd/>
+                <a:tailEnd/>
+              </a14:hiddenLine>
+            </a:ext>
+            <a:ext uri="{AF507438-7753-43E0-B8FC-AC1667EBCBE1}">
+              <a14:hiddenEffects xmlns:a14="http://schemas.microsoft.com/office/drawing/2010/main">
+                <a:effectLst>
+                  <a:outerShdw dist="35921" dir="2700000" algn="ctr" rotWithShape="0">
+                    <a:schemeClr val="bg2"/>
+                  </a:outerShdw>
+                </a:effectLst>
+              </a14:hiddenEffects>
+            </a:ext>
+          </a:extLst>
+        </p:spPr>
+      </p:pic>
+      <p:pic>
+        <p:nvPicPr>
+          <p:cNvPr id="11267" name="Picture 3"/>
+          <p:cNvPicPr>
+            <a:picLocks noChangeAspect="1" noChangeArrowheads="1"/>
+          </p:cNvPicPr>
+          <p:nvPr/>
+        </p:nvPicPr>
+        <p:blipFill>
+          <a:blip r:embed="rId3">
+            <a:extLst>
+              <a:ext uri="{28A0092B-C50C-407E-A947-70E740481C1C}">
+                <a14:useLocalDpi xmlns:a14="http://schemas.microsoft.com/office/drawing/2010/main" val="0"/>
+              </a:ext>
+            </a:extLst>
+          </a:blip>
+          <a:srcRect/>
+          <a:stretch>
+            <a:fillRect/>
+          </a:stretch>
+        </p:blipFill>
+        <p:spPr bwMode="auto">
+          <a:xfrm>
+            <a:off x="756788" y="5562600"/>
+            <a:ext cx="5162550" cy="1162050"/>
+          </a:xfrm>
+          <a:prstGeom prst="rect">
+            <a:avLst/>
+          </a:prstGeom>
+          <a:noFill/>
+          <a:ln>
+            <a:noFill/>
+          </a:ln>
+          <a:effectLst/>
+          <a:extLst>
+            <a:ext uri="{909E8E84-426E-40DD-AFC4-6F175D3DCCD1}">
+              <a14:hiddenFill xmlns:a14="http://schemas.microsoft.com/office/drawing/2010/main">
+                <a:solidFill>
+                  <a:schemeClr val="accent1"/>
+                </a:solidFill>
+              </a14:hiddenFill>
+            </a:ext>
+            <a:ext uri="{91240B29-F687-4F45-9708-019B960494DF}">
+              <a14:hiddenLine xmlns:a14="http://schemas.microsoft.com/office/drawing/2010/main" w="9525">
+                <a:solidFill>
+                  <a:schemeClr val="tx1"/>
+                </a:solidFill>
+                <a:miter lim="800000"/>
+                <a:headEnd/>
+                <a:tailEnd/>
+              </a14:hiddenLine>
+            </a:ext>
+            <a:ext uri="{AF507438-7753-43E0-B8FC-AC1667EBCBE1}">
+              <a14:hiddenEffects xmlns:a14="http://schemas.microsoft.com/office/drawing/2010/main">
+                <a:effectLst>
+                  <a:outerShdw dist="35921" dir="2700000" algn="ctr" rotWithShape="0">
+                    <a:schemeClr val="bg2"/>
+                  </a:outerShdw>
+                </a:effectLst>
+              </a14:hiddenEffects>
+            </a:ext>
+          </a:extLst>
+        </p:spPr>
+      </p:pic>
+    </p:spTree>
+    <p:extLst>
+      <p:ext uri="{BB962C8B-B14F-4D97-AF65-F5344CB8AC3E}">
+        <p14:creationId xmlns:p14="http://schemas.microsoft.com/office/powerpoint/2010/main" val="174181784"/>
+      </p:ext>
+    </p:extLst>
+  </p:cSld>
+  <p:clrMapOvr>
+    <a:masterClrMapping/>
+  </p:clrMapOvr>
+</p:sld>
+</file>
+
+<file path=ppt/slides/slide72.xml><?xml version="1.0" encoding="utf-8"?>
+<p:sld xmlns:a="http://schemas.openxmlformats.org/drawingml/2006/main" xmlns:r="http://schemas.openxmlformats.org/officeDocument/2006/relationships" xmlns:p="http://schemas.openxmlformats.org/presentationml/2006/main">
+  <p:cSld>
+    <p:spTree>
+      <p:nvGrpSpPr>
+        <p:cNvPr id="1" name=""/>
+        <p:cNvGrpSpPr/>
+        <p:nvPr/>
+      </p:nvGrpSpPr>
+      <p:grpSpPr>
+        <a:xfrm>
+          <a:off x="0" y="0"/>
+          <a:ext cx="0" cy="0"/>
+          <a:chOff x="0" y="0"/>
+          <a:chExt cx="0" cy="0"/>
+        </a:xfrm>
+      </p:grpSpPr>
+      <p:sp>
+        <p:nvSpPr>
+          <p:cNvPr id="2" name="Content Placeholder 1"/>
+          <p:cNvSpPr>
+            <a:spLocks noGrp="1"/>
+          </p:cNvSpPr>
+          <p:nvPr>
+            <p:ph idx="1"/>
+          </p:nvPr>
+        </p:nvSpPr>
+        <p:spPr/>
+        <p:txBody>
+          <a:bodyPr/>
+          <a:lstStyle/>
+          <a:p>
+            <a:r>
+              <a:rPr lang="en-US" dirty="0"/>
+              <a:t>In JavaScript, the this keyword refers to an </a:t>
+            </a:r>
+            <a:r>
+              <a:rPr lang="en-US" b="1" dirty="0"/>
+              <a:t>object</a:t>
+            </a:r>
+            <a:r>
+              <a:rPr lang="en-US" dirty="0"/>
+              <a:t>.</a:t>
+            </a:r>
+          </a:p>
+          <a:p>
+            <a:r>
+              <a:rPr lang="en-US" b="1" dirty="0"/>
+              <a:t>Which</a:t>
+            </a:r>
+            <a:r>
+              <a:rPr lang="en-US" dirty="0"/>
+              <a:t> object depends on how this is being invoked (used or called).</a:t>
+            </a:r>
+          </a:p>
+          <a:p>
+            <a:r>
+              <a:rPr lang="en-US" dirty="0"/>
+              <a:t>The this keyword refers to different objects depending on how it is used:</a:t>
+            </a:r>
+          </a:p>
+          <a:p>
+            <a:endParaRPr lang="bg-BG" dirty="0"/>
+          </a:p>
+        </p:txBody>
+      </p:sp>
+      <p:sp>
+        <p:nvSpPr>
+          <p:cNvPr id="3" name="Title 2"/>
+          <p:cNvSpPr>
+            <a:spLocks noGrp="1"/>
+          </p:cNvSpPr>
+          <p:nvPr>
+            <p:ph type="title"/>
+          </p:nvPr>
+        </p:nvSpPr>
+        <p:spPr/>
+        <p:txBody>
+          <a:bodyPr/>
+          <a:lstStyle/>
+          <a:p>
+            <a:r>
+              <a:rPr lang="en-US" dirty="0"/>
+              <a:t>What is </a:t>
+            </a:r>
+            <a:r>
+              <a:rPr lang="en-US" b="1" dirty="0">
+                <a:solidFill>
+                  <a:srgbClr val="FFC000"/>
+                </a:solidFill>
+              </a:rPr>
+              <a:t>this</a:t>
+            </a:r>
+            <a:r>
+              <a:rPr lang="en-US" dirty="0" smtClean="0"/>
+              <a:t>?</a:t>
+            </a:r>
+            <a:endParaRPr lang="bg-BG" dirty="0"/>
+          </a:p>
+        </p:txBody>
+      </p:sp>
+      <p:pic>
+        <p:nvPicPr>
+          <p:cNvPr id="12290" name="Picture 2"/>
+          <p:cNvPicPr>
+            <a:picLocks noChangeAspect="1" noChangeArrowheads="1"/>
+          </p:cNvPicPr>
+          <p:nvPr/>
+        </p:nvPicPr>
+        <p:blipFill>
+          <a:blip r:embed="rId2">
+            <a:extLst>
+              <a:ext uri="{28A0092B-C50C-407E-A947-70E740481C1C}">
+                <a14:useLocalDpi xmlns:a14="http://schemas.microsoft.com/office/drawing/2010/main" val="0"/>
+              </a:ext>
+            </a:extLst>
+          </a:blip>
+          <a:srcRect/>
+          <a:stretch>
+            <a:fillRect/>
+          </a:stretch>
+        </p:blipFill>
+        <p:spPr bwMode="auto">
+          <a:xfrm>
+            <a:off x="762000" y="3581400"/>
+            <a:ext cx="7258050" cy="2943225"/>
+          </a:xfrm>
+          <a:prstGeom prst="rect">
+            <a:avLst/>
+          </a:prstGeom>
+          <a:noFill/>
+          <a:ln>
+            <a:noFill/>
+          </a:ln>
+          <a:effectLst/>
+          <a:extLst>
+            <a:ext uri="{909E8E84-426E-40DD-AFC4-6F175D3DCCD1}">
+              <a14:hiddenFill xmlns:a14="http://schemas.microsoft.com/office/drawing/2010/main">
+                <a:solidFill>
+                  <a:schemeClr val="accent1"/>
+                </a:solidFill>
+              </a14:hiddenFill>
+            </a:ext>
+            <a:ext uri="{91240B29-F687-4F45-9708-019B960494DF}">
+              <a14:hiddenLine xmlns:a14="http://schemas.microsoft.com/office/drawing/2010/main" w="9525">
+                <a:solidFill>
+                  <a:schemeClr val="tx1"/>
+                </a:solidFill>
+                <a:miter lim="800000"/>
+                <a:headEnd/>
+                <a:tailEnd/>
+              </a14:hiddenLine>
+            </a:ext>
+            <a:ext uri="{AF507438-7753-43E0-B8FC-AC1667EBCBE1}">
+              <a14:hiddenEffects xmlns:a14="http://schemas.microsoft.com/office/drawing/2010/main">
+                <a:effectLst>
+                  <a:outerShdw dist="35921" dir="2700000" algn="ctr" rotWithShape="0">
+                    <a:schemeClr val="bg2"/>
+                  </a:outerShdw>
+                </a:effectLst>
+              </a14:hiddenEffects>
+            </a:ext>
+          </a:extLst>
+        </p:spPr>
+      </p:pic>
+    </p:spTree>
+    <p:extLst>
+      <p:ext uri="{BB962C8B-B14F-4D97-AF65-F5344CB8AC3E}">
+        <p14:creationId xmlns:p14="http://schemas.microsoft.com/office/powerpoint/2010/main" val="4102237837"/>
+      </p:ext>
+    </p:extLst>
+  </p:cSld>
+  <p:clrMapOvr>
+    <a:masterClrMapping/>
+  </p:clrMapOvr>
+</p:sld>
+</file>
+
+<file path=ppt/slides/slide73.xml><?xml version="1.0" encoding="utf-8"?>
+<p:sld xmlns:a="http://schemas.openxmlformats.org/drawingml/2006/main" xmlns:r="http://schemas.openxmlformats.org/officeDocument/2006/relationships" xmlns:p="http://schemas.openxmlformats.org/presentationml/2006/main">
+  <p:cSld>
+    <p:spTree>
+      <p:nvGrpSpPr>
+        <p:cNvPr id="1" name=""/>
+        <p:cNvGrpSpPr/>
+        <p:nvPr/>
+      </p:nvGrpSpPr>
+      <p:grpSpPr>
+        <a:xfrm>
+          <a:off x="0" y="0"/>
+          <a:ext cx="0" cy="0"/>
+          <a:chOff x="0" y="0"/>
+          <a:chExt cx="0" cy="0"/>
+        </a:xfrm>
+      </p:grpSpPr>
+      <p:sp>
+        <p:nvSpPr>
+          <p:cNvPr id="2" name="Content Placeholder 1"/>
+          <p:cNvSpPr>
+            <a:spLocks noGrp="1"/>
+          </p:cNvSpPr>
+          <p:nvPr>
+            <p:ph idx="1"/>
+          </p:nvPr>
+        </p:nvSpPr>
+        <p:spPr/>
+        <p:txBody>
+          <a:bodyPr/>
+          <a:lstStyle/>
+          <a:p>
+            <a:r>
+              <a:rPr lang="en-US" dirty="0"/>
+              <a:t>When a function is called without an owner object, the value of this becomes the global object.</a:t>
+            </a:r>
+          </a:p>
+          <a:p>
+            <a:r>
+              <a:rPr lang="en-US" dirty="0"/>
+              <a:t>In a web browser the global object is the browser window.</a:t>
+            </a:r>
+          </a:p>
+          <a:p>
+            <a:r>
+              <a:rPr lang="en-US" dirty="0"/>
+              <a:t>This example returns the window object as the value of this:</a:t>
+            </a:r>
+          </a:p>
+          <a:p>
+            <a:endParaRPr lang="bg-BG" dirty="0"/>
+          </a:p>
+        </p:txBody>
+      </p:sp>
+      <p:sp>
+        <p:nvSpPr>
+          <p:cNvPr id="3" name="Title 2"/>
+          <p:cNvSpPr>
+            <a:spLocks noGrp="1"/>
+          </p:cNvSpPr>
+          <p:nvPr>
+            <p:ph type="title"/>
+          </p:nvPr>
+        </p:nvSpPr>
+        <p:spPr/>
+        <p:txBody>
+          <a:bodyPr/>
+          <a:lstStyle/>
+          <a:p>
+            <a:r>
+              <a:rPr lang="en-US" dirty="0"/>
+              <a:t>The Global </a:t>
+            </a:r>
+            <a:r>
+              <a:rPr lang="en-US" dirty="0" smtClean="0"/>
+              <a:t>Object</a:t>
+            </a:r>
+            <a:endParaRPr lang="bg-BG" dirty="0"/>
+          </a:p>
+        </p:txBody>
+      </p:sp>
+      <p:pic>
+        <p:nvPicPr>
+          <p:cNvPr id="13314" name="Picture 2"/>
+          <p:cNvPicPr>
+            <a:picLocks noChangeAspect="1" noChangeArrowheads="1"/>
+          </p:cNvPicPr>
+          <p:nvPr/>
+        </p:nvPicPr>
+        <p:blipFill>
+          <a:blip r:embed="rId2">
+            <a:extLst>
+              <a:ext uri="{28A0092B-C50C-407E-A947-70E740481C1C}">
+                <a14:useLocalDpi xmlns:a14="http://schemas.microsoft.com/office/drawing/2010/main" val="0"/>
+              </a:ext>
+            </a:extLst>
+          </a:blip>
+          <a:srcRect/>
+          <a:stretch>
+            <a:fillRect/>
+          </a:stretch>
+        </p:blipFill>
+        <p:spPr bwMode="auto">
+          <a:xfrm>
+            <a:off x="762000" y="3352800"/>
+            <a:ext cx="6477000" cy="1428750"/>
+          </a:xfrm>
+          <a:prstGeom prst="rect">
+            <a:avLst/>
+          </a:prstGeom>
+          <a:noFill/>
+          <a:ln>
+            <a:noFill/>
+          </a:ln>
+          <a:effectLst/>
+          <a:extLst>
+            <a:ext uri="{909E8E84-426E-40DD-AFC4-6F175D3DCCD1}">
+              <a14:hiddenFill xmlns:a14="http://schemas.microsoft.com/office/drawing/2010/main">
+                <a:solidFill>
+                  <a:schemeClr val="accent1"/>
+                </a:solidFill>
+              </a14:hiddenFill>
+            </a:ext>
+            <a:ext uri="{91240B29-F687-4F45-9708-019B960494DF}">
+              <a14:hiddenLine xmlns:a14="http://schemas.microsoft.com/office/drawing/2010/main" w="9525">
+                <a:solidFill>
+                  <a:schemeClr val="tx1"/>
+                </a:solidFill>
+                <a:miter lim="800000"/>
+                <a:headEnd/>
+                <a:tailEnd/>
+              </a14:hiddenLine>
+            </a:ext>
+            <a:ext uri="{AF507438-7753-43E0-B8FC-AC1667EBCBE1}">
+              <a14:hiddenEffects xmlns:a14="http://schemas.microsoft.com/office/drawing/2010/main">
+                <a:effectLst>
+                  <a:outerShdw dist="35921" dir="2700000" algn="ctr" rotWithShape="0">
+                    <a:schemeClr val="bg2"/>
+                  </a:outerShdw>
+                </a:effectLst>
+              </a14:hiddenEffects>
+            </a:ext>
+          </a:extLst>
+        </p:spPr>
+      </p:pic>
+      <p:pic>
+        <p:nvPicPr>
+          <p:cNvPr id="13315" name="Picture 3"/>
+          <p:cNvPicPr>
+            <a:picLocks noChangeAspect="1" noChangeArrowheads="1"/>
+          </p:cNvPicPr>
+          <p:nvPr/>
+        </p:nvPicPr>
+        <p:blipFill>
+          <a:blip r:embed="rId3">
+            <a:extLst>
+              <a:ext uri="{28A0092B-C50C-407E-A947-70E740481C1C}">
+                <a14:useLocalDpi xmlns:a14="http://schemas.microsoft.com/office/drawing/2010/main" val="0"/>
+              </a:ext>
+            </a:extLst>
+          </a:blip>
+          <a:srcRect/>
+          <a:stretch>
+            <a:fillRect/>
+          </a:stretch>
+        </p:blipFill>
+        <p:spPr bwMode="auto">
+          <a:xfrm>
+            <a:off x="726057" y="4953000"/>
+            <a:ext cx="8105775" cy="638175"/>
+          </a:xfrm>
+          <a:prstGeom prst="rect">
+            <a:avLst/>
+          </a:prstGeom>
+          <a:noFill/>
+          <a:ln>
+            <a:noFill/>
+          </a:ln>
+          <a:effectLst/>
+          <a:extLst>
+            <a:ext uri="{909E8E84-426E-40DD-AFC4-6F175D3DCCD1}">
+              <a14:hiddenFill xmlns:a14="http://schemas.microsoft.com/office/drawing/2010/main">
+                <a:solidFill>
+                  <a:schemeClr val="accent1"/>
+                </a:solidFill>
+              </a14:hiddenFill>
+            </a:ext>
+            <a:ext uri="{91240B29-F687-4F45-9708-019B960494DF}">
+              <a14:hiddenLine xmlns:a14="http://schemas.microsoft.com/office/drawing/2010/main" w="9525">
+                <a:solidFill>
+                  <a:schemeClr val="tx1"/>
+                </a:solidFill>
+                <a:miter lim="800000"/>
+                <a:headEnd/>
+                <a:tailEnd/>
+              </a14:hiddenLine>
+            </a:ext>
+            <a:ext uri="{AF507438-7753-43E0-B8FC-AC1667EBCBE1}">
+              <a14:hiddenEffects xmlns:a14="http://schemas.microsoft.com/office/drawing/2010/main">
+                <a:effectLst>
+                  <a:outerShdw dist="35921" dir="2700000" algn="ctr" rotWithShape="0">
+                    <a:schemeClr val="bg2"/>
+                  </a:outerShdw>
+                </a:effectLst>
+              </a14:hiddenEffects>
+            </a:ext>
+          </a:extLst>
+        </p:spPr>
+      </p:pic>
+    </p:spTree>
+    <p:extLst>
+      <p:ext uri="{BB962C8B-B14F-4D97-AF65-F5344CB8AC3E}">
+        <p14:creationId xmlns:p14="http://schemas.microsoft.com/office/powerpoint/2010/main" val="1722056759"/>
+      </p:ext>
+    </p:extLst>
+  </p:cSld>
+  <p:clrMapOvr>
+    <a:masterClrMapping/>
+  </p:clrMapOvr>
+</p:sld>
+</file>
+
+<file path=ppt/slides/slide74.xml><?xml version="1.0" encoding="utf-8"?>
+<p:sld xmlns:a="http://schemas.openxmlformats.org/drawingml/2006/main" xmlns:r="http://schemas.openxmlformats.org/officeDocument/2006/relationships" xmlns:p="http://schemas.openxmlformats.org/presentationml/2006/main">
+  <p:cSld>
+    <p:spTree>
+      <p:nvGrpSpPr>
+        <p:cNvPr id="1" name=""/>
+        <p:cNvGrpSpPr/>
+        <p:nvPr/>
+      </p:nvGrpSpPr>
+      <p:grpSpPr>
+        <a:xfrm>
+          <a:off x="0" y="0"/>
+          <a:ext cx="0" cy="0"/>
+          <a:chOff x="0" y="0"/>
+          <a:chExt cx="0" cy="0"/>
+        </a:xfrm>
+      </p:grpSpPr>
+      <p:sp>
+        <p:nvSpPr>
+          <p:cNvPr id="2" name="Content Placeholder 1"/>
+          <p:cNvSpPr>
+            <a:spLocks noGrp="1"/>
+          </p:cNvSpPr>
+          <p:nvPr>
+            <p:ph idx="1"/>
+          </p:nvPr>
+        </p:nvSpPr>
+        <p:spPr>
+          <a:xfrm>
+            <a:off x="380999" y="1719070"/>
+            <a:ext cx="8407893" cy="4986529"/>
+          </a:xfrm>
+        </p:spPr>
+        <p:txBody>
+          <a:bodyPr>
+            <a:normAutofit/>
+          </a:bodyPr>
+          <a:lstStyle/>
+          <a:p>
+            <a:r>
+              <a:rPr lang="en-US" dirty="0"/>
+              <a:t>In JavaScript you can define functions as object methods</a:t>
+            </a:r>
+            <a:r>
+              <a:rPr lang="en-US" dirty="0" smtClean="0"/>
+              <a:t>.</a:t>
+            </a:r>
+          </a:p>
+          <a:p>
+            <a:endParaRPr lang="en-US" dirty="0"/>
+          </a:p>
+          <a:p>
+            <a:endParaRPr lang="en-US" dirty="0" smtClean="0"/>
+          </a:p>
+          <a:p>
+            <a:endParaRPr lang="en-US" dirty="0"/>
+          </a:p>
+          <a:p>
+            <a:endParaRPr lang="en-US" dirty="0" smtClean="0"/>
+          </a:p>
+          <a:p>
+            <a:endParaRPr lang="en-US" dirty="0"/>
+          </a:p>
+          <a:p>
+            <a:pPr marL="45720" indent="0">
+              <a:buNone/>
+            </a:pPr>
+            <a:endParaRPr lang="en-US" dirty="0"/>
+          </a:p>
+          <a:p>
+            <a:r>
+              <a:rPr lang="en-US" dirty="0"/>
+              <a:t>The </a:t>
+            </a:r>
+            <a:r>
+              <a:rPr lang="en-US" b="1" dirty="0" err="1"/>
+              <a:t>fullName</a:t>
+            </a:r>
+            <a:r>
+              <a:rPr lang="en-US" dirty="0"/>
+              <a:t> method is a function. The function belongs to the object. </a:t>
+            </a:r>
+            <a:r>
+              <a:rPr lang="en-US" b="1" dirty="0" err="1"/>
+              <a:t>myObject</a:t>
+            </a:r>
+            <a:r>
+              <a:rPr lang="en-US" dirty="0"/>
+              <a:t> is the owner of the function.</a:t>
+            </a:r>
+          </a:p>
+          <a:p>
+            <a:r>
+              <a:rPr lang="en-US" dirty="0"/>
+              <a:t>The thing called this, is the object that "owns" the JavaScript code. In this case the value of this is </a:t>
+            </a:r>
+            <a:r>
+              <a:rPr lang="en-US" b="1" dirty="0" err="1"/>
+              <a:t>myObject</a:t>
+            </a:r>
+            <a:r>
+              <a:rPr lang="en-US" dirty="0"/>
+              <a:t>.</a:t>
+            </a:r>
+          </a:p>
+          <a:p>
+            <a:r>
+              <a:rPr lang="en-US" dirty="0"/>
+              <a:t>Test it! Change the </a:t>
+            </a:r>
+            <a:r>
+              <a:rPr lang="en-US" b="1" dirty="0" err="1"/>
+              <a:t>fullName</a:t>
+            </a:r>
+            <a:r>
+              <a:rPr lang="en-US" dirty="0"/>
+              <a:t> method to return the value of this:</a:t>
+            </a:r>
+          </a:p>
+          <a:p>
+            <a:endParaRPr lang="bg-BG" dirty="0"/>
+          </a:p>
+        </p:txBody>
+      </p:sp>
+      <p:sp>
+        <p:nvSpPr>
+          <p:cNvPr id="3" name="Title 2"/>
+          <p:cNvSpPr>
+            <a:spLocks noGrp="1"/>
+          </p:cNvSpPr>
+          <p:nvPr>
+            <p:ph type="title"/>
+          </p:nvPr>
+        </p:nvSpPr>
+        <p:spPr/>
+        <p:txBody>
+          <a:bodyPr/>
+          <a:lstStyle/>
+          <a:p>
+            <a:r>
+              <a:rPr lang="en-US" dirty="0"/>
+              <a:t>Invoking a Function as a </a:t>
+            </a:r>
+            <a:r>
+              <a:rPr lang="en-US" dirty="0" smtClean="0"/>
+              <a:t>Method</a:t>
+            </a:r>
+            <a:endParaRPr lang="bg-BG" dirty="0"/>
+          </a:p>
+        </p:txBody>
+      </p:sp>
+      <p:pic>
+        <p:nvPicPr>
+          <p:cNvPr id="14338" name="Picture 2"/>
+          <p:cNvPicPr>
+            <a:picLocks noChangeAspect="1" noChangeArrowheads="1"/>
+          </p:cNvPicPr>
+          <p:nvPr/>
+        </p:nvPicPr>
+        <p:blipFill>
+          <a:blip r:embed="rId2">
+            <a:extLst>
+              <a:ext uri="{28A0092B-C50C-407E-A947-70E740481C1C}">
+                <a14:useLocalDpi xmlns:a14="http://schemas.microsoft.com/office/drawing/2010/main" val="0"/>
+              </a:ext>
+            </a:extLst>
+          </a:blip>
+          <a:srcRect/>
+          <a:stretch>
+            <a:fillRect/>
+          </a:stretch>
+        </p:blipFill>
+        <p:spPr bwMode="auto">
+          <a:xfrm>
+            <a:off x="761999" y="2133601"/>
+            <a:ext cx="4648201" cy="1886112"/>
+          </a:xfrm>
+          <a:prstGeom prst="rect">
+            <a:avLst/>
+          </a:prstGeom>
+          <a:noFill/>
+          <a:ln>
+            <a:noFill/>
+          </a:ln>
+          <a:effectLst/>
+          <a:extLst>
+            <a:ext uri="{909E8E84-426E-40DD-AFC4-6F175D3DCCD1}">
+              <a14:hiddenFill xmlns:a14="http://schemas.microsoft.com/office/drawing/2010/main">
+                <a:solidFill>
+                  <a:schemeClr val="accent1"/>
+                </a:solidFill>
+              </a14:hiddenFill>
+            </a:ext>
+            <a:ext uri="{91240B29-F687-4F45-9708-019B960494DF}">
+              <a14:hiddenLine xmlns:a14="http://schemas.microsoft.com/office/drawing/2010/main" w="9525">
+                <a:solidFill>
+                  <a:schemeClr val="tx1"/>
+                </a:solidFill>
+                <a:miter lim="800000"/>
+                <a:headEnd/>
+                <a:tailEnd/>
+              </a14:hiddenLine>
+            </a:ext>
+            <a:ext uri="{AF507438-7753-43E0-B8FC-AC1667EBCBE1}">
+              <a14:hiddenEffects xmlns:a14="http://schemas.microsoft.com/office/drawing/2010/main">
+                <a:effectLst>
+                  <a:outerShdw dist="35921" dir="2700000" algn="ctr" rotWithShape="0">
+                    <a:schemeClr val="bg2"/>
+                  </a:outerShdw>
+                </a:effectLst>
+              </a14:hiddenEffects>
+            </a:ext>
+          </a:extLst>
+        </p:spPr>
+      </p:pic>
+      <p:pic>
+        <p:nvPicPr>
+          <p:cNvPr id="14339" name="Picture 3"/>
+          <p:cNvPicPr>
+            <a:picLocks noChangeAspect="1" noChangeArrowheads="1"/>
+          </p:cNvPicPr>
+          <p:nvPr/>
+        </p:nvPicPr>
+        <p:blipFill rotWithShape="1">
+          <a:blip r:embed="rId3">
+            <a:extLst>
+              <a:ext uri="{28A0092B-C50C-407E-A947-70E740481C1C}">
+                <a14:useLocalDpi xmlns:a14="http://schemas.microsoft.com/office/drawing/2010/main" val="0"/>
+              </a:ext>
+            </a:extLst>
+          </a:blip>
+          <a:srcRect t="80258"/>
+          <a:stretch/>
+        </p:blipFill>
+        <p:spPr bwMode="auto">
+          <a:xfrm>
+            <a:off x="1762125" y="6079276"/>
+            <a:ext cx="5738103" cy="550123"/>
+          </a:xfrm>
+          <a:prstGeom prst="rect">
+            <a:avLst/>
+          </a:prstGeom>
+          <a:noFill/>
+          <a:ln>
+            <a:noFill/>
+          </a:ln>
+          <a:effectLst/>
+          <a:extLst>
+            <a:ext uri="{909E8E84-426E-40DD-AFC4-6F175D3DCCD1}">
+              <a14:hiddenFill xmlns:a14="http://schemas.microsoft.com/office/drawing/2010/main">
+                <a:solidFill>
+                  <a:schemeClr val="accent1"/>
+                </a:solidFill>
+              </a14:hiddenFill>
+            </a:ext>
+            <a:ext uri="{91240B29-F687-4F45-9708-019B960494DF}">
+              <a14:hiddenLine xmlns:a14="http://schemas.microsoft.com/office/drawing/2010/main" w="9525">
+                <a:solidFill>
+                  <a:schemeClr val="tx1"/>
+                </a:solidFill>
+                <a:miter lim="800000"/>
+                <a:headEnd/>
+                <a:tailEnd/>
+              </a14:hiddenLine>
+            </a:ext>
+            <a:ext uri="{AF507438-7753-43E0-B8FC-AC1667EBCBE1}">
+              <a14:hiddenEffects xmlns:a14="http://schemas.microsoft.com/office/drawing/2010/main">
+                <a:effectLst>
+                  <a:outerShdw dist="35921" dir="2700000" algn="ctr" rotWithShape="0">
+                    <a:schemeClr val="bg2"/>
+                  </a:outerShdw>
+                </a:effectLst>
+              </a14:hiddenEffects>
+            </a:ext>
+          </a:extLst>
+        </p:spPr>
+      </p:pic>
+    </p:spTree>
+    <p:extLst>
+      <p:ext uri="{BB962C8B-B14F-4D97-AF65-F5344CB8AC3E}">
+        <p14:creationId xmlns:p14="http://schemas.microsoft.com/office/powerpoint/2010/main" val="2983913989"/>
+      </p:ext>
+    </p:extLst>
+  </p:cSld>
+  <p:clrMapOvr>
+    <a:masterClrMapping/>
+  </p:clrMapOvr>
+</p:sld>
+</file>
+
+<file path=ppt/slides/slide75.xml><?xml version="1.0" encoding="utf-8"?>
+<p:sld xmlns:a="http://schemas.openxmlformats.org/drawingml/2006/main" xmlns:r="http://schemas.openxmlformats.org/officeDocument/2006/relationships" xmlns:p="http://schemas.openxmlformats.org/presentationml/2006/main">
+  <p:cSld>
+    <p:spTree>
+      <p:nvGrpSpPr>
+        <p:cNvPr id="1" name=""/>
+        <p:cNvGrpSpPr/>
+        <p:nvPr/>
+      </p:nvGrpSpPr>
+      <p:grpSpPr>
+        <a:xfrm>
+          <a:off x="0" y="0"/>
+          <a:ext cx="0" cy="0"/>
+          <a:chOff x="0" y="0"/>
+          <a:chExt cx="0" cy="0"/>
+        </a:xfrm>
+      </p:grpSpPr>
+      <p:sp>
+        <p:nvSpPr>
+          <p:cNvPr id="2" name="Content Placeholder 1"/>
+          <p:cNvSpPr>
+            <a:spLocks noGrp="1"/>
+          </p:cNvSpPr>
+          <p:nvPr>
+            <p:ph idx="1"/>
+          </p:nvPr>
+        </p:nvSpPr>
+        <p:spPr>
+          <a:xfrm>
+            <a:off x="304800" y="1600200"/>
+            <a:ext cx="8407893" cy="5105400"/>
+          </a:xfrm>
+        </p:spPr>
+        <p:txBody>
+          <a:bodyPr>
+            <a:normAutofit/>
+          </a:bodyPr>
+          <a:lstStyle/>
+          <a:p>
+            <a:r>
+              <a:rPr lang="en-US" dirty="0"/>
+              <a:t>If a function invocation is preceded with the new keyword, it is a constructor invocation.</a:t>
+            </a:r>
+          </a:p>
+          <a:p>
+            <a:r>
+              <a:rPr lang="en-US" dirty="0"/>
+              <a:t>It looks like you create a new function, but since JavaScript functions are objects you actually create a new object</a:t>
+            </a:r>
+            <a:r>
+              <a:rPr lang="en-US" dirty="0" smtClean="0"/>
+              <a:t>:</a:t>
+            </a:r>
+          </a:p>
+          <a:p>
+            <a:endParaRPr lang="en-US" dirty="0"/>
+          </a:p>
+          <a:p>
+            <a:endParaRPr lang="en-US" dirty="0" smtClean="0"/>
+          </a:p>
+          <a:p>
+            <a:endParaRPr lang="en-US" dirty="0"/>
+          </a:p>
+          <a:p>
+            <a:endParaRPr lang="en-US" dirty="0" smtClean="0"/>
+          </a:p>
+          <a:p>
+            <a:endParaRPr lang="en-US" dirty="0"/>
+          </a:p>
+          <a:p>
+            <a:endParaRPr lang="en-US" dirty="0" smtClean="0"/>
+          </a:p>
+          <a:p>
+            <a:endParaRPr lang="en-US" dirty="0"/>
+          </a:p>
+          <a:p>
+            <a:endParaRPr lang="en-US" dirty="0" smtClean="0"/>
+          </a:p>
+          <a:p>
+            <a:r>
+              <a:rPr lang="en-US" dirty="0"/>
+              <a:t>A constructor invocation creates a new object. The new object inherits the properties and methods from its constructor.</a:t>
+            </a:r>
+            <a:endParaRPr lang="en-US" dirty="0" smtClean="0"/>
+          </a:p>
+          <a:p>
+            <a:endParaRPr lang="en-US" dirty="0"/>
+          </a:p>
+          <a:p>
+            <a:endParaRPr lang="en-US" dirty="0" smtClean="0"/>
+          </a:p>
+          <a:p>
+            <a:endParaRPr lang="en-US" dirty="0"/>
+          </a:p>
+          <a:p>
+            <a:endParaRPr lang="en-US" dirty="0" smtClean="0"/>
+          </a:p>
+          <a:p>
+            <a:endParaRPr lang="en-US" dirty="0"/>
+          </a:p>
+          <a:p>
+            <a:endParaRPr lang="en-US" dirty="0" smtClean="0"/>
+          </a:p>
+          <a:p>
+            <a:endParaRPr lang="en-US" dirty="0"/>
+          </a:p>
+          <a:p>
+            <a:endParaRPr lang="en-US" dirty="0" smtClean="0"/>
+          </a:p>
+          <a:p>
+            <a:endParaRPr lang="en-US" dirty="0"/>
+          </a:p>
+          <a:p>
+            <a:pPr marL="45720" indent="0">
+              <a:buNone/>
+            </a:pPr>
+            <a:endParaRPr lang="en-US" dirty="0" smtClean="0"/>
+          </a:p>
+          <a:p>
+            <a:endParaRPr lang="en-US" dirty="0"/>
+          </a:p>
+          <a:p>
+            <a:endParaRPr lang="en-US" dirty="0" smtClean="0"/>
+          </a:p>
+          <a:p>
+            <a:endParaRPr lang="en-US" dirty="0"/>
+          </a:p>
+          <a:p>
+            <a:endParaRPr lang="en-US" dirty="0" smtClean="0"/>
+          </a:p>
+          <a:p>
+            <a:endParaRPr lang="en-US" dirty="0"/>
+          </a:p>
+          <a:p>
+            <a:endParaRPr lang="en-US" dirty="0" smtClean="0"/>
+          </a:p>
+          <a:p>
+            <a:endParaRPr lang="en-US" dirty="0"/>
+          </a:p>
+          <a:p>
+            <a:endParaRPr lang="en-US" dirty="0"/>
+          </a:p>
+          <a:p>
+            <a:endParaRPr lang="bg-BG" dirty="0"/>
+          </a:p>
+        </p:txBody>
+      </p:sp>
+      <p:sp>
+        <p:nvSpPr>
+          <p:cNvPr id="3" name="Title 2"/>
+          <p:cNvSpPr>
+            <a:spLocks noGrp="1"/>
+          </p:cNvSpPr>
+          <p:nvPr>
+            <p:ph type="title"/>
+          </p:nvPr>
+        </p:nvSpPr>
+        <p:spPr/>
+        <p:txBody>
+          <a:bodyPr/>
+          <a:lstStyle/>
+          <a:p>
+            <a:r>
+              <a:rPr lang="en-US" dirty="0"/>
+              <a:t>Invoking a Function with a Function </a:t>
+            </a:r>
+            <a:r>
+              <a:rPr lang="en-US" dirty="0" smtClean="0"/>
+              <a:t>Constructor</a:t>
+            </a:r>
+            <a:endParaRPr lang="bg-BG" dirty="0"/>
+          </a:p>
+        </p:txBody>
+      </p:sp>
+      <p:pic>
+        <p:nvPicPr>
+          <p:cNvPr id="15362" name="Picture 2"/>
+          <p:cNvPicPr>
+            <a:picLocks noChangeAspect="1" noChangeArrowheads="1"/>
+          </p:cNvPicPr>
+          <p:nvPr/>
+        </p:nvPicPr>
+        <p:blipFill>
+          <a:blip r:embed="rId2">
+            <a:extLst>
+              <a:ext uri="{28A0092B-C50C-407E-A947-70E740481C1C}">
+                <a14:useLocalDpi xmlns:a14="http://schemas.microsoft.com/office/drawing/2010/main" val="0"/>
+              </a:ext>
+            </a:extLst>
+          </a:blip>
+          <a:srcRect/>
+          <a:stretch>
+            <a:fillRect/>
+          </a:stretch>
+        </p:blipFill>
+        <p:spPr bwMode="auto">
+          <a:xfrm>
+            <a:off x="715992" y="3047999"/>
+            <a:ext cx="4150743" cy="2747069"/>
+          </a:xfrm>
+          <a:prstGeom prst="rect">
+            <a:avLst/>
+          </a:prstGeom>
+          <a:noFill/>
+          <a:ln>
+            <a:noFill/>
+          </a:ln>
+          <a:effectLst/>
+          <a:extLst>
+            <a:ext uri="{909E8E84-426E-40DD-AFC4-6F175D3DCCD1}">
+              <a14:hiddenFill xmlns:a14="http://schemas.microsoft.com/office/drawing/2010/main">
+                <a:solidFill>
+                  <a:schemeClr val="accent1"/>
+                </a:solidFill>
+              </a14:hiddenFill>
+            </a:ext>
+            <a:ext uri="{91240B29-F687-4F45-9708-019B960494DF}">
+              <a14:hiddenLine xmlns:a14="http://schemas.microsoft.com/office/drawing/2010/main" w="9525">
+                <a:solidFill>
+                  <a:schemeClr val="tx1"/>
+                </a:solidFill>
+                <a:miter lim="800000"/>
+                <a:headEnd/>
+                <a:tailEnd/>
+              </a14:hiddenLine>
+            </a:ext>
+            <a:ext uri="{AF507438-7753-43E0-B8FC-AC1667EBCBE1}">
+              <a14:hiddenEffects xmlns:a14="http://schemas.microsoft.com/office/drawing/2010/main">
+                <a:effectLst>
+                  <a:outerShdw dist="35921" dir="2700000" algn="ctr" rotWithShape="0">
+                    <a:schemeClr val="bg2"/>
+                  </a:outerShdw>
+                </a:effectLst>
+              </a14:hiddenEffects>
+            </a:ext>
+          </a:extLst>
+        </p:spPr>
+      </p:pic>
+    </p:spTree>
+    <p:extLst>
+      <p:ext uri="{BB962C8B-B14F-4D97-AF65-F5344CB8AC3E}">
+        <p14:creationId xmlns:p14="http://schemas.microsoft.com/office/powerpoint/2010/main" val="51603848"/>
+      </p:ext>
+    </p:extLst>
+  </p:cSld>
+  <p:clrMapOvr>
+    <a:masterClrMapping/>
+  </p:clrMapOvr>
+</p:sld>
+</file>
+
+<file path=ppt/slides/slide76.xml><?xml version="1.0" encoding="utf-8"?>
+<p:sld xmlns:a="http://schemas.openxmlformats.org/drawingml/2006/main" xmlns:r="http://schemas.openxmlformats.org/officeDocument/2006/relationships" xmlns:p="http://schemas.openxmlformats.org/presentationml/2006/main">
+  <p:cSld>
+    <p:spTree>
+      <p:nvGrpSpPr>
+        <p:cNvPr id="1" name=""/>
+        <p:cNvGrpSpPr/>
+        <p:nvPr/>
+      </p:nvGrpSpPr>
+      <p:grpSpPr>
+        <a:xfrm>
+          <a:off x="0" y="0"/>
+          <a:ext cx="0" cy="0"/>
+          <a:chOff x="0" y="0"/>
+          <a:chExt cx="0" cy="0"/>
+        </a:xfrm>
+      </p:grpSpPr>
+      <p:sp>
+        <p:nvSpPr>
+          <p:cNvPr id="2" name="Content Placeholder 1"/>
+          <p:cNvSpPr>
+            <a:spLocks noGrp="1"/>
+          </p:cNvSpPr>
+          <p:nvPr>
+            <p:ph idx="1"/>
+          </p:nvPr>
+        </p:nvSpPr>
+        <p:spPr/>
+        <p:txBody>
+          <a:bodyPr/>
+          <a:lstStyle/>
+          <a:p>
+            <a:r>
+              <a:rPr lang="en-US" dirty="0"/>
+              <a:t>With the </a:t>
+            </a:r>
+            <a:r>
+              <a:rPr lang="en-US" b="1" dirty="0">
+                <a:solidFill>
+                  <a:srgbClr val="FFC000"/>
+                </a:solidFill>
+              </a:rPr>
+              <a:t>call()</a:t>
+            </a:r>
+            <a:r>
+              <a:rPr lang="en-US" dirty="0"/>
+              <a:t> method, you can write a method that can be used on different objects</a:t>
+            </a:r>
+            <a:r>
+              <a:rPr lang="en-US" dirty="0" smtClean="0"/>
+              <a:t>.</a:t>
+            </a:r>
+          </a:p>
+          <a:p>
+            <a:r>
+              <a:rPr lang="en-US" b="1" dirty="0">
+                <a:solidFill>
+                  <a:srgbClr val="FFC000"/>
+                </a:solidFill>
+              </a:rPr>
+              <a:t>In JavaScript all functions are object methods.</a:t>
+            </a:r>
+          </a:p>
+          <a:p>
+            <a:r>
+              <a:rPr lang="en-US" dirty="0"/>
+              <a:t>If a function is not a method of a JavaScript object, it is a function of the global </a:t>
+            </a:r>
+            <a:r>
+              <a:rPr lang="en-US" dirty="0" smtClean="0"/>
+              <a:t>object.</a:t>
+            </a:r>
+            <a:endParaRPr lang="en-US" dirty="0"/>
+          </a:p>
+          <a:p>
+            <a:r>
+              <a:rPr lang="en-US" dirty="0"/>
+              <a:t>The example below creates an object with 3 properties, </a:t>
+            </a:r>
+            <a:r>
+              <a:rPr lang="en-US" dirty="0" err="1"/>
+              <a:t>firstName</a:t>
+            </a:r>
+            <a:r>
+              <a:rPr lang="en-US" dirty="0"/>
+              <a:t>, </a:t>
+            </a:r>
+            <a:r>
+              <a:rPr lang="en-US" dirty="0" err="1"/>
+              <a:t>lastName</a:t>
+            </a:r>
+            <a:r>
+              <a:rPr lang="en-US" dirty="0"/>
+              <a:t>, </a:t>
+            </a:r>
+            <a:r>
+              <a:rPr lang="en-US" dirty="0" err="1"/>
+              <a:t>fullName</a:t>
+            </a:r>
+            <a:r>
+              <a:rPr lang="en-US" dirty="0"/>
+              <a:t>.</a:t>
+            </a:r>
+          </a:p>
+          <a:p>
+            <a:endParaRPr lang="bg-BG" dirty="0"/>
+          </a:p>
+        </p:txBody>
+      </p:sp>
+      <p:sp>
+        <p:nvSpPr>
+          <p:cNvPr id="3" name="Title 2"/>
+          <p:cNvSpPr>
+            <a:spLocks noGrp="1"/>
+          </p:cNvSpPr>
+          <p:nvPr>
+            <p:ph type="title"/>
+          </p:nvPr>
+        </p:nvSpPr>
+        <p:spPr/>
+        <p:txBody>
+          <a:bodyPr/>
+          <a:lstStyle/>
+          <a:p>
+            <a:r>
+              <a:rPr lang="en-US" dirty="0"/>
+              <a:t>JavaScript Function </a:t>
+            </a:r>
+            <a:r>
+              <a:rPr lang="en-US" b="1" dirty="0">
+                <a:solidFill>
+                  <a:srgbClr val="FFC000"/>
+                </a:solidFill>
+              </a:rPr>
+              <a:t>call</a:t>
+            </a:r>
+            <a:r>
+              <a:rPr lang="en-US" b="1" dirty="0" smtClean="0">
+                <a:solidFill>
+                  <a:srgbClr val="FFC000"/>
+                </a:solidFill>
+              </a:rPr>
+              <a:t>()</a:t>
+            </a:r>
+            <a:endParaRPr lang="bg-BG" b="1" dirty="0">
+              <a:solidFill>
+                <a:srgbClr val="FFC000"/>
+              </a:solidFill>
+            </a:endParaRPr>
+          </a:p>
+        </p:txBody>
+      </p:sp>
+      <p:pic>
+        <p:nvPicPr>
+          <p:cNvPr id="16386" name="Picture 2"/>
+          <p:cNvPicPr>
+            <a:picLocks noChangeAspect="1" noChangeArrowheads="1"/>
+          </p:cNvPicPr>
+          <p:nvPr/>
+        </p:nvPicPr>
+        <p:blipFill>
+          <a:blip r:embed="rId2">
+            <a:extLst>
+              <a:ext uri="{28A0092B-C50C-407E-A947-70E740481C1C}">
+                <a14:useLocalDpi xmlns:a14="http://schemas.microsoft.com/office/drawing/2010/main" val="0"/>
+              </a:ext>
+            </a:extLst>
+          </a:blip>
+          <a:srcRect/>
+          <a:stretch>
+            <a:fillRect/>
+          </a:stretch>
+        </p:blipFill>
+        <p:spPr bwMode="auto">
+          <a:xfrm>
+            <a:off x="533400" y="4191000"/>
+            <a:ext cx="4572000" cy="2499246"/>
+          </a:xfrm>
+          <a:prstGeom prst="rect">
+            <a:avLst/>
+          </a:prstGeom>
+          <a:noFill/>
+          <a:ln>
+            <a:noFill/>
+          </a:ln>
+          <a:effectLst/>
+          <a:extLst>
+            <a:ext uri="{909E8E84-426E-40DD-AFC4-6F175D3DCCD1}">
+              <a14:hiddenFill xmlns:a14="http://schemas.microsoft.com/office/drawing/2010/main">
+                <a:solidFill>
+                  <a:schemeClr val="accent1"/>
+                </a:solidFill>
+              </a14:hiddenFill>
+            </a:ext>
+            <a:ext uri="{91240B29-F687-4F45-9708-019B960494DF}">
+              <a14:hiddenLine xmlns:a14="http://schemas.microsoft.com/office/drawing/2010/main" w="9525">
+                <a:solidFill>
+                  <a:schemeClr val="tx1"/>
+                </a:solidFill>
+                <a:miter lim="800000"/>
+                <a:headEnd/>
+                <a:tailEnd/>
+              </a14:hiddenLine>
+            </a:ext>
+            <a:ext uri="{AF507438-7753-43E0-B8FC-AC1667EBCBE1}">
+              <a14:hiddenEffects xmlns:a14="http://schemas.microsoft.com/office/drawing/2010/main">
+                <a:effectLst>
+                  <a:outerShdw dist="35921" dir="2700000" algn="ctr" rotWithShape="0">
+                    <a:schemeClr val="bg2"/>
+                  </a:outerShdw>
+                </a:effectLst>
+              </a14:hiddenEffects>
+            </a:ext>
+          </a:extLst>
+        </p:spPr>
+      </p:pic>
+    </p:spTree>
+    <p:extLst>
+      <p:ext uri="{BB962C8B-B14F-4D97-AF65-F5344CB8AC3E}">
+        <p14:creationId xmlns:p14="http://schemas.microsoft.com/office/powerpoint/2010/main" val="2229490119"/>
+      </p:ext>
+    </p:extLst>
+  </p:cSld>
+  <p:clrMapOvr>
+    <a:masterClrMapping/>
+  </p:clrMapOvr>
+</p:sld>
+</file>
+
+<file path=ppt/slides/slide77.xml><?xml version="1.0" encoding="utf-8"?>
+<p:sld xmlns:a="http://schemas.openxmlformats.org/drawingml/2006/main" xmlns:r="http://schemas.openxmlformats.org/officeDocument/2006/relationships" xmlns:p="http://schemas.openxmlformats.org/presentationml/2006/main">
+  <p:cSld>
+    <p:spTree>
+      <p:nvGrpSpPr>
+        <p:cNvPr id="1" name=""/>
+        <p:cNvGrpSpPr/>
+        <p:nvPr/>
+      </p:nvGrpSpPr>
+      <p:grpSpPr>
+        <a:xfrm>
+          <a:off x="0" y="0"/>
+          <a:ext cx="0" cy="0"/>
+          <a:chOff x="0" y="0"/>
+          <a:chExt cx="0" cy="0"/>
+        </a:xfrm>
+      </p:grpSpPr>
+      <p:sp>
+        <p:nvSpPr>
+          <p:cNvPr id="2" name="Content Placeholder 1"/>
+          <p:cNvSpPr>
+            <a:spLocks noGrp="1"/>
+          </p:cNvSpPr>
+          <p:nvPr>
+            <p:ph idx="1"/>
+          </p:nvPr>
+        </p:nvSpPr>
+        <p:spPr/>
+        <p:txBody>
+          <a:bodyPr/>
+          <a:lstStyle/>
+          <a:p>
+            <a:r>
+              <a:rPr lang="en-US" dirty="0"/>
+              <a:t>The call() method is a predefined JavaScript method.</a:t>
+            </a:r>
+          </a:p>
+          <a:p>
+            <a:r>
+              <a:rPr lang="en-US" dirty="0"/>
+              <a:t>It can be used to invoke (call) a method with an owner object as an argument (parameter).</a:t>
+            </a:r>
+          </a:p>
+          <a:p>
+            <a:r>
+              <a:rPr lang="en-US" dirty="0"/>
+              <a:t>With call(), an object can use a method belonging to another object.</a:t>
+            </a:r>
+          </a:p>
+          <a:p>
+            <a:endParaRPr lang="bg-BG" dirty="0"/>
+          </a:p>
+        </p:txBody>
+      </p:sp>
+      <p:sp>
+        <p:nvSpPr>
+          <p:cNvPr id="3" name="Title 2"/>
+          <p:cNvSpPr>
+            <a:spLocks noGrp="1"/>
+          </p:cNvSpPr>
+          <p:nvPr>
+            <p:ph type="title"/>
+          </p:nvPr>
+        </p:nvSpPr>
+        <p:spPr/>
+        <p:txBody>
+          <a:bodyPr/>
+          <a:lstStyle/>
+          <a:p>
+            <a:r>
+              <a:rPr lang="en-US" dirty="0" smtClean="0"/>
+              <a:t>Call() Example</a:t>
+            </a:r>
+            <a:endParaRPr lang="bg-BG" dirty="0"/>
+          </a:p>
+        </p:txBody>
+      </p:sp>
+      <p:pic>
+        <p:nvPicPr>
+          <p:cNvPr id="17410" name="Picture 2"/>
+          <p:cNvPicPr>
+            <a:picLocks noChangeAspect="1" noChangeArrowheads="1"/>
+          </p:cNvPicPr>
+          <p:nvPr/>
+        </p:nvPicPr>
+        <p:blipFill>
+          <a:blip r:embed="rId2">
+            <a:extLst>
+              <a:ext uri="{28A0092B-C50C-407E-A947-70E740481C1C}">
+                <a14:useLocalDpi xmlns:a14="http://schemas.microsoft.com/office/drawing/2010/main" val="0"/>
+              </a:ext>
+            </a:extLst>
+          </a:blip>
+          <a:srcRect/>
+          <a:stretch>
+            <a:fillRect/>
+          </a:stretch>
+        </p:blipFill>
+        <p:spPr bwMode="auto">
+          <a:xfrm>
+            <a:off x="1905000" y="3200400"/>
+            <a:ext cx="4191000" cy="3566972"/>
+          </a:xfrm>
+          <a:prstGeom prst="rect">
+            <a:avLst/>
+          </a:prstGeom>
+          <a:noFill/>
+          <a:ln>
+            <a:noFill/>
+          </a:ln>
+          <a:effectLst/>
+          <a:extLst>
+            <a:ext uri="{909E8E84-426E-40DD-AFC4-6F175D3DCCD1}">
+              <a14:hiddenFill xmlns:a14="http://schemas.microsoft.com/office/drawing/2010/main">
+                <a:solidFill>
+                  <a:schemeClr val="accent1"/>
+                </a:solidFill>
+              </a14:hiddenFill>
+            </a:ext>
+            <a:ext uri="{91240B29-F687-4F45-9708-019B960494DF}">
+              <a14:hiddenLine xmlns:a14="http://schemas.microsoft.com/office/drawing/2010/main" w="9525">
+                <a:solidFill>
+                  <a:schemeClr val="tx1"/>
+                </a:solidFill>
+                <a:miter lim="800000"/>
+                <a:headEnd/>
+                <a:tailEnd/>
+              </a14:hiddenLine>
+            </a:ext>
+            <a:ext uri="{AF507438-7753-43E0-B8FC-AC1667EBCBE1}">
+              <a14:hiddenEffects xmlns:a14="http://schemas.microsoft.com/office/drawing/2010/main">
+                <a:effectLst>
+                  <a:outerShdw dist="35921" dir="2700000" algn="ctr" rotWithShape="0">
+                    <a:schemeClr val="bg2"/>
+                  </a:outerShdw>
+                </a:effectLst>
+              </a14:hiddenEffects>
+            </a:ext>
+          </a:extLst>
+        </p:spPr>
+      </p:pic>
+    </p:spTree>
+    <p:extLst>
+      <p:ext uri="{BB962C8B-B14F-4D97-AF65-F5344CB8AC3E}">
+        <p14:creationId xmlns:p14="http://schemas.microsoft.com/office/powerpoint/2010/main" val="851848275"/>
+      </p:ext>
+    </p:extLst>
+  </p:cSld>
+  <p:clrMapOvr>
+    <a:masterClrMapping/>
+  </p:clrMapOvr>
+</p:sld>
+</file>
+
+<file path=ppt/slides/slide78.xml><?xml version="1.0" encoding="utf-8"?>
+<p:sld xmlns:a="http://schemas.openxmlformats.org/drawingml/2006/main" xmlns:r="http://schemas.openxmlformats.org/officeDocument/2006/relationships" xmlns:p="http://schemas.openxmlformats.org/presentationml/2006/main">
+  <p:cSld>
+    <p:spTree>
+      <p:nvGrpSpPr>
+        <p:cNvPr id="1" name=""/>
+        <p:cNvGrpSpPr/>
+        <p:nvPr/>
+      </p:nvGrpSpPr>
+      <p:grpSpPr>
+        <a:xfrm>
+          <a:off x="0" y="0"/>
+          <a:ext cx="0" cy="0"/>
+          <a:chOff x="0" y="0"/>
+          <a:chExt cx="0" cy="0"/>
+        </a:xfrm>
+      </p:grpSpPr>
+      <p:sp>
+        <p:nvSpPr>
+          <p:cNvPr id="2" name="Content Placeholder 1"/>
+          <p:cNvSpPr>
+            <a:spLocks noGrp="1"/>
+          </p:cNvSpPr>
+          <p:nvPr>
+            <p:ph idx="1"/>
+          </p:nvPr>
+        </p:nvSpPr>
+        <p:spPr/>
+        <p:txBody>
+          <a:bodyPr/>
+          <a:lstStyle/>
+          <a:p>
+            <a:r>
+              <a:rPr lang="en-US" dirty="0"/>
+              <a:t>The </a:t>
+            </a:r>
+            <a:r>
+              <a:rPr lang="en-US" dirty="0"/>
+              <a:t>call()</a:t>
+            </a:r>
+            <a:r>
+              <a:rPr lang="en-US" dirty="0"/>
+              <a:t> method can accept arguments:</a:t>
+            </a:r>
+            <a:endParaRPr lang="bg-BG" dirty="0"/>
+          </a:p>
+        </p:txBody>
+      </p:sp>
+      <p:sp>
+        <p:nvSpPr>
+          <p:cNvPr id="3" name="Title 2"/>
+          <p:cNvSpPr>
+            <a:spLocks noGrp="1"/>
+          </p:cNvSpPr>
+          <p:nvPr>
+            <p:ph type="title"/>
+          </p:nvPr>
+        </p:nvSpPr>
+        <p:spPr/>
+        <p:txBody>
+          <a:bodyPr/>
+          <a:lstStyle/>
+          <a:p>
+            <a:r>
+              <a:rPr lang="en-US" dirty="0" smtClean="0"/>
+              <a:t>Call() method with arguments</a:t>
+            </a:r>
+            <a:endParaRPr lang="bg-BG" dirty="0"/>
+          </a:p>
+        </p:txBody>
+      </p:sp>
+      <p:pic>
+        <p:nvPicPr>
+          <p:cNvPr id="18434" name="Picture 2"/>
+          <p:cNvPicPr>
+            <a:picLocks noChangeAspect="1" noChangeArrowheads="1"/>
+          </p:cNvPicPr>
+          <p:nvPr/>
+        </p:nvPicPr>
+        <p:blipFill>
+          <a:blip r:embed="rId2">
+            <a:extLst>
+              <a:ext uri="{28A0092B-C50C-407E-A947-70E740481C1C}">
+                <a14:useLocalDpi xmlns:a14="http://schemas.microsoft.com/office/drawing/2010/main" val="0"/>
+              </a:ext>
+            </a:extLst>
+          </a:blip>
+          <a:srcRect/>
+          <a:stretch>
+            <a:fillRect/>
+          </a:stretch>
+        </p:blipFill>
+        <p:spPr bwMode="auto">
+          <a:xfrm>
+            <a:off x="609600" y="2286000"/>
+            <a:ext cx="7810500" cy="3305175"/>
+          </a:xfrm>
+          <a:prstGeom prst="rect">
+            <a:avLst/>
+          </a:prstGeom>
+          <a:noFill/>
+          <a:ln>
+            <a:noFill/>
+          </a:ln>
+          <a:effectLst/>
+          <a:extLst>
+            <a:ext uri="{909E8E84-426E-40DD-AFC4-6F175D3DCCD1}">
+              <a14:hiddenFill xmlns:a14="http://schemas.microsoft.com/office/drawing/2010/main">
+                <a:solidFill>
+                  <a:schemeClr val="accent1"/>
+                </a:solidFill>
+              </a14:hiddenFill>
+            </a:ext>
+            <a:ext uri="{91240B29-F687-4F45-9708-019B960494DF}">
+              <a14:hiddenLine xmlns:a14="http://schemas.microsoft.com/office/drawing/2010/main" w="9525">
+                <a:solidFill>
+                  <a:schemeClr val="tx1"/>
+                </a:solidFill>
+                <a:miter lim="800000"/>
+                <a:headEnd/>
+                <a:tailEnd/>
+              </a14:hiddenLine>
+            </a:ext>
+            <a:ext uri="{AF507438-7753-43E0-B8FC-AC1667EBCBE1}">
+              <a14:hiddenEffects xmlns:a14="http://schemas.microsoft.com/office/drawing/2010/main">
+                <a:effectLst>
+                  <a:outerShdw dist="35921" dir="2700000" algn="ctr" rotWithShape="0">
+                    <a:schemeClr val="bg2"/>
+                  </a:outerShdw>
+                </a:effectLst>
+              </a14:hiddenEffects>
+            </a:ext>
+          </a:extLst>
+        </p:spPr>
+      </p:pic>
+      <p:pic>
+        <p:nvPicPr>
+          <p:cNvPr id="18435" name="Picture 3"/>
+          <p:cNvPicPr>
+            <a:picLocks noChangeAspect="1" noChangeArrowheads="1"/>
+          </p:cNvPicPr>
+          <p:nvPr/>
+        </p:nvPicPr>
+        <p:blipFill>
+          <a:blip r:embed="rId3">
+            <a:extLst>
+              <a:ext uri="{28A0092B-C50C-407E-A947-70E740481C1C}">
+                <a14:useLocalDpi xmlns:a14="http://schemas.microsoft.com/office/drawing/2010/main" val="0"/>
+              </a:ext>
+            </a:extLst>
+          </a:blip>
+          <a:srcRect/>
+          <a:stretch>
+            <a:fillRect/>
+          </a:stretch>
+        </p:blipFill>
+        <p:spPr bwMode="auto">
+          <a:xfrm>
+            <a:off x="609599" y="5791200"/>
+            <a:ext cx="2973659" cy="609600"/>
+          </a:xfrm>
+          <a:prstGeom prst="rect">
+            <a:avLst/>
+          </a:prstGeom>
+          <a:noFill/>
+          <a:ln>
+            <a:noFill/>
+          </a:ln>
+          <a:effectLst/>
+          <a:extLst>
+            <a:ext uri="{909E8E84-426E-40DD-AFC4-6F175D3DCCD1}">
+              <a14:hiddenFill xmlns:a14="http://schemas.microsoft.com/office/drawing/2010/main">
+                <a:solidFill>
+                  <a:schemeClr val="accent1"/>
+                </a:solidFill>
+              </a14:hiddenFill>
+            </a:ext>
+            <a:ext uri="{91240B29-F687-4F45-9708-019B960494DF}">
+              <a14:hiddenLine xmlns:a14="http://schemas.microsoft.com/office/drawing/2010/main" w="9525">
+                <a:solidFill>
+                  <a:schemeClr val="tx1"/>
+                </a:solidFill>
+                <a:miter lim="800000"/>
+                <a:headEnd/>
+                <a:tailEnd/>
+              </a14:hiddenLine>
+            </a:ext>
+            <a:ext uri="{AF507438-7753-43E0-B8FC-AC1667EBCBE1}">
+              <a14:hiddenEffects xmlns:a14="http://schemas.microsoft.com/office/drawing/2010/main">
+                <a:effectLst>
+                  <a:outerShdw dist="35921" dir="2700000" algn="ctr" rotWithShape="0">
+                    <a:schemeClr val="bg2"/>
+                  </a:outerShdw>
+                </a:effectLst>
+              </a14:hiddenEffects>
+            </a:ext>
+          </a:extLst>
+        </p:spPr>
+      </p:pic>
+    </p:spTree>
+    <p:extLst>
+      <p:ext uri="{BB962C8B-B14F-4D97-AF65-F5344CB8AC3E}">
+        <p14:creationId xmlns:p14="http://schemas.microsoft.com/office/powerpoint/2010/main" val="2550634128"/>
+      </p:ext>
+    </p:extLst>
+  </p:cSld>
+  <p:clrMapOvr>
+    <a:masterClrMapping/>
+  </p:clrMapOvr>
+</p:sld>
+</file>
+
+<file path=ppt/slides/slide79.xml><?xml version="1.0" encoding="utf-8"?>
+<p:sld xmlns:a="http://schemas.openxmlformats.org/drawingml/2006/main" xmlns:r="http://schemas.openxmlformats.org/officeDocument/2006/relationships" xmlns:p="http://schemas.openxmlformats.org/presentationml/2006/main">
+  <p:cSld>
+    <p:spTree>
+      <p:nvGrpSpPr>
+        <p:cNvPr id="1" name=""/>
+        <p:cNvGrpSpPr/>
+        <p:nvPr/>
+      </p:nvGrpSpPr>
+      <p:grpSpPr>
+        <a:xfrm>
+          <a:off x="0" y="0"/>
+          <a:ext cx="0" cy="0"/>
+          <a:chOff x="0" y="0"/>
+          <a:chExt cx="0" cy="0"/>
+        </a:xfrm>
+      </p:grpSpPr>
+      <p:sp>
+        <p:nvSpPr>
+          <p:cNvPr id="2" name="Content Placeholder 1"/>
+          <p:cNvSpPr>
+            <a:spLocks noGrp="1"/>
+          </p:cNvSpPr>
+          <p:nvPr>
+            <p:ph idx="1"/>
+          </p:nvPr>
+        </p:nvSpPr>
+        <p:spPr/>
+        <p:txBody>
+          <a:bodyPr/>
+          <a:lstStyle/>
+          <a:p>
+            <a:r>
+              <a:rPr lang="en-US" dirty="0"/>
+              <a:t>With the </a:t>
+            </a:r>
+            <a:r>
+              <a:rPr lang="en-US" b="1" dirty="0">
+                <a:solidFill>
+                  <a:srgbClr val="FFC000"/>
+                </a:solidFill>
+              </a:rPr>
+              <a:t>apply()</a:t>
+            </a:r>
+            <a:r>
+              <a:rPr lang="en-US" dirty="0"/>
+              <a:t> method, you can write a method that can be used on different objects</a:t>
+            </a:r>
+            <a:r>
+              <a:rPr lang="en-US" dirty="0" smtClean="0"/>
+              <a:t>.</a:t>
+            </a:r>
+          </a:p>
+          <a:p>
+            <a:r>
+              <a:rPr lang="en-US" dirty="0"/>
+              <a:t>The </a:t>
+            </a:r>
+            <a:r>
+              <a:rPr lang="en-US" b="1" dirty="0">
+                <a:solidFill>
+                  <a:srgbClr val="FFC000"/>
+                </a:solidFill>
+              </a:rPr>
+              <a:t>apply()</a:t>
+            </a:r>
+            <a:r>
+              <a:rPr lang="en-US" dirty="0"/>
+              <a:t> method is similar to the </a:t>
+            </a:r>
+            <a:r>
+              <a:rPr lang="en-US" b="1" dirty="0">
+                <a:solidFill>
+                  <a:srgbClr val="FFC000"/>
+                </a:solidFill>
+              </a:rPr>
+              <a:t>call()</a:t>
+            </a:r>
+            <a:r>
+              <a:rPr lang="en-US" dirty="0"/>
+              <a:t> method </a:t>
+            </a:r>
+            <a:endParaRPr lang="bg-BG" dirty="0"/>
+          </a:p>
+        </p:txBody>
+      </p:sp>
+      <p:sp>
+        <p:nvSpPr>
+          <p:cNvPr id="3" name="Title 2"/>
+          <p:cNvSpPr>
+            <a:spLocks noGrp="1"/>
+          </p:cNvSpPr>
+          <p:nvPr>
+            <p:ph type="title"/>
+          </p:nvPr>
+        </p:nvSpPr>
+        <p:spPr/>
+        <p:txBody>
+          <a:bodyPr/>
+          <a:lstStyle/>
+          <a:p>
+            <a:r>
+              <a:rPr lang="en-US" dirty="0"/>
+              <a:t>JavaScript Function </a:t>
+            </a:r>
+            <a:r>
+              <a:rPr lang="en-US" b="1" dirty="0">
+                <a:solidFill>
+                  <a:srgbClr val="FFC000"/>
+                </a:solidFill>
+              </a:rPr>
+              <a:t>apply</a:t>
+            </a:r>
+            <a:r>
+              <a:rPr lang="en-US" b="1" dirty="0" smtClean="0">
+                <a:solidFill>
+                  <a:srgbClr val="FFC000"/>
+                </a:solidFill>
+              </a:rPr>
+              <a:t>()</a:t>
+            </a:r>
+            <a:endParaRPr lang="bg-BG" b="1" dirty="0">
+              <a:solidFill>
+                <a:srgbClr val="FFC000"/>
+              </a:solidFill>
+            </a:endParaRPr>
+          </a:p>
+        </p:txBody>
+      </p:sp>
+      <p:pic>
+        <p:nvPicPr>
+          <p:cNvPr id="19458" name="Picture 2"/>
+          <p:cNvPicPr>
+            <a:picLocks noChangeAspect="1" noChangeArrowheads="1"/>
+          </p:cNvPicPr>
+          <p:nvPr/>
+        </p:nvPicPr>
+        <p:blipFill>
+          <a:blip r:embed="rId2">
+            <a:extLst>
+              <a:ext uri="{28A0092B-C50C-407E-A947-70E740481C1C}">
+                <a14:useLocalDpi xmlns:a14="http://schemas.microsoft.com/office/drawing/2010/main" val="0"/>
+              </a:ext>
+            </a:extLst>
+          </a:blip>
+          <a:srcRect/>
+          <a:stretch>
+            <a:fillRect/>
+          </a:stretch>
+        </p:blipFill>
+        <p:spPr bwMode="auto">
+          <a:xfrm>
+            <a:off x="533400" y="2895600"/>
+            <a:ext cx="4991100" cy="3581400"/>
+          </a:xfrm>
+          <a:prstGeom prst="rect">
+            <a:avLst/>
+          </a:prstGeom>
+          <a:noFill/>
+          <a:ln>
+            <a:noFill/>
+          </a:ln>
+          <a:effectLst/>
+          <a:extLst>
+            <a:ext uri="{909E8E84-426E-40DD-AFC4-6F175D3DCCD1}">
+              <a14:hiddenFill xmlns:a14="http://schemas.microsoft.com/office/drawing/2010/main">
+                <a:solidFill>
+                  <a:schemeClr val="accent1"/>
+                </a:solidFill>
+              </a14:hiddenFill>
+            </a:ext>
+            <a:ext uri="{91240B29-F687-4F45-9708-019B960494DF}">
+              <a14:hiddenLine xmlns:a14="http://schemas.microsoft.com/office/drawing/2010/main" w="9525">
+                <a:solidFill>
+                  <a:schemeClr val="tx1"/>
+                </a:solidFill>
+                <a:miter lim="800000"/>
+                <a:headEnd/>
+                <a:tailEnd/>
+              </a14:hiddenLine>
+            </a:ext>
+            <a:ext uri="{AF507438-7753-43E0-B8FC-AC1667EBCBE1}">
+              <a14:hiddenEffects xmlns:a14="http://schemas.microsoft.com/office/drawing/2010/main">
+                <a:effectLst>
+                  <a:outerShdw dist="35921" dir="2700000" algn="ctr" rotWithShape="0">
+                    <a:schemeClr val="bg2"/>
+                  </a:outerShdw>
+                </a:effectLst>
+              </a14:hiddenEffects>
+            </a:ext>
+          </a:extLst>
+        </p:spPr>
+      </p:pic>
+    </p:spTree>
+    <p:extLst>
+      <p:ext uri="{BB962C8B-B14F-4D97-AF65-F5344CB8AC3E}">
+        <p14:creationId xmlns:p14="http://schemas.microsoft.com/office/powerpoint/2010/main" val="746485324"/>
       </p:ext>
     </p:extLst>
   </p:cSld>
@@ -19660,6 +24721,1954 @@
     <p:extLst>
       <p:ext uri="{BB962C8B-B14F-4D97-AF65-F5344CB8AC3E}">
         <p14:creationId xmlns:p14="http://schemas.microsoft.com/office/powerpoint/2010/main" val="572049719"/>
+      </p:ext>
+    </p:extLst>
+  </p:cSld>
+  <p:clrMapOvr>
+    <a:masterClrMapping/>
+  </p:clrMapOvr>
+</p:sld>
+</file>
+
+<file path=ppt/slides/slide80.xml><?xml version="1.0" encoding="utf-8"?>
+<p:sld xmlns:a="http://schemas.openxmlformats.org/drawingml/2006/main" xmlns:r="http://schemas.openxmlformats.org/officeDocument/2006/relationships" xmlns:p="http://schemas.openxmlformats.org/presentationml/2006/main">
+  <p:cSld>
+    <p:spTree>
+      <p:nvGrpSpPr>
+        <p:cNvPr id="1" name=""/>
+        <p:cNvGrpSpPr/>
+        <p:nvPr/>
+      </p:nvGrpSpPr>
+      <p:grpSpPr>
+        <a:xfrm>
+          <a:off x="0" y="0"/>
+          <a:ext cx="0" cy="0"/>
+          <a:chOff x="0" y="0"/>
+          <a:chExt cx="0" cy="0"/>
+        </a:xfrm>
+      </p:grpSpPr>
+      <p:sp>
+        <p:nvSpPr>
+          <p:cNvPr id="2" name="Content Placeholder 1"/>
+          <p:cNvSpPr>
+            <a:spLocks noGrp="1"/>
+          </p:cNvSpPr>
+          <p:nvPr>
+            <p:ph idx="1"/>
+          </p:nvPr>
+        </p:nvSpPr>
+        <p:spPr/>
+        <p:txBody>
+          <a:bodyPr/>
+          <a:lstStyle/>
+          <a:p>
+            <a:r>
+              <a:rPr lang="en-US" dirty="0"/>
+              <a:t>The difference is:</a:t>
+            </a:r>
+          </a:p>
+          <a:p>
+            <a:r>
+              <a:rPr lang="en-US" dirty="0"/>
+              <a:t>The </a:t>
+            </a:r>
+            <a:r>
+              <a:rPr lang="en-US" b="1" dirty="0">
+                <a:solidFill>
+                  <a:srgbClr val="FFC000"/>
+                </a:solidFill>
+              </a:rPr>
+              <a:t>call()</a:t>
+            </a:r>
+            <a:r>
+              <a:rPr lang="en-US" dirty="0"/>
+              <a:t> method takes </a:t>
+            </a:r>
+            <a:r>
+              <a:rPr lang="en-US" b="1" dirty="0">
+                <a:solidFill>
+                  <a:srgbClr val="FFC000"/>
+                </a:solidFill>
+              </a:rPr>
+              <a:t>arguments separately.</a:t>
+            </a:r>
+          </a:p>
+          <a:p>
+            <a:r>
+              <a:rPr lang="en-US" dirty="0"/>
+              <a:t>The </a:t>
+            </a:r>
+            <a:r>
+              <a:rPr lang="en-US" b="1" dirty="0">
+                <a:solidFill>
+                  <a:srgbClr val="FFC000"/>
+                </a:solidFill>
+              </a:rPr>
+              <a:t>apply()</a:t>
+            </a:r>
+            <a:r>
+              <a:rPr lang="en-US" dirty="0"/>
+              <a:t> method takes </a:t>
+            </a:r>
+            <a:r>
+              <a:rPr lang="en-US" b="1" dirty="0">
+                <a:solidFill>
+                  <a:srgbClr val="FFC000"/>
+                </a:solidFill>
+              </a:rPr>
+              <a:t>arguments as an array</a:t>
+            </a:r>
+            <a:r>
+              <a:rPr lang="en-US" dirty="0"/>
+              <a:t>.</a:t>
+            </a:r>
+          </a:p>
+          <a:p>
+            <a:endParaRPr lang="bg-BG" dirty="0"/>
+          </a:p>
+        </p:txBody>
+      </p:sp>
+      <p:sp>
+        <p:nvSpPr>
+          <p:cNvPr id="3" name="Title 2"/>
+          <p:cNvSpPr>
+            <a:spLocks noGrp="1"/>
+          </p:cNvSpPr>
+          <p:nvPr>
+            <p:ph type="title"/>
+          </p:nvPr>
+        </p:nvSpPr>
+        <p:spPr/>
+        <p:txBody>
+          <a:bodyPr/>
+          <a:lstStyle/>
+          <a:p>
+            <a:r>
+              <a:rPr lang="en-US" dirty="0"/>
+              <a:t>The Difference Between </a:t>
+            </a:r>
+            <a:r>
+              <a:rPr lang="en-US" b="1" dirty="0">
+                <a:solidFill>
+                  <a:srgbClr val="FFC000"/>
+                </a:solidFill>
+              </a:rPr>
+              <a:t>call() </a:t>
+            </a:r>
+            <a:r>
+              <a:rPr lang="en-US" dirty="0"/>
+              <a:t>and </a:t>
+            </a:r>
+            <a:r>
+              <a:rPr lang="en-US" b="1" dirty="0">
+                <a:solidFill>
+                  <a:srgbClr val="FFC000"/>
+                </a:solidFill>
+              </a:rPr>
+              <a:t>apply</a:t>
+            </a:r>
+            <a:r>
+              <a:rPr lang="en-US" b="1" dirty="0" smtClean="0">
+                <a:solidFill>
+                  <a:srgbClr val="FFC000"/>
+                </a:solidFill>
+              </a:rPr>
+              <a:t>()</a:t>
+            </a:r>
+            <a:endParaRPr lang="bg-BG" b="1" dirty="0">
+              <a:solidFill>
+                <a:srgbClr val="FFC000"/>
+              </a:solidFill>
+            </a:endParaRPr>
+          </a:p>
+        </p:txBody>
+      </p:sp>
+      <p:pic>
+        <p:nvPicPr>
+          <p:cNvPr id="20482" name="Picture 2"/>
+          <p:cNvPicPr>
+            <a:picLocks noChangeAspect="1" noChangeArrowheads="1"/>
+          </p:cNvPicPr>
+          <p:nvPr/>
+        </p:nvPicPr>
+        <p:blipFill>
+          <a:blip r:embed="rId2">
+            <a:extLst>
+              <a:ext uri="{28A0092B-C50C-407E-A947-70E740481C1C}">
+                <a14:useLocalDpi xmlns:a14="http://schemas.microsoft.com/office/drawing/2010/main" val="0"/>
+              </a:ext>
+            </a:extLst>
+          </a:blip>
+          <a:srcRect/>
+          <a:stretch>
+            <a:fillRect/>
+          </a:stretch>
+        </p:blipFill>
+        <p:spPr bwMode="auto">
+          <a:xfrm>
+            <a:off x="533400" y="2971800"/>
+            <a:ext cx="7743825" cy="3276600"/>
+          </a:xfrm>
+          <a:prstGeom prst="rect">
+            <a:avLst/>
+          </a:prstGeom>
+          <a:noFill/>
+          <a:ln>
+            <a:noFill/>
+          </a:ln>
+          <a:effectLst/>
+          <a:extLst>
+            <a:ext uri="{909E8E84-426E-40DD-AFC4-6F175D3DCCD1}">
+              <a14:hiddenFill xmlns:a14="http://schemas.microsoft.com/office/drawing/2010/main">
+                <a:solidFill>
+                  <a:schemeClr val="accent1"/>
+                </a:solidFill>
+              </a14:hiddenFill>
+            </a:ext>
+            <a:ext uri="{91240B29-F687-4F45-9708-019B960494DF}">
+              <a14:hiddenLine xmlns:a14="http://schemas.microsoft.com/office/drawing/2010/main" w="9525">
+                <a:solidFill>
+                  <a:schemeClr val="tx1"/>
+                </a:solidFill>
+                <a:miter lim="800000"/>
+                <a:headEnd/>
+                <a:tailEnd/>
+              </a14:hiddenLine>
+            </a:ext>
+            <a:ext uri="{AF507438-7753-43E0-B8FC-AC1667EBCBE1}">
+              <a14:hiddenEffects xmlns:a14="http://schemas.microsoft.com/office/drawing/2010/main">
+                <a:effectLst>
+                  <a:outerShdw dist="35921" dir="2700000" algn="ctr" rotWithShape="0">
+                    <a:schemeClr val="bg2"/>
+                  </a:outerShdw>
+                </a:effectLst>
+              </a14:hiddenEffects>
+            </a:ext>
+          </a:extLst>
+        </p:spPr>
+      </p:pic>
+    </p:spTree>
+    <p:extLst>
+      <p:ext uri="{BB962C8B-B14F-4D97-AF65-F5344CB8AC3E}">
+        <p14:creationId xmlns:p14="http://schemas.microsoft.com/office/powerpoint/2010/main" val="2097088455"/>
+      </p:ext>
+    </p:extLst>
+  </p:cSld>
+  <p:clrMapOvr>
+    <a:masterClrMapping/>
+  </p:clrMapOvr>
+</p:sld>
+</file>
+
+<file path=ppt/slides/slide81.xml><?xml version="1.0" encoding="utf-8"?>
+<p:sld xmlns:a="http://schemas.openxmlformats.org/drawingml/2006/main" xmlns:r="http://schemas.openxmlformats.org/officeDocument/2006/relationships" xmlns:p="http://schemas.openxmlformats.org/presentationml/2006/main">
+  <p:cSld>
+    <p:spTree>
+      <p:nvGrpSpPr>
+        <p:cNvPr id="1" name=""/>
+        <p:cNvGrpSpPr/>
+        <p:nvPr/>
+      </p:nvGrpSpPr>
+      <p:grpSpPr>
+        <a:xfrm>
+          <a:off x="0" y="0"/>
+          <a:ext cx="0" cy="0"/>
+          <a:chOff x="0" y="0"/>
+          <a:chExt cx="0" cy="0"/>
+        </a:xfrm>
+      </p:grpSpPr>
+      <p:sp>
+        <p:nvSpPr>
+          <p:cNvPr id="2" name="Content Placeholder 1"/>
+          <p:cNvSpPr>
+            <a:spLocks noGrp="1"/>
+          </p:cNvSpPr>
+          <p:nvPr>
+            <p:ph idx="1"/>
+          </p:nvPr>
+        </p:nvSpPr>
+        <p:spPr/>
+        <p:txBody>
+          <a:bodyPr/>
+          <a:lstStyle/>
+          <a:p>
+            <a:r>
+              <a:rPr lang="en-US" dirty="0"/>
+              <a:t>You can find the largest number (in a list of numbers) using the </a:t>
+            </a:r>
+            <a:r>
+              <a:rPr lang="en-US" dirty="0" err="1"/>
+              <a:t>Math.max</a:t>
+            </a:r>
+            <a:r>
+              <a:rPr lang="en-US" dirty="0"/>
+              <a:t>()</a:t>
+            </a:r>
+            <a:r>
+              <a:rPr lang="en-US" dirty="0"/>
+              <a:t> method</a:t>
+            </a:r>
+            <a:r>
+              <a:rPr lang="en-US" dirty="0" smtClean="0"/>
+              <a:t>:</a:t>
+            </a:r>
+          </a:p>
+          <a:p>
+            <a:endParaRPr lang="en-US" dirty="0"/>
+          </a:p>
+          <a:p>
+            <a:endParaRPr lang="en-US" dirty="0" smtClean="0"/>
+          </a:p>
+          <a:p>
+            <a:r>
+              <a:rPr lang="en-US" dirty="0"/>
+              <a:t>Since JavaScript </a:t>
+            </a:r>
+            <a:r>
+              <a:rPr lang="en-US" b="1" dirty="0"/>
+              <a:t>arrays</a:t>
+            </a:r>
+            <a:r>
+              <a:rPr lang="en-US" dirty="0"/>
+              <a:t> do not have a max() method, you can apply the </a:t>
+            </a:r>
+            <a:r>
+              <a:rPr lang="en-US" dirty="0" err="1"/>
+              <a:t>Math.max</a:t>
+            </a:r>
+            <a:r>
+              <a:rPr lang="en-US" dirty="0"/>
+              <a:t>()</a:t>
+            </a:r>
+            <a:r>
+              <a:rPr lang="en-US" dirty="0"/>
+              <a:t> method instead</a:t>
+            </a:r>
+            <a:r>
+              <a:rPr lang="en-US" dirty="0" smtClean="0"/>
+              <a:t>.</a:t>
+            </a:r>
+          </a:p>
+          <a:p>
+            <a:endParaRPr lang="en-US" dirty="0"/>
+          </a:p>
+          <a:p>
+            <a:endParaRPr lang="en-US" dirty="0" smtClean="0"/>
+          </a:p>
+          <a:p>
+            <a:r>
+              <a:rPr lang="en-US" dirty="0" smtClean="0"/>
+              <a:t>The </a:t>
+            </a:r>
+            <a:r>
+              <a:rPr lang="en-US" dirty="0"/>
+              <a:t>first argument (null) does not matter. It is not used in this example.</a:t>
+            </a:r>
+          </a:p>
+          <a:p>
+            <a:r>
+              <a:rPr lang="en-US" dirty="0"/>
+              <a:t>These examples will give the same result:</a:t>
+            </a:r>
+          </a:p>
+          <a:p>
+            <a:endParaRPr lang="bg-BG" dirty="0"/>
+          </a:p>
+        </p:txBody>
+      </p:sp>
+      <p:sp>
+        <p:nvSpPr>
+          <p:cNvPr id="3" name="Title 2"/>
+          <p:cNvSpPr>
+            <a:spLocks noGrp="1"/>
+          </p:cNvSpPr>
+          <p:nvPr>
+            <p:ph type="title"/>
+          </p:nvPr>
+        </p:nvSpPr>
+        <p:spPr/>
+        <p:txBody>
+          <a:bodyPr/>
+          <a:lstStyle/>
+          <a:p>
+            <a:r>
+              <a:rPr lang="en-US" dirty="0"/>
+              <a:t>Simulate a Max Method on </a:t>
+            </a:r>
+            <a:r>
+              <a:rPr lang="en-US" dirty="0" smtClean="0"/>
+              <a:t>Arrays</a:t>
+            </a:r>
+            <a:endParaRPr lang="bg-BG" dirty="0"/>
+          </a:p>
+        </p:txBody>
+      </p:sp>
+      <p:pic>
+        <p:nvPicPr>
+          <p:cNvPr id="21506" name="Picture 2"/>
+          <p:cNvPicPr>
+            <a:picLocks noChangeAspect="1" noChangeArrowheads="1"/>
+          </p:cNvPicPr>
+          <p:nvPr/>
+        </p:nvPicPr>
+        <p:blipFill>
+          <a:blip r:embed="rId2">
+            <a:extLst>
+              <a:ext uri="{28A0092B-C50C-407E-A947-70E740481C1C}">
+                <a14:useLocalDpi xmlns:a14="http://schemas.microsoft.com/office/drawing/2010/main" val="0"/>
+              </a:ext>
+            </a:extLst>
+          </a:blip>
+          <a:srcRect/>
+          <a:stretch>
+            <a:fillRect/>
+          </a:stretch>
+        </p:blipFill>
+        <p:spPr bwMode="auto">
+          <a:xfrm>
+            <a:off x="457200" y="2562045"/>
+            <a:ext cx="4389120" cy="457200"/>
+          </a:xfrm>
+          <a:prstGeom prst="rect">
+            <a:avLst/>
+          </a:prstGeom>
+          <a:noFill/>
+          <a:ln>
+            <a:noFill/>
+          </a:ln>
+          <a:effectLst/>
+          <a:extLst>
+            <a:ext uri="{909E8E84-426E-40DD-AFC4-6F175D3DCCD1}">
+              <a14:hiddenFill xmlns:a14="http://schemas.microsoft.com/office/drawing/2010/main">
+                <a:solidFill>
+                  <a:schemeClr val="accent1"/>
+                </a:solidFill>
+              </a14:hiddenFill>
+            </a:ext>
+            <a:ext uri="{91240B29-F687-4F45-9708-019B960494DF}">
+              <a14:hiddenLine xmlns:a14="http://schemas.microsoft.com/office/drawing/2010/main" w="9525">
+                <a:solidFill>
+                  <a:schemeClr val="tx1"/>
+                </a:solidFill>
+                <a:miter lim="800000"/>
+                <a:headEnd/>
+                <a:tailEnd/>
+              </a14:hiddenLine>
+            </a:ext>
+            <a:ext uri="{AF507438-7753-43E0-B8FC-AC1667EBCBE1}">
+              <a14:hiddenEffects xmlns:a14="http://schemas.microsoft.com/office/drawing/2010/main">
+                <a:effectLst>
+                  <a:outerShdw dist="35921" dir="2700000" algn="ctr" rotWithShape="0">
+                    <a:schemeClr val="bg2"/>
+                  </a:outerShdw>
+                </a:effectLst>
+              </a14:hiddenEffects>
+            </a:ext>
+          </a:extLst>
+        </p:spPr>
+      </p:pic>
+      <p:pic>
+        <p:nvPicPr>
+          <p:cNvPr id="21507" name="Picture 3"/>
+          <p:cNvPicPr>
+            <a:picLocks noChangeAspect="1" noChangeArrowheads="1"/>
+          </p:cNvPicPr>
+          <p:nvPr/>
+        </p:nvPicPr>
+        <p:blipFill>
+          <a:blip r:embed="rId3">
+            <a:extLst>
+              <a:ext uri="{28A0092B-C50C-407E-A947-70E740481C1C}">
+                <a14:useLocalDpi xmlns:a14="http://schemas.microsoft.com/office/drawing/2010/main" val="0"/>
+              </a:ext>
+            </a:extLst>
+          </a:blip>
+          <a:srcRect/>
+          <a:stretch>
+            <a:fillRect/>
+          </a:stretch>
+        </p:blipFill>
+        <p:spPr bwMode="auto">
+          <a:xfrm>
+            <a:off x="457200" y="3886200"/>
+            <a:ext cx="7765211" cy="579287"/>
+          </a:xfrm>
+          <a:prstGeom prst="rect">
+            <a:avLst/>
+          </a:prstGeom>
+          <a:noFill/>
+          <a:ln>
+            <a:noFill/>
+          </a:ln>
+          <a:effectLst/>
+          <a:extLst>
+            <a:ext uri="{909E8E84-426E-40DD-AFC4-6F175D3DCCD1}">
+              <a14:hiddenFill xmlns:a14="http://schemas.microsoft.com/office/drawing/2010/main">
+                <a:solidFill>
+                  <a:schemeClr val="accent1"/>
+                </a:solidFill>
+              </a14:hiddenFill>
+            </a:ext>
+            <a:ext uri="{91240B29-F687-4F45-9708-019B960494DF}">
+              <a14:hiddenLine xmlns:a14="http://schemas.microsoft.com/office/drawing/2010/main" w="9525">
+                <a:solidFill>
+                  <a:schemeClr val="tx1"/>
+                </a:solidFill>
+                <a:miter lim="800000"/>
+                <a:headEnd/>
+                <a:tailEnd/>
+              </a14:hiddenLine>
+            </a:ext>
+            <a:ext uri="{AF507438-7753-43E0-B8FC-AC1667EBCBE1}">
+              <a14:hiddenEffects xmlns:a14="http://schemas.microsoft.com/office/drawing/2010/main">
+                <a:effectLst>
+                  <a:outerShdw dist="35921" dir="2700000" algn="ctr" rotWithShape="0">
+                    <a:schemeClr val="bg2"/>
+                  </a:outerShdw>
+                </a:effectLst>
+              </a14:hiddenEffects>
+            </a:ext>
+          </a:extLst>
+        </p:spPr>
+      </p:pic>
+      <p:pic>
+        <p:nvPicPr>
+          <p:cNvPr id="21508" name="Picture 4"/>
+          <p:cNvPicPr>
+            <a:picLocks noChangeAspect="1" noChangeArrowheads="1"/>
+          </p:cNvPicPr>
+          <p:nvPr/>
+        </p:nvPicPr>
+        <p:blipFill>
+          <a:blip r:embed="rId4">
+            <a:extLst>
+              <a:ext uri="{28A0092B-C50C-407E-A947-70E740481C1C}">
+                <a14:useLocalDpi xmlns:a14="http://schemas.microsoft.com/office/drawing/2010/main" val="0"/>
+              </a:ext>
+            </a:extLst>
+          </a:blip>
+          <a:srcRect/>
+          <a:stretch>
+            <a:fillRect/>
+          </a:stretch>
+        </p:blipFill>
+        <p:spPr bwMode="auto">
+          <a:xfrm>
+            <a:off x="466545" y="5638800"/>
+            <a:ext cx="5257800" cy="466725"/>
+          </a:xfrm>
+          <a:prstGeom prst="rect">
+            <a:avLst/>
+          </a:prstGeom>
+          <a:noFill/>
+          <a:ln>
+            <a:noFill/>
+          </a:ln>
+          <a:effectLst/>
+          <a:extLst>
+            <a:ext uri="{909E8E84-426E-40DD-AFC4-6F175D3DCCD1}">
+              <a14:hiddenFill xmlns:a14="http://schemas.microsoft.com/office/drawing/2010/main">
+                <a:solidFill>
+                  <a:schemeClr val="accent1"/>
+                </a:solidFill>
+              </a14:hiddenFill>
+            </a:ext>
+            <a:ext uri="{91240B29-F687-4F45-9708-019B960494DF}">
+              <a14:hiddenLine xmlns:a14="http://schemas.microsoft.com/office/drawing/2010/main" w="9525">
+                <a:solidFill>
+                  <a:schemeClr val="tx1"/>
+                </a:solidFill>
+                <a:miter lim="800000"/>
+                <a:headEnd/>
+                <a:tailEnd/>
+              </a14:hiddenLine>
+            </a:ext>
+            <a:ext uri="{AF507438-7753-43E0-B8FC-AC1667EBCBE1}">
+              <a14:hiddenEffects xmlns:a14="http://schemas.microsoft.com/office/drawing/2010/main">
+                <a:effectLst>
+                  <a:outerShdw dist="35921" dir="2700000" algn="ctr" rotWithShape="0">
+                    <a:schemeClr val="bg2"/>
+                  </a:outerShdw>
+                </a:effectLst>
+              </a14:hiddenEffects>
+            </a:ext>
+          </a:extLst>
+        </p:spPr>
+      </p:pic>
+      <p:pic>
+        <p:nvPicPr>
+          <p:cNvPr id="21509" name="Picture 5"/>
+          <p:cNvPicPr>
+            <a:picLocks noChangeAspect="1" noChangeArrowheads="1"/>
+          </p:cNvPicPr>
+          <p:nvPr/>
+        </p:nvPicPr>
+        <p:blipFill>
+          <a:blip r:embed="rId5">
+            <a:extLst>
+              <a:ext uri="{28A0092B-C50C-407E-A947-70E740481C1C}">
+                <a14:useLocalDpi xmlns:a14="http://schemas.microsoft.com/office/drawing/2010/main" val="0"/>
+              </a:ext>
+            </a:extLst>
+          </a:blip>
+          <a:srcRect/>
+          <a:stretch>
+            <a:fillRect/>
+          </a:stretch>
+        </p:blipFill>
+        <p:spPr bwMode="auto">
+          <a:xfrm>
+            <a:off x="5758851" y="5680408"/>
+            <a:ext cx="3114232" cy="425117"/>
+          </a:xfrm>
+          <a:prstGeom prst="rect">
+            <a:avLst/>
+          </a:prstGeom>
+          <a:noFill/>
+          <a:ln>
+            <a:noFill/>
+          </a:ln>
+          <a:effectLst/>
+          <a:extLst>
+            <a:ext uri="{909E8E84-426E-40DD-AFC4-6F175D3DCCD1}">
+              <a14:hiddenFill xmlns:a14="http://schemas.microsoft.com/office/drawing/2010/main">
+                <a:solidFill>
+                  <a:schemeClr val="accent1"/>
+                </a:solidFill>
+              </a14:hiddenFill>
+            </a:ext>
+            <a:ext uri="{91240B29-F687-4F45-9708-019B960494DF}">
+              <a14:hiddenLine xmlns:a14="http://schemas.microsoft.com/office/drawing/2010/main" w="9525">
+                <a:solidFill>
+                  <a:schemeClr val="tx1"/>
+                </a:solidFill>
+                <a:miter lim="800000"/>
+                <a:headEnd/>
+                <a:tailEnd/>
+              </a14:hiddenLine>
+            </a:ext>
+            <a:ext uri="{AF507438-7753-43E0-B8FC-AC1667EBCBE1}">
+              <a14:hiddenEffects xmlns:a14="http://schemas.microsoft.com/office/drawing/2010/main">
+                <a:effectLst>
+                  <a:outerShdw dist="35921" dir="2700000" algn="ctr" rotWithShape="0">
+                    <a:schemeClr val="bg2"/>
+                  </a:outerShdw>
+                </a:effectLst>
+              </a14:hiddenEffects>
+            </a:ext>
+          </a:extLst>
+        </p:spPr>
+      </p:pic>
+      <p:pic>
+        <p:nvPicPr>
+          <p:cNvPr id="21510" name="Picture 6"/>
+          <p:cNvPicPr>
+            <a:picLocks noChangeAspect="1" noChangeArrowheads="1"/>
+          </p:cNvPicPr>
+          <p:nvPr/>
+        </p:nvPicPr>
+        <p:blipFill>
+          <a:blip r:embed="rId6">
+            <a:extLst>
+              <a:ext uri="{28A0092B-C50C-407E-A947-70E740481C1C}">
+                <a14:useLocalDpi xmlns:a14="http://schemas.microsoft.com/office/drawing/2010/main" val="0"/>
+              </a:ext>
+            </a:extLst>
+          </a:blip>
+          <a:srcRect/>
+          <a:stretch>
+            <a:fillRect/>
+          </a:stretch>
+        </p:blipFill>
+        <p:spPr bwMode="auto">
+          <a:xfrm>
+            <a:off x="457200" y="6105525"/>
+            <a:ext cx="5114925" cy="419100"/>
+          </a:xfrm>
+          <a:prstGeom prst="rect">
+            <a:avLst/>
+          </a:prstGeom>
+          <a:noFill/>
+          <a:ln>
+            <a:noFill/>
+          </a:ln>
+          <a:effectLst/>
+          <a:extLst>
+            <a:ext uri="{909E8E84-426E-40DD-AFC4-6F175D3DCCD1}">
+              <a14:hiddenFill xmlns:a14="http://schemas.microsoft.com/office/drawing/2010/main">
+                <a:solidFill>
+                  <a:schemeClr val="accent1"/>
+                </a:solidFill>
+              </a14:hiddenFill>
+            </a:ext>
+            <a:ext uri="{91240B29-F687-4F45-9708-019B960494DF}">
+              <a14:hiddenLine xmlns:a14="http://schemas.microsoft.com/office/drawing/2010/main" w="9525">
+                <a:solidFill>
+                  <a:schemeClr val="tx1"/>
+                </a:solidFill>
+                <a:miter lim="800000"/>
+                <a:headEnd/>
+                <a:tailEnd/>
+              </a14:hiddenLine>
+            </a:ext>
+            <a:ext uri="{AF507438-7753-43E0-B8FC-AC1667EBCBE1}">
+              <a14:hiddenEffects xmlns:a14="http://schemas.microsoft.com/office/drawing/2010/main">
+                <a:effectLst>
+                  <a:outerShdw dist="35921" dir="2700000" algn="ctr" rotWithShape="0">
+                    <a:schemeClr val="bg2"/>
+                  </a:outerShdw>
+                </a:effectLst>
+              </a14:hiddenEffects>
+            </a:ext>
+          </a:extLst>
+        </p:spPr>
+      </p:pic>
+    </p:spTree>
+    <p:extLst>
+      <p:ext uri="{BB962C8B-B14F-4D97-AF65-F5344CB8AC3E}">
+        <p14:creationId xmlns:p14="http://schemas.microsoft.com/office/powerpoint/2010/main" val="4238042415"/>
+      </p:ext>
+    </p:extLst>
+  </p:cSld>
+  <p:clrMapOvr>
+    <a:masterClrMapping/>
+  </p:clrMapOvr>
+</p:sld>
+</file>
+
+<file path=ppt/slides/slide82.xml><?xml version="1.0" encoding="utf-8"?>
+<p:sld xmlns:a="http://schemas.openxmlformats.org/drawingml/2006/main" xmlns:r="http://schemas.openxmlformats.org/officeDocument/2006/relationships" xmlns:p="http://schemas.openxmlformats.org/presentationml/2006/main">
+  <p:cSld>
+    <p:spTree>
+      <p:nvGrpSpPr>
+        <p:cNvPr id="1" name=""/>
+        <p:cNvGrpSpPr/>
+        <p:nvPr/>
+      </p:nvGrpSpPr>
+      <p:grpSpPr>
+        <a:xfrm>
+          <a:off x="0" y="0"/>
+          <a:ext cx="0" cy="0"/>
+          <a:chOff x="0" y="0"/>
+          <a:chExt cx="0" cy="0"/>
+        </a:xfrm>
+      </p:grpSpPr>
+      <p:sp>
+        <p:nvSpPr>
+          <p:cNvPr id="2" name="Content Placeholder 1"/>
+          <p:cNvSpPr>
+            <a:spLocks noGrp="1"/>
+          </p:cNvSpPr>
+          <p:nvPr>
+            <p:ph idx="1"/>
+          </p:nvPr>
+        </p:nvSpPr>
+        <p:spPr/>
+        <p:txBody>
+          <a:bodyPr/>
+          <a:lstStyle/>
+          <a:p>
+            <a:r>
+              <a:rPr lang="en-US" dirty="0"/>
+              <a:t>With the</a:t>
+            </a:r>
+            <a:r>
+              <a:rPr lang="en-US" b="1" dirty="0">
+                <a:solidFill>
+                  <a:srgbClr val="FFC000"/>
+                </a:solidFill>
+              </a:rPr>
+              <a:t> bind()</a:t>
+            </a:r>
+            <a:r>
+              <a:rPr lang="en-US" dirty="0"/>
+              <a:t> method, an object can borrow a method from another object.</a:t>
+            </a:r>
+          </a:p>
+          <a:p>
+            <a:r>
+              <a:rPr lang="en-US" dirty="0"/>
+              <a:t>The example below creates 2 objects (person and member).</a:t>
+            </a:r>
+          </a:p>
+          <a:p>
+            <a:r>
+              <a:rPr lang="en-US" dirty="0"/>
+              <a:t>The member object borrows the </a:t>
+            </a:r>
+            <a:r>
+              <a:rPr lang="en-US" dirty="0" err="1"/>
+              <a:t>fullname</a:t>
+            </a:r>
+            <a:r>
+              <a:rPr lang="en-US" dirty="0"/>
+              <a:t> method from the person object:</a:t>
+            </a:r>
+          </a:p>
+          <a:p>
+            <a:endParaRPr lang="bg-BG" dirty="0"/>
+          </a:p>
+        </p:txBody>
+      </p:sp>
+      <p:sp>
+        <p:nvSpPr>
+          <p:cNvPr id="3" name="Title 2"/>
+          <p:cNvSpPr>
+            <a:spLocks noGrp="1"/>
+          </p:cNvSpPr>
+          <p:nvPr>
+            <p:ph type="title"/>
+          </p:nvPr>
+        </p:nvSpPr>
+        <p:spPr/>
+        <p:txBody>
+          <a:bodyPr/>
+          <a:lstStyle/>
+          <a:p>
+            <a:r>
+              <a:rPr lang="en-US" dirty="0"/>
+              <a:t>JavaScript Function </a:t>
+            </a:r>
+            <a:r>
+              <a:rPr lang="en-US" b="1" dirty="0">
+                <a:solidFill>
+                  <a:srgbClr val="FFC000"/>
+                </a:solidFill>
+              </a:rPr>
+              <a:t>bind</a:t>
+            </a:r>
+            <a:r>
+              <a:rPr lang="en-US" b="1" dirty="0" smtClean="0">
+                <a:solidFill>
+                  <a:srgbClr val="FFC000"/>
+                </a:solidFill>
+              </a:rPr>
+              <a:t>()</a:t>
+            </a:r>
+            <a:endParaRPr lang="bg-BG" b="1" dirty="0">
+              <a:solidFill>
+                <a:srgbClr val="FFC000"/>
+              </a:solidFill>
+            </a:endParaRPr>
+          </a:p>
+        </p:txBody>
+      </p:sp>
+      <p:pic>
+        <p:nvPicPr>
+          <p:cNvPr id="22530" name="Picture 2"/>
+          <p:cNvPicPr>
+            <a:picLocks noChangeAspect="1" noChangeArrowheads="1"/>
+          </p:cNvPicPr>
+          <p:nvPr/>
+        </p:nvPicPr>
+        <p:blipFill>
+          <a:blip r:embed="rId2">
+            <a:extLst>
+              <a:ext uri="{28A0092B-C50C-407E-A947-70E740481C1C}">
+                <a14:useLocalDpi xmlns:a14="http://schemas.microsoft.com/office/drawing/2010/main" val="0"/>
+              </a:ext>
+            </a:extLst>
+          </a:blip>
+          <a:srcRect/>
+          <a:stretch>
+            <a:fillRect/>
+          </a:stretch>
+        </p:blipFill>
+        <p:spPr bwMode="auto">
+          <a:xfrm>
+            <a:off x="533400" y="3581400"/>
+            <a:ext cx="3962400" cy="3045725"/>
+          </a:xfrm>
+          <a:prstGeom prst="rect">
+            <a:avLst/>
+          </a:prstGeom>
+          <a:noFill/>
+          <a:ln>
+            <a:noFill/>
+          </a:ln>
+          <a:effectLst/>
+          <a:extLst>
+            <a:ext uri="{909E8E84-426E-40DD-AFC4-6F175D3DCCD1}">
+              <a14:hiddenFill xmlns:a14="http://schemas.microsoft.com/office/drawing/2010/main">
+                <a:solidFill>
+                  <a:schemeClr val="accent1"/>
+                </a:solidFill>
+              </a14:hiddenFill>
+            </a:ext>
+            <a:ext uri="{91240B29-F687-4F45-9708-019B960494DF}">
+              <a14:hiddenLine xmlns:a14="http://schemas.microsoft.com/office/drawing/2010/main" w="9525">
+                <a:solidFill>
+                  <a:schemeClr val="tx1"/>
+                </a:solidFill>
+                <a:miter lim="800000"/>
+                <a:headEnd/>
+                <a:tailEnd/>
+              </a14:hiddenLine>
+            </a:ext>
+            <a:ext uri="{AF507438-7753-43E0-B8FC-AC1667EBCBE1}">
+              <a14:hiddenEffects xmlns:a14="http://schemas.microsoft.com/office/drawing/2010/main">
+                <a:effectLst>
+                  <a:outerShdw dist="35921" dir="2700000" algn="ctr" rotWithShape="0">
+                    <a:schemeClr val="bg2"/>
+                  </a:outerShdw>
+                </a:effectLst>
+              </a14:hiddenEffects>
+            </a:ext>
+          </a:extLst>
+        </p:spPr>
+      </p:pic>
+    </p:spTree>
+    <p:extLst>
+      <p:ext uri="{BB962C8B-B14F-4D97-AF65-F5344CB8AC3E}">
+        <p14:creationId xmlns:p14="http://schemas.microsoft.com/office/powerpoint/2010/main" val="20120784"/>
+      </p:ext>
+    </p:extLst>
+  </p:cSld>
+  <p:clrMapOvr>
+    <a:masterClrMapping/>
+  </p:clrMapOvr>
+</p:sld>
+</file>
+
+<file path=ppt/slides/slide83.xml><?xml version="1.0" encoding="utf-8"?>
+<p:sld xmlns:a="http://schemas.openxmlformats.org/drawingml/2006/main" xmlns:r="http://schemas.openxmlformats.org/officeDocument/2006/relationships" xmlns:p="http://schemas.openxmlformats.org/presentationml/2006/main">
+  <p:cSld>
+    <p:spTree>
+      <p:nvGrpSpPr>
+        <p:cNvPr id="1" name=""/>
+        <p:cNvGrpSpPr/>
+        <p:nvPr/>
+      </p:nvGrpSpPr>
+      <p:grpSpPr>
+        <a:xfrm>
+          <a:off x="0" y="0"/>
+          <a:ext cx="0" cy="0"/>
+          <a:chOff x="0" y="0"/>
+          <a:chExt cx="0" cy="0"/>
+        </a:xfrm>
+      </p:grpSpPr>
+      <p:sp>
+        <p:nvSpPr>
+          <p:cNvPr id="2" name="Content Placeholder 1"/>
+          <p:cNvSpPr>
+            <a:spLocks noGrp="1"/>
+          </p:cNvSpPr>
+          <p:nvPr>
+            <p:ph idx="1"/>
+          </p:nvPr>
+        </p:nvSpPr>
+        <p:spPr>
+          <a:xfrm>
+            <a:off x="380999" y="1719070"/>
+            <a:ext cx="8407893" cy="4910329"/>
+          </a:xfrm>
+        </p:spPr>
+        <p:txBody>
+          <a:bodyPr/>
+          <a:lstStyle/>
+          <a:p>
+            <a:r>
+              <a:rPr lang="en-US" dirty="0"/>
+              <a:t>JavaScript variables can belong to the </a:t>
+            </a:r>
+            <a:r>
+              <a:rPr lang="en-US" b="1" dirty="0"/>
+              <a:t>local</a:t>
+            </a:r>
+            <a:r>
+              <a:rPr lang="en-US" dirty="0"/>
+              <a:t> or </a:t>
+            </a:r>
+            <a:r>
+              <a:rPr lang="en-US" b="1" dirty="0"/>
+              <a:t>global</a:t>
+            </a:r>
+            <a:r>
+              <a:rPr lang="en-US" dirty="0"/>
+              <a:t> scope.</a:t>
+            </a:r>
+          </a:p>
+          <a:p>
+            <a:r>
+              <a:rPr lang="en-US" dirty="0"/>
+              <a:t>Global variables can be made local (private) with </a:t>
+            </a:r>
+            <a:r>
+              <a:rPr lang="en-US" b="1" dirty="0"/>
+              <a:t>closures</a:t>
+            </a:r>
+            <a:r>
+              <a:rPr lang="en-US" dirty="0"/>
+              <a:t>.</a:t>
+            </a:r>
+          </a:p>
+          <a:p>
+            <a:r>
+              <a:rPr lang="en-US" dirty="0"/>
+              <a:t>A </a:t>
+            </a:r>
+            <a:r>
+              <a:rPr lang="en-US" dirty="0"/>
+              <a:t>function</a:t>
+            </a:r>
+            <a:r>
+              <a:rPr lang="en-US" dirty="0"/>
+              <a:t> can access all variables defined </a:t>
+            </a:r>
+            <a:r>
+              <a:rPr lang="en-US" b="1" dirty="0"/>
+              <a:t>inside</a:t>
+            </a:r>
+            <a:r>
+              <a:rPr lang="en-US" dirty="0"/>
+              <a:t> the function, like this</a:t>
+            </a:r>
+            <a:r>
+              <a:rPr lang="en-US" dirty="0" smtClean="0"/>
+              <a:t>:</a:t>
+            </a:r>
+          </a:p>
+          <a:p>
+            <a:endParaRPr lang="en-US" dirty="0"/>
+          </a:p>
+          <a:p>
+            <a:endParaRPr lang="en-US" dirty="0" smtClean="0"/>
+          </a:p>
+          <a:p>
+            <a:endParaRPr lang="en-US" dirty="0"/>
+          </a:p>
+          <a:p>
+            <a:endParaRPr lang="en-US" dirty="0" smtClean="0"/>
+          </a:p>
+          <a:p>
+            <a:r>
+              <a:rPr lang="en-US" dirty="0"/>
+              <a:t>But a </a:t>
+            </a:r>
+            <a:r>
+              <a:rPr lang="en-US" dirty="0"/>
+              <a:t>function</a:t>
+            </a:r>
+            <a:r>
+              <a:rPr lang="en-US" dirty="0"/>
+              <a:t> can also access variables defined </a:t>
+            </a:r>
+            <a:r>
+              <a:rPr lang="en-US" b="1" dirty="0"/>
+              <a:t>outside</a:t>
+            </a:r>
+            <a:r>
+              <a:rPr lang="en-US" dirty="0"/>
+              <a:t> the function, like this:</a:t>
+            </a:r>
+            <a:endParaRPr lang="bg-BG" dirty="0"/>
+          </a:p>
+        </p:txBody>
+      </p:sp>
+      <p:sp>
+        <p:nvSpPr>
+          <p:cNvPr id="3" name="Title 2"/>
+          <p:cNvSpPr>
+            <a:spLocks noGrp="1"/>
+          </p:cNvSpPr>
+          <p:nvPr>
+            <p:ph type="title"/>
+          </p:nvPr>
+        </p:nvSpPr>
+        <p:spPr/>
+        <p:txBody>
+          <a:bodyPr/>
+          <a:lstStyle/>
+          <a:p>
+            <a:r>
+              <a:rPr lang="en-US" dirty="0"/>
+              <a:t>JavaScript </a:t>
+            </a:r>
+            <a:r>
+              <a:rPr lang="en-US" dirty="0" smtClean="0"/>
+              <a:t>Closures</a:t>
+            </a:r>
+            <a:endParaRPr lang="bg-BG" dirty="0"/>
+          </a:p>
+        </p:txBody>
+      </p:sp>
+      <p:pic>
+        <p:nvPicPr>
+          <p:cNvPr id="23554" name="Picture 2"/>
+          <p:cNvPicPr>
+            <a:picLocks noChangeAspect="1" noChangeArrowheads="1"/>
+          </p:cNvPicPr>
+          <p:nvPr/>
+        </p:nvPicPr>
+        <p:blipFill>
+          <a:blip r:embed="rId2">
+            <a:extLst>
+              <a:ext uri="{28A0092B-C50C-407E-A947-70E740481C1C}">
+                <a14:useLocalDpi xmlns:a14="http://schemas.microsoft.com/office/drawing/2010/main" val="0"/>
+              </a:ext>
+            </a:extLst>
+          </a:blip>
+          <a:srcRect/>
+          <a:stretch>
+            <a:fillRect/>
+          </a:stretch>
+        </p:blipFill>
+        <p:spPr bwMode="auto">
+          <a:xfrm>
+            <a:off x="533400" y="3250721"/>
+            <a:ext cx="2466975" cy="1219200"/>
+          </a:xfrm>
+          <a:prstGeom prst="rect">
+            <a:avLst/>
+          </a:prstGeom>
+          <a:noFill/>
+          <a:ln>
+            <a:noFill/>
+          </a:ln>
+          <a:effectLst/>
+          <a:extLst>
+            <a:ext uri="{909E8E84-426E-40DD-AFC4-6F175D3DCCD1}">
+              <a14:hiddenFill xmlns:a14="http://schemas.microsoft.com/office/drawing/2010/main">
+                <a:solidFill>
+                  <a:schemeClr val="accent1"/>
+                </a:solidFill>
+              </a14:hiddenFill>
+            </a:ext>
+            <a:ext uri="{91240B29-F687-4F45-9708-019B960494DF}">
+              <a14:hiddenLine xmlns:a14="http://schemas.microsoft.com/office/drawing/2010/main" w="9525">
+                <a:solidFill>
+                  <a:schemeClr val="tx1"/>
+                </a:solidFill>
+                <a:miter lim="800000"/>
+                <a:headEnd/>
+                <a:tailEnd/>
+              </a14:hiddenLine>
+            </a:ext>
+            <a:ext uri="{AF507438-7753-43E0-B8FC-AC1667EBCBE1}">
+              <a14:hiddenEffects xmlns:a14="http://schemas.microsoft.com/office/drawing/2010/main">
+                <a:effectLst>
+                  <a:outerShdw dist="35921" dir="2700000" algn="ctr" rotWithShape="0">
+                    <a:schemeClr val="bg2"/>
+                  </a:outerShdw>
+                </a:effectLst>
+              </a14:hiddenEffects>
+            </a:ext>
+          </a:extLst>
+        </p:spPr>
+      </p:pic>
+      <p:pic>
+        <p:nvPicPr>
+          <p:cNvPr id="23555" name="Picture 3"/>
+          <p:cNvPicPr>
+            <a:picLocks noChangeAspect="1" noChangeArrowheads="1"/>
+          </p:cNvPicPr>
+          <p:nvPr/>
+        </p:nvPicPr>
+        <p:blipFill>
+          <a:blip r:embed="rId3">
+            <a:extLst>
+              <a:ext uri="{28A0092B-C50C-407E-A947-70E740481C1C}">
+                <a14:useLocalDpi xmlns:a14="http://schemas.microsoft.com/office/drawing/2010/main" val="0"/>
+              </a:ext>
+            </a:extLst>
+          </a:blip>
+          <a:srcRect/>
+          <a:stretch>
+            <a:fillRect/>
+          </a:stretch>
+        </p:blipFill>
+        <p:spPr bwMode="auto">
+          <a:xfrm>
+            <a:off x="3367536" y="3250721"/>
+            <a:ext cx="2603715" cy="1219200"/>
+          </a:xfrm>
+          <a:prstGeom prst="rect">
+            <a:avLst/>
+          </a:prstGeom>
+          <a:noFill/>
+          <a:ln>
+            <a:noFill/>
+          </a:ln>
+          <a:effectLst/>
+          <a:extLst>
+            <a:ext uri="{909E8E84-426E-40DD-AFC4-6F175D3DCCD1}">
+              <a14:hiddenFill xmlns:a14="http://schemas.microsoft.com/office/drawing/2010/main">
+                <a:solidFill>
+                  <a:schemeClr val="accent1"/>
+                </a:solidFill>
+              </a14:hiddenFill>
+            </a:ext>
+            <a:ext uri="{91240B29-F687-4F45-9708-019B960494DF}">
+              <a14:hiddenLine xmlns:a14="http://schemas.microsoft.com/office/drawing/2010/main" w="9525">
+                <a:solidFill>
+                  <a:schemeClr val="tx1"/>
+                </a:solidFill>
+                <a:miter lim="800000"/>
+                <a:headEnd/>
+                <a:tailEnd/>
+              </a14:hiddenLine>
+            </a:ext>
+            <a:ext uri="{AF507438-7753-43E0-B8FC-AC1667EBCBE1}">
+              <a14:hiddenEffects xmlns:a14="http://schemas.microsoft.com/office/drawing/2010/main">
+                <a:effectLst>
+                  <a:outerShdw dist="35921" dir="2700000" algn="ctr" rotWithShape="0">
+                    <a:schemeClr val="bg2"/>
+                  </a:outerShdw>
+                </a:effectLst>
+              </a14:hiddenEffects>
+            </a:ext>
+          </a:extLst>
+        </p:spPr>
+      </p:pic>
+    </p:spTree>
+    <p:extLst>
+      <p:ext uri="{BB962C8B-B14F-4D97-AF65-F5344CB8AC3E}">
+        <p14:creationId xmlns:p14="http://schemas.microsoft.com/office/powerpoint/2010/main" val="1354181112"/>
+      </p:ext>
+    </p:extLst>
+  </p:cSld>
+  <p:clrMapOvr>
+    <a:masterClrMapping/>
+  </p:clrMapOvr>
+</p:sld>
+</file>
+
+<file path=ppt/slides/slide84.xml><?xml version="1.0" encoding="utf-8"?>
+<p:sld xmlns:a="http://schemas.openxmlformats.org/drawingml/2006/main" xmlns:r="http://schemas.openxmlformats.org/officeDocument/2006/relationships" xmlns:p="http://schemas.openxmlformats.org/presentationml/2006/main">
+  <p:cSld>
+    <p:spTree>
+      <p:nvGrpSpPr>
+        <p:cNvPr id="1" name=""/>
+        <p:cNvGrpSpPr/>
+        <p:nvPr/>
+      </p:nvGrpSpPr>
+      <p:grpSpPr>
+        <a:xfrm>
+          <a:off x="0" y="0"/>
+          <a:ext cx="0" cy="0"/>
+          <a:chOff x="0" y="0"/>
+          <a:chExt cx="0" cy="0"/>
+        </a:xfrm>
+      </p:grpSpPr>
+      <p:sp>
+        <p:nvSpPr>
+          <p:cNvPr id="2" name="Content Placeholder 1"/>
+          <p:cNvSpPr>
+            <a:spLocks noGrp="1"/>
+          </p:cNvSpPr>
+          <p:nvPr>
+            <p:ph idx="1"/>
+          </p:nvPr>
+        </p:nvSpPr>
+        <p:spPr>
+          <a:xfrm>
+            <a:off x="380999" y="1719070"/>
+            <a:ext cx="8407893" cy="4757929"/>
+          </a:xfrm>
+        </p:spPr>
+        <p:txBody>
+          <a:bodyPr>
+            <a:normAutofit/>
+          </a:bodyPr>
+          <a:lstStyle/>
+          <a:p>
+            <a:r>
+              <a:rPr lang="en-US" dirty="0"/>
+              <a:t>In the last example, </a:t>
+            </a:r>
+            <a:r>
+              <a:rPr lang="en-US" b="1" dirty="0"/>
+              <a:t>a</a:t>
+            </a:r>
+            <a:r>
+              <a:rPr lang="en-US" dirty="0"/>
+              <a:t> is a </a:t>
+            </a:r>
+            <a:r>
+              <a:rPr lang="en-US" b="1" dirty="0"/>
+              <a:t>global</a:t>
+            </a:r>
+            <a:r>
+              <a:rPr lang="en-US" dirty="0"/>
+              <a:t> variable.</a:t>
+            </a:r>
+          </a:p>
+          <a:p>
+            <a:r>
+              <a:rPr lang="en-US" dirty="0"/>
+              <a:t>In a web page, global variables belong to the page.</a:t>
+            </a:r>
+          </a:p>
+          <a:p>
+            <a:r>
+              <a:rPr lang="en-US" dirty="0"/>
+              <a:t>Global variables can be used (and changed) by all other scripts in the page.</a:t>
+            </a:r>
+          </a:p>
+          <a:p>
+            <a:r>
+              <a:rPr lang="en-US" dirty="0"/>
+              <a:t>In the first example, </a:t>
+            </a:r>
+            <a:r>
+              <a:rPr lang="en-US" b="1" dirty="0"/>
+              <a:t>a</a:t>
+            </a:r>
+            <a:r>
+              <a:rPr lang="en-US" dirty="0"/>
+              <a:t> is a </a:t>
+            </a:r>
+            <a:r>
+              <a:rPr lang="en-US" b="1" dirty="0"/>
+              <a:t>local</a:t>
+            </a:r>
+            <a:r>
+              <a:rPr lang="en-US" dirty="0"/>
+              <a:t> variable.</a:t>
+            </a:r>
+          </a:p>
+          <a:p>
+            <a:r>
+              <a:rPr lang="en-US" dirty="0"/>
+              <a:t>A local variable can only be used inside the function where it is defined. It is hidden from other functions and other scripting code.</a:t>
+            </a:r>
+          </a:p>
+          <a:p>
+            <a:r>
+              <a:rPr lang="en-US" dirty="0"/>
+              <a:t>Global and local variables with the same name are different variables. Modifying one, does not modify the other.</a:t>
+            </a:r>
+          </a:p>
+          <a:p>
+            <a:r>
+              <a:rPr lang="en-US" b="1" dirty="0">
+                <a:solidFill>
+                  <a:srgbClr val="FF0000"/>
+                </a:solidFill>
+              </a:rPr>
+              <a:t>Variables created without a declaration keyword (</a:t>
+            </a:r>
+            <a:r>
+              <a:rPr lang="en-US" b="1" dirty="0" err="1">
+                <a:solidFill>
+                  <a:srgbClr val="FF0000"/>
+                </a:solidFill>
+              </a:rPr>
+              <a:t>var</a:t>
+            </a:r>
+            <a:r>
+              <a:rPr lang="en-US" b="1" dirty="0">
+                <a:solidFill>
+                  <a:srgbClr val="FF0000"/>
+                </a:solidFill>
+              </a:rPr>
+              <a:t>, </a:t>
+            </a:r>
+            <a:r>
+              <a:rPr lang="en-US" b="1" dirty="0">
+                <a:solidFill>
+                  <a:srgbClr val="FF0000"/>
+                </a:solidFill>
+              </a:rPr>
+              <a:t>let</a:t>
+            </a:r>
+            <a:r>
+              <a:rPr lang="en-US" b="1" dirty="0">
+                <a:solidFill>
+                  <a:srgbClr val="FF0000"/>
+                </a:solidFill>
+              </a:rPr>
+              <a:t>, or </a:t>
+            </a:r>
+            <a:r>
+              <a:rPr lang="en-US" b="1" dirty="0" err="1">
+                <a:solidFill>
+                  <a:srgbClr val="FF0000"/>
+                </a:solidFill>
+              </a:rPr>
+              <a:t>const</a:t>
+            </a:r>
+            <a:r>
+              <a:rPr lang="en-US" b="1" dirty="0">
+                <a:solidFill>
+                  <a:srgbClr val="FF0000"/>
+                </a:solidFill>
+              </a:rPr>
+              <a:t>) are always global, even if they are created inside a function.</a:t>
+            </a:r>
+            <a:endParaRPr lang="bg-BG" b="1" dirty="0">
+              <a:solidFill>
+                <a:srgbClr val="FF0000"/>
+              </a:solidFill>
+            </a:endParaRPr>
+          </a:p>
+        </p:txBody>
+      </p:sp>
+      <p:sp>
+        <p:nvSpPr>
+          <p:cNvPr id="3" name="Title 2"/>
+          <p:cNvSpPr>
+            <a:spLocks noGrp="1"/>
+          </p:cNvSpPr>
+          <p:nvPr>
+            <p:ph type="title"/>
+          </p:nvPr>
+        </p:nvSpPr>
+        <p:spPr/>
+        <p:txBody>
+          <a:bodyPr/>
+          <a:lstStyle/>
+          <a:p>
+            <a:r>
+              <a:rPr lang="en-US" dirty="0" smtClean="0"/>
+              <a:t>Global variables</a:t>
+            </a:r>
+            <a:endParaRPr lang="bg-BG" dirty="0"/>
+          </a:p>
+        </p:txBody>
+      </p:sp>
+      <p:pic>
+        <p:nvPicPr>
+          <p:cNvPr id="24578" name="Picture 2"/>
+          <p:cNvPicPr>
+            <a:picLocks noChangeAspect="1" noChangeArrowheads="1"/>
+          </p:cNvPicPr>
+          <p:nvPr/>
+        </p:nvPicPr>
+        <p:blipFill>
+          <a:blip r:embed="rId2">
+            <a:extLst>
+              <a:ext uri="{28A0092B-C50C-407E-A947-70E740481C1C}">
+                <a14:useLocalDpi xmlns:a14="http://schemas.microsoft.com/office/drawing/2010/main" val="0"/>
+              </a:ext>
+            </a:extLst>
+          </a:blip>
+          <a:srcRect/>
+          <a:stretch>
+            <a:fillRect/>
+          </a:stretch>
+        </p:blipFill>
+        <p:spPr bwMode="auto">
+          <a:xfrm>
+            <a:off x="1981200" y="5855898"/>
+            <a:ext cx="2143184" cy="803694"/>
+          </a:xfrm>
+          <a:prstGeom prst="rect">
+            <a:avLst/>
+          </a:prstGeom>
+          <a:noFill/>
+          <a:ln>
+            <a:noFill/>
+          </a:ln>
+          <a:effectLst/>
+          <a:extLst>
+            <a:ext uri="{909E8E84-426E-40DD-AFC4-6F175D3DCCD1}">
+              <a14:hiddenFill xmlns:a14="http://schemas.microsoft.com/office/drawing/2010/main">
+                <a:solidFill>
+                  <a:schemeClr val="accent1"/>
+                </a:solidFill>
+              </a14:hiddenFill>
+            </a:ext>
+            <a:ext uri="{91240B29-F687-4F45-9708-019B960494DF}">
+              <a14:hiddenLine xmlns:a14="http://schemas.microsoft.com/office/drawing/2010/main" w="9525">
+                <a:solidFill>
+                  <a:schemeClr val="tx1"/>
+                </a:solidFill>
+                <a:miter lim="800000"/>
+                <a:headEnd/>
+                <a:tailEnd/>
+              </a14:hiddenLine>
+            </a:ext>
+            <a:ext uri="{AF507438-7753-43E0-B8FC-AC1667EBCBE1}">
+              <a14:hiddenEffects xmlns:a14="http://schemas.microsoft.com/office/drawing/2010/main">
+                <a:effectLst>
+                  <a:outerShdw dist="35921" dir="2700000" algn="ctr" rotWithShape="0">
+                    <a:schemeClr val="bg2"/>
+                  </a:outerShdw>
+                </a:effectLst>
+              </a14:hiddenEffects>
+            </a:ext>
+          </a:extLst>
+        </p:spPr>
+      </p:pic>
+    </p:spTree>
+    <p:extLst>
+      <p:ext uri="{BB962C8B-B14F-4D97-AF65-F5344CB8AC3E}">
+        <p14:creationId xmlns:p14="http://schemas.microsoft.com/office/powerpoint/2010/main" val="1599539921"/>
+      </p:ext>
+    </p:extLst>
+  </p:cSld>
+  <p:clrMapOvr>
+    <a:masterClrMapping/>
+  </p:clrMapOvr>
+</p:sld>
+</file>
+
+<file path=ppt/slides/slide85.xml><?xml version="1.0" encoding="utf-8"?>
+<p:sld xmlns:a="http://schemas.openxmlformats.org/drawingml/2006/main" xmlns:r="http://schemas.openxmlformats.org/officeDocument/2006/relationships" xmlns:p="http://schemas.openxmlformats.org/presentationml/2006/main">
+  <p:cSld>
+    <p:spTree>
+      <p:nvGrpSpPr>
+        <p:cNvPr id="1" name=""/>
+        <p:cNvGrpSpPr/>
+        <p:nvPr/>
+      </p:nvGrpSpPr>
+      <p:grpSpPr>
+        <a:xfrm>
+          <a:off x="0" y="0"/>
+          <a:ext cx="0" cy="0"/>
+          <a:chOff x="0" y="0"/>
+          <a:chExt cx="0" cy="0"/>
+        </a:xfrm>
+      </p:grpSpPr>
+      <p:sp>
+        <p:nvSpPr>
+          <p:cNvPr id="2" name="Content Placeholder 1"/>
+          <p:cNvSpPr>
+            <a:spLocks noGrp="1"/>
+          </p:cNvSpPr>
+          <p:nvPr>
+            <p:ph idx="1"/>
+          </p:nvPr>
+        </p:nvSpPr>
+        <p:spPr/>
+        <p:txBody>
+          <a:bodyPr/>
+          <a:lstStyle/>
+          <a:p>
+            <a:r>
+              <a:rPr lang="en-US" dirty="0"/>
+              <a:t>All functions have access to the global scope.  </a:t>
+            </a:r>
+          </a:p>
+          <a:p>
+            <a:r>
+              <a:rPr lang="en-US" dirty="0"/>
+              <a:t>In fact, in JavaScript, all functions have access to the scope "above" them.</a:t>
+            </a:r>
+          </a:p>
+          <a:p>
+            <a:r>
+              <a:rPr lang="en-US" dirty="0"/>
+              <a:t>JavaScript supports nested functions. Nested functions have access to the scope "above" them.</a:t>
+            </a:r>
+          </a:p>
+          <a:p>
+            <a:r>
+              <a:rPr lang="en-US" dirty="0"/>
+              <a:t>In this example, the inner function plus() has access to the counter variable in the parent function:</a:t>
+            </a:r>
+          </a:p>
+          <a:p>
+            <a:endParaRPr lang="bg-BG" dirty="0"/>
+          </a:p>
+        </p:txBody>
+      </p:sp>
+      <p:sp>
+        <p:nvSpPr>
+          <p:cNvPr id="3" name="Title 2"/>
+          <p:cNvSpPr>
+            <a:spLocks noGrp="1"/>
+          </p:cNvSpPr>
+          <p:nvPr>
+            <p:ph type="title"/>
+          </p:nvPr>
+        </p:nvSpPr>
+        <p:spPr/>
+        <p:txBody>
+          <a:bodyPr/>
+          <a:lstStyle/>
+          <a:p>
+            <a:r>
+              <a:rPr lang="en-US" dirty="0"/>
+              <a:t>JavaScript Nested </a:t>
+            </a:r>
+            <a:r>
+              <a:rPr lang="en-US" dirty="0" smtClean="0"/>
+              <a:t>Functions</a:t>
+            </a:r>
+            <a:endParaRPr lang="bg-BG" dirty="0"/>
+          </a:p>
+        </p:txBody>
+      </p:sp>
+      <p:pic>
+        <p:nvPicPr>
+          <p:cNvPr id="25602" name="Picture 2"/>
+          <p:cNvPicPr>
+            <a:picLocks noChangeAspect="1" noChangeArrowheads="1"/>
+          </p:cNvPicPr>
+          <p:nvPr/>
+        </p:nvPicPr>
+        <p:blipFill>
+          <a:blip r:embed="rId2">
+            <a:extLst>
+              <a:ext uri="{28A0092B-C50C-407E-A947-70E740481C1C}">
+                <a14:useLocalDpi xmlns:a14="http://schemas.microsoft.com/office/drawing/2010/main" val="0"/>
+              </a:ext>
+            </a:extLst>
+          </a:blip>
+          <a:srcRect/>
+          <a:stretch>
+            <a:fillRect/>
+          </a:stretch>
+        </p:blipFill>
+        <p:spPr bwMode="auto">
+          <a:xfrm>
+            <a:off x="762000" y="4191000"/>
+            <a:ext cx="3514725" cy="1695450"/>
+          </a:xfrm>
+          <a:prstGeom prst="rect">
+            <a:avLst/>
+          </a:prstGeom>
+          <a:noFill/>
+          <a:ln>
+            <a:noFill/>
+          </a:ln>
+          <a:effectLst/>
+          <a:extLst>
+            <a:ext uri="{909E8E84-426E-40DD-AFC4-6F175D3DCCD1}">
+              <a14:hiddenFill xmlns:a14="http://schemas.microsoft.com/office/drawing/2010/main">
+                <a:solidFill>
+                  <a:schemeClr val="accent1"/>
+                </a:solidFill>
+              </a14:hiddenFill>
+            </a:ext>
+            <a:ext uri="{91240B29-F687-4F45-9708-019B960494DF}">
+              <a14:hiddenLine xmlns:a14="http://schemas.microsoft.com/office/drawing/2010/main" w="9525">
+                <a:solidFill>
+                  <a:schemeClr val="tx1"/>
+                </a:solidFill>
+                <a:miter lim="800000"/>
+                <a:headEnd/>
+                <a:tailEnd/>
+              </a14:hiddenLine>
+            </a:ext>
+            <a:ext uri="{AF507438-7753-43E0-B8FC-AC1667EBCBE1}">
+              <a14:hiddenEffects xmlns:a14="http://schemas.microsoft.com/office/drawing/2010/main">
+                <a:effectLst>
+                  <a:outerShdw dist="35921" dir="2700000" algn="ctr" rotWithShape="0">
+                    <a:schemeClr val="bg2"/>
+                  </a:outerShdw>
+                </a:effectLst>
+              </a14:hiddenEffects>
+            </a:ext>
+          </a:extLst>
+        </p:spPr>
+      </p:pic>
+    </p:spTree>
+    <p:extLst>
+      <p:ext uri="{BB962C8B-B14F-4D97-AF65-F5344CB8AC3E}">
+        <p14:creationId xmlns:p14="http://schemas.microsoft.com/office/powerpoint/2010/main" val="3973734538"/>
+      </p:ext>
+    </p:extLst>
+  </p:cSld>
+  <p:clrMapOvr>
+    <a:masterClrMapping/>
+  </p:clrMapOvr>
+</p:sld>
+</file>
+
+<file path=ppt/slides/slide86.xml><?xml version="1.0" encoding="utf-8"?>
+<p:sld xmlns:a="http://schemas.openxmlformats.org/drawingml/2006/main" xmlns:r="http://schemas.openxmlformats.org/officeDocument/2006/relationships" xmlns:p="http://schemas.openxmlformats.org/presentationml/2006/main">
+  <p:cSld>
+    <p:spTree>
+      <p:nvGrpSpPr>
+        <p:cNvPr id="1" name=""/>
+        <p:cNvGrpSpPr/>
+        <p:nvPr/>
+      </p:nvGrpSpPr>
+      <p:grpSpPr>
+        <a:xfrm>
+          <a:off x="0" y="0"/>
+          <a:ext cx="0" cy="0"/>
+          <a:chOff x="0" y="0"/>
+          <a:chExt cx="0" cy="0"/>
+        </a:xfrm>
+      </p:grpSpPr>
+      <p:sp>
+        <p:nvSpPr>
+          <p:cNvPr id="3" name="Title 2"/>
+          <p:cNvSpPr>
+            <a:spLocks noGrp="1"/>
+          </p:cNvSpPr>
+          <p:nvPr>
+            <p:ph type="title"/>
+          </p:nvPr>
+        </p:nvSpPr>
+        <p:spPr/>
+        <p:txBody>
+          <a:bodyPr/>
+          <a:lstStyle/>
+          <a:p>
+            <a:r>
+              <a:rPr lang="en-US" dirty="0"/>
+              <a:t>JavaScript </a:t>
+            </a:r>
+            <a:r>
+              <a:rPr lang="en-US" dirty="0" smtClean="0"/>
+              <a:t>Closures</a:t>
+            </a:r>
+            <a:endParaRPr lang="bg-BG" dirty="0"/>
+          </a:p>
+        </p:txBody>
+      </p:sp>
+      <p:pic>
+        <p:nvPicPr>
+          <p:cNvPr id="26626" name="Picture 2"/>
+          <p:cNvPicPr>
+            <a:picLocks noChangeAspect="1" noChangeArrowheads="1"/>
+          </p:cNvPicPr>
+          <p:nvPr/>
+        </p:nvPicPr>
+        <p:blipFill>
+          <a:blip r:embed="rId2">
+            <a:extLst>
+              <a:ext uri="{28A0092B-C50C-407E-A947-70E740481C1C}">
+                <a14:useLocalDpi xmlns:a14="http://schemas.microsoft.com/office/drawing/2010/main" val="0"/>
+              </a:ext>
+            </a:extLst>
+          </a:blip>
+          <a:srcRect/>
+          <a:stretch>
+            <a:fillRect/>
+          </a:stretch>
+        </p:blipFill>
+        <p:spPr bwMode="auto">
+          <a:xfrm>
+            <a:off x="339306" y="1905000"/>
+            <a:ext cx="8170738" cy="3962399"/>
+          </a:xfrm>
+          <a:prstGeom prst="rect">
+            <a:avLst/>
+          </a:prstGeom>
+          <a:noFill/>
+          <a:ln>
+            <a:noFill/>
+          </a:ln>
+          <a:effectLst/>
+          <a:extLst>
+            <a:ext uri="{909E8E84-426E-40DD-AFC4-6F175D3DCCD1}">
+              <a14:hiddenFill xmlns:a14="http://schemas.microsoft.com/office/drawing/2010/main">
+                <a:solidFill>
+                  <a:schemeClr val="accent1"/>
+                </a:solidFill>
+              </a14:hiddenFill>
+            </a:ext>
+            <a:ext uri="{91240B29-F687-4F45-9708-019B960494DF}">
+              <a14:hiddenLine xmlns:a14="http://schemas.microsoft.com/office/drawing/2010/main" w="9525">
+                <a:solidFill>
+                  <a:schemeClr val="tx1"/>
+                </a:solidFill>
+                <a:miter lim="800000"/>
+                <a:headEnd/>
+                <a:tailEnd/>
+              </a14:hiddenLine>
+            </a:ext>
+            <a:ext uri="{AF507438-7753-43E0-B8FC-AC1667EBCBE1}">
+              <a14:hiddenEffects xmlns:a14="http://schemas.microsoft.com/office/drawing/2010/main">
+                <a:effectLst>
+                  <a:outerShdw dist="35921" dir="2700000" algn="ctr" rotWithShape="0">
+                    <a:schemeClr val="bg2"/>
+                  </a:outerShdw>
+                </a:effectLst>
+              </a14:hiddenEffects>
+            </a:ext>
+          </a:extLst>
+        </p:spPr>
+      </p:pic>
+    </p:spTree>
+    <p:extLst>
+      <p:ext uri="{BB962C8B-B14F-4D97-AF65-F5344CB8AC3E}">
+        <p14:creationId xmlns:p14="http://schemas.microsoft.com/office/powerpoint/2010/main" val="3842399078"/>
+      </p:ext>
+    </p:extLst>
+  </p:cSld>
+  <p:clrMapOvr>
+    <a:masterClrMapping/>
+  </p:clrMapOvr>
+</p:sld>
+</file>
+
+<file path=ppt/slides/slide87.xml><?xml version="1.0" encoding="utf-8"?>
+<p:sld xmlns:a="http://schemas.openxmlformats.org/drawingml/2006/main" xmlns:r="http://schemas.openxmlformats.org/officeDocument/2006/relationships" xmlns:p="http://schemas.openxmlformats.org/presentationml/2006/main">
+  <p:cSld>
+    <p:spTree>
+      <p:nvGrpSpPr>
+        <p:cNvPr id="1" name=""/>
+        <p:cNvGrpSpPr/>
+        <p:nvPr/>
+      </p:nvGrpSpPr>
+      <p:grpSpPr>
+        <a:xfrm>
+          <a:off x="0" y="0"/>
+          <a:ext cx="0" cy="0"/>
+          <a:chOff x="0" y="0"/>
+          <a:chExt cx="0" cy="0"/>
+        </a:xfrm>
+      </p:grpSpPr>
+      <p:sp>
+        <p:nvSpPr>
+          <p:cNvPr id="3" name="Title 2"/>
+          <p:cNvSpPr>
+            <a:spLocks noGrp="1"/>
+          </p:cNvSpPr>
+          <p:nvPr>
+            <p:ph type="title"/>
+          </p:nvPr>
+        </p:nvSpPr>
+        <p:spPr/>
+        <p:txBody>
+          <a:bodyPr/>
+          <a:lstStyle/>
+          <a:p>
+            <a:r>
+              <a:rPr lang="en-US" dirty="0"/>
+              <a:t>JavaScript Closures</a:t>
+            </a:r>
+            <a:endParaRPr lang="bg-BG" dirty="0"/>
+          </a:p>
+        </p:txBody>
+      </p:sp>
+      <p:sp>
+        <p:nvSpPr>
+          <p:cNvPr id="4" name="Content Placeholder 1"/>
+          <p:cNvSpPr>
+            <a:spLocks noGrp="1"/>
+          </p:cNvSpPr>
+          <p:nvPr>
+            <p:ph idx="1"/>
+          </p:nvPr>
+        </p:nvSpPr>
+        <p:spPr>
+          <a:xfrm>
+            <a:off x="380999" y="1719071"/>
+            <a:ext cx="8407893" cy="3767329"/>
+          </a:xfrm>
+        </p:spPr>
+        <p:txBody>
+          <a:bodyPr>
+            <a:normAutofit/>
+          </a:bodyPr>
+          <a:lstStyle/>
+          <a:p>
+            <a:r>
+              <a:rPr lang="en-US" dirty="0"/>
+              <a:t>The variable add is assigned to the return value of a self-invoking function.</a:t>
+            </a:r>
+          </a:p>
+          <a:p>
+            <a:r>
+              <a:rPr lang="en-US" dirty="0"/>
+              <a:t>The self-invoking function only runs once. It sets the counter to zero (0), and returns a function expression.</a:t>
+            </a:r>
+          </a:p>
+          <a:p>
+            <a:r>
+              <a:rPr lang="en-US" dirty="0"/>
+              <a:t>This way add becomes a function. The "wonderful" part is that it can access the counter in the parent scope.</a:t>
+            </a:r>
+          </a:p>
+          <a:p>
+            <a:r>
+              <a:rPr lang="en-US" dirty="0"/>
+              <a:t>This is called a JavaScript </a:t>
+            </a:r>
+            <a:r>
+              <a:rPr lang="en-US" b="1" dirty="0"/>
+              <a:t>closure.</a:t>
+            </a:r>
+            <a:r>
+              <a:rPr lang="en-US" dirty="0"/>
+              <a:t> It makes it possible for a function to have "</a:t>
+            </a:r>
+            <a:r>
+              <a:rPr lang="en-US" b="1" dirty="0"/>
+              <a:t>private</a:t>
+            </a:r>
+            <a:r>
+              <a:rPr lang="en-US" dirty="0"/>
+              <a:t>" variables.</a:t>
+            </a:r>
+          </a:p>
+          <a:p>
+            <a:r>
+              <a:rPr lang="en-US" dirty="0"/>
+              <a:t>The counter is protected by the scope of the anonymous function, and can only be changed using the add function.</a:t>
+            </a:r>
+          </a:p>
+          <a:p>
+            <a:endParaRPr lang="bg-BG" dirty="0"/>
+          </a:p>
+        </p:txBody>
+      </p:sp>
+      <p:pic>
+        <p:nvPicPr>
+          <p:cNvPr id="27650" name="Picture 2"/>
+          <p:cNvPicPr>
+            <a:picLocks noChangeAspect="1" noChangeArrowheads="1"/>
+          </p:cNvPicPr>
+          <p:nvPr/>
+        </p:nvPicPr>
+        <p:blipFill>
+          <a:blip r:embed="rId2">
+            <a:extLst>
+              <a:ext uri="{28A0092B-C50C-407E-A947-70E740481C1C}">
+                <a14:useLocalDpi xmlns:a14="http://schemas.microsoft.com/office/drawing/2010/main" val="0"/>
+              </a:ext>
+            </a:extLst>
+          </a:blip>
+          <a:srcRect/>
+          <a:stretch>
+            <a:fillRect/>
+          </a:stretch>
+        </p:blipFill>
+        <p:spPr bwMode="auto">
+          <a:xfrm>
+            <a:off x="381000" y="5298489"/>
+            <a:ext cx="8458200" cy="480083"/>
+          </a:xfrm>
+          <a:prstGeom prst="rect">
+            <a:avLst/>
+          </a:prstGeom>
+          <a:noFill/>
+          <a:ln>
+            <a:noFill/>
+          </a:ln>
+          <a:effectLst/>
+          <a:extLst>
+            <a:ext uri="{909E8E84-426E-40DD-AFC4-6F175D3DCCD1}">
+              <a14:hiddenFill xmlns:a14="http://schemas.microsoft.com/office/drawing/2010/main">
+                <a:solidFill>
+                  <a:schemeClr val="accent1"/>
+                </a:solidFill>
+              </a14:hiddenFill>
+            </a:ext>
+            <a:ext uri="{91240B29-F687-4F45-9708-019B960494DF}">
+              <a14:hiddenLine xmlns:a14="http://schemas.microsoft.com/office/drawing/2010/main" w="9525">
+                <a:solidFill>
+                  <a:schemeClr val="tx1"/>
+                </a:solidFill>
+                <a:miter lim="800000"/>
+                <a:headEnd/>
+                <a:tailEnd/>
+              </a14:hiddenLine>
+            </a:ext>
+            <a:ext uri="{AF507438-7753-43E0-B8FC-AC1667EBCBE1}">
+              <a14:hiddenEffects xmlns:a14="http://schemas.microsoft.com/office/drawing/2010/main">
+                <a:effectLst>
+                  <a:outerShdw dist="35921" dir="2700000" algn="ctr" rotWithShape="0">
+                    <a:schemeClr val="bg2"/>
+                  </a:outerShdw>
+                </a:effectLst>
+              </a14:hiddenEffects>
+            </a:ext>
+          </a:extLst>
+        </p:spPr>
+      </p:pic>
+    </p:spTree>
+    <p:extLst>
+      <p:ext uri="{BB962C8B-B14F-4D97-AF65-F5344CB8AC3E}">
+        <p14:creationId xmlns:p14="http://schemas.microsoft.com/office/powerpoint/2010/main" val="768207157"/>
       </p:ext>
     </p:extLst>
   </p:cSld>

--- a/Programming Prep.pptx
+++ b/Programming Prep.pptx
@@ -202,8 +202,16 @@
           <p14:sldIdLst>
             <p14:sldId id="257"/>
             <p14:sldId id="258"/>
+          </p14:sldIdLst>
+        </p14:section>
+        <p14:section name="Data types and variables" id="{E05992B6-CDF3-4D71-BB75-4F6F302B64E5}">
+          <p14:sldIdLst>
             <p14:sldId id="260"/>
             <p14:sldId id="261"/>
+          </p14:sldIdLst>
+        </p14:section>
+        <p14:section name="Strings" id="{56581271-DCB1-4D8D-A08D-115F7DA24A29}">
+          <p14:sldIdLst>
             <p14:sldId id="262"/>
             <p14:sldId id="283"/>
             <p14:sldId id="284"/>
@@ -218,6 +226,10 @@
             <p14:sldId id="263"/>
             <p14:sldId id="264"/>
             <p14:sldId id="265"/>
+          </p14:sldIdLst>
+        </p14:section>
+        <p14:section name="Objects" id="{C4DCD1F9-BF9B-4612-9483-03ECA95FD6B9}">
+          <p14:sldIdLst>
             <p14:sldId id="266"/>
             <p14:sldId id="267"/>
             <p14:sldId id="268"/>
@@ -235,6 +247,10 @@
             <p14:sldId id="280"/>
             <p14:sldId id="281"/>
             <p14:sldId id="282"/>
+          </p14:sldIdLst>
+        </p14:section>
+        <p14:section name="Arrays" id="{381F01E0-02F1-4D14-BC55-982FF808561A}">
+          <p14:sldIdLst>
             <p14:sldId id="294"/>
             <p14:sldId id="295"/>
             <p14:sldId id="296"/>
@@ -257,6 +273,10 @@
             <p14:sldId id="313"/>
             <p14:sldId id="314"/>
             <p14:sldId id="315"/>
+          </p14:sldIdLst>
+        </p14:section>
+        <p14:section name="Functions" id="{C52B5C1C-7430-4327-8BC9-226CBCD14BB9}">
+          <p14:sldIdLst>
             <p14:sldId id="316"/>
             <p14:sldId id="317"/>
             <p14:sldId id="318"/>
@@ -20508,7 +20528,6 @@
               <a:rPr lang="en-US" dirty="0"/>
               <a:t> method returns the function as a string:</a:t>
             </a:r>
-            <a:endParaRPr lang="en-US" dirty="0"/>
           </a:p>
           <a:p>
             <a:endParaRPr lang="bg-BG" dirty="0"/>
@@ -23997,15 +24016,7 @@
           <a:p>
             <a:r>
               <a:rPr lang="en-US" dirty="0"/>
-              <a:t>The </a:t>
-            </a:r>
-            <a:r>
-              <a:rPr lang="en-US" dirty="0"/>
-              <a:t>call()</a:t>
-            </a:r>
-            <a:r>
-              <a:rPr lang="en-US" dirty="0"/>
-              <a:t> method can accept arguments:</a:t>
+              <a:t>The call() method can accept arguments:</a:t>
             </a:r>
             <a:endParaRPr lang="bg-BG" dirty="0"/>
           </a:p>
@@ -25002,11 +25013,7 @@
             </a:r>
             <a:r>
               <a:rPr lang="en-US" dirty="0"/>
-              <a:t>()</a:t>
-            </a:r>
-            <a:r>
-              <a:rPr lang="en-US" dirty="0"/>
-              <a:t> method</a:t>
+              <a:t>() method</a:t>
             </a:r>
             <a:r>
               <a:rPr lang="en-US" dirty="0" smtClean="0"/>
@@ -25038,11 +25045,7 @@
             </a:r>
             <a:r>
               <a:rPr lang="en-US" dirty="0"/>
-              <a:t>()</a:t>
-            </a:r>
-            <a:r>
-              <a:rPr lang="en-US" dirty="0"/>
-              <a:t> method instead</a:t>
+              <a:t>() method instead</a:t>
             </a:r>
             <a:r>
               <a:rPr lang="en-US" dirty="0" smtClean="0"/>
@@ -25705,15 +25708,7 @@
           <a:p>
             <a:r>
               <a:rPr lang="en-US" dirty="0"/>
-              <a:t>A </a:t>
-            </a:r>
-            <a:r>
-              <a:rPr lang="en-US" dirty="0"/>
-              <a:t>function</a:t>
-            </a:r>
-            <a:r>
-              <a:rPr lang="en-US" dirty="0"/>
-              <a:t> can access all variables defined </a:t>
+              <a:t>A function can access all variables defined </a:t>
             </a:r>
             <a:r>
               <a:rPr lang="en-US" b="1" dirty="0"/>
@@ -25743,15 +25738,7 @@
           <a:p>
             <a:r>
               <a:rPr lang="en-US" dirty="0"/>
-              <a:t>But a </a:t>
-            </a:r>
-            <a:r>
-              <a:rPr lang="en-US" dirty="0"/>
-              <a:t>function</a:t>
-            </a:r>
-            <a:r>
-              <a:rPr lang="en-US" dirty="0"/>
-              <a:t> can also access variables defined </a:t>
+              <a:t>But a function can also access variables defined </a:t>
             </a:r>
             <a:r>
               <a:rPr lang="en-US" b="1" dirty="0"/>
@@ -26062,23 +26049,7 @@
                   <a:srgbClr val="FF0000"/>
                 </a:solidFill>
               </a:rPr>
-              <a:t>, </a:t>
-            </a:r>
-            <a:r>
-              <a:rPr lang="en-US" b="1" dirty="0">
-                <a:solidFill>
-                  <a:srgbClr val="FF0000"/>
-                </a:solidFill>
-              </a:rPr>
-              <a:t>let</a:t>
-            </a:r>
-            <a:r>
-              <a:rPr lang="en-US" b="1" dirty="0">
-                <a:solidFill>
-                  <a:srgbClr val="FF0000"/>
-                </a:solidFill>
-              </a:rPr>
-              <a:t>, or </a:t>
+              <a:t>, let, or </a:t>
             </a:r>
             <a:r>
               <a:rPr lang="en-US" b="1" dirty="0" err="1">

--- a/Programming Prep.pptx
+++ b/Programming Prep.pptx
@@ -84,35 +84,36 @@
     <p:sldId id="364" r:id="rId78"/>
     <p:sldId id="365" r:id="rId79"/>
     <p:sldId id="366" r:id="rId80"/>
-    <p:sldId id="316" r:id="rId81"/>
-    <p:sldId id="317" r:id="rId82"/>
-    <p:sldId id="318" r:id="rId83"/>
-    <p:sldId id="319" r:id="rId84"/>
-    <p:sldId id="320" r:id="rId85"/>
-    <p:sldId id="321" r:id="rId86"/>
-    <p:sldId id="323" r:id="rId87"/>
-    <p:sldId id="324" r:id="rId88"/>
-    <p:sldId id="325" r:id="rId89"/>
-    <p:sldId id="326" r:id="rId90"/>
-    <p:sldId id="327" r:id="rId91"/>
-    <p:sldId id="328" r:id="rId92"/>
-    <p:sldId id="329" r:id="rId93"/>
-    <p:sldId id="330" r:id="rId94"/>
-    <p:sldId id="331" r:id="rId95"/>
-    <p:sldId id="332" r:id="rId96"/>
-    <p:sldId id="333" r:id="rId97"/>
-    <p:sldId id="334" r:id="rId98"/>
-    <p:sldId id="335" r:id="rId99"/>
-    <p:sldId id="336" r:id="rId100"/>
-    <p:sldId id="337" r:id="rId101"/>
-    <p:sldId id="338" r:id="rId102"/>
-    <p:sldId id="339" r:id="rId103"/>
-    <p:sldId id="340" r:id="rId104"/>
-    <p:sldId id="341" r:id="rId105"/>
-    <p:sldId id="342" r:id="rId106"/>
-    <p:sldId id="343" r:id="rId107"/>
-    <p:sldId id="344" r:id="rId108"/>
-    <p:sldId id="345" r:id="rId109"/>
+    <p:sldId id="367" r:id="rId81"/>
+    <p:sldId id="316" r:id="rId82"/>
+    <p:sldId id="317" r:id="rId83"/>
+    <p:sldId id="318" r:id="rId84"/>
+    <p:sldId id="319" r:id="rId85"/>
+    <p:sldId id="320" r:id="rId86"/>
+    <p:sldId id="321" r:id="rId87"/>
+    <p:sldId id="323" r:id="rId88"/>
+    <p:sldId id="324" r:id="rId89"/>
+    <p:sldId id="325" r:id="rId90"/>
+    <p:sldId id="326" r:id="rId91"/>
+    <p:sldId id="327" r:id="rId92"/>
+    <p:sldId id="328" r:id="rId93"/>
+    <p:sldId id="329" r:id="rId94"/>
+    <p:sldId id="330" r:id="rId95"/>
+    <p:sldId id="331" r:id="rId96"/>
+    <p:sldId id="332" r:id="rId97"/>
+    <p:sldId id="333" r:id="rId98"/>
+    <p:sldId id="334" r:id="rId99"/>
+    <p:sldId id="335" r:id="rId100"/>
+    <p:sldId id="336" r:id="rId101"/>
+    <p:sldId id="337" r:id="rId102"/>
+    <p:sldId id="338" r:id="rId103"/>
+    <p:sldId id="339" r:id="rId104"/>
+    <p:sldId id="340" r:id="rId105"/>
+    <p:sldId id="341" r:id="rId106"/>
+    <p:sldId id="342" r:id="rId107"/>
+    <p:sldId id="343" r:id="rId108"/>
+    <p:sldId id="344" r:id="rId109"/>
+    <p:sldId id="345" r:id="rId110"/>
   </p:sldIdLst>
   <p:sldSz cx="9144000" cy="6858000" type="screen4x3"/>
   <p:notesSz cx="6858000" cy="9144000"/>
@@ -315,6 +316,7 @@
             <p14:sldId id="364"/>
             <p14:sldId id="365"/>
             <p14:sldId id="366"/>
+            <p14:sldId id="367"/>
           </p14:sldIdLst>
         </p14:section>
         <p14:section name="Functions" id="{C52B5C1C-7430-4327-8BC9-226CBCD14BB9}">
@@ -610,7 +612,7 @@
             <a:fld id="{1D8BD707-D9CF-40AE-B4C6-C98DA3205C09}" type="datetimeFigureOut">
               <a:rPr lang="en-US" smtClean="0"/>
               <a:pPr/>
-              <a:t>8/30/2022</a:t>
+              <a:t>8/31/2022</a:t>
             </a:fld>
             <a:endParaRPr lang="en-US"/>
           </a:p>
@@ -825,7 +827,7 @@
             <a:fld id="{1D8BD707-D9CF-40AE-B4C6-C98DA3205C09}" type="datetimeFigureOut">
               <a:rPr lang="en-US" smtClean="0"/>
               <a:pPr/>
-              <a:t>8/30/2022</a:t>
+              <a:t>8/31/2022</a:t>
             </a:fld>
             <a:endParaRPr lang="en-US"/>
           </a:p>
@@ -1094,7 +1096,7 @@
             <a:fld id="{1D8BD707-D9CF-40AE-B4C6-C98DA3205C09}" type="datetimeFigureOut">
               <a:rPr lang="en-US" smtClean="0"/>
               <a:pPr/>
-              <a:t>8/30/2022</a:t>
+              <a:t>8/31/2022</a:t>
             </a:fld>
             <a:endParaRPr lang="en-US"/>
           </a:p>
@@ -1246,7 +1248,7 @@
             <a:fld id="{1D8BD707-D9CF-40AE-B4C6-C98DA3205C09}" type="datetimeFigureOut">
               <a:rPr lang="en-US" smtClean="0"/>
               <a:pPr/>
-              <a:t>8/30/2022</a:t>
+              <a:t>8/31/2022</a:t>
             </a:fld>
             <a:endParaRPr lang="en-US"/>
           </a:p>
@@ -1578,7 +1580,7 @@
             <a:fld id="{1D8BD707-D9CF-40AE-B4C6-C98DA3205C09}" type="datetimeFigureOut">
               <a:rPr lang="en-US" smtClean="0"/>
               <a:pPr/>
-              <a:t>8/30/2022</a:t>
+              <a:t>8/31/2022</a:t>
             </a:fld>
             <a:endParaRPr lang="en-US"/>
           </a:p>
@@ -1888,7 +1890,7 @@
             <a:fld id="{1D8BD707-D9CF-40AE-B4C6-C98DA3205C09}" type="datetimeFigureOut">
               <a:rPr lang="en-US" smtClean="0"/>
               <a:pPr/>
-              <a:t>8/30/2022</a:t>
+              <a:t>8/31/2022</a:t>
             </a:fld>
             <a:endParaRPr lang="en-US"/>
           </a:p>
@@ -2311,7 +2313,7 @@
             <a:fld id="{1D8BD707-D9CF-40AE-B4C6-C98DA3205C09}" type="datetimeFigureOut">
               <a:rPr lang="en-US" smtClean="0"/>
               <a:pPr/>
-              <a:t>8/30/2022</a:t>
+              <a:t>8/31/2022</a:t>
             </a:fld>
             <a:endParaRPr lang="en-US"/>
           </a:p>
@@ -2426,7 +2428,7 @@
             <a:fld id="{1D8BD707-D9CF-40AE-B4C6-C98DA3205C09}" type="datetimeFigureOut">
               <a:rPr lang="en-US" smtClean="0"/>
               <a:pPr/>
-              <a:t>8/30/2022</a:t>
+              <a:t>8/31/2022</a:t>
             </a:fld>
             <a:endParaRPr lang="en-US"/>
           </a:p>
@@ -2587,7 +2589,7 @@
             <a:fld id="{1D8BD707-D9CF-40AE-B4C6-C98DA3205C09}" type="datetimeFigureOut">
               <a:rPr lang="en-US" smtClean="0"/>
               <a:pPr/>
-              <a:t>8/30/2022</a:t>
+              <a:t>8/31/2022</a:t>
             </a:fld>
             <a:endParaRPr lang="en-US"/>
           </a:p>
@@ -2973,7 +2975,7 @@
             <a:fld id="{1D8BD707-D9CF-40AE-B4C6-C98DA3205C09}" type="datetimeFigureOut">
               <a:rPr lang="en-US" smtClean="0"/>
               <a:pPr/>
-              <a:t>8/30/2022</a:t>
+              <a:t>8/31/2022</a:t>
             </a:fld>
             <a:endParaRPr lang="en-US"/>
           </a:p>
@@ -3337,7 +3339,7 @@
             <a:fld id="{1D8BD707-D9CF-40AE-B4C6-C98DA3205C09}" type="datetimeFigureOut">
               <a:rPr lang="en-US" smtClean="0"/>
               <a:pPr/>
-              <a:t>8/30/2022</a:t>
+              <a:t>8/31/2022</a:t>
             </a:fld>
             <a:endParaRPr lang="en-US"/>
           </a:p>
@@ -3673,7 +3675,7 @@
             <a:fld id="{1D8BD707-D9CF-40AE-B4C6-C98DA3205C09}" type="datetimeFigureOut">
               <a:rPr lang="en-US" smtClean="0"/>
               <a:pPr/>
-              <a:t>8/30/2022</a:t>
+              <a:t>8/31/2022</a:t>
             </a:fld>
             <a:endParaRPr lang="en-US"/>
           </a:p>
@@ -4514,53 +4516,7 @@
           <a:p>
             <a:r>
               <a:rPr lang="en-US" dirty="0"/>
-              <a:t>With the </a:t>
-            </a:r>
-            <a:r>
-              <a:rPr lang="en-US" b="1" dirty="0">
-                <a:solidFill>
-                  <a:srgbClr val="FFC000"/>
-                </a:solidFill>
-              </a:rPr>
-              <a:t>apply()</a:t>
-            </a:r>
-            <a:r>
-              <a:rPr lang="en-US" dirty="0"/>
-              <a:t> method, you can write a method that can be used on different objects</a:t>
-            </a:r>
-            <a:r>
-              <a:rPr lang="en-US" dirty="0" smtClean="0"/>
-              <a:t>.</a:t>
-            </a:r>
-          </a:p>
-          <a:p>
-            <a:r>
-              <a:rPr lang="en-US" dirty="0"/>
-              <a:t>The </a:t>
-            </a:r>
-            <a:r>
-              <a:rPr lang="en-US" b="1" dirty="0">
-                <a:solidFill>
-                  <a:srgbClr val="FFC000"/>
-                </a:solidFill>
-              </a:rPr>
-              <a:t>apply()</a:t>
-            </a:r>
-            <a:r>
-              <a:rPr lang="en-US" dirty="0"/>
-              <a:t> method is similar to the </a:t>
-            </a:r>
-            <a:r>
-              <a:rPr lang="en-US" b="1" dirty="0">
-                <a:solidFill>
-                  <a:srgbClr val="FFC000"/>
-                </a:solidFill>
-              </a:rPr>
-              <a:t>call()</a:t>
-            </a:r>
-            <a:r>
-              <a:rPr lang="en-US" dirty="0"/>
-              <a:t> method </a:t>
+              <a:t>The call() method can accept arguments:</a:t>
             </a:r>
             <a:endParaRPr lang="bg-BG" dirty="0"/>
           </a:p>
@@ -4582,36 +4538,16 @@
           <a:lstStyle/>
           <a:p>
             <a:r>
-              <a:rPr lang="en-US" dirty="0"/>
-              <a:t>JavaScript Function </a:t>
-            </a:r>
-            <a:r>
-              <a:rPr lang="en-US" b="1" dirty="0">
-                <a:solidFill>
-                  <a:srgbClr val="FFC000"/>
-                </a:solidFill>
-              </a:rPr>
-              <a:t>apply</a:t>
-            </a:r>
-            <a:r>
-              <a:rPr lang="en-US" b="1" dirty="0" smtClean="0">
-                <a:solidFill>
-                  <a:srgbClr val="FFC000"/>
-                </a:solidFill>
-              </a:rPr>
-              <a:t>()</a:t>
-            </a:r>
-            <a:endParaRPr lang="bg-BG" b="1" dirty="0">
-              <a:solidFill>
-                <a:srgbClr val="FFC000"/>
-              </a:solidFill>
-            </a:endParaRPr>
+              <a:rPr lang="en-US" dirty="0" smtClean="0"/>
+              <a:t>Call() method with arguments</a:t>
+            </a:r>
+            <a:endParaRPr lang="bg-BG" dirty="0"/>
           </a:p>
         </p:txBody>
       </p:sp>
       <p:pic>
         <p:nvPicPr>
-          <p:cNvPr id="19458" name="Picture 2"/>
+          <p:cNvPr id="18434" name="Picture 2"/>
           <p:cNvPicPr>
             <a:picLocks noChangeAspect="1" noChangeArrowheads="1"/>
           </p:cNvPicPr>
@@ -4632,8 +4568,8 @@
         </p:blipFill>
         <p:spPr bwMode="auto">
           <a:xfrm>
-            <a:off x="533400" y="2895600"/>
-            <a:ext cx="4991100" cy="3581400"/>
+            <a:off x="609600" y="2286000"/>
+            <a:ext cx="7810500" cy="3305175"/>
           </a:xfrm>
           <a:prstGeom prst="rect">
             <a:avLst/>
@@ -4673,10 +4609,74 @@
           </a:extLst>
         </p:spPr>
       </p:pic>
+      <p:pic>
+        <p:nvPicPr>
+          <p:cNvPr id="18435" name="Picture 3"/>
+          <p:cNvPicPr>
+            <a:picLocks noChangeAspect="1" noChangeArrowheads="1"/>
+          </p:cNvPicPr>
+          <p:nvPr/>
+        </p:nvPicPr>
+        <p:blipFill>
+          <a:blip r:embed="rId3">
+            <a:extLst>
+              <a:ext uri="{28A0092B-C50C-407E-A947-70E740481C1C}">
+                <a14:useLocalDpi xmlns:a14="http://schemas.microsoft.com/office/drawing/2010/main" val="0"/>
+              </a:ext>
+            </a:extLst>
+          </a:blip>
+          <a:srcRect/>
+          <a:stretch>
+            <a:fillRect/>
+          </a:stretch>
+        </p:blipFill>
+        <p:spPr bwMode="auto">
+          <a:xfrm>
+            <a:off x="609599" y="5791200"/>
+            <a:ext cx="2973659" cy="609600"/>
+          </a:xfrm>
+          <a:prstGeom prst="rect">
+            <a:avLst/>
+          </a:prstGeom>
+          <a:noFill/>
+          <a:ln>
+            <a:noFill/>
+          </a:ln>
+          <a:effectLst/>
+          <a:extLst>
+            <a:ext uri="{909E8E84-426E-40DD-AFC4-6F175D3DCCD1}">
+              <a14:hiddenFill xmlns:a14="http://schemas.microsoft.com/office/drawing/2010/main">
+                <a:solidFill>
+                  <a:schemeClr val="accent1"/>
+                </a:solidFill>
+              </a14:hiddenFill>
+            </a:ext>
+            <a:ext uri="{91240B29-F687-4F45-9708-019B960494DF}">
+              <a14:hiddenLine xmlns:a14="http://schemas.microsoft.com/office/drawing/2010/main" w="9525">
+                <a:solidFill>
+                  <a:schemeClr val="tx1"/>
+                </a:solidFill>
+                <a:miter lim="800000"/>
+                <a:headEnd/>
+                <a:tailEnd/>
+              </a14:hiddenLine>
+            </a:ext>
+            <a:ext uri="{AF507438-7753-43E0-B8FC-AC1667EBCBE1}">
+              <a14:hiddenEffects xmlns:a14="http://schemas.microsoft.com/office/drawing/2010/main">
+                <a:effectLst>
+                  <a:outerShdw dist="35921" dir="2700000" algn="ctr" rotWithShape="0">
+                    <a:schemeClr val="bg2"/>
+                  </a:outerShdw>
+                </a:effectLst>
+              </a14:hiddenEffects>
+            </a:ext>
+          </a:extLst>
+        </p:spPr>
+      </p:pic>
     </p:spTree>
     <p:extLst>
       <p:ext uri="{BB962C8B-B14F-4D97-AF65-F5344CB8AC3E}">
-        <p14:creationId xmlns:p14="http://schemas.microsoft.com/office/powerpoint/2010/main" val="746485324"/>
+        <p14:creationId xmlns:p14="http://schemas.microsoft.com/office/powerpoint/2010/main" val="2550634128"/>
       </p:ext>
     </p:extLst>
   </p:cSld>
@@ -4720,13 +4720,41 @@
           <a:p>
             <a:r>
               <a:rPr lang="en-US" dirty="0"/>
-              <a:t>The difference is:</a:t>
+              <a:t>With the </a:t>
+            </a:r>
+            <a:r>
+              <a:rPr lang="en-US" b="1" dirty="0">
+                <a:solidFill>
+                  <a:srgbClr val="FFC000"/>
+                </a:solidFill>
+              </a:rPr>
+              <a:t>apply()</a:t>
+            </a:r>
+            <a:r>
+              <a:rPr lang="en-US" dirty="0"/>
+              <a:t> method, you can write a method that can be used on different objects</a:t>
+            </a:r>
+            <a:r>
+              <a:rPr lang="en-US" dirty="0" smtClean="0"/>
+              <a:t>.</a:t>
             </a:r>
           </a:p>
           <a:p>
             <a:r>
               <a:rPr lang="en-US" dirty="0"/>
               <a:t>The </a:t>
+            </a:r>
+            <a:r>
+              <a:rPr lang="en-US" b="1" dirty="0">
+                <a:solidFill>
+                  <a:srgbClr val="FFC000"/>
+                </a:solidFill>
+              </a:rPr>
+              <a:t>apply()</a:t>
+            </a:r>
+            <a:r>
+              <a:rPr lang="en-US" dirty="0"/>
+              <a:t> method is similar to the </a:t>
             </a:r>
             <a:r>
               <a:rPr lang="en-US" b="1" dirty="0">
@@ -4738,48 +4766,8 @@
             </a:r>
             <a:r>
               <a:rPr lang="en-US" dirty="0"/>
-              <a:t> method takes </a:t>
-            </a:r>
-            <a:r>
-              <a:rPr lang="en-US" b="1" dirty="0">
-                <a:solidFill>
-                  <a:srgbClr val="FFC000"/>
-                </a:solidFill>
-              </a:rPr>
-              <a:t>arguments separately.</a:t>
-            </a:r>
-          </a:p>
-          <a:p>
-            <a:r>
-              <a:rPr lang="en-US" dirty="0"/>
-              <a:t>The </a:t>
-            </a:r>
-            <a:r>
-              <a:rPr lang="en-US" b="1" dirty="0">
-                <a:solidFill>
-                  <a:srgbClr val="FFC000"/>
-                </a:solidFill>
-              </a:rPr>
-              <a:t>apply()</a:t>
-            </a:r>
-            <a:r>
-              <a:rPr lang="en-US" dirty="0"/>
-              <a:t> method takes </a:t>
-            </a:r>
-            <a:r>
-              <a:rPr lang="en-US" b="1" dirty="0">
-                <a:solidFill>
-                  <a:srgbClr val="FFC000"/>
-                </a:solidFill>
-              </a:rPr>
-              <a:t>arguments as an array</a:t>
-            </a:r>
-            <a:r>
-              <a:rPr lang="en-US" dirty="0"/>
-              <a:t>.</a:t>
-            </a:r>
-          </a:p>
-          <a:p>
+              <a:t> method </a:t>
+            </a:r>
             <a:endParaRPr lang="bg-BG" dirty="0"/>
           </a:p>
         </p:txBody>
@@ -4801,19 +4789,7 @@
           <a:p>
             <a:r>
               <a:rPr lang="en-US" dirty="0"/>
-              <a:t>The Difference Between </a:t>
-            </a:r>
-            <a:r>
-              <a:rPr lang="en-US" b="1" dirty="0">
-                <a:solidFill>
-                  <a:srgbClr val="FFC000"/>
-                </a:solidFill>
-              </a:rPr>
-              <a:t>call() </a:t>
-            </a:r>
-            <a:r>
-              <a:rPr lang="en-US" dirty="0"/>
-              <a:t>and </a:t>
+              <a:t>JavaScript Function </a:t>
             </a:r>
             <a:r>
               <a:rPr lang="en-US" b="1" dirty="0">
@@ -4841,7 +4817,7 @@
       </p:sp>
       <p:pic>
         <p:nvPicPr>
-          <p:cNvPr id="20482" name="Picture 2"/>
+          <p:cNvPr id="19458" name="Picture 2"/>
           <p:cNvPicPr>
             <a:picLocks noChangeAspect="1" noChangeArrowheads="1"/>
           </p:cNvPicPr>
@@ -4862,8 +4838,8 @@
         </p:blipFill>
         <p:spPr bwMode="auto">
           <a:xfrm>
-            <a:off x="533400" y="2971800"/>
-            <a:ext cx="7743825" cy="3276600"/>
+            <a:off x="533400" y="2895600"/>
+            <a:ext cx="4991100" cy="3581400"/>
           </a:xfrm>
           <a:prstGeom prst="rect">
             <a:avLst/>
@@ -4906,7 +4882,7 @@
     </p:spTree>
     <p:extLst>
       <p:ext uri="{BB962C8B-B14F-4D97-AF65-F5344CB8AC3E}">
-        <p14:creationId xmlns:p14="http://schemas.microsoft.com/office/powerpoint/2010/main" val="2097088455"/>
+        <p14:creationId xmlns:p14="http://schemas.microsoft.com/office/powerpoint/2010/main" val="746485324"/>
       </p:ext>
     </p:extLst>
   </p:cSld>
@@ -4950,6 +4926,236 @@
           <a:p>
             <a:r>
               <a:rPr lang="en-US" dirty="0"/>
+              <a:t>The difference is:</a:t>
+            </a:r>
+          </a:p>
+          <a:p>
+            <a:r>
+              <a:rPr lang="en-US" dirty="0"/>
+              <a:t>The </a:t>
+            </a:r>
+            <a:r>
+              <a:rPr lang="en-US" b="1" dirty="0">
+                <a:solidFill>
+                  <a:srgbClr val="FFC000"/>
+                </a:solidFill>
+              </a:rPr>
+              <a:t>call()</a:t>
+            </a:r>
+            <a:r>
+              <a:rPr lang="en-US" dirty="0"/>
+              <a:t> method takes </a:t>
+            </a:r>
+            <a:r>
+              <a:rPr lang="en-US" b="1" dirty="0">
+                <a:solidFill>
+                  <a:srgbClr val="FFC000"/>
+                </a:solidFill>
+              </a:rPr>
+              <a:t>arguments separately.</a:t>
+            </a:r>
+          </a:p>
+          <a:p>
+            <a:r>
+              <a:rPr lang="en-US" dirty="0"/>
+              <a:t>The </a:t>
+            </a:r>
+            <a:r>
+              <a:rPr lang="en-US" b="1" dirty="0">
+                <a:solidFill>
+                  <a:srgbClr val="FFC000"/>
+                </a:solidFill>
+              </a:rPr>
+              <a:t>apply()</a:t>
+            </a:r>
+            <a:r>
+              <a:rPr lang="en-US" dirty="0"/>
+              <a:t> method takes </a:t>
+            </a:r>
+            <a:r>
+              <a:rPr lang="en-US" b="1" dirty="0">
+                <a:solidFill>
+                  <a:srgbClr val="FFC000"/>
+                </a:solidFill>
+              </a:rPr>
+              <a:t>arguments as an array</a:t>
+            </a:r>
+            <a:r>
+              <a:rPr lang="en-US" dirty="0"/>
+              <a:t>.</a:t>
+            </a:r>
+          </a:p>
+          <a:p>
+            <a:endParaRPr lang="bg-BG" dirty="0"/>
+          </a:p>
+        </p:txBody>
+      </p:sp>
+      <p:sp>
+        <p:nvSpPr>
+          <p:cNvPr id="3" name="Title 2"/>
+          <p:cNvSpPr>
+            <a:spLocks noGrp="1"/>
+          </p:cNvSpPr>
+          <p:nvPr>
+            <p:ph type="title"/>
+          </p:nvPr>
+        </p:nvSpPr>
+        <p:spPr/>
+        <p:txBody>
+          <a:bodyPr/>
+          <a:lstStyle/>
+          <a:p>
+            <a:r>
+              <a:rPr lang="en-US" dirty="0"/>
+              <a:t>The Difference Between </a:t>
+            </a:r>
+            <a:r>
+              <a:rPr lang="en-US" b="1" dirty="0">
+                <a:solidFill>
+                  <a:srgbClr val="FFC000"/>
+                </a:solidFill>
+              </a:rPr>
+              <a:t>call() </a:t>
+            </a:r>
+            <a:r>
+              <a:rPr lang="en-US" dirty="0"/>
+              <a:t>and </a:t>
+            </a:r>
+            <a:r>
+              <a:rPr lang="en-US" b="1" dirty="0">
+                <a:solidFill>
+                  <a:srgbClr val="FFC000"/>
+                </a:solidFill>
+              </a:rPr>
+              <a:t>apply</a:t>
+            </a:r>
+            <a:r>
+              <a:rPr lang="en-US" b="1" dirty="0" smtClean="0">
+                <a:solidFill>
+                  <a:srgbClr val="FFC000"/>
+                </a:solidFill>
+              </a:rPr>
+              <a:t>()</a:t>
+            </a:r>
+            <a:endParaRPr lang="bg-BG" b="1" dirty="0">
+              <a:solidFill>
+                <a:srgbClr val="FFC000"/>
+              </a:solidFill>
+            </a:endParaRPr>
+          </a:p>
+        </p:txBody>
+      </p:sp>
+      <p:pic>
+        <p:nvPicPr>
+          <p:cNvPr id="20482" name="Picture 2"/>
+          <p:cNvPicPr>
+            <a:picLocks noChangeAspect="1" noChangeArrowheads="1"/>
+          </p:cNvPicPr>
+          <p:nvPr/>
+        </p:nvPicPr>
+        <p:blipFill>
+          <a:blip r:embed="rId2">
+            <a:extLst>
+              <a:ext uri="{28A0092B-C50C-407E-A947-70E740481C1C}">
+                <a14:useLocalDpi xmlns:a14="http://schemas.microsoft.com/office/drawing/2010/main" val="0"/>
+              </a:ext>
+            </a:extLst>
+          </a:blip>
+          <a:srcRect/>
+          <a:stretch>
+            <a:fillRect/>
+          </a:stretch>
+        </p:blipFill>
+        <p:spPr bwMode="auto">
+          <a:xfrm>
+            <a:off x="533400" y="2971800"/>
+            <a:ext cx="7743825" cy="3276600"/>
+          </a:xfrm>
+          <a:prstGeom prst="rect">
+            <a:avLst/>
+          </a:prstGeom>
+          <a:noFill/>
+          <a:ln>
+            <a:noFill/>
+          </a:ln>
+          <a:effectLst/>
+          <a:extLst>
+            <a:ext uri="{909E8E84-426E-40DD-AFC4-6F175D3DCCD1}">
+              <a14:hiddenFill xmlns:a14="http://schemas.microsoft.com/office/drawing/2010/main">
+                <a:solidFill>
+                  <a:schemeClr val="accent1"/>
+                </a:solidFill>
+              </a14:hiddenFill>
+            </a:ext>
+            <a:ext uri="{91240B29-F687-4F45-9708-019B960494DF}">
+              <a14:hiddenLine xmlns:a14="http://schemas.microsoft.com/office/drawing/2010/main" w="9525">
+                <a:solidFill>
+                  <a:schemeClr val="tx1"/>
+                </a:solidFill>
+                <a:miter lim="800000"/>
+                <a:headEnd/>
+                <a:tailEnd/>
+              </a14:hiddenLine>
+            </a:ext>
+            <a:ext uri="{AF507438-7753-43E0-B8FC-AC1667EBCBE1}">
+              <a14:hiddenEffects xmlns:a14="http://schemas.microsoft.com/office/drawing/2010/main">
+                <a:effectLst>
+                  <a:outerShdw dist="35921" dir="2700000" algn="ctr" rotWithShape="0">
+                    <a:schemeClr val="bg2"/>
+                  </a:outerShdw>
+                </a:effectLst>
+              </a14:hiddenEffects>
+            </a:ext>
+          </a:extLst>
+        </p:spPr>
+      </p:pic>
+    </p:spTree>
+    <p:extLst>
+      <p:ext uri="{BB962C8B-B14F-4D97-AF65-F5344CB8AC3E}">
+        <p14:creationId xmlns:p14="http://schemas.microsoft.com/office/powerpoint/2010/main" val="2097088455"/>
+      </p:ext>
+    </p:extLst>
+  </p:cSld>
+  <p:clrMapOvr>
+    <a:masterClrMapping/>
+  </p:clrMapOvr>
+</p:sld>
+</file>
+
+<file path=ppt/slides/slide103.xml><?xml version="1.0" encoding="utf-8"?>
+<p:sld xmlns:a="http://schemas.openxmlformats.org/drawingml/2006/main" xmlns:r="http://schemas.openxmlformats.org/officeDocument/2006/relationships" xmlns:p="http://schemas.openxmlformats.org/presentationml/2006/main">
+  <p:cSld>
+    <p:spTree>
+      <p:nvGrpSpPr>
+        <p:cNvPr id="1" name=""/>
+        <p:cNvGrpSpPr/>
+        <p:nvPr/>
+      </p:nvGrpSpPr>
+      <p:grpSpPr>
+        <a:xfrm>
+          <a:off x="0" y="0"/>
+          <a:ext cx="0" cy="0"/>
+          <a:chOff x="0" y="0"/>
+          <a:chExt cx="0" cy="0"/>
+        </a:xfrm>
+      </p:grpSpPr>
+      <p:sp>
+        <p:nvSpPr>
+          <p:cNvPr id="2" name="Content Placeholder 1"/>
+          <p:cNvSpPr>
+            <a:spLocks noGrp="1"/>
+          </p:cNvSpPr>
+          <p:nvPr>
+            <p:ph idx="1"/>
+          </p:nvPr>
+        </p:nvSpPr>
+        <p:spPr/>
+        <p:txBody>
+          <a:bodyPr/>
+          <a:lstStyle/>
+          <a:p>
+            <a:r>
+              <a:rPr lang="en-US" dirty="0"/>
               <a:t>You can find the largest number (in a list of numbers) using the </a:t>
             </a:r>
             <a:r>
@@ -5384,7 +5590,7 @@
 </p:sld>
 </file>
 
-<file path=ppt/slides/slide103.xml><?xml version="1.0" encoding="utf-8"?>
+<file path=ppt/slides/slide104.xml><?xml version="1.0" encoding="utf-8"?>
 <p:sld xmlns:a="http://schemas.openxmlformats.org/drawingml/2006/main" xmlns:r="http://schemas.openxmlformats.org/officeDocument/2006/relationships" xmlns:p="http://schemas.openxmlformats.org/presentationml/2006/main">
   <p:cSld>
     <p:spTree>
@@ -5578,7 +5784,7 @@
 </p:sld>
 </file>
 
-<file path=ppt/slides/slide104.xml><?xml version="1.0" encoding="utf-8"?>
+<file path=ppt/slides/slide105.xml><?xml version="1.0" encoding="utf-8"?>
 <p:sld xmlns:a="http://schemas.openxmlformats.org/drawingml/2006/main" xmlns:r="http://schemas.openxmlformats.org/officeDocument/2006/relationships" xmlns:p="http://schemas.openxmlformats.org/presentationml/2006/main">
   <p:cSld>
     <p:spTree>
@@ -5865,7 +6071,7 @@
 </p:sld>
 </file>
 
-<file path=ppt/slides/slide105.xml><?xml version="1.0" encoding="utf-8"?>
+<file path=ppt/slides/slide106.xml><?xml version="1.0" encoding="utf-8"?>
 <p:sld xmlns:a="http://schemas.openxmlformats.org/drawingml/2006/main" xmlns:r="http://schemas.openxmlformats.org/officeDocument/2006/relationships" xmlns:p="http://schemas.openxmlformats.org/presentationml/2006/main">
   <p:cSld>
     <p:spTree>
@@ -6120,7 +6326,7 @@
 </p:sld>
 </file>
 
-<file path=ppt/slides/slide106.xml><?xml version="1.0" encoding="utf-8"?>
+<file path=ppt/slides/slide107.xml><?xml version="1.0" encoding="utf-8"?>
 <p:sld xmlns:a="http://schemas.openxmlformats.org/drawingml/2006/main" xmlns:r="http://schemas.openxmlformats.org/officeDocument/2006/relationships" xmlns:p="http://schemas.openxmlformats.org/presentationml/2006/main">
   <p:cSld>
     <p:spTree>
@@ -6284,7 +6490,7 @@
 </p:sld>
 </file>
 
-<file path=ppt/slides/slide107.xml><?xml version="1.0" encoding="utf-8"?>
+<file path=ppt/slides/slide108.xml><?xml version="1.0" encoding="utf-8"?>
 <p:sld xmlns:a="http://schemas.openxmlformats.org/drawingml/2006/main" xmlns:r="http://schemas.openxmlformats.org/officeDocument/2006/relationships" xmlns:p="http://schemas.openxmlformats.org/presentationml/2006/main">
   <p:cSld>
     <p:spTree>
@@ -6405,7 +6611,7 @@
 </p:sld>
 </file>
 
-<file path=ppt/slides/slide108.xml><?xml version="1.0" encoding="utf-8"?>
+<file path=ppt/slides/slide109.xml><?xml version="1.0" encoding="utf-8"?>
 <p:sld xmlns:a="http://schemas.openxmlformats.org/drawingml/2006/main" xmlns:r="http://schemas.openxmlformats.org/officeDocument/2006/relationships" xmlns:p="http://schemas.openxmlformats.org/presentationml/2006/main">
   <p:cSld>
     <p:spTree>
@@ -26226,11 +26432,7 @@
             </a:r>
             <a:r>
               <a:rPr lang="en-US" dirty="0"/>
-              <a:t>()</a:t>
-            </a:r>
-            <a:r>
-              <a:rPr lang="en-US" dirty="0"/>
-              <a:t>, but returns the position of the last occurrence of the specified element.</a:t>
+              <a:t>(), but returns the position of the last occurrence of the specified element.</a:t>
             </a:r>
             <a:endParaRPr lang="bg-BG" dirty="0"/>
           </a:p>
@@ -26790,11 +26992,7 @@
             </a:r>
             <a:r>
               <a:rPr lang="en-US" dirty="0"/>
-              <a:t>()</a:t>
-            </a:r>
-            <a:r>
-              <a:rPr lang="en-US" dirty="0"/>
-              <a:t> method returns an Array object from any object with a length property or any </a:t>
+              <a:t>() method returns an Array object from any object with a length property or any </a:t>
             </a:r>
             <a:r>
               <a:rPr lang="en-US" dirty="0" err="1"/>
@@ -27460,15 +27658,7 @@
           <a:p>
             <a:r>
               <a:rPr lang="en-US" dirty="0"/>
-              <a:t>The </a:t>
-            </a:r>
-            <a:r>
-              <a:rPr lang="en-US" dirty="0"/>
-              <a:t>entries()</a:t>
-            </a:r>
-            <a:r>
-              <a:rPr lang="en-US" dirty="0"/>
-              <a:t> method returns an Array Iterator object with key/value pairs</a:t>
+              <a:t>The entries() method returns an Array Iterator object with key/value pairs</a:t>
             </a:r>
             <a:r>
               <a:rPr lang="en-US" dirty="0" smtClean="0"/>
@@ -27478,15 +27668,7 @@
           <a:p>
             <a:r>
               <a:rPr lang="en-US" dirty="0"/>
-              <a:t>The </a:t>
-            </a:r>
-            <a:r>
-              <a:rPr lang="en-US" dirty="0"/>
-              <a:t>entries()</a:t>
-            </a:r>
-            <a:r>
-              <a:rPr lang="en-US" dirty="0"/>
-              <a:t> method does not change the original array.</a:t>
+              <a:t>The entries() method does not change the original array.</a:t>
             </a:r>
             <a:endParaRPr lang="bg-BG" dirty="0"/>
           </a:p>
@@ -27679,11 +27861,7 @@
             </a:r>
             <a:r>
               <a:rPr lang="en-US" dirty="0"/>
-              <a:t>()</a:t>
-            </a:r>
-            <a:r>
-              <a:rPr lang="en-US" dirty="0"/>
-              <a:t> to arrays. This allows us to check if an element is present in an array (including </a:t>
+              <a:t>() to arrays. This allows us to check if an element is present in an array (including </a:t>
             </a:r>
             <a:r>
               <a:rPr lang="en-US" dirty="0" err="1"/>
@@ -27731,6 +27909,34 @@
                 </a:solidFill>
               </a:rPr>
               <a:t>includes</a:t>
+            </a:r>
+            <a:r>
+              <a:rPr lang="en-US" b="1" dirty="0" smtClean="0">
+                <a:solidFill>
+                  <a:srgbClr val="FFC000"/>
+                </a:solidFill>
+              </a:rPr>
+              <a:t>() </a:t>
+            </a:r>
+            <a:r>
+              <a:rPr lang="en-US" b="1" dirty="0" smtClean="0"/>
+              <a:t>&amp;</a:t>
+            </a:r>
+            <a:r>
+              <a:rPr lang="en-US" b="1" dirty="0" smtClean="0">
+                <a:solidFill>
+                  <a:srgbClr val="FFC000"/>
+                </a:solidFill>
+              </a:rPr>
+              <a:t> </a:t>
+            </a:r>
+            <a:r>
+              <a:rPr lang="en-US" b="1" dirty="0" err="1" smtClean="0">
+                <a:solidFill>
+                  <a:srgbClr val="FFC000"/>
+                </a:solidFill>
+              </a:rPr>
+              <a:t>ForEach</a:t>
             </a:r>
             <a:r>
               <a:rPr lang="en-US" b="1" dirty="0" smtClean="0">
@@ -27773,6 +27979,70 @@
           <a:xfrm>
             <a:off x="762000" y="2819400"/>
             <a:ext cx="5419725" cy="895350"/>
+          </a:xfrm>
+          <a:prstGeom prst="rect">
+            <a:avLst/>
+          </a:prstGeom>
+          <a:noFill/>
+          <a:ln>
+            <a:noFill/>
+          </a:ln>
+          <a:effectLst/>
+          <a:extLst>
+            <a:ext uri="{909E8E84-426E-40DD-AFC4-6F175D3DCCD1}">
+              <a14:hiddenFill xmlns:a14="http://schemas.microsoft.com/office/drawing/2010/main">
+                <a:solidFill>
+                  <a:schemeClr val="accent1"/>
+                </a:solidFill>
+              </a14:hiddenFill>
+            </a:ext>
+            <a:ext uri="{91240B29-F687-4F45-9708-019B960494DF}">
+              <a14:hiddenLine xmlns:a14="http://schemas.microsoft.com/office/drawing/2010/main" w="9525">
+                <a:solidFill>
+                  <a:schemeClr val="tx1"/>
+                </a:solidFill>
+                <a:miter lim="800000"/>
+                <a:headEnd/>
+                <a:tailEnd/>
+              </a14:hiddenLine>
+            </a:ext>
+            <a:ext uri="{AF507438-7753-43E0-B8FC-AC1667EBCBE1}">
+              <a14:hiddenEffects xmlns:a14="http://schemas.microsoft.com/office/drawing/2010/main">
+                <a:effectLst>
+                  <a:outerShdw dist="35921" dir="2700000" algn="ctr" rotWithShape="0">
+                    <a:schemeClr val="bg2"/>
+                  </a:outerShdw>
+                </a:effectLst>
+              </a14:hiddenEffects>
+            </a:ext>
+          </a:extLst>
+        </p:spPr>
+      </p:pic>
+      <p:pic>
+        <p:nvPicPr>
+          <p:cNvPr id="1026" name="Picture 2"/>
+          <p:cNvPicPr>
+            <a:picLocks noChangeAspect="1" noChangeArrowheads="1"/>
+          </p:cNvPicPr>
+          <p:nvPr/>
+        </p:nvPicPr>
+        <p:blipFill>
+          <a:blip r:embed="rId3">
+            <a:extLst>
+              <a:ext uri="{28A0092B-C50C-407E-A947-70E740481C1C}">
+                <a14:useLocalDpi xmlns:a14="http://schemas.microsoft.com/office/drawing/2010/main" val="0"/>
+              </a:ext>
+            </a:extLst>
+          </a:blip>
+          <a:srcRect/>
+          <a:stretch>
+            <a:fillRect/>
+          </a:stretch>
+        </p:blipFill>
+        <p:spPr bwMode="auto">
+          <a:xfrm>
+            <a:off x="762000" y="3962400"/>
+            <a:ext cx="3324225" cy="2000250"/>
           </a:xfrm>
           <a:prstGeom prst="rect">
             <a:avLst/>
@@ -28193,6 +28463,170 @@
       </p:grpSpPr>
       <p:sp>
         <p:nvSpPr>
+          <p:cNvPr id="2" name="Content Placeholder 1"/>
+          <p:cNvSpPr>
+            <a:spLocks noGrp="1"/>
+          </p:cNvSpPr>
+          <p:nvPr>
+            <p:ph idx="1"/>
+          </p:nvPr>
+        </p:nvSpPr>
+        <p:spPr/>
+        <p:txBody>
+          <a:bodyPr/>
+          <a:lstStyle/>
+          <a:p>
+            <a:r>
+              <a:rPr lang="en-US" dirty="0"/>
+              <a:t>The reverse() method reverses the order of the elements in an array.</a:t>
+            </a:r>
+          </a:p>
+          <a:p>
+            <a:r>
+              <a:rPr lang="en-US" b="1" dirty="0">
+                <a:solidFill>
+                  <a:srgbClr val="FF0000"/>
+                </a:solidFill>
+              </a:rPr>
+              <a:t>The reverse() method overwrites the original array.</a:t>
+            </a:r>
+          </a:p>
+          <a:p>
+            <a:endParaRPr lang="bg-BG" dirty="0"/>
+          </a:p>
+        </p:txBody>
+      </p:sp>
+      <p:sp>
+        <p:nvSpPr>
+          <p:cNvPr id="3" name="Title 2"/>
+          <p:cNvSpPr>
+            <a:spLocks noGrp="1"/>
+          </p:cNvSpPr>
+          <p:nvPr>
+            <p:ph type="title"/>
+          </p:nvPr>
+        </p:nvSpPr>
+        <p:spPr/>
+        <p:txBody>
+          <a:bodyPr/>
+          <a:lstStyle/>
+          <a:p>
+            <a:r>
+              <a:rPr lang="en-US" dirty="0" smtClean="0"/>
+              <a:t>Array </a:t>
+            </a:r>
+            <a:r>
+              <a:rPr lang="en-US" b="1" dirty="0" smtClean="0">
+                <a:solidFill>
+                  <a:srgbClr val="FFC000"/>
+                </a:solidFill>
+              </a:rPr>
+              <a:t>Reverse()</a:t>
+            </a:r>
+            <a:endParaRPr lang="bg-BG" b="1" dirty="0">
+              <a:solidFill>
+                <a:srgbClr val="FFC000"/>
+              </a:solidFill>
+            </a:endParaRPr>
+          </a:p>
+        </p:txBody>
+      </p:sp>
+      <p:pic>
+        <p:nvPicPr>
+          <p:cNvPr id="2050" name="Picture 2"/>
+          <p:cNvPicPr>
+            <a:picLocks noChangeAspect="1" noChangeArrowheads="1"/>
+          </p:cNvPicPr>
+          <p:nvPr/>
+        </p:nvPicPr>
+        <p:blipFill>
+          <a:blip r:embed="rId2">
+            <a:extLst>
+              <a:ext uri="{28A0092B-C50C-407E-A947-70E740481C1C}">
+                <a14:useLocalDpi xmlns:a14="http://schemas.microsoft.com/office/drawing/2010/main" val="0"/>
+              </a:ext>
+            </a:extLst>
+          </a:blip>
+          <a:srcRect/>
+          <a:stretch>
+            <a:fillRect/>
+          </a:stretch>
+        </p:blipFill>
+        <p:spPr bwMode="auto">
+          <a:xfrm>
+            <a:off x="533400" y="3102634"/>
+            <a:ext cx="8001000" cy="2636313"/>
+          </a:xfrm>
+          <a:prstGeom prst="rect">
+            <a:avLst/>
+          </a:prstGeom>
+          <a:noFill/>
+          <a:ln>
+            <a:noFill/>
+          </a:ln>
+          <a:effectLst/>
+          <a:extLst>
+            <a:ext uri="{909E8E84-426E-40DD-AFC4-6F175D3DCCD1}">
+              <a14:hiddenFill xmlns:a14="http://schemas.microsoft.com/office/drawing/2010/main">
+                <a:solidFill>
+                  <a:schemeClr val="accent1"/>
+                </a:solidFill>
+              </a14:hiddenFill>
+            </a:ext>
+            <a:ext uri="{91240B29-F687-4F45-9708-019B960494DF}">
+              <a14:hiddenLine xmlns:a14="http://schemas.microsoft.com/office/drawing/2010/main" w="9525">
+                <a:solidFill>
+                  <a:schemeClr val="tx1"/>
+                </a:solidFill>
+                <a:miter lim="800000"/>
+                <a:headEnd/>
+                <a:tailEnd/>
+              </a14:hiddenLine>
+            </a:ext>
+            <a:ext uri="{AF507438-7753-43E0-B8FC-AC1667EBCBE1}">
+              <a14:hiddenEffects xmlns:a14="http://schemas.microsoft.com/office/drawing/2010/main">
+                <a:effectLst>
+                  <a:outerShdw dist="35921" dir="2700000" algn="ctr" rotWithShape="0">
+                    <a:schemeClr val="bg2"/>
+                  </a:outerShdw>
+                </a:effectLst>
+              </a14:hiddenEffects>
+            </a:ext>
+          </a:extLst>
+        </p:spPr>
+      </p:pic>
+    </p:spTree>
+    <p:extLst>
+      <p:ext uri="{BB962C8B-B14F-4D97-AF65-F5344CB8AC3E}">
+        <p14:creationId xmlns:p14="http://schemas.microsoft.com/office/powerpoint/2010/main" val="3419008900"/>
+      </p:ext>
+    </p:extLst>
+  </p:cSld>
+  <p:clrMapOvr>
+    <a:masterClrMapping/>
+  </p:clrMapOvr>
+</p:sld>
+</file>
+
+<file path=ppt/slides/slide81.xml><?xml version="1.0" encoding="utf-8"?>
+<p:sld xmlns:a="http://schemas.openxmlformats.org/drawingml/2006/main" xmlns:r="http://schemas.openxmlformats.org/officeDocument/2006/relationships" xmlns:p="http://schemas.openxmlformats.org/presentationml/2006/main">
+  <p:cSld>
+    <p:spTree>
+      <p:nvGrpSpPr>
+        <p:cNvPr id="1" name=""/>
+        <p:cNvGrpSpPr/>
+        <p:nvPr/>
+      </p:nvGrpSpPr>
+      <p:grpSpPr>
+        <a:xfrm>
+          <a:off x="0" y="0"/>
+          <a:ext cx="0" cy="0"/>
+          <a:chOff x="0" y="0"/>
+          <a:chExt cx="0" cy="0"/>
+        </a:xfrm>
+      </p:grpSpPr>
+      <p:sp>
+        <p:nvSpPr>
           <p:cNvPr id="3" name="Title 2"/>
           <p:cNvSpPr>
             <a:spLocks noGrp="1"/>
@@ -28231,7 +28665,7 @@
 </p:sld>
 </file>
 
-<file path=ppt/slides/slide81.xml><?xml version="1.0" encoding="utf-8"?>
+<file path=ppt/slides/slide82.xml><?xml version="1.0" encoding="utf-8"?>
 <p:sld xmlns:a="http://schemas.openxmlformats.org/drawingml/2006/main" xmlns:r="http://schemas.openxmlformats.org/officeDocument/2006/relationships" xmlns:p="http://schemas.openxmlformats.org/presentationml/2006/main">
   <p:cSld>
     <p:spTree>
@@ -28628,7 +29062,7 @@
 </p:sld>
 </file>
 
-<file path=ppt/slides/slide82.xml><?xml version="1.0" encoding="utf-8"?>
+<file path=ppt/slides/slide83.xml><?xml version="1.0" encoding="utf-8"?>
 <p:sld xmlns:a="http://schemas.openxmlformats.org/drawingml/2006/main" xmlns:r="http://schemas.openxmlformats.org/officeDocument/2006/relationships" xmlns:p="http://schemas.openxmlformats.org/presentationml/2006/main">
   <p:cSld>
     <p:spTree>
@@ -28863,7 +29297,7 @@
 </p:sld>
 </file>
 
-<file path=ppt/slides/slide83.xml><?xml version="1.0" encoding="utf-8"?>
+<file path=ppt/slides/slide84.xml><?xml version="1.0" encoding="utf-8"?>
 <p:sld xmlns:a="http://schemas.openxmlformats.org/drawingml/2006/main" xmlns:r="http://schemas.openxmlformats.org/officeDocument/2006/relationships" xmlns:p="http://schemas.openxmlformats.org/presentationml/2006/main">
   <p:cSld>
     <p:spTree>
@@ -29061,7 +29495,7 @@
 </p:sld>
 </file>
 
-<file path=ppt/slides/slide84.xml><?xml version="1.0" encoding="utf-8"?>
+<file path=ppt/slides/slide85.xml><?xml version="1.0" encoding="utf-8"?>
 <p:sld xmlns:a="http://schemas.openxmlformats.org/drawingml/2006/main" xmlns:r="http://schemas.openxmlformats.org/officeDocument/2006/relationships" xmlns:p="http://schemas.openxmlformats.org/presentationml/2006/main">
   <p:cSld>
     <p:spTree>
@@ -29273,7 +29707,7 @@
 </p:sld>
 </file>
 
-<file path=ppt/slides/slide85.xml><?xml version="1.0" encoding="utf-8"?>
+<file path=ppt/slides/slide86.xml><?xml version="1.0" encoding="utf-8"?>
 <p:sld xmlns:a="http://schemas.openxmlformats.org/drawingml/2006/main" xmlns:r="http://schemas.openxmlformats.org/officeDocument/2006/relationships" xmlns:p="http://schemas.openxmlformats.org/presentationml/2006/main">
   <p:cSld>
     <p:spTree>
@@ -29566,7 +30000,7 @@
 </p:sld>
 </file>
 
-<file path=ppt/slides/slide86.xml><?xml version="1.0" encoding="utf-8"?>
+<file path=ppt/slides/slide87.xml><?xml version="1.0" encoding="utf-8"?>
 <p:sld xmlns:a="http://schemas.openxmlformats.org/drawingml/2006/main" xmlns:r="http://schemas.openxmlformats.org/officeDocument/2006/relationships" xmlns:p="http://schemas.openxmlformats.org/presentationml/2006/main">
   <p:cSld>
     <p:spTree>
@@ -30035,7 +30469,7 @@
 </p:sld>
 </file>
 
-<file path=ppt/slides/slide87.xml><?xml version="1.0" encoding="utf-8"?>
+<file path=ppt/slides/slide88.xml><?xml version="1.0" encoding="utf-8"?>
 <p:sld xmlns:a="http://schemas.openxmlformats.org/drawingml/2006/main" xmlns:r="http://schemas.openxmlformats.org/officeDocument/2006/relationships" xmlns:p="http://schemas.openxmlformats.org/presentationml/2006/main">
   <p:cSld>
     <p:spTree>
@@ -30382,7 +30816,7 @@
 </p:sld>
 </file>
 
-<file path=ppt/slides/slide88.xml><?xml version="1.0" encoding="utf-8"?>
+<file path=ppt/slides/slide89.xml><?xml version="1.0" encoding="utf-8"?>
 <p:sld xmlns:a="http://schemas.openxmlformats.org/drawingml/2006/main" xmlns:r="http://schemas.openxmlformats.org/officeDocument/2006/relationships" xmlns:p="http://schemas.openxmlformats.org/presentationml/2006/main">
   <p:cSld>
     <p:spTree>
@@ -30526,264 +30960,6 @@
     <p:extLst>
       <p:ext uri="{BB962C8B-B14F-4D97-AF65-F5344CB8AC3E}">
         <p14:creationId xmlns:p14="http://schemas.microsoft.com/office/powerpoint/2010/main" val="2231724681"/>
-      </p:ext>
-    </p:extLst>
-  </p:cSld>
-  <p:clrMapOvr>
-    <a:masterClrMapping/>
-  </p:clrMapOvr>
-</p:sld>
-</file>
-
-<file path=ppt/slides/slide89.xml><?xml version="1.0" encoding="utf-8"?>
-<p:sld xmlns:a="http://schemas.openxmlformats.org/drawingml/2006/main" xmlns:r="http://schemas.openxmlformats.org/officeDocument/2006/relationships" xmlns:p="http://schemas.openxmlformats.org/presentationml/2006/main">
-  <p:cSld>
-    <p:spTree>
-      <p:nvGrpSpPr>
-        <p:cNvPr id="1" name=""/>
-        <p:cNvGrpSpPr/>
-        <p:nvPr/>
-      </p:nvGrpSpPr>
-      <p:grpSpPr>
-        <a:xfrm>
-          <a:off x="0" y="0"/>
-          <a:ext cx="0" cy="0"/>
-          <a:chOff x="0" y="0"/>
-          <a:chExt cx="0" cy="0"/>
-        </a:xfrm>
-      </p:grpSpPr>
-      <p:sp>
-        <p:nvSpPr>
-          <p:cNvPr id="2" name="Content Placeholder 1"/>
-          <p:cNvSpPr>
-            <a:spLocks noGrp="1"/>
-          </p:cNvSpPr>
-          <p:nvPr>
-            <p:ph idx="1"/>
-          </p:nvPr>
-        </p:nvSpPr>
-        <p:spPr/>
-        <p:txBody>
-          <a:bodyPr/>
-          <a:lstStyle/>
-          <a:p>
-            <a:r>
-              <a:rPr lang="en-US" dirty="0"/>
-              <a:t>If a function is called with </a:t>
-            </a:r>
-            <a:r>
-              <a:rPr lang="en-US" b="1" dirty="0"/>
-              <a:t>missing arguments</a:t>
-            </a:r>
-            <a:r>
-              <a:rPr lang="en-US" dirty="0"/>
-              <a:t> (less than declared), the missing values are set to undefined.</a:t>
-            </a:r>
-          </a:p>
-          <a:p>
-            <a:r>
-              <a:rPr lang="en-US" dirty="0"/>
-              <a:t>Sometimes this is acceptable, but sometimes it is better to assign a default value to the parameter</a:t>
-            </a:r>
-            <a:r>
-              <a:rPr lang="en-US" dirty="0" smtClean="0"/>
-              <a:t>:</a:t>
-            </a:r>
-          </a:p>
-          <a:p>
-            <a:endParaRPr lang="en-US" dirty="0"/>
-          </a:p>
-          <a:p>
-            <a:endParaRPr lang="en-US" dirty="0" smtClean="0"/>
-          </a:p>
-          <a:p>
-            <a:endParaRPr lang="en-US" dirty="0"/>
-          </a:p>
-          <a:p>
-            <a:endParaRPr lang="en-US" dirty="0" smtClean="0"/>
-          </a:p>
-          <a:p>
-            <a:pPr marL="45720" indent="0">
-              <a:buNone/>
-            </a:pPr>
-            <a:endParaRPr lang="en-US" dirty="0" smtClean="0"/>
-          </a:p>
-          <a:p>
-            <a:r>
-              <a:rPr lang="en-US" dirty="0" err="1">
-                <a:hlinkClick r:id="rId2"/>
-              </a:rPr>
-              <a:t>ECMAScript</a:t>
-            </a:r>
-            <a:r>
-              <a:rPr lang="en-US" dirty="0">
-                <a:hlinkClick r:id="rId2"/>
-              </a:rPr>
-              <a:t> 2015</a:t>
-            </a:r>
-            <a:r>
-              <a:rPr lang="en-US" dirty="0"/>
-              <a:t> allows default parameter values in the function declaration:</a:t>
-            </a:r>
-            <a:endParaRPr lang="bg-BG" dirty="0"/>
-          </a:p>
-        </p:txBody>
-      </p:sp>
-      <p:sp>
-        <p:nvSpPr>
-          <p:cNvPr id="3" name="Title 2"/>
-          <p:cNvSpPr>
-            <a:spLocks noGrp="1"/>
-          </p:cNvSpPr>
-          <p:nvPr>
-            <p:ph type="title"/>
-          </p:nvPr>
-        </p:nvSpPr>
-        <p:spPr/>
-        <p:txBody>
-          <a:bodyPr/>
-          <a:lstStyle/>
-          <a:p>
-            <a:r>
-              <a:rPr lang="en-US" dirty="0" smtClean="0"/>
-              <a:t>Default parameters</a:t>
-            </a:r>
-            <a:endParaRPr lang="bg-BG" dirty="0"/>
-          </a:p>
-        </p:txBody>
-      </p:sp>
-      <p:pic>
-        <p:nvPicPr>
-          <p:cNvPr id="9218" name="Picture 2"/>
-          <p:cNvPicPr>
-            <a:picLocks noChangeAspect="1" noChangeArrowheads="1"/>
-          </p:cNvPicPr>
-          <p:nvPr/>
-        </p:nvPicPr>
-        <p:blipFill>
-          <a:blip r:embed="rId3">
-            <a:extLst>
-              <a:ext uri="{28A0092B-C50C-407E-A947-70E740481C1C}">
-                <a14:useLocalDpi xmlns:a14="http://schemas.microsoft.com/office/drawing/2010/main" val="0"/>
-              </a:ext>
-            </a:extLst>
-          </a:blip>
-          <a:srcRect/>
-          <a:stretch>
-            <a:fillRect/>
-          </a:stretch>
-        </p:blipFill>
-        <p:spPr bwMode="auto">
-          <a:xfrm>
-            <a:off x="762000" y="3200400"/>
-            <a:ext cx="3181350" cy="1381125"/>
-          </a:xfrm>
-          <a:prstGeom prst="rect">
-            <a:avLst/>
-          </a:prstGeom>
-          <a:noFill/>
-          <a:ln>
-            <a:noFill/>
-          </a:ln>
-          <a:effectLst/>
-          <a:extLst>
-            <a:ext uri="{909E8E84-426E-40DD-AFC4-6F175D3DCCD1}">
-              <a14:hiddenFill xmlns:a14="http://schemas.microsoft.com/office/drawing/2010/main">
-                <a:solidFill>
-                  <a:schemeClr val="accent1"/>
-                </a:solidFill>
-              </a14:hiddenFill>
-            </a:ext>
-            <a:ext uri="{91240B29-F687-4F45-9708-019B960494DF}">
-              <a14:hiddenLine xmlns:a14="http://schemas.microsoft.com/office/drawing/2010/main" w="9525">
-                <a:solidFill>
-                  <a:schemeClr val="tx1"/>
-                </a:solidFill>
-                <a:miter lim="800000"/>
-                <a:headEnd/>
-                <a:tailEnd/>
-              </a14:hiddenLine>
-            </a:ext>
-            <a:ext uri="{AF507438-7753-43E0-B8FC-AC1667EBCBE1}">
-              <a14:hiddenEffects xmlns:a14="http://schemas.microsoft.com/office/drawing/2010/main">
-                <a:effectLst>
-                  <a:outerShdw dist="35921" dir="2700000" algn="ctr" rotWithShape="0">
-                    <a:schemeClr val="bg2"/>
-                  </a:outerShdw>
-                </a:effectLst>
-              </a14:hiddenEffects>
-            </a:ext>
-          </a:extLst>
-        </p:spPr>
-      </p:pic>
-      <p:pic>
-        <p:nvPicPr>
-          <p:cNvPr id="9219" name="Picture 3"/>
-          <p:cNvPicPr>
-            <a:picLocks noChangeAspect="1" noChangeArrowheads="1"/>
-          </p:cNvPicPr>
-          <p:nvPr/>
-        </p:nvPicPr>
-        <p:blipFill>
-          <a:blip r:embed="rId4">
-            <a:extLst>
-              <a:ext uri="{28A0092B-C50C-407E-A947-70E740481C1C}">
-                <a14:useLocalDpi xmlns:a14="http://schemas.microsoft.com/office/drawing/2010/main" val="0"/>
-              </a:ext>
-            </a:extLst>
-          </a:blip>
-          <a:srcRect/>
-          <a:stretch>
-            <a:fillRect/>
-          </a:stretch>
-        </p:blipFill>
-        <p:spPr bwMode="auto">
-          <a:xfrm>
-            <a:off x="762000" y="5638800"/>
-            <a:ext cx="3257550" cy="942975"/>
-          </a:xfrm>
-          <a:prstGeom prst="rect">
-            <a:avLst/>
-          </a:prstGeom>
-          <a:noFill/>
-          <a:ln>
-            <a:noFill/>
-          </a:ln>
-          <a:effectLst/>
-          <a:extLst>
-            <a:ext uri="{909E8E84-426E-40DD-AFC4-6F175D3DCCD1}">
-              <a14:hiddenFill xmlns:a14="http://schemas.microsoft.com/office/drawing/2010/main">
-                <a:solidFill>
-                  <a:schemeClr val="accent1"/>
-                </a:solidFill>
-              </a14:hiddenFill>
-            </a:ext>
-            <a:ext uri="{91240B29-F687-4F45-9708-019B960494DF}">
-              <a14:hiddenLine xmlns:a14="http://schemas.microsoft.com/office/drawing/2010/main" w="9525">
-                <a:solidFill>
-                  <a:schemeClr val="tx1"/>
-                </a:solidFill>
-                <a:miter lim="800000"/>
-                <a:headEnd/>
-                <a:tailEnd/>
-              </a14:hiddenLine>
-            </a:ext>
-            <a:ext uri="{AF507438-7753-43E0-B8FC-AC1667EBCBE1}">
-              <a14:hiddenEffects xmlns:a14="http://schemas.microsoft.com/office/drawing/2010/main">
-                <a:effectLst>
-                  <a:outerShdw dist="35921" dir="2700000" algn="ctr" rotWithShape="0">
-                    <a:schemeClr val="bg2"/>
-                  </a:outerShdw>
-                </a:effectLst>
-              </a14:hiddenEffects>
-            </a:ext>
-          </a:extLst>
-        </p:spPr>
-      </p:pic>
-    </p:spTree>
-    <p:extLst>
-      <p:ext uri="{BB962C8B-B14F-4D97-AF65-F5344CB8AC3E}">
-        <p14:creationId xmlns:p14="http://schemas.microsoft.com/office/powerpoint/2010/main" val="4059448677"/>
       </p:ext>
     </p:extLst>
   </p:cSld>
@@ -31167,6 +31343,264 @@
           <a:p>
             <a:r>
               <a:rPr lang="en-US" dirty="0"/>
+              <a:t>If a function is called with </a:t>
+            </a:r>
+            <a:r>
+              <a:rPr lang="en-US" b="1" dirty="0"/>
+              <a:t>missing arguments</a:t>
+            </a:r>
+            <a:r>
+              <a:rPr lang="en-US" dirty="0"/>
+              <a:t> (less than declared), the missing values are set to undefined.</a:t>
+            </a:r>
+          </a:p>
+          <a:p>
+            <a:r>
+              <a:rPr lang="en-US" dirty="0"/>
+              <a:t>Sometimes this is acceptable, but sometimes it is better to assign a default value to the parameter</a:t>
+            </a:r>
+            <a:r>
+              <a:rPr lang="en-US" dirty="0" smtClean="0"/>
+              <a:t>:</a:t>
+            </a:r>
+          </a:p>
+          <a:p>
+            <a:endParaRPr lang="en-US" dirty="0"/>
+          </a:p>
+          <a:p>
+            <a:endParaRPr lang="en-US" dirty="0" smtClean="0"/>
+          </a:p>
+          <a:p>
+            <a:endParaRPr lang="en-US" dirty="0"/>
+          </a:p>
+          <a:p>
+            <a:endParaRPr lang="en-US" dirty="0" smtClean="0"/>
+          </a:p>
+          <a:p>
+            <a:pPr marL="45720" indent="0">
+              <a:buNone/>
+            </a:pPr>
+            <a:endParaRPr lang="en-US" dirty="0" smtClean="0"/>
+          </a:p>
+          <a:p>
+            <a:r>
+              <a:rPr lang="en-US" dirty="0" err="1">
+                <a:hlinkClick r:id="rId2"/>
+              </a:rPr>
+              <a:t>ECMAScript</a:t>
+            </a:r>
+            <a:r>
+              <a:rPr lang="en-US" dirty="0">
+                <a:hlinkClick r:id="rId2"/>
+              </a:rPr>
+              <a:t> 2015</a:t>
+            </a:r>
+            <a:r>
+              <a:rPr lang="en-US" dirty="0"/>
+              <a:t> allows default parameter values in the function declaration:</a:t>
+            </a:r>
+            <a:endParaRPr lang="bg-BG" dirty="0"/>
+          </a:p>
+        </p:txBody>
+      </p:sp>
+      <p:sp>
+        <p:nvSpPr>
+          <p:cNvPr id="3" name="Title 2"/>
+          <p:cNvSpPr>
+            <a:spLocks noGrp="1"/>
+          </p:cNvSpPr>
+          <p:nvPr>
+            <p:ph type="title"/>
+          </p:nvPr>
+        </p:nvSpPr>
+        <p:spPr/>
+        <p:txBody>
+          <a:bodyPr/>
+          <a:lstStyle/>
+          <a:p>
+            <a:r>
+              <a:rPr lang="en-US" dirty="0" smtClean="0"/>
+              <a:t>Default parameters</a:t>
+            </a:r>
+            <a:endParaRPr lang="bg-BG" dirty="0"/>
+          </a:p>
+        </p:txBody>
+      </p:sp>
+      <p:pic>
+        <p:nvPicPr>
+          <p:cNvPr id="9218" name="Picture 2"/>
+          <p:cNvPicPr>
+            <a:picLocks noChangeAspect="1" noChangeArrowheads="1"/>
+          </p:cNvPicPr>
+          <p:nvPr/>
+        </p:nvPicPr>
+        <p:blipFill>
+          <a:blip r:embed="rId3">
+            <a:extLst>
+              <a:ext uri="{28A0092B-C50C-407E-A947-70E740481C1C}">
+                <a14:useLocalDpi xmlns:a14="http://schemas.microsoft.com/office/drawing/2010/main" val="0"/>
+              </a:ext>
+            </a:extLst>
+          </a:blip>
+          <a:srcRect/>
+          <a:stretch>
+            <a:fillRect/>
+          </a:stretch>
+        </p:blipFill>
+        <p:spPr bwMode="auto">
+          <a:xfrm>
+            <a:off x="762000" y="3200400"/>
+            <a:ext cx="3181350" cy="1381125"/>
+          </a:xfrm>
+          <a:prstGeom prst="rect">
+            <a:avLst/>
+          </a:prstGeom>
+          <a:noFill/>
+          <a:ln>
+            <a:noFill/>
+          </a:ln>
+          <a:effectLst/>
+          <a:extLst>
+            <a:ext uri="{909E8E84-426E-40DD-AFC4-6F175D3DCCD1}">
+              <a14:hiddenFill xmlns:a14="http://schemas.microsoft.com/office/drawing/2010/main">
+                <a:solidFill>
+                  <a:schemeClr val="accent1"/>
+                </a:solidFill>
+              </a14:hiddenFill>
+            </a:ext>
+            <a:ext uri="{91240B29-F687-4F45-9708-019B960494DF}">
+              <a14:hiddenLine xmlns:a14="http://schemas.microsoft.com/office/drawing/2010/main" w="9525">
+                <a:solidFill>
+                  <a:schemeClr val="tx1"/>
+                </a:solidFill>
+                <a:miter lim="800000"/>
+                <a:headEnd/>
+                <a:tailEnd/>
+              </a14:hiddenLine>
+            </a:ext>
+            <a:ext uri="{AF507438-7753-43E0-B8FC-AC1667EBCBE1}">
+              <a14:hiddenEffects xmlns:a14="http://schemas.microsoft.com/office/drawing/2010/main">
+                <a:effectLst>
+                  <a:outerShdw dist="35921" dir="2700000" algn="ctr" rotWithShape="0">
+                    <a:schemeClr val="bg2"/>
+                  </a:outerShdw>
+                </a:effectLst>
+              </a14:hiddenEffects>
+            </a:ext>
+          </a:extLst>
+        </p:spPr>
+      </p:pic>
+      <p:pic>
+        <p:nvPicPr>
+          <p:cNvPr id="9219" name="Picture 3"/>
+          <p:cNvPicPr>
+            <a:picLocks noChangeAspect="1" noChangeArrowheads="1"/>
+          </p:cNvPicPr>
+          <p:nvPr/>
+        </p:nvPicPr>
+        <p:blipFill>
+          <a:blip r:embed="rId4">
+            <a:extLst>
+              <a:ext uri="{28A0092B-C50C-407E-A947-70E740481C1C}">
+                <a14:useLocalDpi xmlns:a14="http://schemas.microsoft.com/office/drawing/2010/main" val="0"/>
+              </a:ext>
+            </a:extLst>
+          </a:blip>
+          <a:srcRect/>
+          <a:stretch>
+            <a:fillRect/>
+          </a:stretch>
+        </p:blipFill>
+        <p:spPr bwMode="auto">
+          <a:xfrm>
+            <a:off x="762000" y="5638800"/>
+            <a:ext cx="3257550" cy="942975"/>
+          </a:xfrm>
+          <a:prstGeom prst="rect">
+            <a:avLst/>
+          </a:prstGeom>
+          <a:noFill/>
+          <a:ln>
+            <a:noFill/>
+          </a:ln>
+          <a:effectLst/>
+          <a:extLst>
+            <a:ext uri="{909E8E84-426E-40DD-AFC4-6F175D3DCCD1}">
+              <a14:hiddenFill xmlns:a14="http://schemas.microsoft.com/office/drawing/2010/main">
+                <a:solidFill>
+                  <a:schemeClr val="accent1"/>
+                </a:solidFill>
+              </a14:hiddenFill>
+            </a:ext>
+            <a:ext uri="{91240B29-F687-4F45-9708-019B960494DF}">
+              <a14:hiddenLine xmlns:a14="http://schemas.microsoft.com/office/drawing/2010/main" w="9525">
+                <a:solidFill>
+                  <a:schemeClr val="tx1"/>
+                </a:solidFill>
+                <a:miter lim="800000"/>
+                <a:headEnd/>
+                <a:tailEnd/>
+              </a14:hiddenLine>
+            </a:ext>
+            <a:ext uri="{AF507438-7753-43E0-B8FC-AC1667EBCBE1}">
+              <a14:hiddenEffects xmlns:a14="http://schemas.microsoft.com/office/drawing/2010/main">
+                <a:effectLst>
+                  <a:outerShdw dist="35921" dir="2700000" algn="ctr" rotWithShape="0">
+                    <a:schemeClr val="bg2"/>
+                  </a:outerShdw>
+                </a:effectLst>
+              </a14:hiddenEffects>
+            </a:ext>
+          </a:extLst>
+        </p:spPr>
+      </p:pic>
+    </p:spTree>
+    <p:extLst>
+      <p:ext uri="{BB962C8B-B14F-4D97-AF65-F5344CB8AC3E}">
+        <p14:creationId xmlns:p14="http://schemas.microsoft.com/office/powerpoint/2010/main" val="4059448677"/>
+      </p:ext>
+    </p:extLst>
+  </p:cSld>
+  <p:clrMapOvr>
+    <a:masterClrMapping/>
+  </p:clrMapOvr>
+</p:sld>
+</file>
+
+<file path=ppt/slides/slide91.xml><?xml version="1.0" encoding="utf-8"?>
+<p:sld xmlns:a="http://schemas.openxmlformats.org/drawingml/2006/main" xmlns:r="http://schemas.openxmlformats.org/officeDocument/2006/relationships" xmlns:p="http://schemas.openxmlformats.org/presentationml/2006/main">
+  <p:cSld>
+    <p:spTree>
+      <p:nvGrpSpPr>
+        <p:cNvPr id="1" name=""/>
+        <p:cNvGrpSpPr/>
+        <p:nvPr/>
+      </p:nvGrpSpPr>
+      <p:grpSpPr>
+        <a:xfrm>
+          <a:off x="0" y="0"/>
+          <a:ext cx="0" cy="0"/>
+          <a:chOff x="0" y="0"/>
+          <a:chExt cx="0" cy="0"/>
+        </a:xfrm>
+      </p:grpSpPr>
+      <p:sp>
+        <p:nvSpPr>
+          <p:cNvPr id="2" name="Content Placeholder 1"/>
+          <p:cNvSpPr>
+            <a:spLocks noGrp="1"/>
+          </p:cNvSpPr>
+          <p:nvPr>
+            <p:ph idx="1"/>
+          </p:nvPr>
+        </p:nvSpPr>
+        <p:spPr/>
+        <p:txBody>
+          <a:bodyPr/>
+          <a:lstStyle/>
+          <a:p>
+            <a:r>
+              <a:rPr lang="en-US" dirty="0"/>
               <a:t>JavaScript functions have a built-in object called the arguments object.</a:t>
             </a:r>
           </a:p>
@@ -31419,7 +31853,7 @@
 </p:sld>
 </file>
 
-<file path=ppt/slides/slide91.xml><?xml version="1.0" encoding="utf-8"?>
+<file path=ppt/slides/slide92.xml><?xml version="1.0" encoding="utf-8"?>
 <p:sld xmlns:a="http://schemas.openxmlformats.org/drawingml/2006/main" xmlns:r="http://schemas.openxmlformats.org/officeDocument/2006/relationships" xmlns:p="http://schemas.openxmlformats.org/presentationml/2006/main">
   <p:cSld>
     <p:spTree>
@@ -31551,7 +31985,7 @@
 </p:sld>
 </file>
 
-<file path=ppt/slides/slide92.xml><?xml version="1.0" encoding="utf-8"?>
+<file path=ppt/slides/slide93.xml><?xml version="1.0" encoding="utf-8"?>
 <p:sld xmlns:a="http://schemas.openxmlformats.org/drawingml/2006/main" xmlns:r="http://schemas.openxmlformats.org/officeDocument/2006/relationships" xmlns:p="http://schemas.openxmlformats.org/presentationml/2006/main">
   <p:cSld>
     <p:spTree>
@@ -31794,7 +32228,7 @@
 </p:sld>
 </file>
 
-<file path=ppt/slides/slide93.xml><?xml version="1.0" encoding="utf-8"?>
+<file path=ppt/slides/slide94.xml><?xml version="1.0" encoding="utf-8"?>
 <p:sld xmlns:a="http://schemas.openxmlformats.org/drawingml/2006/main" xmlns:r="http://schemas.openxmlformats.org/officeDocument/2006/relationships" xmlns:p="http://schemas.openxmlformats.org/presentationml/2006/main">
   <p:cSld>
     <p:spTree>
@@ -31972,7 +32406,7 @@
 </p:sld>
 </file>
 
-<file path=ppt/slides/slide94.xml><?xml version="1.0" encoding="utf-8"?>
+<file path=ppt/slides/slide95.xml><?xml version="1.0" encoding="utf-8"?>
 <p:sld xmlns:a="http://schemas.openxmlformats.org/drawingml/2006/main" xmlns:r="http://schemas.openxmlformats.org/officeDocument/2006/relationships" xmlns:p="http://schemas.openxmlformats.org/presentationml/2006/main">
   <p:cSld>
     <p:spTree>
@@ -32194,7 +32628,7 @@
 </p:sld>
 </file>
 
-<file path=ppt/slides/slide95.xml><?xml version="1.0" encoding="utf-8"?>
+<file path=ppt/slides/slide96.xml><?xml version="1.0" encoding="utf-8"?>
 <p:sld xmlns:a="http://schemas.openxmlformats.org/drawingml/2006/main" xmlns:r="http://schemas.openxmlformats.org/officeDocument/2006/relationships" xmlns:p="http://schemas.openxmlformats.org/presentationml/2006/main">
   <p:cSld>
     <p:spTree>
@@ -32484,7 +32918,7 @@
 </p:sld>
 </file>
 
-<file path=ppt/slides/slide96.xml><?xml version="1.0" encoding="utf-8"?>
+<file path=ppt/slides/slide97.xml><?xml version="1.0" encoding="utf-8"?>
 <p:sld xmlns:a="http://schemas.openxmlformats.org/drawingml/2006/main" xmlns:r="http://schemas.openxmlformats.org/officeDocument/2006/relationships" xmlns:p="http://schemas.openxmlformats.org/presentationml/2006/main">
   <p:cSld>
     <p:spTree>
@@ -32726,235 +33160,6 @@
     <p:extLst>
       <p:ext uri="{BB962C8B-B14F-4D97-AF65-F5344CB8AC3E}">
         <p14:creationId xmlns:p14="http://schemas.microsoft.com/office/powerpoint/2010/main" val="51603848"/>
-      </p:ext>
-    </p:extLst>
-  </p:cSld>
-  <p:clrMapOvr>
-    <a:masterClrMapping/>
-  </p:clrMapOvr>
-</p:sld>
-</file>
-
-<file path=ppt/slides/slide97.xml><?xml version="1.0" encoding="utf-8"?>
-<p:sld xmlns:a="http://schemas.openxmlformats.org/drawingml/2006/main" xmlns:r="http://schemas.openxmlformats.org/officeDocument/2006/relationships" xmlns:p="http://schemas.openxmlformats.org/presentationml/2006/main">
-  <p:cSld>
-    <p:spTree>
-      <p:nvGrpSpPr>
-        <p:cNvPr id="1" name=""/>
-        <p:cNvGrpSpPr/>
-        <p:nvPr/>
-      </p:nvGrpSpPr>
-      <p:grpSpPr>
-        <a:xfrm>
-          <a:off x="0" y="0"/>
-          <a:ext cx="0" cy="0"/>
-          <a:chOff x="0" y="0"/>
-          <a:chExt cx="0" cy="0"/>
-        </a:xfrm>
-      </p:grpSpPr>
-      <p:sp>
-        <p:nvSpPr>
-          <p:cNvPr id="2" name="Content Placeholder 1"/>
-          <p:cNvSpPr>
-            <a:spLocks noGrp="1"/>
-          </p:cNvSpPr>
-          <p:nvPr>
-            <p:ph idx="1"/>
-          </p:nvPr>
-        </p:nvSpPr>
-        <p:spPr/>
-        <p:txBody>
-          <a:bodyPr/>
-          <a:lstStyle/>
-          <a:p>
-            <a:r>
-              <a:rPr lang="en-US" dirty="0"/>
-              <a:t>With the </a:t>
-            </a:r>
-            <a:r>
-              <a:rPr lang="en-US" b="1" dirty="0">
-                <a:solidFill>
-                  <a:srgbClr val="FFC000"/>
-                </a:solidFill>
-              </a:rPr>
-              <a:t>call()</a:t>
-            </a:r>
-            <a:r>
-              <a:rPr lang="en-US" dirty="0"/>
-              <a:t> method, you can write a method that can be used on different objects</a:t>
-            </a:r>
-            <a:r>
-              <a:rPr lang="en-US" dirty="0" smtClean="0"/>
-              <a:t>.</a:t>
-            </a:r>
-          </a:p>
-          <a:p>
-            <a:r>
-              <a:rPr lang="en-US" b="1" dirty="0">
-                <a:solidFill>
-                  <a:srgbClr val="FFC000"/>
-                </a:solidFill>
-              </a:rPr>
-              <a:t>In JavaScript all functions are object methods.</a:t>
-            </a:r>
-          </a:p>
-          <a:p>
-            <a:r>
-              <a:rPr lang="en-US" dirty="0"/>
-              <a:t>If a function is not a method of a JavaScript object, it is a function of the global </a:t>
-            </a:r>
-            <a:r>
-              <a:rPr lang="en-US" dirty="0" smtClean="0"/>
-              <a:t>object.</a:t>
-            </a:r>
-            <a:endParaRPr lang="en-US" dirty="0"/>
-          </a:p>
-          <a:p>
-            <a:r>
-              <a:rPr lang="en-US" dirty="0"/>
-              <a:t>The example below creates an object with 3 properties, </a:t>
-            </a:r>
-            <a:r>
-              <a:rPr lang="en-US" dirty="0" err="1"/>
-              <a:t>firstName</a:t>
-            </a:r>
-            <a:r>
-              <a:rPr lang="en-US" dirty="0"/>
-              <a:t>, </a:t>
-            </a:r>
-            <a:r>
-              <a:rPr lang="en-US" dirty="0" err="1"/>
-              <a:t>lastName</a:t>
-            </a:r>
-            <a:r>
-              <a:rPr lang="en-US" dirty="0"/>
-              <a:t>, </a:t>
-            </a:r>
-            <a:r>
-              <a:rPr lang="en-US" dirty="0" err="1"/>
-              <a:t>fullName</a:t>
-            </a:r>
-            <a:r>
-              <a:rPr lang="en-US" dirty="0"/>
-              <a:t>.</a:t>
-            </a:r>
-          </a:p>
-          <a:p>
-            <a:endParaRPr lang="bg-BG" dirty="0"/>
-          </a:p>
-        </p:txBody>
-      </p:sp>
-      <p:sp>
-        <p:nvSpPr>
-          <p:cNvPr id="3" name="Title 2"/>
-          <p:cNvSpPr>
-            <a:spLocks noGrp="1"/>
-          </p:cNvSpPr>
-          <p:nvPr>
-            <p:ph type="title"/>
-          </p:nvPr>
-        </p:nvSpPr>
-        <p:spPr/>
-        <p:txBody>
-          <a:bodyPr/>
-          <a:lstStyle/>
-          <a:p>
-            <a:r>
-              <a:rPr lang="en-US" dirty="0"/>
-              <a:t>JavaScript Function </a:t>
-            </a:r>
-            <a:r>
-              <a:rPr lang="en-US" b="1" dirty="0">
-                <a:solidFill>
-                  <a:srgbClr val="FFC000"/>
-                </a:solidFill>
-              </a:rPr>
-              <a:t>call</a:t>
-            </a:r>
-            <a:r>
-              <a:rPr lang="en-US" b="1" dirty="0" smtClean="0">
-                <a:solidFill>
-                  <a:srgbClr val="FFC000"/>
-                </a:solidFill>
-              </a:rPr>
-              <a:t>()</a:t>
-            </a:r>
-            <a:endParaRPr lang="bg-BG" b="1" dirty="0">
-              <a:solidFill>
-                <a:srgbClr val="FFC000"/>
-              </a:solidFill>
-            </a:endParaRPr>
-          </a:p>
-        </p:txBody>
-      </p:sp>
-      <p:pic>
-        <p:nvPicPr>
-          <p:cNvPr id="16386" name="Picture 2"/>
-          <p:cNvPicPr>
-            <a:picLocks noChangeAspect="1" noChangeArrowheads="1"/>
-          </p:cNvPicPr>
-          <p:nvPr/>
-        </p:nvPicPr>
-        <p:blipFill>
-          <a:blip r:embed="rId2">
-            <a:extLst>
-              <a:ext uri="{28A0092B-C50C-407E-A947-70E740481C1C}">
-                <a14:useLocalDpi xmlns:a14="http://schemas.microsoft.com/office/drawing/2010/main" val="0"/>
-              </a:ext>
-            </a:extLst>
-          </a:blip>
-          <a:srcRect/>
-          <a:stretch>
-            <a:fillRect/>
-          </a:stretch>
-        </p:blipFill>
-        <p:spPr bwMode="auto">
-          <a:xfrm>
-            <a:off x="533400" y="4191000"/>
-            <a:ext cx="4572000" cy="2499246"/>
-          </a:xfrm>
-          <a:prstGeom prst="rect">
-            <a:avLst/>
-          </a:prstGeom>
-          <a:noFill/>
-          <a:ln>
-            <a:noFill/>
-          </a:ln>
-          <a:effectLst/>
-          <a:extLst>
-            <a:ext uri="{909E8E84-426E-40DD-AFC4-6F175D3DCCD1}">
-              <a14:hiddenFill xmlns:a14="http://schemas.microsoft.com/office/drawing/2010/main">
-                <a:solidFill>
-                  <a:schemeClr val="accent1"/>
-                </a:solidFill>
-              </a14:hiddenFill>
-            </a:ext>
-            <a:ext uri="{91240B29-F687-4F45-9708-019B960494DF}">
-              <a14:hiddenLine xmlns:a14="http://schemas.microsoft.com/office/drawing/2010/main" w="9525">
-                <a:solidFill>
-                  <a:schemeClr val="tx1"/>
-                </a:solidFill>
-                <a:miter lim="800000"/>
-                <a:headEnd/>
-                <a:tailEnd/>
-              </a14:hiddenLine>
-            </a:ext>
-            <a:ext uri="{AF507438-7753-43E0-B8FC-AC1667EBCBE1}">
-              <a14:hiddenEffects xmlns:a14="http://schemas.microsoft.com/office/drawing/2010/main">
-                <a:effectLst>
-                  <a:outerShdw dist="35921" dir="2700000" algn="ctr" rotWithShape="0">
-                    <a:schemeClr val="bg2"/>
-                  </a:outerShdw>
-                </a:effectLst>
-              </a14:hiddenEffects>
-            </a:ext>
-          </a:extLst>
-        </p:spPr>
-      </p:pic>
-    </p:spTree>
-    <p:extLst>
-      <p:ext uri="{BB962C8B-B14F-4D97-AF65-F5344CB8AC3E}">
-        <p14:creationId xmlns:p14="http://schemas.microsoft.com/office/powerpoint/2010/main" val="2229490119"/>
       </p:ext>
     </p:extLst>
   </p:cSld>
@@ -32998,19 +33203,74 @@
           <a:p>
             <a:r>
               <a:rPr lang="en-US" dirty="0"/>
-              <a:t>The call() method is a predefined JavaScript method.</a:t>
-            </a:r>
-          </a:p>
-          <a:p>
-            <a:r>
-              <a:rPr lang="en-US" dirty="0"/>
-              <a:t>It can be used to invoke (call) a method with an owner object as an argument (parameter).</a:t>
-            </a:r>
-          </a:p>
-          <a:p>
-            <a:r>
-              <a:rPr lang="en-US" dirty="0"/>
-              <a:t>With call(), an object can use a method belonging to another object.</a:t>
+              <a:t>With the </a:t>
+            </a:r>
+            <a:r>
+              <a:rPr lang="en-US" b="1" dirty="0">
+                <a:solidFill>
+                  <a:srgbClr val="FFC000"/>
+                </a:solidFill>
+              </a:rPr>
+              <a:t>call()</a:t>
+            </a:r>
+            <a:r>
+              <a:rPr lang="en-US" dirty="0"/>
+              <a:t> method, you can write a method that can be used on different objects</a:t>
+            </a:r>
+            <a:r>
+              <a:rPr lang="en-US" dirty="0" smtClean="0"/>
+              <a:t>.</a:t>
+            </a:r>
+          </a:p>
+          <a:p>
+            <a:r>
+              <a:rPr lang="en-US" b="1" dirty="0">
+                <a:solidFill>
+                  <a:srgbClr val="FFC000"/>
+                </a:solidFill>
+              </a:rPr>
+              <a:t>In JavaScript all functions are object methods.</a:t>
+            </a:r>
+          </a:p>
+          <a:p>
+            <a:r>
+              <a:rPr lang="en-US" dirty="0"/>
+              <a:t>If a function is not a method of a JavaScript object, it is a function of the global </a:t>
+            </a:r>
+            <a:r>
+              <a:rPr lang="en-US" dirty="0" smtClean="0"/>
+              <a:t>object.</a:t>
+            </a:r>
+            <a:endParaRPr lang="en-US" dirty="0"/>
+          </a:p>
+          <a:p>
+            <a:r>
+              <a:rPr lang="en-US" dirty="0"/>
+              <a:t>The example below creates an object with 3 properties, </a:t>
+            </a:r>
+            <a:r>
+              <a:rPr lang="en-US" dirty="0" err="1"/>
+              <a:t>firstName</a:t>
+            </a:r>
+            <a:r>
+              <a:rPr lang="en-US" dirty="0"/>
+              <a:t>, </a:t>
+            </a:r>
+            <a:r>
+              <a:rPr lang="en-US" dirty="0" err="1"/>
+              <a:t>lastName</a:t>
+            </a:r>
+            <a:r>
+              <a:rPr lang="en-US" dirty="0"/>
+              <a:t>, </a:t>
+            </a:r>
+            <a:r>
+              <a:rPr lang="en-US" dirty="0" err="1"/>
+              <a:t>fullName</a:t>
+            </a:r>
+            <a:r>
+              <a:rPr lang="en-US" dirty="0"/>
+              <a:t>.</a:t>
             </a:r>
           </a:p>
           <a:p>
@@ -33034,16 +33294,36 @@
           <a:lstStyle/>
           <a:p>
             <a:r>
-              <a:rPr lang="en-US" dirty="0" smtClean="0"/>
-              <a:t>Call() Example</a:t>
-            </a:r>
-            <a:endParaRPr lang="bg-BG" dirty="0"/>
+              <a:rPr lang="en-US" dirty="0"/>
+              <a:t>JavaScript Function </a:t>
+            </a:r>
+            <a:r>
+              <a:rPr lang="en-US" b="1" dirty="0">
+                <a:solidFill>
+                  <a:srgbClr val="FFC000"/>
+                </a:solidFill>
+              </a:rPr>
+              <a:t>call</a:t>
+            </a:r>
+            <a:r>
+              <a:rPr lang="en-US" b="1" dirty="0" smtClean="0">
+                <a:solidFill>
+                  <a:srgbClr val="FFC000"/>
+                </a:solidFill>
+              </a:rPr>
+              <a:t>()</a:t>
+            </a:r>
+            <a:endParaRPr lang="bg-BG" b="1" dirty="0">
+              <a:solidFill>
+                <a:srgbClr val="FFC000"/>
+              </a:solidFill>
+            </a:endParaRPr>
           </a:p>
         </p:txBody>
       </p:sp>
       <p:pic>
         <p:nvPicPr>
-          <p:cNvPr id="17410" name="Picture 2"/>
+          <p:cNvPr id="16386" name="Picture 2"/>
           <p:cNvPicPr>
             <a:picLocks noChangeAspect="1" noChangeArrowheads="1"/>
           </p:cNvPicPr>
@@ -33064,8 +33344,8 @@
         </p:blipFill>
         <p:spPr bwMode="auto">
           <a:xfrm>
-            <a:off x="1905000" y="3200400"/>
-            <a:ext cx="4191000" cy="3566972"/>
+            <a:off x="533400" y="4191000"/>
+            <a:ext cx="4572000" cy="2499246"/>
           </a:xfrm>
           <a:prstGeom prst="rect">
             <a:avLst/>
@@ -33108,7 +33388,7 @@
     </p:spTree>
     <p:extLst>
       <p:ext uri="{BB962C8B-B14F-4D97-AF65-F5344CB8AC3E}">
-        <p14:creationId xmlns:p14="http://schemas.microsoft.com/office/powerpoint/2010/main" val="851848275"/>
+        <p14:creationId xmlns:p14="http://schemas.microsoft.com/office/powerpoint/2010/main" val="2229490119"/>
       </p:ext>
     </p:extLst>
   </p:cSld>
@@ -33152,8 +33432,22 @@
           <a:p>
             <a:r>
               <a:rPr lang="en-US" dirty="0"/>
-              <a:t>The call() method can accept arguments:</a:t>
-            </a:r>
+              <a:t>The call() method is a predefined JavaScript method.</a:t>
+            </a:r>
+          </a:p>
+          <a:p>
+            <a:r>
+              <a:rPr lang="en-US" dirty="0"/>
+              <a:t>It can be used to invoke (call) a method with an owner object as an argument (parameter).</a:t>
+            </a:r>
+          </a:p>
+          <a:p>
+            <a:r>
+              <a:rPr lang="en-US" dirty="0"/>
+              <a:t>With call(), an object can use a method belonging to another object.</a:t>
+            </a:r>
+          </a:p>
+          <a:p>
             <a:endParaRPr lang="bg-BG" dirty="0"/>
           </a:p>
         </p:txBody>
@@ -33175,7 +33469,7 @@
           <a:p>
             <a:r>
               <a:rPr lang="en-US" dirty="0" smtClean="0"/>
-              <a:t>Call() method with arguments</a:t>
+              <a:t>Call() Example</a:t>
             </a:r>
             <a:endParaRPr lang="bg-BG" dirty="0"/>
           </a:p>
@@ -33183,7 +33477,7 @@
       </p:sp>
       <p:pic>
         <p:nvPicPr>
-          <p:cNvPr id="18434" name="Picture 2"/>
+          <p:cNvPr id="17410" name="Picture 2"/>
           <p:cNvPicPr>
             <a:picLocks noChangeAspect="1" noChangeArrowheads="1"/>
           </p:cNvPicPr>
@@ -33204,8 +33498,8 @@
         </p:blipFill>
         <p:spPr bwMode="auto">
           <a:xfrm>
-            <a:off x="609600" y="2286000"/>
-            <a:ext cx="7810500" cy="3305175"/>
+            <a:off x="1905000" y="3200400"/>
+            <a:ext cx="4191000" cy="3566972"/>
           </a:xfrm>
           <a:prstGeom prst="rect">
             <a:avLst/>
@@ -33245,74 +33539,10 @@
           </a:extLst>
         </p:spPr>
       </p:pic>
-      <p:pic>
-        <p:nvPicPr>
-          <p:cNvPr id="18435" name="Picture 3"/>
-          <p:cNvPicPr>
-            <a:picLocks noChangeAspect="1" noChangeArrowheads="1"/>
-          </p:cNvPicPr>
-          <p:nvPr/>
-        </p:nvPicPr>
-        <p:blipFill>
-          <a:blip r:embed="rId3">
-            <a:extLst>
-              <a:ext uri="{28A0092B-C50C-407E-A947-70E740481C1C}">
-                <a14:useLocalDpi xmlns:a14="http://schemas.microsoft.com/office/drawing/2010/main" val="0"/>
-              </a:ext>
-            </a:extLst>
-          </a:blip>
-          <a:srcRect/>
-          <a:stretch>
-            <a:fillRect/>
-          </a:stretch>
-        </p:blipFill>
-        <p:spPr bwMode="auto">
-          <a:xfrm>
-            <a:off x="609599" y="5791200"/>
-            <a:ext cx="2973659" cy="609600"/>
-          </a:xfrm>
-          <a:prstGeom prst="rect">
-            <a:avLst/>
-          </a:prstGeom>
-          <a:noFill/>
-          <a:ln>
-            <a:noFill/>
-          </a:ln>
-          <a:effectLst/>
-          <a:extLst>
-            <a:ext uri="{909E8E84-426E-40DD-AFC4-6F175D3DCCD1}">
-              <a14:hiddenFill xmlns:a14="http://schemas.microsoft.com/office/drawing/2010/main">
-                <a:solidFill>
-                  <a:schemeClr val="accent1"/>
-                </a:solidFill>
-              </a14:hiddenFill>
-            </a:ext>
-            <a:ext uri="{91240B29-F687-4F45-9708-019B960494DF}">
-              <a14:hiddenLine xmlns:a14="http://schemas.microsoft.com/office/drawing/2010/main" w="9525">
-                <a:solidFill>
-                  <a:schemeClr val="tx1"/>
-                </a:solidFill>
-                <a:miter lim="800000"/>
-                <a:headEnd/>
-                <a:tailEnd/>
-              </a14:hiddenLine>
-            </a:ext>
-            <a:ext uri="{AF507438-7753-43E0-B8FC-AC1667EBCBE1}">
-              <a14:hiddenEffects xmlns:a14="http://schemas.microsoft.com/office/drawing/2010/main">
-                <a:effectLst>
-                  <a:outerShdw dist="35921" dir="2700000" algn="ctr" rotWithShape="0">
-                    <a:schemeClr val="bg2"/>
-                  </a:outerShdw>
-                </a:effectLst>
-              </a14:hiddenEffects>
-            </a:ext>
-          </a:extLst>
-        </p:spPr>
-      </p:pic>
     </p:spTree>
     <p:extLst>
       <p:ext uri="{BB962C8B-B14F-4D97-AF65-F5344CB8AC3E}">
-        <p14:creationId xmlns:p14="http://schemas.microsoft.com/office/powerpoint/2010/main" val="2550634128"/>
+        <p14:creationId xmlns:p14="http://schemas.microsoft.com/office/powerpoint/2010/main" val="851848275"/>
       </p:ext>
     </p:extLst>
   </p:cSld>

--- a/Programming Prep.pptx
+++ b/Programming Prep.pptx
@@ -85,35 +85,36 @@
     <p:sldId id="365" r:id="rId79"/>
     <p:sldId id="366" r:id="rId80"/>
     <p:sldId id="367" r:id="rId81"/>
-    <p:sldId id="316" r:id="rId82"/>
-    <p:sldId id="317" r:id="rId83"/>
-    <p:sldId id="318" r:id="rId84"/>
-    <p:sldId id="319" r:id="rId85"/>
-    <p:sldId id="320" r:id="rId86"/>
-    <p:sldId id="321" r:id="rId87"/>
-    <p:sldId id="323" r:id="rId88"/>
-    <p:sldId id="324" r:id="rId89"/>
-    <p:sldId id="325" r:id="rId90"/>
-    <p:sldId id="326" r:id="rId91"/>
-    <p:sldId id="327" r:id="rId92"/>
-    <p:sldId id="328" r:id="rId93"/>
-    <p:sldId id="329" r:id="rId94"/>
-    <p:sldId id="330" r:id="rId95"/>
-    <p:sldId id="331" r:id="rId96"/>
-    <p:sldId id="332" r:id="rId97"/>
-    <p:sldId id="333" r:id="rId98"/>
-    <p:sldId id="334" r:id="rId99"/>
-    <p:sldId id="335" r:id="rId100"/>
-    <p:sldId id="336" r:id="rId101"/>
-    <p:sldId id="337" r:id="rId102"/>
-    <p:sldId id="338" r:id="rId103"/>
-    <p:sldId id="339" r:id="rId104"/>
-    <p:sldId id="340" r:id="rId105"/>
-    <p:sldId id="341" r:id="rId106"/>
-    <p:sldId id="342" r:id="rId107"/>
-    <p:sldId id="343" r:id="rId108"/>
-    <p:sldId id="344" r:id="rId109"/>
-    <p:sldId id="345" r:id="rId110"/>
+    <p:sldId id="368" r:id="rId82"/>
+    <p:sldId id="316" r:id="rId83"/>
+    <p:sldId id="317" r:id="rId84"/>
+    <p:sldId id="318" r:id="rId85"/>
+    <p:sldId id="319" r:id="rId86"/>
+    <p:sldId id="320" r:id="rId87"/>
+    <p:sldId id="321" r:id="rId88"/>
+    <p:sldId id="323" r:id="rId89"/>
+    <p:sldId id="324" r:id="rId90"/>
+    <p:sldId id="325" r:id="rId91"/>
+    <p:sldId id="326" r:id="rId92"/>
+    <p:sldId id="327" r:id="rId93"/>
+    <p:sldId id="328" r:id="rId94"/>
+    <p:sldId id="329" r:id="rId95"/>
+    <p:sldId id="330" r:id="rId96"/>
+    <p:sldId id="331" r:id="rId97"/>
+    <p:sldId id="332" r:id="rId98"/>
+    <p:sldId id="333" r:id="rId99"/>
+    <p:sldId id="334" r:id="rId100"/>
+    <p:sldId id="335" r:id="rId101"/>
+    <p:sldId id="336" r:id="rId102"/>
+    <p:sldId id="337" r:id="rId103"/>
+    <p:sldId id="338" r:id="rId104"/>
+    <p:sldId id="339" r:id="rId105"/>
+    <p:sldId id="340" r:id="rId106"/>
+    <p:sldId id="341" r:id="rId107"/>
+    <p:sldId id="342" r:id="rId108"/>
+    <p:sldId id="343" r:id="rId109"/>
+    <p:sldId id="344" r:id="rId110"/>
+    <p:sldId id="345" r:id="rId111"/>
   </p:sldIdLst>
   <p:sldSz cx="9144000" cy="6858000" type="screen4x3"/>
   <p:notesSz cx="6858000" cy="9144000"/>
@@ -317,6 +318,7 @@
             <p14:sldId id="365"/>
             <p14:sldId id="366"/>
             <p14:sldId id="367"/>
+            <p14:sldId id="368"/>
           </p14:sldIdLst>
         </p14:section>
         <p14:section name="Functions" id="{C52B5C1C-7430-4327-8BC9-226CBCD14BB9}">
@@ -612,7 +614,7 @@
             <a:fld id="{1D8BD707-D9CF-40AE-B4C6-C98DA3205C09}" type="datetimeFigureOut">
               <a:rPr lang="en-US" smtClean="0"/>
               <a:pPr/>
-              <a:t>8/31/2022</a:t>
+              <a:t>9/5/2022</a:t>
             </a:fld>
             <a:endParaRPr lang="en-US"/>
           </a:p>
@@ -827,7 +829,7 @@
             <a:fld id="{1D8BD707-D9CF-40AE-B4C6-C98DA3205C09}" type="datetimeFigureOut">
               <a:rPr lang="en-US" smtClean="0"/>
               <a:pPr/>
-              <a:t>8/31/2022</a:t>
+              <a:t>9/5/2022</a:t>
             </a:fld>
             <a:endParaRPr lang="en-US"/>
           </a:p>
@@ -1096,7 +1098,7 @@
             <a:fld id="{1D8BD707-D9CF-40AE-B4C6-C98DA3205C09}" type="datetimeFigureOut">
               <a:rPr lang="en-US" smtClean="0"/>
               <a:pPr/>
-              <a:t>8/31/2022</a:t>
+              <a:t>9/5/2022</a:t>
             </a:fld>
             <a:endParaRPr lang="en-US"/>
           </a:p>
@@ -1248,7 +1250,7 @@
             <a:fld id="{1D8BD707-D9CF-40AE-B4C6-C98DA3205C09}" type="datetimeFigureOut">
               <a:rPr lang="en-US" smtClean="0"/>
               <a:pPr/>
-              <a:t>8/31/2022</a:t>
+              <a:t>9/5/2022</a:t>
             </a:fld>
             <a:endParaRPr lang="en-US"/>
           </a:p>
@@ -1580,7 +1582,7 @@
             <a:fld id="{1D8BD707-D9CF-40AE-B4C6-C98DA3205C09}" type="datetimeFigureOut">
               <a:rPr lang="en-US" smtClean="0"/>
               <a:pPr/>
-              <a:t>8/31/2022</a:t>
+              <a:t>9/5/2022</a:t>
             </a:fld>
             <a:endParaRPr lang="en-US"/>
           </a:p>
@@ -1890,7 +1892,7 @@
             <a:fld id="{1D8BD707-D9CF-40AE-B4C6-C98DA3205C09}" type="datetimeFigureOut">
               <a:rPr lang="en-US" smtClean="0"/>
               <a:pPr/>
-              <a:t>8/31/2022</a:t>
+              <a:t>9/5/2022</a:t>
             </a:fld>
             <a:endParaRPr lang="en-US"/>
           </a:p>
@@ -2313,7 +2315,7 @@
             <a:fld id="{1D8BD707-D9CF-40AE-B4C6-C98DA3205C09}" type="datetimeFigureOut">
               <a:rPr lang="en-US" smtClean="0"/>
               <a:pPr/>
-              <a:t>8/31/2022</a:t>
+              <a:t>9/5/2022</a:t>
             </a:fld>
             <a:endParaRPr lang="en-US"/>
           </a:p>
@@ -2428,7 +2430,7 @@
             <a:fld id="{1D8BD707-D9CF-40AE-B4C6-C98DA3205C09}" type="datetimeFigureOut">
               <a:rPr lang="en-US" smtClean="0"/>
               <a:pPr/>
-              <a:t>8/31/2022</a:t>
+              <a:t>9/5/2022</a:t>
             </a:fld>
             <a:endParaRPr lang="en-US"/>
           </a:p>
@@ -2589,7 +2591,7 @@
             <a:fld id="{1D8BD707-D9CF-40AE-B4C6-C98DA3205C09}" type="datetimeFigureOut">
               <a:rPr lang="en-US" smtClean="0"/>
               <a:pPr/>
-              <a:t>8/31/2022</a:t>
+              <a:t>9/5/2022</a:t>
             </a:fld>
             <a:endParaRPr lang="en-US"/>
           </a:p>
@@ -2975,7 +2977,7 @@
             <a:fld id="{1D8BD707-D9CF-40AE-B4C6-C98DA3205C09}" type="datetimeFigureOut">
               <a:rPr lang="en-US" smtClean="0"/>
               <a:pPr/>
-              <a:t>8/31/2022</a:t>
+              <a:t>9/5/2022</a:t>
             </a:fld>
             <a:endParaRPr lang="en-US"/>
           </a:p>
@@ -3339,7 +3341,7 @@
             <a:fld id="{1D8BD707-D9CF-40AE-B4C6-C98DA3205C09}" type="datetimeFigureOut">
               <a:rPr lang="en-US" smtClean="0"/>
               <a:pPr/>
-              <a:t>8/31/2022</a:t>
+              <a:t>9/5/2022</a:t>
             </a:fld>
             <a:endParaRPr lang="en-US"/>
           </a:p>
@@ -3675,7 +3677,7 @@
             <a:fld id="{1D8BD707-D9CF-40AE-B4C6-C98DA3205C09}" type="datetimeFigureOut">
               <a:rPr lang="en-US" smtClean="0"/>
               <a:pPr/>
-              <a:t>8/31/2022</a:t>
+              <a:t>9/5/2022</a:t>
             </a:fld>
             <a:endParaRPr lang="en-US"/>
           </a:p>
@@ -4516,6 +4518,160 @@
           <a:p>
             <a:r>
               <a:rPr lang="en-US" dirty="0"/>
+              <a:t>The call() method is a predefined JavaScript method.</a:t>
+            </a:r>
+          </a:p>
+          <a:p>
+            <a:r>
+              <a:rPr lang="en-US" dirty="0"/>
+              <a:t>It can be used to invoke (call) a method with an owner object as an argument (parameter).</a:t>
+            </a:r>
+          </a:p>
+          <a:p>
+            <a:r>
+              <a:rPr lang="en-US" dirty="0"/>
+              <a:t>With call(), an object can use a method belonging to another object.</a:t>
+            </a:r>
+          </a:p>
+          <a:p>
+            <a:endParaRPr lang="bg-BG" dirty="0"/>
+          </a:p>
+        </p:txBody>
+      </p:sp>
+      <p:sp>
+        <p:nvSpPr>
+          <p:cNvPr id="3" name="Title 2"/>
+          <p:cNvSpPr>
+            <a:spLocks noGrp="1"/>
+          </p:cNvSpPr>
+          <p:nvPr>
+            <p:ph type="title"/>
+          </p:nvPr>
+        </p:nvSpPr>
+        <p:spPr/>
+        <p:txBody>
+          <a:bodyPr/>
+          <a:lstStyle/>
+          <a:p>
+            <a:r>
+              <a:rPr lang="en-US" dirty="0" smtClean="0"/>
+              <a:t>Call() Example</a:t>
+            </a:r>
+            <a:endParaRPr lang="bg-BG" dirty="0"/>
+          </a:p>
+        </p:txBody>
+      </p:sp>
+      <p:pic>
+        <p:nvPicPr>
+          <p:cNvPr id="17410" name="Picture 2"/>
+          <p:cNvPicPr>
+            <a:picLocks noChangeAspect="1" noChangeArrowheads="1"/>
+          </p:cNvPicPr>
+          <p:nvPr/>
+        </p:nvPicPr>
+        <p:blipFill>
+          <a:blip r:embed="rId2">
+            <a:extLst>
+              <a:ext uri="{28A0092B-C50C-407E-A947-70E740481C1C}">
+                <a14:useLocalDpi xmlns:a14="http://schemas.microsoft.com/office/drawing/2010/main" val="0"/>
+              </a:ext>
+            </a:extLst>
+          </a:blip>
+          <a:srcRect/>
+          <a:stretch>
+            <a:fillRect/>
+          </a:stretch>
+        </p:blipFill>
+        <p:spPr bwMode="auto">
+          <a:xfrm>
+            <a:off x="1905000" y="3200400"/>
+            <a:ext cx="4191000" cy="3566972"/>
+          </a:xfrm>
+          <a:prstGeom prst="rect">
+            <a:avLst/>
+          </a:prstGeom>
+          <a:noFill/>
+          <a:ln>
+            <a:noFill/>
+          </a:ln>
+          <a:effectLst/>
+          <a:extLst>
+            <a:ext uri="{909E8E84-426E-40DD-AFC4-6F175D3DCCD1}">
+              <a14:hiddenFill xmlns:a14="http://schemas.microsoft.com/office/drawing/2010/main">
+                <a:solidFill>
+                  <a:schemeClr val="accent1"/>
+                </a:solidFill>
+              </a14:hiddenFill>
+            </a:ext>
+            <a:ext uri="{91240B29-F687-4F45-9708-019B960494DF}">
+              <a14:hiddenLine xmlns:a14="http://schemas.microsoft.com/office/drawing/2010/main" w="9525">
+                <a:solidFill>
+                  <a:schemeClr val="tx1"/>
+                </a:solidFill>
+                <a:miter lim="800000"/>
+                <a:headEnd/>
+                <a:tailEnd/>
+              </a14:hiddenLine>
+            </a:ext>
+            <a:ext uri="{AF507438-7753-43E0-B8FC-AC1667EBCBE1}">
+              <a14:hiddenEffects xmlns:a14="http://schemas.microsoft.com/office/drawing/2010/main">
+                <a:effectLst>
+                  <a:outerShdw dist="35921" dir="2700000" algn="ctr" rotWithShape="0">
+                    <a:schemeClr val="bg2"/>
+                  </a:outerShdw>
+                </a:effectLst>
+              </a14:hiddenEffects>
+            </a:ext>
+          </a:extLst>
+        </p:spPr>
+      </p:pic>
+    </p:spTree>
+    <p:extLst>
+      <p:ext uri="{BB962C8B-B14F-4D97-AF65-F5344CB8AC3E}">
+        <p14:creationId xmlns:p14="http://schemas.microsoft.com/office/powerpoint/2010/main" val="851848275"/>
+      </p:ext>
+    </p:extLst>
+  </p:cSld>
+  <p:clrMapOvr>
+    <a:masterClrMapping/>
+  </p:clrMapOvr>
+</p:sld>
+</file>
+
+<file path=ppt/slides/slide101.xml><?xml version="1.0" encoding="utf-8"?>
+<p:sld xmlns:a="http://schemas.openxmlformats.org/drawingml/2006/main" xmlns:r="http://schemas.openxmlformats.org/officeDocument/2006/relationships" xmlns:p="http://schemas.openxmlformats.org/presentationml/2006/main">
+  <p:cSld>
+    <p:spTree>
+      <p:nvGrpSpPr>
+        <p:cNvPr id="1" name=""/>
+        <p:cNvGrpSpPr/>
+        <p:nvPr/>
+      </p:nvGrpSpPr>
+      <p:grpSpPr>
+        <a:xfrm>
+          <a:off x="0" y="0"/>
+          <a:ext cx="0" cy="0"/>
+          <a:chOff x="0" y="0"/>
+          <a:chExt cx="0" cy="0"/>
+        </a:xfrm>
+      </p:grpSpPr>
+      <p:sp>
+        <p:nvSpPr>
+          <p:cNvPr id="2" name="Content Placeholder 1"/>
+          <p:cNvSpPr>
+            <a:spLocks noGrp="1"/>
+          </p:cNvSpPr>
+          <p:nvPr>
+            <p:ph idx="1"/>
+          </p:nvPr>
+        </p:nvSpPr>
+        <p:spPr/>
+        <p:txBody>
+          <a:bodyPr/>
+          <a:lstStyle/>
+          <a:p>
+            <a:r>
+              <a:rPr lang="en-US" dirty="0"/>
               <a:t>The call() method can accept arguments:</a:t>
             </a:r>
             <a:endParaRPr lang="bg-BG" dirty="0"/>
@@ -4686,7 +4842,7 @@
 </p:sld>
 </file>
 
-<file path=ppt/slides/slide101.xml><?xml version="1.0" encoding="utf-8"?>
+<file path=ppt/slides/slide102.xml><?xml version="1.0" encoding="utf-8"?>
 <p:sld xmlns:a="http://schemas.openxmlformats.org/drawingml/2006/main" xmlns:r="http://schemas.openxmlformats.org/officeDocument/2006/relationships" xmlns:p="http://schemas.openxmlformats.org/presentationml/2006/main">
   <p:cSld>
     <p:spTree>
@@ -4883,236 +5039,6 @@
     <p:extLst>
       <p:ext uri="{BB962C8B-B14F-4D97-AF65-F5344CB8AC3E}">
         <p14:creationId xmlns:p14="http://schemas.microsoft.com/office/powerpoint/2010/main" val="746485324"/>
-      </p:ext>
-    </p:extLst>
-  </p:cSld>
-  <p:clrMapOvr>
-    <a:masterClrMapping/>
-  </p:clrMapOvr>
-</p:sld>
-</file>
-
-<file path=ppt/slides/slide102.xml><?xml version="1.0" encoding="utf-8"?>
-<p:sld xmlns:a="http://schemas.openxmlformats.org/drawingml/2006/main" xmlns:r="http://schemas.openxmlformats.org/officeDocument/2006/relationships" xmlns:p="http://schemas.openxmlformats.org/presentationml/2006/main">
-  <p:cSld>
-    <p:spTree>
-      <p:nvGrpSpPr>
-        <p:cNvPr id="1" name=""/>
-        <p:cNvGrpSpPr/>
-        <p:nvPr/>
-      </p:nvGrpSpPr>
-      <p:grpSpPr>
-        <a:xfrm>
-          <a:off x="0" y="0"/>
-          <a:ext cx="0" cy="0"/>
-          <a:chOff x="0" y="0"/>
-          <a:chExt cx="0" cy="0"/>
-        </a:xfrm>
-      </p:grpSpPr>
-      <p:sp>
-        <p:nvSpPr>
-          <p:cNvPr id="2" name="Content Placeholder 1"/>
-          <p:cNvSpPr>
-            <a:spLocks noGrp="1"/>
-          </p:cNvSpPr>
-          <p:nvPr>
-            <p:ph idx="1"/>
-          </p:nvPr>
-        </p:nvSpPr>
-        <p:spPr/>
-        <p:txBody>
-          <a:bodyPr/>
-          <a:lstStyle/>
-          <a:p>
-            <a:r>
-              <a:rPr lang="en-US" dirty="0"/>
-              <a:t>The difference is:</a:t>
-            </a:r>
-          </a:p>
-          <a:p>
-            <a:r>
-              <a:rPr lang="en-US" dirty="0"/>
-              <a:t>The </a:t>
-            </a:r>
-            <a:r>
-              <a:rPr lang="en-US" b="1" dirty="0">
-                <a:solidFill>
-                  <a:srgbClr val="FFC000"/>
-                </a:solidFill>
-              </a:rPr>
-              <a:t>call()</a:t>
-            </a:r>
-            <a:r>
-              <a:rPr lang="en-US" dirty="0"/>
-              <a:t> method takes </a:t>
-            </a:r>
-            <a:r>
-              <a:rPr lang="en-US" b="1" dirty="0">
-                <a:solidFill>
-                  <a:srgbClr val="FFC000"/>
-                </a:solidFill>
-              </a:rPr>
-              <a:t>arguments separately.</a:t>
-            </a:r>
-          </a:p>
-          <a:p>
-            <a:r>
-              <a:rPr lang="en-US" dirty="0"/>
-              <a:t>The </a:t>
-            </a:r>
-            <a:r>
-              <a:rPr lang="en-US" b="1" dirty="0">
-                <a:solidFill>
-                  <a:srgbClr val="FFC000"/>
-                </a:solidFill>
-              </a:rPr>
-              <a:t>apply()</a:t>
-            </a:r>
-            <a:r>
-              <a:rPr lang="en-US" dirty="0"/>
-              <a:t> method takes </a:t>
-            </a:r>
-            <a:r>
-              <a:rPr lang="en-US" b="1" dirty="0">
-                <a:solidFill>
-                  <a:srgbClr val="FFC000"/>
-                </a:solidFill>
-              </a:rPr>
-              <a:t>arguments as an array</a:t>
-            </a:r>
-            <a:r>
-              <a:rPr lang="en-US" dirty="0"/>
-              <a:t>.</a:t>
-            </a:r>
-          </a:p>
-          <a:p>
-            <a:endParaRPr lang="bg-BG" dirty="0"/>
-          </a:p>
-        </p:txBody>
-      </p:sp>
-      <p:sp>
-        <p:nvSpPr>
-          <p:cNvPr id="3" name="Title 2"/>
-          <p:cNvSpPr>
-            <a:spLocks noGrp="1"/>
-          </p:cNvSpPr>
-          <p:nvPr>
-            <p:ph type="title"/>
-          </p:nvPr>
-        </p:nvSpPr>
-        <p:spPr/>
-        <p:txBody>
-          <a:bodyPr/>
-          <a:lstStyle/>
-          <a:p>
-            <a:r>
-              <a:rPr lang="en-US" dirty="0"/>
-              <a:t>The Difference Between </a:t>
-            </a:r>
-            <a:r>
-              <a:rPr lang="en-US" b="1" dirty="0">
-                <a:solidFill>
-                  <a:srgbClr val="FFC000"/>
-                </a:solidFill>
-              </a:rPr>
-              <a:t>call() </a:t>
-            </a:r>
-            <a:r>
-              <a:rPr lang="en-US" dirty="0"/>
-              <a:t>and </a:t>
-            </a:r>
-            <a:r>
-              <a:rPr lang="en-US" b="1" dirty="0">
-                <a:solidFill>
-                  <a:srgbClr val="FFC000"/>
-                </a:solidFill>
-              </a:rPr>
-              <a:t>apply</a:t>
-            </a:r>
-            <a:r>
-              <a:rPr lang="en-US" b="1" dirty="0" smtClean="0">
-                <a:solidFill>
-                  <a:srgbClr val="FFC000"/>
-                </a:solidFill>
-              </a:rPr>
-              <a:t>()</a:t>
-            </a:r>
-            <a:endParaRPr lang="bg-BG" b="1" dirty="0">
-              <a:solidFill>
-                <a:srgbClr val="FFC000"/>
-              </a:solidFill>
-            </a:endParaRPr>
-          </a:p>
-        </p:txBody>
-      </p:sp>
-      <p:pic>
-        <p:nvPicPr>
-          <p:cNvPr id="20482" name="Picture 2"/>
-          <p:cNvPicPr>
-            <a:picLocks noChangeAspect="1" noChangeArrowheads="1"/>
-          </p:cNvPicPr>
-          <p:nvPr/>
-        </p:nvPicPr>
-        <p:blipFill>
-          <a:blip r:embed="rId2">
-            <a:extLst>
-              <a:ext uri="{28A0092B-C50C-407E-A947-70E740481C1C}">
-                <a14:useLocalDpi xmlns:a14="http://schemas.microsoft.com/office/drawing/2010/main" val="0"/>
-              </a:ext>
-            </a:extLst>
-          </a:blip>
-          <a:srcRect/>
-          <a:stretch>
-            <a:fillRect/>
-          </a:stretch>
-        </p:blipFill>
-        <p:spPr bwMode="auto">
-          <a:xfrm>
-            <a:off x="533400" y="2971800"/>
-            <a:ext cx="7743825" cy="3276600"/>
-          </a:xfrm>
-          <a:prstGeom prst="rect">
-            <a:avLst/>
-          </a:prstGeom>
-          <a:noFill/>
-          <a:ln>
-            <a:noFill/>
-          </a:ln>
-          <a:effectLst/>
-          <a:extLst>
-            <a:ext uri="{909E8E84-426E-40DD-AFC4-6F175D3DCCD1}">
-              <a14:hiddenFill xmlns:a14="http://schemas.microsoft.com/office/drawing/2010/main">
-                <a:solidFill>
-                  <a:schemeClr val="accent1"/>
-                </a:solidFill>
-              </a14:hiddenFill>
-            </a:ext>
-            <a:ext uri="{91240B29-F687-4F45-9708-019B960494DF}">
-              <a14:hiddenLine xmlns:a14="http://schemas.microsoft.com/office/drawing/2010/main" w="9525">
-                <a:solidFill>
-                  <a:schemeClr val="tx1"/>
-                </a:solidFill>
-                <a:miter lim="800000"/>
-                <a:headEnd/>
-                <a:tailEnd/>
-              </a14:hiddenLine>
-            </a:ext>
-            <a:ext uri="{AF507438-7753-43E0-B8FC-AC1667EBCBE1}">
-              <a14:hiddenEffects xmlns:a14="http://schemas.microsoft.com/office/drawing/2010/main">
-                <a:effectLst>
-                  <a:outerShdw dist="35921" dir="2700000" algn="ctr" rotWithShape="0">
-                    <a:schemeClr val="bg2"/>
-                  </a:outerShdw>
-                </a:effectLst>
-              </a14:hiddenEffects>
-            </a:ext>
-          </a:extLst>
-        </p:spPr>
-      </p:pic>
-    </p:spTree>
-    <p:extLst>
-      <p:ext uri="{BB962C8B-B14F-4D97-AF65-F5344CB8AC3E}">
-        <p14:creationId xmlns:p14="http://schemas.microsoft.com/office/powerpoint/2010/main" val="2097088455"/>
       </p:ext>
     </p:extLst>
   </p:cSld>
@@ -5156,6 +5082,236 @@
           <a:p>
             <a:r>
               <a:rPr lang="en-US" dirty="0"/>
+              <a:t>The difference is:</a:t>
+            </a:r>
+          </a:p>
+          <a:p>
+            <a:r>
+              <a:rPr lang="en-US" dirty="0"/>
+              <a:t>The </a:t>
+            </a:r>
+            <a:r>
+              <a:rPr lang="en-US" b="1" dirty="0">
+                <a:solidFill>
+                  <a:srgbClr val="FFC000"/>
+                </a:solidFill>
+              </a:rPr>
+              <a:t>call()</a:t>
+            </a:r>
+            <a:r>
+              <a:rPr lang="en-US" dirty="0"/>
+              <a:t> method takes </a:t>
+            </a:r>
+            <a:r>
+              <a:rPr lang="en-US" b="1" dirty="0">
+                <a:solidFill>
+                  <a:srgbClr val="FFC000"/>
+                </a:solidFill>
+              </a:rPr>
+              <a:t>arguments separately.</a:t>
+            </a:r>
+          </a:p>
+          <a:p>
+            <a:r>
+              <a:rPr lang="en-US" dirty="0"/>
+              <a:t>The </a:t>
+            </a:r>
+            <a:r>
+              <a:rPr lang="en-US" b="1" dirty="0">
+                <a:solidFill>
+                  <a:srgbClr val="FFC000"/>
+                </a:solidFill>
+              </a:rPr>
+              <a:t>apply()</a:t>
+            </a:r>
+            <a:r>
+              <a:rPr lang="en-US" dirty="0"/>
+              <a:t> method takes </a:t>
+            </a:r>
+            <a:r>
+              <a:rPr lang="en-US" b="1" dirty="0">
+                <a:solidFill>
+                  <a:srgbClr val="FFC000"/>
+                </a:solidFill>
+              </a:rPr>
+              <a:t>arguments as an array</a:t>
+            </a:r>
+            <a:r>
+              <a:rPr lang="en-US" dirty="0"/>
+              <a:t>.</a:t>
+            </a:r>
+          </a:p>
+          <a:p>
+            <a:endParaRPr lang="bg-BG" dirty="0"/>
+          </a:p>
+        </p:txBody>
+      </p:sp>
+      <p:sp>
+        <p:nvSpPr>
+          <p:cNvPr id="3" name="Title 2"/>
+          <p:cNvSpPr>
+            <a:spLocks noGrp="1"/>
+          </p:cNvSpPr>
+          <p:nvPr>
+            <p:ph type="title"/>
+          </p:nvPr>
+        </p:nvSpPr>
+        <p:spPr/>
+        <p:txBody>
+          <a:bodyPr/>
+          <a:lstStyle/>
+          <a:p>
+            <a:r>
+              <a:rPr lang="en-US" dirty="0"/>
+              <a:t>The Difference Between </a:t>
+            </a:r>
+            <a:r>
+              <a:rPr lang="en-US" b="1" dirty="0">
+                <a:solidFill>
+                  <a:srgbClr val="FFC000"/>
+                </a:solidFill>
+              </a:rPr>
+              <a:t>call() </a:t>
+            </a:r>
+            <a:r>
+              <a:rPr lang="en-US" dirty="0"/>
+              <a:t>and </a:t>
+            </a:r>
+            <a:r>
+              <a:rPr lang="en-US" b="1" dirty="0">
+                <a:solidFill>
+                  <a:srgbClr val="FFC000"/>
+                </a:solidFill>
+              </a:rPr>
+              <a:t>apply</a:t>
+            </a:r>
+            <a:r>
+              <a:rPr lang="en-US" b="1" dirty="0" smtClean="0">
+                <a:solidFill>
+                  <a:srgbClr val="FFC000"/>
+                </a:solidFill>
+              </a:rPr>
+              <a:t>()</a:t>
+            </a:r>
+            <a:endParaRPr lang="bg-BG" b="1" dirty="0">
+              <a:solidFill>
+                <a:srgbClr val="FFC000"/>
+              </a:solidFill>
+            </a:endParaRPr>
+          </a:p>
+        </p:txBody>
+      </p:sp>
+      <p:pic>
+        <p:nvPicPr>
+          <p:cNvPr id="20482" name="Picture 2"/>
+          <p:cNvPicPr>
+            <a:picLocks noChangeAspect="1" noChangeArrowheads="1"/>
+          </p:cNvPicPr>
+          <p:nvPr/>
+        </p:nvPicPr>
+        <p:blipFill>
+          <a:blip r:embed="rId2">
+            <a:extLst>
+              <a:ext uri="{28A0092B-C50C-407E-A947-70E740481C1C}">
+                <a14:useLocalDpi xmlns:a14="http://schemas.microsoft.com/office/drawing/2010/main" val="0"/>
+              </a:ext>
+            </a:extLst>
+          </a:blip>
+          <a:srcRect/>
+          <a:stretch>
+            <a:fillRect/>
+          </a:stretch>
+        </p:blipFill>
+        <p:spPr bwMode="auto">
+          <a:xfrm>
+            <a:off x="533400" y="2971800"/>
+            <a:ext cx="7743825" cy="3276600"/>
+          </a:xfrm>
+          <a:prstGeom prst="rect">
+            <a:avLst/>
+          </a:prstGeom>
+          <a:noFill/>
+          <a:ln>
+            <a:noFill/>
+          </a:ln>
+          <a:effectLst/>
+          <a:extLst>
+            <a:ext uri="{909E8E84-426E-40DD-AFC4-6F175D3DCCD1}">
+              <a14:hiddenFill xmlns:a14="http://schemas.microsoft.com/office/drawing/2010/main">
+                <a:solidFill>
+                  <a:schemeClr val="accent1"/>
+                </a:solidFill>
+              </a14:hiddenFill>
+            </a:ext>
+            <a:ext uri="{91240B29-F687-4F45-9708-019B960494DF}">
+              <a14:hiddenLine xmlns:a14="http://schemas.microsoft.com/office/drawing/2010/main" w="9525">
+                <a:solidFill>
+                  <a:schemeClr val="tx1"/>
+                </a:solidFill>
+                <a:miter lim="800000"/>
+                <a:headEnd/>
+                <a:tailEnd/>
+              </a14:hiddenLine>
+            </a:ext>
+            <a:ext uri="{AF507438-7753-43E0-B8FC-AC1667EBCBE1}">
+              <a14:hiddenEffects xmlns:a14="http://schemas.microsoft.com/office/drawing/2010/main">
+                <a:effectLst>
+                  <a:outerShdw dist="35921" dir="2700000" algn="ctr" rotWithShape="0">
+                    <a:schemeClr val="bg2"/>
+                  </a:outerShdw>
+                </a:effectLst>
+              </a14:hiddenEffects>
+            </a:ext>
+          </a:extLst>
+        </p:spPr>
+      </p:pic>
+    </p:spTree>
+    <p:extLst>
+      <p:ext uri="{BB962C8B-B14F-4D97-AF65-F5344CB8AC3E}">
+        <p14:creationId xmlns:p14="http://schemas.microsoft.com/office/powerpoint/2010/main" val="2097088455"/>
+      </p:ext>
+    </p:extLst>
+  </p:cSld>
+  <p:clrMapOvr>
+    <a:masterClrMapping/>
+  </p:clrMapOvr>
+</p:sld>
+</file>
+
+<file path=ppt/slides/slide104.xml><?xml version="1.0" encoding="utf-8"?>
+<p:sld xmlns:a="http://schemas.openxmlformats.org/drawingml/2006/main" xmlns:r="http://schemas.openxmlformats.org/officeDocument/2006/relationships" xmlns:p="http://schemas.openxmlformats.org/presentationml/2006/main">
+  <p:cSld>
+    <p:spTree>
+      <p:nvGrpSpPr>
+        <p:cNvPr id="1" name=""/>
+        <p:cNvGrpSpPr/>
+        <p:nvPr/>
+      </p:nvGrpSpPr>
+      <p:grpSpPr>
+        <a:xfrm>
+          <a:off x="0" y="0"/>
+          <a:ext cx="0" cy="0"/>
+          <a:chOff x="0" y="0"/>
+          <a:chExt cx="0" cy="0"/>
+        </a:xfrm>
+      </p:grpSpPr>
+      <p:sp>
+        <p:nvSpPr>
+          <p:cNvPr id="2" name="Content Placeholder 1"/>
+          <p:cNvSpPr>
+            <a:spLocks noGrp="1"/>
+          </p:cNvSpPr>
+          <p:nvPr>
+            <p:ph idx="1"/>
+          </p:nvPr>
+        </p:nvSpPr>
+        <p:spPr/>
+        <p:txBody>
+          <a:bodyPr/>
+          <a:lstStyle/>
+          <a:p>
+            <a:r>
+              <a:rPr lang="en-US" dirty="0"/>
               <a:t>You can find the largest number (in a list of numbers) using the </a:t>
             </a:r>
             <a:r>
@@ -5590,7 +5746,7 @@
 </p:sld>
 </file>
 
-<file path=ppt/slides/slide104.xml><?xml version="1.0" encoding="utf-8"?>
+<file path=ppt/slides/slide105.xml><?xml version="1.0" encoding="utf-8"?>
 <p:sld xmlns:a="http://schemas.openxmlformats.org/drawingml/2006/main" xmlns:r="http://schemas.openxmlformats.org/officeDocument/2006/relationships" xmlns:p="http://schemas.openxmlformats.org/presentationml/2006/main">
   <p:cSld>
     <p:spTree>
@@ -5784,7 +5940,7 @@
 </p:sld>
 </file>
 
-<file path=ppt/slides/slide105.xml><?xml version="1.0" encoding="utf-8"?>
+<file path=ppt/slides/slide106.xml><?xml version="1.0" encoding="utf-8"?>
 <p:sld xmlns:a="http://schemas.openxmlformats.org/drawingml/2006/main" xmlns:r="http://schemas.openxmlformats.org/officeDocument/2006/relationships" xmlns:p="http://schemas.openxmlformats.org/presentationml/2006/main">
   <p:cSld>
     <p:spTree>
@@ -6071,7 +6227,7 @@
 </p:sld>
 </file>
 
-<file path=ppt/slides/slide106.xml><?xml version="1.0" encoding="utf-8"?>
+<file path=ppt/slides/slide107.xml><?xml version="1.0" encoding="utf-8"?>
 <p:sld xmlns:a="http://schemas.openxmlformats.org/drawingml/2006/main" xmlns:r="http://schemas.openxmlformats.org/officeDocument/2006/relationships" xmlns:p="http://schemas.openxmlformats.org/presentationml/2006/main">
   <p:cSld>
     <p:spTree>
@@ -6326,7 +6482,7 @@
 </p:sld>
 </file>
 
-<file path=ppt/slides/slide107.xml><?xml version="1.0" encoding="utf-8"?>
+<file path=ppt/slides/slide108.xml><?xml version="1.0" encoding="utf-8"?>
 <p:sld xmlns:a="http://schemas.openxmlformats.org/drawingml/2006/main" xmlns:r="http://schemas.openxmlformats.org/officeDocument/2006/relationships" xmlns:p="http://schemas.openxmlformats.org/presentationml/2006/main">
   <p:cSld>
     <p:spTree>
@@ -6481,127 +6637,6 @@
     <p:extLst>
       <p:ext uri="{BB962C8B-B14F-4D97-AF65-F5344CB8AC3E}">
         <p14:creationId xmlns:p14="http://schemas.microsoft.com/office/powerpoint/2010/main" val="3973734538"/>
-      </p:ext>
-    </p:extLst>
-  </p:cSld>
-  <p:clrMapOvr>
-    <a:masterClrMapping/>
-  </p:clrMapOvr>
-</p:sld>
-</file>
-
-<file path=ppt/slides/slide108.xml><?xml version="1.0" encoding="utf-8"?>
-<p:sld xmlns:a="http://schemas.openxmlformats.org/drawingml/2006/main" xmlns:r="http://schemas.openxmlformats.org/officeDocument/2006/relationships" xmlns:p="http://schemas.openxmlformats.org/presentationml/2006/main">
-  <p:cSld>
-    <p:spTree>
-      <p:nvGrpSpPr>
-        <p:cNvPr id="1" name=""/>
-        <p:cNvGrpSpPr/>
-        <p:nvPr/>
-      </p:nvGrpSpPr>
-      <p:grpSpPr>
-        <a:xfrm>
-          <a:off x="0" y="0"/>
-          <a:ext cx="0" cy="0"/>
-          <a:chOff x="0" y="0"/>
-          <a:chExt cx="0" cy="0"/>
-        </a:xfrm>
-      </p:grpSpPr>
-      <p:sp>
-        <p:nvSpPr>
-          <p:cNvPr id="3" name="Title 2"/>
-          <p:cNvSpPr>
-            <a:spLocks noGrp="1"/>
-          </p:cNvSpPr>
-          <p:nvPr>
-            <p:ph type="title"/>
-          </p:nvPr>
-        </p:nvSpPr>
-        <p:spPr/>
-        <p:txBody>
-          <a:bodyPr/>
-          <a:lstStyle/>
-          <a:p>
-            <a:r>
-              <a:rPr lang="en-US" dirty="0"/>
-              <a:t>JavaScript </a:t>
-            </a:r>
-            <a:r>
-              <a:rPr lang="en-US" dirty="0" smtClean="0"/>
-              <a:t>Closures</a:t>
-            </a:r>
-            <a:endParaRPr lang="bg-BG" dirty="0"/>
-          </a:p>
-        </p:txBody>
-      </p:sp>
-      <p:pic>
-        <p:nvPicPr>
-          <p:cNvPr id="26626" name="Picture 2"/>
-          <p:cNvPicPr>
-            <a:picLocks noChangeAspect="1" noChangeArrowheads="1"/>
-          </p:cNvPicPr>
-          <p:nvPr/>
-        </p:nvPicPr>
-        <p:blipFill>
-          <a:blip r:embed="rId2">
-            <a:extLst>
-              <a:ext uri="{28A0092B-C50C-407E-A947-70E740481C1C}">
-                <a14:useLocalDpi xmlns:a14="http://schemas.microsoft.com/office/drawing/2010/main" val="0"/>
-              </a:ext>
-            </a:extLst>
-          </a:blip>
-          <a:srcRect/>
-          <a:stretch>
-            <a:fillRect/>
-          </a:stretch>
-        </p:blipFill>
-        <p:spPr bwMode="auto">
-          <a:xfrm>
-            <a:off x="339306" y="1905000"/>
-            <a:ext cx="8170738" cy="3962399"/>
-          </a:xfrm>
-          <a:prstGeom prst="rect">
-            <a:avLst/>
-          </a:prstGeom>
-          <a:noFill/>
-          <a:ln>
-            <a:noFill/>
-          </a:ln>
-          <a:effectLst/>
-          <a:extLst>
-            <a:ext uri="{909E8E84-426E-40DD-AFC4-6F175D3DCCD1}">
-              <a14:hiddenFill xmlns:a14="http://schemas.microsoft.com/office/drawing/2010/main">
-                <a:solidFill>
-                  <a:schemeClr val="accent1"/>
-                </a:solidFill>
-              </a14:hiddenFill>
-            </a:ext>
-            <a:ext uri="{91240B29-F687-4F45-9708-019B960494DF}">
-              <a14:hiddenLine xmlns:a14="http://schemas.microsoft.com/office/drawing/2010/main" w="9525">
-                <a:solidFill>
-                  <a:schemeClr val="tx1"/>
-                </a:solidFill>
-                <a:miter lim="800000"/>
-                <a:headEnd/>
-                <a:tailEnd/>
-              </a14:hiddenLine>
-            </a:ext>
-            <a:ext uri="{AF507438-7753-43E0-B8FC-AC1667EBCBE1}">
-              <a14:hiddenEffects xmlns:a14="http://schemas.microsoft.com/office/drawing/2010/main">
-                <a:effectLst>
-                  <a:outerShdw dist="35921" dir="2700000" algn="ctr" rotWithShape="0">
-                    <a:schemeClr val="bg2"/>
-                  </a:outerShdw>
-                </a:effectLst>
-              </a14:hiddenEffects>
-            </a:ext>
-          </a:extLst>
-        </p:spPr>
-      </p:pic>
-    </p:spTree>
-    <p:extLst>
-      <p:ext uri="{BB962C8B-B14F-4D97-AF65-F5344CB8AC3E}">
-        <p14:creationId xmlns:p14="http://schemas.microsoft.com/office/powerpoint/2010/main" val="3842399078"/>
       </p:ext>
     </p:extLst>
   </p:cSld>
@@ -6645,87 +6680,19 @@
           <a:p>
             <a:r>
               <a:rPr lang="en-US" dirty="0"/>
-              <a:t>JavaScript Closures</a:t>
-            </a:r>
-            <a:endParaRPr lang="bg-BG" dirty="0"/>
-          </a:p>
-        </p:txBody>
-      </p:sp>
-      <p:sp>
-        <p:nvSpPr>
-          <p:cNvPr id="4" name="Content Placeholder 1"/>
-          <p:cNvSpPr>
-            <a:spLocks noGrp="1"/>
-          </p:cNvSpPr>
-          <p:nvPr>
-            <p:ph idx="1"/>
-          </p:nvPr>
-        </p:nvSpPr>
-        <p:spPr>
-          <a:xfrm>
-            <a:off x="380999" y="1719071"/>
-            <a:ext cx="8407893" cy="3767329"/>
-          </a:xfrm>
-        </p:spPr>
-        <p:txBody>
-          <a:bodyPr>
-            <a:normAutofit/>
-          </a:bodyPr>
-          <a:lstStyle/>
-          <a:p>
-            <a:r>
-              <a:rPr lang="en-US" dirty="0"/>
-              <a:t>The variable add is assigned to the return value of a self-invoking function.</a:t>
-            </a:r>
-          </a:p>
-          <a:p>
-            <a:r>
-              <a:rPr lang="en-US" dirty="0"/>
-              <a:t>The self-invoking function only runs once. It sets the counter to zero (0), and returns a function expression.</a:t>
-            </a:r>
-          </a:p>
-          <a:p>
-            <a:r>
-              <a:rPr lang="en-US" dirty="0"/>
-              <a:t>This way add becomes a function. The "wonderful" part is that it can access the counter in the parent scope.</a:t>
-            </a:r>
-          </a:p>
-          <a:p>
-            <a:r>
-              <a:rPr lang="en-US" dirty="0"/>
-              <a:t>This is called a JavaScript </a:t>
-            </a:r>
-            <a:r>
-              <a:rPr lang="en-US" b="1" dirty="0"/>
-              <a:t>closure.</a:t>
-            </a:r>
-            <a:r>
-              <a:rPr lang="en-US" dirty="0"/>
-              <a:t> It makes it possible for a function to have "</a:t>
-            </a:r>
-            <a:r>
-              <a:rPr lang="en-US" b="1" dirty="0"/>
-              <a:t>private</a:t>
-            </a:r>
-            <a:r>
-              <a:rPr lang="en-US" dirty="0"/>
-              <a:t>" variables.</a:t>
-            </a:r>
-          </a:p>
-          <a:p>
-            <a:r>
-              <a:rPr lang="en-US" dirty="0"/>
-              <a:t>The counter is protected by the scope of the anonymous function, and can only be changed using the add function.</a:t>
-            </a:r>
-          </a:p>
-          <a:p>
+              <a:t>JavaScript </a:t>
+            </a:r>
+            <a:r>
+              <a:rPr lang="en-US" dirty="0" smtClean="0"/>
+              <a:t>Closures</a:t>
+            </a:r>
             <a:endParaRPr lang="bg-BG" dirty="0"/>
           </a:p>
         </p:txBody>
       </p:sp>
       <p:pic>
         <p:nvPicPr>
-          <p:cNvPr id="27650" name="Picture 2"/>
+          <p:cNvPr id="26626" name="Picture 2"/>
           <p:cNvPicPr>
             <a:picLocks noChangeAspect="1" noChangeArrowheads="1"/>
           </p:cNvPicPr>
@@ -6746,8 +6713,8 @@
         </p:blipFill>
         <p:spPr bwMode="auto">
           <a:xfrm>
-            <a:off x="381000" y="5298489"/>
-            <a:ext cx="8458200" cy="480083"/>
+            <a:off x="339306" y="1905000"/>
+            <a:ext cx="8170738" cy="3962399"/>
           </a:xfrm>
           <a:prstGeom prst="rect">
             <a:avLst/>
@@ -6790,7 +6757,7 @@
     </p:spTree>
     <p:extLst>
       <p:ext uri="{BB962C8B-B14F-4D97-AF65-F5344CB8AC3E}">
-        <p14:creationId xmlns:p14="http://schemas.microsoft.com/office/powerpoint/2010/main" val="768207157"/>
+        <p14:creationId xmlns:p14="http://schemas.microsoft.com/office/powerpoint/2010/main" val="3842399078"/>
       </p:ext>
     </p:extLst>
   </p:cSld>
@@ -7182,6 +7149,195 @@
     <p:extLst>
       <p:ext uri="{BB962C8B-B14F-4D97-AF65-F5344CB8AC3E}">
         <p14:creationId xmlns:p14="http://schemas.microsoft.com/office/powerpoint/2010/main" val="555123483"/>
+      </p:ext>
+    </p:extLst>
+  </p:cSld>
+  <p:clrMapOvr>
+    <a:masterClrMapping/>
+  </p:clrMapOvr>
+</p:sld>
+</file>
+
+<file path=ppt/slides/slide110.xml><?xml version="1.0" encoding="utf-8"?>
+<p:sld xmlns:a="http://schemas.openxmlformats.org/drawingml/2006/main" xmlns:r="http://schemas.openxmlformats.org/officeDocument/2006/relationships" xmlns:p="http://schemas.openxmlformats.org/presentationml/2006/main">
+  <p:cSld>
+    <p:spTree>
+      <p:nvGrpSpPr>
+        <p:cNvPr id="1" name=""/>
+        <p:cNvGrpSpPr/>
+        <p:nvPr/>
+      </p:nvGrpSpPr>
+      <p:grpSpPr>
+        <a:xfrm>
+          <a:off x="0" y="0"/>
+          <a:ext cx="0" cy="0"/>
+          <a:chOff x="0" y="0"/>
+          <a:chExt cx="0" cy="0"/>
+        </a:xfrm>
+      </p:grpSpPr>
+      <p:sp>
+        <p:nvSpPr>
+          <p:cNvPr id="3" name="Title 2"/>
+          <p:cNvSpPr>
+            <a:spLocks noGrp="1"/>
+          </p:cNvSpPr>
+          <p:nvPr>
+            <p:ph type="title"/>
+          </p:nvPr>
+        </p:nvSpPr>
+        <p:spPr/>
+        <p:txBody>
+          <a:bodyPr/>
+          <a:lstStyle/>
+          <a:p>
+            <a:r>
+              <a:rPr lang="en-US" dirty="0"/>
+              <a:t>JavaScript Closures</a:t>
+            </a:r>
+            <a:endParaRPr lang="bg-BG" dirty="0"/>
+          </a:p>
+        </p:txBody>
+      </p:sp>
+      <p:sp>
+        <p:nvSpPr>
+          <p:cNvPr id="4" name="Content Placeholder 1"/>
+          <p:cNvSpPr>
+            <a:spLocks noGrp="1"/>
+          </p:cNvSpPr>
+          <p:nvPr>
+            <p:ph idx="1"/>
+          </p:nvPr>
+        </p:nvSpPr>
+        <p:spPr>
+          <a:xfrm>
+            <a:off x="380999" y="1719071"/>
+            <a:ext cx="8407893" cy="3767329"/>
+          </a:xfrm>
+        </p:spPr>
+        <p:txBody>
+          <a:bodyPr>
+            <a:normAutofit/>
+          </a:bodyPr>
+          <a:lstStyle/>
+          <a:p>
+            <a:r>
+              <a:rPr lang="en-US" dirty="0"/>
+              <a:t>The variable add is assigned to the return value of a self-invoking function.</a:t>
+            </a:r>
+          </a:p>
+          <a:p>
+            <a:r>
+              <a:rPr lang="en-US" dirty="0"/>
+              <a:t>The self-invoking function only runs once. It sets the counter to zero (0), and returns a function expression.</a:t>
+            </a:r>
+          </a:p>
+          <a:p>
+            <a:r>
+              <a:rPr lang="en-US" dirty="0"/>
+              <a:t>This way add becomes a function. The "wonderful" part is that it can access the counter in the parent scope.</a:t>
+            </a:r>
+          </a:p>
+          <a:p>
+            <a:r>
+              <a:rPr lang="en-US" dirty="0"/>
+              <a:t>This is called a JavaScript </a:t>
+            </a:r>
+            <a:r>
+              <a:rPr lang="en-US" b="1" dirty="0"/>
+              <a:t>closure.</a:t>
+            </a:r>
+            <a:r>
+              <a:rPr lang="en-US" dirty="0"/>
+              <a:t> It makes it possible for a function to have "</a:t>
+            </a:r>
+            <a:r>
+              <a:rPr lang="en-US" b="1" dirty="0"/>
+              <a:t>private</a:t>
+            </a:r>
+            <a:r>
+              <a:rPr lang="en-US" dirty="0"/>
+              <a:t>" variables.</a:t>
+            </a:r>
+          </a:p>
+          <a:p>
+            <a:r>
+              <a:rPr lang="en-US" dirty="0"/>
+              <a:t>The counter is protected by the scope of the anonymous function, and can only be changed using the add function.</a:t>
+            </a:r>
+          </a:p>
+          <a:p>
+            <a:endParaRPr lang="bg-BG" dirty="0"/>
+          </a:p>
+        </p:txBody>
+      </p:sp>
+      <p:pic>
+        <p:nvPicPr>
+          <p:cNvPr id="27650" name="Picture 2"/>
+          <p:cNvPicPr>
+            <a:picLocks noChangeAspect="1" noChangeArrowheads="1"/>
+          </p:cNvPicPr>
+          <p:nvPr/>
+        </p:nvPicPr>
+        <p:blipFill>
+          <a:blip r:embed="rId2">
+            <a:extLst>
+              <a:ext uri="{28A0092B-C50C-407E-A947-70E740481C1C}">
+                <a14:useLocalDpi xmlns:a14="http://schemas.microsoft.com/office/drawing/2010/main" val="0"/>
+              </a:ext>
+            </a:extLst>
+          </a:blip>
+          <a:srcRect/>
+          <a:stretch>
+            <a:fillRect/>
+          </a:stretch>
+        </p:blipFill>
+        <p:spPr bwMode="auto">
+          <a:xfrm>
+            <a:off x="381000" y="5298489"/>
+            <a:ext cx="8458200" cy="480083"/>
+          </a:xfrm>
+          <a:prstGeom prst="rect">
+            <a:avLst/>
+          </a:prstGeom>
+          <a:noFill/>
+          <a:ln>
+            <a:noFill/>
+          </a:ln>
+          <a:effectLst/>
+          <a:extLst>
+            <a:ext uri="{909E8E84-426E-40DD-AFC4-6F175D3DCCD1}">
+              <a14:hiddenFill xmlns:a14="http://schemas.microsoft.com/office/drawing/2010/main">
+                <a:solidFill>
+                  <a:schemeClr val="accent1"/>
+                </a:solidFill>
+              </a14:hiddenFill>
+            </a:ext>
+            <a:ext uri="{91240B29-F687-4F45-9708-019B960494DF}">
+              <a14:hiddenLine xmlns:a14="http://schemas.microsoft.com/office/drawing/2010/main" w="9525">
+                <a:solidFill>
+                  <a:schemeClr val="tx1"/>
+                </a:solidFill>
+                <a:miter lim="800000"/>
+                <a:headEnd/>
+                <a:tailEnd/>
+              </a14:hiddenLine>
+            </a:ext>
+            <a:ext uri="{AF507438-7753-43E0-B8FC-AC1667EBCBE1}">
+              <a14:hiddenEffects xmlns:a14="http://schemas.microsoft.com/office/drawing/2010/main">
+                <a:effectLst>
+                  <a:outerShdw dist="35921" dir="2700000" algn="ctr" rotWithShape="0">
+                    <a:schemeClr val="bg2"/>
+                  </a:outerShdw>
+                </a:effectLst>
+              </a14:hiddenEffects>
+            </a:ext>
+          </a:extLst>
+        </p:spPr>
+      </p:pic>
+    </p:spTree>
+    <p:extLst>
+      <p:ext uri="{BB962C8B-B14F-4D97-AF65-F5344CB8AC3E}">
+        <p14:creationId xmlns:p14="http://schemas.microsoft.com/office/powerpoint/2010/main" val="768207157"/>
       </p:ext>
     </p:extLst>
   </p:cSld>
@@ -28641,6 +28797,251 @@
           <a:lstStyle/>
           <a:p>
             <a:r>
+              <a:rPr lang="en-US" dirty="0" smtClean="0"/>
+              <a:t>Array manipulation</a:t>
+            </a:r>
+            <a:endParaRPr lang="bg-BG" dirty="0"/>
+          </a:p>
+        </p:txBody>
+      </p:sp>
+      <p:pic>
+        <p:nvPicPr>
+          <p:cNvPr id="1026" name="Picture 2"/>
+          <p:cNvPicPr>
+            <a:picLocks noChangeAspect="1" noChangeArrowheads="1"/>
+          </p:cNvPicPr>
+          <p:nvPr/>
+        </p:nvPicPr>
+        <p:blipFill>
+          <a:blip r:embed="rId2">
+            <a:extLst>
+              <a:ext uri="{28A0092B-C50C-407E-A947-70E740481C1C}">
+                <a14:useLocalDpi xmlns:a14="http://schemas.microsoft.com/office/drawing/2010/main" val="0"/>
+              </a:ext>
+            </a:extLst>
+          </a:blip>
+          <a:srcRect/>
+          <a:stretch>
+            <a:fillRect/>
+          </a:stretch>
+        </p:blipFill>
+        <p:spPr bwMode="auto">
+          <a:xfrm>
+            <a:off x="228600" y="1725283"/>
+            <a:ext cx="3457575" cy="1514475"/>
+          </a:xfrm>
+          <a:prstGeom prst="rect">
+            <a:avLst/>
+          </a:prstGeom>
+          <a:noFill/>
+          <a:ln>
+            <a:noFill/>
+          </a:ln>
+          <a:effectLst/>
+          <a:extLst>
+            <a:ext uri="{909E8E84-426E-40DD-AFC4-6F175D3DCCD1}">
+              <a14:hiddenFill xmlns:a14="http://schemas.microsoft.com/office/drawing/2010/main">
+                <a:solidFill>
+                  <a:schemeClr val="accent1"/>
+                </a:solidFill>
+              </a14:hiddenFill>
+            </a:ext>
+            <a:ext uri="{91240B29-F687-4F45-9708-019B960494DF}">
+              <a14:hiddenLine xmlns:a14="http://schemas.microsoft.com/office/drawing/2010/main" w="9525">
+                <a:solidFill>
+                  <a:schemeClr val="tx1"/>
+                </a:solidFill>
+                <a:miter lim="800000"/>
+                <a:headEnd/>
+                <a:tailEnd/>
+              </a14:hiddenLine>
+            </a:ext>
+            <a:ext uri="{AF507438-7753-43E0-B8FC-AC1667EBCBE1}">
+              <a14:hiddenEffects xmlns:a14="http://schemas.microsoft.com/office/drawing/2010/main">
+                <a:effectLst>
+                  <a:outerShdw dist="35921" dir="2700000" algn="ctr" rotWithShape="0">
+                    <a:schemeClr val="bg2"/>
+                  </a:outerShdw>
+                </a:effectLst>
+              </a14:hiddenEffects>
+            </a:ext>
+          </a:extLst>
+        </p:spPr>
+      </p:pic>
+      <p:pic>
+        <p:nvPicPr>
+          <p:cNvPr id="1027" name="Picture 3"/>
+          <p:cNvPicPr>
+            <a:picLocks noChangeAspect="1" noChangeArrowheads="1"/>
+          </p:cNvPicPr>
+          <p:nvPr/>
+        </p:nvPicPr>
+        <p:blipFill>
+          <a:blip r:embed="rId3">
+            <a:extLst>
+              <a:ext uri="{28A0092B-C50C-407E-A947-70E740481C1C}">
+                <a14:useLocalDpi xmlns:a14="http://schemas.microsoft.com/office/drawing/2010/main" val="0"/>
+              </a:ext>
+            </a:extLst>
+          </a:blip>
+          <a:srcRect/>
+          <a:stretch>
+            <a:fillRect/>
+          </a:stretch>
+        </p:blipFill>
+        <p:spPr bwMode="auto">
+          <a:xfrm>
+            <a:off x="233172" y="3331234"/>
+            <a:ext cx="3453003" cy="1514475"/>
+          </a:xfrm>
+          <a:prstGeom prst="rect">
+            <a:avLst/>
+          </a:prstGeom>
+          <a:noFill/>
+          <a:ln>
+            <a:noFill/>
+          </a:ln>
+          <a:effectLst/>
+          <a:extLst>
+            <a:ext uri="{909E8E84-426E-40DD-AFC4-6F175D3DCCD1}">
+              <a14:hiddenFill xmlns:a14="http://schemas.microsoft.com/office/drawing/2010/main">
+                <a:solidFill>
+                  <a:schemeClr val="accent1"/>
+                </a:solidFill>
+              </a14:hiddenFill>
+            </a:ext>
+            <a:ext uri="{91240B29-F687-4F45-9708-019B960494DF}">
+              <a14:hiddenLine xmlns:a14="http://schemas.microsoft.com/office/drawing/2010/main" w="9525">
+                <a:solidFill>
+                  <a:schemeClr val="tx1"/>
+                </a:solidFill>
+                <a:miter lim="800000"/>
+                <a:headEnd/>
+                <a:tailEnd/>
+              </a14:hiddenLine>
+            </a:ext>
+            <a:ext uri="{AF507438-7753-43E0-B8FC-AC1667EBCBE1}">
+              <a14:hiddenEffects xmlns:a14="http://schemas.microsoft.com/office/drawing/2010/main">
+                <a:effectLst>
+                  <a:outerShdw dist="35921" dir="2700000" algn="ctr" rotWithShape="0">
+                    <a:schemeClr val="bg2"/>
+                  </a:outerShdw>
+                </a:effectLst>
+              </a14:hiddenEffects>
+            </a:ext>
+          </a:extLst>
+        </p:spPr>
+      </p:pic>
+      <p:pic>
+        <p:nvPicPr>
+          <p:cNvPr id="1028" name="Picture 4"/>
+          <p:cNvPicPr>
+            <a:picLocks noChangeAspect="1" noChangeArrowheads="1"/>
+          </p:cNvPicPr>
+          <p:nvPr/>
+        </p:nvPicPr>
+        <p:blipFill>
+          <a:blip r:embed="rId4">
+            <a:extLst>
+              <a:ext uri="{28A0092B-C50C-407E-A947-70E740481C1C}">
+                <a14:useLocalDpi xmlns:a14="http://schemas.microsoft.com/office/drawing/2010/main" val="0"/>
+              </a:ext>
+            </a:extLst>
+          </a:blip>
+          <a:srcRect/>
+          <a:stretch>
+            <a:fillRect/>
+          </a:stretch>
+        </p:blipFill>
+        <p:spPr bwMode="auto">
+          <a:xfrm>
+            <a:off x="3752311" y="1725283"/>
+            <a:ext cx="5170562" cy="4044226"/>
+          </a:xfrm>
+          <a:prstGeom prst="rect">
+            <a:avLst/>
+          </a:prstGeom>
+          <a:noFill/>
+          <a:ln>
+            <a:noFill/>
+          </a:ln>
+          <a:effectLst/>
+          <a:extLst>
+            <a:ext uri="{909E8E84-426E-40DD-AFC4-6F175D3DCCD1}">
+              <a14:hiddenFill xmlns:a14="http://schemas.microsoft.com/office/drawing/2010/main">
+                <a:solidFill>
+                  <a:schemeClr val="accent1"/>
+                </a:solidFill>
+              </a14:hiddenFill>
+            </a:ext>
+            <a:ext uri="{91240B29-F687-4F45-9708-019B960494DF}">
+              <a14:hiddenLine xmlns:a14="http://schemas.microsoft.com/office/drawing/2010/main" w="9525">
+                <a:solidFill>
+                  <a:schemeClr val="tx1"/>
+                </a:solidFill>
+                <a:miter lim="800000"/>
+                <a:headEnd/>
+                <a:tailEnd/>
+              </a14:hiddenLine>
+            </a:ext>
+            <a:ext uri="{AF507438-7753-43E0-B8FC-AC1667EBCBE1}">
+              <a14:hiddenEffects xmlns:a14="http://schemas.microsoft.com/office/drawing/2010/main">
+                <a:effectLst>
+                  <a:outerShdw dist="35921" dir="2700000" algn="ctr" rotWithShape="0">
+                    <a:schemeClr val="bg2"/>
+                  </a:outerShdw>
+                </a:effectLst>
+              </a14:hiddenEffects>
+            </a:ext>
+          </a:extLst>
+        </p:spPr>
+      </p:pic>
+    </p:spTree>
+    <p:extLst>
+      <p:ext uri="{BB962C8B-B14F-4D97-AF65-F5344CB8AC3E}">
+        <p14:creationId xmlns:p14="http://schemas.microsoft.com/office/powerpoint/2010/main" val="575340995"/>
+      </p:ext>
+    </p:extLst>
+  </p:cSld>
+  <p:clrMapOvr>
+    <a:masterClrMapping/>
+  </p:clrMapOvr>
+</p:sld>
+</file>
+
+<file path=ppt/slides/slide82.xml><?xml version="1.0" encoding="utf-8"?>
+<p:sld xmlns:a="http://schemas.openxmlformats.org/drawingml/2006/main" xmlns:r="http://schemas.openxmlformats.org/officeDocument/2006/relationships" xmlns:p="http://schemas.openxmlformats.org/presentationml/2006/main">
+  <p:cSld>
+    <p:spTree>
+      <p:nvGrpSpPr>
+        <p:cNvPr id="1" name=""/>
+        <p:cNvGrpSpPr/>
+        <p:nvPr/>
+      </p:nvGrpSpPr>
+      <p:grpSpPr>
+        <a:xfrm>
+          <a:off x="0" y="0"/>
+          <a:ext cx="0" cy="0"/>
+          <a:chOff x="0" y="0"/>
+          <a:chExt cx="0" cy="0"/>
+        </a:xfrm>
+      </p:grpSpPr>
+      <p:sp>
+        <p:nvSpPr>
+          <p:cNvPr id="3" name="Title 2"/>
+          <p:cNvSpPr>
+            <a:spLocks noGrp="1"/>
+          </p:cNvSpPr>
+          <p:nvPr>
+            <p:ph type="title"/>
+          </p:nvPr>
+        </p:nvSpPr>
+        <p:spPr/>
+        <p:txBody>
+          <a:bodyPr/>
+          <a:lstStyle/>
+          <a:p>
+            <a:r>
               <a:rPr lang="en-US" dirty="0"/>
               <a:t>JavaScript </a:t>
             </a:r>
@@ -28665,7 +29066,7 @@
 </p:sld>
 </file>
 
-<file path=ppt/slides/slide82.xml><?xml version="1.0" encoding="utf-8"?>
+<file path=ppt/slides/slide83.xml><?xml version="1.0" encoding="utf-8"?>
 <p:sld xmlns:a="http://schemas.openxmlformats.org/drawingml/2006/main" xmlns:r="http://schemas.openxmlformats.org/officeDocument/2006/relationships" xmlns:p="http://schemas.openxmlformats.org/presentationml/2006/main">
   <p:cSld>
     <p:spTree>
@@ -29062,7 +29463,7 @@
 </p:sld>
 </file>
 
-<file path=ppt/slides/slide83.xml><?xml version="1.0" encoding="utf-8"?>
+<file path=ppt/slides/slide84.xml><?xml version="1.0" encoding="utf-8"?>
 <p:sld xmlns:a="http://schemas.openxmlformats.org/drawingml/2006/main" xmlns:r="http://schemas.openxmlformats.org/officeDocument/2006/relationships" xmlns:p="http://schemas.openxmlformats.org/presentationml/2006/main">
   <p:cSld>
     <p:spTree>
@@ -29297,7 +29698,7 @@
 </p:sld>
 </file>
 
-<file path=ppt/slides/slide84.xml><?xml version="1.0" encoding="utf-8"?>
+<file path=ppt/slides/slide85.xml><?xml version="1.0" encoding="utf-8"?>
 <p:sld xmlns:a="http://schemas.openxmlformats.org/drawingml/2006/main" xmlns:r="http://schemas.openxmlformats.org/officeDocument/2006/relationships" xmlns:p="http://schemas.openxmlformats.org/presentationml/2006/main">
   <p:cSld>
     <p:spTree>
@@ -29495,7 +29896,7 @@
 </p:sld>
 </file>
 
-<file path=ppt/slides/slide85.xml><?xml version="1.0" encoding="utf-8"?>
+<file path=ppt/slides/slide86.xml><?xml version="1.0" encoding="utf-8"?>
 <p:sld xmlns:a="http://schemas.openxmlformats.org/drawingml/2006/main" xmlns:r="http://schemas.openxmlformats.org/officeDocument/2006/relationships" xmlns:p="http://schemas.openxmlformats.org/presentationml/2006/main">
   <p:cSld>
     <p:spTree>
@@ -29707,7 +30108,7 @@
 </p:sld>
 </file>
 
-<file path=ppt/slides/slide86.xml><?xml version="1.0" encoding="utf-8"?>
+<file path=ppt/slides/slide87.xml><?xml version="1.0" encoding="utf-8"?>
 <p:sld xmlns:a="http://schemas.openxmlformats.org/drawingml/2006/main" xmlns:r="http://schemas.openxmlformats.org/officeDocument/2006/relationships" xmlns:p="http://schemas.openxmlformats.org/presentationml/2006/main">
   <p:cSld>
     <p:spTree>
@@ -30000,7 +30401,7 @@
 </p:sld>
 </file>
 
-<file path=ppt/slides/slide87.xml><?xml version="1.0" encoding="utf-8"?>
+<file path=ppt/slides/slide88.xml><?xml version="1.0" encoding="utf-8"?>
 <p:sld xmlns:a="http://schemas.openxmlformats.org/drawingml/2006/main" xmlns:r="http://schemas.openxmlformats.org/officeDocument/2006/relationships" xmlns:p="http://schemas.openxmlformats.org/presentationml/2006/main">
   <p:cSld>
     <p:spTree>
@@ -30469,7 +30870,7 @@
 </p:sld>
 </file>
 
-<file path=ppt/slides/slide88.xml><?xml version="1.0" encoding="utf-8"?>
+<file path=ppt/slides/slide89.xml><?xml version="1.0" encoding="utf-8"?>
 <p:sld xmlns:a="http://schemas.openxmlformats.org/drawingml/2006/main" xmlns:r="http://schemas.openxmlformats.org/officeDocument/2006/relationships" xmlns:p="http://schemas.openxmlformats.org/presentationml/2006/main">
   <p:cSld>
     <p:spTree>
@@ -30807,159 +31208,6 @@
     <p:extLst>
       <p:ext uri="{BB962C8B-B14F-4D97-AF65-F5344CB8AC3E}">
         <p14:creationId xmlns:p14="http://schemas.microsoft.com/office/powerpoint/2010/main" val="2517791348"/>
-      </p:ext>
-    </p:extLst>
-  </p:cSld>
-  <p:clrMapOvr>
-    <a:masterClrMapping/>
-  </p:clrMapOvr>
-</p:sld>
-</file>
-
-<file path=ppt/slides/slide89.xml><?xml version="1.0" encoding="utf-8"?>
-<p:sld xmlns:a="http://schemas.openxmlformats.org/drawingml/2006/main" xmlns:r="http://schemas.openxmlformats.org/officeDocument/2006/relationships" xmlns:p="http://schemas.openxmlformats.org/presentationml/2006/main">
-  <p:cSld>
-    <p:spTree>
-      <p:nvGrpSpPr>
-        <p:cNvPr id="1" name=""/>
-        <p:cNvGrpSpPr/>
-        <p:nvPr/>
-      </p:nvGrpSpPr>
-      <p:grpSpPr>
-        <a:xfrm>
-          <a:off x="0" y="0"/>
-          <a:ext cx="0" cy="0"/>
-          <a:chOff x="0" y="0"/>
-          <a:chExt cx="0" cy="0"/>
-        </a:xfrm>
-      </p:grpSpPr>
-      <p:sp>
-        <p:nvSpPr>
-          <p:cNvPr id="2" name="Content Placeholder 1"/>
-          <p:cNvSpPr>
-            <a:spLocks noGrp="1"/>
-          </p:cNvSpPr>
-          <p:nvPr>
-            <p:ph idx="1"/>
-          </p:nvPr>
-        </p:nvSpPr>
-        <p:spPr>
-          <a:xfrm>
-            <a:off x="380999" y="1600200"/>
-            <a:ext cx="8407893" cy="4343400"/>
-          </a:xfrm>
-        </p:spPr>
-        <p:txBody>
-          <a:bodyPr>
-            <a:normAutofit/>
-          </a:bodyPr>
-          <a:lstStyle/>
-          <a:p>
-            <a:r>
-              <a:rPr lang="en-US" dirty="0"/>
-              <a:t>Function </a:t>
-            </a:r>
-            <a:r>
-              <a:rPr lang="en-US" b="1" dirty="0"/>
-              <a:t>parameters</a:t>
-            </a:r>
-            <a:r>
-              <a:rPr lang="en-US" dirty="0"/>
-              <a:t> are the </a:t>
-            </a:r>
-            <a:r>
-              <a:rPr lang="en-US" b="1" dirty="0"/>
-              <a:t>names</a:t>
-            </a:r>
-            <a:r>
-              <a:rPr lang="en-US" dirty="0"/>
-              <a:t> listed in the function definition.</a:t>
-            </a:r>
-          </a:p>
-          <a:p>
-            <a:r>
-              <a:rPr lang="en-US" dirty="0"/>
-              <a:t>Function </a:t>
-            </a:r>
-            <a:r>
-              <a:rPr lang="en-US" b="1" dirty="0"/>
-              <a:t>arguments</a:t>
-            </a:r>
-            <a:r>
-              <a:rPr lang="en-US" dirty="0"/>
-              <a:t> are the real </a:t>
-            </a:r>
-            <a:r>
-              <a:rPr lang="en-US" b="1" dirty="0"/>
-              <a:t>values</a:t>
-            </a:r>
-            <a:r>
-              <a:rPr lang="en-US" dirty="0"/>
-              <a:t> passed to (and received by) the function.</a:t>
-            </a:r>
-          </a:p>
-          <a:p>
-            <a:r>
-              <a:rPr lang="en-US" dirty="0" smtClean="0"/>
-              <a:t>Parameter Rules:</a:t>
-            </a:r>
-          </a:p>
-          <a:p>
-            <a:r>
-              <a:rPr lang="en-US" dirty="0"/>
-              <a:t>JavaScript function definitions do not specify data types for parameters.</a:t>
-            </a:r>
-          </a:p>
-          <a:p>
-            <a:r>
-              <a:rPr lang="en-US" dirty="0"/>
-              <a:t>JavaScript functions do not perform type checking on the passed arguments.</a:t>
-            </a:r>
-          </a:p>
-          <a:p>
-            <a:r>
-              <a:rPr lang="en-US" dirty="0"/>
-              <a:t>JavaScript functions do not check the number of arguments received</a:t>
-            </a:r>
-            <a:r>
-              <a:rPr lang="en-US" dirty="0" smtClean="0"/>
-              <a:t>.</a:t>
-            </a:r>
-            <a:endParaRPr lang="en-US" dirty="0"/>
-          </a:p>
-        </p:txBody>
-      </p:sp>
-      <p:sp>
-        <p:nvSpPr>
-          <p:cNvPr id="3" name="Title 2"/>
-          <p:cNvSpPr>
-            <a:spLocks noGrp="1"/>
-          </p:cNvSpPr>
-          <p:nvPr>
-            <p:ph type="title"/>
-          </p:nvPr>
-        </p:nvSpPr>
-        <p:spPr/>
-        <p:txBody>
-          <a:bodyPr/>
-          <a:lstStyle/>
-          <a:p>
-            <a:r>
-              <a:rPr lang="en-US" dirty="0"/>
-              <a:t>Function Parameters and </a:t>
-            </a:r>
-            <a:r>
-              <a:rPr lang="en-US" dirty="0" smtClean="0"/>
-              <a:t>Arguments</a:t>
-            </a:r>
-            <a:endParaRPr lang="bg-BG" dirty="0"/>
-          </a:p>
-        </p:txBody>
-      </p:sp>
-    </p:spTree>
-    <p:extLst>
-      <p:ext uri="{BB962C8B-B14F-4D97-AF65-F5344CB8AC3E}">
-        <p14:creationId xmlns:p14="http://schemas.microsoft.com/office/powerpoint/2010/main" val="2231724681"/>
       </p:ext>
     </p:extLst>
   </p:cSld>
@@ -31336,6 +31584,159 @@
             <p:ph idx="1"/>
           </p:nvPr>
         </p:nvSpPr>
+        <p:spPr>
+          <a:xfrm>
+            <a:off x="380999" y="1600200"/>
+            <a:ext cx="8407893" cy="4343400"/>
+          </a:xfrm>
+        </p:spPr>
+        <p:txBody>
+          <a:bodyPr>
+            <a:normAutofit/>
+          </a:bodyPr>
+          <a:lstStyle/>
+          <a:p>
+            <a:r>
+              <a:rPr lang="en-US" dirty="0"/>
+              <a:t>Function </a:t>
+            </a:r>
+            <a:r>
+              <a:rPr lang="en-US" b="1" dirty="0"/>
+              <a:t>parameters</a:t>
+            </a:r>
+            <a:r>
+              <a:rPr lang="en-US" dirty="0"/>
+              <a:t> are the </a:t>
+            </a:r>
+            <a:r>
+              <a:rPr lang="en-US" b="1" dirty="0"/>
+              <a:t>names</a:t>
+            </a:r>
+            <a:r>
+              <a:rPr lang="en-US" dirty="0"/>
+              <a:t> listed in the function definition.</a:t>
+            </a:r>
+          </a:p>
+          <a:p>
+            <a:r>
+              <a:rPr lang="en-US" dirty="0"/>
+              <a:t>Function </a:t>
+            </a:r>
+            <a:r>
+              <a:rPr lang="en-US" b="1" dirty="0"/>
+              <a:t>arguments</a:t>
+            </a:r>
+            <a:r>
+              <a:rPr lang="en-US" dirty="0"/>
+              <a:t> are the real </a:t>
+            </a:r>
+            <a:r>
+              <a:rPr lang="en-US" b="1" dirty="0"/>
+              <a:t>values</a:t>
+            </a:r>
+            <a:r>
+              <a:rPr lang="en-US" dirty="0"/>
+              <a:t> passed to (and received by) the function.</a:t>
+            </a:r>
+          </a:p>
+          <a:p>
+            <a:r>
+              <a:rPr lang="en-US" dirty="0" smtClean="0"/>
+              <a:t>Parameter Rules:</a:t>
+            </a:r>
+          </a:p>
+          <a:p>
+            <a:r>
+              <a:rPr lang="en-US" dirty="0"/>
+              <a:t>JavaScript function definitions do not specify data types for parameters.</a:t>
+            </a:r>
+          </a:p>
+          <a:p>
+            <a:r>
+              <a:rPr lang="en-US" dirty="0"/>
+              <a:t>JavaScript functions do not perform type checking on the passed arguments.</a:t>
+            </a:r>
+          </a:p>
+          <a:p>
+            <a:r>
+              <a:rPr lang="en-US" dirty="0"/>
+              <a:t>JavaScript functions do not check the number of arguments received</a:t>
+            </a:r>
+            <a:r>
+              <a:rPr lang="en-US" dirty="0" smtClean="0"/>
+              <a:t>.</a:t>
+            </a:r>
+            <a:endParaRPr lang="en-US" dirty="0"/>
+          </a:p>
+        </p:txBody>
+      </p:sp>
+      <p:sp>
+        <p:nvSpPr>
+          <p:cNvPr id="3" name="Title 2"/>
+          <p:cNvSpPr>
+            <a:spLocks noGrp="1"/>
+          </p:cNvSpPr>
+          <p:nvPr>
+            <p:ph type="title"/>
+          </p:nvPr>
+        </p:nvSpPr>
+        <p:spPr/>
+        <p:txBody>
+          <a:bodyPr/>
+          <a:lstStyle/>
+          <a:p>
+            <a:r>
+              <a:rPr lang="en-US" dirty="0"/>
+              <a:t>Function Parameters and </a:t>
+            </a:r>
+            <a:r>
+              <a:rPr lang="en-US" dirty="0" smtClean="0"/>
+              <a:t>Arguments</a:t>
+            </a:r>
+            <a:endParaRPr lang="bg-BG" dirty="0"/>
+          </a:p>
+        </p:txBody>
+      </p:sp>
+    </p:spTree>
+    <p:extLst>
+      <p:ext uri="{BB962C8B-B14F-4D97-AF65-F5344CB8AC3E}">
+        <p14:creationId xmlns:p14="http://schemas.microsoft.com/office/powerpoint/2010/main" val="2231724681"/>
+      </p:ext>
+    </p:extLst>
+  </p:cSld>
+  <p:clrMapOvr>
+    <a:masterClrMapping/>
+  </p:clrMapOvr>
+</p:sld>
+</file>
+
+<file path=ppt/slides/slide91.xml><?xml version="1.0" encoding="utf-8"?>
+<p:sld xmlns:a="http://schemas.openxmlformats.org/drawingml/2006/main" xmlns:r="http://schemas.openxmlformats.org/officeDocument/2006/relationships" xmlns:p="http://schemas.openxmlformats.org/presentationml/2006/main">
+  <p:cSld>
+    <p:spTree>
+      <p:nvGrpSpPr>
+        <p:cNvPr id="1" name=""/>
+        <p:cNvGrpSpPr/>
+        <p:nvPr/>
+      </p:nvGrpSpPr>
+      <p:grpSpPr>
+        <a:xfrm>
+          <a:off x="0" y="0"/>
+          <a:ext cx="0" cy="0"/>
+          <a:chOff x="0" y="0"/>
+          <a:chExt cx="0" cy="0"/>
+        </a:xfrm>
+      </p:grpSpPr>
+      <p:sp>
+        <p:nvSpPr>
+          <p:cNvPr id="2" name="Content Placeholder 1"/>
+          <p:cNvSpPr>
+            <a:spLocks noGrp="1"/>
+          </p:cNvSpPr>
+          <p:nvPr>
+            <p:ph idx="1"/>
+          </p:nvPr>
+        </p:nvSpPr>
         <p:spPr/>
         <p:txBody>
           <a:bodyPr/>
@@ -31567,7 +31968,7 @@
 </p:sld>
 </file>
 
-<file path=ppt/slides/slide91.xml><?xml version="1.0" encoding="utf-8"?>
+<file path=ppt/slides/slide92.xml><?xml version="1.0" encoding="utf-8"?>
 <p:sld xmlns:a="http://schemas.openxmlformats.org/drawingml/2006/main" xmlns:r="http://schemas.openxmlformats.org/officeDocument/2006/relationships" xmlns:p="http://schemas.openxmlformats.org/presentationml/2006/main">
   <p:cSld>
     <p:spTree>
@@ -31853,7 +32254,7 @@
 </p:sld>
 </file>
 
-<file path=ppt/slides/slide92.xml><?xml version="1.0" encoding="utf-8"?>
+<file path=ppt/slides/slide93.xml><?xml version="1.0" encoding="utf-8"?>
 <p:sld xmlns:a="http://schemas.openxmlformats.org/drawingml/2006/main" xmlns:r="http://schemas.openxmlformats.org/officeDocument/2006/relationships" xmlns:p="http://schemas.openxmlformats.org/presentationml/2006/main">
   <p:cSld>
     <p:spTree>
@@ -31985,7 +32386,7 @@
 </p:sld>
 </file>
 
-<file path=ppt/slides/slide93.xml><?xml version="1.0" encoding="utf-8"?>
+<file path=ppt/slides/slide94.xml><?xml version="1.0" encoding="utf-8"?>
 <p:sld xmlns:a="http://schemas.openxmlformats.org/drawingml/2006/main" xmlns:r="http://schemas.openxmlformats.org/officeDocument/2006/relationships" xmlns:p="http://schemas.openxmlformats.org/presentationml/2006/main">
   <p:cSld>
     <p:spTree>
@@ -32228,7 +32629,7 @@
 </p:sld>
 </file>
 
-<file path=ppt/slides/slide94.xml><?xml version="1.0" encoding="utf-8"?>
+<file path=ppt/slides/slide95.xml><?xml version="1.0" encoding="utf-8"?>
 <p:sld xmlns:a="http://schemas.openxmlformats.org/drawingml/2006/main" xmlns:r="http://schemas.openxmlformats.org/officeDocument/2006/relationships" xmlns:p="http://schemas.openxmlformats.org/presentationml/2006/main">
   <p:cSld>
     <p:spTree>
@@ -32406,7 +32807,7 @@
 </p:sld>
 </file>
 
-<file path=ppt/slides/slide95.xml><?xml version="1.0" encoding="utf-8"?>
+<file path=ppt/slides/slide96.xml><?xml version="1.0" encoding="utf-8"?>
 <p:sld xmlns:a="http://schemas.openxmlformats.org/drawingml/2006/main" xmlns:r="http://schemas.openxmlformats.org/officeDocument/2006/relationships" xmlns:p="http://schemas.openxmlformats.org/presentationml/2006/main">
   <p:cSld>
     <p:spTree>
@@ -32628,7 +33029,7 @@
 </p:sld>
 </file>
 
-<file path=ppt/slides/slide96.xml><?xml version="1.0" encoding="utf-8"?>
+<file path=ppt/slides/slide97.xml><?xml version="1.0" encoding="utf-8"?>
 <p:sld xmlns:a="http://schemas.openxmlformats.org/drawingml/2006/main" xmlns:r="http://schemas.openxmlformats.org/officeDocument/2006/relationships" xmlns:p="http://schemas.openxmlformats.org/presentationml/2006/main">
   <p:cSld>
     <p:spTree>
@@ -32918,7 +33319,7 @@
 </p:sld>
 </file>
 
-<file path=ppt/slides/slide97.xml><?xml version="1.0" encoding="utf-8"?>
+<file path=ppt/slides/slide98.xml><?xml version="1.0" encoding="utf-8"?>
 <p:sld xmlns:a="http://schemas.openxmlformats.org/drawingml/2006/main" xmlns:r="http://schemas.openxmlformats.org/officeDocument/2006/relationships" xmlns:p="http://schemas.openxmlformats.org/presentationml/2006/main">
   <p:cSld>
     <p:spTree>
@@ -33160,235 +33561,6 @@
     <p:extLst>
       <p:ext uri="{BB962C8B-B14F-4D97-AF65-F5344CB8AC3E}">
         <p14:creationId xmlns:p14="http://schemas.microsoft.com/office/powerpoint/2010/main" val="51603848"/>
-      </p:ext>
-    </p:extLst>
-  </p:cSld>
-  <p:clrMapOvr>
-    <a:masterClrMapping/>
-  </p:clrMapOvr>
-</p:sld>
-</file>
-
-<file path=ppt/slides/slide98.xml><?xml version="1.0" encoding="utf-8"?>
-<p:sld xmlns:a="http://schemas.openxmlformats.org/drawingml/2006/main" xmlns:r="http://schemas.openxmlformats.org/officeDocument/2006/relationships" xmlns:p="http://schemas.openxmlformats.org/presentationml/2006/main">
-  <p:cSld>
-    <p:spTree>
-      <p:nvGrpSpPr>
-        <p:cNvPr id="1" name=""/>
-        <p:cNvGrpSpPr/>
-        <p:nvPr/>
-      </p:nvGrpSpPr>
-      <p:grpSpPr>
-        <a:xfrm>
-          <a:off x="0" y="0"/>
-          <a:ext cx="0" cy="0"/>
-          <a:chOff x="0" y="0"/>
-          <a:chExt cx="0" cy="0"/>
-        </a:xfrm>
-      </p:grpSpPr>
-      <p:sp>
-        <p:nvSpPr>
-          <p:cNvPr id="2" name="Content Placeholder 1"/>
-          <p:cNvSpPr>
-            <a:spLocks noGrp="1"/>
-          </p:cNvSpPr>
-          <p:nvPr>
-            <p:ph idx="1"/>
-          </p:nvPr>
-        </p:nvSpPr>
-        <p:spPr/>
-        <p:txBody>
-          <a:bodyPr/>
-          <a:lstStyle/>
-          <a:p>
-            <a:r>
-              <a:rPr lang="en-US" dirty="0"/>
-              <a:t>With the </a:t>
-            </a:r>
-            <a:r>
-              <a:rPr lang="en-US" b="1" dirty="0">
-                <a:solidFill>
-                  <a:srgbClr val="FFC000"/>
-                </a:solidFill>
-              </a:rPr>
-              <a:t>call()</a:t>
-            </a:r>
-            <a:r>
-              <a:rPr lang="en-US" dirty="0"/>
-              <a:t> method, you can write a method that can be used on different objects</a:t>
-            </a:r>
-            <a:r>
-              <a:rPr lang="en-US" dirty="0" smtClean="0"/>
-              <a:t>.</a:t>
-            </a:r>
-          </a:p>
-          <a:p>
-            <a:r>
-              <a:rPr lang="en-US" b="1" dirty="0">
-                <a:solidFill>
-                  <a:srgbClr val="FFC000"/>
-                </a:solidFill>
-              </a:rPr>
-              <a:t>In JavaScript all functions are object methods.</a:t>
-            </a:r>
-          </a:p>
-          <a:p>
-            <a:r>
-              <a:rPr lang="en-US" dirty="0"/>
-              <a:t>If a function is not a method of a JavaScript object, it is a function of the global </a:t>
-            </a:r>
-            <a:r>
-              <a:rPr lang="en-US" dirty="0" smtClean="0"/>
-              <a:t>object.</a:t>
-            </a:r>
-            <a:endParaRPr lang="en-US" dirty="0"/>
-          </a:p>
-          <a:p>
-            <a:r>
-              <a:rPr lang="en-US" dirty="0"/>
-              <a:t>The example below creates an object with 3 properties, </a:t>
-            </a:r>
-            <a:r>
-              <a:rPr lang="en-US" dirty="0" err="1"/>
-              <a:t>firstName</a:t>
-            </a:r>
-            <a:r>
-              <a:rPr lang="en-US" dirty="0"/>
-              <a:t>, </a:t>
-            </a:r>
-            <a:r>
-              <a:rPr lang="en-US" dirty="0" err="1"/>
-              <a:t>lastName</a:t>
-            </a:r>
-            <a:r>
-              <a:rPr lang="en-US" dirty="0"/>
-              <a:t>, </a:t>
-            </a:r>
-            <a:r>
-              <a:rPr lang="en-US" dirty="0" err="1"/>
-              <a:t>fullName</a:t>
-            </a:r>
-            <a:r>
-              <a:rPr lang="en-US" dirty="0"/>
-              <a:t>.</a:t>
-            </a:r>
-          </a:p>
-          <a:p>
-            <a:endParaRPr lang="bg-BG" dirty="0"/>
-          </a:p>
-        </p:txBody>
-      </p:sp>
-      <p:sp>
-        <p:nvSpPr>
-          <p:cNvPr id="3" name="Title 2"/>
-          <p:cNvSpPr>
-            <a:spLocks noGrp="1"/>
-          </p:cNvSpPr>
-          <p:nvPr>
-            <p:ph type="title"/>
-          </p:nvPr>
-        </p:nvSpPr>
-        <p:spPr/>
-        <p:txBody>
-          <a:bodyPr/>
-          <a:lstStyle/>
-          <a:p>
-            <a:r>
-              <a:rPr lang="en-US" dirty="0"/>
-              <a:t>JavaScript Function </a:t>
-            </a:r>
-            <a:r>
-              <a:rPr lang="en-US" b="1" dirty="0">
-                <a:solidFill>
-                  <a:srgbClr val="FFC000"/>
-                </a:solidFill>
-              </a:rPr>
-              <a:t>call</a:t>
-            </a:r>
-            <a:r>
-              <a:rPr lang="en-US" b="1" dirty="0" smtClean="0">
-                <a:solidFill>
-                  <a:srgbClr val="FFC000"/>
-                </a:solidFill>
-              </a:rPr>
-              <a:t>()</a:t>
-            </a:r>
-            <a:endParaRPr lang="bg-BG" b="1" dirty="0">
-              <a:solidFill>
-                <a:srgbClr val="FFC000"/>
-              </a:solidFill>
-            </a:endParaRPr>
-          </a:p>
-        </p:txBody>
-      </p:sp>
-      <p:pic>
-        <p:nvPicPr>
-          <p:cNvPr id="16386" name="Picture 2"/>
-          <p:cNvPicPr>
-            <a:picLocks noChangeAspect="1" noChangeArrowheads="1"/>
-          </p:cNvPicPr>
-          <p:nvPr/>
-        </p:nvPicPr>
-        <p:blipFill>
-          <a:blip r:embed="rId2">
-            <a:extLst>
-              <a:ext uri="{28A0092B-C50C-407E-A947-70E740481C1C}">
-                <a14:useLocalDpi xmlns:a14="http://schemas.microsoft.com/office/drawing/2010/main" val="0"/>
-              </a:ext>
-            </a:extLst>
-          </a:blip>
-          <a:srcRect/>
-          <a:stretch>
-            <a:fillRect/>
-          </a:stretch>
-        </p:blipFill>
-        <p:spPr bwMode="auto">
-          <a:xfrm>
-            <a:off x="533400" y="4191000"/>
-            <a:ext cx="4572000" cy="2499246"/>
-          </a:xfrm>
-          <a:prstGeom prst="rect">
-            <a:avLst/>
-          </a:prstGeom>
-          <a:noFill/>
-          <a:ln>
-            <a:noFill/>
-          </a:ln>
-          <a:effectLst/>
-          <a:extLst>
-            <a:ext uri="{909E8E84-426E-40DD-AFC4-6F175D3DCCD1}">
-              <a14:hiddenFill xmlns:a14="http://schemas.microsoft.com/office/drawing/2010/main">
-                <a:solidFill>
-                  <a:schemeClr val="accent1"/>
-                </a:solidFill>
-              </a14:hiddenFill>
-            </a:ext>
-            <a:ext uri="{91240B29-F687-4F45-9708-019B960494DF}">
-              <a14:hiddenLine xmlns:a14="http://schemas.microsoft.com/office/drawing/2010/main" w="9525">
-                <a:solidFill>
-                  <a:schemeClr val="tx1"/>
-                </a:solidFill>
-                <a:miter lim="800000"/>
-                <a:headEnd/>
-                <a:tailEnd/>
-              </a14:hiddenLine>
-            </a:ext>
-            <a:ext uri="{AF507438-7753-43E0-B8FC-AC1667EBCBE1}">
-              <a14:hiddenEffects xmlns:a14="http://schemas.microsoft.com/office/drawing/2010/main">
-                <a:effectLst>
-                  <a:outerShdw dist="35921" dir="2700000" algn="ctr" rotWithShape="0">
-                    <a:schemeClr val="bg2"/>
-                  </a:outerShdw>
-                </a:effectLst>
-              </a14:hiddenEffects>
-            </a:ext>
-          </a:extLst>
-        </p:spPr>
-      </p:pic>
-    </p:spTree>
-    <p:extLst>
-      <p:ext uri="{BB962C8B-B14F-4D97-AF65-F5344CB8AC3E}">
-        <p14:creationId xmlns:p14="http://schemas.microsoft.com/office/powerpoint/2010/main" val="2229490119"/>
       </p:ext>
     </p:extLst>
   </p:cSld>
@@ -33432,19 +33604,74 @@
           <a:p>
             <a:r>
               <a:rPr lang="en-US" dirty="0"/>
-              <a:t>The call() method is a predefined JavaScript method.</a:t>
-            </a:r>
-          </a:p>
-          <a:p>
-            <a:r>
-              <a:rPr lang="en-US" dirty="0"/>
-              <a:t>It can be used to invoke (call) a method with an owner object as an argument (parameter).</a:t>
-            </a:r>
-          </a:p>
-          <a:p>
-            <a:r>
-              <a:rPr lang="en-US" dirty="0"/>
-              <a:t>With call(), an object can use a method belonging to another object.</a:t>
+              <a:t>With the </a:t>
+            </a:r>
+            <a:r>
+              <a:rPr lang="en-US" b="1" dirty="0">
+                <a:solidFill>
+                  <a:srgbClr val="FFC000"/>
+                </a:solidFill>
+              </a:rPr>
+              <a:t>call()</a:t>
+            </a:r>
+            <a:r>
+              <a:rPr lang="en-US" dirty="0"/>
+              <a:t> method, you can write a method that can be used on different objects</a:t>
+            </a:r>
+            <a:r>
+              <a:rPr lang="en-US" dirty="0" smtClean="0"/>
+              <a:t>.</a:t>
+            </a:r>
+          </a:p>
+          <a:p>
+            <a:r>
+              <a:rPr lang="en-US" b="1" dirty="0">
+                <a:solidFill>
+                  <a:srgbClr val="FFC000"/>
+                </a:solidFill>
+              </a:rPr>
+              <a:t>In JavaScript all functions are object methods.</a:t>
+            </a:r>
+          </a:p>
+          <a:p>
+            <a:r>
+              <a:rPr lang="en-US" dirty="0"/>
+              <a:t>If a function is not a method of a JavaScript object, it is a function of the global </a:t>
+            </a:r>
+            <a:r>
+              <a:rPr lang="en-US" dirty="0" smtClean="0"/>
+              <a:t>object.</a:t>
+            </a:r>
+            <a:endParaRPr lang="en-US" dirty="0"/>
+          </a:p>
+          <a:p>
+            <a:r>
+              <a:rPr lang="en-US" dirty="0"/>
+              <a:t>The example below creates an object with 3 properties, </a:t>
+            </a:r>
+            <a:r>
+              <a:rPr lang="en-US" dirty="0" err="1"/>
+              <a:t>firstName</a:t>
+            </a:r>
+            <a:r>
+              <a:rPr lang="en-US" dirty="0"/>
+              <a:t>, </a:t>
+            </a:r>
+            <a:r>
+              <a:rPr lang="en-US" dirty="0" err="1"/>
+              <a:t>lastName</a:t>
+            </a:r>
+            <a:r>
+              <a:rPr lang="en-US" dirty="0"/>
+              <a:t>, </a:t>
+            </a:r>
+            <a:r>
+              <a:rPr lang="en-US" dirty="0" err="1"/>
+              <a:t>fullName</a:t>
+            </a:r>
+            <a:r>
+              <a:rPr lang="en-US" dirty="0"/>
+              <a:t>.</a:t>
             </a:r>
           </a:p>
           <a:p>
@@ -33468,16 +33695,36 @@
           <a:lstStyle/>
           <a:p>
             <a:r>
-              <a:rPr lang="en-US" dirty="0" smtClean="0"/>
-              <a:t>Call() Example</a:t>
-            </a:r>
-            <a:endParaRPr lang="bg-BG" dirty="0"/>
+              <a:rPr lang="en-US" dirty="0"/>
+              <a:t>JavaScript Function </a:t>
+            </a:r>
+            <a:r>
+              <a:rPr lang="en-US" b="1" dirty="0">
+                <a:solidFill>
+                  <a:srgbClr val="FFC000"/>
+                </a:solidFill>
+              </a:rPr>
+              <a:t>call</a:t>
+            </a:r>
+            <a:r>
+              <a:rPr lang="en-US" b="1" dirty="0" smtClean="0">
+                <a:solidFill>
+                  <a:srgbClr val="FFC000"/>
+                </a:solidFill>
+              </a:rPr>
+              <a:t>()</a:t>
+            </a:r>
+            <a:endParaRPr lang="bg-BG" b="1" dirty="0">
+              <a:solidFill>
+                <a:srgbClr val="FFC000"/>
+              </a:solidFill>
+            </a:endParaRPr>
           </a:p>
         </p:txBody>
       </p:sp>
       <p:pic>
         <p:nvPicPr>
-          <p:cNvPr id="17410" name="Picture 2"/>
+          <p:cNvPr id="16386" name="Picture 2"/>
           <p:cNvPicPr>
             <a:picLocks noChangeAspect="1" noChangeArrowheads="1"/>
           </p:cNvPicPr>
@@ -33498,8 +33745,8 @@
         </p:blipFill>
         <p:spPr bwMode="auto">
           <a:xfrm>
-            <a:off x="1905000" y="3200400"/>
-            <a:ext cx="4191000" cy="3566972"/>
+            <a:off x="533400" y="4191000"/>
+            <a:ext cx="4572000" cy="2499246"/>
           </a:xfrm>
           <a:prstGeom prst="rect">
             <a:avLst/>
@@ -33542,7 +33789,7 @@
     </p:spTree>
     <p:extLst>
       <p:ext uri="{BB962C8B-B14F-4D97-AF65-F5344CB8AC3E}">
-        <p14:creationId xmlns:p14="http://schemas.microsoft.com/office/powerpoint/2010/main" val="851848275"/>
+        <p14:creationId xmlns:p14="http://schemas.microsoft.com/office/powerpoint/2010/main" val="2229490119"/>
       </p:ext>
     </p:extLst>
   </p:cSld>

--- a/Programming Prep.pptx
+++ b/Programming Prep.pptx
@@ -64,57 +64,58 @@
     <p:sldId id="314" r:id="rId58"/>
     <p:sldId id="315" r:id="rId59"/>
     <p:sldId id="346" r:id="rId60"/>
-    <p:sldId id="347" r:id="rId61"/>
-    <p:sldId id="348" r:id="rId62"/>
-    <p:sldId id="349" r:id="rId63"/>
-    <p:sldId id="350" r:id="rId64"/>
-    <p:sldId id="351" r:id="rId65"/>
-    <p:sldId id="352" r:id="rId66"/>
-    <p:sldId id="353" r:id="rId67"/>
-    <p:sldId id="354" r:id="rId68"/>
-    <p:sldId id="355" r:id="rId69"/>
-    <p:sldId id="356" r:id="rId70"/>
-    <p:sldId id="357" r:id="rId71"/>
-    <p:sldId id="358" r:id="rId72"/>
-    <p:sldId id="359" r:id="rId73"/>
-    <p:sldId id="360" r:id="rId74"/>
-    <p:sldId id="361" r:id="rId75"/>
-    <p:sldId id="362" r:id="rId76"/>
-    <p:sldId id="363" r:id="rId77"/>
-    <p:sldId id="364" r:id="rId78"/>
-    <p:sldId id="365" r:id="rId79"/>
-    <p:sldId id="366" r:id="rId80"/>
-    <p:sldId id="367" r:id="rId81"/>
-    <p:sldId id="368" r:id="rId82"/>
-    <p:sldId id="316" r:id="rId83"/>
-    <p:sldId id="317" r:id="rId84"/>
-    <p:sldId id="318" r:id="rId85"/>
-    <p:sldId id="319" r:id="rId86"/>
-    <p:sldId id="320" r:id="rId87"/>
-    <p:sldId id="321" r:id="rId88"/>
-    <p:sldId id="323" r:id="rId89"/>
-    <p:sldId id="324" r:id="rId90"/>
-    <p:sldId id="325" r:id="rId91"/>
-    <p:sldId id="326" r:id="rId92"/>
-    <p:sldId id="327" r:id="rId93"/>
-    <p:sldId id="328" r:id="rId94"/>
-    <p:sldId id="329" r:id="rId95"/>
-    <p:sldId id="330" r:id="rId96"/>
-    <p:sldId id="331" r:id="rId97"/>
-    <p:sldId id="332" r:id="rId98"/>
-    <p:sldId id="333" r:id="rId99"/>
-    <p:sldId id="334" r:id="rId100"/>
-    <p:sldId id="335" r:id="rId101"/>
-    <p:sldId id="336" r:id="rId102"/>
-    <p:sldId id="337" r:id="rId103"/>
-    <p:sldId id="338" r:id="rId104"/>
-    <p:sldId id="339" r:id="rId105"/>
-    <p:sldId id="340" r:id="rId106"/>
-    <p:sldId id="341" r:id="rId107"/>
-    <p:sldId id="342" r:id="rId108"/>
-    <p:sldId id="343" r:id="rId109"/>
-    <p:sldId id="344" r:id="rId110"/>
-    <p:sldId id="345" r:id="rId111"/>
+    <p:sldId id="369" r:id="rId61"/>
+    <p:sldId id="347" r:id="rId62"/>
+    <p:sldId id="348" r:id="rId63"/>
+    <p:sldId id="349" r:id="rId64"/>
+    <p:sldId id="350" r:id="rId65"/>
+    <p:sldId id="351" r:id="rId66"/>
+    <p:sldId id="352" r:id="rId67"/>
+    <p:sldId id="353" r:id="rId68"/>
+    <p:sldId id="354" r:id="rId69"/>
+    <p:sldId id="355" r:id="rId70"/>
+    <p:sldId id="356" r:id="rId71"/>
+    <p:sldId id="357" r:id="rId72"/>
+    <p:sldId id="358" r:id="rId73"/>
+    <p:sldId id="359" r:id="rId74"/>
+    <p:sldId id="360" r:id="rId75"/>
+    <p:sldId id="361" r:id="rId76"/>
+    <p:sldId id="362" r:id="rId77"/>
+    <p:sldId id="363" r:id="rId78"/>
+    <p:sldId id="364" r:id="rId79"/>
+    <p:sldId id="365" r:id="rId80"/>
+    <p:sldId id="366" r:id="rId81"/>
+    <p:sldId id="367" r:id="rId82"/>
+    <p:sldId id="368" r:id="rId83"/>
+    <p:sldId id="316" r:id="rId84"/>
+    <p:sldId id="317" r:id="rId85"/>
+    <p:sldId id="318" r:id="rId86"/>
+    <p:sldId id="319" r:id="rId87"/>
+    <p:sldId id="320" r:id="rId88"/>
+    <p:sldId id="321" r:id="rId89"/>
+    <p:sldId id="323" r:id="rId90"/>
+    <p:sldId id="324" r:id="rId91"/>
+    <p:sldId id="325" r:id="rId92"/>
+    <p:sldId id="326" r:id="rId93"/>
+    <p:sldId id="327" r:id="rId94"/>
+    <p:sldId id="328" r:id="rId95"/>
+    <p:sldId id="329" r:id="rId96"/>
+    <p:sldId id="330" r:id="rId97"/>
+    <p:sldId id="331" r:id="rId98"/>
+    <p:sldId id="332" r:id="rId99"/>
+    <p:sldId id="333" r:id="rId100"/>
+    <p:sldId id="334" r:id="rId101"/>
+    <p:sldId id="335" r:id="rId102"/>
+    <p:sldId id="336" r:id="rId103"/>
+    <p:sldId id="337" r:id="rId104"/>
+    <p:sldId id="338" r:id="rId105"/>
+    <p:sldId id="339" r:id="rId106"/>
+    <p:sldId id="340" r:id="rId107"/>
+    <p:sldId id="341" r:id="rId108"/>
+    <p:sldId id="342" r:id="rId109"/>
+    <p:sldId id="343" r:id="rId110"/>
+    <p:sldId id="344" r:id="rId111"/>
+    <p:sldId id="345" r:id="rId112"/>
   </p:sldIdLst>
   <p:sldSz cx="9144000" cy="6858000" type="screen4x3"/>
   <p:notesSz cx="6858000" cy="9144000"/>
@@ -297,6 +298,7 @@
             <p14:sldId id="314"/>
             <p14:sldId id="315"/>
             <p14:sldId id="346"/>
+            <p14:sldId id="369"/>
             <p14:sldId id="347"/>
             <p14:sldId id="348"/>
             <p14:sldId id="349"/>
@@ -614,7 +616,7 @@
             <a:fld id="{1D8BD707-D9CF-40AE-B4C6-C98DA3205C09}" type="datetimeFigureOut">
               <a:rPr lang="en-US" smtClean="0"/>
               <a:pPr/>
-              <a:t>9/5/2022</a:t>
+              <a:t>9/6/2022</a:t>
             </a:fld>
             <a:endParaRPr lang="en-US"/>
           </a:p>
@@ -829,7 +831,7 @@
             <a:fld id="{1D8BD707-D9CF-40AE-B4C6-C98DA3205C09}" type="datetimeFigureOut">
               <a:rPr lang="en-US" smtClean="0"/>
               <a:pPr/>
-              <a:t>9/5/2022</a:t>
+              <a:t>9/6/2022</a:t>
             </a:fld>
             <a:endParaRPr lang="en-US"/>
           </a:p>
@@ -1098,7 +1100,7 @@
             <a:fld id="{1D8BD707-D9CF-40AE-B4C6-C98DA3205C09}" type="datetimeFigureOut">
               <a:rPr lang="en-US" smtClean="0"/>
               <a:pPr/>
-              <a:t>9/5/2022</a:t>
+              <a:t>9/6/2022</a:t>
             </a:fld>
             <a:endParaRPr lang="en-US"/>
           </a:p>
@@ -1250,7 +1252,7 @@
             <a:fld id="{1D8BD707-D9CF-40AE-B4C6-C98DA3205C09}" type="datetimeFigureOut">
               <a:rPr lang="en-US" smtClean="0"/>
               <a:pPr/>
-              <a:t>9/5/2022</a:t>
+              <a:t>9/6/2022</a:t>
             </a:fld>
             <a:endParaRPr lang="en-US"/>
           </a:p>
@@ -1582,7 +1584,7 @@
             <a:fld id="{1D8BD707-D9CF-40AE-B4C6-C98DA3205C09}" type="datetimeFigureOut">
               <a:rPr lang="en-US" smtClean="0"/>
               <a:pPr/>
-              <a:t>9/5/2022</a:t>
+              <a:t>9/6/2022</a:t>
             </a:fld>
             <a:endParaRPr lang="en-US"/>
           </a:p>
@@ -1892,7 +1894,7 @@
             <a:fld id="{1D8BD707-D9CF-40AE-B4C6-C98DA3205C09}" type="datetimeFigureOut">
               <a:rPr lang="en-US" smtClean="0"/>
               <a:pPr/>
-              <a:t>9/5/2022</a:t>
+              <a:t>9/6/2022</a:t>
             </a:fld>
             <a:endParaRPr lang="en-US"/>
           </a:p>
@@ -2315,7 +2317,7 @@
             <a:fld id="{1D8BD707-D9CF-40AE-B4C6-C98DA3205C09}" type="datetimeFigureOut">
               <a:rPr lang="en-US" smtClean="0"/>
               <a:pPr/>
-              <a:t>9/5/2022</a:t>
+              <a:t>9/6/2022</a:t>
             </a:fld>
             <a:endParaRPr lang="en-US"/>
           </a:p>
@@ -2430,7 +2432,7 @@
             <a:fld id="{1D8BD707-D9CF-40AE-B4C6-C98DA3205C09}" type="datetimeFigureOut">
               <a:rPr lang="en-US" smtClean="0"/>
               <a:pPr/>
-              <a:t>9/5/2022</a:t>
+              <a:t>9/6/2022</a:t>
             </a:fld>
             <a:endParaRPr lang="en-US"/>
           </a:p>
@@ -2591,7 +2593,7 @@
             <a:fld id="{1D8BD707-D9CF-40AE-B4C6-C98DA3205C09}" type="datetimeFigureOut">
               <a:rPr lang="en-US" smtClean="0"/>
               <a:pPr/>
-              <a:t>9/5/2022</a:t>
+              <a:t>9/6/2022</a:t>
             </a:fld>
             <a:endParaRPr lang="en-US"/>
           </a:p>
@@ -2977,7 +2979,7 @@
             <a:fld id="{1D8BD707-D9CF-40AE-B4C6-C98DA3205C09}" type="datetimeFigureOut">
               <a:rPr lang="en-US" smtClean="0"/>
               <a:pPr/>
-              <a:t>9/5/2022</a:t>
+              <a:t>9/6/2022</a:t>
             </a:fld>
             <a:endParaRPr lang="en-US"/>
           </a:p>
@@ -3341,7 +3343,7 @@
             <a:fld id="{1D8BD707-D9CF-40AE-B4C6-C98DA3205C09}" type="datetimeFigureOut">
               <a:rPr lang="en-US" smtClean="0"/>
               <a:pPr/>
-              <a:t>9/5/2022</a:t>
+              <a:t>9/6/2022</a:t>
             </a:fld>
             <a:endParaRPr lang="en-US"/>
           </a:p>
@@ -3677,7 +3679,7 @@
             <a:fld id="{1D8BD707-D9CF-40AE-B4C6-C98DA3205C09}" type="datetimeFigureOut">
               <a:rPr lang="en-US" smtClean="0"/>
               <a:pPr/>
-              <a:t>9/5/2022</a:t>
+              <a:t>9/6/2022</a:t>
             </a:fld>
             <a:endParaRPr lang="en-US"/>
           </a:p>
@@ -4518,19 +4520,74 @@
           <a:p>
             <a:r>
               <a:rPr lang="en-US" dirty="0"/>
-              <a:t>The call() method is a predefined JavaScript method.</a:t>
-            </a:r>
-          </a:p>
-          <a:p>
-            <a:r>
-              <a:rPr lang="en-US" dirty="0"/>
-              <a:t>It can be used to invoke (call) a method with an owner object as an argument (parameter).</a:t>
-            </a:r>
-          </a:p>
-          <a:p>
-            <a:r>
-              <a:rPr lang="en-US" dirty="0"/>
-              <a:t>With call(), an object can use a method belonging to another object.</a:t>
+              <a:t>With the </a:t>
+            </a:r>
+            <a:r>
+              <a:rPr lang="en-US" b="1" dirty="0">
+                <a:solidFill>
+                  <a:srgbClr val="FFC000"/>
+                </a:solidFill>
+              </a:rPr>
+              <a:t>call()</a:t>
+            </a:r>
+            <a:r>
+              <a:rPr lang="en-US" dirty="0"/>
+              <a:t> method, you can write a method that can be used on different objects</a:t>
+            </a:r>
+            <a:r>
+              <a:rPr lang="en-US" dirty="0" smtClean="0"/>
+              <a:t>.</a:t>
+            </a:r>
+          </a:p>
+          <a:p>
+            <a:r>
+              <a:rPr lang="en-US" b="1" dirty="0">
+                <a:solidFill>
+                  <a:srgbClr val="FFC000"/>
+                </a:solidFill>
+              </a:rPr>
+              <a:t>In JavaScript all functions are object methods.</a:t>
+            </a:r>
+          </a:p>
+          <a:p>
+            <a:r>
+              <a:rPr lang="en-US" dirty="0"/>
+              <a:t>If a function is not a method of a JavaScript object, it is a function of the global </a:t>
+            </a:r>
+            <a:r>
+              <a:rPr lang="en-US" dirty="0" smtClean="0"/>
+              <a:t>object.</a:t>
+            </a:r>
+            <a:endParaRPr lang="en-US" dirty="0"/>
+          </a:p>
+          <a:p>
+            <a:r>
+              <a:rPr lang="en-US" dirty="0"/>
+              <a:t>The example below creates an object with 3 properties, </a:t>
+            </a:r>
+            <a:r>
+              <a:rPr lang="en-US" dirty="0" err="1"/>
+              <a:t>firstName</a:t>
+            </a:r>
+            <a:r>
+              <a:rPr lang="en-US" dirty="0"/>
+              <a:t>, </a:t>
+            </a:r>
+            <a:r>
+              <a:rPr lang="en-US" dirty="0" err="1"/>
+              <a:t>lastName</a:t>
+            </a:r>
+            <a:r>
+              <a:rPr lang="en-US" dirty="0"/>
+              <a:t>, </a:t>
+            </a:r>
+            <a:r>
+              <a:rPr lang="en-US" dirty="0" err="1"/>
+              <a:t>fullName</a:t>
+            </a:r>
+            <a:r>
+              <a:rPr lang="en-US" dirty="0"/>
+              <a:t>.</a:t>
             </a:r>
           </a:p>
           <a:p>
@@ -4554,16 +4611,36 @@
           <a:lstStyle/>
           <a:p>
             <a:r>
-              <a:rPr lang="en-US" dirty="0" smtClean="0"/>
-              <a:t>Call() Example</a:t>
-            </a:r>
-            <a:endParaRPr lang="bg-BG" dirty="0"/>
+              <a:rPr lang="en-US" dirty="0"/>
+              <a:t>JavaScript Function </a:t>
+            </a:r>
+            <a:r>
+              <a:rPr lang="en-US" b="1" dirty="0">
+                <a:solidFill>
+                  <a:srgbClr val="FFC000"/>
+                </a:solidFill>
+              </a:rPr>
+              <a:t>call</a:t>
+            </a:r>
+            <a:r>
+              <a:rPr lang="en-US" b="1" dirty="0" smtClean="0">
+                <a:solidFill>
+                  <a:srgbClr val="FFC000"/>
+                </a:solidFill>
+              </a:rPr>
+              <a:t>()</a:t>
+            </a:r>
+            <a:endParaRPr lang="bg-BG" b="1" dirty="0">
+              <a:solidFill>
+                <a:srgbClr val="FFC000"/>
+              </a:solidFill>
+            </a:endParaRPr>
           </a:p>
         </p:txBody>
       </p:sp>
       <p:pic>
         <p:nvPicPr>
-          <p:cNvPr id="17410" name="Picture 2"/>
+          <p:cNvPr id="16386" name="Picture 2"/>
           <p:cNvPicPr>
             <a:picLocks noChangeAspect="1" noChangeArrowheads="1"/>
           </p:cNvPicPr>
@@ -4584,8 +4661,8 @@
         </p:blipFill>
         <p:spPr bwMode="auto">
           <a:xfrm>
-            <a:off x="1905000" y="3200400"/>
-            <a:ext cx="4191000" cy="3566972"/>
+            <a:off x="533400" y="4191000"/>
+            <a:ext cx="4572000" cy="2499246"/>
           </a:xfrm>
           <a:prstGeom prst="rect">
             <a:avLst/>
@@ -4628,7 +4705,7 @@
     </p:spTree>
     <p:extLst>
       <p:ext uri="{BB962C8B-B14F-4D97-AF65-F5344CB8AC3E}">
-        <p14:creationId xmlns:p14="http://schemas.microsoft.com/office/powerpoint/2010/main" val="851848275"/>
+        <p14:creationId xmlns:p14="http://schemas.microsoft.com/office/powerpoint/2010/main" val="2229490119"/>
       </p:ext>
     </p:extLst>
   </p:cSld>
@@ -4672,6 +4749,160 @@
           <a:p>
             <a:r>
               <a:rPr lang="en-US" dirty="0"/>
+              <a:t>The call() method is a predefined JavaScript method.</a:t>
+            </a:r>
+          </a:p>
+          <a:p>
+            <a:r>
+              <a:rPr lang="en-US" dirty="0"/>
+              <a:t>It can be used to invoke (call) a method with an owner object as an argument (parameter).</a:t>
+            </a:r>
+          </a:p>
+          <a:p>
+            <a:r>
+              <a:rPr lang="en-US" dirty="0"/>
+              <a:t>With call(), an object can use a method belonging to another object.</a:t>
+            </a:r>
+          </a:p>
+          <a:p>
+            <a:endParaRPr lang="bg-BG" dirty="0"/>
+          </a:p>
+        </p:txBody>
+      </p:sp>
+      <p:sp>
+        <p:nvSpPr>
+          <p:cNvPr id="3" name="Title 2"/>
+          <p:cNvSpPr>
+            <a:spLocks noGrp="1"/>
+          </p:cNvSpPr>
+          <p:nvPr>
+            <p:ph type="title"/>
+          </p:nvPr>
+        </p:nvSpPr>
+        <p:spPr/>
+        <p:txBody>
+          <a:bodyPr/>
+          <a:lstStyle/>
+          <a:p>
+            <a:r>
+              <a:rPr lang="en-US" dirty="0" smtClean="0"/>
+              <a:t>Call() Example</a:t>
+            </a:r>
+            <a:endParaRPr lang="bg-BG" dirty="0"/>
+          </a:p>
+        </p:txBody>
+      </p:sp>
+      <p:pic>
+        <p:nvPicPr>
+          <p:cNvPr id="17410" name="Picture 2"/>
+          <p:cNvPicPr>
+            <a:picLocks noChangeAspect="1" noChangeArrowheads="1"/>
+          </p:cNvPicPr>
+          <p:nvPr/>
+        </p:nvPicPr>
+        <p:blipFill>
+          <a:blip r:embed="rId2">
+            <a:extLst>
+              <a:ext uri="{28A0092B-C50C-407E-A947-70E740481C1C}">
+                <a14:useLocalDpi xmlns:a14="http://schemas.microsoft.com/office/drawing/2010/main" val="0"/>
+              </a:ext>
+            </a:extLst>
+          </a:blip>
+          <a:srcRect/>
+          <a:stretch>
+            <a:fillRect/>
+          </a:stretch>
+        </p:blipFill>
+        <p:spPr bwMode="auto">
+          <a:xfrm>
+            <a:off x="1905000" y="3200400"/>
+            <a:ext cx="4191000" cy="3566972"/>
+          </a:xfrm>
+          <a:prstGeom prst="rect">
+            <a:avLst/>
+          </a:prstGeom>
+          <a:noFill/>
+          <a:ln>
+            <a:noFill/>
+          </a:ln>
+          <a:effectLst/>
+          <a:extLst>
+            <a:ext uri="{909E8E84-426E-40DD-AFC4-6F175D3DCCD1}">
+              <a14:hiddenFill xmlns:a14="http://schemas.microsoft.com/office/drawing/2010/main">
+                <a:solidFill>
+                  <a:schemeClr val="accent1"/>
+                </a:solidFill>
+              </a14:hiddenFill>
+            </a:ext>
+            <a:ext uri="{91240B29-F687-4F45-9708-019B960494DF}">
+              <a14:hiddenLine xmlns:a14="http://schemas.microsoft.com/office/drawing/2010/main" w="9525">
+                <a:solidFill>
+                  <a:schemeClr val="tx1"/>
+                </a:solidFill>
+                <a:miter lim="800000"/>
+                <a:headEnd/>
+                <a:tailEnd/>
+              </a14:hiddenLine>
+            </a:ext>
+            <a:ext uri="{AF507438-7753-43E0-B8FC-AC1667EBCBE1}">
+              <a14:hiddenEffects xmlns:a14="http://schemas.microsoft.com/office/drawing/2010/main">
+                <a:effectLst>
+                  <a:outerShdw dist="35921" dir="2700000" algn="ctr" rotWithShape="0">
+                    <a:schemeClr val="bg2"/>
+                  </a:outerShdw>
+                </a:effectLst>
+              </a14:hiddenEffects>
+            </a:ext>
+          </a:extLst>
+        </p:spPr>
+      </p:pic>
+    </p:spTree>
+    <p:extLst>
+      <p:ext uri="{BB962C8B-B14F-4D97-AF65-F5344CB8AC3E}">
+        <p14:creationId xmlns:p14="http://schemas.microsoft.com/office/powerpoint/2010/main" val="851848275"/>
+      </p:ext>
+    </p:extLst>
+  </p:cSld>
+  <p:clrMapOvr>
+    <a:masterClrMapping/>
+  </p:clrMapOvr>
+</p:sld>
+</file>
+
+<file path=ppt/slides/slide102.xml><?xml version="1.0" encoding="utf-8"?>
+<p:sld xmlns:a="http://schemas.openxmlformats.org/drawingml/2006/main" xmlns:r="http://schemas.openxmlformats.org/officeDocument/2006/relationships" xmlns:p="http://schemas.openxmlformats.org/presentationml/2006/main">
+  <p:cSld>
+    <p:spTree>
+      <p:nvGrpSpPr>
+        <p:cNvPr id="1" name=""/>
+        <p:cNvGrpSpPr/>
+        <p:nvPr/>
+      </p:nvGrpSpPr>
+      <p:grpSpPr>
+        <a:xfrm>
+          <a:off x="0" y="0"/>
+          <a:ext cx="0" cy="0"/>
+          <a:chOff x="0" y="0"/>
+          <a:chExt cx="0" cy="0"/>
+        </a:xfrm>
+      </p:grpSpPr>
+      <p:sp>
+        <p:nvSpPr>
+          <p:cNvPr id="2" name="Content Placeholder 1"/>
+          <p:cNvSpPr>
+            <a:spLocks noGrp="1"/>
+          </p:cNvSpPr>
+          <p:nvPr>
+            <p:ph idx="1"/>
+          </p:nvPr>
+        </p:nvSpPr>
+        <p:spPr/>
+        <p:txBody>
+          <a:bodyPr/>
+          <a:lstStyle/>
+          <a:p>
+            <a:r>
+              <a:rPr lang="en-US" dirty="0"/>
               <a:t>The call() method can accept arguments:</a:t>
             </a:r>
             <a:endParaRPr lang="bg-BG" dirty="0"/>
@@ -4842,7 +5073,7 @@
 </p:sld>
 </file>
 
-<file path=ppt/slides/slide102.xml><?xml version="1.0" encoding="utf-8"?>
+<file path=ppt/slides/slide103.xml><?xml version="1.0" encoding="utf-8"?>
 <p:sld xmlns:a="http://schemas.openxmlformats.org/drawingml/2006/main" xmlns:r="http://schemas.openxmlformats.org/officeDocument/2006/relationships" xmlns:p="http://schemas.openxmlformats.org/presentationml/2006/main">
   <p:cSld>
     <p:spTree>
@@ -5039,236 +5270,6 @@
     <p:extLst>
       <p:ext uri="{BB962C8B-B14F-4D97-AF65-F5344CB8AC3E}">
         <p14:creationId xmlns:p14="http://schemas.microsoft.com/office/powerpoint/2010/main" val="746485324"/>
-      </p:ext>
-    </p:extLst>
-  </p:cSld>
-  <p:clrMapOvr>
-    <a:masterClrMapping/>
-  </p:clrMapOvr>
-</p:sld>
-</file>
-
-<file path=ppt/slides/slide103.xml><?xml version="1.0" encoding="utf-8"?>
-<p:sld xmlns:a="http://schemas.openxmlformats.org/drawingml/2006/main" xmlns:r="http://schemas.openxmlformats.org/officeDocument/2006/relationships" xmlns:p="http://schemas.openxmlformats.org/presentationml/2006/main">
-  <p:cSld>
-    <p:spTree>
-      <p:nvGrpSpPr>
-        <p:cNvPr id="1" name=""/>
-        <p:cNvGrpSpPr/>
-        <p:nvPr/>
-      </p:nvGrpSpPr>
-      <p:grpSpPr>
-        <a:xfrm>
-          <a:off x="0" y="0"/>
-          <a:ext cx="0" cy="0"/>
-          <a:chOff x="0" y="0"/>
-          <a:chExt cx="0" cy="0"/>
-        </a:xfrm>
-      </p:grpSpPr>
-      <p:sp>
-        <p:nvSpPr>
-          <p:cNvPr id="2" name="Content Placeholder 1"/>
-          <p:cNvSpPr>
-            <a:spLocks noGrp="1"/>
-          </p:cNvSpPr>
-          <p:nvPr>
-            <p:ph idx="1"/>
-          </p:nvPr>
-        </p:nvSpPr>
-        <p:spPr/>
-        <p:txBody>
-          <a:bodyPr/>
-          <a:lstStyle/>
-          <a:p>
-            <a:r>
-              <a:rPr lang="en-US" dirty="0"/>
-              <a:t>The difference is:</a:t>
-            </a:r>
-          </a:p>
-          <a:p>
-            <a:r>
-              <a:rPr lang="en-US" dirty="0"/>
-              <a:t>The </a:t>
-            </a:r>
-            <a:r>
-              <a:rPr lang="en-US" b="1" dirty="0">
-                <a:solidFill>
-                  <a:srgbClr val="FFC000"/>
-                </a:solidFill>
-              </a:rPr>
-              <a:t>call()</a:t>
-            </a:r>
-            <a:r>
-              <a:rPr lang="en-US" dirty="0"/>
-              <a:t> method takes </a:t>
-            </a:r>
-            <a:r>
-              <a:rPr lang="en-US" b="1" dirty="0">
-                <a:solidFill>
-                  <a:srgbClr val="FFC000"/>
-                </a:solidFill>
-              </a:rPr>
-              <a:t>arguments separately.</a:t>
-            </a:r>
-          </a:p>
-          <a:p>
-            <a:r>
-              <a:rPr lang="en-US" dirty="0"/>
-              <a:t>The </a:t>
-            </a:r>
-            <a:r>
-              <a:rPr lang="en-US" b="1" dirty="0">
-                <a:solidFill>
-                  <a:srgbClr val="FFC000"/>
-                </a:solidFill>
-              </a:rPr>
-              <a:t>apply()</a:t>
-            </a:r>
-            <a:r>
-              <a:rPr lang="en-US" dirty="0"/>
-              <a:t> method takes </a:t>
-            </a:r>
-            <a:r>
-              <a:rPr lang="en-US" b="1" dirty="0">
-                <a:solidFill>
-                  <a:srgbClr val="FFC000"/>
-                </a:solidFill>
-              </a:rPr>
-              <a:t>arguments as an array</a:t>
-            </a:r>
-            <a:r>
-              <a:rPr lang="en-US" dirty="0"/>
-              <a:t>.</a:t>
-            </a:r>
-          </a:p>
-          <a:p>
-            <a:endParaRPr lang="bg-BG" dirty="0"/>
-          </a:p>
-        </p:txBody>
-      </p:sp>
-      <p:sp>
-        <p:nvSpPr>
-          <p:cNvPr id="3" name="Title 2"/>
-          <p:cNvSpPr>
-            <a:spLocks noGrp="1"/>
-          </p:cNvSpPr>
-          <p:nvPr>
-            <p:ph type="title"/>
-          </p:nvPr>
-        </p:nvSpPr>
-        <p:spPr/>
-        <p:txBody>
-          <a:bodyPr/>
-          <a:lstStyle/>
-          <a:p>
-            <a:r>
-              <a:rPr lang="en-US" dirty="0"/>
-              <a:t>The Difference Between </a:t>
-            </a:r>
-            <a:r>
-              <a:rPr lang="en-US" b="1" dirty="0">
-                <a:solidFill>
-                  <a:srgbClr val="FFC000"/>
-                </a:solidFill>
-              </a:rPr>
-              <a:t>call() </a:t>
-            </a:r>
-            <a:r>
-              <a:rPr lang="en-US" dirty="0"/>
-              <a:t>and </a:t>
-            </a:r>
-            <a:r>
-              <a:rPr lang="en-US" b="1" dirty="0">
-                <a:solidFill>
-                  <a:srgbClr val="FFC000"/>
-                </a:solidFill>
-              </a:rPr>
-              <a:t>apply</a:t>
-            </a:r>
-            <a:r>
-              <a:rPr lang="en-US" b="1" dirty="0" smtClean="0">
-                <a:solidFill>
-                  <a:srgbClr val="FFC000"/>
-                </a:solidFill>
-              </a:rPr>
-              <a:t>()</a:t>
-            </a:r>
-            <a:endParaRPr lang="bg-BG" b="1" dirty="0">
-              <a:solidFill>
-                <a:srgbClr val="FFC000"/>
-              </a:solidFill>
-            </a:endParaRPr>
-          </a:p>
-        </p:txBody>
-      </p:sp>
-      <p:pic>
-        <p:nvPicPr>
-          <p:cNvPr id="20482" name="Picture 2"/>
-          <p:cNvPicPr>
-            <a:picLocks noChangeAspect="1" noChangeArrowheads="1"/>
-          </p:cNvPicPr>
-          <p:nvPr/>
-        </p:nvPicPr>
-        <p:blipFill>
-          <a:blip r:embed="rId2">
-            <a:extLst>
-              <a:ext uri="{28A0092B-C50C-407E-A947-70E740481C1C}">
-                <a14:useLocalDpi xmlns:a14="http://schemas.microsoft.com/office/drawing/2010/main" val="0"/>
-              </a:ext>
-            </a:extLst>
-          </a:blip>
-          <a:srcRect/>
-          <a:stretch>
-            <a:fillRect/>
-          </a:stretch>
-        </p:blipFill>
-        <p:spPr bwMode="auto">
-          <a:xfrm>
-            <a:off x="533400" y="2971800"/>
-            <a:ext cx="7743825" cy="3276600"/>
-          </a:xfrm>
-          <a:prstGeom prst="rect">
-            <a:avLst/>
-          </a:prstGeom>
-          <a:noFill/>
-          <a:ln>
-            <a:noFill/>
-          </a:ln>
-          <a:effectLst/>
-          <a:extLst>
-            <a:ext uri="{909E8E84-426E-40DD-AFC4-6F175D3DCCD1}">
-              <a14:hiddenFill xmlns:a14="http://schemas.microsoft.com/office/drawing/2010/main">
-                <a:solidFill>
-                  <a:schemeClr val="accent1"/>
-                </a:solidFill>
-              </a14:hiddenFill>
-            </a:ext>
-            <a:ext uri="{91240B29-F687-4F45-9708-019B960494DF}">
-              <a14:hiddenLine xmlns:a14="http://schemas.microsoft.com/office/drawing/2010/main" w="9525">
-                <a:solidFill>
-                  <a:schemeClr val="tx1"/>
-                </a:solidFill>
-                <a:miter lim="800000"/>
-                <a:headEnd/>
-                <a:tailEnd/>
-              </a14:hiddenLine>
-            </a:ext>
-            <a:ext uri="{AF507438-7753-43E0-B8FC-AC1667EBCBE1}">
-              <a14:hiddenEffects xmlns:a14="http://schemas.microsoft.com/office/drawing/2010/main">
-                <a:effectLst>
-                  <a:outerShdw dist="35921" dir="2700000" algn="ctr" rotWithShape="0">
-                    <a:schemeClr val="bg2"/>
-                  </a:outerShdw>
-                </a:effectLst>
-              </a14:hiddenEffects>
-            </a:ext>
-          </a:extLst>
-        </p:spPr>
-      </p:pic>
-    </p:spTree>
-    <p:extLst>
-      <p:ext uri="{BB962C8B-B14F-4D97-AF65-F5344CB8AC3E}">
-        <p14:creationId xmlns:p14="http://schemas.microsoft.com/office/powerpoint/2010/main" val="2097088455"/>
       </p:ext>
     </p:extLst>
   </p:cSld>
@@ -5312,6 +5313,236 @@
           <a:p>
             <a:r>
               <a:rPr lang="en-US" dirty="0"/>
+              <a:t>The difference is:</a:t>
+            </a:r>
+          </a:p>
+          <a:p>
+            <a:r>
+              <a:rPr lang="en-US" dirty="0"/>
+              <a:t>The </a:t>
+            </a:r>
+            <a:r>
+              <a:rPr lang="en-US" b="1" dirty="0">
+                <a:solidFill>
+                  <a:srgbClr val="FFC000"/>
+                </a:solidFill>
+              </a:rPr>
+              <a:t>call()</a:t>
+            </a:r>
+            <a:r>
+              <a:rPr lang="en-US" dirty="0"/>
+              <a:t> method takes </a:t>
+            </a:r>
+            <a:r>
+              <a:rPr lang="en-US" b="1" dirty="0">
+                <a:solidFill>
+                  <a:srgbClr val="FFC000"/>
+                </a:solidFill>
+              </a:rPr>
+              <a:t>arguments separately.</a:t>
+            </a:r>
+          </a:p>
+          <a:p>
+            <a:r>
+              <a:rPr lang="en-US" dirty="0"/>
+              <a:t>The </a:t>
+            </a:r>
+            <a:r>
+              <a:rPr lang="en-US" b="1" dirty="0">
+                <a:solidFill>
+                  <a:srgbClr val="FFC000"/>
+                </a:solidFill>
+              </a:rPr>
+              <a:t>apply()</a:t>
+            </a:r>
+            <a:r>
+              <a:rPr lang="en-US" dirty="0"/>
+              <a:t> method takes </a:t>
+            </a:r>
+            <a:r>
+              <a:rPr lang="en-US" b="1" dirty="0">
+                <a:solidFill>
+                  <a:srgbClr val="FFC000"/>
+                </a:solidFill>
+              </a:rPr>
+              <a:t>arguments as an array</a:t>
+            </a:r>
+            <a:r>
+              <a:rPr lang="en-US" dirty="0"/>
+              <a:t>.</a:t>
+            </a:r>
+          </a:p>
+          <a:p>
+            <a:endParaRPr lang="bg-BG" dirty="0"/>
+          </a:p>
+        </p:txBody>
+      </p:sp>
+      <p:sp>
+        <p:nvSpPr>
+          <p:cNvPr id="3" name="Title 2"/>
+          <p:cNvSpPr>
+            <a:spLocks noGrp="1"/>
+          </p:cNvSpPr>
+          <p:nvPr>
+            <p:ph type="title"/>
+          </p:nvPr>
+        </p:nvSpPr>
+        <p:spPr/>
+        <p:txBody>
+          <a:bodyPr/>
+          <a:lstStyle/>
+          <a:p>
+            <a:r>
+              <a:rPr lang="en-US" dirty="0"/>
+              <a:t>The Difference Between </a:t>
+            </a:r>
+            <a:r>
+              <a:rPr lang="en-US" b="1" dirty="0">
+                <a:solidFill>
+                  <a:srgbClr val="FFC000"/>
+                </a:solidFill>
+              </a:rPr>
+              <a:t>call() </a:t>
+            </a:r>
+            <a:r>
+              <a:rPr lang="en-US" dirty="0"/>
+              <a:t>and </a:t>
+            </a:r>
+            <a:r>
+              <a:rPr lang="en-US" b="1" dirty="0">
+                <a:solidFill>
+                  <a:srgbClr val="FFC000"/>
+                </a:solidFill>
+              </a:rPr>
+              <a:t>apply</a:t>
+            </a:r>
+            <a:r>
+              <a:rPr lang="en-US" b="1" dirty="0" smtClean="0">
+                <a:solidFill>
+                  <a:srgbClr val="FFC000"/>
+                </a:solidFill>
+              </a:rPr>
+              <a:t>()</a:t>
+            </a:r>
+            <a:endParaRPr lang="bg-BG" b="1" dirty="0">
+              <a:solidFill>
+                <a:srgbClr val="FFC000"/>
+              </a:solidFill>
+            </a:endParaRPr>
+          </a:p>
+        </p:txBody>
+      </p:sp>
+      <p:pic>
+        <p:nvPicPr>
+          <p:cNvPr id="20482" name="Picture 2"/>
+          <p:cNvPicPr>
+            <a:picLocks noChangeAspect="1" noChangeArrowheads="1"/>
+          </p:cNvPicPr>
+          <p:nvPr/>
+        </p:nvPicPr>
+        <p:blipFill>
+          <a:blip r:embed="rId2">
+            <a:extLst>
+              <a:ext uri="{28A0092B-C50C-407E-A947-70E740481C1C}">
+                <a14:useLocalDpi xmlns:a14="http://schemas.microsoft.com/office/drawing/2010/main" val="0"/>
+              </a:ext>
+            </a:extLst>
+          </a:blip>
+          <a:srcRect/>
+          <a:stretch>
+            <a:fillRect/>
+          </a:stretch>
+        </p:blipFill>
+        <p:spPr bwMode="auto">
+          <a:xfrm>
+            <a:off x="533400" y="2971800"/>
+            <a:ext cx="7743825" cy="3276600"/>
+          </a:xfrm>
+          <a:prstGeom prst="rect">
+            <a:avLst/>
+          </a:prstGeom>
+          <a:noFill/>
+          <a:ln>
+            <a:noFill/>
+          </a:ln>
+          <a:effectLst/>
+          <a:extLst>
+            <a:ext uri="{909E8E84-426E-40DD-AFC4-6F175D3DCCD1}">
+              <a14:hiddenFill xmlns:a14="http://schemas.microsoft.com/office/drawing/2010/main">
+                <a:solidFill>
+                  <a:schemeClr val="accent1"/>
+                </a:solidFill>
+              </a14:hiddenFill>
+            </a:ext>
+            <a:ext uri="{91240B29-F687-4F45-9708-019B960494DF}">
+              <a14:hiddenLine xmlns:a14="http://schemas.microsoft.com/office/drawing/2010/main" w="9525">
+                <a:solidFill>
+                  <a:schemeClr val="tx1"/>
+                </a:solidFill>
+                <a:miter lim="800000"/>
+                <a:headEnd/>
+                <a:tailEnd/>
+              </a14:hiddenLine>
+            </a:ext>
+            <a:ext uri="{AF507438-7753-43E0-B8FC-AC1667EBCBE1}">
+              <a14:hiddenEffects xmlns:a14="http://schemas.microsoft.com/office/drawing/2010/main">
+                <a:effectLst>
+                  <a:outerShdw dist="35921" dir="2700000" algn="ctr" rotWithShape="0">
+                    <a:schemeClr val="bg2"/>
+                  </a:outerShdw>
+                </a:effectLst>
+              </a14:hiddenEffects>
+            </a:ext>
+          </a:extLst>
+        </p:spPr>
+      </p:pic>
+    </p:spTree>
+    <p:extLst>
+      <p:ext uri="{BB962C8B-B14F-4D97-AF65-F5344CB8AC3E}">
+        <p14:creationId xmlns:p14="http://schemas.microsoft.com/office/powerpoint/2010/main" val="2097088455"/>
+      </p:ext>
+    </p:extLst>
+  </p:cSld>
+  <p:clrMapOvr>
+    <a:masterClrMapping/>
+  </p:clrMapOvr>
+</p:sld>
+</file>
+
+<file path=ppt/slides/slide105.xml><?xml version="1.0" encoding="utf-8"?>
+<p:sld xmlns:a="http://schemas.openxmlformats.org/drawingml/2006/main" xmlns:r="http://schemas.openxmlformats.org/officeDocument/2006/relationships" xmlns:p="http://schemas.openxmlformats.org/presentationml/2006/main">
+  <p:cSld>
+    <p:spTree>
+      <p:nvGrpSpPr>
+        <p:cNvPr id="1" name=""/>
+        <p:cNvGrpSpPr/>
+        <p:nvPr/>
+      </p:nvGrpSpPr>
+      <p:grpSpPr>
+        <a:xfrm>
+          <a:off x="0" y="0"/>
+          <a:ext cx="0" cy="0"/>
+          <a:chOff x="0" y="0"/>
+          <a:chExt cx="0" cy="0"/>
+        </a:xfrm>
+      </p:grpSpPr>
+      <p:sp>
+        <p:nvSpPr>
+          <p:cNvPr id="2" name="Content Placeholder 1"/>
+          <p:cNvSpPr>
+            <a:spLocks noGrp="1"/>
+          </p:cNvSpPr>
+          <p:nvPr>
+            <p:ph idx="1"/>
+          </p:nvPr>
+        </p:nvSpPr>
+        <p:spPr/>
+        <p:txBody>
+          <a:bodyPr/>
+          <a:lstStyle/>
+          <a:p>
+            <a:r>
+              <a:rPr lang="en-US" dirty="0"/>
               <a:t>You can find the largest number (in a list of numbers) using the </a:t>
             </a:r>
             <a:r>
@@ -5746,7 +5977,7 @@
 </p:sld>
 </file>
 
-<file path=ppt/slides/slide105.xml><?xml version="1.0" encoding="utf-8"?>
+<file path=ppt/slides/slide106.xml><?xml version="1.0" encoding="utf-8"?>
 <p:sld xmlns:a="http://schemas.openxmlformats.org/drawingml/2006/main" xmlns:r="http://schemas.openxmlformats.org/officeDocument/2006/relationships" xmlns:p="http://schemas.openxmlformats.org/presentationml/2006/main">
   <p:cSld>
     <p:spTree>
@@ -5940,7 +6171,7 @@
 </p:sld>
 </file>
 
-<file path=ppt/slides/slide106.xml><?xml version="1.0" encoding="utf-8"?>
+<file path=ppt/slides/slide107.xml><?xml version="1.0" encoding="utf-8"?>
 <p:sld xmlns:a="http://schemas.openxmlformats.org/drawingml/2006/main" xmlns:r="http://schemas.openxmlformats.org/officeDocument/2006/relationships" xmlns:p="http://schemas.openxmlformats.org/presentationml/2006/main">
   <p:cSld>
     <p:spTree>
@@ -6227,7 +6458,7 @@
 </p:sld>
 </file>
 
-<file path=ppt/slides/slide107.xml><?xml version="1.0" encoding="utf-8"?>
+<file path=ppt/slides/slide108.xml><?xml version="1.0" encoding="utf-8"?>
 <p:sld xmlns:a="http://schemas.openxmlformats.org/drawingml/2006/main" xmlns:r="http://schemas.openxmlformats.org/officeDocument/2006/relationships" xmlns:p="http://schemas.openxmlformats.org/presentationml/2006/main">
   <p:cSld>
     <p:spTree>
@@ -6482,7 +6713,7 @@
 </p:sld>
 </file>
 
-<file path=ppt/slides/slide108.xml><?xml version="1.0" encoding="utf-8"?>
+<file path=ppt/slides/slide109.xml><?xml version="1.0" encoding="utf-8"?>
 <p:sld xmlns:a="http://schemas.openxmlformats.org/drawingml/2006/main" xmlns:r="http://schemas.openxmlformats.org/officeDocument/2006/relationships" xmlns:p="http://schemas.openxmlformats.org/presentationml/2006/main">
   <p:cSld>
     <p:spTree>
@@ -6637,127 +6868,6 @@
     <p:extLst>
       <p:ext uri="{BB962C8B-B14F-4D97-AF65-F5344CB8AC3E}">
         <p14:creationId xmlns:p14="http://schemas.microsoft.com/office/powerpoint/2010/main" val="3973734538"/>
-      </p:ext>
-    </p:extLst>
-  </p:cSld>
-  <p:clrMapOvr>
-    <a:masterClrMapping/>
-  </p:clrMapOvr>
-</p:sld>
-</file>
-
-<file path=ppt/slides/slide109.xml><?xml version="1.0" encoding="utf-8"?>
-<p:sld xmlns:a="http://schemas.openxmlformats.org/drawingml/2006/main" xmlns:r="http://schemas.openxmlformats.org/officeDocument/2006/relationships" xmlns:p="http://schemas.openxmlformats.org/presentationml/2006/main">
-  <p:cSld>
-    <p:spTree>
-      <p:nvGrpSpPr>
-        <p:cNvPr id="1" name=""/>
-        <p:cNvGrpSpPr/>
-        <p:nvPr/>
-      </p:nvGrpSpPr>
-      <p:grpSpPr>
-        <a:xfrm>
-          <a:off x="0" y="0"/>
-          <a:ext cx="0" cy="0"/>
-          <a:chOff x="0" y="0"/>
-          <a:chExt cx="0" cy="0"/>
-        </a:xfrm>
-      </p:grpSpPr>
-      <p:sp>
-        <p:nvSpPr>
-          <p:cNvPr id="3" name="Title 2"/>
-          <p:cNvSpPr>
-            <a:spLocks noGrp="1"/>
-          </p:cNvSpPr>
-          <p:nvPr>
-            <p:ph type="title"/>
-          </p:nvPr>
-        </p:nvSpPr>
-        <p:spPr/>
-        <p:txBody>
-          <a:bodyPr/>
-          <a:lstStyle/>
-          <a:p>
-            <a:r>
-              <a:rPr lang="en-US" dirty="0"/>
-              <a:t>JavaScript </a:t>
-            </a:r>
-            <a:r>
-              <a:rPr lang="en-US" dirty="0" smtClean="0"/>
-              <a:t>Closures</a:t>
-            </a:r>
-            <a:endParaRPr lang="bg-BG" dirty="0"/>
-          </a:p>
-        </p:txBody>
-      </p:sp>
-      <p:pic>
-        <p:nvPicPr>
-          <p:cNvPr id="26626" name="Picture 2"/>
-          <p:cNvPicPr>
-            <a:picLocks noChangeAspect="1" noChangeArrowheads="1"/>
-          </p:cNvPicPr>
-          <p:nvPr/>
-        </p:nvPicPr>
-        <p:blipFill>
-          <a:blip r:embed="rId2">
-            <a:extLst>
-              <a:ext uri="{28A0092B-C50C-407E-A947-70E740481C1C}">
-                <a14:useLocalDpi xmlns:a14="http://schemas.microsoft.com/office/drawing/2010/main" val="0"/>
-              </a:ext>
-            </a:extLst>
-          </a:blip>
-          <a:srcRect/>
-          <a:stretch>
-            <a:fillRect/>
-          </a:stretch>
-        </p:blipFill>
-        <p:spPr bwMode="auto">
-          <a:xfrm>
-            <a:off x="339306" y="1905000"/>
-            <a:ext cx="8170738" cy="3962399"/>
-          </a:xfrm>
-          <a:prstGeom prst="rect">
-            <a:avLst/>
-          </a:prstGeom>
-          <a:noFill/>
-          <a:ln>
-            <a:noFill/>
-          </a:ln>
-          <a:effectLst/>
-          <a:extLst>
-            <a:ext uri="{909E8E84-426E-40DD-AFC4-6F175D3DCCD1}">
-              <a14:hiddenFill xmlns:a14="http://schemas.microsoft.com/office/drawing/2010/main">
-                <a:solidFill>
-                  <a:schemeClr val="accent1"/>
-                </a:solidFill>
-              </a14:hiddenFill>
-            </a:ext>
-            <a:ext uri="{91240B29-F687-4F45-9708-019B960494DF}">
-              <a14:hiddenLine xmlns:a14="http://schemas.microsoft.com/office/drawing/2010/main" w="9525">
-                <a:solidFill>
-                  <a:schemeClr val="tx1"/>
-                </a:solidFill>
-                <a:miter lim="800000"/>
-                <a:headEnd/>
-                <a:tailEnd/>
-              </a14:hiddenLine>
-            </a:ext>
-            <a:ext uri="{AF507438-7753-43E0-B8FC-AC1667EBCBE1}">
-              <a14:hiddenEffects xmlns:a14="http://schemas.microsoft.com/office/drawing/2010/main">
-                <a:effectLst>
-                  <a:outerShdw dist="35921" dir="2700000" algn="ctr" rotWithShape="0">
-                    <a:schemeClr val="bg2"/>
-                  </a:outerShdw>
-                </a:effectLst>
-              </a14:hiddenEffects>
-            </a:ext>
-          </a:extLst>
-        </p:spPr>
-      </p:pic>
-    </p:spTree>
-    <p:extLst>
-      <p:ext uri="{BB962C8B-B14F-4D97-AF65-F5344CB8AC3E}">
-        <p14:creationId xmlns:p14="http://schemas.microsoft.com/office/powerpoint/2010/main" val="3842399078"/>
       </p:ext>
     </p:extLst>
   </p:cSld>
@@ -7159,6 +7269,127 @@
 </file>
 
 <file path=ppt/slides/slide110.xml><?xml version="1.0" encoding="utf-8"?>
+<p:sld xmlns:a="http://schemas.openxmlformats.org/drawingml/2006/main" xmlns:r="http://schemas.openxmlformats.org/officeDocument/2006/relationships" xmlns:p="http://schemas.openxmlformats.org/presentationml/2006/main">
+  <p:cSld>
+    <p:spTree>
+      <p:nvGrpSpPr>
+        <p:cNvPr id="1" name=""/>
+        <p:cNvGrpSpPr/>
+        <p:nvPr/>
+      </p:nvGrpSpPr>
+      <p:grpSpPr>
+        <a:xfrm>
+          <a:off x="0" y="0"/>
+          <a:ext cx="0" cy="0"/>
+          <a:chOff x="0" y="0"/>
+          <a:chExt cx="0" cy="0"/>
+        </a:xfrm>
+      </p:grpSpPr>
+      <p:sp>
+        <p:nvSpPr>
+          <p:cNvPr id="3" name="Title 2"/>
+          <p:cNvSpPr>
+            <a:spLocks noGrp="1"/>
+          </p:cNvSpPr>
+          <p:nvPr>
+            <p:ph type="title"/>
+          </p:nvPr>
+        </p:nvSpPr>
+        <p:spPr/>
+        <p:txBody>
+          <a:bodyPr/>
+          <a:lstStyle/>
+          <a:p>
+            <a:r>
+              <a:rPr lang="en-US" dirty="0"/>
+              <a:t>JavaScript </a:t>
+            </a:r>
+            <a:r>
+              <a:rPr lang="en-US" dirty="0" smtClean="0"/>
+              <a:t>Closures</a:t>
+            </a:r>
+            <a:endParaRPr lang="bg-BG" dirty="0"/>
+          </a:p>
+        </p:txBody>
+      </p:sp>
+      <p:pic>
+        <p:nvPicPr>
+          <p:cNvPr id="26626" name="Picture 2"/>
+          <p:cNvPicPr>
+            <a:picLocks noChangeAspect="1" noChangeArrowheads="1"/>
+          </p:cNvPicPr>
+          <p:nvPr/>
+        </p:nvPicPr>
+        <p:blipFill>
+          <a:blip r:embed="rId2">
+            <a:extLst>
+              <a:ext uri="{28A0092B-C50C-407E-A947-70E740481C1C}">
+                <a14:useLocalDpi xmlns:a14="http://schemas.microsoft.com/office/drawing/2010/main" val="0"/>
+              </a:ext>
+            </a:extLst>
+          </a:blip>
+          <a:srcRect/>
+          <a:stretch>
+            <a:fillRect/>
+          </a:stretch>
+        </p:blipFill>
+        <p:spPr bwMode="auto">
+          <a:xfrm>
+            <a:off x="339306" y="1905000"/>
+            <a:ext cx="8170738" cy="3962399"/>
+          </a:xfrm>
+          <a:prstGeom prst="rect">
+            <a:avLst/>
+          </a:prstGeom>
+          <a:noFill/>
+          <a:ln>
+            <a:noFill/>
+          </a:ln>
+          <a:effectLst/>
+          <a:extLst>
+            <a:ext uri="{909E8E84-426E-40DD-AFC4-6F175D3DCCD1}">
+              <a14:hiddenFill xmlns:a14="http://schemas.microsoft.com/office/drawing/2010/main">
+                <a:solidFill>
+                  <a:schemeClr val="accent1"/>
+                </a:solidFill>
+              </a14:hiddenFill>
+            </a:ext>
+            <a:ext uri="{91240B29-F687-4F45-9708-019B960494DF}">
+              <a14:hiddenLine xmlns:a14="http://schemas.microsoft.com/office/drawing/2010/main" w="9525">
+                <a:solidFill>
+                  <a:schemeClr val="tx1"/>
+                </a:solidFill>
+                <a:miter lim="800000"/>
+                <a:headEnd/>
+                <a:tailEnd/>
+              </a14:hiddenLine>
+            </a:ext>
+            <a:ext uri="{AF507438-7753-43E0-B8FC-AC1667EBCBE1}">
+              <a14:hiddenEffects xmlns:a14="http://schemas.microsoft.com/office/drawing/2010/main">
+                <a:effectLst>
+                  <a:outerShdw dist="35921" dir="2700000" algn="ctr" rotWithShape="0">
+                    <a:schemeClr val="bg2"/>
+                  </a:outerShdw>
+                </a:effectLst>
+              </a14:hiddenEffects>
+            </a:ext>
+          </a:extLst>
+        </p:spPr>
+      </p:pic>
+    </p:spTree>
+    <p:extLst>
+      <p:ext uri="{BB962C8B-B14F-4D97-AF65-F5344CB8AC3E}">
+        <p14:creationId xmlns:p14="http://schemas.microsoft.com/office/powerpoint/2010/main" val="3842399078"/>
+      </p:ext>
+    </p:extLst>
+  </p:cSld>
+  <p:clrMapOvr>
+    <a:masterClrMapping/>
+  </p:clrMapOvr>
+</p:sld>
+</file>
+
+<file path=ppt/slides/slide111.xml><?xml version="1.0" encoding="utf-8"?>
 <p:sld xmlns:a="http://schemas.openxmlformats.org/drawingml/2006/main" xmlns:r="http://schemas.openxmlformats.org/officeDocument/2006/relationships" xmlns:p="http://schemas.openxmlformats.org/presentationml/2006/main">
   <p:cSld>
     <p:spTree>
@@ -22291,6 +22522,327 @@
         <p:spPr>
           <a:xfrm>
             <a:off x="380999" y="1719070"/>
+            <a:ext cx="8407893" cy="4986530"/>
+          </a:xfrm>
+        </p:spPr>
+        <p:txBody>
+          <a:bodyPr>
+            <a:normAutofit/>
+          </a:bodyPr>
+          <a:lstStyle/>
+          <a:p>
+            <a:r>
+              <a:rPr lang="en-US" dirty="0" smtClean="0"/>
+              <a:t>Problem: Write </a:t>
+            </a:r>
+            <a:r>
+              <a:rPr lang="en-US" dirty="0"/>
+              <a:t>a function that orders an</a:t>
+            </a:r>
+            <a:r>
+              <a:rPr lang="en-US" b="1" dirty="0"/>
+              <a:t> array of strings</a:t>
+            </a:r>
+            <a:r>
+              <a:rPr lang="en-US" dirty="0"/>
+              <a:t>, by their </a:t>
+            </a:r>
+            <a:r>
+              <a:rPr lang="en-US" b="1" dirty="0"/>
+              <a:t>length</a:t>
+            </a:r>
+            <a:r>
+              <a:rPr lang="en-US" dirty="0"/>
+              <a:t> in </a:t>
+            </a:r>
+            <a:r>
+              <a:rPr lang="en-US" b="1" dirty="0"/>
+              <a:t>ascending order</a:t>
+            </a:r>
+            <a:r>
+              <a:rPr lang="en-US" dirty="0"/>
+              <a:t> as </a:t>
+            </a:r>
+            <a:r>
+              <a:rPr lang="en-US" b="1" dirty="0"/>
+              <a:t>primary criteria</a:t>
+            </a:r>
+            <a:r>
+              <a:rPr lang="en-US" dirty="0"/>
+              <a:t>, and by </a:t>
+            </a:r>
+            <a:r>
+              <a:rPr lang="en-US" b="1" dirty="0"/>
+              <a:t>alphabetical value </a:t>
+            </a:r>
+            <a:r>
+              <a:rPr lang="en-US" dirty="0"/>
+              <a:t>in</a:t>
+            </a:r>
+            <a:r>
+              <a:rPr lang="en-US" b="1" dirty="0"/>
+              <a:t> ascending order </a:t>
+            </a:r>
+            <a:r>
+              <a:rPr lang="en-US" dirty="0"/>
+              <a:t>as </a:t>
+            </a:r>
+            <a:r>
+              <a:rPr lang="en-US" b="1" dirty="0"/>
+              <a:t>second criteria</a:t>
+            </a:r>
+            <a:r>
+              <a:rPr lang="en-US" dirty="0"/>
+              <a:t>. The comparison should be </a:t>
+            </a:r>
+            <a:r>
+              <a:rPr lang="en-US" b="1" dirty="0"/>
+              <a:t>case-insensitive</a:t>
+            </a:r>
+            <a:r>
+              <a:rPr lang="en-US" dirty="0" smtClean="0"/>
+              <a:t>.</a:t>
+            </a:r>
+          </a:p>
+          <a:p>
+            <a:endParaRPr lang="en-US" dirty="0" smtClean="0"/>
+          </a:p>
+          <a:p>
+            <a:r>
+              <a:rPr lang="en-US" dirty="0" smtClean="0"/>
+              <a:t>JS allows to chain two criteria by ||</a:t>
+            </a:r>
+          </a:p>
+          <a:p>
+            <a:endParaRPr lang="en-US" dirty="0"/>
+          </a:p>
+          <a:p>
+            <a:endParaRPr lang="en-US" dirty="0" smtClean="0"/>
+          </a:p>
+          <a:p>
+            <a:endParaRPr lang="en-US" dirty="0"/>
+          </a:p>
+          <a:p>
+            <a:endParaRPr lang="en-US" dirty="0" smtClean="0"/>
+          </a:p>
+          <a:p>
+            <a:r>
+              <a:rPr lang="en-US" dirty="0"/>
+              <a:t>The </a:t>
+            </a:r>
+            <a:r>
+              <a:rPr lang="en-US" b="1" dirty="0" err="1"/>
+              <a:t>localeCompare</a:t>
+            </a:r>
+            <a:r>
+              <a:rPr lang="en-US" b="1" dirty="0"/>
+              <a:t>()</a:t>
+            </a:r>
+            <a:r>
+              <a:rPr lang="en-US" dirty="0"/>
+              <a:t> method returns a number indicating whether a reference string comes before, or after, or is the same as the given string in sort order. In implementations with</a:t>
+            </a:r>
+            <a:endParaRPr lang="bg-BG" dirty="0"/>
+          </a:p>
+          <a:p>
+            <a:endParaRPr lang="bg-BG" dirty="0"/>
+          </a:p>
+        </p:txBody>
+      </p:sp>
+      <p:sp>
+        <p:nvSpPr>
+          <p:cNvPr id="3" name="Title 2"/>
+          <p:cNvSpPr>
+            <a:spLocks noGrp="1"/>
+          </p:cNvSpPr>
+          <p:nvPr>
+            <p:ph type="title"/>
+          </p:nvPr>
+        </p:nvSpPr>
+        <p:spPr/>
+        <p:txBody>
+          <a:bodyPr/>
+          <a:lstStyle/>
+          <a:p>
+            <a:r>
+              <a:rPr lang="en-US" dirty="0" smtClean="0"/>
+              <a:t>Sorting by two criteria</a:t>
+            </a:r>
+            <a:endParaRPr lang="bg-BG" dirty="0"/>
+          </a:p>
+        </p:txBody>
+      </p:sp>
+      <p:pic>
+        <p:nvPicPr>
+          <p:cNvPr id="1026" name="Picture 2"/>
+          <p:cNvPicPr>
+            <a:picLocks noChangeAspect="1" noChangeArrowheads="1"/>
+          </p:cNvPicPr>
+          <p:nvPr/>
+        </p:nvPicPr>
+        <p:blipFill>
+          <a:blip r:embed="rId2">
+            <a:extLst>
+              <a:ext uri="{28A0092B-C50C-407E-A947-70E740481C1C}">
+                <a14:useLocalDpi xmlns:a14="http://schemas.microsoft.com/office/drawing/2010/main" val="0"/>
+              </a:ext>
+            </a:extLst>
+          </a:blip>
+          <a:srcRect/>
+          <a:stretch>
+            <a:fillRect/>
+          </a:stretch>
+        </p:blipFill>
+        <p:spPr bwMode="auto">
+          <a:xfrm>
+            <a:off x="762000" y="3743864"/>
+            <a:ext cx="5142422" cy="1381004"/>
+          </a:xfrm>
+          <a:prstGeom prst="rect">
+            <a:avLst/>
+          </a:prstGeom>
+          <a:noFill/>
+          <a:ln>
+            <a:noFill/>
+          </a:ln>
+          <a:effectLst/>
+          <a:extLst>
+            <a:ext uri="{909E8E84-426E-40DD-AFC4-6F175D3DCCD1}">
+              <a14:hiddenFill xmlns:a14="http://schemas.microsoft.com/office/drawing/2010/main">
+                <a:solidFill>
+                  <a:schemeClr val="accent1"/>
+                </a:solidFill>
+              </a14:hiddenFill>
+            </a:ext>
+            <a:ext uri="{91240B29-F687-4F45-9708-019B960494DF}">
+              <a14:hiddenLine xmlns:a14="http://schemas.microsoft.com/office/drawing/2010/main" w="9525">
+                <a:solidFill>
+                  <a:schemeClr val="tx1"/>
+                </a:solidFill>
+                <a:miter lim="800000"/>
+                <a:headEnd/>
+                <a:tailEnd/>
+              </a14:hiddenLine>
+            </a:ext>
+            <a:ext uri="{AF507438-7753-43E0-B8FC-AC1667EBCBE1}">
+              <a14:hiddenEffects xmlns:a14="http://schemas.microsoft.com/office/drawing/2010/main">
+                <a:effectLst>
+                  <a:outerShdw dist="35921" dir="2700000" algn="ctr" rotWithShape="0">
+                    <a:schemeClr val="bg2"/>
+                  </a:outerShdw>
+                </a:effectLst>
+              </a14:hiddenEffects>
+            </a:ext>
+          </a:extLst>
+        </p:spPr>
+      </p:pic>
+      <p:pic>
+        <p:nvPicPr>
+          <p:cNvPr id="1027" name="Picture 3"/>
+          <p:cNvPicPr>
+            <a:picLocks noChangeAspect="1" noChangeArrowheads="1"/>
+          </p:cNvPicPr>
+          <p:nvPr/>
+        </p:nvPicPr>
+        <p:blipFill>
+          <a:blip r:embed="rId3">
+            <a:extLst>
+              <a:ext uri="{28A0092B-C50C-407E-A947-70E740481C1C}">
+                <a14:useLocalDpi xmlns:a14="http://schemas.microsoft.com/office/drawing/2010/main" val="0"/>
+              </a:ext>
+            </a:extLst>
+          </a:blip>
+          <a:srcRect/>
+          <a:stretch>
+            <a:fillRect/>
+          </a:stretch>
+        </p:blipFill>
+        <p:spPr bwMode="auto">
+          <a:xfrm>
+            <a:off x="6248400" y="4361610"/>
+            <a:ext cx="2066925" cy="763258"/>
+          </a:xfrm>
+          <a:prstGeom prst="rect">
+            <a:avLst/>
+          </a:prstGeom>
+          <a:noFill/>
+          <a:ln>
+            <a:noFill/>
+          </a:ln>
+          <a:effectLst/>
+          <a:extLst>
+            <a:ext uri="{909E8E84-426E-40DD-AFC4-6F175D3DCCD1}">
+              <a14:hiddenFill xmlns:a14="http://schemas.microsoft.com/office/drawing/2010/main">
+                <a:solidFill>
+                  <a:schemeClr val="accent1"/>
+                </a:solidFill>
+              </a14:hiddenFill>
+            </a:ext>
+            <a:ext uri="{91240B29-F687-4F45-9708-019B960494DF}">
+              <a14:hiddenLine xmlns:a14="http://schemas.microsoft.com/office/drawing/2010/main" w="9525">
+                <a:solidFill>
+                  <a:schemeClr val="tx1"/>
+                </a:solidFill>
+                <a:miter lim="800000"/>
+                <a:headEnd/>
+                <a:tailEnd/>
+              </a14:hiddenLine>
+            </a:ext>
+            <a:ext uri="{AF507438-7753-43E0-B8FC-AC1667EBCBE1}">
+              <a14:hiddenEffects xmlns:a14="http://schemas.microsoft.com/office/drawing/2010/main">
+                <a:effectLst>
+                  <a:outerShdw dist="35921" dir="2700000" algn="ctr" rotWithShape="0">
+                    <a:schemeClr val="bg2"/>
+                  </a:outerShdw>
+                </a:effectLst>
+              </a14:hiddenEffects>
+            </a:ext>
+          </a:extLst>
+        </p:spPr>
+      </p:pic>
+    </p:spTree>
+    <p:extLst>
+      <p:ext uri="{BB962C8B-B14F-4D97-AF65-F5344CB8AC3E}">
+        <p14:creationId xmlns:p14="http://schemas.microsoft.com/office/powerpoint/2010/main" val="2470448514"/>
+      </p:ext>
+    </p:extLst>
+  </p:cSld>
+  <p:clrMapOvr>
+    <a:masterClrMapping/>
+  </p:clrMapOvr>
+</p:sld>
+</file>
+
+<file path=ppt/slides/slide61.xml><?xml version="1.0" encoding="utf-8"?>
+<p:sld xmlns:a="http://schemas.openxmlformats.org/drawingml/2006/main" xmlns:r="http://schemas.openxmlformats.org/officeDocument/2006/relationships" xmlns:p="http://schemas.openxmlformats.org/presentationml/2006/main">
+  <p:cSld>
+    <p:spTree>
+      <p:nvGrpSpPr>
+        <p:cNvPr id="1" name=""/>
+        <p:cNvGrpSpPr/>
+        <p:nvPr/>
+      </p:nvGrpSpPr>
+      <p:grpSpPr>
+        <a:xfrm>
+          <a:off x="0" y="0"/>
+          <a:ext cx="0" cy="0"/>
+          <a:chOff x="0" y="0"/>
+          <a:chExt cx="0" cy="0"/>
+        </a:xfrm>
+      </p:grpSpPr>
+      <p:sp>
+        <p:nvSpPr>
+          <p:cNvPr id="2" name="Content Placeholder 1"/>
+          <p:cNvSpPr>
+            <a:spLocks noGrp="1"/>
+          </p:cNvSpPr>
+          <p:nvPr>
+            <p:ph idx="1"/>
+          </p:nvPr>
+        </p:nvSpPr>
+        <p:spPr>
+          <a:xfrm>
+            <a:off x="380999" y="1719070"/>
             <a:ext cx="8407893" cy="4986529"/>
           </a:xfrm>
         </p:spPr>
@@ -22448,173 +23000,6 @@
     <p:extLst>
       <p:ext uri="{BB962C8B-B14F-4D97-AF65-F5344CB8AC3E}">
         <p14:creationId xmlns:p14="http://schemas.microsoft.com/office/powerpoint/2010/main" val="565704090"/>
-      </p:ext>
-    </p:extLst>
-  </p:cSld>
-  <p:clrMapOvr>
-    <a:masterClrMapping/>
-  </p:clrMapOvr>
-</p:sld>
-</file>
-
-<file path=ppt/slides/slide61.xml><?xml version="1.0" encoding="utf-8"?>
-<p:sld xmlns:a="http://schemas.openxmlformats.org/drawingml/2006/main" xmlns:r="http://schemas.openxmlformats.org/officeDocument/2006/relationships" xmlns:p="http://schemas.openxmlformats.org/presentationml/2006/main">
-  <p:cSld>
-    <p:spTree>
-      <p:nvGrpSpPr>
-        <p:cNvPr id="1" name=""/>
-        <p:cNvGrpSpPr/>
-        <p:nvPr/>
-      </p:nvGrpSpPr>
-      <p:grpSpPr>
-        <a:xfrm>
-          <a:off x="0" y="0"/>
-          <a:ext cx="0" cy="0"/>
-          <a:chOff x="0" y="0"/>
-          <a:chExt cx="0" cy="0"/>
-        </a:xfrm>
-      </p:grpSpPr>
-      <p:sp>
-        <p:nvSpPr>
-          <p:cNvPr id="2" name="Content Placeholder 1"/>
-          <p:cNvSpPr>
-            <a:spLocks noGrp="1"/>
-          </p:cNvSpPr>
-          <p:nvPr>
-            <p:ph idx="1"/>
-          </p:nvPr>
-        </p:nvSpPr>
-        <p:spPr/>
-        <p:txBody>
-          <a:bodyPr/>
-          <a:lstStyle/>
-          <a:p>
-            <a:r>
-              <a:rPr lang="en-US" dirty="0"/>
-              <a:t>The compare function compares all the values in the array, two values at a time (a, b).</a:t>
-            </a:r>
-          </a:p>
-          <a:p>
-            <a:r>
-              <a:rPr lang="en-US" dirty="0"/>
-              <a:t>When comparing 40 and 100, the sort() method calls the compare function(40, 100).</a:t>
-            </a:r>
-          </a:p>
-          <a:p>
-            <a:r>
-              <a:rPr lang="en-US" dirty="0"/>
-              <a:t>The function calculates 40 - 100 (a - b), and since the result is negative (-60),  the sort function will sort 40 as a value lower than 100</a:t>
-            </a:r>
-            <a:r>
-              <a:rPr lang="en-US" dirty="0" smtClean="0"/>
-              <a:t>.</a:t>
-            </a:r>
-          </a:p>
-          <a:p>
-            <a:endParaRPr lang="en-US" dirty="0"/>
-          </a:p>
-          <a:p>
-            <a:r>
-              <a:rPr lang="en-US" dirty="0"/>
-              <a:t>Sorting an Array in Random Order</a:t>
-            </a:r>
-          </a:p>
-          <a:p>
-            <a:endParaRPr lang="bg-BG" dirty="0"/>
-          </a:p>
-        </p:txBody>
-      </p:sp>
-      <p:sp>
-        <p:nvSpPr>
-          <p:cNvPr id="3" name="Title 2"/>
-          <p:cNvSpPr>
-            <a:spLocks noGrp="1"/>
-          </p:cNvSpPr>
-          <p:nvPr>
-            <p:ph type="title"/>
-          </p:nvPr>
-        </p:nvSpPr>
-        <p:spPr/>
-        <p:txBody>
-          <a:bodyPr/>
-          <a:lstStyle/>
-          <a:p>
-            <a:r>
-              <a:rPr lang="en-US" dirty="0" smtClean="0"/>
-              <a:t>Compare function example</a:t>
-            </a:r>
-            <a:endParaRPr lang="bg-BG" dirty="0"/>
-          </a:p>
-        </p:txBody>
-      </p:sp>
-      <p:pic>
-        <p:nvPicPr>
-          <p:cNvPr id="4098" name="Picture 2"/>
-          <p:cNvPicPr>
-            <a:picLocks noChangeAspect="1" noChangeArrowheads="1"/>
-          </p:cNvPicPr>
-          <p:nvPr/>
-        </p:nvPicPr>
-        <p:blipFill>
-          <a:blip r:embed="rId2">
-            <a:extLst>
-              <a:ext uri="{28A0092B-C50C-407E-A947-70E740481C1C}">
-                <a14:useLocalDpi xmlns:a14="http://schemas.microsoft.com/office/drawing/2010/main" val="0"/>
-              </a:ext>
-            </a:extLst>
-          </a:blip>
-          <a:srcRect/>
-          <a:stretch>
-            <a:fillRect/>
-          </a:stretch>
-        </p:blipFill>
-        <p:spPr bwMode="auto">
-          <a:xfrm>
-            <a:off x="533400" y="4953000"/>
-            <a:ext cx="5200650" cy="609600"/>
-          </a:xfrm>
-          <a:prstGeom prst="rect">
-            <a:avLst/>
-          </a:prstGeom>
-          <a:noFill/>
-          <a:ln>
-            <a:noFill/>
-          </a:ln>
-          <a:effectLst/>
-          <a:extLst>
-            <a:ext uri="{909E8E84-426E-40DD-AFC4-6F175D3DCCD1}">
-              <a14:hiddenFill xmlns:a14="http://schemas.microsoft.com/office/drawing/2010/main">
-                <a:solidFill>
-                  <a:schemeClr val="accent1"/>
-                </a:solidFill>
-              </a14:hiddenFill>
-            </a:ext>
-            <a:ext uri="{91240B29-F687-4F45-9708-019B960494DF}">
-              <a14:hiddenLine xmlns:a14="http://schemas.microsoft.com/office/drawing/2010/main" w="9525">
-                <a:solidFill>
-                  <a:schemeClr val="tx1"/>
-                </a:solidFill>
-                <a:miter lim="800000"/>
-                <a:headEnd/>
-                <a:tailEnd/>
-              </a14:hiddenLine>
-            </a:ext>
-            <a:ext uri="{AF507438-7753-43E0-B8FC-AC1667EBCBE1}">
-              <a14:hiddenEffects xmlns:a14="http://schemas.microsoft.com/office/drawing/2010/main">
-                <a:effectLst>
-                  <a:outerShdw dist="35921" dir="2700000" algn="ctr" rotWithShape="0">
-                    <a:schemeClr val="bg2"/>
-                  </a:outerShdw>
-                </a:effectLst>
-              </a14:hiddenEffects>
-            </a:ext>
-          </a:extLst>
-        </p:spPr>
-      </p:pic>
-    </p:spTree>
-    <p:extLst>
-      <p:ext uri="{BB962C8B-B14F-4D97-AF65-F5344CB8AC3E}">
-        <p14:creationId xmlns:p14="http://schemas.microsoft.com/office/powerpoint/2010/main" val="4179666329"/>
       </p:ext>
     </p:extLst>
   </p:cSld>
@@ -22658,31 +23043,32 @@
           <a:p>
             <a:r>
               <a:rPr lang="en-US" dirty="0"/>
-              <a:t>The above example, </a:t>
-            </a:r>
-            <a:r>
-              <a:rPr lang="en-US" i="1" dirty="0" err="1"/>
-              <a:t>array</a:t>
-            </a:r>
-            <a:r>
-              <a:rPr lang="en-US" dirty="0" err="1"/>
-              <a:t>.sort</a:t>
-            </a:r>
-            <a:r>
-              <a:rPr lang="en-US" dirty="0"/>
-              <a:t>(), is not accurate, it will favor some numbers over the others.</a:t>
-            </a:r>
-          </a:p>
-          <a:p>
-            <a:r>
-              <a:rPr lang="en-US" dirty="0"/>
-              <a:t>The most popular correct method, is called the Fisher Yates shuffle, and was introduced in data science as early as 1938!</a:t>
-            </a:r>
-          </a:p>
-          <a:p>
-            <a:r>
-              <a:rPr lang="en-US" dirty="0"/>
-              <a:t>In JavaScript the method can be translated to this:</a:t>
+              <a:t>The compare function compares all the values in the array, two values at a time (a, b).</a:t>
+            </a:r>
+          </a:p>
+          <a:p>
+            <a:r>
+              <a:rPr lang="en-US" dirty="0"/>
+              <a:t>When comparing 40 and 100, the sort() method calls the compare function(40, 100).</a:t>
+            </a:r>
+          </a:p>
+          <a:p>
+            <a:r>
+              <a:rPr lang="en-US" dirty="0"/>
+              <a:t>The function calculates 40 - 100 (a - b), and since the result is negative (-60),  the sort function will sort 40 as a value lower than 100</a:t>
+            </a:r>
+            <a:r>
+              <a:rPr lang="en-US" dirty="0" smtClean="0"/>
+              <a:t>.</a:t>
+            </a:r>
+          </a:p>
+          <a:p>
+            <a:endParaRPr lang="en-US" dirty="0"/>
+          </a:p>
+          <a:p>
+            <a:r>
+              <a:rPr lang="en-US" dirty="0"/>
+              <a:t>Sorting an Array in Random Order</a:t>
             </a:r>
           </a:p>
           <a:p>
@@ -22706,12 +23092,8 @@
           <a:lstStyle/>
           <a:p>
             <a:r>
-              <a:rPr lang="en-US" dirty="0"/>
-              <a:t>The Fisher Yates </a:t>
-            </a:r>
-            <a:r>
               <a:rPr lang="en-US" dirty="0" smtClean="0"/>
-              <a:t>Method</a:t>
+              <a:t>Compare function example</a:t>
             </a:r>
             <a:endParaRPr lang="bg-BG" dirty="0"/>
           </a:p>
@@ -22719,7 +23101,7 @@
       </p:sp>
       <p:pic>
         <p:nvPicPr>
-          <p:cNvPr id="5122" name="Picture 2"/>
+          <p:cNvPr id="4098" name="Picture 2"/>
           <p:cNvPicPr>
             <a:picLocks noChangeAspect="1" noChangeArrowheads="1"/>
           </p:cNvPicPr>
@@ -22740,8 +23122,8 @@
         </p:blipFill>
         <p:spPr bwMode="auto">
           <a:xfrm>
-            <a:off x="762000" y="3657600"/>
-            <a:ext cx="4591050" cy="2257425"/>
+            <a:off x="533400" y="4953000"/>
+            <a:ext cx="5200650" cy="609600"/>
           </a:xfrm>
           <a:prstGeom prst="rect">
             <a:avLst/>
@@ -22784,7 +23166,7 @@
     </p:spTree>
     <p:extLst>
       <p:ext uri="{BB962C8B-B14F-4D97-AF65-F5344CB8AC3E}">
-        <p14:creationId xmlns:p14="http://schemas.microsoft.com/office/powerpoint/2010/main" val="3838038931"/>
+        <p14:creationId xmlns:p14="http://schemas.microsoft.com/office/powerpoint/2010/main" val="4179666329"/>
       </p:ext>
     </p:extLst>
   </p:cSld>
@@ -22828,6 +23210,176 @@
           <a:p>
             <a:r>
               <a:rPr lang="en-US" dirty="0"/>
+              <a:t>The above example, </a:t>
+            </a:r>
+            <a:r>
+              <a:rPr lang="en-US" i="1" dirty="0" err="1"/>
+              <a:t>array</a:t>
+            </a:r>
+            <a:r>
+              <a:rPr lang="en-US" dirty="0" err="1"/>
+              <a:t>.sort</a:t>
+            </a:r>
+            <a:r>
+              <a:rPr lang="en-US" dirty="0"/>
+              <a:t>(), is not accurate, it will favor some numbers over the others.</a:t>
+            </a:r>
+          </a:p>
+          <a:p>
+            <a:r>
+              <a:rPr lang="en-US" dirty="0"/>
+              <a:t>The most popular correct method, is called the Fisher Yates shuffle, and was introduced in data science as early as 1938!</a:t>
+            </a:r>
+          </a:p>
+          <a:p>
+            <a:r>
+              <a:rPr lang="en-US" dirty="0"/>
+              <a:t>In JavaScript the method can be translated to this:</a:t>
+            </a:r>
+          </a:p>
+          <a:p>
+            <a:endParaRPr lang="bg-BG" dirty="0"/>
+          </a:p>
+        </p:txBody>
+      </p:sp>
+      <p:sp>
+        <p:nvSpPr>
+          <p:cNvPr id="3" name="Title 2"/>
+          <p:cNvSpPr>
+            <a:spLocks noGrp="1"/>
+          </p:cNvSpPr>
+          <p:nvPr>
+            <p:ph type="title"/>
+          </p:nvPr>
+        </p:nvSpPr>
+        <p:spPr/>
+        <p:txBody>
+          <a:bodyPr/>
+          <a:lstStyle/>
+          <a:p>
+            <a:r>
+              <a:rPr lang="en-US" dirty="0"/>
+              <a:t>The Fisher Yates </a:t>
+            </a:r>
+            <a:r>
+              <a:rPr lang="en-US" dirty="0" smtClean="0"/>
+              <a:t>Method</a:t>
+            </a:r>
+            <a:endParaRPr lang="bg-BG" dirty="0"/>
+          </a:p>
+        </p:txBody>
+      </p:sp>
+      <p:pic>
+        <p:nvPicPr>
+          <p:cNvPr id="5122" name="Picture 2"/>
+          <p:cNvPicPr>
+            <a:picLocks noChangeAspect="1" noChangeArrowheads="1"/>
+          </p:cNvPicPr>
+          <p:nvPr/>
+        </p:nvPicPr>
+        <p:blipFill>
+          <a:blip r:embed="rId2">
+            <a:extLst>
+              <a:ext uri="{28A0092B-C50C-407E-A947-70E740481C1C}">
+                <a14:useLocalDpi xmlns:a14="http://schemas.microsoft.com/office/drawing/2010/main" val="0"/>
+              </a:ext>
+            </a:extLst>
+          </a:blip>
+          <a:srcRect/>
+          <a:stretch>
+            <a:fillRect/>
+          </a:stretch>
+        </p:blipFill>
+        <p:spPr bwMode="auto">
+          <a:xfrm>
+            <a:off x="762000" y="3657600"/>
+            <a:ext cx="4591050" cy="2257425"/>
+          </a:xfrm>
+          <a:prstGeom prst="rect">
+            <a:avLst/>
+          </a:prstGeom>
+          <a:noFill/>
+          <a:ln>
+            <a:noFill/>
+          </a:ln>
+          <a:effectLst/>
+          <a:extLst>
+            <a:ext uri="{909E8E84-426E-40DD-AFC4-6F175D3DCCD1}">
+              <a14:hiddenFill xmlns:a14="http://schemas.microsoft.com/office/drawing/2010/main">
+                <a:solidFill>
+                  <a:schemeClr val="accent1"/>
+                </a:solidFill>
+              </a14:hiddenFill>
+            </a:ext>
+            <a:ext uri="{91240B29-F687-4F45-9708-019B960494DF}">
+              <a14:hiddenLine xmlns:a14="http://schemas.microsoft.com/office/drawing/2010/main" w="9525">
+                <a:solidFill>
+                  <a:schemeClr val="tx1"/>
+                </a:solidFill>
+                <a:miter lim="800000"/>
+                <a:headEnd/>
+                <a:tailEnd/>
+              </a14:hiddenLine>
+            </a:ext>
+            <a:ext uri="{AF507438-7753-43E0-B8FC-AC1667EBCBE1}">
+              <a14:hiddenEffects xmlns:a14="http://schemas.microsoft.com/office/drawing/2010/main">
+                <a:effectLst>
+                  <a:outerShdw dist="35921" dir="2700000" algn="ctr" rotWithShape="0">
+                    <a:schemeClr val="bg2"/>
+                  </a:outerShdw>
+                </a:effectLst>
+              </a14:hiddenEffects>
+            </a:ext>
+          </a:extLst>
+        </p:spPr>
+      </p:pic>
+    </p:spTree>
+    <p:extLst>
+      <p:ext uri="{BB962C8B-B14F-4D97-AF65-F5344CB8AC3E}">
+        <p14:creationId xmlns:p14="http://schemas.microsoft.com/office/powerpoint/2010/main" val="3838038931"/>
+      </p:ext>
+    </p:extLst>
+  </p:cSld>
+  <p:clrMapOvr>
+    <a:masterClrMapping/>
+  </p:clrMapOvr>
+</p:sld>
+</file>
+
+<file path=ppt/slides/slide64.xml><?xml version="1.0" encoding="utf-8"?>
+<p:sld xmlns:a="http://schemas.openxmlformats.org/drawingml/2006/main" xmlns:r="http://schemas.openxmlformats.org/officeDocument/2006/relationships" xmlns:p="http://schemas.openxmlformats.org/presentationml/2006/main">
+  <p:cSld>
+    <p:spTree>
+      <p:nvGrpSpPr>
+        <p:cNvPr id="1" name=""/>
+        <p:cNvGrpSpPr/>
+        <p:nvPr/>
+      </p:nvGrpSpPr>
+      <p:grpSpPr>
+        <a:xfrm>
+          <a:off x="0" y="0"/>
+          <a:ext cx="0" cy="0"/>
+          <a:chOff x="0" y="0"/>
+          <a:chExt cx="0" cy="0"/>
+        </a:xfrm>
+      </p:grpSpPr>
+      <p:sp>
+        <p:nvSpPr>
+          <p:cNvPr id="2" name="Content Placeholder 1"/>
+          <p:cNvSpPr>
+            <a:spLocks noGrp="1"/>
+          </p:cNvSpPr>
+          <p:nvPr>
+            <p:ph idx="1"/>
+          </p:nvPr>
+        </p:nvSpPr>
+        <p:spPr/>
+        <p:txBody>
+          <a:bodyPr/>
+          <a:lstStyle/>
+          <a:p>
+            <a:r>
+              <a:rPr lang="en-US" dirty="0"/>
               <a:t>There are no built-in functions for finding the max or min value in an array.</a:t>
             </a:r>
           </a:p>
@@ -23085,7 +23637,7 @@
 </p:sld>
 </file>
 
-<file path=ppt/slides/slide64.xml><?xml version="1.0" encoding="utf-8"?>
+<file path=ppt/slides/slide65.xml><?xml version="1.0" encoding="utf-8"?>
 <p:sld xmlns:a="http://schemas.openxmlformats.org/drawingml/2006/main" xmlns:r="http://schemas.openxmlformats.org/officeDocument/2006/relationships" xmlns:p="http://schemas.openxmlformats.org/presentationml/2006/main">
   <p:cSld>
     <p:spTree>
@@ -23453,7 +24005,7 @@
 </p:sld>
 </file>
 
-<file path=ppt/slides/slide65.xml><?xml version="1.0" encoding="utf-8"?>
+<file path=ppt/slides/slide66.xml><?xml version="1.0" encoding="utf-8"?>
 <p:sld xmlns:a="http://schemas.openxmlformats.org/drawingml/2006/main" xmlns:r="http://schemas.openxmlformats.org/officeDocument/2006/relationships" xmlns:p="http://schemas.openxmlformats.org/presentationml/2006/main">
   <p:cSld>
     <p:spTree>
@@ -23669,7 +24221,7 @@
 </p:sld>
 </file>
 
-<file path=ppt/slides/slide66.xml><?xml version="1.0" encoding="utf-8"?>
+<file path=ppt/slides/slide67.xml><?xml version="1.0" encoding="utf-8"?>
 <p:sld xmlns:a="http://schemas.openxmlformats.org/drawingml/2006/main" xmlns:r="http://schemas.openxmlformats.org/officeDocument/2006/relationships" xmlns:p="http://schemas.openxmlformats.org/presentationml/2006/main">
   <p:cSld>
     <p:spTree>
@@ -23910,7 +24462,7 @@
 </p:sld>
 </file>
 
-<file path=ppt/slides/slide67.xml><?xml version="1.0" encoding="utf-8"?>
+<file path=ppt/slides/slide68.xml><?xml version="1.0" encoding="utf-8"?>
 <p:sld xmlns:a="http://schemas.openxmlformats.org/drawingml/2006/main" xmlns:r="http://schemas.openxmlformats.org/officeDocument/2006/relationships" xmlns:p="http://schemas.openxmlformats.org/presentationml/2006/main">
   <p:cSld>
     <p:spTree>
@@ -24178,7 +24730,7 @@
 </p:sld>
 </file>
 
-<file path=ppt/slides/slide68.xml><?xml version="1.0" encoding="utf-8"?>
+<file path=ppt/slides/slide69.xml><?xml version="1.0" encoding="utf-8"?>
 <p:sld xmlns:a="http://schemas.openxmlformats.org/drawingml/2006/main" xmlns:r="http://schemas.openxmlformats.org/officeDocument/2006/relationships" xmlns:p="http://schemas.openxmlformats.org/presentationml/2006/main">
   <p:cSld>
     <p:spTree>
@@ -24522,344 +25074,6 @@
     <p:extLst>
       <p:ext uri="{BB962C8B-B14F-4D97-AF65-F5344CB8AC3E}">
         <p14:creationId xmlns:p14="http://schemas.microsoft.com/office/powerpoint/2010/main" val="1609843241"/>
-      </p:ext>
-    </p:extLst>
-  </p:cSld>
-  <p:clrMapOvr>
-    <a:masterClrMapping/>
-  </p:clrMapOvr>
-</p:sld>
-</file>
-
-<file path=ppt/slides/slide69.xml><?xml version="1.0" encoding="utf-8"?>
-<p:sld xmlns:a="http://schemas.openxmlformats.org/drawingml/2006/main" xmlns:r="http://schemas.openxmlformats.org/officeDocument/2006/relationships" xmlns:p="http://schemas.openxmlformats.org/presentationml/2006/main">
-  <p:cSld>
-    <p:spTree>
-      <p:nvGrpSpPr>
-        <p:cNvPr id="1" name=""/>
-        <p:cNvGrpSpPr/>
-        <p:nvPr/>
-      </p:nvGrpSpPr>
-      <p:grpSpPr>
-        <a:xfrm>
-          <a:off x="0" y="0"/>
-          <a:ext cx="0" cy="0"/>
-          <a:chOff x="0" y="0"/>
-          <a:chExt cx="0" cy="0"/>
-        </a:xfrm>
-      </p:grpSpPr>
-      <p:sp>
-        <p:nvSpPr>
-          <p:cNvPr id="2" name="Content Placeholder 1"/>
-          <p:cNvSpPr>
-            <a:spLocks noGrp="1"/>
-          </p:cNvSpPr>
-          <p:nvPr>
-            <p:ph idx="1"/>
-          </p:nvPr>
-        </p:nvSpPr>
-        <p:spPr>
-          <a:xfrm>
-            <a:off x="380999" y="1719070"/>
-            <a:ext cx="8407893" cy="4910329"/>
-          </a:xfrm>
-        </p:spPr>
-        <p:txBody>
-          <a:bodyPr/>
-          <a:lstStyle/>
-          <a:p>
-            <a:r>
-              <a:rPr lang="en-US" dirty="0"/>
-              <a:t>The map() method creates a new array by performing a function on each array element.</a:t>
-            </a:r>
-          </a:p>
-          <a:p>
-            <a:r>
-              <a:rPr lang="en-US" dirty="0"/>
-              <a:t>The map() method does not execute the function for array elements without values.</a:t>
-            </a:r>
-          </a:p>
-          <a:p>
-            <a:r>
-              <a:rPr lang="en-US" dirty="0"/>
-              <a:t>The map() method does not change the original array.</a:t>
-            </a:r>
-          </a:p>
-          <a:p>
-            <a:r>
-              <a:rPr lang="en-US" dirty="0"/>
-              <a:t>This example multiplies each array value by 2</a:t>
-            </a:r>
-            <a:r>
-              <a:rPr lang="en-US" dirty="0" smtClean="0"/>
-              <a:t>:</a:t>
-            </a:r>
-          </a:p>
-          <a:p>
-            <a:endParaRPr lang="en-US" dirty="0"/>
-          </a:p>
-          <a:p>
-            <a:endParaRPr lang="en-US" dirty="0" smtClean="0"/>
-          </a:p>
-          <a:p>
-            <a:endParaRPr lang="en-US" dirty="0"/>
-          </a:p>
-          <a:p>
-            <a:endParaRPr lang="en-US" dirty="0" smtClean="0"/>
-          </a:p>
-          <a:p>
-            <a:endParaRPr lang="en-US" dirty="0"/>
-          </a:p>
-          <a:p>
-            <a:r>
-              <a:rPr lang="en-US" dirty="0"/>
-              <a:t>When a callback function uses only the value parameter, the index and array parameters can be omitted:</a:t>
-            </a:r>
-          </a:p>
-          <a:p>
-            <a:endParaRPr lang="bg-BG" dirty="0"/>
-          </a:p>
-        </p:txBody>
-      </p:sp>
-      <p:sp>
-        <p:nvSpPr>
-          <p:cNvPr id="3" name="Title 2"/>
-          <p:cNvSpPr>
-            <a:spLocks noGrp="1"/>
-          </p:cNvSpPr>
-          <p:nvPr>
-            <p:ph type="title"/>
-          </p:nvPr>
-        </p:nvSpPr>
-        <p:spPr/>
-        <p:txBody>
-          <a:bodyPr/>
-          <a:lstStyle/>
-          <a:p>
-            <a:r>
-              <a:rPr lang="en-US" dirty="0"/>
-              <a:t>Array </a:t>
-            </a:r>
-            <a:r>
-              <a:rPr lang="en-US" b="1" dirty="0">
-                <a:solidFill>
-                  <a:srgbClr val="FFC000"/>
-                </a:solidFill>
-              </a:rPr>
-              <a:t>map</a:t>
-            </a:r>
-            <a:r>
-              <a:rPr lang="en-US" b="1" dirty="0" smtClean="0">
-                <a:solidFill>
-                  <a:srgbClr val="FFC000"/>
-                </a:solidFill>
-              </a:rPr>
-              <a:t>()</a:t>
-            </a:r>
-            <a:endParaRPr lang="bg-BG" b="1" dirty="0">
-              <a:solidFill>
-                <a:srgbClr val="FFC000"/>
-              </a:solidFill>
-            </a:endParaRPr>
-          </a:p>
-        </p:txBody>
-      </p:sp>
-      <p:pic>
-        <p:nvPicPr>
-          <p:cNvPr id="12290" name="Picture 2"/>
-          <p:cNvPicPr>
-            <a:picLocks noChangeAspect="1" noChangeArrowheads="1"/>
-          </p:cNvPicPr>
-          <p:nvPr/>
-        </p:nvPicPr>
-        <p:blipFill>
-          <a:blip r:embed="rId2">
-            <a:extLst>
-              <a:ext uri="{28A0092B-C50C-407E-A947-70E740481C1C}">
-                <a14:useLocalDpi xmlns:a14="http://schemas.microsoft.com/office/drawing/2010/main" val="0"/>
-              </a:ext>
-            </a:extLst>
-          </a:blip>
-          <a:srcRect/>
-          <a:stretch>
-            <a:fillRect/>
-          </a:stretch>
-        </p:blipFill>
-        <p:spPr bwMode="auto">
-          <a:xfrm>
-            <a:off x="838200" y="3962400"/>
-            <a:ext cx="4381500" cy="1704975"/>
-          </a:xfrm>
-          <a:prstGeom prst="rect">
-            <a:avLst/>
-          </a:prstGeom>
-          <a:noFill/>
-          <a:ln>
-            <a:noFill/>
-          </a:ln>
-          <a:effectLst/>
-          <a:extLst>
-            <a:ext uri="{909E8E84-426E-40DD-AFC4-6F175D3DCCD1}">
-              <a14:hiddenFill xmlns:a14="http://schemas.microsoft.com/office/drawing/2010/main">
-                <a:solidFill>
-                  <a:schemeClr val="accent1"/>
-                </a:solidFill>
-              </a14:hiddenFill>
-            </a:ext>
-            <a:ext uri="{91240B29-F687-4F45-9708-019B960494DF}">
-              <a14:hiddenLine xmlns:a14="http://schemas.microsoft.com/office/drawing/2010/main" w="9525">
-                <a:solidFill>
-                  <a:schemeClr val="tx1"/>
-                </a:solidFill>
-                <a:miter lim="800000"/>
-                <a:headEnd/>
-                <a:tailEnd/>
-              </a14:hiddenLine>
-            </a:ext>
-            <a:ext uri="{AF507438-7753-43E0-B8FC-AC1667EBCBE1}">
-              <a14:hiddenEffects xmlns:a14="http://schemas.microsoft.com/office/drawing/2010/main">
-                <a:effectLst>
-                  <a:outerShdw dist="35921" dir="2700000" algn="ctr" rotWithShape="0">
-                    <a:schemeClr val="bg2"/>
-                  </a:outerShdw>
-                </a:effectLst>
-              </a14:hiddenEffects>
-            </a:ext>
-          </a:extLst>
-        </p:spPr>
-      </p:pic>
-      <p:pic>
-        <p:nvPicPr>
-          <p:cNvPr id="12291" name="Picture 3"/>
-          <p:cNvPicPr>
-            <a:picLocks noChangeAspect="1" noChangeArrowheads="1"/>
-          </p:cNvPicPr>
-          <p:nvPr/>
-        </p:nvPicPr>
-        <p:blipFill>
-          <a:blip r:embed="rId3">
-            <a:extLst>
-              <a:ext uri="{28A0092B-C50C-407E-A947-70E740481C1C}">
-                <a14:useLocalDpi xmlns:a14="http://schemas.microsoft.com/office/drawing/2010/main" val="0"/>
-              </a:ext>
-            </a:extLst>
-          </a:blip>
-          <a:srcRect/>
-          <a:stretch>
-            <a:fillRect/>
-          </a:stretch>
-        </p:blipFill>
-        <p:spPr bwMode="auto">
-          <a:xfrm>
-            <a:off x="5410201" y="3962400"/>
-            <a:ext cx="2438400" cy="716038"/>
-          </a:xfrm>
-          <a:prstGeom prst="rect">
-            <a:avLst/>
-          </a:prstGeom>
-          <a:noFill/>
-          <a:ln>
-            <a:noFill/>
-          </a:ln>
-          <a:effectLst/>
-          <a:extLst>
-            <a:ext uri="{909E8E84-426E-40DD-AFC4-6F175D3DCCD1}">
-              <a14:hiddenFill xmlns:a14="http://schemas.microsoft.com/office/drawing/2010/main">
-                <a:solidFill>
-                  <a:schemeClr val="accent1"/>
-                </a:solidFill>
-              </a14:hiddenFill>
-            </a:ext>
-            <a:ext uri="{91240B29-F687-4F45-9708-019B960494DF}">
-              <a14:hiddenLine xmlns:a14="http://schemas.microsoft.com/office/drawing/2010/main" w="9525">
-                <a:solidFill>
-                  <a:schemeClr val="tx1"/>
-                </a:solidFill>
-                <a:miter lim="800000"/>
-                <a:headEnd/>
-                <a:tailEnd/>
-              </a14:hiddenLine>
-            </a:ext>
-            <a:ext uri="{AF507438-7753-43E0-B8FC-AC1667EBCBE1}">
-              <a14:hiddenEffects xmlns:a14="http://schemas.microsoft.com/office/drawing/2010/main">
-                <a:effectLst>
-                  <a:outerShdw dist="35921" dir="2700000" algn="ctr" rotWithShape="0">
-                    <a:schemeClr val="bg2"/>
-                  </a:outerShdw>
-                </a:effectLst>
-              </a14:hiddenEffects>
-            </a:ext>
-          </a:extLst>
-        </p:spPr>
-      </p:pic>
-      <p:pic>
-        <p:nvPicPr>
-          <p:cNvPr id="12292" name="Picture 4"/>
-          <p:cNvPicPr>
-            <a:picLocks noChangeAspect="1" noChangeArrowheads="1"/>
-          </p:cNvPicPr>
-          <p:nvPr/>
-        </p:nvPicPr>
-        <p:blipFill>
-          <a:blip r:embed="rId4">
-            <a:extLst>
-              <a:ext uri="{28A0092B-C50C-407E-A947-70E740481C1C}">
-                <a14:useLocalDpi xmlns:a14="http://schemas.microsoft.com/office/drawing/2010/main" val="0"/>
-              </a:ext>
-            </a:extLst>
-          </a:blip>
-          <a:srcRect/>
-          <a:stretch>
-            <a:fillRect/>
-          </a:stretch>
-        </p:blipFill>
-        <p:spPr bwMode="auto">
-          <a:xfrm>
-            <a:off x="5410200" y="4829175"/>
-            <a:ext cx="2952750" cy="838200"/>
-          </a:xfrm>
-          <a:prstGeom prst="rect">
-            <a:avLst/>
-          </a:prstGeom>
-          <a:noFill/>
-          <a:ln>
-            <a:noFill/>
-          </a:ln>
-          <a:effectLst/>
-          <a:extLst>
-            <a:ext uri="{909E8E84-426E-40DD-AFC4-6F175D3DCCD1}">
-              <a14:hiddenFill xmlns:a14="http://schemas.microsoft.com/office/drawing/2010/main">
-                <a:solidFill>
-                  <a:schemeClr val="accent1"/>
-                </a:solidFill>
-              </a14:hiddenFill>
-            </a:ext>
-            <a:ext uri="{91240B29-F687-4F45-9708-019B960494DF}">
-              <a14:hiddenLine xmlns:a14="http://schemas.microsoft.com/office/drawing/2010/main" w="9525">
-                <a:solidFill>
-                  <a:schemeClr val="tx1"/>
-                </a:solidFill>
-                <a:miter lim="800000"/>
-                <a:headEnd/>
-                <a:tailEnd/>
-              </a14:hiddenLine>
-            </a:ext>
-            <a:ext uri="{AF507438-7753-43E0-B8FC-AC1667EBCBE1}">
-              <a14:hiddenEffects xmlns:a14="http://schemas.microsoft.com/office/drawing/2010/main">
-                <a:effectLst>
-                  <a:outerShdw dist="35921" dir="2700000" algn="ctr" rotWithShape="0">
-                    <a:schemeClr val="bg2"/>
-                  </a:outerShdw>
-                </a:effectLst>
-              </a14:hiddenEffects>
-            </a:ext>
-          </a:extLst>
-        </p:spPr>
-      </p:pic>
-    </p:spTree>
-    <p:extLst>
-      <p:ext uri="{BB962C8B-B14F-4D97-AF65-F5344CB8AC3E}">
-        <p14:creationId xmlns:p14="http://schemas.microsoft.com/office/powerpoint/2010/main" val="1814667737"/>
       </p:ext>
     </p:extLst>
   </p:cSld>
@@ -25247,6 +25461,344 @@
             <p:ph idx="1"/>
           </p:nvPr>
         </p:nvSpPr>
+        <p:spPr>
+          <a:xfrm>
+            <a:off x="380999" y="1719070"/>
+            <a:ext cx="8407893" cy="4910329"/>
+          </a:xfrm>
+        </p:spPr>
+        <p:txBody>
+          <a:bodyPr/>
+          <a:lstStyle/>
+          <a:p>
+            <a:r>
+              <a:rPr lang="en-US" dirty="0"/>
+              <a:t>The map() method creates a new array by performing a function on each array element.</a:t>
+            </a:r>
+          </a:p>
+          <a:p>
+            <a:r>
+              <a:rPr lang="en-US" dirty="0"/>
+              <a:t>The map() method does not execute the function for array elements without values.</a:t>
+            </a:r>
+          </a:p>
+          <a:p>
+            <a:r>
+              <a:rPr lang="en-US" dirty="0"/>
+              <a:t>The map() method does not change the original array.</a:t>
+            </a:r>
+          </a:p>
+          <a:p>
+            <a:r>
+              <a:rPr lang="en-US" dirty="0"/>
+              <a:t>This example multiplies each array value by 2</a:t>
+            </a:r>
+            <a:r>
+              <a:rPr lang="en-US" dirty="0" smtClean="0"/>
+              <a:t>:</a:t>
+            </a:r>
+          </a:p>
+          <a:p>
+            <a:endParaRPr lang="en-US" dirty="0"/>
+          </a:p>
+          <a:p>
+            <a:endParaRPr lang="en-US" dirty="0" smtClean="0"/>
+          </a:p>
+          <a:p>
+            <a:endParaRPr lang="en-US" dirty="0"/>
+          </a:p>
+          <a:p>
+            <a:endParaRPr lang="en-US" dirty="0" smtClean="0"/>
+          </a:p>
+          <a:p>
+            <a:endParaRPr lang="en-US" dirty="0"/>
+          </a:p>
+          <a:p>
+            <a:r>
+              <a:rPr lang="en-US" dirty="0"/>
+              <a:t>When a callback function uses only the value parameter, the index and array parameters can be omitted:</a:t>
+            </a:r>
+          </a:p>
+          <a:p>
+            <a:endParaRPr lang="bg-BG" dirty="0"/>
+          </a:p>
+        </p:txBody>
+      </p:sp>
+      <p:sp>
+        <p:nvSpPr>
+          <p:cNvPr id="3" name="Title 2"/>
+          <p:cNvSpPr>
+            <a:spLocks noGrp="1"/>
+          </p:cNvSpPr>
+          <p:nvPr>
+            <p:ph type="title"/>
+          </p:nvPr>
+        </p:nvSpPr>
+        <p:spPr/>
+        <p:txBody>
+          <a:bodyPr/>
+          <a:lstStyle/>
+          <a:p>
+            <a:r>
+              <a:rPr lang="en-US" dirty="0"/>
+              <a:t>Array </a:t>
+            </a:r>
+            <a:r>
+              <a:rPr lang="en-US" b="1" dirty="0">
+                <a:solidFill>
+                  <a:srgbClr val="FFC000"/>
+                </a:solidFill>
+              </a:rPr>
+              <a:t>map</a:t>
+            </a:r>
+            <a:r>
+              <a:rPr lang="en-US" b="1" dirty="0" smtClean="0">
+                <a:solidFill>
+                  <a:srgbClr val="FFC000"/>
+                </a:solidFill>
+              </a:rPr>
+              <a:t>()</a:t>
+            </a:r>
+            <a:endParaRPr lang="bg-BG" b="1" dirty="0">
+              <a:solidFill>
+                <a:srgbClr val="FFC000"/>
+              </a:solidFill>
+            </a:endParaRPr>
+          </a:p>
+        </p:txBody>
+      </p:sp>
+      <p:pic>
+        <p:nvPicPr>
+          <p:cNvPr id="12290" name="Picture 2"/>
+          <p:cNvPicPr>
+            <a:picLocks noChangeAspect="1" noChangeArrowheads="1"/>
+          </p:cNvPicPr>
+          <p:nvPr/>
+        </p:nvPicPr>
+        <p:blipFill>
+          <a:blip r:embed="rId2">
+            <a:extLst>
+              <a:ext uri="{28A0092B-C50C-407E-A947-70E740481C1C}">
+                <a14:useLocalDpi xmlns:a14="http://schemas.microsoft.com/office/drawing/2010/main" val="0"/>
+              </a:ext>
+            </a:extLst>
+          </a:blip>
+          <a:srcRect/>
+          <a:stretch>
+            <a:fillRect/>
+          </a:stretch>
+        </p:blipFill>
+        <p:spPr bwMode="auto">
+          <a:xfrm>
+            <a:off x="838200" y="3962400"/>
+            <a:ext cx="4381500" cy="1704975"/>
+          </a:xfrm>
+          <a:prstGeom prst="rect">
+            <a:avLst/>
+          </a:prstGeom>
+          <a:noFill/>
+          <a:ln>
+            <a:noFill/>
+          </a:ln>
+          <a:effectLst/>
+          <a:extLst>
+            <a:ext uri="{909E8E84-426E-40DD-AFC4-6F175D3DCCD1}">
+              <a14:hiddenFill xmlns:a14="http://schemas.microsoft.com/office/drawing/2010/main">
+                <a:solidFill>
+                  <a:schemeClr val="accent1"/>
+                </a:solidFill>
+              </a14:hiddenFill>
+            </a:ext>
+            <a:ext uri="{91240B29-F687-4F45-9708-019B960494DF}">
+              <a14:hiddenLine xmlns:a14="http://schemas.microsoft.com/office/drawing/2010/main" w="9525">
+                <a:solidFill>
+                  <a:schemeClr val="tx1"/>
+                </a:solidFill>
+                <a:miter lim="800000"/>
+                <a:headEnd/>
+                <a:tailEnd/>
+              </a14:hiddenLine>
+            </a:ext>
+            <a:ext uri="{AF507438-7753-43E0-B8FC-AC1667EBCBE1}">
+              <a14:hiddenEffects xmlns:a14="http://schemas.microsoft.com/office/drawing/2010/main">
+                <a:effectLst>
+                  <a:outerShdw dist="35921" dir="2700000" algn="ctr" rotWithShape="0">
+                    <a:schemeClr val="bg2"/>
+                  </a:outerShdw>
+                </a:effectLst>
+              </a14:hiddenEffects>
+            </a:ext>
+          </a:extLst>
+        </p:spPr>
+      </p:pic>
+      <p:pic>
+        <p:nvPicPr>
+          <p:cNvPr id="12291" name="Picture 3"/>
+          <p:cNvPicPr>
+            <a:picLocks noChangeAspect="1" noChangeArrowheads="1"/>
+          </p:cNvPicPr>
+          <p:nvPr/>
+        </p:nvPicPr>
+        <p:blipFill>
+          <a:blip r:embed="rId3">
+            <a:extLst>
+              <a:ext uri="{28A0092B-C50C-407E-A947-70E740481C1C}">
+                <a14:useLocalDpi xmlns:a14="http://schemas.microsoft.com/office/drawing/2010/main" val="0"/>
+              </a:ext>
+            </a:extLst>
+          </a:blip>
+          <a:srcRect/>
+          <a:stretch>
+            <a:fillRect/>
+          </a:stretch>
+        </p:blipFill>
+        <p:spPr bwMode="auto">
+          <a:xfrm>
+            <a:off x="5410201" y="3962400"/>
+            <a:ext cx="2438400" cy="716038"/>
+          </a:xfrm>
+          <a:prstGeom prst="rect">
+            <a:avLst/>
+          </a:prstGeom>
+          <a:noFill/>
+          <a:ln>
+            <a:noFill/>
+          </a:ln>
+          <a:effectLst/>
+          <a:extLst>
+            <a:ext uri="{909E8E84-426E-40DD-AFC4-6F175D3DCCD1}">
+              <a14:hiddenFill xmlns:a14="http://schemas.microsoft.com/office/drawing/2010/main">
+                <a:solidFill>
+                  <a:schemeClr val="accent1"/>
+                </a:solidFill>
+              </a14:hiddenFill>
+            </a:ext>
+            <a:ext uri="{91240B29-F687-4F45-9708-019B960494DF}">
+              <a14:hiddenLine xmlns:a14="http://schemas.microsoft.com/office/drawing/2010/main" w="9525">
+                <a:solidFill>
+                  <a:schemeClr val="tx1"/>
+                </a:solidFill>
+                <a:miter lim="800000"/>
+                <a:headEnd/>
+                <a:tailEnd/>
+              </a14:hiddenLine>
+            </a:ext>
+            <a:ext uri="{AF507438-7753-43E0-B8FC-AC1667EBCBE1}">
+              <a14:hiddenEffects xmlns:a14="http://schemas.microsoft.com/office/drawing/2010/main">
+                <a:effectLst>
+                  <a:outerShdw dist="35921" dir="2700000" algn="ctr" rotWithShape="0">
+                    <a:schemeClr val="bg2"/>
+                  </a:outerShdw>
+                </a:effectLst>
+              </a14:hiddenEffects>
+            </a:ext>
+          </a:extLst>
+        </p:spPr>
+      </p:pic>
+      <p:pic>
+        <p:nvPicPr>
+          <p:cNvPr id="12292" name="Picture 4"/>
+          <p:cNvPicPr>
+            <a:picLocks noChangeAspect="1" noChangeArrowheads="1"/>
+          </p:cNvPicPr>
+          <p:nvPr/>
+        </p:nvPicPr>
+        <p:blipFill>
+          <a:blip r:embed="rId4">
+            <a:extLst>
+              <a:ext uri="{28A0092B-C50C-407E-A947-70E740481C1C}">
+                <a14:useLocalDpi xmlns:a14="http://schemas.microsoft.com/office/drawing/2010/main" val="0"/>
+              </a:ext>
+            </a:extLst>
+          </a:blip>
+          <a:srcRect/>
+          <a:stretch>
+            <a:fillRect/>
+          </a:stretch>
+        </p:blipFill>
+        <p:spPr bwMode="auto">
+          <a:xfrm>
+            <a:off x="5410200" y="4829175"/>
+            <a:ext cx="2952750" cy="838200"/>
+          </a:xfrm>
+          <a:prstGeom prst="rect">
+            <a:avLst/>
+          </a:prstGeom>
+          <a:noFill/>
+          <a:ln>
+            <a:noFill/>
+          </a:ln>
+          <a:effectLst/>
+          <a:extLst>
+            <a:ext uri="{909E8E84-426E-40DD-AFC4-6F175D3DCCD1}">
+              <a14:hiddenFill xmlns:a14="http://schemas.microsoft.com/office/drawing/2010/main">
+                <a:solidFill>
+                  <a:schemeClr val="accent1"/>
+                </a:solidFill>
+              </a14:hiddenFill>
+            </a:ext>
+            <a:ext uri="{91240B29-F687-4F45-9708-019B960494DF}">
+              <a14:hiddenLine xmlns:a14="http://schemas.microsoft.com/office/drawing/2010/main" w="9525">
+                <a:solidFill>
+                  <a:schemeClr val="tx1"/>
+                </a:solidFill>
+                <a:miter lim="800000"/>
+                <a:headEnd/>
+                <a:tailEnd/>
+              </a14:hiddenLine>
+            </a:ext>
+            <a:ext uri="{AF507438-7753-43E0-B8FC-AC1667EBCBE1}">
+              <a14:hiddenEffects xmlns:a14="http://schemas.microsoft.com/office/drawing/2010/main">
+                <a:effectLst>
+                  <a:outerShdw dist="35921" dir="2700000" algn="ctr" rotWithShape="0">
+                    <a:schemeClr val="bg2"/>
+                  </a:outerShdw>
+                </a:effectLst>
+              </a14:hiddenEffects>
+            </a:ext>
+          </a:extLst>
+        </p:spPr>
+      </p:pic>
+    </p:spTree>
+    <p:extLst>
+      <p:ext uri="{BB962C8B-B14F-4D97-AF65-F5344CB8AC3E}">
+        <p14:creationId xmlns:p14="http://schemas.microsoft.com/office/powerpoint/2010/main" val="1814667737"/>
+      </p:ext>
+    </p:extLst>
+  </p:cSld>
+  <p:clrMapOvr>
+    <a:masterClrMapping/>
+  </p:clrMapOvr>
+</p:sld>
+</file>
+
+<file path=ppt/slides/slide71.xml><?xml version="1.0" encoding="utf-8"?>
+<p:sld xmlns:a="http://schemas.openxmlformats.org/drawingml/2006/main" xmlns:r="http://schemas.openxmlformats.org/officeDocument/2006/relationships" xmlns:p="http://schemas.openxmlformats.org/presentationml/2006/main">
+  <p:cSld>
+    <p:spTree>
+      <p:nvGrpSpPr>
+        <p:cNvPr id="1" name=""/>
+        <p:cNvGrpSpPr/>
+        <p:nvPr/>
+      </p:nvGrpSpPr>
+      <p:grpSpPr>
+        <a:xfrm>
+          <a:off x="0" y="0"/>
+          <a:ext cx="0" cy="0"/>
+          <a:chOff x="0" y="0"/>
+          <a:chExt cx="0" cy="0"/>
+        </a:xfrm>
+      </p:grpSpPr>
+      <p:sp>
+        <p:nvSpPr>
+          <p:cNvPr id="2" name="Content Placeholder 1"/>
+          <p:cNvSpPr>
+            <a:spLocks noGrp="1"/>
+          </p:cNvSpPr>
+          <p:nvPr>
+            <p:ph idx="1"/>
+          </p:nvPr>
+        </p:nvSpPr>
         <p:spPr/>
         <p:txBody>
           <a:bodyPr/>
@@ -25541,7 +26093,7 @@
 </p:sld>
 </file>
 
-<file path=ppt/slides/slide71.xml><?xml version="1.0" encoding="utf-8"?>
+<file path=ppt/slides/slide72.xml><?xml version="1.0" encoding="utf-8"?>
 <p:sld xmlns:a="http://schemas.openxmlformats.org/drawingml/2006/main" xmlns:r="http://schemas.openxmlformats.org/officeDocument/2006/relationships" xmlns:p="http://schemas.openxmlformats.org/presentationml/2006/main">
   <p:cSld>
     <p:spTree>
@@ -25791,7 +26343,7 @@
 </p:sld>
 </file>
 
-<file path=ppt/slides/slide72.xml><?xml version="1.0" encoding="utf-8"?>
+<file path=ppt/slides/slide73.xml><?xml version="1.0" encoding="utf-8"?>
 <p:sld xmlns:a="http://schemas.openxmlformats.org/drawingml/2006/main" xmlns:r="http://schemas.openxmlformats.org/officeDocument/2006/relationships" xmlns:p="http://schemas.openxmlformats.org/presentationml/2006/main">
   <p:cSld>
     <p:spTree>
@@ -26038,7 +26590,7 @@
 </p:sld>
 </file>
 
-<file path=ppt/slides/slide73.xml><?xml version="1.0" encoding="utf-8"?>
+<file path=ppt/slides/slide74.xml><?xml version="1.0" encoding="utf-8"?>
 <p:sld xmlns:a="http://schemas.openxmlformats.org/drawingml/2006/main" xmlns:r="http://schemas.openxmlformats.org/officeDocument/2006/relationships" xmlns:p="http://schemas.openxmlformats.org/presentationml/2006/main">
   <p:cSld>
     <p:spTree>
@@ -26221,7 +26773,7 @@
 </p:sld>
 </file>
 
-<file path=ppt/slides/slide74.xml><?xml version="1.0" encoding="utf-8"?>
+<file path=ppt/slides/slide75.xml><?xml version="1.0" encoding="utf-8"?>
 <p:sld xmlns:a="http://schemas.openxmlformats.org/drawingml/2006/main" xmlns:r="http://schemas.openxmlformats.org/officeDocument/2006/relationships" xmlns:p="http://schemas.openxmlformats.org/presentationml/2006/main">
   <p:cSld>
     <p:spTree>
@@ -26526,7 +27078,7 @@
 </p:sld>
 </file>
 
-<file path=ppt/slides/slide75.xml><?xml version="1.0" encoding="utf-8"?>
+<file path=ppt/slides/slide76.xml><?xml version="1.0" encoding="utf-8"?>
 <p:sld xmlns:a="http://schemas.openxmlformats.org/drawingml/2006/main" xmlns:r="http://schemas.openxmlformats.org/officeDocument/2006/relationships" xmlns:p="http://schemas.openxmlformats.org/presentationml/2006/main">
   <p:cSld>
     <p:spTree>
@@ -26778,7 +27330,7 @@
 </p:sld>
 </file>
 
-<file path=ppt/slides/slide76.xml><?xml version="1.0" encoding="utf-8"?>
+<file path=ppt/slides/slide77.xml><?xml version="1.0" encoding="utf-8"?>
 <p:sld xmlns:a="http://schemas.openxmlformats.org/drawingml/2006/main" xmlns:r="http://schemas.openxmlformats.org/officeDocument/2006/relationships" xmlns:p="http://schemas.openxmlformats.org/presentationml/2006/main">
   <p:cSld>
     <p:spTree>
@@ -27106,7 +27658,7 @@
 </p:sld>
 </file>
 
-<file path=ppt/slides/slide77.xml><?xml version="1.0" encoding="utf-8"?>
+<file path=ppt/slides/slide78.xml><?xml version="1.0" encoding="utf-8"?>
 <p:sld xmlns:a="http://schemas.openxmlformats.org/drawingml/2006/main" xmlns:r="http://schemas.openxmlformats.org/officeDocument/2006/relationships" xmlns:p="http://schemas.openxmlformats.org/presentationml/2006/main">
   <p:cSld>
     <p:spTree>
@@ -27732,7 +28284,7 @@
 </p:sld>
 </file>
 
-<file path=ppt/slides/slide78.xml><?xml version="1.0" encoding="utf-8"?>
+<file path=ppt/slides/slide79.xml><?xml version="1.0" encoding="utf-8"?>
 <p:sld xmlns:a="http://schemas.openxmlformats.org/drawingml/2006/main" xmlns:r="http://schemas.openxmlformats.org/officeDocument/2006/relationships" xmlns:p="http://schemas.openxmlformats.org/presentationml/2006/main">
   <p:cSld>
     <p:spTree>
@@ -27962,286 +28514,6 @@
     <p:extLst>
       <p:ext uri="{BB962C8B-B14F-4D97-AF65-F5344CB8AC3E}">
         <p14:creationId xmlns:p14="http://schemas.microsoft.com/office/powerpoint/2010/main" val="629611657"/>
-      </p:ext>
-    </p:extLst>
-  </p:cSld>
-  <p:clrMapOvr>
-    <a:masterClrMapping/>
-  </p:clrMapOvr>
-</p:sld>
-</file>
-
-<file path=ppt/slides/slide79.xml><?xml version="1.0" encoding="utf-8"?>
-<p:sld xmlns:a="http://schemas.openxmlformats.org/drawingml/2006/main" xmlns:r="http://schemas.openxmlformats.org/officeDocument/2006/relationships" xmlns:p="http://schemas.openxmlformats.org/presentationml/2006/main">
-  <p:cSld>
-    <p:spTree>
-      <p:nvGrpSpPr>
-        <p:cNvPr id="1" name=""/>
-        <p:cNvGrpSpPr/>
-        <p:nvPr/>
-      </p:nvGrpSpPr>
-      <p:grpSpPr>
-        <a:xfrm>
-          <a:off x="0" y="0"/>
-          <a:ext cx="0" cy="0"/>
-          <a:chOff x="0" y="0"/>
-          <a:chExt cx="0" cy="0"/>
-        </a:xfrm>
-      </p:grpSpPr>
-      <p:sp>
-        <p:nvSpPr>
-          <p:cNvPr id="2" name="Content Placeholder 1"/>
-          <p:cNvSpPr>
-            <a:spLocks noGrp="1"/>
-          </p:cNvSpPr>
-          <p:nvPr>
-            <p:ph idx="1"/>
-          </p:nvPr>
-        </p:nvSpPr>
-        <p:spPr/>
-        <p:txBody>
-          <a:bodyPr/>
-          <a:lstStyle/>
-          <a:p>
-            <a:r>
-              <a:rPr lang="en-US" dirty="0" err="1"/>
-              <a:t>ECMAScript</a:t>
-            </a:r>
-            <a:r>
-              <a:rPr lang="en-US" dirty="0"/>
-              <a:t> 2016 introduced </a:t>
-            </a:r>
-            <a:r>
-              <a:rPr lang="en-US" dirty="0" err="1"/>
-              <a:t>Array.includes</a:t>
-            </a:r>
-            <a:r>
-              <a:rPr lang="en-US" dirty="0"/>
-              <a:t>() to arrays. This allows us to check if an element is present in an array (including </a:t>
-            </a:r>
-            <a:r>
-              <a:rPr lang="en-US" dirty="0" err="1"/>
-              <a:t>NaN</a:t>
-            </a:r>
-            <a:r>
-              <a:rPr lang="en-US" dirty="0"/>
-              <a:t>, unlike </a:t>
-            </a:r>
-            <a:r>
-              <a:rPr lang="en-US" dirty="0" err="1"/>
-              <a:t>indexOf</a:t>
-            </a:r>
-            <a:r>
-              <a:rPr lang="en-US" dirty="0"/>
-              <a:t>).</a:t>
-            </a:r>
-            <a:endParaRPr lang="bg-BG" dirty="0"/>
-          </a:p>
-        </p:txBody>
-      </p:sp>
-      <p:sp>
-        <p:nvSpPr>
-          <p:cNvPr id="3" name="Title 2"/>
-          <p:cNvSpPr>
-            <a:spLocks noGrp="1"/>
-          </p:cNvSpPr>
-          <p:nvPr>
-            <p:ph type="title"/>
-          </p:nvPr>
-        </p:nvSpPr>
-        <p:spPr/>
-        <p:txBody>
-          <a:bodyPr/>
-          <a:lstStyle/>
-          <a:p>
-            <a:r>
-              <a:rPr lang="en-US" dirty="0"/>
-              <a:t>Array </a:t>
-            </a:r>
-            <a:r>
-              <a:rPr lang="en-US" b="1" dirty="0">
-                <a:solidFill>
-                  <a:srgbClr val="FFC000"/>
-                </a:solidFill>
-              </a:rPr>
-              <a:t>includes</a:t>
-            </a:r>
-            <a:r>
-              <a:rPr lang="en-US" b="1" dirty="0" smtClean="0">
-                <a:solidFill>
-                  <a:srgbClr val="FFC000"/>
-                </a:solidFill>
-              </a:rPr>
-              <a:t>() </a:t>
-            </a:r>
-            <a:r>
-              <a:rPr lang="en-US" b="1" dirty="0" smtClean="0"/>
-              <a:t>&amp;</a:t>
-            </a:r>
-            <a:r>
-              <a:rPr lang="en-US" b="1" dirty="0" smtClean="0">
-                <a:solidFill>
-                  <a:srgbClr val="FFC000"/>
-                </a:solidFill>
-              </a:rPr>
-              <a:t> </a:t>
-            </a:r>
-            <a:r>
-              <a:rPr lang="en-US" b="1" dirty="0" err="1" smtClean="0">
-                <a:solidFill>
-                  <a:srgbClr val="FFC000"/>
-                </a:solidFill>
-              </a:rPr>
-              <a:t>ForEach</a:t>
-            </a:r>
-            <a:r>
-              <a:rPr lang="en-US" b="1" dirty="0" smtClean="0">
-                <a:solidFill>
-                  <a:srgbClr val="FFC000"/>
-                </a:solidFill>
-              </a:rPr>
-              <a:t>()</a:t>
-            </a:r>
-            <a:endParaRPr lang="bg-BG" b="1" dirty="0">
-              <a:solidFill>
-                <a:srgbClr val="FFC000"/>
-              </a:solidFill>
-            </a:endParaRPr>
-          </a:p>
-        </p:txBody>
-      </p:sp>
-      <p:pic>
-        <p:nvPicPr>
-          <p:cNvPr id="7170" name="Picture 2"/>
-          <p:cNvPicPr>
-            <a:picLocks noChangeAspect="1" noChangeArrowheads="1"/>
-          </p:cNvPicPr>
-          <p:nvPr/>
-        </p:nvPicPr>
-        <p:blipFill>
-          <a:blip r:embed="rId2">
-            <a:extLst>
-              <a:ext uri="{28A0092B-C50C-407E-A947-70E740481C1C}">
-                <a14:useLocalDpi xmlns:a14="http://schemas.microsoft.com/office/drawing/2010/main" val="0"/>
-              </a:ext>
-            </a:extLst>
-          </a:blip>
-          <a:srcRect/>
-          <a:stretch>
-            <a:fillRect/>
-          </a:stretch>
-        </p:blipFill>
-        <p:spPr bwMode="auto">
-          <a:xfrm>
-            <a:off x="762000" y="2819400"/>
-            <a:ext cx="5419725" cy="895350"/>
-          </a:xfrm>
-          <a:prstGeom prst="rect">
-            <a:avLst/>
-          </a:prstGeom>
-          <a:noFill/>
-          <a:ln>
-            <a:noFill/>
-          </a:ln>
-          <a:effectLst/>
-          <a:extLst>
-            <a:ext uri="{909E8E84-426E-40DD-AFC4-6F175D3DCCD1}">
-              <a14:hiddenFill xmlns:a14="http://schemas.microsoft.com/office/drawing/2010/main">
-                <a:solidFill>
-                  <a:schemeClr val="accent1"/>
-                </a:solidFill>
-              </a14:hiddenFill>
-            </a:ext>
-            <a:ext uri="{91240B29-F687-4F45-9708-019B960494DF}">
-              <a14:hiddenLine xmlns:a14="http://schemas.microsoft.com/office/drawing/2010/main" w="9525">
-                <a:solidFill>
-                  <a:schemeClr val="tx1"/>
-                </a:solidFill>
-                <a:miter lim="800000"/>
-                <a:headEnd/>
-                <a:tailEnd/>
-              </a14:hiddenLine>
-            </a:ext>
-            <a:ext uri="{AF507438-7753-43E0-B8FC-AC1667EBCBE1}">
-              <a14:hiddenEffects xmlns:a14="http://schemas.microsoft.com/office/drawing/2010/main">
-                <a:effectLst>
-                  <a:outerShdw dist="35921" dir="2700000" algn="ctr" rotWithShape="0">
-                    <a:schemeClr val="bg2"/>
-                  </a:outerShdw>
-                </a:effectLst>
-              </a14:hiddenEffects>
-            </a:ext>
-          </a:extLst>
-        </p:spPr>
-      </p:pic>
-      <p:pic>
-        <p:nvPicPr>
-          <p:cNvPr id="1026" name="Picture 2"/>
-          <p:cNvPicPr>
-            <a:picLocks noChangeAspect="1" noChangeArrowheads="1"/>
-          </p:cNvPicPr>
-          <p:nvPr/>
-        </p:nvPicPr>
-        <p:blipFill>
-          <a:blip r:embed="rId3">
-            <a:extLst>
-              <a:ext uri="{28A0092B-C50C-407E-A947-70E740481C1C}">
-                <a14:useLocalDpi xmlns:a14="http://schemas.microsoft.com/office/drawing/2010/main" val="0"/>
-              </a:ext>
-            </a:extLst>
-          </a:blip>
-          <a:srcRect/>
-          <a:stretch>
-            <a:fillRect/>
-          </a:stretch>
-        </p:blipFill>
-        <p:spPr bwMode="auto">
-          <a:xfrm>
-            <a:off x="762000" y="3962400"/>
-            <a:ext cx="3324225" cy="2000250"/>
-          </a:xfrm>
-          <a:prstGeom prst="rect">
-            <a:avLst/>
-          </a:prstGeom>
-          <a:noFill/>
-          <a:ln>
-            <a:noFill/>
-          </a:ln>
-          <a:effectLst/>
-          <a:extLst>
-            <a:ext uri="{909E8E84-426E-40DD-AFC4-6F175D3DCCD1}">
-              <a14:hiddenFill xmlns:a14="http://schemas.microsoft.com/office/drawing/2010/main">
-                <a:solidFill>
-                  <a:schemeClr val="accent1"/>
-                </a:solidFill>
-              </a14:hiddenFill>
-            </a:ext>
-            <a:ext uri="{91240B29-F687-4F45-9708-019B960494DF}">
-              <a14:hiddenLine xmlns:a14="http://schemas.microsoft.com/office/drawing/2010/main" w="9525">
-                <a:solidFill>
-                  <a:schemeClr val="tx1"/>
-                </a:solidFill>
-                <a:miter lim="800000"/>
-                <a:headEnd/>
-                <a:tailEnd/>
-              </a14:hiddenLine>
-            </a:ext>
-            <a:ext uri="{AF507438-7753-43E0-B8FC-AC1667EBCBE1}">
-              <a14:hiddenEffects xmlns:a14="http://schemas.microsoft.com/office/drawing/2010/main">
-                <a:effectLst>
-                  <a:outerShdw dist="35921" dir="2700000" algn="ctr" rotWithShape="0">
-                    <a:schemeClr val="bg2"/>
-                  </a:outerShdw>
-                </a:effectLst>
-              </a14:hiddenEffects>
-            </a:ext>
-          </a:extLst>
-        </p:spPr>
-      </p:pic>
-    </p:spTree>
-    <p:extLst>
-      <p:ext uri="{BB962C8B-B14F-4D97-AF65-F5344CB8AC3E}">
-        <p14:creationId xmlns:p14="http://schemas.microsoft.com/office/powerpoint/2010/main" val="2113740902"/>
       </p:ext>
     </p:extLst>
   </p:cSld>
@@ -28633,6 +28905,286 @@
           <a:lstStyle/>
           <a:p>
             <a:r>
+              <a:rPr lang="en-US" dirty="0" err="1"/>
+              <a:t>ECMAScript</a:t>
+            </a:r>
+            <a:r>
+              <a:rPr lang="en-US" dirty="0"/>
+              <a:t> 2016 introduced </a:t>
+            </a:r>
+            <a:r>
+              <a:rPr lang="en-US" dirty="0" err="1"/>
+              <a:t>Array.includes</a:t>
+            </a:r>
+            <a:r>
+              <a:rPr lang="en-US" dirty="0"/>
+              <a:t>() to arrays. This allows us to check if an element is present in an array (including </a:t>
+            </a:r>
+            <a:r>
+              <a:rPr lang="en-US" dirty="0" err="1"/>
+              <a:t>NaN</a:t>
+            </a:r>
+            <a:r>
+              <a:rPr lang="en-US" dirty="0"/>
+              <a:t>, unlike </a:t>
+            </a:r>
+            <a:r>
+              <a:rPr lang="en-US" dirty="0" err="1"/>
+              <a:t>indexOf</a:t>
+            </a:r>
+            <a:r>
+              <a:rPr lang="en-US" dirty="0"/>
+              <a:t>).</a:t>
+            </a:r>
+            <a:endParaRPr lang="bg-BG" dirty="0"/>
+          </a:p>
+        </p:txBody>
+      </p:sp>
+      <p:sp>
+        <p:nvSpPr>
+          <p:cNvPr id="3" name="Title 2"/>
+          <p:cNvSpPr>
+            <a:spLocks noGrp="1"/>
+          </p:cNvSpPr>
+          <p:nvPr>
+            <p:ph type="title"/>
+          </p:nvPr>
+        </p:nvSpPr>
+        <p:spPr/>
+        <p:txBody>
+          <a:bodyPr/>
+          <a:lstStyle/>
+          <a:p>
+            <a:r>
+              <a:rPr lang="en-US" dirty="0"/>
+              <a:t>Array </a:t>
+            </a:r>
+            <a:r>
+              <a:rPr lang="en-US" b="1" dirty="0">
+                <a:solidFill>
+                  <a:srgbClr val="FFC000"/>
+                </a:solidFill>
+              </a:rPr>
+              <a:t>includes</a:t>
+            </a:r>
+            <a:r>
+              <a:rPr lang="en-US" b="1" dirty="0" smtClean="0">
+                <a:solidFill>
+                  <a:srgbClr val="FFC000"/>
+                </a:solidFill>
+              </a:rPr>
+              <a:t>() </a:t>
+            </a:r>
+            <a:r>
+              <a:rPr lang="en-US" b="1" dirty="0" smtClean="0"/>
+              <a:t>&amp;</a:t>
+            </a:r>
+            <a:r>
+              <a:rPr lang="en-US" b="1" dirty="0" smtClean="0">
+                <a:solidFill>
+                  <a:srgbClr val="FFC000"/>
+                </a:solidFill>
+              </a:rPr>
+              <a:t> </a:t>
+            </a:r>
+            <a:r>
+              <a:rPr lang="en-US" b="1" dirty="0" err="1" smtClean="0">
+                <a:solidFill>
+                  <a:srgbClr val="FFC000"/>
+                </a:solidFill>
+              </a:rPr>
+              <a:t>ForEach</a:t>
+            </a:r>
+            <a:r>
+              <a:rPr lang="en-US" b="1" dirty="0" smtClean="0">
+                <a:solidFill>
+                  <a:srgbClr val="FFC000"/>
+                </a:solidFill>
+              </a:rPr>
+              <a:t>()</a:t>
+            </a:r>
+            <a:endParaRPr lang="bg-BG" b="1" dirty="0">
+              <a:solidFill>
+                <a:srgbClr val="FFC000"/>
+              </a:solidFill>
+            </a:endParaRPr>
+          </a:p>
+        </p:txBody>
+      </p:sp>
+      <p:pic>
+        <p:nvPicPr>
+          <p:cNvPr id="7170" name="Picture 2"/>
+          <p:cNvPicPr>
+            <a:picLocks noChangeAspect="1" noChangeArrowheads="1"/>
+          </p:cNvPicPr>
+          <p:nvPr/>
+        </p:nvPicPr>
+        <p:blipFill>
+          <a:blip r:embed="rId2">
+            <a:extLst>
+              <a:ext uri="{28A0092B-C50C-407E-A947-70E740481C1C}">
+                <a14:useLocalDpi xmlns:a14="http://schemas.microsoft.com/office/drawing/2010/main" val="0"/>
+              </a:ext>
+            </a:extLst>
+          </a:blip>
+          <a:srcRect/>
+          <a:stretch>
+            <a:fillRect/>
+          </a:stretch>
+        </p:blipFill>
+        <p:spPr bwMode="auto">
+          <a:xfrm>
+            <a:off x="762000" y="2819400"/>
+            <a:ext cx="5419725" cy="895350"/>
+          </a:xfrm>
+          <a:prstGeom prst="rect">
+            <a:avLst/>
+          </a:prstGeom>
+          <a:noFill/>
+          <a:ln>
+            <a:noFill/>
+          </a:ln>
+          <a:effectLst/>
+          <a:extLst>
+            <a:ext uri="{909E8E84-426E-40DD-AFC4-6F175D3DCCD1}">
+              <a14:hiddenFill xmlns:a14="http://schemas.microsoft.com/office/drawing/2010/main">
+                <a:solidFill>
+                  <a:schemeClr val="accent1"/>
+                </a:solidFill>
+              </a14:hiddenFill>
+            </a:ext>
+            <a:ext uri="{91240B29-F687-4F45-9708-019B960494DF}">
+              <a14:hiddenLine xmlns:a14="http://schemas.microsoft.com/office/drawing/2010/main" w="9525">
+                <a:solidFill>
+                  <a:schemeClr val="tx1"/>
+                </a:solidFill>
+                <a:miter lim="800000"/>
+                <a:headEnd/>
+                <a:tailEnd/>
+              </a14:hiddenLine>
+            </a:ext>
+            <a:ext uri="{AF507438-7753-43E0-B8FC-AC1667EBCBE1}">
+              <a14:hiddenEffects xmlns:a14="http://schemas.microsoft.com/office/drawing/2010/main">
+                <a:effectLst>
+                  <a:outerShdw dist="35921" dir="2700000" algn="ctr" rotWithShape="0">
+                    <a:schemeClr val="bg2"/>
+                  </a:outerShdw>
+                </a:effectLst>
+              </a14:hiddenEffects>
+            </a:ext>
+          </a:extLst>
+        </p:spPr>
+      </p:pic>
+      <p:pic>
+        <p:nvPicPr>
+          <p:cNvPr id="1026" name="Picture 2"/>
+          <p:cNvPicPr>
+            <a:picLocks noChangeAspect="1" noChangeArrowheads="1"/>
+          </p:cNvPicPr>
+          <p:nvPr/>
+        </p:nvPicPr>
+        <p:blipFill>
+          <a:blip r:embed="rId3">
+            <a:extLst>
+              <a:ext uri="{28A0092B-C50C-407E-A947-70E740481C1C}">
+                <a14:useLocalDpi xmlns:a14="http://schemas.microsoft.com/office/drawing/2010/main" val="0"/>
+              </a:ext>
+            </a:extLst>
+          </a:blip>
+          <a:srcRect/>
+          <a:stretch>
+            <a:fillRect/>
+          </a:stretch>
+        </p:blipFill>
+        <p:spPr bwMode="auto">
+          <a:xfrm>
+            <a:off x="762000" y="3962400"/>
+            <a:ext cx="3324225" cy="2000250"/>
+          </a:xfrm>
+          <a:prstGeom prst="rect">
+            <a:avLst/>
+          </a:prstGeom>
+          <a:noFill/>
+          <a:ln>
+            <a:noFill/>
+          </a:ln>
+          <a:effectLst/>
+          <a:extLst>
+            <a:ext uri="{909E8E84-426E-40DD-AFC4-6F175D3DCCD1}">
+              <a14:hiddenFill xmlns:a14="http://schemas.microsoft.com/office/drawing/2010/main">
+                <a:solidFill>
+                  <a:schemeClr val="accent1"/>
+                </a:solidFill>
+              </a14:hiddenFill>
+            </a:ext>
+            <a:ext uri="{91240B29-F687-4F45-9708-019B960494DF}">
+              <a14:hiddenLine xmlns:a14="http://schemas.microsoft.com/office/drawing/2010/main" w="9525">
+                <a:solidFill>
+                  <a:schemeClr val="tx1"/>
+                </a:solidFill>
+                <a:miter lim="800000"/>
+                <a:headEnd/>
+                <a:tailEnd/>
+              </a14:hiddenLine>
+            </a:ext>
+            <a:ext uri="{AF507438-7753-43E0-B8FC-AC1667EBCBE1}">
+              <a14:hiddenEffects xmlns:a14="http://schemas.microsoft.com/office/drawing/2010/main">
+                <a:effectLst>
+                  <a:outerShdw dist="35921" dir="2700000" algn="ctr" rotWithShape="0">
+                    <a:schemeClr val="bg2"/>
+                  </a:outerShdw>
+                </a:effectLst>
+              </a14:hiddenEffects>
+            </a:ext>
+          </a:extLst>
+        </p:spPr>
+      </p:pic>
+    </p:spTree>
+    <p:extLst>
+      <p:ext uri="{BB962C8B-B14F-4D97-AF65-F5344CB8AC3E}">
+        <p14:creationId xmlns:p14="http://schemas.microsoft.com/office/powerpoint/2010/main" val="2113740902"/>
+      </p:ext>
+    </p:extLst>
+  </p:cSld>
+  <p:clrMapOvr>
+    <a:masterClrMapping/>
+  </p:clrMapOvr>
+</p:sld>
+</file>
+
+<file path=ppt/slides/slide81.xml><?xml version="1.0" encoding="utf-8"?>
+<p:sld xmlns:a="http://schemas.openxmlformats.org/drawingml/2006/main" xmlns:r="http://schemas.openxmlformats.org/officeDocument/2006/relationships" xmlns:p="http://schemas.openxmlformats.org/presentationml/2006/main">
+  <p:cSld>
+    <p:spTree>
+      <p:nvGrpSpPr>
+        <p:cNvPr id="1" name=""/>
+        <p:cNvGrpSpPr/>
+        <p:nvPr/>
+      </p:nvGrpSpPr>
+      <p:grpSpPr>
+        <a:xfrm>
+          <a:off x="0" y="0"/>
+          <a:ext cx="0" cy="0"/>
+          <a:chOff x="0" y="0"/>
+          <a:chExt cx="0" cy="0"/>
+        </a:xfrm>
+      </p:grpSpPr>
+      <p:sp>
+        <p:nvSpPr>
+          <p:cNvPr id="2" name="Content Placeholder 1"/>
+          <p:cNvSpPr>
+            <a:spLocks noGrp="1"/>
+          </p:cNvSpPr>
+          <p:nvPr>
+            <p:ph idx="1"/>
+          </p:nvPr>
+        </p:nvSpPr>
+        <p:spPr/>
+        <p:txBody>
+          <a:bodyPr/>
+          <a:lstStyle/>
+          <a:p>
+            <a:r>
               <a:rPr lang="en-US" dirty="0"/>
               <a:t>The reverse() method reverses the order of the elements in an array.</a:t>
             </a:r>
@@ -28764,7 +29316,7 @@
 </p:sld>
 </file>
 
-<file path=ppt/slides/slide81.xml><?xml version="1.0" encoding="utf-8"?>
+<file path=ppt/slides/slide82.xml><?xml version="1.0" encoding="utf-8"?>
 <p:sld xmlns:a="http://schemas.openxmlformats.org/drawingml/2006/main" xmlns:r="http://schemas.openxmlformats.org/officeDocument/2006/relationships" xmlns:p="http://schemas.openxmlformats.org/presentationml/2006/main">
   <p:cSld>
     <p:spTree>
@@ -29009,7 +29561,7 @@
 </p:sld>
 </file>
 
-<file path=ppt/slides/slide82.xml><?xml version="1.0" encoding="utf-8"?>
+<file path=ppt/slides/slide83.xml><?xml version="1.0" encoding="utf-8"?>
 <p:sld xmlns:a="http://schemas.openxmlformats.org/drawingml/2006/main" xmlns:r="http://schemas.openxmlformats.org/officeDocument/2006/relationships" xmlns:p="http://schemas.openxmlformats.org/presentationml/2006/main">
   <p:cSld>
     <p:spTree>
@@ -29066,7 +29618,7 @@
 </p:sld>
 </file>
 
-<file path=ppt/slides/slide83.xml><?xml version="1.0" encoding="utf-8"?>
+<file path=ppt/slides/slide84.xml><?xml version="1.0" encoding="utf-8"?>
 <p:sld xmlns:a="http://schemas.openxmlformats.org/drawingml/2006/main" xmlns:r="http://schemas.openxmlformats.org/officeDocument/2006/relationships" xmlns:p="http://schemas.openxmlformats.org/presentationml/2006/main">
   <p:cSld>
     <p:spTree>
@@ -29463,7 +30015,7 @@
 </p:sld>
 </file>
 
-<file path=ppt/slides/slide84.xml><?xml version="1.0" encoding="utf-8"?>
+<file path=ppt/slides/slide85.xml><?xml version="1.0" encoding="utf-8"?>
 <p:sld xmlns:a="http://schemas.openxmlformats.org/drawingml/2006/main" xmlns:r="http://schemas.openxmlformats.org/officeDocument/2006/relationships" xmlns:p="http://schemas.openxmlformats.org/presentationml/2006/main">
   <p:cSld>
     <p:spTree>
@@ -29698,7 +30250,7 @@
 </p:sld>
 </file>
 
-<file path=ppt/slides/slide85.xml><?xml version="1.0" encoding="utf-8"?>
+<file path=ppt/slides/slide86.xml><?xml version="1.0" encoding="utf-8"?>
 <p:sld xmlns:a="http://schemas.openxmlformats.org/drawingml/2006/main" xmlns:r="http://schemas.openxmlformats.org/officeDocument/2006/relationships" xmlns:p="http://schemas.openxmlformats.org/presentationml/2006/main">
   <p:cSld>
     <p:spTree>
@@ -29896,7 +30448,7 @@
 </p:sld>
 </file>
 
-<file path=ppt/slides/slide86.xml><?xml version="1.0" encoding="utf-8"?>
+<file path=ppt/slides/slide87.xml><?xml version="1.0" encoding="utf-8"?>
 <p:sld xmlns:a="http://schemas.openxmlformats.org/drawingml/2006/main" xmlns:r="http://schemas.openxmlformats.org/officeDocument/2006/relationships" xmlns:p="http://schemas.openxmlformats.org/presentationml/2006/main">
   <p:cSld>
     <p:spTree>
@@ -30108,7 +30660,7 @@
 </p:sld>
 </file>
 
-<file path=ppt/slides/slide87.xml><?xml version="1.0" encoding="utf-8"?>
+<file path=ppt/slides/slide88.xml><?xml version="1.0" encoding="utf-8"?>
 <p:sld xmlns:a="http://schemas.openxmlformats.org/drawingml/2006/main" xmlns:r="http://schemas.openxmlformats.org/officeDocument/2006/relationships" xmlns:p="http://schemas.openxmlformats.org/presentationml/2006/main">
   <p:cSld>
     <p:spTree>
@@ -30401,7 +30953,7 @@
 </p:sld>
 </file>
 
-<file path=ppt/slides/slide88.xml><?xml version="1.0" encoding="utf-8"?>
+<file path=ppt/slides/slide89.xml><?xml version="1.0" encoding="utf-8"?>
 <p:sld xmlns:a="http://schemas.openxmlformats.org/drawingml/2006/main" xmlns:r="http://schemas.openxmlformats.org/officeDocument/2006/relationships" xmlns:p="http://schemas.openxmlformats.org/presentationml/2006/main">
   <p:cSld>
     <p:spTree>
@@ -30861,353 +31413,6 @@
     <p:extLst>
       <p:ext uri="{BB962C8B-B14F-4D97-AF65-F5344CB8AC3E}">
         <p14:creationId xmlns:p14="http://schemas.microsoft.com/office/powerpoint/2010/main" val="3655666341"/>
-      </p:ext>
-    </p:extLst>
-  </p:cSld>
-  <p:clrMapOvr>
-    <a:masterClrMapping/>
-  </p:clrMapOvr>
-</p:sld>
-</file>
-
-<file path=ppt/slides/slide89.xml><?xml version="1.0" encoding="utf-8"?>
-<p:sld xmlns:a="http://schemas.openxmlformats.org/drawingml/2006/main" xmlns:r="http://schemas.openxmlformats.org/officeDocument/2006/relationships" xmlns:p="http://schemas.openxmlformats.org/presentationml/2006/main">
-  <p:cSld>
-    <p:spTree>
-      <p:nvGrpSpPr>
-        <p:cNvPr id="1" name=""/>
-        <p:cNvGrpSpPr/>
-        <p:nvPr/>
-      </p:nvGrpSpPr>
-      <p:grpSpPr>
-        <a:xfrm>
-          <a:off x="0" y="0"/>
-          <a:ext cx="0" cy="0"/>
-          <a:chOff x="0" y="0"/>
-          <a:chExt cx="0" cy="0"/>
-        </a:xfrm>
-      </p:grpSpPr>
-      <p:sp>
-        <p:nvSpPr>
-          <p:cNvPr id="2" name="Content Placeholder 1"/>
-          <p:cNvSpPr>
-            <a:spLocks noGrp="1"/>
-          </p:cNvSpPr>
-          <p:nvPr>
-            <p:ph idx="1"/>
-          </p:nvPr>
-        </p:nvSpPr>
-        <p:spPr>
-          <a:xfrm>
-            <a:off x="380999" y="1719070"/>
-            <a:ext cx="8407893" cy="4986529"/>
-          </a:xfrm>
-        </p:spPr>
-        <p:txBody>
-          <a:bodyPr>
-            <a:normAutofit lnSpcReduction="10000"/>
-          </a:bodyPr>
-          <a:lstStyle/>
-          <a:p>
-            <a:r>
-              <a:rPr lang="en-US" dirty="0"/>
-              <a:t>Arrow functions allows a short syntax for writing function expressions.</a:t>
-            </a:r>
-          </a:p>
-          <a:p>
-            <a:r>
-              <a:rPr lang="en-US" dirty="0"/>
-              <a:t>You don't need the function keyword, the return keyword, and the </a:t>
-            </a:r>
-            <a:r>
-              <a:rPr lang="en-US" b="1" dirty="0"/>
-              <a:t>curly brackets</a:t>
-            </a:r>
-            <a:r>
-              <a:rPr lang="en-US" dirty="0"/>
-              <a:t>.</a:t>
-            </a:r>
-          </a:p>
-          <a:p>
-            <a:endParaRPr lang="en-US" dirty="0" smtClean="0"/>
-          </a:p>
-          <a:p>
-            <a:endParaRPr lang="en-US" dirty="0"/>
-          </a:p>
-          <a:p>
-            <a:endParaRPr lang="en-US" dirty="0" smtClean="0"/>
-          </a:p>
-          <a:p>
-            <a:endParaRPr lang="en-US" dirty="0"/>
-          </a:p>
-          <a:p>
-            <a:r>
-              <a:rPr lang="en-US" dirty="0"/>
-              <a:t>Arrow functions are not hoisted. They must be defined </a:t>
-            </a:r>
-            <a:r>
-              <a:rPr lang="en-US" b="1" dirty="0"/>
-              <a:t>before</a:t>
-            </a:r>
-            <a:r>
-              <a:rPr lang="en-US" dirty="0"/>
-              <a:t> they are used.</a:t>
-            </a:r>
-          </a:p>
-          <a:p>
-            <a:r>
-              <a:rPr lang="en-US" dirty="0"/>
-              <a:t>Using </a:t>
-            </a:r>
-            <a:r>
-              <a:rPr lang="en-US" dirty="0" err="1"/>
-              <a:t>const</a:t>
-            </a:r>
-            <a:r>
-              <a:rPr lang="en-US" dirty="0"/>
-              <a:t> is safer than using </a:t>
-            </a:r>
-            <a:r>
-              <a:rPr lang="en-US" dirty="0" err="1"/>
-              <a:t>var</a:t>
-            </a:r>
-            <a:r>
-              <a:rPr lang="en-US" dirty="0"/>
-              <a:t>, because a function expression is always constant value.</a:t>
-            </a:r>
-          </a:p>
-          <a:p>
-            <a:r>
-              <a:rPr lang="en-US" dirty="0"/>
-              <a:t>You can only omit the return keyword and the curly brackets if the function is a single statement. Because of this, it might be a good habit to always keep them:</a:t>
-            </a:r>
-          </a:p>
-          <a:p>
-            <a:endParaRPr lang="bg-BG" dirty="0"/>
-          </a:p>
-        </p:txBody>
-      </p:sp>
-      <p:sp>
-        <p:nvSpPr>
-          <p:cNvPr id="3" name="Title 2"/>
-          <p:cNvSpPr>
-            <a:spLocks noGrp="1"/>
-          </p:cNvSpPr>
-          <p:nvPr>
-            <p:ph type="title"/>
-          </p:nvPr>
-        </p:nvSpPr>
-        <p:spPr/>
-        <p:txBody>
-          <a:bodyPr/>
-          <a:lstStyle/>
-          <a:p>
-            <a:r>
-              <a:rPr lang="en-US" dirty="0"/>
-              <a:t>Arrow </a:t>
-            </a:r>
-            <a:r>
-              <a:rPr lang="en-US" dirty="0" smtClean="0"/>
-              <a:t>Functions</a:t>
-            </a:r>
-            <a:endParaRPr lang="bg-BG" dirty="0"/>
-          </a:p>
-        </p:txBody>
-      </p:sp>
-      <p:pic>
-        <p:nvPicPr>
-          <p:cNvPr id="8194" name="Picture 2"/>
-          <p:cNvPicPr>
-            <a:picLocks noChangeAspect="1" noChangeArrowheads="1"/>
-          </p:cNvPicPr>
-          <p:nvPr/>
-        </p:nvPicPr>
-        <p:blipFill rotWithShape="1">
-          <a:blip r:embed="rId2">
-            <a:extLst>
-              <a:ext uri="{28A0092B-C50C-407E-A947-70E740481C1C}">
-                <a14:useLocalDpi xmlns:a14="http://schemas.microsoft.com/office/drawing/2010/main" val="0"/>
-              </a:ext>
-            </a:extLst>
-          </a:blip>
-          <a:srcRect b="44273"/>
-          <a:stretch/>
-        </p:blipFill>
-        <p:spPr bwMode="auto">
-          <a:xfrm>
-            <a:off x="762000" y="3200401"/>
-            <a:ext cx="2990850" cy="1088136"/>
-          </a:xfrm>
-          <a:prstGeom prst="rect">
-            <a:avLst/>
-          </a:prstGeom>
-          <a:noFill/>
-          <a:ln>
-            <a:noFill/>
-          </a:ln>
-          <a:effectLst/>
-          <a:extLst>
-            <a:ext uri="{909E8E84-426E-40DD-AFC4-6F175D3DCCD1}">
-              <a14:hiddenFill xmlns:a14="http://schemas.microsoft.com/office/drawing/2010/main">
-                <a:solidFill>
-                  <a:schemeClr val="accent1"/>
-                </a:solidFill>
-              </a14:hiddenFill>
-            </a:ext>
-            <a:ext uri="{91240B29-F687-4F45-9708-019B960494DF}">
-              <a14:hiddenLine xmlns:a14="http://schemas.microsoft.com/office/drawing/2010/main" w="9525">
-                <a:solidFill>
-                  <a:schemeClr val="tx1"/>
-                </a:solidFill>
-                <a:miter lim="800000"/>
-                <a:headEnd/>
-                <a:tailEnd/>
-              </a14:hiddenLine>
-            </a:ext>
-            <a:ext uri="{AF507438-7753-43E0-B8FC-AC1667EBCBE1}">
-              <a14:hiddenEffects xmlns:a14="http://schemas.microsoft.com/office/drawing/2010/main">
-                <a:effectLst>
-                  <a:outerShdw dist="35921" dir="2700000" algn="ctr" rotWithShape="0">
-                    <a:schemeClr val="bg2"/>
-                  </a:outerShdw>
-                </a:effectLst>
-              </a14:hiddenEffects>
-            </a:ext>
-          </a:extLst>
-        </p:spPr>
-      </p:pic>
-      <p:pic>
-        <p:nvPicPr>
-          <p:cNvPr id="8195" name="Picture 3"/>
-          <p:cNvPicPr>
-            <a:picLocks noChangeAspect="1" noChangeArrowheads="1"/>
-          </p:cNvPicPr>
-          <p:nvPr/>
-        </p:nvPicPr>
-        <p:blipFill>
-          <a:blip r:embed="rId3">
-            <a:extLst>
-              <a:ext uri="{28A0092B-C50C-407E-A947-70E740481C1C}">
-                <a14:useLocalDpi xmlns:a14="http://schemas.microsoft.com/office/drawing/2010/main" val="0"/>
-              </a:ext>
-            </a:extLst>
-          </a:blip>
-          <a:srcRect/>
-          <a:stretch>
-            <a:fillRect/>
-          </a:stretch>
-        </p:blipFill>
-        <p:spPr bwMode="auto">
-          <a:xfrm>
-            <a:off x="3866473" y="3200402"/>
-            <a:ext cx="2671474" cy="609598"/>
-          </a:xfrm>
-          <a:prstGeom prst="rect">
-            <a:avLst/>
-          </a:prstGeom>
-          <a:noFill/>
-          <a:ln>
-            <a:noFill/>
-          </a:ln>
-          <a:effectLst/>
-          <a:extLst>
-            <a:ext uri="{909E8E84-426E-40DD-AFC4-6F175D3DCCD1}">
-              <a14:hiddenFill xmlns:a14="http://schemas.microsoft.com/office/drawing/2010/main">
-                <a:solidFill>
-                  <a:schemeClr val="accent1"/>
-                </a:solidFill>
-              </a14:hiddenFill>
-            </a:ext>
-            <a:ext uri="{91240B29-F687-4F45-9708-019B960494DF}">
-              <a14:hiddenLine xmlns:a14="http://schemas.microsoft.com/office/drawing/2010/main" w="9525">
-                <a:solidFill>
-                  <a:schemeClr val="tx1"/>
-                </a:solidFill>
-                <a:miter lim="800000"/>
-                <a:headEnd/>
-                <a:tailEnd/>
-              </a14:hiddenLine>
-            </a:ext>
-            <a:ext uri="{AF507438-7753-43E0-B8FC-AC1667EBCBE1}">
-              <a14:hiddenEffects xmlns:a14="http://schemas.microsoft.com/office/drawing/2010/main">
-                <a:effectLst>
-                  <a:outerShdw dist="35921" dir="2700000" algn="ctr" rotWithShape="0">
-                    <a:schemeClr val="bg2"/>
-                  </a:outerShdw>
-                </a:effectLst>
-              </a14:hiddenEffects>
-            </a:ext>
-          </a:extLst>
-        </p:spPr>
-      </p:pic>
-      <p:pic>
-        <p:nvPicPr>
-          <p:cNvPr id="8196" name="Picture 4"/>
-          <p:cNvPicPr>
-            <a:picLocks noChangeAspect="1" noChangeArrowheads="1"/>
-          </p:cNvPicPr>
-          <p:nvPr/>
-        </p:nvPicPr>
-        <p:blipFill>
-          <a:blip r:embed="rId4">
-            <a:extLst>
-              <a:ext uri="{28A0092B-C50C-407E-A947-70E740481C1C}">
-                <a14:useLocalDpi xmlns:a14="http://schemas.microsoft.com/office/drawing/2010/main" val="0"/>
-              </a:ext>
-            </a:extLst>
-          </a:blip>
-          <a:srcRect/>
-          <a:stretch>
-            <a:fillRect/>
-          </a:stretch>
-        </p:blipFill>
-        <p:spPr bwMode="auto">
-          <a:xfrm>
-            <a:off x="3866473" y="3878962"/>
-            <a:ext cx="3771900" cy="409575"/>
-          </a:xfrm>
-          <a:prstGeom prst="rect">
-            <a:avLst/>
-          </a:prstGeom>
-          <a:noFill/>
-          <a:ln>
-            <a:noFill/>
-          </a:ln>
-          <a:effectLst/>
-          <a:extLst>
-            <a:ext uri="{909E8E84-426E-40DD-AFC4-6F175D3DCCD1}">
-              <a14:hiddenFill xmlns:a14="http://schemas.microsoft.com/office/drawing/2010/main">
-                <a:solidFill>
-                  <a:schemeClr val="accent1"/>
-                </a:solidFill>
-              </a14:hiddenFill>
-            </a:ext>
-            <a:ext uri="{91240B29-F687-4F45-9708-019B960494DF}">
-              <a14:hiddenLine xmlns:a14="http://schemas.microsoft.com/office/drawing/2010/main" w="9525">
-                <a:solidFill>
-                  <a:schemeClr val="tx1"/>
-                </a:solidFill>
-                <a:miter lim="800000"/>
-                <a:headEnd/>
-                <a:tailEnd/>
-              </a14:hiddenLine>
-            </a:ext>
-            <a:ext uri="{AF507438-7753-43E0-B8FC-AC1667EBCBE1}">
-              <a14:hiddenEffects xmlns:a14="http://schemas.microsoft.com/office/drawing/2010/main">
-                <a:effectLst>
-                  <a:outerShdw dist="35921" dir="2700000" algn="ctr" rotWithShape="0">
-                    <a:schemeClr val="bg2"/>
-                  </a:outerShdw>
-                </a:effectLst>
-              </a14:hiddenEffects>
-            </a:ext>
-          </a:extLst>
-        </p:spPr>
-      </p:pic>
-    </p:spTree>
-    <p:extLst>
-      <p:ext uri="{BB962C8B-B14F-4D97-AF65-F5344CB8AC3E}">
-        <p14:creationId xmlns:p14="http://schemas.microsoft.com/office/powerpoint/2010/main" val="2517791348"/>
       </p:ext>
     </p:extLst>
   </p:cSld>
@@ -31586,87 +31791,91 @@
         </p:nvSpPr>
         <p:spPr>
           <a:xfrm>
-            <a:off x="380999" y="1600200"/>
-            <a:ext cx="8407893" cy="4343400"/>
+            <a:off x="380999" y="1719070"/>
+            <a:ext cx="8407893" cy="4986529"/>
           </a:xfrm>
         </p:spPr>
         <p:txBody>
           <a:bodyPr>
-            <a:normAutofit/>
+            <a:normAutofit lnSpcReduction="10000"/>
           </a:bodyPr>
           <a:lstStyle/>
           <a:p>
             <a:r>
               <a:rPr lang="en-US" dirty="0"/>
-              <a:t>Function </a:t>
+              <a:t>Arrow functions allows a short syntax for writing function expressions.</a:t>
+            </a:r>
+          </a:p>
+          <a:p>
+            <a:r>
+              <a:rPr lang="en-US" dirty="0"/>
+              <a:t>You don't need the function keyword, the return keyword, and the </a:t>
             </a:r>
             <a:r>
               <a:rPr lang="en-US" b="1" dirty="0"/>
-              <a:t>parameters</a:t>
-            </a:r>
-            <a:r>
-              <a:rPr lang="en-US" dirty="0"/>
-              <a:t> are the </a:t>
+              <a:t>curly brackets</a:t>
+            </a:r>
+            <a:r>
+              <a:rPr lang="en-US" dirty="0"/>
+              <a:t>.</a:t>
+            </a:r>
+          </a:p>
+          <a:p>
+            <a:endParaRPr lang="en-US" dirty="0" smtClean="0"/>
+          </a:p>
+          <a:p>
+            <a:endParaRPr lang="en-US" dirty="0"/>
+          </a:p>
+          <a:p>
+            <a:endParaRPr lang="en-US" dirty="0" smtClean="0"/>
+          </a:p>
+          <a:p>
+            <a:endParaRPr lang="en-US" dirty="0"/>
+          </a:p>
+          <a:p>
+            <a:r>
+              <a:rPr lang="en-US" dirty="0"/>
+              <a:t>Arrow functions are not hoisted. They must be defined </a:t>
             </a:r>
             <a:r>
               <a:rPr lang="en-US" b="1" dirty="0"/>
-              <a:t>names</a:t>
-            </a:r>
-            <a:r>
-              <a:rPr lang="en-US" dirty="0"/>
-              <a:t> listed in the function definition.</a:t>
-            </a:r>
-          </a:p>
-          <a:p>
-            <a:r>
-              <a:rPr lang="en-US" dirty="0"/>
-              <a:t>Function </a:t>
-            </a:r>
-            <a:r>
-              <a:rPr lang="en-US" b="1" dirty="0"/>
-              <a:t>arguments</a:t>
-            </a:r>
-            <a:r>
-              <a:rPr lang="en-US" dirty="0"/>
-              <a:t> are the real </a:t>
-            </a:r>
-            <a:r>
-              <a:rPr lang="en-US" b="1" dirty="0"/>
-              <a:t>values</a:t>
-            </a:r>
-            <a:r>
-              <a:rPr lang="en-US" dirty="0"/>
-              <a:t> passed to (and received by) the function.</a:t>
-            </a:r>
-          </a:p>
-          <a:p>
-            <a:r>
-              <a:rPr lang="en-US" dirty="0" smtClean="0"/>
-              <a:t>Parameter Rules:</a:t>
-            </a:r>
-          </a:p>
-          <a:p>
-            <a:r>
-              <a:rPr lang="en-US" dirty="0"/>
-              <a:t>JavaScript function definitions do not specify data types for parameters.</a:t>
-            </a:r>
-          </a:p>
-          <a:p>
-            <a:r>
-              <a:rPr lang="en-US" dirty="0"/>
-              <a:t>JavaScript functions do not perform type checking on the passed arguments.</a:t>
-            </a:r>
-          </a:p>
-          <a:p>
-            <a:r>
-              <a:rPr lang="en-US" dirty="0"/>
-              <a:t>JavaScript functions do not check the number of arguments received</a:t>
-            </a:r>
-            <a:r>
-              <a:rPr lang="en-US" dirty="0" smtClean="0"/>
-              <a:t>.</a:t>
-            </a:r>
-            <a:endParaRPr lang="en-US" dirty="0"/>
+              <a:t>before</a:t>
+            </a:r>
+            <a:r>
+              <a:rPr lang="en-US" dirty="0"/>
+              <a:t> they are used.</a:t>
+            </a:r>
+          </a:p>
+          <a:p>
+            <a:r>
+              <a:rPr lang="en-US" dirty="0"/>
+              <a:t>Using </a:t>
+            </a:r>
+            <a:r>
+              <a:rPr lang="en-US" dirty="0" err="1"/>
+              <a:t>const</a:t>
+            </a:r>
+            <a:r>
+              <a:rPr lang="en-US" dirty="0"/>
+              <a:t> is safer than using </a:t>
+            </a:r>
+            <a:r>
+              <a:rPr lang="en-US" dirty="0" err="1"/>
+              <a:t>var</a:t>
+            </a:r>
+            <a:r>
+              <a:rPr lang="en-US" dirty="0"/>
+              <a:t>, because a function expression is always constant value.</a:t>
+            </a:r>
+          </a:p>
+          <a:p>
+            <a:r>
+              <a:rPr lang="en-US" dirty="0"/>
+              <a:t>You can only omit the return keyword and the curly brackets if the function is a single statement. Because of this, it might be a good habit to always keep them:</a:t>
+            </a:r>
+          </a:p>
+          <a:p>
+            <a:endParaRPr lang="bg-BG" dirty="0"/>
           </a:p>
         </p:txBody>
       </p:sp>
@@ -31687,6 +31896,349 @@
           <a:p>
             <a:r>
               <a:rPr lang="en-US" dirty="0"/>
+              <a:t>Arrow </a:t>
+            </a:r>
+            <a:r>
+              <a:rPr lang="en-US" dirty="0" smtClean="0"/>
+              <a:t>Functions</a:t>
+            </a:r>
+            <a:endParaRPr lang="bg-BG" dirty="0"/>
+          </a:p>
+        </p:txBody>
+      </p:sp>
+      <p:pic>
+        <p:nvPicPr>
+          <p:cNvPr id="8194" name="Picture 2"/>
+          <p:cNvPicPr>
+            <a:picLocks noChangeAspect="1" noChangeArrowheads="1"/>
+          </p:cNvPicPr>
+          <p:nvPr/>
+        </p:nvPicPr>
+        <p:blipFill rotWithShape="1">
+          <a:blip r:embed="rId2">
+            <a:extLst>
+              <a:ext uri="{28A0092B-C50C-407E-A947-70E740481C1C}">
+                <a14:useLocalDpi xmlns:a14="http://schemas.microsoft.com/office/drawing/2010/main" val="0"/>
+              </a:ext>
+            </a:extLst>
+          </a:blip>
+          <a:srcRect b="44273"/>
+          <a:stretch/>
+        </p:blipFill>
+        <p:spPr bwMode="auto">
+          <a:xfrm>
+            <a:off x="762000" y="3200401"/>
+            <a:ext cx="2990850" cy="1088136"/>
+          </a:xfrm>
+          <a:prstGeom prst="rect">
+            <a:avLst/>
+          </a:prstGeom>
+          <a:noFill/>
+          <a:ln>
+            <a:noFill/>
+          </a:ln>
+          <a:effectLst/>
+          <a:extLst>
+            <a:ext uri="{909E8E84-426E-40DD-AFC4-6F175D3DCCD1}">
+              <a14:hiddenFill xmlns:a14="http://schemas.microsoft.com/office/drawing/2010/main">
+                <a:solidFill>
+                  <a:schemeClr val="accent1"/>
+                </a:solidFill>
+              </a14:hiddenFill>
+            </a:ext>
+            <a:ext uri="{91240B29-F687-4F45-9708-019B960494DF}">
+              <a14:hiddenLine xmlns:a14="http://schemas.microsoft.com/office/drawing/2010/main" w="9525">
+                <a:solidFill>
+                  <a:schemeClr val="tx1"/>
+                </a:solidFill>
+                <a:miter lim="800000"/>
+                <a:headEnd/>
+                <a:tailEnd/>
+              </a14:hiddenLine>
+            </a:ext>
+            <a:ext uri="{AF507438-7753-43E0-B8FC-AC1667EBCBE1}">
+              <a14:hiddenEffects xmlns:a14="http://schemas.microsoft.com/office/drawing/2010/main">
+                <a:effectLst>
+                  <a:outerShdw dist="35921" dir="2700000" algn="ctr" rotWithShape="0">
+                    <a:schemeClr val="bg2"/>
+                  </a:outerShdw>
+                </a:effectLst>
+              </a14:hiddenEffects>
+            </a:ext>
+          </a:extLst>
+        </p:spPr>
+      </p:pic>
+      <p:pic>
+        <p:nvPicPr>
+          <p:cNvPr id="8195" name="Picture 3"/>
+          <p:cNvPicPr>
+            <a:picLocks noChangeAspect="1" noChangeArrowheads="1"/>
+          </p:cNvPicPr>
+          <p:nvPr/>
+        </p:nvPicPr>
+        <p:blipFill>
+          <a:blip r:embed="rId3">
+            <a:extLst>
+              <a:ext uri="{28A0092B-C50C-407E-A947-70E740481C1C}">
+                <a14:useLocalDpi xmlns:a14="http://schemas.microsoft.com/office/drawing/2010/main" val="0"/>
+              </a:ext>
+            </a:extLst>
+          </a:blip>
+          <a:srcRect/>
+          <a:stretch>
+            <a:fillRect/>
+          </a:stretch>
+        </p:blipFill>
+        <p:spPr bwMode="auto">
+          <a:xfrm>
+            <a:off x="3866473" y="3200402"/>
+            <a:ext cx="2671474" cy="609598"/>
+          </a:xfrm>
+          <a:prstGeom prst="rect">
+            <a:avLst/>
+          </a:prstGeom>
+          <a:noFill/>
+          <a:ln>
+            <a:noFill/>
+          </a:ln>
+          <a:effectLst/>
+          <a:extLst>
+            <a:ext uri="{909E8E84-426E-40DD-AFC4-6F175D3DCCD1}">
+              <a14:hiddenFill xmlns:a14="http://schemas.microsoft.com/office/drawing/2010/main">
+                <a:solidFill>
+                  <a:schemeClr val="accent1"/>
+                </a:solidFill>
+              </a14:hiddenFill>
+            </a:ext>
+            <a:ext uri="{91240B29-F687-4F45-9708-019B960494DF}">
+              <a14:hiddenLine xmlns:a14="http://schemas.microsoft.com/office/drawing/2010/main" w="9525">
+                <a:solidFill>
+                  <a:schemeClr val="tx1"/>
+                </a:solidFill>
+                <a:miter lim="800000"/>
+                <a:headEnd/>
+                <a:tailEnd/>
+              </a14:hiddenLine>
+            </a:ext>
+            <a:ext uri="{AF507438-7753-43E0-B8FC-AC1667EBCBE1}">
+              <a14:hiddenEffects xmlns:a14="http://schemas.microsoft.com/office/drawing/2010/main">
+                <a:effectLst>
+                  <a:outerShdw dist="35921" dir="2700000" algn="ctr" rotWithShape="0">
+                    <a:schemeClr val="bg2"/>
+                  </a:outerShdw>
+                </a:effectLst>
+              </a14:hiddenEffects>
+            </a:ext>
+          </a:extLst>
+        </p:spPr>
+      </p:pic>
+      <p:pic>
+        <p:nvPicPr>
+          <p:cNvPr id="8196" name="Picture 4"/>
+          <p:cNvPicPr>
+            <a:picLocks noChangeAspect="1" noChangeArrowheads="1"/>
+          </p:cNvPicPr>
+          <p:nvPr/>
+        </p:nvPicPr>
+        <p:blipFill>
+          <a:blip r:embed="rId4">
+            <a:extLst>
+              <a:ext uri="{28A0092B-C50C-407E-A947-70E740481C1C}">
+                <a14:useLocalDpi xmlns:a14="http://schemas.microsoft.com/office/drawing/2010/main" val="0"/>
+              </a:ext>
+            </a:extLst>
+          </a:blip>
+          <a:srcRect/>
+          <a:stretch>
+            <a:fillRect/>
+          </a:stretch>
+        </p:blipFill>
+        <p:spPr bwMode="auto">
+          <a:xfrm>
+            <a:off x="3866473" y="3878962"/>
+            <a:ext cx="3771900" cy="409575"/>
+          </a:xfrm>
+          <a:prstGeom prst="rect">
+            <a:avLst/>
+          </a:prstGeom>
+          <a:noFill/>
+          <a:ln>
+            <a:noFill/>
+          </a:ln>
+          <a:effectLst/>
+          <a:extLst>
+            <a:ext uri="{909E8E84-426E-40DD-AFC4-6F175D3DCCD1}">
+              <a14:hiddenFill xmlns:a14="http://schemas.microsoft.com/office/drawing/2010/main">
+                <a:solidFill>
+                  <a:schemeClr val="accent1"/>
+                </a:solidFill>
+              </a14:hiddenFill>
+            </a:ext>
+            <a:ext uri="{91240B29-F687-4F45-9708-019B960494DF}">
+              <a14:hiddenLine xmlns:a14="http://schemas.microsoft.com/office/drawing/2010/main" w="9525">
+                <a:solidFill>
+                  <a:schemeClr val="tx1"/>
+                </a:solidFill>
+                <a:miter lim="800000"/>
+                <a:headEnd/>
+                <a:tailEnd/>
+              </a14:hiddenLine>
+            </a:ext>
+            <a:ext uri="{AF507438-7753-43E0-B8FC-AC1667EBCBE1}">
+              <a14:hiddenEffects xmlns:a14="http://schemas.microsoft.com/office/drawing/2010/main">
+                <a:effectLst>
+                  <a:outerShdw dist="35921" dir="2700000" algn="ctr" rotWithShape="0">
+                    <a:schemeClr val="bg2"/>
+                  </a:outerShdw>
+                </a:effectLst>
+              </a14:hiddenEffects>
+            </a:ext>
+          </a:extLst>
+        </p:spPr>
+      </p:pic>
+    </p:spTree>
+    <p:extLst>
+      <p:ext uri="{BB962C8B-B14F-4D97-AF65-F5344CB8AC3E}">
+        <p14:creationId xmlns:p14="http://schemas.microsoft.com/office/powerpoint/2010/main" val="2517791348"/>
+      </p:ext>
+    </p:extLst>
+  </p:cSld>
+  <p:clrMapOvr>
+    <a:masterClrMapping/>
+  </p:clrMapOvr>
+</p:sld>
+</file>
+
+<file path=ppt/slides/slide91.xml><?xml version="1.0" encoding="utf-8"?>
+<p:sld xmlns:a="http://schemas.openxmlformats.org/drawingml/2006/main" xmlns:r="http://schemas.openxmlformats.org/officeDocument/2006/relationships" xmlns:p="http://schemas.openxmlformats.org/presentationml/2006/main">
+  <p:cSld>
+    <p:spTree>
+      <p:nvGrpSpPr>
+        <p:cNvPr id="1" name=""/>
+        <p:cNvGrpSpPr/>
+        <p:nvPr/>
+      </p:nvGrpSpPr>
+      <p:grpSpPr>
+        <a:xfrm>
+          <a:off x="0" y="0"/>
+          <a:ext cx="0" cy="0"/>
+          <a:chOff x="0" y="0"/>
+          <a:chExt cx="0" cy="0"/>
+        </a:xfrm>
+      </p:grpSpPr>
+      <p:sp>
+        <p:nvSpPr>
+          <p:cNvPr id="2" name="Content Placeholder 1"/>
+          <p:cNvSpPr>
+            <a:spLocks noGrp="1"/>
+          </p:cNvSpPr>
+          <p:nvPr>
+            <p:ph idx="1"/>
+          </p:nvPr>
+        </p:nvSpPr>
+        <p:spPr>
+          <a:xfrm>
+            <a:off x="380999" y="1600200"/>
+            <a:ext cx="8407893" cy="4343400"/>
+          </a:xfrm>
+        </p:spPr>
+        <p:txBody>
+          <a:bodyPr>
+            <a:normAutofit/>
+          </a:bodyPr>
+          <a:lstStyle/>
+          <a:p>
+            <a:r>
+              <a:rPr lang="en-US" dirty="0"/>
+              <a:t>Function </a:t>
+            </a:r>
+            <a:r>
+              <a:rPr lang="en-US" b="1" dirty="0"/>
+              <a:t>parameters</a:t>
+            </a:r>
+            <a:r>
+              <a:rPr lang="en-US" dirty="0"/>
+              <a:t> are the </a:t>
+            </a:r>
+            <a:r>
+              <a:rPr lang="en-US" b="1" dirty="0"/>
+              <a:t>names</a:t>
+            </a:r>
+            <a:r>
+              <a:rPr lang="en-US" dirty="0"/>
+              <a:t> listed in the function definition.</a:t>
+            </a:r>
+          </a:p>
+          <a:p>
+            <a:r>
+              <a:rPr lang="en-US" dirty="0"/>
+              <a:t>Function </a:t>
+            </a:r>
+            <a:r>
+              <a:rPr lang="en-US" b="1" dirty="0"/>
+              <a:t>arguments</a:t>
+            </a:r>
+            <a:r>
+              <a:rPr lang="en-US" dirty="0"/>
+              <a:t> are the real </a:t>
+            </a:r>
+            <a:r>
+              <a:rPr lang="en-US" b="1" dirty="0"/>
+              <a:t>values</a:t>
+            </a:r>
+            <a:r>
+              <a:rPr lang="en-US" dirty="0"/>
+              <a:t> passed to (and received by) the function.</a:t>
+            </a:r>
+          </a:p>
+          <a:p>
+            <a:r>
+              <a:rPr lang="en-US" dirty="0" smtClean="0"/>
+              <a:t>Parameter Rules:</a:t>
+            </a:r>
+          </a:p>
+          <a:p>
+            <a:r>
+              <a:rPr lang="en-US" dirty="0"/>
+              <a:t>JavaScript function definitions do not specify data types for parameters.</a:t>
+            </a:r>
+          </a:p>
+          <a:p>
+            <a:r>
+              <a:rPr lang="en-US" dirty="0"/>
+              <a:t>JavaScript functions do not perform type checking on the passed arguments.</a:t>
+            </a:r>
+          </a:p>
+          <a:p>
+            <a:r>
+              <a:rPr lang="en-US" dirty="0"/>
+              <a:t>JavaScript functions do not check the number of arguments received</a:t>
+            </a:r>
+            <a:r>
+              <a:rPr lang="en-US" dirty="0" smtClean="0"/>
+              <a:t>.</a:t>
+            </a:r>
+            <a:endParaRPr lang="en-US" dirty="0"/>
+          </a:p>
+        </p:txBody>
+      </p:sp>
+      <p:sp>
+        <p:nvSpPr>
+          <p:cNvPr id="3" name="Title 2"/>
+          <p:cNvSpPr>
+            <a:spLocks noGrp="1"/>
+          </p:cNvSpPr>
+          <p:nvPr>
+            <p:ph type="title"/>
+          </p:nvPr>
+        </p:nvSpPr>
+        <p:spPr/>
+        <p:txBody>
+          <a:bodyPr/>
+          <a:lstStyle/>
+          <a:p>
+            <a:r>
+              <a:rPr lang="en-US" dirty="0"/>
               <a:t>Function Parameters and </a:t>
             </a:r>
             <a:r>
@@ -31710,7 +32262,7 @@
 </p:sld>
 </file>
 
-<file path=ppt/slides/slide91.xml><?xml version="1.0" encoding="utf-8"?>
+<file path=ppt/slides/slide92.xml><?xml version="1.0" encoding="utf-8"?>
 <p:sld xmlns:a="http://schemas.openxmlformats.org/drawingml/2006/main" xmlns:r="http://schemas.openxmlformats.org/officeDocument/2006/relationships" xmlns:p="http://schemas.openxmlformats.org/presentationml/2006/main">
   <p:cSld>
     <p:spTree>
@@ -31968,7 +32520,7 @@
 </p:sld>
 </file>
 
-<file path=ppt/slides/slide92.xml><?xml version="1.0" encoding="utf-8"?>
+<file path=ppt/slides/slide93.xml><?xml version="1.0" encoding="utf-8"?>
 <p:sld xmlns:a="http://schemas.openxmlformats.org/drawingml/2006/main" xmlns:r="http://schemas.openxmlformats.org/officeDocument/2006/relationships" xmlns:p="http://schemas.openxmlformats.org/presentationml/2006/main">
   <p:cSld>
     <p:spTree>
@@ -32254,7 +32806,7 @@
 </p:sld>
 </file>
 
-<file path=ppt/slides/slide93.xml><?xml version="1.0" encoding="utf-8"?>
+<file path=ppt/slides/slide94.xml><?xml version="1.0" encoding="utf-8"?>
 <p:sld xmlns:a="http://schemas.openxmlformats.org/drawingml/2006/main" xmlns:r="http://schemas.openxmlformats.org/officeDocument/2006/relationships" xmlns:p="http://schemas.openxmlformats.org/presentationml/2006/main">
   <p:cSld>
     <p:spTree>
@@ -32386,7 +32938,7 @@
 </p:sld>
 </file>
 
-<file path=ppt/slides/slide94.xml><?xml version="1.0" encoding="utf-8"?>
+<file path=ppt/slides/slide95.xml><?xml version="1.0" encoding="utf-8"?>
 <p:sld xmlns:a="http://schemas.openxmlformats.org/drawingml/2006/main" xmlns:r="http://schemas.openxmlformats.org/officeDocument/2006/relationships" xmlns:p="http://schemas.openxmlformats.org/presentationml/2006/main">
   <p:cSld>
     <p:spTree>
@@ -32629,7 +33181,7 @@
 </p:sld>
 </file>
 
-<file path=ppt/slides/slide95.xml><?xml version="1.0" encoding="utf-8"?>
+<file path=ppt/slides/slide96.xml><?xml version="1.0" encoding="utf-8"?>
 <p:sld xmlns:a="http://schemas.openxmlformats.org/drawingml/2006/main" xmlns:r="http://schemas.openxmlformats.org/officeDocument/2006/relationships" xmlns:p="http://schemas.openxmlformats.org/presentationml/2006/main">
   <p:cSld>
     <p:spTree>
@@ -32807,7 +33359,7 @@
 </p:sld>
 </file>
 
-<file path=ppt/slides/slide96.xml><?xml version="1.0" encoding="utf-8"?>
+<file path=ppt/slides/slide97.xml><?xml version="1.0" encoding="utf-8"?>
 <p:sld xmlns:a="http://schemas.openxmlformats.org/drawingml/2006/main" xmlns:r="http://schemas.openxmlformats.org/officeDocument/2006/relationships" xmlns:p="http://schemas.openxmlformats.org/presentationml/2006/main">
   <p:cSld>
     <p:spTree>
@@ -33029,7 +33581,7 @@
 </p:sld>
 </file>
 
-<file path=ppt/slides/slide97.xml><?xml version="1.0" encoding="utf-8"?>
+<file path=ppt/slides/slide98.xml><?xml version="1.0" encoding="utf-8"?>
 <p:sld xmlns:a="http://schemas.openxmlformats.org/drawingml/2006/main" xmlns:r="http://schemas.openxmlformats.org/officeDocument/2006/relationships" xmlns:p="http://schemas.openxmlformats.org/presentationml/2006/main">
   <p:cSld>
     <p:spTree>
@@ -33319,7 +33871,7 @@
 </p:sld>
 </file>
 
-<file path=ppt/slides/slide98.xml><?xml version="1.0" encoding="utf-8"?>
+<file path=ppt/slides/slide99.xml><?xml version="1.0" encoding="utf-8"?>
 <p:sld xmlns:a="http://schemas.openxmlformats.org/drawingml/2006/main" xmlns:r="http://schemas.openxmlformats.org/officeDocument/2006/relationships" xmlns:p="http://schemas.openxmlformats.org/presentationml/2006/main">
   <p:cSld>
     <p:spTree>
@@ -33561,235 +34113,6 @@
     <p:extLst>
       <p:ext uri="{BB962C8B-B14F-4D97-AF65-F5344CB8AC3E}">
         <p14:creationId xmlns:p14="http://schemas.microsoft.com/office/powerpoint/2010/main" val="51603848"/>
-      </p:ext>
-    </p:extLst>
-  </p:cSld>
-  <p:clrMapOvr>
-    <a:masterClrMapping/>
-  </p:clrMapOvr>
-</p:sld>
-</file>
-
-<file path=ppt/slides/slide99.xml><?xml version="1.0" encoding="utf-8"?>
-<p:sld xmlns:a="http://schemas.openxmlformats.org/drawingml/2006/main" xmlns:r="http://schemas.openxmlformats.org/officeDocument/2006/relationships" xmlns:p="http://schemas.openxmlformats.org/presentationml/2006/main">
-  <p:cSld>
-    <p:spTree>
-      <p:nvGrpSpPr>
-        <p:cNvPr id="1" name=""/>
-        <p:cNvGrpSpPr/>
-        <p:nvPr/>
-      </p:nvGrpSpPr>
-      <p:grpSpPr>
-        <a:xfrm>
-          <a:off x="0" y="0"/>
-          <a:ext cx="0" cy="0"/>
-          <a:chOff x="0" y="0"/>
-          <a:chExt cx="0" cy="0"/>
-        </a:xfrm>
-      </p:grpSpPr>
-      <p:sp>
-        <p:nvSpPr>
-          <p:cNvPr id="2" name="Content Placeholder 1"/>
-          <p:cNvSpPr>
-            <a:spLocks noGrp="1"/>
-          </p:cNvSpPr>
-          <p:nvPr>
-            <p:ph idx="1"/>
-          </p:nvPr>
-        </p:nvSpPr>
-        <p:spPr/>
-        <p:txBody>
-          <a:bodyPr/>
-          <a:lstStyle/>
-          <a:p>
-            <a:r>
-              <a:rPr lang="en-US" dirty="0"/>
-              <a:t>With the </a:t>
-            </a:r>
-            <a:r>
-              <a:rPr lang="en-US" b="1" dirty="0">
-                <a:solidFill>
-                  <a:srgbClr val="FFC000"/>
-                </a:solidFill>
-              </a:rPr>
-              <a:t>call()</a:t>
-            </a:r>
-            <a:r>
-              <a:rPr lang="en-US" dirty="0"/>
-              <a:t> method, you can write a method that can be used on different objects</a:t>
-            </a:r>
-            <a:r>
-              <a:rPr lang="en-US" dirty="0" smtClean="0"/>
-              <a:t>.</a:t>
-            </a:r>
-          </a:p>
-          <a:p>
-            <a:r>
-              <a:rPr lang="en-US" b="1" dirty="0">
-                <a:solidFill>
-                  <a:srgbClr val="FFC000"/>
-                </a:solidFill>
-              </a:rPr>
-              <a:t>In JavaScript all functions are object methods.</a:t>
-            </a:r>
-          </a:p>
-          <a:p>
-            <a:r>
-              <a:rPr lang="en-US" dirty="0"/>
-              <a:t>If a function is not a method of a JavaScript object, it is a function of the global </a:t>
-            </a:r>
-            <a:r>
-              <a:rPr lang="en-US" dirty="0" smtClean="0"/>
-              <a:t>object.</a:t>
-            </a:r>
-            <a:endParaRPr lang="en-US" dirty="0"/>
-          </a:p>
-          <a:p>
-            <a:r>
-              <a:rPr lang="en-US" dirty="0"/>
-              <a:t>The example below creates an object with 3 properties, </a:t>
-            </a:r>
-            <a:r>
-              <a:rPr lang="en-US" dirty="0" err="1"/>
-              <a:t>firstName</a:t>
-            </a:r>
-            <a:r>
-              <a:rPr lang="en-US" dirty="0"/>
-              <a:t>, </a:t>
-            </a:r>
-            <a:r>
-              <a:rPr lang="en-US" dirty="0" err="1"/>
-              <a:t>lastName</a:t>
-            </a:r>
-            <a:r>
-              <a:rPr lang="en-US" dirty="0"/>
-              <a:t>, </a:t>
-            </a:r>
-            <a:r>
-              <a:rPr lang="en-US" dirty="0" err="1"/>
-              <a:t>fullName</a:t>
-            </a:r>
-            <a:r>
-              <a:rPr lang="en-US" dirty="0"/>
-              <a:t>.</a:t>
-            </a:r>
-          </a:p>
-          <a:p>
-            <a:endParaRPr lang="bg-BG" dirty="0"/>
-          </a:p>
-        </p:txBody>
-      </p:sp>
-      <p:sp>
-        <p:nvSpPr>
-          <p:cNvPr id="3" name="Title 2"/>
-          <p:cNvSpPr>
-            <a:spLocks noGrp="1"/>
-          </p:cNvSpPr>
-          <p:nvPr>
-            <p:ph type="title"/>
-          </p:nvPr>
-        </p:nvSpPr>
-        <p:spPr/>
-        <p:txBody>
-          <a:bodyPr/>
-          <a:lstStyle/>
-          <a:p>
-            <a:r>
-              <a:rPr lang="en-US" dirty="0"/>
-              <a:t>JavaScript Function </a:t>
-            </a:r>
-            <a:r>
-              <a:rPr lang="en-US" b="1" dirty="0">
-                <a:solidFill>
-                  <a:srgbClr val="FFC000"/>
-                </a:solidFill>
-              </a:rPr>
-              <a:t>call</a:t>
-            </a:r>
-            <a:r>
-              <a:rPr lang="en-US" b="1" dirty="0" smtClean="0">
-                <a:solidFill>
-                  <a:srgbClr val="FFC000"/>
-                </a:solidFill>
-              </a:rPr>
-              <a:t>()</a:t>
-            </a:r>
-            <a:endParaRPr lang="bg-BG" b="1" dirty="0">
-              <a:solidFill>
-                <a:srgbClr val="FFC000"/>
-              </a:solidFill>
-            </a:endParaRPr>
-          </a:p>
-        </p:txBody>
-      </p:sp>
-      <p:pic>
-        <p:nvPicPr>
-          <p:cNvPr id="16386" name="Picture 2"/>
-          <p:cNvPicPr>
-            <a:picLocks noChangeAspect="1" noChangeArrowheads="1"/>
-          </p:cNvPicPr>
-          <p:nvPr/>
-        </p:nvPicPr>
-        <p:blipFill>
-          <a:blip r:embed="rId2">
-            <a:extLst>
-              <a:ext uri="{28A0092B-C50C-407E-A947-70E740481C1C}">
-                <a14:useLocalDpi xmlns:a14="http://schemas.microsoft.com/office/drawing/2010/main" val="0"/>
-              </a:ext>
-            </a:extLst>
-          </a:blip>
-          <a:srcRect/>
-          <a:stretch>
-            <a:fillRect/>
-          </a:stretch>
-        </p:blipFill>
-        <p:spPr bwMode="auto">
-          <a:xfrm>
-            <a:off x="533400" y="4191000"/>
-            <a:ext cx="4572000" cy="2499246"/>
-          </a:xfrm>
-          <a:prstGeom prst="rect">
-            <a:avLst/>
-          </a:prstGeom>
-          <a:noFill/>
-          <a:ln>
-            <a:noFill/>
-          </a:ln>
-          <a:effectLst/>
-          <a:extLst>
-            <a:ext uri="{909E8E84-426E-40DD-AFC4-6F175D3DCCD1}">
-              <a14:hiddenFill xmlns:a14="http://schemas.microsoft.com/office/drawing/2010/main">
-                <a:solidFill>
-                  <a:schemeClr val="accent1"/>
-                </a:solidFill>
-              </a14:hiddenFill>
-            </a:ext>
-            <a:ext uri="{91240B29-F687-4F45-9708-019B960494DF}">
-              <a14:hiddenLine xmlns:a14="http://schemas.microsoft.com/office/drawing/2010/main" w="9525">
-                <a:solidFill>
-                  <a:schemeClr val="tx1"/>
-                </a:solidFill>
-                <a:miter lim="800000"/>
-                <a:headEnd/>
-                <a:tailEnd/>
-              </a14:hiddenLine>
-            </a:ext>
-            <a:ext uri="{AF507438-7753-43E0-B8FC-AC1667EBCBE1}">
-              <a14:hiddenEffects xmlns:a14="http://schemas.microsoft.com/office/drawing/2010/main">
-                <a:effectLst>
-                  <a:outerShdw dist="35921" dir="2700000" algn="ctr" rotWithShape="0">
-                    <a:schemeClr val="bg2"/>
-                  </a:outerShdw>
-                </a:effectLst>
-              </a14:hiddenEffects>
-            </a:ext>
-          </a:extLst>
-        </p:spPr>
-      </p:pic>
-    </p:spTree>
-    <p:extLst>
-      <p:ext uri="{BB962C8B-B14F-4D97-AF65-F5344CB8AC3E}">
-        <p14:creationId xmlns:p14="http://schemas.microsoft.com/office/powerpoint/2010/main" val="2229490119"/>
       </p:ext>
     </p:extLst>
   </p:cSld>

--- a/Programming Prep.pptx
+++ b/Programming Prep.pptx
@@ -396,11 +396,19 @@
             <p14:sldId id="429"/>
             <p14:sldId id="430"/>
             <p14:sldId id="431"/>
+          </p14:sldIdLst>
+        </p14:section>
+        <p14:section name="JS Sets" id="{88A30305-0EB4-40F9-89C3-A48E374F49CF}">
+          <p14:sldIdLst>
             <p14:sldId id="432"/>
             <p14:sldId id="433"/>
             <p14:sldId id="434"/>
             <p14:sldId id="435"/>
             <p14:sldId id="436"/>
+          </p14:sldIdLst>
+        </p14:section>
+        <p14:section name="JS Maps" id="{18A622A5-E1B1-4A4F-8CDD-FD890C0718FF}">
+          <p14:sldIdLst>
             <p14:sldId id="437"/>
             <p14:sldId id="438"/>
             <p14:sldId id="439"/>
@@ -764,7 +772,7 @@
             <a:fld id="{1D8BD707-D9CF-40AE-B4C6-C98DA3205C09}" type="datetimeFigureOut">
               <a:rPr lang="en-US" smtClean="0"/>
               <a:pPr/>
-              <a:t>9/11/2022</a:t>
+              <a:t>9/13/2022</a:t>
             </a:fld>
             <a:endParaRPr lang="en-US"/>
           </a:p>
@@ -979,7 +987,7 @@
             <a:fld id="{1D8BD707-D9CF-40AE-B4C6-C98DA3205C09}" type="datetimeFigureOut">
               <a:rPr lang="en-US" smtClean="0"/>
               <a:pPr/>
-              <a:t>9/11/2022</a:t>
+              <a:t>9/13/2022</a:t>
             </a:fld>
             <a:endParaRPr lang="en-US"/>
           </a:p>
@@ -1248,7 +1256,7 @@
             <a:fld id="{1D8BD707-D9CF-40AE-B4C6-C98DA3205C09}" type="datetimeFigureOut">
               <a:rPr lang="en-US" smtClean="0"/>
               <a:pPr/>
-              <a:t>9/11/2022</a:t>
+              <a:t>9/13/2022</a:t>
             </a:fld>
             <a:endParaRPr lang="en-US"/>
           </a:p>
@@ -1400,7 +1408,7 @@
             <a:fld id="{1D8BD707-D9CF-40AE-B4C6-C98DA3205C09}" type="datetimeFigureOut">
               <a:rPr lang="en-US" smtClean="0"/>
               <a:pPr/>
-              <a:t>9/11/2022</a:t>
+              <a:t>9/13/2022</a:t>
             </a:fld>
             <a:endParaRPr lang="en-US"/>
           </a:p>
@@ -1732,7 +1740,7 @@
             <a:fld id="{1D8BD707-D9CF-40AE-B4C6-C98DA3205C09}" type="datetimeFigureOut">
               <a:rPr lang="en-US" smtClean="0"/>
               <a:pPr/>
-              <a:t>9/11/2022</a:t>
+              <a:t>9/13/2022</a:t>
             </a:fld>
             <a:endParaRPr lang="en-US"/>
           </a:p>
@@ -2042,7 +2050,7 @@
             <a:fld id="{1D8BD707-D9CF-40AE-B4C6-C98DA3205C09}" type="datetimeFigureOut">
               <a:rPr lang="en-US" smtClean="0"/>
               <a:pPr/>
-              <a:t>9/11/2022</a:t>
+              <a:t>9/13/2022</a:t>
             </a:fld>
             <a:endParaRPr lang="en-US"/>
           </a:p>
@@ -2465,7 +2473,7 @@
             <a:fld id="{1D8BD707-D9CF-40AE-B4C6-C98DA3205C09}" type="datetimeFigureOut">
               <a:rPr lang="en-US" smtClean="0"/>
               <a:pPr/>
-              <a:t>9/11/2022</a:t>
+              <a:t>9/13/2022</a:t>
             </a:fld>
             <a:endParaRPr lang="en-US"/>
           </a:p>
@@ -2580,7 +2588,7 @@
             <a:fld id="{1D8BD707-D9CF-40AE-B4C6-C98DA3205C09}" type="datetimeFigureOut">
               <a:rPr lang="en-US" smtClean="0"/>
               <a:pPr/>
-              <a:t>9/11/2022</a:t>
+              <a:t>9/13/2022</a:t>
             </a:fld>
             <a:endParaRPr lang="en-US"/>
           </a:p>
@@ -2741,7 +2749,7 @@
             <a:fld id="{1D8BD707-D9CF-40AE-B4C6-C98DA3205C09}" type="datetimeFigureOut">
               <a:rPr lang="en-US" smtClean="0"/>
               <a:pPr/>
-              <a:t>9/11/2022</a:t>
+              <a:t>9/13/2022</a:t>
             </a:fld>
             <a:endParaRPr lang="en-US"/>
           </a:p>
@@ -3127,7 +3135,7 @@
             <a:fld id="{1D8BD707-D9CF-40AE-B4C6-C98DA3205C09}" type="datetimeFigureOut">
               <a:rPr lang="en-US" smtClean="0"/>
               <a:pPr/>
-              <a:t>9/11/2022</a:t>
+              <a:t>9/13/2022</a:t>
             </a:fld>
             <a:endParaRPr lang="en-US"/>
           </a:p>
@@ -3491,7 +3499,7 @@
             <a:fld id="{1D8BD707-D9CF-40AE-B4C6-C98DA3205C09}" type="datetimeFigureOut">
               <a:rPr lang="en-US" smtClean="0"/>
               <a:pPr/>
-              <a:t>9/11/2022</a:t>
+              <a:t>9/13/2022</a:t>
             </a:fld>
             <a:endParaRPr lang="en-US"/>
           </a:p>
@@ -3827,7 +3835,7 @@
             <a:fld id="{1D8BD707-D9CF-40AE-B4C6-C98DA3205C09}" type="datetimeFigureOut">
               <a:rPr lang="en-US" smtClean="0"/>
               <a:pPr/>
-              <a:t>9/11/2022</a:t>
+              <a:t>9/13/2022</a:t>
             </a:fld>
             <a:endParaRPr lang="en-US"/>
           </a:p>
@@ -6887,34 +6895,7 @@
               <a:srgbClr val="FFFFFF"/>
             </a:contourClr>
           </a:sp3d>
-          <a:extLst>
-            <a:ext uri="{909E8E84-426E-40DD-AFC4-6F175D3DCCD1}">
-              <a14:hiddenFill xmlns:a14="http://schemas.microsoft.com/office/drawing/2010/main">
-                <a:solidFill>
-                  <a:schemeClr val="accent1"/>
-                </a:solidFill>
-              </a14:hiddenFill>
-            </a:ext>
-            <a:ext uri="{91240B29-F687-4F45-9708-019B960494DF}">
-              <a14:hiddenLine xmlns:a14="http://schemas.microsoft.com/office/drawing/2010/main" w="9525">
-                <a:solidFill>
-                  <a:schemeClr val="tx1"/>
-                </a:solidFill>
-                <a:miter lim="800000"/>
-                <a:headEnd/>
-                <a:tailEnd/>
-              </a14:hiddenLine>
-            </a:ext>
-            <a:ext uri="{AF507438-7753-43E0-B8FC-AC1667EBCBE1}">
-              <a14:hiddenEffects xmlns:a14="http://schemas.microsoft.com/office/drawing/2010/main">
-                <a:effectLst>
-                  <a:outerShdw dist="35921" dir="2700000" algn="ctr" rotWithShape="0">
-                    <a:schemeClr val="bg2"/>
-                  </a:outerShdw>
-                </a:effectLst>
-              </a14:hiddenEffects>
-            </a:ext>
-          </a:extLst>
+          <a:extLst/>
         </p:spPr>
       </p:pic>
     </p:spTree>
@@ -47181,15 +47162,7 @@
           <a:p>
             <a:r>
               <a:rPr lang="en-US" dirty="0"/>
-              <a:t>The JavaScript </a:t>
-            </a:r>
-            <a:r>
-              <a:rPr lang="en-US" dirty="0"/>
-              <a:t>prototype</a:t>
-            </a:r>
-            <a:r>
-              <a:rPr lang="en-US" dirty="0"/>
-              <a:t> property allows you to add new properties to object constructors</a:t>
+              <a:t>The JavaScript prototype property allows you to add new properties to object constructors</a:t>
             </a:r>
             <a:r>
               <a:rPr lang="en-US" dirty="0" smtClean="0"/>
@@ -47214,15 +47187,7 @@
           <a:p>
             <a:r>
               <a:rPr lang="en-US" dirty="0"/>
-              <a:t>The JavaScript </a:t>
-            </a:r>
-            <a:r>
-              <a:rPr lang="en-US" dirty="0"/>
-              <a:t>prototype</a:t>
-            </a:r>
-            <a:r>
-              <a:rPr lang="en-US" dirty="0"/>
-              <a:t> property also allows you to add new methods to objects constructors:</a:t>
+              <a:t>The JavaScript prototype property also allows you to add new methods to objects constructors:</a:t>
             </a:r>
             <a:endParaRPr lang="bg-BG" dirty="0"/>
           </a:p>
@@ -49395,15 +49360,7 @@
           <a:p>
             <a:r>
               <a:rPr lang="en-US" sz="2200" dirty="0"/>
-              <a:t>The </a:t>
-            </a:r>
-            <a:r>
-              <a:rPr lang="en-US" sz="2200" dirty="0"/>
-              <a:t>values()</a:t>
-            </a:r>
-            <a:r>
-              <a:rPr lang="en-US" sz="2200" dirty="0"/>
-              <a:t> method returns an Iterator object containing all the values in a Set:</a:t>
+              <a:t>The values() method returns an Iterator object containing all the values in a Set:</a:t>
             </a:r>
             <a:endParaRPr lang="bg-BG" sz="2200" dirty="0"/>
           </a:p>
@@ -50138,11 +50095,7 @@
             </a:r>
             <a:r>
               <a:rPr lang="en-US" dirty="0"/>
-              <a:t> Set</a:t>
-            </a:r>
-            <a:r>
-              <a:rPr lang="en-US" dirty="0"/>
-              <a:t> returns true:</a:t>
+              <a:t> Set returns true:</a:t>
             </a:r>
           </a:p>
           <a:p>
@@ -51070,15 +51023,7 @@
                   <a:schemeClr val="accent1"/>
                 </a:solidFill>
               </a:rPr>
-              <a:t>size</a:t>
-            </a:r>
-            <a:r>
-              <a:rPr lang="en-US" b="1" dirty="0">
-                <a:solidFill>
-                  <a:schemeClr val="accent1"/>
-                </a:solidFill>
-              </a:rPr>
-              <a:t> property </a:t>
+              <a:t>size property </a:t>
             </a:r>
             <a:r>
               <a:rPr lang="en-US" dirty="0"/>
